--- a/img/pipeline.pptx
+++ b/img/pipeline.pptx
@@ -115,7 +115,7 @@
 <file path=ppt/revisionInfo.xml><?xml version="1.0" encoding="utf-8"?>
 <p1510:revInfo xmlns:a="http://schemas.openxmlformats.org/drawingml/2006/main" xmlns:r="http://schemas.openxmlformats.org/officeDocument/2006/relationships" xmlns:p1510="http://schemas.microsoft.com/office/powerpoint/2015/10/main">
   <p1510:revLst>
-    <p1510:client id="{31A5A1A3-D443-415D-B743-2467B0C08EC2}" v="75" dt="2024-05-03T05:32:25.457"/>
+    <p1510:client id="{31A5A1A3-D443-415D-B743-2467B0C08EC2}" v="98" dt="2024-05-03T21:38:36.871"/>
   </p1510:revLst>
 </p1510:revInfo>
 </file>
@@ -125,12 +125,12 @@
   <pc:docChgLst>
     <pc:chgData name="Bo Tang" userId="332dbdf67b1791cd" providerId="LiveId" clId="{31A5A1A3-D443-415D-B743-2467B0C08EC2}"/>
     <pc:docChg chg="undo redo custSel addSld modSld">
-      <pc:chgData name="Bo Tang" userId="332dbdf67b1791cd" providerId="LiveId" clId="{31A5A1A3-D443-415D-B743-2467B0C08EC2}" dt="2024-05-03T05:32:44.061" v="379" actId="20577"/>
+      <pc:chgData name="Bo Tang" userId="332dbdf67b1791cd" providerId="LiveId" clId="{31A5A1A3-D443-415D-B743-2467B0C08EC2}" dt="2024-05-03T21:38:51.273" v="403" actId="208"/>
       <pc:docMkLst>
         <pc:docMk/>
       </pc:docMkLst>
       <pc:sldChg chg="addSp delSp modSp new mod">
-        <pc:chgData name="Bo Tang" userId="332dbdf67b1791cd" providerId="LiveId" clId="{31A5A1A3-D443-415D-B743-2467B0C08EC2}" dt="2024-05-03T05:32:44.061" v="379" actId="20577"/>
+        <pc:chgData name="Bo Tang" userId="332dbdf67b1791cd" providerId="LiveId" clId="{31A5A1A3-D443-415D-B743-2467B0C08EC2}" dt="2024-05-03T21:38:51.273" v="403" actId="208"/>
         <pc:sldMkLst>
           <pc:docMk/>
           <pc:sldMk cId="3536482602" sldId="256"/>
@@ -263,6 +263,22 @@
             <ac:spMk id="11" creationId="{6950032A-46B2-DD77-9AEB-781CB881CD46}"/>
           </ac:spMkLst>
         </pc:spChg>
+        <pc:spChg chg="mod">
+          <ac:chgData name="Bo Tang" userId="332dbdf67b1791cd" providerId="LiveId" clId="{31A5A1A3-D443-415D-B743-2467B0C08EC2}" dt="2024-05-03T21:38:20.477" v="391" actId="20577"/>
+          <ac:spMkLst>
+            <pc:docMk/>
+            <pc:sldMk cId="3536482602" sldId="256"/>
+            <ac:spMk id="11" creationId="{E56EB9DD-4005-F5B8-03FF-5FCC55C6DB7A}"/>
+          </ac:spMkLst>
+        </pc:spChg>
+        <pc:spChg chg="mod">
+          <ac:chgData name="Bo Tang" userId="332dbdf67b1791cd" providerId="LiveId" clId="{31A5A1A3-D443-415D-B743-2467B0C08EC2}" dt="2024-05-03T21:38:20.477" v="391" actId="20577"/>
+          <ac:spMkLst>
+            <pc:docMk/>
+            <pc:sldMk cId="3536482602" sldId="256"/>
+            <ac:spMk id="12" creationId="{2AF4E074-F092-3ADD-ED2F-96952E45224F}"/>
+          </ac:spMkLst>
+        </pc:spChg>
         <pc:spChg chg="add del mod">
           <ac:chgData name="Bo Tang" userId="332dbdf67b1791cd" providerId="LiveId" clId="{31A5A1A3-D443-415D-B743-2467B0C08EC2}" dt="2024-05-03T04:56:33.650" v="61" actId="11529"/>
           <ac:spMkLst>
@@ -295,12 +311,28 @@
             <ac:spMk id="18" creationId="{D207E57B-4DDA-F7DD-B56E-179DB3B8C1D9}"/>
           </ac:spMkLst>
         </pc:spChg>
+        <pc:spChg chg="mod">
+          <ac:chgData name="Bo Tang" userId="332dbdf67b1791cd" providerId="LiveId" clId="{31A5A1A3-D443-415D-B743-2467B0C08EC2}" dt="2024-05-03T21:38:20.477" v="391" actId="20577"/>
+          <ac:spMkLst>
+            <pc:docMk/>
+            <pc:sldMk cId="3536482602" sldId="256"/>
+            <ac:spMk id="21" creationId="{C4C2F0BE-53B3-C550-2D11-AD3CE5320912}"/>
+          </ac:spMkLst>
+        </pc:spChg>
         <pc:spChg chg="del mod topLvl">
           <ac:chgData name="Bo Tang" userId="332dbdf67b1791cd" providerId="LiveId" clId="{31A5A1A3-D443-415D-B743-2467B0C08EC2}" dt="2024-05-03T05:04:42.662" v="113" actId="478"/>
           <ac:spMkLst>
             <pc:docMk/>
             <pc:sldMk cId="3536482602" sldId="256"/>
             <ac:spMk id="22" creationId="{23C59A76-21A3-0B39-896B-5E7FE1CC3521}"/>
+          </ac:spMkLst>
+        </pc:spChg>
+        <pc:spChg chg="mod">
+          <ac:chgData name="Bo Tang" userId="332dbdf67b1791cd" providerId="LiveId" clId="{31A5A1A3-D443-415D-B743-2467B0C08EC2}" dt="2024-05-03T21:38:20.477" v="391" actId="20577"/>
+          <ac:spMkLst>
+            <pc:docMk/>
+            <pc:sldMk cId="3536482602" sldId="256"/>
+            <ac:spMk id="22" creationId="{3B67587E-08C6-28FA-480A-B442CE54CC50}"/>
           </ac:spMkLst>
         </pc:spChg>
         <pc:spChg chg="mod">
@@ -479,6 +511,14 @@
             <ac:spMk id="1058" creationId="{633D9BCB-809C-1047-73E3-F7C19DF88BCF}"/>
           </ac:spMkLst>
         </pc:spChg>
+        <pc:spChg chg="mod">
+          <ac:chgData name="Bo Tang" userId="332dbdf67b1791cd" providerId="LiveId" clId="{31A5A1A3-D443-415D-B743-2467B0C08EC2}" dt="2024-05-03T21:38:14.075" v="385" actId="20577"/>
+          <ac:spMkLst>
+            <pc:docMk/>
+            <pc:sldMk cId="3536482602" sldId="256"/>
+            <ac:spMk id="1059" creationId="{AC3E2EE8-E518-A90D-D870-A0A0D945A1A6}"/>
+          </ac:spMkLst>
+        </pc:spChg>
         <pc:spChg chg="add del mod">
           <ac:chgData name="Bo Tang" userId="332dbdf67b1791cd" providerId="LiveId" clId="{31A5A1A3-D443-415D-B743-2467B0C08EC2}" dt="2024-05-03T05:29:59.601" v="350" actId="14100"/>
           <ac:spMkLst>
@@ -543,6 +583,14 @@
             <ac:spMk id="1068" creationId="{000042D4-99C0-C94A-859F-D782D3C17AB9}"/>
           </ac:spMkLst>
         </pc:spChg>
+        <pc:spChg chg="mod">
+          <ac:chgData name="Bo Tang" userId="332dbdf67b1791cd" providerId="LiveId" clId="{31A5A1A3-D443-415D-B743-2467B0C08EC2}" dt="2024-05-03T21:38:20.477" v="391" actId="20577"/>
+          <ac:spMkLst>
+            <pc:docMk/>
+            <pc:sldMk cId="3536482602" sldId="256"/>
+            <ac:spMk id="1069" creationId="{55438617-4EC1-E9FC-059F-2BFABA592333}"/>
+          </ac:spMkLst>
+        </pc:spChg>
         <pc:spChg chg="add mod">
           <ac:chgData name="Bo Tang" userId="332dbdf67b1791cd" providerId="LiveId" clId="{31A5A1A3-D443-415D-B743-2467B0C08EC2}" dt="2024-05-03T05:30:21.193" v="352" actId="14100"/>
           <ac:spMkLst>
@@ -559,12 +607,44 @@
             <ac:spMk id="1072" creationId="{6DF7FF08-9504-9235-A543-0FD34532C9EF}"/>
           </ac:spMkLst>
         </pc:spChg>
+        <pc:spChg chg="mod">
+          <ac:chgData name="Bo Tang" userId="332dbdf67b1791cd" providerId="LiveId" clId="{31A5A1A3-D443-415D-B743-2467B0C08EC2}" dt="2024-05-03T21:38:20.477" v="391" actId="20577"/>
+          <ac:spMkLst>
+            <pc:docMk/>
+            <pc:sldMk cId="3536482602" sldId="256"/>
+            <ac:spMk id="1073" creationId="{43809BD3-7D1D-0E7B-B948-E83A62A19EAD}"/>
+          </ac:spMkLst>
+        </pc:spChg>
         <pc:spChg chg="add mod">
           <ac:chgData name="Bo Tang" userId="332dbdf67b1791cd" providerId="LiveId" clId="{31A5A1A3-D443-415D-B743-2467B0C08EC2}" dt="2024-05-03T05:30:35.217" v="354" actId="14100"/>
           <ac:spMkLst>
             <pc:docMk/>
             <pc:sldMk cId="3536482602" sldId="256"/>
             <ac:spMk id="1075" creationId="{8026F57E-E10B-252E-18C5-B2B389C177A1}"/>
+          </ac:spMkLst>
+        </pc:spChg>
+        <pc:spChg chg="mod">
+          <ac:chgData name="Bo Tang" userId="332dbdf67b1791cd" providerId="LiveId" clId="{31A5A1A3-D443-415D-B743-2467B0C08EC2}" dt="2024-05-03T21:38:26.436" v="394" actId="20577"/>
+          <ac:spMkLst>
+            <pc:docMk/>
+            <pc:sldMk cId="3536482602" sldId="256"/>
+            <ac:spMk id="1114" creationId="{F25F2E8C-4A10-8915-2FC2-E0CB07B107A5}"/>
+          </ac:spMkLst>
+        </pc:spChg>
+        <pc:spChg chg="mod">
+          <ac:chgData name="Bo Tang" userId="332dbdf67b1791cd" providerId="LiveId" clId="{31A5A1A3-D443-415D-B743-2467B0C08EC2}" dt="2024-05-03T21:38:36.871" v="402" actId="122"/>
+          <ac:spMkLst>
+            <pc:docMk/>
+            <pc:sldMk cId="3536482602" sldId="256"/>
+            <ac:spMk id="1128" creationId="{F711EC48-439C-5F16-75F4-EF1A6E991814}"/>
+          </ac:spMkLst>
+        </pc:spChg>
+        <pc:spChg chg="mod">
+          <ac:chgData name="Bo Tang" userId="332dbdf67b1791cd" providerId="LiveId" clId="{31A5A1A3-D443-415D-B743-2467B0C08EC2}" dt="2024-05-03T21:38:33.491" v="401" actId="20577"/>
+          <ac:spMkLst>
+            <pc:docMk/>
+            <pc:sldMk cId="3536482602" sldId="256"/>
+            <ac:spMk id="1131" creationId="{2B86C883-EB01-F505-EBDE-521A2F4B2D2A}"/>
           </ac:spMkLst>
         </pc:spChg>
         <pc:grpChg chg="add mod">
@@ -607,12 +687,36 @@
             <ac:grpSpMk id="48" creationId="{1DF76848-25DA-50B6-7290-FB965DF2CA75}"/>
           </ac:grpSpMkLst>
         </pc:grpChg>
+        <pc:grpChg chg="mod">
+          <ac:chgData name="Bo Tang" userId="332dbdf67b1791cd" providerId="LiveId" clId="{31A5A1A3-D443-415D-B743-2467B0C08EC2}" dt="2024-05-03T21:38:20.477" v="391" actId="20577"/>
+          <ac:grpSpMkLst>
+            <pc:docMk/>
+            <pc:sldMk cId="3536482602" sldId="256"/>
+            <ac:grpSpMk id="1054" creationId="{AD5694B4-0998-6DD5-567B-25485E0BE575}"/>
+          </ac:grpSpMkLst>
+        </pc:grpChg>
         <pc:grpChg chg="add mod">
           <ac:chgData name="Bo Tang" userId="332dbdf67b1791cd" providerId="LiveId" clId="{31A5A1A3-D443-415D-B743-2467B0C08EC2}" dt="2024-05-03T05:31:42.235" v="363" actId="1076"/>
           <ac:grpSpMkLst>
             <pc:docMk/>
             <pc:sldMk cId="3536482602" sldId="256"/>
             <ac:grpSpMk id="1063" creationId="{64EE39E0-C17A-BB39-68DD-AB945C489CC2}"/>
+          </ac:grpSpMkLst>
+        </pc:grpChg>
+        <pc:grpChg chg="mod">
+          <ac:chgData name="Bo Tang" userId="332dbdf67b1791cd" providerId="LiveId" clId="{31A5A1A3-D443-415D-B743-2467B0C08EC2}" dt="2024-05-03T21:38:20.477" v="391" actId="20577"/>
+          <ac:grpSpMkLst>
+            <pc:docMk/>
+            <pc:sldMk cId="3536482602" sldId="256"/>
+            <ac:grpSpMk id="1079" creationId="{8A188382-4990-22BB-40D8-73F1481E467F}"/>
+          </ac:grpSpMkLst>
+        </pc:grpChg>
+        <pc:grpChg chg="mod">
+          <ac:chgData name="Bo Tang" userId="332dbdf67b1791cd" providerId="LiveId" clId="{31A5A1A3-D443-415D-B743-2467B0C08EC2}" dt="2024-05-03T21:38:20.477" v="391" actId="20577"/>
+          <ac:grpSpMkLst>
+            <pc:docMk/>
+            <pc:sldMk cId="3536482602" sldId="256"/>
+            <ac:grpSpMk id="1115" creationId="{CB20EB91-B3C7-C4A6-1002-8572DF143580}"/>
           </ac:grpSpMkLst>
         </pc:grpChg>
         <pc:picChg chg="add del mod">
@@ -789,6 +893,22 @@
             <pc:docMk/>
             <pc:sldMk cId="3536482602" sldId="256"/>
             <ac:cxnSpMk id="1053" creationId="{CF36725C-0DF3-D291-1C09-F1994F519690}"/>
+          </ac:cxnSpMkLst>
+        </pc:cxnChg>
+        <pc:cxnChg chg="mod">
+          <ac:chgData name="Bo Tang" userId="332dbdf67b1791cd" providerId="LiveId" clId="{31A5A1A3-D443-415D-B743-2467B0C08EC2}" dt="2024-05-03T21:38:20.477" v="391" actId="20577"/>
+          <ac:cxnSpMkLst>
+            <pc:docMk/>
+            <pc:sldMk cId="3536482602" sldId="256"/>
+            <ac:cxnSpMk id="1070" creationId="{F0789562-0617-8049-EC8C-5306A2F75F49}"/>
+          </ac:cxnSpMkLst>
+        </pc:cxnChg>
+        <pc:cxnChg chg="mod">
+          <ac:chgData name="Bo Tang" userId="332dbdf67b1791cd" providerId="LiveId" clId="{31A5A1A3-D443-415D-B743-2467B0C08EC2}" dt="2024-05-03T21:38:51.273" v="403" actId="208"/>
+          <ac:cxnSpMkLst>
+            <pc:docMk/>
+            <pc:sldMk cId="3536482602" sldId="256"/>
+            <ac:cxnSpMk id="1074" creationId="{9E9C04A0-ADC2-2B31-FE13-3C409E244901}"/>
           </ac:cxnSpMkLst>
         </pc:cxnChg>
       </pc:sldChg>
@@ -4044,8 +4164,8 @@
             </p:txBody>
           </p:sp>
         </p:grpSp>
-        <mc:AlternateContent xmlns:mc="http://schemas.openxmlformats.org/markup-compatibility/2006">
-          <mc:Choice xmlns:a14="http://schemas.microsoft.com/office/drawing/2010/main" Requires="a14">
+        <mc:AlternateContent xmlns:mc="http://schemas.openxmlformats.org/markup-compatibility/2006" xmlns:a14="http://schemas.microsoft.com/office/drawing/2010/main">
+          <mc:Choice Requires="a14">
             <p:sp>
               <p:nvSpPr>
                 <p:cNvPr id="19" name="TextBox 18">
@@ -4154,7 +4274,7 @@
               </p:txBody>
             </p:sp>
           </mc:Choice>
-          <mc:Fallback>
+          <mc:Fallback xmlns="">
             <p:sp>
               <p:nvSpPr>
                 <p:cNvPr id="19" name="TextBox 18">
@@ -5376,8 +5496,8 @@
             </p:style>
           </p:cxnSp>
         </p:grpSp>
-        <mc:AlternateContent xmlns:mc="http://schemas.openxmlformats.org/markup-compatibility/2006">
-          <mc:Choice xmlns:a14="http://schemas.microsoft.com/office/drawing/2010/main" Requires="a14">
+        <mc:AlternateContent xmlns:mc="http://schemas.openxmlformats.org/markup-compatibility/2006" xmlns:a14="http://schemas.microsoft.com/office/drawing/2010/main">
+          <mc:Choice Requires="a14">
             <p:sp>
               <p:nvSpPr>
                 <p:cNvPr id="47" name="TextBox 46">
@@ -5591,7 +5711,7 @@
               </p:txBody>
             </p:sp>
           </mc:Choice>
-          <mc:Fallback>
+          <mc:Fallback xmlns="">
             <p:sp>
               <p:nvSpPr>
                 <p:cNvPr id="47" name="TextBox 46">
@@ -7555,121 +7675,6 @@
                               </m:r>
                             </m:sup>
                           </m:sSup>
-                          <m:r>
-                            <a:rPr lang="en-US" i="1">
-                              <a:solidFill>
-                                <a:schemeClr val="tx1">
-                                  <a:lumMod val="95000"/>
-                                  <a:lumOff val="5000"/>
-                                </a:schemeClr>
-                              </a:solidFill>
-                              <a:latin typeface="Cambria Math" panose="02040503050406030204" pitchFamily="18" charset="0"/>
-                              <a:ea typeface="Cambria Math" panose="02040503050406030204" pitchFamily="18" charset="0"/>
-                              <a:cs typeface="Times New Roman" panose="02020603050405020304" pitchFamily="18" charset="0"/>
-                            </a:rPr>
-                            <m:t>,</m:t>
-                          </m:r>
-                          <m:r>
-                            <m:rPr>
-                              <m:nor/>
-                            </m:rPr>
-                            <a:rPr lang="en-US" dirty="0">
-                              <a:solidFill>
-                                <a:schemeClr val="tx1">
-                                  <a:lumMod val="95000"/>
-                                  <a:lumOff val="5000"/>
-                                </a:schemeClr>
-                              </a:solidFill>
-                              <a:ea typeface="Cambria Math" panose="02040503050406030204" pitchFamily="18" charset="0"/>
-                              <a:cs typeface="Times New Roman" panose="02020603050405020304" pitchFamily="18" charset="0"/>
-                            </a:rPr>
-                            <m:t> </m:t>
-                          </m:r>
-                          <m:sSup>
-                            <m:sSupPr>
-                              <m:ctrlPr>
-                                <a:rPr lang="en-US" i="1">
-                                  <a:solidFill>
-                                    <a:schemeClr val="tx1">
-                                      <a:lumMod val="95000"/>
-                                      <a:lumOff val="5000"/>
-                                    </a:schemeClr>
-                                  </a:solidFill>
-                                  <a:latin typeface="Cambria Math" panose="02040503050406030204" pitchFamily="18" charset="0"/>
-                                  <a:ea typeface="Cambria Math" panose="02040503050406030204" pitchFamily="18" charset="0"/>
-                                  <a:cs typeface="Times New Roman" panose="02020603050405020304" pitchFamily="18" charset="0"/>
-                                </a:rPr>
-                              </m:ctrlPr>
-                            </m:sSupPr>
-                            <m:e>
-                              <m:acc>
-                                <m:accPr>
-                                  <m:chr m:val="̂"/>
-                                  <m:ctrlPr>
-                                    <a:rPr lang="en-US" b="1" i="1">
-                                      <a:solidFill>
-                                        <a:schemeClr val="tx1">
-                                          <a:lumMod val="95000"/>
-                                          <a:lumOff val="5000"/>
-                                        </a:schemeClr>
-                                      </a:solidFill>
-                                      <a:latin typeface="Cambria Math" panose="02040503050406030204" pitchFamily="18" charset="0"/>
-                                      <a:ea typeface="Cambria Math" panose="02040503050406030204" pitchFamily="18" charset="0"/>
-                                      <a:cs typeface="Times New Roman" panose="02020603050405020304" pitchFamily="18" charset="0"/>
-                                    </a:rPr>
-                                  </m:ctrlPr>
-                                </m:accPr>
-                                <m:e>
-                                  <m:r>
-                                    <a:rPr lang="en-US" b="1" i="1">
-                                      <a:solidFill>
-                                        <a:schemeClr val="tx1">
-                                          <a:lumMod val="95000"/>
-                                          <a:lumOff val="5000"/>
-                                        </a:schemeClr>
-                                      </a:solidFill>
-                                      <a:latin typeface="Cambria Math" panose="02040503050406030204" pitchFamily="18" charset="0"/>
-                                      <a:ea typeface="Cambria Math" panose="02040503050406030204" pitchFamily="18" charset="0"/>
-                                      <a:cs typeface="Times New Roman" panose="02020603050405020304" pitchFamily="18" charset="0"/>
-                                    </a:rPr>
-                                    <m:t>𝒚</m:t>
-                                  </m:r>
-                                </m:e>
-                              </m:acc>
-                            </m:e>
-                            <m:sup>
-                              <m:r>
-                                <a:rPr lang="en-US" i="1">
-                                  <a:solidFill>
-                                    <a:schemeClr val="tx1">
-                                      <a:lumMod val="95000"/>
-                                      <a:lumOff val="5000"/>
-                                    </a:schemeClr>
-                                  </a:solidFill>
-                                  <a:latin typeface="Cambria Math" panose="02040503050406030204" pitchFamily="18" charset="0"/>
-                                  <a:ea typeface="Cambria Math" panose="02040503050406030204" pitchFamily="18" charset="0"/>
-                                  <a:cs typeface="Times New Roman" panose="02020603050405020304" pitchFamily="18" charset="0"/>
-                                </a:rPr>
-                                <m:t>𝑖</m:t>
-                              </m:r>
-                            </m:sup>
-                          </m:sSup>
-                          <m:r>
-                            <m:rPr>
-                              <m:nor/>
-                            </m:rPr>
-                            <a:rPr lang="en-US" b="1" dirty="0">
-                              <a:solidFill>
-                                <a:schemeClr val="tx1">
-                                  <a:lumMod val="95000"/>
-                                  <a:lumOff val="5000"/>
-                                </a:schemeClr>
-                              </a:solidFill>
-                              <a:latin typeface="Times New Roman" panose="02020603050405020304" pitchFamily="18" charset="0"/>
-                              <a:cs typeface="Times New Roman" panose="02020603050405020304" pitchFamily="18" charset="0"/>
-                            </a:rPr>
-                            <m:t> </m:t>
-                          </m:r>
                         </m:e>
                       </m:d>
                     </m:oMath>
@@ -7798,7 +7803,10 @@
               </a:prstGeom>
               <a:ln w="19050">
                 <a:solidFill>
-                  <a:srgbClr val="AEAEAE"/>
+                  <a:schemeClr val="tx1">
+                    <a:lumMod val="75000"/>
+                    <a:lumOff val="25000"/>
+                  </a:schemeClr>
                 </a:solidFill>
                 <a:headEnd type="triangle"/>
               </a:ln>
@@ -8323,89 +8331,6 @@
                                       <a:cs typeface="Times New Roman" panose="02020603050405020304" pitchFamily="18" charset="0"/>
                                     </a:rPr>
                                     <m:t>𝒙</m:t>
-                                  </m:r>
-                                </m:e>
-                              </m:acc>
-                            </m:e>
-                            <m:sup>
-                              <m:r>
-                                <a:rPr lang="en-US" i="1">
-                                  <a:solidFill>
-                                    <a:schemeClr val="tx1">
-                                      <a:lumMod val="95000"/>
-                                      <a:lumOff val="5000"/>
-                                    </a:schemeClr>
-                                  </a:solidFill>
-                                  <a:latin typeface="Cambria Math" panose="02040503050406030204" pitchFamily="18" charset="0"/>
-                                  <a:ea typeface="Cambria Math" panose="02040503050406030204" pitchFamily="18" charset="0"/>
-                                  <a:cs typeface="Times New Roman" panose="02020603050405020304" pitchFamily="18" charset="0"/>
-                                </a:rPr>
-                                <m:t>𝑖</m:t>
-                              </m:r>
-                            </m:sup>
-                          </m:sSup>
-                          <m:r>
-                            <a:rPr lang="en-US" i="1">
-                              <a:solidFill>
-                                <a:schemeClr val="tx1">
-                                  <a:lumMod val="95000"/>
-                                  <a:lumOff val="5000"/>
-                                </a:schemeClr>
-                              </a:solidFill>
-                              <a:latin typeface="Cambria Math" panose="02040503050406030204" pitchFamily="18" charset="0"/>
-                              <a:ea typeface="Cambria Math" panose="02040503050406030204" pitchFamily="18" charset="0"/>
-                              <a:cs typeface="Times New Roman" panose="02020603050405020304" pitchFamily="18" charset="0"/>
-                            </a:rPr>
-                            <m:t>,</m:t>
-                          </m:r>
-                          <m:sSup>
-                            <m:sSupPr>
-                              <m:ctrlPr>
-                                <a:rPr lang="en-US" i="1">
-                                  <a:solidFill>
-                                    <a:schemeClr val="tx1">
-                                      <a:lumMod val="95000"/>
-                                      <a:lumOff val="5000"/>
-                                    </a:schemeClr>
-                                  </a:solidFill>
-                                  <a:latin typeface="Cambria Math" panose="02040503050406030204" pitchFamily="18" charset="0"/>
-                                  <a:ea typeface="Cambria Math" panose="02040503050406030204" pitchFamily="18" charset="0"/>
-                                  <a:cs typeface="Times New Roman" panose="02020603050405020304" pitchFamily="18" charset="0"/>
-                                </a:rPr>
-                              </m:ctrlPr>
-                            </m:sSupPr>
-                            <m:e>
-                              <m:acc>
-                                <m:accPr>
-                                  <m:chr m:val="̅"/>
-                                  <m:ctrlPr>
-                                    <a:rPr lang="en-US" i="1">
-                                      <a:solidFill>
-                                        <a:schemeClr val="tx1">
-                                          <a:lumMod val="95000"/>
-                                          <a:lumOff val="5000"/>
-                                        </a:schemeClr>
-                                      </a:solidFill>
-                                      <a:latin typeface="Cambria Math" panose="02040503050406030204" pitchFamily="18" charset="0"/>
-                                      <a:ea typeface="Cambria Math" panose="02040503050406030204" pitchFamily="18" charset="0"/>
-                                      <a:cs typeface="Times New Roman" panose="02020603050405020304" pitchFamily="18" charset="0"/>
-                                    </a:rPr>
-                                  </m:ctrlPr>
-                                </m:accPr>
-                                <m:e>
-                                  <m:r>
-                                    <a:rPr lang="en-US" b="1" i="1">
-                                      <a:solidFill>
-                                        <a:schemeClr val="tx1">
-                                          <a:lumMod val="95000"/>
-                                          <a:lumOff val="5000"/>
-                                        </a:schemeClr>
-                                      </a:solidFill>
-                                      <a:latin typeface="Cambria Math" panose="02040503050406030204" pitchFamily="18" charset="0"/>
-                                      <a:ea typeface="Cambria Math" panose="02040503050406030204" pitchFamily="18" charset="0"/>
-                                      <a:cs typeface="Times New Roman" panose="02020603050405020304" pitchFamily="18" charset="0"/>
-                                    </a:rPr>
-                                    <m:t>𝒚</m:t>
                                   </m:r>
                                 </m:e>
                               </m:acc>
@@ -8772,8 +8697,8 @@
           </p:style>
         </p:cxnSp>
       </p:grpSp>
-      <mc:AlternateContent xmlns:mc="http://schemas.openxmlformats.org/markup-compatibility/2006">
-        <mc:Choice xmlns:a14="http://schemas.microsoft.com/office/drawing/2010/main" Requires="a14">
+      <mc:AlternateContent xmlns:mc="http://schemas.openxmlformats.org/markup-compatibility/2006" xmlns:a14="http://schemas.microsoft.com/office/drawing/2010/main">
+        <mc:Choice Requires="a14">
           <p:sp>
             <p:nvSpPr>
               <p:cNvPr id="1127" name="TextBox 1126">
@@ -8863,7 +8788,7 @@
             </p:txBody>
           </p:sp>
         </mc:Choice>
-        <mc:Fallback>
+        <mc:Fallback xmlns="">
           <p:sp>
             <p:nvSpPr>
               <p:cNvPr id="1127" name="TextBox 1126">
@@ -8940,147 +8865,70 @@
               <a:p>
                 <a:pPr algn="ctr"/>
                 <a14:m>
-                  <m:oMath xmlns:m="http://schemas.openxmlformats.org/officeDocument/2006/math">
-                    <m:sSup>
-                      <m:sSupPr>
-                        <m:ctrlPr>
-                          <a:rPr lang="en-US" i="1">
-                            <a:solidFill>
-                              <a:srgbClr val="002060"/>
-                            </a:solidFill>
-                            <a:latin typeface="Cambria Math" panose="02040503050406030204" pitchFamily="18" charset="0"/>
-                            <a:ea typeface="Cambria Math" panose="02040503050406030204" pitchFamily="18" charset="0"/>
-                            <a:cs typeface="Times New Roman" panose="02020603050405020304" pitchFamily="18" charset="0"/>
-                          </a:rPr>
-                        </m:ctrlPr>
-                      </m:sSupPr>
-                      <m:e>
-                        <m:acc>
-                          <m:accPr>
-                            <m:chr m:val="̂"/>
-                            <m:ctrlPr>
-                              <a:rPr lang="en-US" b="1" i="1">
-                                <a:solidFill>
-                                  <a:srgbClr val="002060"/>
-                                </a:solidFill>
-                                <a:latin typeface="Cambria Math" panose="02040503050406030204" pitchFamily="18" charset="0"/>
-                                <a:ea typeface="Cambria Math" panose="02040503050406030204" pitchFamily="18" charset="0"/>
-                                <a:cs typeface="Times New Roman" panose="02020603050405020304" pitchFamily="18" charset="0"/>
-                              </a:rPr>
-                            </m:ctrlPr>
-                          </m:accPr>
-                          <m:e>
-                            <m:r>
-                              <a:rPr lang="en-US" b="1" i="1">
-                                <a:solidFill>
-                                  <a:srgbClr val="002060"/>
-                                </a:solidFill>
-                                <a:latin typeface="Cambria Math" panose="02040503050406030204" pitchFamily="18" charset="0"/>
-                                <a:ea typeface="Cambria Math" panose="02040503050406030204" pitchFamily="18" charset="0"/>
-                                <a:cs typeface="Times New Roman" panose="02020603050405020304" pitchFamily="18" charset="0"/>
-                              </a:rPr>
-                              <m:t>𝒙</m:t>
-                            </m:r>
-                          </m:e>
-                        </m:acc>
-                      </m:e>
-                      <m:sup>
-                        <m:r>
-                          <a:rPr lang="en-US" i="1">
-                            <a:solidFill>
-                              <a:srgbClr val="002060"/>
-                            </a:solidFill>
-                            <a:latin typeface="Cambria Math" panose="02040503050406030204" pitchFamily="18" charset="0"/>
-                            <a:ea typeface="Cambria Math" panose="02040503050406030204" pitchFamily="18" charset="0"/>
-                            <a:cs typeface="Times New Roman" panose="02020603050405020304" pitchFamily="18" charset="0"/>
-                          </a:rPr>
-                          <m:t>𝑖</m:t>
-                        </m:r>
-                      </m:sup>
-                    </m:sSup>
-                    <m:r>
-                      <a:rPr lang="en-US" i="1">
-                        <a:solidFill>
-                          <a:srgbClr val="002060"/>
-                        </a:solidFill>
-                        <a:latin typeface="Cambria Math" panose="02040503050406030204" pitchFamily="18" charset="0"/>
-                        <a:ea typeface="Cambria Math" panose="02040503050406030204" pitchFamily="18" charset="0"/>
-                        <a:cs typeface="Times New Roman" panose="02020603050405020304" pitchFamily="18" charset="0"/>
-                      </a:rPr>
-                      <m:t>,</m:t>
-                    </m:r>
-                  </m:oMath>
-                </a14:m>
-                <a:r>
-                  <a:rPr lang="en-US" dirty="0">
-                    <a:solidFill>
-                      <a:srgbClr val="002060"/>
-                    </a:solidFill>
-                    <a:ea typeface="Cambria Math" panose="02040503050406030204" pitchFamily="18" charset="0"/>
-                    <a:cs typeface="Times New Roman" panose="02020603050405020304" pitchFamily="18" charset="0"/>
-                  </a:rPr>
-                  <a:t> </a:t>
-                </a:r>
-                <a14:m>
-                  <m:oMath xmlns:m="http://schemas.openxmlformats.org/officeDocument/2006/math">
-                    <m:sSup>
-                      <m:sSupPr>
-                        <m:ctrlPr>
-                          <a:rPr lang="en-US" i="1">
-                            <a:solidFill>
-                              <a:srgbClr val="002060"/>
-                            </a:solidFill>
-                            <a:latin typeface="Cambria Math" panose="02040503050406030204" pitchFamily="18" charset="0"/>
-                            <a:ea typeface="Cambria Math" panose="02040503050406030204" pitchFamily="18" charset="0"/>
-                            <a:cs typeface="Times New Roman" panose="02020603050405020304" pitchFamily="18" charset="0"/>
-                          </a:rPr>
-                        </m:ctrlPr>
-                      </m:sSupPr>
-                      <m:e>
-                        <m:acc>
-                          <m:accPr>
-                            <m:chr m:val="̂"/>
-                            <m:ctrlPr>
-                              <a:rPr lang="en-US" b="1" i="1">
-                                <a:solidFill>
-                                  <a:srgbClr val="002060"/>
-                                </a:solidFill>
-                                <a:latin typeface="Cambria Math" panose="02040503050406030204" pitchFamily="18" charset="0"/>
-                                <a:ea typeface="Cambria Math" panose="02040503050406030204" pitchFamily="18" charset="0"/>
-                                <a:cs typeface="Times New Roman" panose="02020603050405020304" pitchFamily="18" charset="0"/>
-                              </a:rPr>
-                            </m:ctrlPr>
-                          </m:accPr>
-                          <m:e>
-                            <m:r>
-                              <a:rPr lang="en-US" b="1" i="1">
-                                <a:solidFill>
-                                  <a:srgbClr val="002060"/>
-                                </a:solidFill>
-                                <a:latin typeface="Cambria Math" panose="02040503050406030204" pitchFamily="18" charset="0"/>
-                                <a:ea typeface="Cambria Math" panose="02040503050406030204" pitchFamily="18" charset="0"/>
-                                <a:cs typeface="Times New Roman" panose="02020603050405020304" pitchFamily="18" charset="0"/>
-                              </a:rPr>
-                              <m:t>𝒚</m:t>
-                            </m:r>
-                          </m:e>
-                        </m:acc>
-                      </m:e>
-                      <m:sup>
-                        <m:r>
-                          <a:rPr lang="en-US" i="1">
-                            <a:solidFill>
-                              <a:srgbClr val="002060"/>
-                            </a:solidFill>
-                            <a:latin typeface="Cambria Math" panose="02040503050406030204" pitchFamily="18" charset="0"/>
-                            <a:ea typeface="Cambria Math" panose="02040503050406030204" pitchFamily="18" charset="0"/>
-                            <a:cs typeface="Times New Roman" panose="02020603050405020304" pitchFamily="18" charset="0"/>
-                          </a:rPr>
-                          <m:t>𝑖</m:t>
-                        </m:r>
-                      </m:sup>
-                    </m:sSup>
-                  </m:oMath>
+                  <m:oMathPara xmlns:m="http://schemas.openxmlformats.org/officeDocument/2006/math">
+                    <m:oMathParaPr>
+                      <m:jc m:val="center"/>
+                    </m:oMathParaPr>
+                    <m:oMath xmlns:m="http://schemas.openxmlformats.org/officeDocument/2006/math">
+                      <m:sSup>
+                        <m:sSupPr>
+                          <m:ctrlPr>
+                            <a:rPr lang="en-US" i="1">
+                              <a:solidFill>
+                                <a:srgbClr val="002060"/>
+                              </a:solidFill>
+                              <a:latin typeface="Cambria Math" panose="02040503050406030204" pitchFamily="18" charset="0"/>
+                              <a:ea typeface="Cambria Math" panose="02040503050406030204" pitchFamily="18" charset="0"/>
+                              <a:cs typeface="Times New Roman" panose="02020603050405020304" pitchFamily="18" charset="0"/>
+                            </a:rPr>
+                          </m:ctrlPr>
+                        </m:sSupPr>
+                        <m:e>
+                          <m:acc>
+                            <m:accPr>
+                              <m:chr m:val="̂"/>
+                              <m:ctrlPr>
+                                <a:rPr lang="en-US" b="1" i="1">
+                                  <a:solidFill>
+                                    <a:srgbClr val="002060"/>
+                                  </a:solidFill>
+                                  <a:latin typeface="Cambria Math" panose="02040503050406030204" pitchFamily="18" charset="0"/>
+                                  <a:ea typeface="Cambria Math" panose="02040503050406030204" pitchFamily="18" charset="0"/>
+                                  <a:cs typeface="Times New Roman" panose="02020603050405020304" pitchFamily="18" charset="0"/>
+                                </a:rPr>
+                              </m:ctrlPr>
+                            </m:accPr>
+                            <m:e>
+                              <m:r>
+                                <a:rPr lang="en-US" b="1" i="1">
+                                  <a:solidFill>
+                                    <a:srgbClr val="002060"/>
+                                  </a:solidFill>
+                                  <a:latin typeface="Cambria Math" panose="02040503050406030204" pitchFamily="18" charset="0"/>
+                                  <a:ea typeface="Cambria Math" panose="02040503050406030204" pitchFamily="18" charset="0"/>
+                                  <a:cs typeface="Times New Roman" panose="02020603050405020304" pitchFamily="18" charset="0"/>
+                                </a:rPr>
+                                <m:t>𝒙</m:t>
+                              </m:r>
+                            </m:e>
+                          </m:acc>
+                        </m:e>
+                        <m:sup>
+                          <m:r>
+                            <a:rPr lang="en-US" i="1">
+                              <a:solidFill>
+                                <a:srgbClr val="002060"/>
+                              </a:solidFill>
+                              <a:latin typeface="Cambria Math" panose="02040503050406030204" pitchFamily="18" charset="0"/>
+                              <a:ea typeface="Cambria Math" panose="02040503050406030204" pitchFamily="18" charset="0"/>
+                              <a:cs typeface="Times New Roman" panose="02020603050405020304" pitchFamily="18" charset="0"/>
+                            </a:rPr>
+                            <m:t>𝑖</m:t>
+                          </m:r>
+                        </m:sup>
+                      </m:sSup>
+                    </m:oMath>
+                  </m:oMathPara>
                 </a14:m>
                 <a:endParaRPr lang="en-US" b="1" dirty="0">
                   <a:solidFill>
@@ -9119,7 +8967,7 @@
               <a:blipFill>
                 <a:blip r:embed="rId7"/>
                 <a:stretch>
-                  <a:fillRect t="-3226" r="-34351" b="-8065"/>
+                  <a:fillRect t="-1613" r="-11450"/>
                 </a:stretch>
               </a:blipFill>
             </p:spPr>
@@ -9232,74 +9080,6 @@
                           </m:r>
                         </m:sup>
                       </m:sSup>
-                      <m:r>
-                        <a:rPr lang="en-US" i="1">
-                          <a:solidFill>
-                            <a:srgbClr val="002060"/>
-                          </a:solidFill>
-                          <a:latin typeface="Cambria Math" panose="02040503050406030204" pitchFamily="18" charset="0"/>
-                          <a:ea typeface="Cambria Math" panose="02040503050406030204" pitchFamily="18" charset="0"/>
-                          <a:cs typeface="Times New Roman" panose="02020603050405020304" pitchFamily="18" charset="0"/>
-                        </a:rPr>
-                        <m:t>,</m:t>
-                      </m:r>
-                      <m:sSup>
-                        <m:sSupPr>
-                          <m:ctrlPr>
-                            <a:rPr lang="en-US" i="1">
-                              <a:solidFill>
-                                <a:srgbClr val="002060"/>
-                              </a:solidFill>
-                              <a:latin typeface="Cambria Math" panose="02040503050406030204" pitchFamily="18" charset="0"/>
-                              <a:ea typeface="Cambria Math" panose="02040503050406030204" pitchFamily="18" charset="0"/>
-                              <a:cs typeface="Times New Roman" panose="02020603050405020304" pitchFamily="18" charset="0"/>
-                            </a:rPr>
-                          </m:ctrlPr>
-                        </m:sSupPr>
-                        <m:e>
-                          <m:acc>
-                            <m:accPr>
-                              <m:chr m:val="̅"/>
-                              <m:ctrlPr>
-                                <a:rPr lang="en-US" i="1">
-                                  <a:solidFill>
-                                    <a:srgbClr val="002060"/>
-                                  </a:solidFill>
-                                  <a:latin typeface="Cambria Math" panose="02040503050406030204" pitchFamily="18" charset="0"/>
-                                  <a:ea typeface="Cambria Math" panose="02040503050406030204" pitchFamily="18" charset="0"/>
-                                  <a:cs typeface="Times New Roman" panose="02020603050405020304" pitchFamily="18" charset="0"/>
-                                </a:rPr>
-                              </m:ctrlPr>
-                            </m:accPr>
-                            <m:e>
-                              <m:r>
-                                <a:rPr lang="en-US" b="1" i="1">
-                                  <a:solidFill>
-                                    <a:srgbClr val="002060"/>
-                                  </a:solidFill>
-                                  <a:latin typeface="Cambria Math" panose="02040503050406030204" pitchFamily="18" charset="0"/>
-                                  <a:ea typeface="Cambria Math" panose="02040503050406030204" pitchFamily="18" charset="0"/>
-                                  <a:cs typeface="Times New Roman" panose="02020603050405020304" pitchFamily="18" charset="0"/>
-                                </a:rPr>
-                                <m:t>𝒚</m:t>
-                              </m:r>
-                            </m:e>
-                          </m:acc>
-                        </m:e>
-                        <m:sup>
-                          <m:r>
-                            <a:rPr lang="en-US" i="1">
-                              <a:solidFill>
-                                <a:srgbClr val="002060"/>
-                              </a:solidFill>
-                              <a:latin typeface="Cambria Math" panose="02040503050406030204" pitchFamily="18" charset="0"/>
-                              <a:ea typeface="Cambria Math" panose="02040503050406030204" pitchFamily="18" charset="0"/>
-                              <a:cs typeface="Times New Roman" panose="02020603050405020304" pitchFamily="18" charset="0"/>
-                            </a:rPr>
-                            <m:t>𝑖</m:t>
-                          </m:r>
-                        </m:sup>
-                      </m:sSup>
                     </m:oMath>
                   </m:oMathPara>
                 </a14:m>
@@ -9340,7 +9120,7 @@
               <a:blipFill>
                 <a:blip r:embed="rId8"/>
                 <a:stretch>
-                  <a:fillRect r="-22137" b="-9677"/>
+                  <a:fillRect r="-3817"/>
                 </a:stretch>
               </a:blipFill>
             </p:spPr>

--- a/img/pipeline.pptx
+++ b/img/pipeline.pptx
@@ -115,7 +115,7 @@
 <file path=ppt/revisionInfo.xml><?xml version="1.0" encoding="utf-8"?>
 <p1510:revInfo xmlns:a="http://schemas.openxmlformats.org/drawingml/2006/main" xmlns:r="http://schemas.openxmlformats.org/officeDocument/2006/relationships" xmlns:p1510="http://schemas.microsoft.com/office/powerpoint/2015/10/main">
   <p1510:revLst>
-    <p1510:client id="{31A5A1A3-D443-415D-B743-2467B0C08EC2}" v="98" dt="2024-05-03T21:38:36.871"/>
+    <p1510:client id="{31A5A1A3-D443-415D-B743-2467B0C08EC2}" v="102" dt="2024-05-04T02:16:38.213"/>
   </p1510:revLst>
 </p1510:revInfo>
 </file>
@@ -125,12 +125,12 @@
   <pc:docChgLst>
     <pc:chgData name="Bo Tang" userId="332dbdf67b1791cd" providerId="LiveId" clId="{31A5A1A3-D443-415D-B743-2467B0C08EC2}"/>
     <pc:docChg chg="undo redo custSel addSld modSld">
-      <pc:chgData name="Bo Tang" userId="332dbdf67b1791cd" providerId="LiveId" clId="{31A5A1A3-D443-415D-B743-2467B0C08EC2}" dt="2024-05-03T21:38:51.273" v="403" actId="208"/>
+      <pc:chgData name="Bo Tang" userId="332dbdf67b1791cd" providerId="LiveId" clId="{31A5A1A3-D443-415D-B743-2467B0C08EC2}" dt="2024-05-04T02:16:38.213" v="410"/>
       <pc:docMkLst>
         <pc:docMk/>
       </pc:docMkLst>
       <pc:sldChg chg="addSp delSp modSp new mod">
-        <pc:chgData name="Bo Tang" userId="332dbdf67b1791cd" providerId="LiveId" clId="{31A5A1A3-D443-415D-B743-2467B0C08EC2}" dt="2024-05-03T21:38:51.273" v="403" actId="208"/>
+        <pc:chgData name="Bo Tang" userId="332dbdf67b1791cd" providerId="LiveId" clId="{31A5A1A3-D443-415D-B743-2467B0C08EC2}" dt="2024-05-04T02:16:38.213" v="410"/>
         <pc:sldMkLst>
           <pc:docMk/>
           <pc:sldMk cId="3536482602" sldId="256"/>
@@ -264,7 +264,7 @@
           </ac:spMkLst>
         </pc:spChg>
         <pc:spChg chg="mod">
-          <ac:chgData name="Bo Tang" userId="332dbdf67b1791cd" providerId="LiveId" clId="{31A5A1A3-D443-415D-B743-2467B0C08EC2}" dt="2024-05-03T21:38:20.477" v="391" actId="20577"/>
+          <ac:chgData name="Bo Tang" userId="332dbdf67b1791cd" providerId="LiveId" clId="{31A5A1A3-D443-415D-B743-2467B0C08EC2}" dt="2024-05-04T02:16:38.213" v="410"/>
           <ac:spMkLst>
             <pc:docMk/>
             <pc:sldMk cId="3536482602" sldId="256"/>
@@ -272,7 +272,7 @@
           </ac:spMkLst>
         </pc:spChg>
         <pc:spChg chg="mod">
-          <ac:chgData name="Bo Tang" userId="332dbdf67b1791cd" providerId="LiveId" clId="{31A5A1A3-D443-415D-B743-2467B0C08EC2}" dt="2024-05-03T21:38:20.477" v="391" actId="20577"/>
+          <ac:chgData name="Bo Tang" userId="332dbdf67b1791cd" providerId="LiveId" clId="{31A5A1A3-D443-415D-B743-2467B0C08EC2}" dt="2024-05-04T02:16:38.213" v="410"/>
           <ac:spMkLst>
             <pc:docMk/>
             <pc:sldMk cId="3536482602" sldId="256"/>
@@ -312,7 +312,7 @@
           </ac:spMkLst>
         </pc:spChg>
         <pc:spChg chg="mod">
-          <ac:chgData name="Bo Tang" userId="332dbdf67b1791cd" providerId="LiveId" clId="{31A5A1A3-D443-415D-B743-2467B0C08EC2}" dt="2024-05-03T21:38:20.477" v="391" actId="20577"/>
+          <ac:chgData name="Bo Tang" userId="332dbdf67b1791cd" providerId="LiveId" clId="{31A5A1A3-D443-415D-B743-2467B0C08EC2}" dt="2024-05-04T02:16:38.213" v="410"/>
           <ac:spMkLst>
             <pc:docMk/>
             <pc:sldMk cId="3536482602" sldId="256"/>
@@ -328,7 +328,7 @@
           </ac:spMkLst>
         </pc:spChg>
         <pc:spChg chg="mod">
-          <ac:chgData name="Bo Tang" userId="332dbdf67b1791cd" providerId="LiveId" clId="{31A5A1A3-D443-415D-B743-2467B0C08EC2}" dt="2024-05-03T21:38:20.477" v="391" actId="20577"/>
+          <ac:chgData name="Bo Tang" userId="332dbdf67b1791cd" providerId="LiveId" clId="{31A5A1A3-D443-415D-B743-2467B0C08EC2}" dt="2024-05-04T02:16:38.213" v="410"/>
           <ac:spMkLst>
             <pc:docMk/>
             <pc:sldMk cId="3536482602" sldId="256"/>
@@ -512,7 +512,7 @@
           </ac:spMkLst>
         </pc:spChg>
         <pc:spChg chg="mod">
-          <ac:chgData name="Bo Tang" userId="332dbdf67b1791cd" providerId="LiveId" clId="{31A5A1A3-D443-415D-B743-2467B0C08EC2}" dt="2024-05-03T21:38:14.075" v="385" actId="20577"/>
+          <ac:chgData name="Bo Tang" userId="332dbdf67b1791cd" providerId="LiveId" clId="{31A5A1A3-D443-415D-B743-2467B0C08EC2}" dt="2024-05-04T02:16:34.836" v="409" actId="21"/>
           <ac:spMkLst>
             <pc:docMk/>
             <pc:sldMk cId="3536482602" sldId="256"/>
@@ -584,7 +584,7 @@
           </ac:spMkLst>
         </pc:spChg>
         <pc:spChg chg="mod">
-          <ac:chgData name="Bo Tang" userId="332dbdf67b1791cd" providerId="LiveId" clId="{31A5A1A3-D443-415D-B743-2467B0C08EC2}" dt="2024-05-03T21:38:20.477" v="391" actId="20577"/>
+          <ac:chgData name="Bo Tang" userId="332dbdf67b1791cd" providerId="LiveId" clId="{31A5A1A3-D443-415D-B743-2467B0C08EC2}" dt="2024-05-04T02:16:38.213" v="410"/>
           <ac:spMkLst>
             <pc:docMk/>
             <pc:sldMk cId="3536482602" sldId="256"/>
@@ -608,7 +608,7 @@
           </ac:spMkLst>
         </pc:spChg>
         <pc:spChg chg="mod">
-          <ac:chgData name="Bo Tang" userId="332dbdf67b1791cd" providerId="LiveId" clId="{31A5A1A3-D443-415D-B743-2467B0C08EC2}" dt="2024-05-03T21:38:20.477" v="391" actId="20577"/>
+          <ac:chgData name="Bo Tang" userId="332dbdf67b1791cd" providerId="LiveId" clId="{31A5A1A3-D443-415D-B743-2467B0C08EC2}" dt="2024-05-04T02:16:38.213" v="410"/>
           <ac:spMkLst>
             <pc:docMk/>
             <pc:sldMk cId="3536482602" sldId="256"/>
@@ -624,7 +624,7 @@
           </ac:spMkLst>
         </pc:spChg>
         <pc:spChg chg="mod">
-          <ac:chgData name="Bo Tang" userId="332dbdf67b1791cd" providerId="LiveId" clId="{31A5A1A3-D443-415D-B743-2467B0C08EC2}" dt="2024-05-03T21:38:26.436" v="394" actId="20577"/>
+          <ac:chgData name="Bo Tang" userId="332dbdf67b1791cd" providerId="LiveId" clId="{31A5A1A3-D443-415D-B743-2467B0C08EC2}" dt="2024-05-04T02:16:38.213" v="410"/>
           <ac:spMkLst>
             <pc:docMk/>
             <pc:sldMk cId="3536482602" sldId="256"/>
@@ -632,7 +632,7 @@
           </ac:spMkLst>
         </pc:spChg>
         <pc:spChg chg="mod">
-          <ac:chgData name="Bo Tang" userId="332dbdf67b1791cd" providerId="LiveId" clId="{31A5A1A3-D443-415D-B743-2467B0C08EC2}" dt="2024-05-03T21:38:36.871" v="402" actId="122"/>
+          <ac:chgData name="Bo Tang" userId="332dbdf67b1791cd" providerId="LiveId" clId="{31A5A1A3-D443-415D-B743-2467B0C08EC2}" dt="2024-05-04T02:16:24.417" v="405" actId="21"/>
           <ac:spMkLst>
             <pc:docMk/>
             <pc:sldMk cId="3536482602" sldId="256"/>
@@ -640,7 +640,7 @@
           </ac:spMkLst>
         </pc:spChg>
         <pc:spChg chg="mod">
-          <ac:chgData name="Bo Tang" userId="332dbdf67b1791cd" providerId="LiveId" clId="{31A5A1A3-D443-415D-B743-2467B0C08EC2}" dt="2024-05-03T21:38:33.491" v="401" actId="20577"/>
+          <ac:chgData name="Bo Tang" userId="332dbdf67b1791cd" providerId="LiveId" clId="{31A5A1A3-D443-415D-B743-2467B0C08EC2}" dt="2024-05-04T02:16:26.271" v="406"/>
           <ac:spMkLst>
             <pc:docMk/>
             <pc:sldMk cId="3536482602" sldId="256"/>
@@ -688,7 +688,7 @@
           </ac:grpSpMkLst>
         </pc:grpChg>
         <pc:grpChg chg="mod">
-          <ac:chgData name="Bo Tang" userId="332dbdf67b1791cd" providerId="LiveId" clId="{31A5A1A3-D443-415D-B743-2467B0C08EC2}" dt="2024-05-03T21:38:20.477" v="391" actId="20577"/>
+          <ac:chgData name="Bo Tang" userId="332dbdf67b1791cd" providerId="LiveId" clId="{31A5A1A3-D443-415D-B743-2467B0C08EC2}" dt="2024-05-04T02:16:38.213" v="410"/>
           <ac:grpSpMkLst>
             <pc:docMk/>
             <pc:sldMk cId="3536482602" sldId="256"/>
@@ -704,7 +704,7 @@
           </ac:grpSpMkLst>
         </pc:grpChg>
         <pc:grpChg chg="mod">
-          <ac:chgData name="Bo Tang" userId="332dbdf67b1791cd" providerId="LiveId" clId="{31A5A1A3-D443-415D-B743-2467B0C08EC2}" dt="2024-05-03T21:38:20.477" v="391" actId="20577"/>
+          <ac:chgData name="Bo Tang" userId="332dbdf67b1791cd" providerId="LiveId" clId="{31A5A1A3-D443-415D-B743-2467B0C08EC2}" dt="2024-05-04T02:16:38.213" v="410"/>
           <ac:grpSpMkLst>
             <pc:docMk/>
             <pc:sldMk cId="3536482602" sldId="256"/>
@@ -712,7 +712,7 @@
           </ac:grpSpMkLst>
         </pc:grpChg>
         <pc:grpChg chg="mod">
-          <ac:chgData name="Bo Tang" userId="332dbdf67b1791cd" providerId="LiveId" clId="{31A5A1A3-D443-415D-B743-2467B0C08EC2}" dt="2024-05-03T21:38:20.477" v="391" actId="20577"/>
+          <ac:chgData name="Bo Tang" userId="332dbdf67b1791cd" providerId="LiveId" clId="{31A5A1A3-D443-415D-B743-2467B0C08EC2}" dt="2024-05-04T02:16:38.213" v="410"/>
           <ac:grpSpMkLst>
             <pc:docMk/>
             <pc:sldMk cId="3536482602" sldId="256"/>
@@ -896,7 +896,7 @@
           </ac:cxnSpMkLst>
         </pc:cxnChg>
         <pc:cxnChg chg="mod">
-          <ac:chgData name="Bo Tang" userId="332dbdf67b1791cd" providerId="LiveId" clId="{31A5A1A3-D443-415D-B743-2467B0C08EC2}" dt="2024-05-03T21:38:20.477" v="391" actId="20577"/>
+          <ac:chgData name="Bo Tang" userId="332dbdf67b1791cd" providerId="LiveId" clId="{31A5A1A3-D443-415D-B743-2467B0C08EC2}" dt="2024-05-04T02:16:38.213" v="410"/>
           <ac:cxnSpMkLst>
             <pc:docMk/>
             <pc:sldMk cId="3536482602" sldId="256"/>
@@ -904,7 +904,7 @@
           </ac:cxnSpMkLst>
         </pc:cxnChg>
         <pc:cxnChg chg="mod">
-          <ac:chgData name="Bo Tang" userId="332dbdf67b1791cd" providerId="LiveId" clId="{31A5A1A3-D443-415D-B743-2467B0C08EC2}" dt="2024-05-03T21:38:51.273" v="403" actId="208"/>
+          <ac:chgData name="Bo Tang" userId="332dbdf67b1791cd" providerId="LiveId" clId="{31A5A1A3-D443-415D-B743-2467B0C08EC2}" dt="2024-05-04T02:16:38.213" v="410"/>
           <ac:cxnSpMkLst>
             <pc:docMk/>
             <pc:sldMk cId="3536482602" sldId="256"/>
@@ -7625,9 +7625,9 @@
                             <m:e>
                               <m:acc>
                                 <m:accPr>
-                                  <m:chr m:val="̂"/>
+                                  <m:chr m:val="̅"/>
                                   <m:ctrlPr>
-                                    <a:rPr lang="en-US" b="1" i="1">
+                                    <a:rPr lang="en-US" i="1">
                                       <a:solidFill>
                                         <a:schemeClr val="tx1">
                                           <a:lumMod val="95000"/>
@@ -8302,9 +8302,9 @@
                             <m:e>
                               <m:acc>
                                 <m:accPr>
-                                  <m:chr m:val="̅"/>
+                                  <m:chr m:val="̂"/>
                                   <m:ctrlPr>
-                                    <a:rPr lang="en-US" i="1">
+                                    <a:rPr lang="en-US" b="1" i="1">
                                       <a:solidFill>
                                         <a:schemeClr val="tx1">
                                           <a:lumMod val="95000"/>
@@ -8886,9 +8886,9 @@
                         <m:e>
                           <m:acc>
                             <m:accPr>
-                              <m:chr m:val="̂"/>
+                              <m:chr m:val="̅"/>
                               <m:ctrlPr>
-                                <a:rPr lang="en-US" b="1" i="1">
+                                <a:rPr lang="en-US" i="1">
                                   <a:solidFill>
                                     <a:srgbClr val="002060"/>
                                   </a:solidFill>
@@ -8967,7 +8967,7 @@
               <a:blipFill>
                 <a:blip r:embed="rId7"/>
                 <a:stretch>
-                  <a:fillRect t="-1613" r="-11450"/>
+                  <a:fillRect r="-3817"/>
                 </a:stretch>
               </a:blipFill>
             </p:spPr>
@@ -9039,9 +9039,9 @@
                         <m:e>
                           <m:acc>
                             <m:accPr>
-                              <m:chr m:val="̅"/>
+                              <m:chr m:val="̂"/>
                               <m:ctrlPr>
-                                <a:rPr lang="en-US" i="1">
+                                <a:rPr lang="en-US" b="1" i="1">
                                   <a:solidFill>
                                     <a:srgbClr val="002060"/>
                                   </a:solidFill>
@@ -9120,7 +9120,7 @@
               <a:blipFill>
                 <a:blip r:embed="rId8"/>
                 <a:stretch>
-                  <a:fillRect r="-3817"/>
+                  <a:fillRect t="-1613" r="-11450"/>
                 </a:stretch>
               </a:blipFill>
             </p:spPr>

--- a/img/pipeline.pptx
+++ b/img/pipeline.pptx
@@ -115,7 +115,7 @@
 <file path=ppt/revisionInfo.xml><?xml version="1.0" encoding="utf-8"?>
 <p1510:revInfo xmlns:a="http://schemas.openxmlformats.org/drawingml/2006/main" xmlns:r="http://schemas.openxmlformats.org/officeDocument/2006/relationships" xmlns:p1510="http://schemas.microsoft.com/office/powerpoint/2015/10/main">
   <p1510:revLst>
-    <p1510:client id="{0CC41EC3-D5AE-4A4E-BCBF-91A1A4A8A767}" v="110" dt="2024-09-27T18:01:56.667"/>
+    <p1510:client id="{0CC41EC3-D5AE-4A4E-BCBF-91A1A4A8A767}" v="165" dt="2024-09-29T03:44:52.825"/>
   </p1510:revLst>
 </p1510:revInfo>
 </file>
@@ -917,12 +917,12 @@
   <pc:docChgLst>
     <pc:chgData name="Bo Tang" userId="332dbdf67b1791cd" providerId="LiveId" clId="{0CC41EC3-D5AE-4A4E-BCBF-91A1A4A8A767}"/>
     <pc:docChg chg="undo custSel modSld modMainMaster">
-      <pc:chgData name="Bo Tang" userId="332dbdf67b1791cd" providerId="LiveId" clId="{0CC41EC3-D5AE-4A4E-BCBF-91A1A4A8A767}" dt="2024-09-27T18:03:33.422" v="186" actId="167"/>
+      <pc:chgData name="Bo Tang" userId="332dbdf67b1791cd" providerId="LiveId" clId="{0CC41EC3-D5AE-4A4E-BCBF-91A1A4A8A767}" dt="2024-09-29T03:44:58.019" v="253" actId="1076"/>
       <pc:docMkLst>
         <pc:docMk/>
       </pc:docMkLst>
       <pc:sldChg chg="addSp delSp modSp mod">
-        <pc:chgData name="Bo Tang" userId="332dbdf67b1791cd" providerId="LiveId" clId="{0CC41EC3-D5AE-4A4E-BCBF-91A1A4A8A767}" dt="2024-09-27T18:03:33.422" v="186" actId="167"/>
+        <pc:chgData name="Bo Tang" userId="332dbdf67b1791cd" providerId="LiveId" clId="{0CC41EC3-D5AE-4A4E-BCBF-91A1A4A8A767}" dt="2024-09-29T03:44:58.019" v="253" actId="1076"/>
         <pc:sldMkLst>
           <pc:docMk/>
           <pc:sldMk cId="3536482602" sldId="256"/>
@@ -936,7 +936,7 @@
           </ac:spMkLst>
         </pc:spChg>
         <pc:spChg chg="add mod ord">
-          <ac:chgData name="Bo Tang" userId="332dbdf67b1791cd" providerId="LiveId" clId="{0CC41EC3-D5AE-4A4E-BCBF-91A1A4A8A767}" dt="2024-09-27T18:03:33.422" v="186" actId="167"/>
+          <ac:chgData name="Bo Tang" userId="332dbdf67b1791cd" providerId="LiveId" clId="{0CC41EC3-D5AE-4A4E-BCBF-91A1A4A8A767}" dt="2024-09-29T03:44:52.825" v="252" actId="404"/>
           <ac:spMkLst>
             <pc:docMk/>
             <pc:sldMk cId="3536482602" sldId="256"/>
@@ -944,7 +944,7 @@
           </ac:spMkLst>
         </pc:spChg>
         <pc:spChg chg="mod">
-          <ac:chgData name="Bo Tang" userId="332dbdf67b1791cd" providerId="LiveId" clId="{0CC41EC3-D5AE-4A4E-BCBF-91A1A4A8A767}" dt="2024-09-27T18:00:38.929" v="170" actId="165"/>
+          <ac:chgData name="Bo Tang" userId="332dbdf67b1791cd" providerId="LiveId" clId="{0CC41EC3-D5AE-4A4E-BCBF-91A1A4A8A767}" dt="2024-09-29T03:44:52.825" v="252" actId="404"/>
           <ac:spMkLst>
             <pc:docMk/>
             <pc:sldMk cId="3536482602" sldId="256"/>
@@ -952,7 +952,7 @@
           </ac:spMkLst>
         </pc:spChg>
         <pc:spChg chg="mod">
-          <ac:chgData name="Bo Tang" userId="332dbdf67b1791cd" providerId="LiveId" clId="{0CC41EC3-D5AE-4A4E-BCBF-91A1A4A8A767}" dt="2024-09-27T18:00:38.929" v="170" actId="165"/>
+          <ac:chgData name="Bo Tang" userId="332dbdf67b1791cd" providerId="LiveId" clId="{0CC41EC3-D5AE-4A4E-BCBF-91A1A4A8A767}" dt="2024-09-29T03:44:52.825" v="252" actId="404"/>
           <ac:spMkLst>
             <pc:docMk/>
             <pc:sldMk cId="3536482602" sldId="256"/>
@@ -960,7 +960,7 @@
           </ac:spMkLst>
         </pc:spChg>
         <pc:spChg chg="mod">
-          <ac:chgData name="Bo Tang" userId="332dbdf67b1791cd" providerId="LiveId" clId="{0CC41EC3-D5AE-4A4E-BCBF-91A1A4A8A767}" dt="2024-09-27T18:00:38.929" v="170" actId="165"/>
+          <ac:chgData name="Bo Tang" userId="332dbdf67b1791cd" providerId="LiveId" clId="{0CC41EC3-D5AE-4A4E-BCBF-91A1A4A8A767}" dt="2024-09-29T03:44:52.825" v="252" actId="404"/>
           <ac:spMkLst>
             <pc:docMk/>
             <pc:sldMk cId="3536482602" sldId="256"/>
@@ -968,7 +968,7 @@
           </ac:spMkLst>
         </pc:spChg>
         <pc:spChg chg="mod">
-          <ac:chgData name="Bo Tang" userId="332dbdf67b1791cd" providerId="LiveId" clId="{0CC41EC3-D5AE-4A4E-BCBF-91A1A4A8A767}" dt="2024-09-27T18:00:38.929" v="170" actId="165"/>
+          <ac:chgData name="Bo Tang" userId="332dbdf67b1791cd" providerId="LiveId" clId="{0CC41EC3-D5AE-4A4E-BCBF-91A1A4A8A767}" dt="2024-09-29T03:44:52.825" v="252" actId="404"/>
           <ac:spMkLst>
             <pc:docMk/>
             <pc:sldMk cId="3536482602" sldId="256"/>
@@ -976,7 +976,7 @@
           </ac:spMkLst>
         </pc:spChg>
         <pc:spChg chg="mod">
-          <ac:chgData name="Bo Tang" userId="332dbdf67b1791cd" providerId="LiveId" clId="{0CC41EC3-D5AE-4A4E-BCBF-91A1A4A8A767}" dt="2024-09-27T18:00:38.929" v="170" actId="165"/>
+          <ac:chgData name="Bo Tang" userId="332dbdf67b1791cd" providerId="LiveId" clId="{0CC41EC3-D5AE-4A4E-BCBF-91A1A4A8A767}" dt="2024-09-29T03:44:52.825" v="252" actId="404"/>
           <ac:spMkLst>
             <pc:docMk/>
             <pc:sldMk cId="3536482602" sldId="256"/>
@@ -984,7 +984,7 @@
           </ac:spMkLst>
         </pc:spChg>
         <pc:spChg chg="mod">
-          <ac:chgData name="Bo Tang" userId="332dbdf67b1791cd" providerId="LiveId" clId="{0CC41EC3-D5AE-4A4E-BCBF-91A1A4A8A767}" dt="2024-09-27T18:00:38.929" v="170" actId="165"/>
+          <ac:chgData name="Bo Tang" userId="332dbdf67b1791cd" providerId="LiveId" clId="{0CC41EC3-D5AE-4A4E-BCBF-91A1A4A8A767}" dt="2024-09-29T03:44:52.825" v="252" actId="404"/>
           <ac:spMkLst>
             <pc:docMk/>
             <pc:sldMk cId="3536482602" sldId="256"/>
@@ -992,7 +992,7 @@
           </ac:spMkLst>
         </pc:spChg>
         <pc:spChg chg="mod">
-          <ac:chgData name="Bo Tang" userId="332dbdf67b1791cd" providerId="LiveId" clId="{0CC41EC3-D5AE-4A4E-BCBF-91A1A4A8A767}" dt="2024-09-27T18:00:38.929" v="170" actId="165"/>
+          <ac:chgData name="Bo Tang" userId="332dbdf67b1791cd" providerId="LiveId" clId="{0CC41EC3-D5AE-4A4E-BCBF-91A1A4A8A767}" dt="2024-09-29T03:44:52.825" v="252" actId="404"/>
           <ac:spMkLst>
             <pc:docMk/>
             <pc:sldMk cId="3536482602" sldId="256"/>
@@ -1000,7 +1000,7 @@
           </ac:spMkLst>
         </pc:spChg>
         <pc:spChg chg="mod">
-          <ac:chgData name="Bo Tang" userId="332dbdf67b1791cd" providerId="LiveId" clId="{0CC41EC3-D5AE-4A4E-BCBF-91A1A4A8A767}" dt="2024-09-27T18:00:38.929" v="170" actId="165"/>
+          <ac:chgData name="Bo Tang" userId="332dbdf67b1791cd" providerId="LiveId" clId="{0CC41EC3-D5AE-4A4E-BCBF-91A1A4A8A767}" dt="2024-09-29T03:44:52.825" v="252" actId="404"/>
           <ac:spMkLst>
             <pc:docMk/>
             <pc:sldMk cId="3536482602" sldId="256"/>
@@ -1008,7 +1008,7 @@
           </ac:spMkLst>
         </pc:spChg>
         <pc:spChg chg="mod">
-          <ac:chgData name="Bo Tang" userId="332dbdf67b1791cd" providerId="LiveId" clId="{0CC41EC3-D5AE-4A4E-BCBF-91A1A4A8A767}" dt="2024-09-27T18:00:38.929" v="170" actId="165"/>
+          <ac:chgData name="Bo Tang" userId="332dbdf67b1791cd" providerId="LiveId" clId="{0CC41EC3-D5AE-4A4E-BCBF-91A1A4A8A767}" dt="2024-09-29T03:44:52.825" v="252" actId="404"/>
           <ac:spMkLst>
             <pc:docMk/>
             <pc:sldMk cId="3536482602" sldId="256"/>
@@ -1016,7 +1016,7 @@
           </ac:spMkLst>
         </pc:spChg>
         <pc:spChg chg="mod">
-          <ac:chgData name="Bo Tang" userId="332dbdf67b1791cd" providerId="LiveId" clId="{0CC41EC3-D5AE-4A4E-BCBF-91A1A4A8A767}" dt="2024-09-27T18:00:38.929" v="170" actId="165"/>
+          <ac:chgData name="Bo Tang" userId="332dbdf67b1791cd" providerId="LiveId" clId="{0CC41EC3-D5AE-4A4E-BCBF-91A1A4A8A767}" dt="2024-09-29T03:44:52.825" v="252" actId="404"/>
           <ac:spMkLst>
             <pc:docMk/>
             <pc:sldMk cId="3536482602" sldId="256"/>
@@ -1024,7 +1024,7 @@
           </ac:spMkLst>
         </pc:spChg>
         <pc:spChg chg="mod">
-          <ac:chgData name="Bo Tang" userId="332dbdf67b1791cd" providerId="LiveId" clId="{0CC41EC3-D5AE-4A4E-BCBF-91A1A4A8A767}" dt="2024-09-27T18:00:38.929" v="170" actId="165"/>
+          <ac:chgData name="Bo Tang" userId="332dbdf67b1791cd" providerId="LiveId" clId="{0CC41EC3-D5AE-4A4E-BCBF-91A1A4A8A767}" dt="2024-09-29T03:44:52.825" v="252" actId="404"/>
           <ac:spMkLst>
             <pc:docMk/>
             <pc:sldMk cId="3536482602" sldId="256"/>
@@ -1032,7 +1032,7 @@
           </ac:spMkLst>
         </pc:spChg>
         <pc:spChg chg="mod">
-          <ac:chgData name="Bo Tang" userId="332dbdf67b1791cd" providerId="LiveId" clId="{0CC41EC3-D5AE-4A4E-BCBF-91A1A4A8A767}" dt="2024-09-27T18:00:38.929" v="170" actId="165"/>
+          <ac:chgData name="Bo Tang" userId="332dbdf67b1791cd" providerId="LiveId" clId="{0CC41EC3-D5AE-4A4E-BCBF-91A1A4A8A767}" dt="2024-09-29T03:44:52.825" v="252" actId="404"/>
           <ac:spMkLst>
             <pc:docMk/>
             <pc:sldMk cId="3536482602" sldId="256"/>
@@ -1040,7 +1040,7 @@
           </ac:spMkLst>
         </pc:spChg>
         <pc:spChg chg="mod">
-          <ac:chgData name="Bo Tang" userId="332dbdf67b1791cd" providerId="LiveId" clId="{0CC41EC3-D5AE-4A4E-BCBF-91A1A4A8A767}" dt="2024-09-27T18:00:38.929" v="170" actId="165"/>
+          <ac:chgData name="Bo Tang" userId="332dbdf67b1791cd" providerId="LiveId" clId="{0CC41EC3-D5AE-4A4E-BCBF-91A1A4A8A767}" dt="2024-09-29T03:44:52.825" v="252" actId="404"/>
           <ac:spMkLst>
             <pc:docMk/>
             <pc:sldMk cId="3536482602" sldId="256"/>
@@ -1048,7 +1048,7 @@
           </ac:spMkLst>
         </pc:spChg>
         <pc:spChg chg="mod">
-          <ac:chgData name="Bo Tang" userId="332dbdf67b1791cd" providerId="LiveId" clId="{0CC41EC3-D5AE-4A4E-BCBF-91A1A4A8A767}" dt="2024-09-27T18:00:38.929" v="170" actId="165"/>
+          <ac:chgData name="Bo Tang" userId="332dbdf67b1791cd" providerId="LiveId" clId="{0CC41EC3-D5AE-4A4E-BCBF-91A1A4A8A767}" dt="2024-09-29T03:44:52.825" v="252" actId="404"/>
           <ac:spMkLst>
             <pc:docMk/>
             <pc:sldMk cId="3536482602" sldId="256"/>
@@ -1056,7 +1056,7 @@
           </ac:spMkLst>
         </pc:spChg>
         <pc:spChg chg="mod">
-          <ac:chgData name="Bo Tang" userId="332dbdf67b1791cd" providerId="LiveId" clId="{0CC41EC3-D5AE-4A4E-BCBF-91A1A4A8A767}" dt="2024-09-27T18:00:38.929" v="170" actId="165"/>
+          <ac:chgData name="Bo Tang" userId="332dbdf67b1791cd" providerId="LiveId" clId="{0CC41EC3-D5AE-4A4E-BCBF-91A1A4A8A767}" dt="2024-09-29T03:44:52.825" v="252" actId="404"/>
           <ac:spMkLst>
             <pc:docMk/>
             <pc:sldMk cId="3536482602" sldId="256"/>
@@ -1064,7 +1064,7 @@
           </ac:spMkLst>
         </pc:spChg>
         <pc:spChg chg="mod">
-          <ac:chgData name="Bo Tang" userId="332dbdf67b1791cd" providerId="LiveId" clId="{0CC41EC3-D5AE-4A4E-BCBF-91A1A4A8A767}" dt="2024-09-27T18:00:38.929" v="170" actId="165"/>
+          <ac:chgData name="Bo Tang" userId="332dbdf67b1791cd" providerId="LiveId" clId="{0CC41EC3-D5AE-4A4E-BCBF-91A1A4A8A767}" dt="2024-09-29T03:44:52.825" v="252" actId="404"/>
           <ac:spMkLst>
             <pc:docMk/>
             <pc:sldMk cId="3536482602" sldId="256"/>
@@ -1072,7 +1072,7 @@
           </ac:spMkLst>
         </pc:spChg>
         <pc:spChg chg="mod">
-          <ac:chgData name="Bo Tang" userId="332dbdf67b1791cd" providerId="LiveId" clId="{0CC41EC3-D5AE-4A4E-BCBF-91A1A4A8A767}" dt="2024-09-27T18:00:38.929" v="170" actId="165"/>
+          <ac:chgData name="Bo Tang" userId="332dbdf67b1791cd" providerId="LiveId" clId="{0CC41EC3-D5AE-4A4E-BCBF-91A1A4A8A767}" dt="2024-09-29T03:44:52.825" v="252" actId="404"/>
           <ac:spMkLst>
             <pc:docMk/>
             <pc:sldMk cId="3536482602" sldId="256"/>
@@ -1080,7 +1080,7 @@
           </ac:spMkLst>
         </pc:spChg>
         <pc:spChg chg="mod topLvl">
-          <ac:chgData name="Bo Tang" userId="332dbdf67b1791cd" providerId="LiveId" clId="{0CC41EC3-D5AE-4A4E-BCBF-91A1A4A8A767}" dt="2024-09-27T18:01:22.016" v="178" actId="164"/>
+          <ac:chgData name="Bo Tang" userId="332dbdf67b1791cd" providerId="LiveId" clId="{0CC41EC3-D5AE-4A4E-BCBF-91A1A4A8A767}" dt="2024-09-29T03:44:52.825" v="252" actId="404"/>
           <ac:spMkLst>
             <pc:docMk/>
             <pc:sldMk cId="3536482602" sldId="256"/>
@@ -1088,7 +1088,7 @@
           </ac:spMkLst>
         </pc:spChg>
         <pc:spChg chg="mod topLvl">
-          <ac:chgData name="Bo Tang" userId="332dbdf67b1791cd" providerId="LiveId" clId="{0CC41EC3-D5AE-4A4E-BCBF-91A1A4A8A767}" dt="2024-09-27T18:01:22.016" v="178" actId="164"/>
+          <ac:chgData name="Bo Tang" userId="332dbdf67b1791cd" providerId="LiveId" clId="{0CC41EC3-D5AE-4A4E-BCBF-91A1A4A8A767}" dt="2024-09-29T03:44:52.825" v="252" actId="404"/>
           <ac:spMkLst>
             <pc:docMk/>
             <pc:sldMk cId="3536482602" sldId="256"/>
@@ -1096,7 +1096,7 @@
           </ac:spMkLst>
         </pc:spChg>
         <pc:spChg chg="mod topLvl">
-          <ac:chgData name="Bo Tang" userId="332dbdf67b1791cd" providerId="LiveId" clId="{0CC41EC3-D5AE-4A4E-BCBF-91A1A4A8A767}" dt="2024-09-27T18:01:22.016" v="178" actId="164"/>
+          <ac:chgData name="Bo Tang" userId="332dbdf67b1791cd" providerId="LiveId" clId="{0CC41EC3-D5AE-4A4E-BCBF-91A1A4A8A767}" dt="2024-09-29T03:44:52.825" v="252" actId="404"/>
           <ac:spMkLst>
             <pc:docMk/>
             <pc:sldMk cId="3536482602" sldId="256"/>
@@ -1104,7 +1104,7 @@
           </ac:spMkLst>
         </pc:spChg>
         <pc:spChg chg="mod topLvl">
-          <ac:chgData name="Bo Tang" userId="332dbdf67b1791cd" providerId="LiveId" clId="{0CC41EC3-D5AE-4A4E-BCBF-91A1A4A8A767}" dt="2024-09-27T18:01:22.016" v="178" actId="164"/>
+          <ac:chgData name="Bo Tang" userId="332dbdf67b1791cd" providerId="LiveId" clId="{0CC41EC3-D5AE-4A4E-BCBF-91A1A4A8A767}" dt="2024-09-29T03:44:52.825" v="252" actId="404"/>
           <ac:spMkLst>
             <pc:docMk/>
             <pc:sldMk cId="3536482602" sldId="256"/>
@@ -1112,7 +1112,7 @@
           </ac:spMkLst>
         </pc:spChg>
         <pc:spChg chg="mod topLvl">
-          <ac:chgData name="Bo Tang" userId="332dbdf67b1791cd" providerId="LiveId" clId="{0CC41EC3-D5AE-4A4E-BCBF-91A1A4A8A767}" dt="2024-09-27T18:01:22.016" v="178" actId="164"/>
+          <ac:chgData name="Bo Tang" userId="332dbdf67b1791cd" providerId="LiveId" clId="{0CC41EC3-D5AE-4A4E-BCBF-91A1A4A8A767}" dt="2024-09-29T03:44:52.825" v="252" actId="404"/>
           <ac:spMkLst>
             <pc:docMk/>
             <pc:sldMk cId="3536482602" sldId="256"/>
@@ -1120,7 +1120,7 @@
           </ac:spMkLst>
         </pc:spChg>
         <pc:spChg chg="mod topLvl">
-          <ac:chgData name="Bo Tang" userId="332dbdf67b1791cd" providerId="LiveId" clId="{0CC41EC3-D5AE-4A4E-BCBF-91A1A4A8A767}" dt="2024-09-27T18:01:22.016" v="178" actId="164"/>
+          <ac:chgData name="Bo Tang" userId="332dbdf67b1791cd" providerId="LiveId" clId="{0CC41EC3-D5AE-4A4E-BCBF-91A1A4A8A767}" dt="2024-09-29T03:44:52.825" v="252" actId="404"/>
           <ac:spMkLst>
             <pc:docMk/>
             <pc:sldMk cId="3536482602" sldId="256"/>
@@ -1128,7 +1128,7 @@
           </ac:spMkLst>
         </pc:spChg>
         <pc:spChg chg="mod topLvl">
-          <ac:chgData name="Bo Tang" userId="332dbdf67b1791cd" providerId="LiveId" clId="{0CC41EC3-D5AE-4A4E-BCBF-91A1A4A8A767}" dt="2024-09-27T18:01:22.016" v="178" actId="164"/>
+          <ac:chgData name="Bo Tang" userId="332dbdf67b1791cd" providerId="LiveId" clId="{0CC41EC3-D5AE-4A4E-BCBF-91A1A4A8A767}" dt="2024-09-29T03:44:52.825" v="252" actId="404"/>
           <ac:spMkLst>
             <pc:docMk/>
             <pc:sldMk cId="3536482602" sldId="256"/>
@@ -1136,7 +1136,7 @@
           </ac:spMkLst>
         </pc:spChg>
         <pc:spChg chg="mod topLvl">
-          <ac:chgData name="Bo Tang" userId="332dbdf67b1791cd" providerId="LiveId" clId="{0CC41EC3-D5AE-4A4E-BCBF-91A1A4A8A767}" dt="2024-09-27T18:01:22.016" v="178" actId="164"/>
+          <ac:chgData name="Bo Tang" userId="332dbdf67b1791cd" providerId="LiveId" clId="{0CC41EC3-D5AE-4A4E-BCBF-91A1A4A8A767}" dt="2024-09-29T03:44:52.825" v="252" actId="404"/>
           <ac:spMkLst>
             <pc:docMk/>
             <pc:sldMk cId="3536482602" sldId="256"/>
@@ -1144,7 +1144,7 @@
           </ac:spMkLst>
         </pc:spChg>
         <pc:spChg chg="mod topLvl">
-          <ac:chgData name="Bo Tang" userId="332dbdf67b1791cd" providerId="LiveId" clId="{0CC41EC3-D5AE-4A4E-BCBF-91A1A4A8A767}" dt="2024-09-27T18:01:22.016" v="178" actId="164"/>
+          <ac:chgData name="Bo Tang" userId="332dbdf67b1791cd" providerId="LiveId" clId="{0CC41EC3-D5AE-4A4E-BCBF-91A1A4A8A767}" dt="2024-09-29T03:44:52.825" v="252" actId="404"/>
           <ac:spMkLst>
             <pc:docMk/>
             <pc:sldMk cId="3536482602" sldId="256"/>
@@ -1152,7 +1152,7 @@
           </ac:spMkLst>
         </pc:spChg>
         <pc:spChg chg="mod topLvl">
-          <ac:chgData name="Bo Tang" userId="332dbdf67b1791cd" providerId="LiveId" clId="{0CC41EC3-D5AE-4A4E-BCBF-91A1A4A8A767}" dt="2024-09-27T18:01:22.016" v="178" actId="164"/>
+          <ac:chgData name="Bo Tang" userId="332dbdf67b1791cd" providerId="LiveId" clId="{0CC41EC3-D5AE-4A4E-BCBF-91A1A4A8A767}" dt="2024-09-29T03:44:52.825" v="252" actId="404"/>
           <ac:spMkLst>
             <pc:docMk/>
             <pc:sldMk cId="3536482602" sldId="256"/>
@@ -1160,7 +1160,7 @@
           </ac:spMkLst>
         </pc:spChg>
         <pc:spChg chg="mod topLvl">
-          <ac:chgData name="Bo Tang" userId="332dbdf67b1791cd" providerId="LiveId" clId="{0CC41EC3-D5AE-4A4E-BCBF-91A1A4A8A767}" dt="2024-09-27T18:01:22.016" v="178" actId="164"/>
+          <ac:chgData name="Bo Tang" userId="332dbdf67b1791cd" providerId="LiveId" clId="{0CC41EC3-D5AE-4A4E-BCBF-91A1A4A8A767}" dt="2024-09-29T03:44:52.825" v="252" actId="404"/>
           <ac:spMkLst>
             <pc:docMk/>
             <pc:sldMk cId="3536482602" sldId="256"/>
@@ -1168,7 +1168,7 @@
           </ac:spMkLst>
         </pc:spChg>
         <pc:spChg chg="mod topLvl">
-          <ac:chgData name="Bo Tang" userId="332dbdf67b1791cd" providerId="LiveId" clId="{0CC41EC3-D5AE-4A4E-BCBF-91A1A4A8A767}" dt="2024-09-27T18:01:22.016" v="178" actId="164"/>
+          <ac:chgData name="Bo Tang" userId="332dbdf67b1791cd" providerId="LiveId" clId="{0CC41EC3-D5AE-4A4E-BCBF-91A1A4A8A767}" dt="2024-09-29T03:44:52.825" v="252" actId="404"/>
           <ac:spMkLst>
             <pc:docMk/>
             <pc:sldMk cId="3536482602" sldId="256"/>
@@ -1176,7 +1176,7 @@
           </ac:spMkLst>
         </pc:spChg>
         <pc:spChg chg="mod topLvl">
-          <ac:chgData name="Bo Tang" userId="332dbdf67b1791cd" providerId="LiveId" clId="{0CC41EC3-D5AE-4A4E-BCBF-91A1A4A8A767}" dt="2024-09-27T18:01:22.016" v="178" actId="164"/>
+          <ac:chgData name="Bo Tang" userId="332dbdf67b1791cd" providerId="LiveId" clId="{0CC41EC3-D5AE-4A4E-BCBF-91A1A4A8A767}" dt="2024-09-29T03:44:52.825" v="252" actId="404"/>
           <ac:spMkLst>
             <pc:docMk/>
             <pc:sldMk cId="3536482602" sldId="256"/>
@@ -1184,7 +1184,7 @@
           </ac:spMkLst>
         </pc:spChg>
         <pc:spChg chg="mod topLvl">
-          <ac:chgData name="Bo Tang" userId="332dbdf67b1791cd" providerId="LiveId" clId="{0CC41EC3-D5AE-4A4E-BCBF-91A1A4A8A767}" dt="2024-09-27T18:01:22.016" v="178" actId="164"/>
+          <ac:chgData name="Bo Tang" userId="332dbdf67b1791cd" providerId="LiveId" clId="{0CC41EC3-D5AE-4A4E-BCBF-91A1A4A8A767}" dt="2024-09-29T03:44:52.825" v="252" actId="404"/>
           <ac:spMkLst>
             <pc:docMk/>
             <pc:sldMk cId="3536482602" sldId="256"/>
@@ -1192,7 +1192,7 @@
           </ac:spMkLst>
         </pc:spChg>
         <pc:spChg chg="mod topLvl">
-          <ac:chgData name="Bo Tang" userId="332dbdf67b1791cd" providerId="LiveId" clId="{0CC41EC3-D5AE-4A4E-BCBF-91A1A4A8A767}" dt="2024-09-27T18:01:22.016" v="178" actId="164"/>
+          <ac:chgData name="Bo Tang" userId="332dbdf67b1791cd" providerId="LiveId" clId="{0CC41EC3-D5AE-4A4E-BCBF-91A1A4A8A767}" dt="2024-09-29T03:44:52.825" v="252" actId="404"/>
           <ac:spMkLst>
             <pc:docMk/>
             <pc:sldMk cId="3536482602" sldId="256"/>
@@ -1200,7 +1200,7 @@
           </ac:spMkLst>
         </pc:spChg>
         <pc:spChg chg="mod topLvl">
-          <ac:chgData name="Bo Tang" userId="332dbdf67b1791cd" providerId="LiveId" clId="{0CC41EC3-D5AE-4A4E-BCBF-91A1A4A8A767}" dt="2024-09-27T18:01:22.016" v="178" actId="164"/>
+          <ac:chgData name="Bo Tang" userId="332dbdf67b1791cd" providerId="LiveId" clId="{0CC41EC3-D5AE-4A4E-BCBF-91A1A4A8A767}" dt="2024-09-29T03:44:52.825" v="252" actId="404"/>
           <ac:spMkLst>
             <pc:docMk/>
             <pc:sldMk cId="3536482602" sldId="256"/>
@@ -1208,7 +1208,7 @@
           </ac:spMkLst>
         </pc:spChg>
         <pc:spChg chg="mod topLvl">
-          <ac:chgData name="Bo Tang" userId="332dbdf67b1791cd" providerId="LiveId" clId="{0CC41EC3-D5AE-4A4E-BCBF-91A1A4A8A767}" dt="2024-09-27T18:01:22.016" v="178" actId="164"/>
+          <ac:chgData name="Bo Tang" userId="332dbdf67b1791cd" providerId="LiveId" clId="{0CC41EC3-D5AE-4A4E-BCBF-91A1A4A8A767}" dt="2024-09-29T03:44:52.825" v="252" actId="404"/>
           <ac:spMkLst>
             <pc:docMk/>
             <pc:sldMk cId="3536482602" sldId="256"/>
@@ -1216,7 +1216,7 @@
           </ac:spMkLst>
         </pc:spChg>
         <pc:spChg chg="mod topLvl">
-          <ac:chgData name="Bo Tang" userId="332dbdf67b1791cd" providerId="LiveId" clId="{0CC41EC3-D5AE-4A4E-BCBF-91A1A4A8A767}" dt="2024-09-27T18:01:22.016" v="178" actId="164"/>
+          <ac:chgData name="Bo Tang" userId="332dbdf67b1791cd" providerId="LiveId" clId="{0CC41EC3-D5AE-4A4E-BCBF-91A1A4A8A767}" dt="2024-09-29T03:44:52.825" v="252" actId="404"/>
           <ac:spMkLst>
             <pc:docMk/>
             <pc:sldMk cId="3536482602" sldId="256"/>
@@ -1224,7 +1224,7 @@
           </ac:spMkLst>
         </pc:spChg>
         <pc:spChg chg="mod topLvl">
-          <ac:chgData name="Bo Tang" userId="332dbdf67b1791cd" providerId="LiveId" clId="{0CC41EC3-D5AE-4A4E-BCBF-91A1A4A8A767}" dt="2024-09-27T18:01:22.016" v="178" actId="164"/>
+          <ac:chgData name="Bo Tang" userId="332dbdf67b1791cd" providerId="LiveId" clId="{0CC41EC3-D5AE-4A4E-BCBF-91A1A4A8A767}" dt="2024-09-29T03:44:52.825" v="252" actId="404"/>
           <ac:spMkLst>
             <pc:docMk/>
             <pc:sldMk cId="3536482602" sldId="256"/>
@@ -1232,7 +1232,7 @@
           </ac:spMkLst>
         </pc:spChg>
         <pc:spChg chg="mod topLvl">
-          <ac:chgData name="Bo Tang" userId="332dbdf67b1791cd" providerId="LiveId" clId="{0CC41EC3-D5AE-4A4E-BCBF-91A1A4A8A767}" dt="2024-09-27T18:01:22.016" v="178" actId="164"/>
+          <ac:chgData name="Bo Tang" userId="332dbdf67b1791cd" providerId="LiveId" clId="{0CC41EC3-D5AE-4A4E-BCBF-91A1A4A8A767}" dt="2024-09-29T03:44:52.825" v="252" actId="404"/>
           <ac:spMkLst>
             <pc:docMk/>
             <pc:sldMk cId="3536482602" sldId="256"/>
@@ -1240,7 +1240,7 @@
           </ac:spMkLst>
         </pc:spChg>
         <pc:spChg chg="mod topLvl">
-          <ac:chgData name="Bo Tang" userId="332dbdf67b1791cd" providerId="LiveId" clId="{0CC41EC3-D5AE-4A4E-BCBF-91A1A4A8A767}" dt="2024-09-27T18:01:22.016" v="178" actId="164"/>
+          <ac:chgData name="Bo Tang" userId="332dbdf67b1791cd" providerId="LiveId" clId="{0CC41EC3-D5AE-4A4E-BCBF-91A1A4A8A767}" dt="2024-09-29T03:44:52.825" v="252" actId="404"/>
           <ac:spMkLst>
             <pc:docMk/>
             <pc:sldMk cId="3536482602" sldId="256"/>
@@ -1248,7 +1248,7 @@
           </ac:spMkLst>
         </pc:spChg>
         <pc:spChg chg="mod topLvl">
-          <ac:chgData name="Bo Tang" userId="332dbdf67b1791cd" providerId="LiveId" clId="{0CC41EC3-D5AE-4A4E-BCBF-91A1A4A8A767}" dt="2024-09-27T18:01:22.016" v="178" actId="164"/>
+          <ac:chgData name="Bo Tang" userId="332dbdf67b1791cd" providerId="LiveId" clId="{0CC41EC3-D5AE-4A4E-BCBF-91A1A4A8A767}" dt="2024-09-29T03:44:52.825" v="252" actId="404"/>
           <ac:spMkLst>
             <pc:docMk/>
             <pc:sldMk cId="3536482602" sldId="256"/>
@@ -1256,7 +1256,7 @@
           </ac:spMkLst>
         </pc:spChg>
         <pc:spChg chg="mod topLvl">
-          <ac:chgData name="Bo Tang" userId="332dbdf67b1791cd" providerId="LiveId" clId="{0CC41EC3-D5AE-4A4E-BCBF-91A1A4A8A767}" dt="2024-09-27T18:01:22.016" v="178" actId="164"/>
+          <ac:chgData name="Bo Tang" userId="332dbdf67b1791cd" providerId="LiveId" clId="{0CC41EC3-D5AE-4A4E-BCBF-91A1A4A8A767}" dt="2024-09-29T03:44:52.825" v="252" actId="404"/>
           <ac:spMkLst>
             <pc:docMk/>
             <pc:sldMk cId="3536482602" sldId="256"/>
@@ -1264,7 +1264,7 @@
           </ac:spMkLst>
         </pc:spChg>
         <pc:spChg chg="mod topLvl">
-          <ac:chgData name="Bo Tang" userId="332dbdf67b1791cd" providerId="LiveId" clId="{0CC41EC3-D5AE-4A4E-BCBF-91A1A4A8A767}" dt="2024-09-27T18:01:22.016" v="178" actId="164"/>
+          <ac:chgData name="Bo Tang" userId="332dbdf67b1791cd" providerId="LiveId" clId="{0CC41EC3-D5AE-4A4E-BCBF-91A1A4A8A767}" dt="2024-09-29T03:44:52.825" v="252" actId="404"/>
           <ac:spMkLst>
             <pc:docMk/>
             <pc:sldMk cId="3536482602" sldId="256"/>
@@ -1272,7 +1272,7 @@
           </ac:spMkLst>
         </pc:spChg>
         <pc:spChg chg="mod topLvl">
-          <ac:chgData name="Bo Tang" userId="332dbdf67b1791cd" providerId="LiveId" clId="{0CC41EC3-D5AE-4A4E-BCBF-91A1A4A8A767}" dt="2024-09-27T18:01:22.016" v="178" actId="164"/>
+          <ac:chgData name="Bo Tang" userId="332dbdf67b1791cd" providerId="LiveId" clId="{0CC41EC3-D5AE-4A4E-BCBF-91A1A4A8A767}" dt="2024-09-29T03:44:52.825" v="252" actId="404"/>
           <ac:spMkLst>
             <pc:docMk/>
             <pc:sldMk cId="3536482602" sldId="256"/>
@@ -1280,7 +1280,7 @@
           </ac:spMkLst>
         </pc:spChg>
         <pc:spChg chg="mod ord topLvl">
-          <ac:chgData name="Bo Tang" userId="332dbdf67b1791cd" providerId="LiveId" clId="{0CC41EC3-D5AE-4A4E-BCBF-91A1A4A8A767}" dt="2024-09-27T18:03:30.784" v="185" actId="207"/>
+          <ac:chgData name="Bo Tang" userId="332dbdf67b1791cd" providerId="LiveId" clId="{0CC41EC3-D5AE-4A4E-BCBF-91A1A4A8A767}" dt="2024-09-29T03:44:52.825" v="252" actId="404"/>
           <ac:spMkLst>
             <pc:docMk/>
             <pc:sldMk cId="3536482602" sldId="256"/>
@@ -1288,7 +1288,7 @@
           </ac:spMkLst>
         </pc:spChg>
         <pc:spChg chg="mod topLvl">
-          <ac:chgData name="Bo Tang" userId="332dbdf67b1791cd" providerId="LiveId" clId="{0CC41EC3-D5AE-4A4E-BCBF-91A1A4A8A767}" dt="2024-09-27T18:01:51.192" v="181" actId="164"/>
+          <ac:chgData name="Bo Tang" userId="332dbdf67b1791cd" providerId="LiveId" clId="{0CC41EC3-D5AE-4A4E-BCBF-91A1A4A8A767}" dt="2024-09-29T03:44:52.825" v="252" actId="404"/>
           <ac:spMkLst>
             <pc:docMk/>
             <pc:sldMk cId="3536482602" sldId="256"/>
@@ -1296,7 +1296,7 @@
           </ac:spMkLst>
         </pc:spChg>
         <pc:spChg chg="mod">
-          <ac:chgData name="Bo Tang" userId="332dbdf67b1791cd" providerId="LiveId" clId="{0CC41EC3-D5AE-4A4E-BCBF-91A1A4A8A767}" dt="2024-09-27T18:00:38.929" v="170" actId="165"/>
+          <ac:chgData name="Bo Tang" userId="332dbdf67b1791cd" providerId="LiveId" clId="{0CC41EC3-D5AE-4A4E-BCBF-91A1A4A8A767}" dt="2024-09-29T03:44:52.825" v="252" actId="404"/>
           <ac:spMkLst>
             <pc:docMk/>
             <pc:sldMk cId="3536482602" sldId="256"/>
@@ -1304,7 +1304,7 @@
           </ac:spMkLst>
         </pc:spChg>
         <pc:spChg chg="mod">
-          <ac:chgData name="Bo Tang" userId="332dbdf67b1791cd" providerId="LiveId" clId="{0CC41EC3-D5AE-4A4E-BCBF-91A1A4A8A767}" dt="2024-09-27T18:00:38.929" v="170" actId="165"/>
+          <ac:chgData name="Bo Tang" userId="332dbdf67b1791cd" providerId="LiveId" clId="{0CC41EC3-D5AE-4A4E-BCBF-91A1A4A8A767}" dt="2024-09-29T03:44:52.825" v="252" actId="404"/>
           <ac:spMkLst>
             <pc:docMk/>
             <pc:sldMk cId="3536482602" sldId="256"/>
@@ -1312,7 +1312,7 @@
           </ac:spMkLst>
         </pc:spChg>
         <pc:spChg chg="mod">
-          <ac:chgData name="Bo Tang" userId="332dbdf67b1791cd" providerId="LiveId" clId="{0CC41EC3-D5AE-4A4E-BCBF-91A1A4A8A767}" dt="2024-09-27T18:00:38.929" v="170" actId="165"/>
+          <ac:chgData name="Bo Tang" userId="332dbdf67b1791cd" providerId="LiveId" clId="{0CC41EC3-D5AE-4A4E-BCBF-91A1A4A8A767}" dt="2024-09-29T03:44:52.825" v="252" actId="404"/>
           <ac:spMkLst>
             <pc:docMk/>
             <pc:sldMk cId="3536482602" sldId="256"/>
@@ -1320,7 +1320,7 @@
           </ac:spMkLst>
         </pc:spChg>
         <pc:spChg chg="mod topLvl">
-          <ac:chgData name="Bo Tang" userId="332dbdf67b1791cd" providerId="LiveId" clId="{0CC41EC3-D5AE-4A4E-BCBF-91A1A4A8A767}" dt="2024-09-27T18:01:56.665" v="182" actId="164"/>
+          <ac:chgData name="Bo Tang" userId="332dbdf67b1791cd" providerId="LiveId" clId="{0CC41EC3-D5AE-4A4E-BCBF-91A1A4A8A767}" dt="2024-09-29T03:44:58.019" v="253" actId="1076"/>
           <ac:spMkLst>
             <pc:docMk/>
             <pc:sldMk cId="3536482602" sldId="256"/>
@@ -1328,7 +1328,7 @@
           </ac:spMkLst>
         </pc:spChg>
         <pc:spChg chg="mod topLvl">
-          <ac:chgData name="Bo Tang" userId="332dbdf67b1791cd" providerId="LiveId" clId="{0CC41EC3-D5AE-4A4E-BCBF-91A1A4A8A767}" dt="2024-09-27T18:01:56.665" v="182" actId="164"/>
+          <ac:chgData name="Bo Tang" userId="332dbdf67b1791cd" providerId="LiveId" clId="{0CC41EC3-D5AE-4A4E-BCBF-91A1A4A8A767}" dt="2024-09-29T03:44:52.825" v="252" actId="404"/>
           <ac:spMkLst>
             <pc:docMk/>
             <pc:sldMk cId="3536482602" sldId="256"/>
@@ -1336,7 +1336,7 @@
           </ac:spMkLst>
         </pc:spChg>
         <pc:spChg chg="mod topLvl">
-          <ac:chgData name="Bo Tang" userId="332dbdf67b1791cd" providerId="LiveId" clId="{0CC41EC3-D5AE-4A4E-BCBF-91A1A4A8A767}" dt="2024-09-27T18:01:56.665" v="182" actId="164"/>
+          <ac:chgData name="Bo Tang" userId="332dbdf67b1791cd" providerId="LiveId" clId="{0CC41EC3-D5AE-4A4E-BCBF-91A1A4A8A767}" dt="2024-09-29T03:44:52.825" v="252" actId="404"/>
           <ac:spMkLst>
             <pc:docMk/>
             <pc:sldMk cId="3536482602" sldId="256"/>
@@ -1360,7 +1360,7 @@
           </ac:grpSpMkLst>
         </pc:grpChg>
         <pc:grpChg chg="mod topLvl">
-          <ac:chgData name="Bo Tang" userId="332dbdf67b1791cd" providerId="LiveId" clId="{0CC41EC3-D5AE-4A4E-BCBF-91A1A4A8A767}" dt="2024-09-27T18:01:56.665" v="182" actId="164"/>
+          <ac:chgData name="Bo Tang" userId="332dbdf67b1791cd" providerId="LiveId" clId="{0CC41EC3-D5AE-4A4E-BCBF-91A1A4A8A767}" dt="2024-09-29T03:44:52.825" v="252" actId="404"/>
           <ac:grpSpMkLst>
             <pc:docMk/>
             <pc:sldMk cId="3536482602" sldId="256"/>
@@ -1368,7 +1368,7 @@
           </ac:grpSpMkLst>
         </pc:grpChg>
         <pc:grpChg chg="add mod">
-          <ac:chgData name="Bo Tang" userId="332dbdf67b1791cd" providerId="LiveId" clId="{0CC41EC3-D5AE-4A4E-BCBF-91A1A4A8A767}" dt="2024-09-27T18:01:51.192" v="181" actId="164"/>
+          <ac:chgData name="Bo Tang" userId="332dbdf67b1791cd" providerId="LiveId" clId="{0CC41EC3-D5AE-4A4E-BCBF-91A1A4A8A767}" dt="2024-09-29T03:44:52.825" v="252" actId="404"/>
           <ac:grpSpMkLst>
             <pc:docMk/>
             <pc:sldMk cId="3536482602" sldId="256"/>
@@ -1376,7 +1376,7 @@
           </ac:grpSpMkLst>
         </pc:grpChg>
         <pc:grpChg chg="add mod">
-          <ac:chgData name="Bo Tang" userId="332dbdf67b1791cd" providerId="LiveId" clId="{0CC41EC3-D5AE-4A4E-BCBF-91A1A4A8A767}" dt="2024-09-27T18:01:56.665" v="182" actId="164"/>
+          <ac:chgData name="Bo Tang" userId="332dbdf67b1791cd" providerId="LiveId" clId="{0CC41EC3-D5AE-4A4E-BCBF-91A1A4A8A767}" dt="2024-09-29T03:44:52.825" v="252" actId="404"/>
           <ac:grpSpMkLst>
             <pc:docMk/>
             <pc:sldMk cId="3536482602" sldId="256"/>
@@ -1384,7 +1384,7 @@
           </ac:grpSpMkLst>
         </pc:grpChg>
         <pc:grpChg chg="add mod">
-          <ac:chgData name="Bo Tang" userId="332dbdf67b1791cd" providerId="LiveId" clId="{0CC41EC3-D5AE-4A4E-BCBF-91A1A4A8A767}" dt="2024-09-27T18:01:56.665" v="182" actId="164"/>
+          <ac:chgData name="Bo Tang" userId="332dbdf67b1791cd" providerId="LiveId" clId="{0CC41EC3-D5AE-4A4E-BCBF-91A1A4A8A767}" dt="2024-09-29T03:44:52.825" v="252" actId="404"/>
           <ac:grpSpMkLst>
             <pc:docMk/>
             <pc:sldMk cId="3536482602" sldId="256"/>
@@ -1392,7 +1392,7 @@
           </ac:grpSpMkLst>
         </pc:grpChg>
         <pc:grpChg chg="mod">
-          <ac:chgData name="Bo Tang" userId="332dbdf67b1791cd" providerId="LiveId" clId="{0CC41EC3-D5AE-4A4E-BCBF-91A1A4A8A767}" dt="2024-09-27T18:00:38.929" v="170" actId="165"/>
+          <ac:chgData name="Bo Tang" userId="332dbdf67b1791cd" providerId="LiveId" clId="{0CC41EC3-D5AE-4A4E-BCBF-91A1A4A8A767}" dt="2024-09-29T03:44:52.825" v="252" actId="404"/>
           <ac:grpSpMkLst>
             <pc:docMk/>
             <pc:sldMk cId="3536482602" sldId="256"/>
@@ -1400,7 +1400,7 @@
           </ac:grpSpMkLst>
         </pc:grpChg>
         <pc:grpChg chg="mod">
-          <ac:chgData name="Bo Tang" userId="332dbdf67b1791cd" providerId="LiveId" clId="{0CC41EC3-D5AE-4A4E-BCBF-91A1A4A8A767}" dt="2024-09-27T18:00:38.929" v="170" actId="165"/>
+          <ac:chgData name="Bo Tang" userId="332dbdf67b1791cd" providerId="LiveId" clId="{0CC41EC3-D5AE-4A4E-BCBF-91A1A4A8A767}" dt="2024-09-29T03:44:52.825" v="252" actId="404"/>
           <ac:grpSpMkLst>
             <pc:docMk/>
             <pc:sldMk cId="3536482602" sldId="256"/>
@@ -1408,7 +1408,7 @@
           </ac:grpSpMkLst>
         </pc:grpChg>
         <pc:grpChg chg="mod topLvl">
-          <ac:chgData name="Bo Tang" userId="332dbdf67b1791cd" providerId="LiveId" clId="{0CC41EC3-D5AE-4A4E-BCBF-91A1A4A8A767}" dt="2024-09-27T18:01:56.665" v="182" actId="164"/>
+          <ac:chgData name="Bo Tang" userId="332dbdf67b1791cd" providerId="LiveId" clId="{0CC41EC3-D5AE-4A4E-BCBF-91A1A4A8A767}" dt="2024-09-29T03:44:52.825" v="252" actId="404"/>
           <ac:grpSpMkLst>
             <pc:docMk/>
             <pc:sldMk cId="3536482602" sldId="256"/>
@@ -1416,7 +1416,7 @@
           </ac:grpSpMkLst>
         </pc:grpChg>
         <pc:grpChg chg="mod">
-          <ac:chgData name="Bo Tang" userId="332dbdf67b1791cd" providerId="LiveId" clId="{0CC41EC3-D5AE-4A4E-BCBF-91A1A4A8A767}" dt="2024-09-27T18:00:38.929" v="170" actId="165"/>
+          <ac:chgData name="Bo Tang" userId="332dbdf67b1791cd" providerId="LiveId" clId="{0CC41EC3-D5AE-4A4E-BCBF-91A1A4A8A767}" dt="2024-09-29T03:44:52.825" v="252" actId="404"/>
           <ac:grpSpMkLst>
             <pc:docMk/>
             <pc:sldMk cId="3536482602" sldId="256"/>
@@ -1432,7 +1432,7 @@
           </ac:grpSpMkLst>
         </pc:grpChg>
         <pc:grpChg chg="mod">
-          <ac:chgData name="Bo Tang" userId="332dbdf67b1791cd" providerId="LiveId" clId="{0CC41EC3-D5AE-4A4E-BCBF-91A1A4A8A767}" dt="2024-09-27T18:00:38.929" v="170" actId="165"/>
+          <ac:chgData name="Bo Tang" userId="332dbdf67b1791cd" providerId="LiveId" clId="{0CC41EC3-D5AE-4A4E-BCBF-91A1A4A8A767}" dt="2024-09-29T03:44:52.825" v="252" actId="404"/>
           <ac:grpSpMkLst>
             <pc:docMk/>
             <pc:sldMk cId="3536482602" sldId="256"/>
@@ -1440,7 +1440,7 @@
           </ac:grpSpMkLst>
         </pc:grpChg>
         <pc:grpChg chg="mod topLvl">
-          <ac:chgData name="Bo Tang" userId="332dbdf67b1791cd" providerId="LiveId" clId="{0CC41EC3-D5AE-4A4E-BCBF-91A1A4A8A767}" dt="2024-09-27T18:01:56.665" v="182" actId="164"/>
+          <ac:chgData name="Bo Tang" userId="332dbdf67b1791cd" providerId="LiveId" clId="{0CC41EC3-D5AE-4A4E-BCBF-91A1A4A8A767}" dt="2024-09-29T03:44:52.825" v="252" actId="404"/>
           <ac:grpSpMkLst>
             <pc:docMk/>
             <pc:sldMk cId="3536482602" sldId="256"/>
@@ -1448,7 +1448,7 @@
           </ac:grpSpMkLst>
         </pc:grpChg>
         <pc:grpChg chg="mod topLvl">
-          <ac:chgData name="Bo Tang" userId="332dbdf67b1791cd" providerId="LiveId" clId="{0CC41EC3-D5AE-4A4E-BCBF-91A1A4A8A767}" dt="2024-09-27T18:01:56.665" v="182" actId="164"/>
+          <ac:chgData name="Bo Tang" userId="332dbdf67b1791cd" providerId="LiveId" clId="{0CC41EC3-D5AE-4A4E-BCBF-91A1A4A8A767}" dt="2024-09-29T03:44:52.825" v="252" actId="404"/>
           <ac:grpSpMkLst>
             <pc:docMk/>
             <pc:sldMk cId="3536482602" sldId="256"/>
@@ -1456,7 +1456,7 @@
           </ac:grpSpMkLst>
         </pc:grpChg>
         <pc:grpChg chg="mod topLvl">
-          <ac:chgData name="Bo Tang" userId="332dbdf67b1791cd" providerId="LiveId" clId="{0CC41EC3-D5AE-4A4E-BCBF-91A1A4A8A767}" dt="2024-09-27T18:01:56.665" v="182" actId="164"/>
+          <ac:chgData name="Bo Tang" userId="332dbdf67b1791cd" providerId="LiveId" clId="{0CC41EC3-D5AE-4A4E-BCBF-91A1A4A8A767}" dt="2024-09-29T03:44:52.825" v="252" actId="404"/>
           <ac:grpSpMkLst>
             <pc:docMk/>
             <pc:sldMk cId="3536482602" sldId="256"/>
@@ -1464,7 +1464,7 @@
           </ac:grpSpMkLst>
         </pc:grpChg>
         <pc:cxnChg chg="mod">
-          <ac:chgData name="Bo Tang" userId="332dbdf67b1791cd" providerId="LiveId" clId="{0CC41EC3-D5AE-4A4E-BCBF-91A1A4A8A767}" dt="2024-09-27T18:00:38.929" v="170" actId="165"/>
+          <ac:chgData name="Bo Tang" userId="332dbdf67b1791cd" providerId="LiveId" clId="{0CC41EC3-D5AE-4A4E-BCBF-91A1A4A8A767}" dt="2024-09-29T03:44:52.825" v="252" actId="404"/>
           <ac:cxnSpMkLst>
             <pc:docMk/>
             <pc:sldMk cId="3536482602" sldId="256"/>
@@ -1472,7 +1472,7 @@
           </ac:cxnSpMkLst>
         </pc:cxnChg>
         <pc:cxnChg chg="mod">
-          <ac:chgData name="Bo Tang" userId="332dbdf67b1791cd" providerId="LiveId" clId="{0CC41EC3-D5AE-4A4E-BCBF-91A1A4A8A767}" dt="2024-09-27T18:00:38.929" v="170" actId="165"/>
+          <ac:chgData name="Bo Tang" userId="332dbdf67b1791cd" providerId="LiveId" clId="{0CC41EC3-D5AE-4A4E-BCBF-91A1A4A8A767}" dt="2024-09-29T03:44:52.825" v="252" actId="404"/>
           <ac:cxnSpMkLst>
             <pc:docMk/>
             <pc:sldMk cId="3536482602" sldId="256"/>
@@ -1480,7 +1480,7 @@
           </ac:cxnSpMkLst>
         </pc:cxnChg>
         <pc:cxnChg chg="mod">
-          <ac:chgData name="Bo Tang" userId="332dbdf67b1791cd" providerId="LiveId" clId="{0CC41EC3-D5AE-4A4E-BCBF-91A1A4A8A767}" dt="2024-09-27T18:00:38.929" v="170" actId="165"/>
+          <ac:chgData name="Bo Tang" userId="332dbdf67b1791cd" providerId="LiveId" clId="{0CC41EC3-D5AE-4A4E-BCBF-91A1A4A8A767}" dt="2024-09-29T03:44:52.825" v="252" actId="404"/>
           <ac:cxnSpMkLst>
             <pc:docMk/>
             <pc:sldMk cId="3536482602" sldId="256"/>
@@ -1488,7 +1488,7 @@
           </ac:cxnSpMkLst>
         </pc:cxnChg>
         <pc:cxnChg chg="mod">
-          <ac:chgData name="Bo Tang" userId="332dbdf67b1791cd" providerId="LiveId" clId="{0CC41EC3-D5AE-4A4E-BCBF-91A1A4A8A767}" dt="2024-09-27T18:00:38.929" v="170" actId="165"/>
+          <ac:chgData name="Bo Tang" userId="332dbdf67b1791cd" providerId="LiveId" clId="{0CC41EC3-D5AE-4A4E-BCBF-91A1A4A8A767}" dt="2024-09-29T03:44:52.825" v="252" actId="404"/>
           <ac:cxnSpMkLst>
             <pc:docMk/>
             <pc:sldMk cId="3536482602" sldId="256"/>
@@ -1496,7 +1496,7 @@
           </ac:cxnSpMkLst>
         </pc:cxnChg>
         <pc:cxnChg chg="mod">
-          <ac:chgData name="Bo Tang" userId="332dbdf67b1791cd" providerId="LiveId" clId="{0CC41EC3-D5AE-4A4E-BCBF-91A1A4A8A767}" dt="2024-09-27T18:00:38.929" v="170" actId="165"/>
+          <ac:chgData name="Bo Tang" userId="332dbdf67b1791cd" providerId="LiveId" clId="{0CC41EC3-D5AE-4A4E-BCBF-91A1A4A8A767}" dt="2024-09-29T03:44:52.825" v="252" actId="404"/>
           <ac:cxnSpMkLst>
             <pc:docMk/>
             <pc:sldMk cId="3536482602" sldId="256"/>
@@ -1504,7 +1504,7 @@
           </ac:cxnSpMkLst>
         </pc:cxnChg>
         <pc:cxnChg chg="mod">
-          <ac:chgData name="Bo Tang" userId="332dbdf67b1791cd" providerId="LiveId" clId="{0CC41EC3-D5AE-4A4E-BCBF-91A1A4A8A767}" dt="2024-09-27T18:00:38.929" v="170" actId="165"/>
+          <ac:chgData name="Bo Tang" userId="332dbdf67b1791cd" providerId="LiveId" clId="{0CC41EC3-D5AE-4A4E-BCBF-91A1A4A8A767}" dt="2024-09-29T03:44:52.825" v="252" actId="404"/>
           <ac:cxnSpMkLst>
             <pc:docMk/>
             <pc:sldMk cId="3536482602" sldId="256"/>
@@ -1512,7 +1512,7 @@
           </ac:cxnSpMkLst>
         </pc:cxnChg>
         <pc:cxnChg chg="mod">
-          <ac:chgData name="Bo Tang" userId="332dbdf67b1791cd" providerId="LiveId" clId="{0CC41EC3-D5AE-4A4E-BCBF-91A1A4A8A767}" dt="2024-09-27T18:00:38.929" v="170" actId="165"/>
+          <ac:chgData name="Bo Tang" userId="332dbdf67b1791cd" providerId="LiveId" clId="{0CC41EC3-D5AE-4A4E-BCBF-91A1A4A8A767}" dt="2024-09-29T03:44:52.825" v="252" actId="404"/>
           <ac:cxnSpMkLst>
             <pc:docMk/>
             <pc:sldMk cId="3536482602" sldId="256"/>
@@ -1520,7 +1520,7 @@
           </ac:cxnSpMkLst>
         </pc:cxnChg>
         <pc:cxnChg chg="mod">
-          <ac:chgData name="Bo Tang" userId="332dbdf67b1791cd" providerId="LiveId" clId="{0CC41EC3-D5AE-4A4E-BCBF-91A1A4A8A767}" dt="2024-09-27T18:00:38.929" v="170" actId="165"/>
+          <ac:chgData name="Bo Tang" userId="332dbdf67b1791cd" providerId="LiveId" clId="{0CC41EC3-D5AE-4A4E-BCBF-91A1A4A8A767}" dt="2024-09-29T03:44:52.825" v="252" actId="404"/>
           <ac:cxnSpMkLst>
             <pc:docMk/>
             <pc:sldMk cId="3536482602" sldId="256"/>
@@ -1528,7 +1528,7 @@
           </ac:cxnSpMkLst>
         </pc:cxnChg>
         <pc:cxnChg chg="mod">
-          <ac:chgData name="Bo Tang" userId="332dbdf67b1791cd" providerId="LiveId" clId="{0CC41EC3-D5AE-4A4E-BCBF-91A1A4A8A767}" dt="2024-09-27T18:00:38.929" v="170" actId="165"/>
+          <ac:chgData name="Bo Tang" userId="332dbdf67b1791cd" providerId="LiveId" clId="{0CC41EC3-D5AE-4A4E-BCBF-91A1A4A8A767}" dt="2024-09-29T03:44:52.825" v="252" actId="404"/>
           <ac:cxnSpMkLst>
             <pc:docMk/>
             <pc:sldMk cId="3536482602" sldId="256"/>
@@ -1536,7 +1536,7 @@
           </ac:cxnSpMkLst>
         </pc:cxnChg>
         <pc:cxnChg chg="mod">
-          <ac:chgData name="Bo Tang" userId="332dbdf67b1791cd" providerId="LiveId" clId="{0CC41EC3-D5AE-4A4E-BCBF-91A1A4A8A767}" dt="2024-09-27T18:00:38.929" v="170" actId="165"/>
+          <ac:chgData name="Bo Tang" userId="332dbdf67b1791cd" providerId="LiveId" clId="{0CC41EC3-D5AE-4A4E-BCBF-91A1A4A8A767}" dt="2024-09-29T03:44:52.825" v="252" actId="404"/>
           <ac:cxnSpMkLst>
             <pc:docMk/>
             <pc:sldMk cId="3536482602" sldId="256"/>
@@ -1544,7 +1544,7 @@
           </ac:cxnSpMkLst>
         </pc:cxnChg>
         <pc:cxnChg chg="mod">
-          <ac:chgData name="Bo Tang" userId="332dbdf67b1791cd" providerId="LiveId" clId="{0CC41EC3-D5AE-4A4E-BCBF-91A1A4A8A767}" dt="2024-09-27T18:00:38.929" v="170" actId="165"/>
+          <ac:chgData name="Bo Tang" userId="332dbdf67b1791cd" providerId="LiveId" clId="{0CC41EC3-D5AE-4A4E-BCBF-91A1A4A8A767}" dt="2024-09-29T03:44:52.825" v="252" actId="404"/>
           <ac:cxnSpMkLst>
             <pc:docMk/>
             <pc:sldMk cId="3536482602" sldId="256"/>
@@ -1552,7 +1552,7 @@
           </ac:cxnSpMkLst>
         </pc:cxnChg>
         <pc:cxnChg chg="mod">
-          <ac:chgData name="Bo Tang" userId="332dbdf67b1791cd" providerId="LiveId" clId="{0CC41EC3-D5AE-4A4E-BCBF-91A1A4A8A767}" dt="2024-09-27T18:00:38.929" v="170" actId="165"/>
+          <ac:chgData name="Bo Tang" userId="332dbdf67b1791cd" providerId="LiveId" clId="{0CC41EC3-D5AE-4A4E-BCBF-91A1A4A8A767}" dt="2024-09-29T03:44:52.825" v="252" actId="404"/>
           <ac:cxnSpMkLst>
             <pc:docMk/>
             <pc:sldMk cId="3536482602" sldId="256"/>
@@ -1560,7 +1560,7 @@
           </ac:cxnSpMkLst>
         </pc:cxnChg>
         <pc:cxnChg chg="mod">
-          <ac:chgData name="Bo Tang" userId="332dbdf67b1791cd" providerId="LiveId" clId="{0CC41EC3-D5AE-4A4E-BCBF-91A1A4A8A767}" dt="2024-09-27T18:00:38.929" v="170" actId="165"/>
+          <ac:chgData name="Bo Tang" userId="332dbdf67b1791cd" providerId="LiveId" clId="{0CC41EC3-D5AE-4A4E-BCBF-91A1A4A8A767}" dt="2024-09-29T03:44:52.825" v="252" actId="404"/>
           <ac:cxnSpMkLst>
             <pc:docMk/>
             <pc:sldMk cId="3536482602" sldId="256"/>
@@ -1568,7 +1568,7 @@
           </ac:cxnSpMkLst>
         </pc:cxnChg>
         <pc:cxnChg chg="mod">
-          <ac:chgData name="Bo Tang" userId="332dbdf67b1791cd" providerId="LiveId" clId="{0CC41EC3-D5AE-4A4E-BCBF-91A1A4A8A767}" dt="2024-09-27T18:00:38.929" v="170" actId="165"/>
+          <ac:chgData name="Bo Tang" userId="332dbdf67b1791cd" providerId="LiveId" clId="{0CC41EC3-D5AE-4A4E-BCBF-91A1A4A8A767}" dt="2024-09-29T03:44:52.825" v="252" actId="404"/>
           <ac:cxnSpMkLst>
             <pc:docMk/>
             <pc:sldMk cId="3536482602" sldId="256"/>
@@ -1576,7 +1576,7 @@
           </ac:cxnSpMkLst>
         </pc:cxnChg>
         <pc:cxnChg chg="mod">
-          <ac:chgData name="Bo Tang" userId="332dbdf67b1791cd" providerId="LiveId" clId="{0CC41EC3-D5AE-4A4E-BCBF-91A1A4A8A767}" dt="2024-09-27T18:00:38.929" v="170" actId="165"/>
+          <ac:chgData name="Bo Tang" userId="332dbdf67b1791cd" providerId="LiveId" clId="{0CC41EC3-D5AE-4A4E-BCBF-91A1A4A8A767}" dt="2024-09-29T03:44:52.825" v="252" actId="404"/>
           <ac:cxnSpMkLst>
             <pc:docMk/>
             <pc:sldMk cId="3536482602" sldId="256"/>
@@ -1584,7 +1584,7 @@
           </ac:cxnSpMkLst>
         </pc:cxnChg>
         <pc:cxnChg chg="mod topLvl">
-          <ac:chgData name="Bo Tang" userId="332dbdf67b1791cd" providerId="LiveId" clId="{0CC41EC3-D5AE-4A4E-BCBF-91A1A4A8A767}" dt="2024-09-27T18:01:22.016" v="178" actId="164"/>
+          <ac:chgData name="Bo Tang" userId="332dbdf67b1791cd" providerId="LiveId" clId="{0CC41EC3-D5AE-4A4E-BCBF-91A1A4A8A767}" dt="2024-09-29T03:44:52.825" v="252" actId="404"/>
           <ac:cxnSpMkLst>
             <pc:docMk/>
             <pc:sldMk cId="3536482602" sldId="256"/>
@@ -1592,7 +1592,7 @@
           </ac:cxnSpMkLst>
         </pc:cxnChg>
         <pc:cxnChg chg="mod topLvl">
-          <ac:chgData name="Bo Tang" userId="332dbdf67b1791cd" providerId="LiveId" clId="{0CC41EC3-D5AE-4A4E-BCBF-91A1A4A8A767}" dt="2024-09-27T18:01:22.016" v="178" actId="164"/>
+          <ac:chgData name="Bo Tang" userId="332dbdf67b1791cd" providerId="LiveId" clId="{0CC41EC3-D5AE-4A4E-BCBF-91A1A4A8A767}" dt="2024-09-29T03:44:52.825" v="252" actId="404"/>
           <ac:cxnSpMkLst>
             <pc:docMk/>
             <pc:sldMk cId="3536482602" sldId="256"/>
@@ -1600,7 +1600,7 @@
           </ac:cxnSpMkLst>
         </pc:cxnChg>
         <pc:cxnChg chg="mod topLvl">
-          <ac:chgData name="Bo Tang" userId="332dbdf67b1791cd" providerId="LiveId" clId="{0CC41EC3-D5AE-4A4E-BCBF-91A1A4A8A767}" dt="2024-09-27T18:01:22.016" v="178" actId="164"/>
+          <ac:chgData name="Bo Tang" userId="332dbdf67b1791cd" providerId="LiveId" clId="{0CC41EC3-D5AE-4A4E-BCBF-91A1A4A8A767}" dt="2024-09-29T03:44:52.825" v="252" actId="404"/>
           <ac:cxnSpMkLst>
             <pc:docMk/>
             <pc:sldMk cId="3536482602" sldId="256"/>
@@ -1608,7 +1608,7 @@
           </ac:cxnSpMkLst>
         </pc:cxnChg>
         <pc:cxnChg chg="mod topLvl">
-          <ac:chgData name="Bo Tang" userId="332dbdf67b1791cd" providerId="LiveId" clId="{0CC41EC3-D5AE-4A4E-BCBF-91A1A4A8A767}" dt="2024-09-27T18:01:22.016" v="178" actId="164"/>
+          <ac:chgData name="Bo Tang" userId="332dbdf67b1791cd" providerId="LiveId" clId="{0CC41EC3-D5AE-4A4E-BCBF-91A1A4A8A767}" dt="2024-09-29T03:44:52.825" v="252" actId="404"/>
           <ac:cxnSpMkLst>
             <pc:docMk/>
             <pc:sldMk cId="3536482602" sldId="256"/>
@@ -1616,7 +1616,7 @@
           </ac:cxnSpMkLst>
         </pc:cxnChg>
         <pc:cxnChg chg="mod topLvl">
-          <ac:chgData name="Bo Tang" userId="332dbdf67b1791cd" providerId="LiveId" clId="{0CC41EC3-D5AE-4A4E-BCBF-91A1A4A8A767}" dt="2024-09-27T18:01:22.016" v="178" actId="164"/>
+          <ac:chgData name="Bo Tang" userId="332dbdf67b1791cd" providerId="LiveId" clId="{0CC41EC3-D5AE-4A4E-BCBF-91A1A4A8A767}" dt="2024-09-29T03:44:52.825" v="252" actId="404"/>
           <ac:cxnSpMkLst>
             <pc:docMk/>
             <pc:sldMk cId="3536482602" sldId="256"/>
@@ -1624,7 +1624,7 @@
           </ac:cxnSpMkLst>
         </pc:cxnChg>
         <pc:cxnChg chg="mod">
-          <ac:chgData name="Bo Tang" userId="332dbdf67b1791cd" providerId="LiveId" clId="{0CC41EC3-D5AE-4A4E-BCBF-91A1A4A8A767}" dt="2024-09-27T18:00:38.929" v="170" actId="165"/>
+          <ac:chgData name="Bo Tang" userId="332dbdf67b1791cd" providerId="LiveId" clId="{0CC41EC3-D5AE-4A4E-BCBF-91A1A4A8A767}" dt="2024-09-29T03:44:52.825" v="252" actId="404"/>
           <ac:cxnSpMkLst>
             <pc:docMk/>
             <pc:sldMk cId="3536482602" sldId="256"/>
@@ -1632,7 +1632,7 @@
           </ac:cxnSpMkLst>
         </pc:cxnChg>
         <pc:cxnChg chg="mod">
-          <ac:chgData name="Bo Tang" userId="332dbdf67b1791cd" providerId="LiveId" clId="{0CC41EC3-D5AE-4A4E-BCBF-91A1A4A8A767}" dt="2024-09-27T18:00:38.929" v="170" actId="165"/>
+          <ac:chgData name="Bo Tang" userId="332dbdf67b1791cd" providerId="LiveId" clId="{0CC41EC3-D5AE-4A4E-BCBF-91A1A4A8A767}" dt="2024-09-29T03:44:52.825" v="252" actId="404"/>
           <ac:cxnSpMkLst>
             <pc:docMk/>
             <pc:sldMk cId="3536482602" sldId="256"/>
@@ -1640,7 +1640,7 @@
           </ac:cxnSpMkLst>
         </pc:cxnChg>
         <pc:cxnChg chg="mod topLvl">
-          <ac:chgData name="Bo Tang" userId="332dbdf67b1791cd" providerId="LiveId" clId="{0CC41EC3-D5AE-4A4E-BCBF-91A1A4A8A767}" dt="2024-09-27T18:01:56.665" v="182" actId="164"/>
+          <ac:chgData name="Bo Tang" userId="332dbdf67b1791cd" providerId="LiveId" clId="{0CC41EC3-D5AE-4A4E-BCBF-91A1A4A8A767}" dt="2024-09-29T03:44:52.825" v="252" actId="404"/>
           <ac:cxnSpMkLst>
             <pc:docMk/>
             <pc:sldMk cId="3536482602" sldId="256"/>
@@ -1648,7 +1648,7 @@
           </ac:cxnSpMkLst>
         </pc:cxnChg>
         <pc:cxnChg chg="mod">
-          <ac:chgData name="Bo Tang" userId="332dbdf67b1791cd" providerId="LiveId" clId="{0CC41EC3-D5AE-4A4E-BCBF-91A1A4A8A767}" dt="2024-09-27T18:00:38.929" v="170" actId="165"/>
+          <ac:chgData name="Bo Tang" userId="332dbdf67b1791cd" providerId="LiveId" clId="{0CC41EC3-D5AE-4A4E-BCBF-91A1A4A8A767}" dt="2024-09-29T03:44:52.825" v="252" actId="404"/>
           <ac:cxnSpMkLst>
             <pc:docMk/>
             <pc:sldMk cId="3536482602" sldId="256"/>
@@ -1656,7 +1656,7 @@
           </ac:cxnSpMkLst>
         </pc:cxnChg>
         <pc:cxnChg chg="mod">
-          <ac:chgData name="Bo Tang" userId="332dbdf67b1791cd" providerId="LiveId" clId="{0CC41EC3-D5AE-4A4E-BCBF-91A1A4A8A767}" dt="2024-09-27T18:00:38.929" v="170" actId="165"/>
+          <ac:chgData name="Bo Tang" userId="332dbdf67b1791cd" providerId="LiveId" clId="{0CC41EC3-D5AE-4A4E-BCBF-91A1A4A8A767}" dt="2024-09-29T03:44:52.825" v="252" actId="404"/>
           <ac:cxnSpMkLst>
             <pc:docMk/>
             <pc:sldMk cId="3536482602" sldId="256"/>
@@ -1664,7 +1664,7 @@
           </ac:cxnSpMkLst>
         </pc:cxnChg>
         <pc:cxnChg chg="mod">
-          <ac:chgData name="Bo Tang" userId="332dbdf67b1791cd" providerId="LiveId" clId="{0CC41EC3-D5AE-4A4E-BCBF-91A1A4A8A767}" dt="2024-09-27T18:00:38.929" v="170" actId="165"/>
+          <ac:chgData name="Bo Tang" userId="332dbdf67b1791cd" providerId="LiveId" clId="{0CC41EC3-D5AE-4A4E-BCBF-91A1A4A8A767}" dt="2024-09-29T03:44:52.825" v="252" actId="404"/>
           <ac:cxnSpMkLst>
             <pc:docMk/>
             <pc:sldMk cId="3536482602" sldId="256"/>
@@ -1672,7 +1672,7 @@
           </ac:cxnSpMkLst>
         </pc:cxnChg>
         <pc:cxnChg chg="mod">
-          <ac:chgData name="Bo Tang" userId="332dbdf67b1791cd" providerId="LiveId" clId="{0CC41EC3-D5AE-4A4E-BCBF-91A1A4A8A767}" dt="2024-09-27T18:00:38.929" v="170" actId="165"/>
+          <ac:chgData name="Bo Tang" userId="332dbdf67b1791cd" providerId="LiveId" clId="{0CC41EC3-D5AE-4A4E-BCBF-91A1A4A8A767}" dt="2024-09-29T03:44:52.825" v="252" actId="404"/>
           <ac:cxnSpMkLst>
             <pc:docMk/>
             <pc:sldMk cId="3536482602" sldId="256"/>
@@ -2090,7 +2090,7 @@
           <a:p>
             <a:fld id="{6E64BD1D-3336-47FF-9B2A-AE464FC3A9D4}" type="datetimeFigureOut">
               <a:rPr lang="en-US" smtClean="0"/>
-              <a:t>2024-09-27</a:t>
+              <a:t>2024-09-28</a:t>
             </a:fld>
             <a:endParaRPr lang="en-US"/>
           </a:p>
@@ -2260,7 +2260,7 @@
           <a:p>
             <a:fld id="{6E64BD1D-3336-47FF-9B2A-AE464FC3A9D4}" type="datetimeFigureOut">
               <a:rPr lang="en-US" smtClean="0"/>
-              <a:t>2024-09-27</a:t>
+              <a:t>2024-09-28</a:t>
             </a:fld>
             <a:endParaRPr lang="en-US"/>
           </a:p>
@@ -2440,7 +2440,7 @@
           <a:p>
             <a:fld id="{6E64BD1D-3336-47FF-9B2A-AE464FC3A9D4}" type="datetimeFigureOut">
               <a:rPr lang="en-US" smtClean="0"/>
-              <a:t>2024-09-27</a:t>
+              <a:t>2024-09-28</a:t>
             </a:fld>
             <a:endParaRPr lang="en-US"/>
           </a:p>
@@ -2610,7 +2610,7 @@
           <a:p>
             <a:fld id="{6E64BD1D-3336-47FF-9B2A-AE464FC3A9D4}" type="datetimeFigureOut">
               <a:rPr lang="en-US" smtClean="0"/>
-              <a:t>2024-09-27</a:t>
+              <a:t>2024-09-28</a:t>
             </a:fld>
             <a:endParaRPr lang="en-US"/>
           </a:p>
@@ -2856,7 +2856,7 @@
           <a:p>
             <a:fld id="{6E64BD1D-3336-47FF-9B2A-AE464FC3A9D4}" type="datetimeFigureOut">
               <a:rPr lang="en-US" smtClean="0"/>
-              <a:t>2024-09-27</a:t>
+              <a:t>2024-09-28</a:t>
             </a:fld>
             <a:endParaRPr lang="en-US"/>
           </a:p>
@@ -3088,7 +3088,7 @@
           <a:p>
             <a:fld id="{6E64BD1D-3336-47FF-9B2A-AE464FC3A9D4}" type="datetimeFigureOut">
               <a:rPr lang="en-US" smtClean="0"/>
-              <a:t>2024-09-27</a:t>
+              <a:t>2024-09-28</a:t>
             </a:fld>
             <a:endParaRPr lang="en-US"/>
           </a:p>
@@ -3455,7 +3455,7 @@
           <a:p>
             <a:fld id="{6E64BD1D-3336-47FF-9B2A-AE464FC3A9D4}" type="datetimeFigureOut">
               <a:rPr lang="en-US" smtClean="0"/>
-              <a:t>2024-09-27</a:t>
+              <a:t>2024-09-28</a:t>
             </a:fld>
             <a:endParaRPr lang="en-US"/>
           </a:p>
@@ -3573,7 +3573,7 @@
           <a:p>
             <a:fld id="{6E64BD1D-3336-47FF-9B2A-AE464FC3A9D4}" type="datetimeFigureOut">
               <a:rPr lang="en-US" smtClean="0"/>
-              <a:t>2024-09-27</a:t>
+              <a:t>2024-09-28</a:t>
             </a:fld>
             <a:endParaRPr lang="en-US"/>
           </a:p>
@@ -3668,7 +3668,7 @@
           <a:p>
             <a:fld id="{6E64BD1D-3336-47FF-9B2A-AE464FC3A9D4}" type="datetimeFigureOut">
               <a:rPr lang="en-US" smtClean="0"/>
-              <a:t>2024-09-27</a:t>
+              <a:t>2024-09-28</a:t>
             </a:fld>
             <a:endParaRPr lang="en-US"/>
           </a:p>
@@ -3945,7 +3945,7 @@
           <a:p>
             <a:fld id="{6E64BD1D-3336-47FF-9B2A-AE464FC3A9D4}" type="datetimeFigureOut">
               <a:rPr lang="en-US" smtClean="0"/>
-              <a:t>2024-09-27</a:t>
+              <a:t>2024-09-28</a:t>
             </a:fld>
             <a:endParaRPr lang="en-US"/>
           </a:p>
@@ -4202,7 +4202,7 @@
           <a:p>
             <a:fld id="{6E64BD1D-3336-47FF-9B2A-AE464FC3A9D4}" type="datetimeFigureOut">
               <a:rPr lang="en-US" smtClean="0"/>
-              <a:t>2024-09-27</a:t>
+              <a:t>2024-09-28</a:t>
             </a:fld>
             <a:endParaRPr lang="en-US"/>
           </a:p>
@@ -4415,7 +4415,7 @@
           <a:p>
             <a:fld id="{6E64BD1D-3336-47FF-9B2A-AE464FC3A9D4}" type="datetimeFigureOut">
               <a:rPr lang="en-US" smtClean="0"/>
-              <a:t>2024-09-27</a:t>
+              <a:t>2024-09-28</a:t>
             </a:fld>
             <a:endParaRPr lang="en-US"/>
           </a:p>
@@ -10014,8 +10014,8 @@
             </p:style>
           </p:cxnSp>
         </p:grpSp>
-        <mc:AlternateContent xmlns:mc="http://schemas.openxmlformats.org/markup-compatibility/2006" xmlns:a14="http://schemas.microsoft.com/office/drawing/2010/main">
-          <mc:Choice Requires="a14">
+        <mc:AlternateContent xmlns:mc="http://schemas.openxmlformats.org/markup-compatibility/2006">
+          <mc:Choice xmlns:a14="http://schemas.microsoft.com/office/drawing/2010/main" Requires="a14">
             <p:sp>
               <p:nvSpPr>
                 <p:cNvPr id="1127" name="TextBox 1126">
@@ -10030,8 +10030,8 @@
               </p:nvSpPr>
               <p:spPr>
                 <a:xfrm>
-                  <a:off x="2360825" y="339535"/>
-                  <a:ext cx="393549" cy="378245"/>
+                  <a:off x="2360825" y="418211"/>
+                  <a:ext cx="393549" cy="314702"/>
                 </a:xfrm>
                 <a:prstGeom prst="rect">
                   <a:avLst/>
@@ -10054,7 +10054,7 @@
                         <m:sSup>
                           <m:sSupPr>
                             <m:ctrlPr>
-                              <a:rPr lang="en-US" i="1">
+                              <a:rPr lang="en-US" sz="1400" i="1">
                                 <a:solidFill>
                                   <a:srgbClr val="002060"/>
                                 </a:solidFill>
@@ -10066,7 +10066,7 @@
                           </m:sSupPr>
                           <m:e>
                             <m:r>
-                              <a:rPr lang="en-US" b="1" i="1">
+                              <a:rPr lang="en-US" sz="1400" b="1" i="1">
                                 <a:solidFill>
                                   <a:srgbClr val="002060"/>
                                 </a:solidFill>
@@ -10079,7 +10079,7 @@
                           </m:e>
                           <m:sup>
                             <m:r>
-                              <a:rPr lang="en-US" i="1">
+                              <a:rPr lang="en-US" sz="1400" i="1">
                                 <a:solidFill>
                                   <a:srgbClr val="002060"/>
                                 </a:solidFill>
@@ -10094,7 +10094,7 @@
                       </m:oMath>
                     </m:oMathPara>
                   </a14:m>
-                  <a:endParaRPr lang="en-US" b="1" dirty="0">
+                  <a:endParaRPr lang="en-US" sz="1400" b="1" dirty="0">
                     <a:solidFill>
                       <a:srgbClr val="002060"/>
                     </a:solidFill>
@@ -10105,7 +10105,7 @@
               </p:txBody>
             </p:sp>
           </mc:Choice>
-          <mc:Fallback xmlns="">
+          <mc:Fallback>
             <p:sp>
               <p:nvSpPr>
                 <p:cNvPr id="1127" name="TextBox 1126">
@@ -10122,8 +10122,8 @@
               </p:nvSpPr>
               <p:spPr>
                 <a:xfrm>
-                  <a:off x="2360825" y="339535"/>
-                  <a:ext cx="393549" cy="378245"/>
+                  <a:off x="2360825" y="418211"/>
+                  <a:ext cx="393549" cy="314702"/>
                 </a:xfrm>
                 <a:prstGeom prst="rect">
                   <a:avLst/>
@@ -10131,7 +10131,7 @@
                 <a:blipFill>
                   <a:blip r:embed="rId6"/>
                   <a:stretch>
-                    <a:fillRect l="-9231" b="-14516"/>
+                    <a:fillRect b="-9804"/>
                   </a:stretch>
                 </a:blipFill>
               </p:spPr>
@@ -10150,8 +10150,8 @@
             </p:sp>
           </mc:Fallback>
         </mc:AlternateContent>
-        <mc:AlternateContent xmlns:mc="http://schemas.openxmlformats.org/markup-compatibility/2006" xmlns:a14="http://schemas.microsoft.com/office/drawing/2010/main">
-          <mc:Choice Requires="a14">
+        <mc:AlternateContent xmlns:mc="http://schemas.openxmlformats.org/markup-compatibility/2006">
+          <mc:Choice xmlns:a14="http://schemas.microsoft.com/office/drawing/2010/main" Requires="a14">
             <p:sp>
               <p:nvSpPr>
                 <p:cNvPr id="1128" name="TextBox 1127">
@@ -10166,8 +10166,8 @@
               </p:nvSpPr>
               <p:spPr>
                 <a:xfrm>
-                  <a:off x="5031132" y="339535"/>
-                  <a:ext cx="796733" cy="378245"/>
+                  <a:off x="4718712" y="418211"/>
+                  <a:ext cx="1428231" cy="314702"/>
                 </a:xfrm>
                 <a:prstGeom prst="rect">
                   <a:avLst/>
@@ -10190,7 +10190,7 @@
                         <m:sSup>
                           <m:sSupPr>
                             <m:ctrlPr>
-                              <a:rPr lang="en-US" i="1">
+                              <a:rPr lang="en-US" sz="1400" i="1" smtClean="0">
                                 <a:solidFill>
                                   <a:srgbClr val="002060"/>
                                 </a:solidFill>
@@ -10205,7 +10205,7 @@
                               <m:accPr>
                                 <m:chr m:val="̅"/>
                                 <m:ctrlPr>
-                                  <a:rPr lang="en-US" i="1">
+                                  <a:rPr lang="en-US" sz="1400" i="1">
                                     <a:solidFill>
                                       <a:srgbClr val="002060"/>
                                     </a:solidFill>
@@ -10217,7 +10217,7 @@
                               </m:accPr>
                               <m:e>
                                 <m:r>
-                                  <a:rPr lang="en-US" b="1" i="1">
+                                  <a:rPr lang="en-US" sz="1400" b="1" i="1">
                                     <a:solidFill>
                                       <a:srgbClr val="002060"/>
                                     </a:solidFill>
@@ -10232,7 +10232,7 @@
                           </m:e>
                           <m:sup>
                             <m:r>
-                              <a:rPr lang="en-US" i="1">
+                              <a:rPr lang="en-US" sz="1400" i="1">
                                 <a:solidFill>
                                   <a:srgbClr val="002060"/>
                                 </a:solidFill>
@@ -10244,10 +10244,141 @@
                             </m:r>
                           </m:sup>
                         </m:sSup>
+                        <m:r>
+                          <a:rPr lang="en-US" sz="1400" i="1" smtClean="0">
+                            <a:solidFill>
+                              <a:srgbClr val="002060"/>
+                            </a:solidFill>
+                            <a:latin typeface="Cambria Math" panose="02040503050406030204" pitchFamily="18" charset="0"/>
+                            <a:ea typeface="Cambria Math" panose="02040503050406030204" pitchFamily="18" charset="0"/>
+                            <a:cs typeface="Times New Roman" panose="02020603050405020304" pitchFamily="18" charset="0"/>
+                          </a:rPr>
+                          <m:t>∈</m:t>
+                        </m:r>
+                        <m:sSup>
+                          <m:sSupPr>
+                            <m:ctrlPr>
+                              <a:rPr lang="en-US" sz="1400" i="1" smtClean="0">
+                                <a:solidFill>
+                                  <a:srgbClr val="002060"/>
+                                </a:solidFill>
+                                <a:latin typeface="Cambria Math" panose="02040503050406030204" pitchFamily="18" charset="0"/>
+                                <a:ea typeface="Cambria Math" panose="02040503050406030204" pitchFamily="18" charset="0"/>
+                                <a:cs typeface="Times New Roman" panose="02020603050405020304" pitchFamily="18" charset="0"/>
+                              </a:rPr>
+                            </m:ctrlPr>
+                          </m:sSupPr>
+                          <m:e>
+                            <m:r>
+                              <a:rPr lang="en-US" sz="1400" i="1">
+                                <a:solidFill>
+                                  <a:srgbClr val="002060"/>
+                                </a:solidFill>
+                                <a:latin typeface="Cambria Math" panose="02040503050406030204" pitchFamily="18" charset="0"/>
+                                <a:ea typeface="Cambria Math" panose="02040503050406030204" pitchFamily="18" charset="0"/>
+                                <a:cs typeface="Times New Roman" panose="02020603050405020304" pitchFamily="18" charset="0"/>
+                              </a:rPr>
+                              <m:t>ℝ</m:t>
+                            </m:r>
+                          </m:e>
+                          <m:sup>
+                            <m:sSub>
+                              <m:sSubPr>
+                                <m:ctrlPr>
+                                  <a:rPr lang="en-US" sz="1400" i="1" smtClean="0">
+                                    <a:solidFill>
+                                      <a:srgbClr val="002060"/>
+                                    </a:solidFill>
+                                    <a:latin typeface="Cambria Math" panose="02040503050406030204" pitchFamily="18" charset="0"/>
+                                    <a:ea typeface="Cambria Math" panose="02040503050406030204" pitchFamily="18" charset="0"/>
+                                    <a:cs typeface="Times New Roman" panose="02020603050405020304" pitchFamily="18" charset="0"/>
+                                  </a:rPr>
+                                </m:ctrlPr>
+                              </m:sSubPr>
+                              <m:e>
+                                <m:r>
+                                  <a:rPr lang="en-US" sz="1400" b="0" i="1" smtClean="0">
+                                    <a:solidFill>
+                                      <a:srgbClr val="002060"/>
+                                    </a:solidFill>
+                                    <a:latin typeface="Cambria Math" panose="02040503050406030204" pitchFamily="18" charset="0"/>
+                                    <a:ea typeface="Cambria Math" panose="02040503050406030204" pitchFamily="18" charset="0"/>
+                                    <a:cs typeface="Times New Roman" panose="02020603050405020304" pitchFamily="18" charset="0"/>
+                                  </a:rPr>
+                                  <m:t>𝑛</m:t>
+                                </m:r>
+                              </m:e>
+                              <m:sub>
+                                <m:r>
+                                  <a:rPr lang="en-US" sz="1400" b="0" i="1" smtClean="0">
+                                    <a:solidFill>
+                                      <a:srgbClr val="002060"/>
+                                    </a:solidFill>
+                                    <a:latin typeface="Cambria Math" panose="02040503050406030204" pitchFamily="18" charset="0"/>
+                                    <a:ea typeface="Cambria Math" panose="02040503050406030204" pitchFamily="18" charset="0"/>
+                                    <a:cs typeface="Times New Roman" panose="02020603050405020304" pitchFamily="18" charset="0"/>
+                                  </a:rPr>
+                                  <m:t>𝑟</m:t>
+                                </m:r>
+                              </m:sub>
+                            </m:sSub>
+                            <m:r>
+                              <a:rPr lang="en-US" sz="1400" b="0" i="1" smtClean="0">
+                                <a:solidFill>
+                                  <a:srgbClr val="002060"/>
+                                </a:solidFill>
+                                <a:latin typeface="Cambria Math" panose="02040503050406030204" pitchFamily="18" charset="0"/>
+                                <a:ea typeface="Cambria Math" panose="02040503050406030204" pitchFamily="18" charset="0"/>
+                                <a:cs typeface="Times New Roman" panose="02020603050405020304" pitchFamily="18" charset="0"/>
+                              </a:rPr>
+                              <m:t>+</m:t>
+                            </m:r>
+                            <m:sSub>
+                              <m:sSubPr>
+                                <m:ctrlPr>
+                                  <a:rPr lang="en-US" sz="1400" b="0" i="1" smtClean="0">
+                                    <a:solidFill>
+                                      <a:srgbClr val="002060"/>
+                                    </a:solidFill>
+                                    <a:latin typeface="Cambria Math" panose="02040503050406030204" pitchFamily="18" charset="0"/>
+                                    <a:ea typeface="Cambria Math" panose="02040503050406030204" pitchFamily="18" charset="0"/>
+                                    <a:cs typeface="Times New Roman" panose="02020603050405020304" pitchFamily="18" charset="0"/>
+                                  </a:rPr>
+                                </m:ctrlPr>
+                              </m:sSubPr>
+                              <m:e>
+                                <m:r>
+                                  <a:rPr lang="en-US" sz="1400" b="0" i="1" smtClean="0">
+                                    <a:solidFill>
+                                      <a:srgbClr val="002060"/>
+                                    </a:solidFill>
+                                    <a:latin typeface="Cambria Math" panose="02040503050406030204" pitchFamily="18" charset="0"/>
+                                    <a:ea typeface="Cambria Math" panose="02040503050406030204" pitchFamily="18" charset="0"/>
+                                    <a:cs typeface="Times New Roman" panose="02020603050405020304" pitchFamily="18" charset="0"/>
+                                  </a:rPr>
+                                  <m:t>𝑛</m:t>
+                                </m:r>
+                              </m:e>
+                              <m:sub>
+                                <m:r>
+                                  <a:rPr lang="en-US" sz="1400" b="0" i="1" smtClean="0">
+                                    <a:solidFill>
+                                      <a:srgbClr val="002060"/>
+                                    </a:solidFill>
+                                    <a:latin typeface="Cambria Math" panose="02040503050406030204" pitchFamily="18" charset="0"/>
+                                    <a:ea typeface="Cambria Math" panose="02040503050406030204" pitchFamily="18" charset="0"/>
+                                    <a:cs typeface="Times New Roman" panose="02020603050405020304" pitchFamily="18" charset="0"/>
+                                  </a:rPr>
+                                  <m:t>𝑧</m:t>
+                                </m:r>
+                              </m:sub>
+                            </m:sSub>
+                          </m:sup>
+                        </m:sSup>
                       </m:oMath>
                     </m:oMathPara>
                   </a14:m>
-                  <a:endParaRPr lang="en-US" b="1" dirty="0">
+                  <a:endParaRPr lang="en-US" sz="1400" b="1" dirty="0">
                     <a:solidFill>
                       <a:srgbClr val="002060"/>
                     </a:solidFill>
@@ -10258,7 +10389,7 @@
               </p:txBody>
             </p:sp>
           </mc:Choice>
-          <mc:Fallback xmlns="">
+          <mc:Fallback>
             <p:sp>
               <p:nvSpPr>
                 <p:cNvPr id="1128" name="TextBox 1127">
@@ -10275,8 +10406,8 @@
               </p:nvSpPr>
               <p:spPr>
                 <a:xfrm>
-                  <a:off x="5031132" y="339535"/>
-                  <a:ext cx="796733" cy="378245"/>
+                  <a:off x="4718712" y="418211"/>
+                  <a:ext cx="1428231" cy="314702"/>
                 </a:xfrm>
                 <a:prstGeom prst="rect">
                   <a:avLst/>
@@ -10284,7 +10415,7 @@
                 <a:blipFill>
                   <a:blip r:embed="rId7"/>
                   <a:stretch>
-                    <a:fillRect r="-3817"/>
+                    <a:fillRect/>
                   </a:stretch>
                 </a:blipFill>
               </p:spPr>
@@ -10303,8 +10434,8 @@
             </p:sp>
           </mc:Fallback>
         </mc:AlternateContent>
-        <mc:AlternateContent xmlns:mc="http://schemas.openxmlformats.org/markup-compatibility/2006" xmlns:a14="http://schemas.microsoft.com/office/drawing/2010/main">
-          <mc:Choice Requires="a14">
+        <mc:AlternateContent xmlns:mc="http://schemas.openxmlformats.org/markup-compatibility/2006">
+          <mc:Choice xmlns:a14="http://schemas.microsoft.com/office/drawing/2010/main" Requires="a14">
             <p:sp>
               <p:nvSpPr>
                 <p:cNvPr id="1131" name="TextBox 1130">
@@ -10319,8 +10450,8 @@
               </p:nvSpPr>
               <p:spPr>
                 <a:xfrm>
-                  <a:off x="7920030" y="321667"/>
-                  <a:ext cx="796733" cy="378245"/>
+                  <a:off x="7459013" y="406629"/>
+                  <a:ext cx="1660197" cy="314702"/>
                 </a:xfrm>
                 <a:prstGeom prst="rect">
                   <a:avLst/>
@@ -10343,7 +10474,7 @@
                         <m:sSup>
                           <m:sSupPr>
                             <m:ctrlPr>
-                              <a:rPr lang="en-US" i="1">
+                              <a:rPr lang="en-US" sz="1400" i="1">
                                 <a:solidFill>
                                   <a:srgbClr val="002060"/>
                                 </a:solidFill>
@@ -10358,7 +10489,7 @@
                               <m:accPr>
                                 <m:chr m:val="̂"/>
                                 <m:ctrlPr>
-                                  <a:rPr lang="en-US" b="1" i="1">
+                                  <a:rPr lang="en-US" sz="1400" b="1" i="1">
                                     <a:solidFill>
                                       <a:srgbClr val="002060"/>
                                     </a:solidFill>
@@ -10370,7 +10501,7 @@
                               </m:accPr>
                               <m:e>
                                 <m:r>
-                                  <a:rPr lang="en-US" b="1" i="1">
+                                  <a:rPr lang="en-US" sz="1400" b="1" i="1">
                                     <a:solidFill>
                                       <a:srgbClr val="002060"/>
                                     </a:solidFill>
@@ -10385,7 +10516,7 @@
                           </m:e>
                           <m:sup>
                             <m:r>
-                              <a:rPr lang="en-US" i="1">
+                              <a:rPr lang="en-US" sz="1400" i="1">
                                 <a:solidFill>
                                   <a:srgbClr val="002060"/>
                                 </a:solidFill>
@@ -10397,10 +10528,170 @@
                             </m:r>
                           </m:sup>
                         </m:sSup>
+                        <m:r>
+                          <a:rPr lang="en-US" sz="1400" i="1" smtClean="0">
+                            <a:solidFill>
+                              <a:srgbClr val="002060"/>
+                            </a:solidFill>
+                            <a:latin typeface="Cambria Math" panose="02040503050406030204" pitchFamily="18" charset="0"/>
+                            <a:ea typeface="Cambria Math" panose="02040503050406030204" pitchFamily="18" charset="0"/>
+                            <a:cs typeface="Times New Roman" panose="02020603050405020304" pitchFamily="18" charset="0"/>
+                          </a:rPr>
+                          <m:t>∈</m:t>
+                        </m:r>
+                        <m:sSup>
+                          <m:sSupPr>
+                            <m:ctrlPr>
+                              <a:rPr lang="en-US" sz="1400" i="1" smtClean="0">
+                                <a:solidFill>
+                                  <a:srgbClr val="002060"/>
+                                </a:solidFill>
+                                <a:latin typeface="Cambria Math" panose="02040503050406030204" pitchFamily="18" charset="0"/>
+                                <a:ea typeface="Cambria Math" panose="02040503050406030204" pitchFamily="18" charset="0"/>
+                                <a:cs typeface="Times New Roman" panose="02020603050405020304" pitchFamily="18" charset="0"/>
+                              </a:rPr>
+                            </m:ctrlPr>
+                          </m:sSupPr>
+                          <m:e>
+                            <m:r>
+                              <a:rPr lang="en-US" sz="1400" i="1">
+                                <a:solidFill>
+                                  <a:srgbClr val="002060"/>
+                                </a:solidFill>
+                                <a:latin typeface="Cambria Math" panose="02040503050406030204" pitchFamily="18" charset="0"/>
+                                <a:ea typeface="Cambria Math" panose="02040503050406030204" pitchFamily="18" charset="0"/>
+                                <a:cs typeface="Times New Roman" panose="02020603050405020304" pitchFamily="18" charset="0"/>
+                              </a:rPr>
+                              <m:t>ℝ</m:t>
+                            </m:r>
+                          </m:e>
+                          <m:sup>
+                            <m:sSub>
+                              <m:sSubPr>
+                                <m:ctrlPr>
+                                  <a:rPr lang="en-US" sz="1400" i="1">
+                                    <a:solidFill>
+                                      <a:srgbClr val="002060"/>
+                                    </a:solidFill>
+                                    <a:latin typeface="Cambria Math" panose="02040503050406030204" pitchFamily="18" charset="0"/>
+                                    <a:ea typeface="Cambria Math" panose="02040503050406030204" pitchFamily="18" charset="0"/>
+                                    <a:cs typeface="Times New Roman" panose="02020603050405020304" pitchFamily="18" charset="0"/>
+                                  </a:rPr>
+                                </m:ctrlPr>
+                              </m:sSubPr>
+                              <m:e>
+                                <m:r>
+                                  <a:rPr lang="en-US" sz="1400" i="1">
+                                    <a:solidFill>
+                                      <a:srgbClr val="002060"/>
+                                    </a:solidFill>
+                                    <a:latin typeface="Cambria Math" panose="02040503050406030204" pitchFamily="18" charset="0"/>
+                                    <a:ea typeface="Cambria Math" panose="02040503050406030204" pitchFamily="18" charset="0"/>
+                                    <a:cs typeface="Times New Roman" panose="02020603050405020304" pitchFamily="18" charset="0"/>
+                                  </a:rPr>
+                                  <m:t>𝑛</m:t>
+                                </m:r>
+                              </m:e>
+                              <m:sub>
+                                <m:r>
+                                  <a:rPr lang="en-US" sz="1400" i="1">
+                                    <a:solidFill>
+                                      <a:srgbClr val="002060"/>
+                                    </a:solidFill>
+                                    <a:latin typeface="Cambria Math" panose="02040503050406030204" pitchFamily="18" charset="0"/>
+                                    <a:ea typeface="Cambria Math" panose="02040503050406030204" pitchFamily="18" charset="0"/>
+                                    <a:cs typeface="Times New Roman" panose="02020603050405020304" pitchFamily="18" charset="0"/>
+                                  </a:rPr>
+                                  <m:t>𝑟</m:t>
+                                </m:r>
+                              </m:sub>
+                            </m:sSub>
+                          </m:sup>
+                        </m:sSup>
+                        <m:r>
+                          <a:rPr lang="en-US" sz="1400" i="1" smtClean="0">
+                            <a:solidFill>
+                              <a:srgbClr val="002060"/>
+                            </a:solidFill>
+                            <a:latin typeface="Cambria Math" panose="02040503050406030204" pitchFamily="18" charset="0"/>
+                            <a:ea typeface="Cambria Math" panose="02040503050406030204" pitchFamily="18" charset="0"/>
+                            <a:cs typeface="Times New Roman" panose="02020603050405020304" pitchFamily="18" charset="0"/>
+                          </a:rPr>
+                          <m:t>×</m:t>
+                        </m:r>
+                        <m:sSup>
+                          <m:sSupPr>
+                            <m:ctrlPr>
+                              <a:rPr lang="en-US" sz="1400" i="1" smtClean="0">
+                                <a:solidFill>
+                                  <a:srgbClr val="002060"/>
+                                </a:solidFill>
+                                <a:latin typeface="Cambria Math" panose="02040503050406030204" pitchFamily="18" charset="0"/>
+                                <a:ea typeface="Cambria Math" panose="02040503050406030204" pitchFamily="18" charset="0"/>
+                                <a:cs typeface="Times New Roman" panose="02020603050405020304" pitchFamily="18" charset="0"/>
+                              </a:rPr>
+                            </m:ctrlPr>
+                          </m:sSupPr>
+                          <m:e>
+                            <m:r>
+                              <a:rPr lang="en-US" sz="1400" i="1">
+                                <a:solidFill>
+                                  <a:srgbClr val="002060"/>
+                                </a:solidFill>
+                                <a:latin typeface="Cambria Math" panose="02040503050406030204" pitchFamily="18" charset="0"/>
+                                <a:ea typeface="Cambria Math" panose="02040503050406030204" pitchFamily="18" charset="0"/>
+                                <a:cs typeface="Times New Roman" panose="02020603050405020304" pitchFamily="18" charset="0"/>
+                              </a:rPr>
+                              <m:t>ℤ</m:t>
+                            </m:r>
+                          </m:e>
+                          <m:sup>
+                            <m:sSub>
+                              <m:sSubPr>
+                                <m:ctrlPr>
+                                  <a:rPr lang="en-US" sz="1400" i="1">
+                                    <a:solidFill>
+                                      <a:srgbClr val="002060"/>
+                                    </a:solidFill>
+                                    <a:latin typeface="Cambria Math" panose="02040503050406030204" pitchFamily="18" charset="0"/>
+                                    <a:ea typeface="Cambria Math" panose="02040503050406030204" pitchFamily="18" charset="0"/>
+                                    <a:cs typeface="Times New Roman" panose="02020603050405020304" pitchFamily="18" charset="0"/>
+                                  </a:rPr>
+                                </m:ctrlPr>
+                              </m:sSubPr>
+                              <m:e>
+                                <m:r>
+                                  <a:rPr lang="en-US" sz="1400" i="1">
+                                    <a:solidFill>
+                                      <a:srgbClr val="002060"/>
+                                    </a:solidFill>
+                                    <a:latin typeface="Cambria Math" panose="02040503050406030204" pitchFamily="18" charset="0"/>
+                                    <a:ea typeface="Cambria Math" panose="02040503050406030204" pitchFamily="18" charset="0"/>
+                                    <a:cs typeface="Times New Roman" panose="02020603050405020304" pitchFamily="18" charset="0"/>
+                                  </a:rPr>
+                                  <m:t>𝑛</m:t>
+                                </m:r>
+                              </m:e>
+                              <m:sub>
+                                <m:r>
+                                  <a:rPr lang="en-US" sz="1400" i="1">
+                                    <a:solidFill>
+                                      <a:srgbClr val="002060"/>
+                                    </a:solidFill>
+                                    <a:latin typeface="Cambria Math" panose="02040503050406030204" pitchFamily="18" charset="0"/>
+                                    <a:ea typeface="Cambria Math" panose="02040503050406030204" pitchFamily="18" charset="0"/>
+                                    <a:cs typeface="Times New Roman" panose="02020603050405020304" pitchFamily="18" charset="0"/>
+                                  </a:rPr>
+                                  <m:t>𝑧</m:t>
+                                </m:r>
+                              </m:sub>
+                            </m:sSub>
+                          </m:sup>
+                        </m:sSup>
                       </m:oMath>
                     </m:oMathPara>
                   </a14:m>
-                  <a:endParaRPr lang="en-US" b="1" dirty="0">
+                  <a:endParaRPr lang="en-US" sz="1400" b="1" dirty="0">
                     <a:solidFill>
                       <a:srgbClr val="002060"/>
                     </a:solidFill>
@@ -10411,7 +10702,7 @@
               </p:txBody>
             </p:sp>
           </mc:Choice>
-          <mc:Fallback xmlns="">
+          <mc:Fallback>
             <p:sp>
               <p:nvSpPr>
                 <p:cNvPr id="1131" name="TextBox 1130">
@@ -10428,8 +10719,8 @@
               </p:nvSpPr>
               <p:spPr>
                 <a:xfrm>
-                  <a:off x="7920030" y="321667"/>
-                  <a:ext cx="796733" cy="378245"/>
+                  <a:off x="7459013" y="406629"/>
+                  <a:ext cx="1660197" cy="314702"/>
                 </a:xfrm>
                 <a:prstGeom prst="rect">
                   <a:avLst/>
@@ -10437,7 +10728,7 @@
                 <a:blipFill>
                   <a:blip r:embed="rId8"/>
                   <a:stretch>
-                    <a:fillRect t="-1613" r="-11450"/>
+                    <a:fillRect/>
                   </a:stretch>
                 </a:blipFill>
               </p:spPr>

--- a/img/pipeline.pptx
+++ b/img/pipeline.pptx
@@ -2,12 +2,12 @@
 <file path=ppt/presentation.xml><?xml version="1.0" encoding="utf-8"?>
 <p:presentation xmlns:a="http://schemas.openxmlformats.org/drawingml/2006/main" xmlns:r="http://schemas.openxmlformats.org/officeDocument/2006/relationships" xmlns:p="http://schemas.openxmlformats.org/presentationml/2006/main" saveSubsetFonts="1">
   <p:sldMasterIdLst>
-    <p:sldMasterId id="2147483756" r:id="rId1"/>
+    <p:sldMasterId id="2147483768" r:id="rId1"/>
   </p:sldMasterIdLst>
   <p:sldIdLst>
     <p:sldId id="256" r:id="rId2"/>
   </p:sldIdLst>
-  <p:sldSz cx="10972800" cy="2286000"/>
+  <p:sldSz cx="10972800" cy="2560638"/>
   <p:notesSz cx="6858000" cy="9144000"/>
   <p:defaultTextStyle>
     <a:defPPr>
@@ -115,7 +115,7 @@
 <file path=ppt/revisionInfo.xml><?xml version="1.0" encoding="utf-8"?>
 <p1510:revInfo xmlns:a="http://schemas.openxmlformats.org/drawingml/2006/main" xmlns:r="http://schemas.openxmlformats.org/officeDocument/2006/relationships" xmlns:p1510="http://schemas.microsoft.com/office/powerpoint/2015/10/main">
   <p1510:revLst>
-    <p1510:client id="{0CC41EC3-D5AE-4A4E-BCBF-91A1A4A8A767}" v="165" dt="2024-09-29T03:44:52.825"/>
+    <p1510:client id="{0CC41EC3-D5AE-4A4E-BCBF-91A1A4A8A767}" v="172" dt="2024-09-29T22:10:40.437"/>
   </p1510:revLst>
 </p1510:revInfo>
 </file>
@@ -917,16 +917,24 @@
   <pc:docChgLst>
     <pc:chgData name="Bo Tang" userId="332dbdf67b1791cd" providerId="LiveId" clId="{0CC41EC3-D5AE-4A4E-BCBF-91A1A4A8A767}"/>
     <pc:docChg chg="undo custSel modSld modMainMaster">
-      <pc:chgData name="Bo Tang" userId="332dbdf67b1791cd" providerId="LiveId" clId="{0CC41EC3-D5AE-4A4E-BCBF-91A1A4A8A767}" dt="2024-09-29T03:44:58.019" v="253" actId="1076"/>
+      <pc:chgData name="Bo Tang" userId="332dbdf67b1791cd" providerId="LiveId" clId="{0CC41EC3-D5AE-4A4E-BCBF-91A1A4A8A767}" dt="2024-09-29T22:10:45.588" v="278" actId="1036"/>
       <pc:docMkLst>
         <pc:docMk/>
       </pc:docMkLst>
       <pc:sldChg chg="addSp delSp modSp mod">
-        <pc:chgData name="Bo Tang" userId="332dbdf67b1791cd" providerId="LiveId" clId="{0CC41EC3-D5AE-4A4E-BCBF-91A1A4A8A767}" dt="2024-09-29T03:44:58.019" v="253" actId="1076"/>
+        <pc:chgData name="Bo Tang" userId="332dbdf67b1791cd" providerId="LiveId" clId="{0CC41EC3-D5AE-4A4E-BCBF-91A1A4A8A767}" dt="2024-09-29T22:10:45.588" v="278" actId="1036"/>
         <pc:sldMkLst>
           <pc:docMk/>
           <pc:sldMk cId="3536482602" sldId="256"/>
         </pc:sldMkLst>
+        <pc:spChg chg="add mod">
+          <ac:chgData name="Bo Tang" userId="332dbdf67b1791cd" providerId="LiveId" clId="{0CC41EC3-D5AE-4A4E-BCBF-91A1A4A8A767}" dt="2024-09-29T22:09:58.168" v="258" actId="164"/>
+          <ac:spMkLst>
+            <pc:docMk/>
+            <pc:sldMk cId="3536482602" sldId="256"/>
+            <ac:spMk id="3" creationId="{62DB3517-4D44-2E23-28D8-52C88632A39C}"/>
+          </ac:spMkLst>
+        </pc:spChg>
         <pc:spChg chg="add del mod">
           <ac:chgData name="Bo Tang" userId="332dbdf67b1791cd" providerId="LiveId" clId="{0CC41EC3-D5AE-4A4E-BCBF-91A1A4A8A767}" dt="2024-09-27T17:58:34.533" v="152" actId="11529"/>
           <ac:spMkLst>
@@ -936,7 +944,7 @@
           </ac:spMkLst>
         </pc:spChg>
         <pc:spChg chg="add mod ord">
-          <ac:chgData name="Bo Tang" userId="332dbdf67b1791cd" providerId="LiveId" clId="{0CC41EC3-D5AE-4A4E-BCBF-91A1A4A8A767}" dt="2024-09-29T03:44:52.825" v="252" actId="404"/>
+          <ac:chgData name="Bo Tang" userId="332dbdf67b1791cd" providerId="LiveId" clId="{0CC41EC3-D5AE-4A4E-BCBF-91A1A4A8A767}" dt="2024-09-29T21:56:55.935" v="254" actId="165"/>
           <ac:spMkLst>
             <pc:docMk/>
             <pc:sldMk cId="3536482602" sldId="256"/>
@@ -944,7 +952,7 @@
           </ac:spMkLst>
         </pc:spChg>
         <pc:spChg chg="mod">
-          <ac:chgData name="Bo Tang" userId="332dbdf67b1791cd" providerId="LiveId" clId="{0CC41EC3-D5AE-4A4E-BCBF-91A1A4A8A767}" dt="2024-09-29T03:44:52.825" v="252" actId="404"/>
+          <ac:chgData name="Bo Tang" userId="332dbdf67b1791cd" providerId="LiveId" clId="{0CC41EC3-D5AE-4A4E-BCBF-91A1A4A8A767}" dt="2024-09-29T21:56:55.935" v="254" actId="165"/>
           <ac:spMkLst>
             <pc:docMk/>
             <pc:sldMk cId="3536482602" sldId="256"/>
@@ -952,7 +960,7 @@
           </ac:spMkLst>
         </pc:spChg>
         <pc:spChg chg="mod">
-          <ac:chgData name="Bo Tang" userId="332dbdf67b1791cd" providerId="LiveId" clId="{0CC41EC3-D5AE-4A4E-BCBF-91A1A4A8A767}" dt="2024-09-29T03:44:52.825" v="252" actId="404"/>
+          <ac:chgData name="Bo Tang" userId="332dbdf67b1791cd" providerId="LiveId" clId="{0CC41EC3-D5AE-4A4E-BCBF-91A1A4A8A767}" dt="2024-09-29T21:56:55.935" v="254" actId="165"/>
           <ac:spMkLst>
             <pc:docMk/>
             <pc:sldMk cId="3536482602" sldId="256"/>
@@ -960,7 +968,7 @@
           </ac:spMkLst>
         </pc:spChg>
         <pc:spChg chg="mod">
-          <ac:chgData name="Bo Tang" userId="332dbdf67b1791cd" providerId="LiveId" clId="{0CC41EC3-D5AE-4A4E-BCBF-91A1A4A8A767}" dt="2024-09-29T03:44:52.825" v="252" actId="404"/>
+          <ac:chgData name="Bo Tang" userId="332dbdf67b1791cd" providerId="LiveId" clId="{0CC41EC3-D5AE-4A4E-BCBF-91A1A4A8A767}" dt="2024-09-29T21:56:55.935" v="254" actId="165"/>
           <ac:spMkLst>
             <pc:docMk/>
             <pc:sldMk cId="3536482602" sldId="256"/>
@@ -968,7 +976,7 @@
           </ac:spMkLst>
         </pc:spChg>
         <pc:spChg chg="mod">
-          <ac:chgData name="Bo Tang" userId="332dbdf67b1791cd" providerId="LiveId" clId="{0CC41EC3-D5AE-4A4E-BCBF-91A1A4A8A767}" dt="2024-09-29T03:44:52.825" v="252" actId="404"/>
+          <ac:chgData name="Bo Tang" userId="332dbdf67b1791cd" providerId="LiveId" clId="{0CC41EC3-D5AE-4A4E-BCBF-91A1A4A8A767}" dt="2024-09-29T21:56:55.935" v="254" actId="165"/>
           <ac:spMkLst>
             <pc:docMk/>
             <pc:sldMk cId="3536482602" sldId="256"/>
@@ -976,7 +984,7 @@
           </ac:spMkLst>
         </pc:spChg>
         <pc:spChg chg="mod">
-          <ac:chgData name="Bo Tang" userId="332dbdf67b1791cd" providerId="LiveId" clId="{0CC41EC3-D5AE-4A4E-BCBF-91A1A4A8A767}" dt="2024-09-29T03:44:52.825" v="252" actId="404"/>
+          <ac:chgData name="Bo Tang" userId="332dbdf67b1791cd" providerId="LiveId" clId="{0CC41EC3-D5AE-4A4E-BCBF-91A1A4A8A767}" dt="2024-09-29T21:56:55.935" v="254" actId="165"/>
           <ac:spMkLst>
             <pc:docMk/>
             <pc:sldMk cId="3536482602" sldId="256"/>
@@ -984,7 +992,7 @@
           </ac:spMkLst>
         </pc:spChg>
         <pc:spChg chg="mod">
-          <ac:chgData name="Bo Tang" userId="332dbdf67b1791cd" providerId="LiveId" clId="{0CC41EC3-D5AE-4A4E-BCBF-91A1A4A8A767}" dt="2024-09-29T03:44:52.825" v="252" actId="404"/>
+          <ac:chgData name="Bo Tang" userId="332dbdf67b1791cd" providerId="LiveId" clId="{0CC41EC3-D5AE-4A4E-BCBF-91A1A4A8A767}" dt="2024-09-29T22:10:08.282" v="259" actId="13926"/>
           <ac:spMkLst>
             <pc:docMk/>
             <pc:sldMk cId="3536482602" sldId="256"/>
@@ -992,7 +1000,7 @@
           </ac:spMkLst>
         </pc:spChg>
         <pc:spChg chg="mod">
-          <ac:chgData name="Bo Tang" userId="332dbdf67b1791cd" providerId="LiveId" clId="{0CC41EC3-D5AE-4A4E-BCBF-91A1A4A8A767}" dt="2024-09-29T03:44:52.825" v="252" actId="404"/>
+          <ac:chgData name="Bo Tang" userId="332dbdf67b1791cd" providerId="LiveId" clId="{0CC41EC3-D5AE-4A4E-BCBF-91A1A4A8A767}" dt="2024-09-29T21:56:55.935" v="254" actId="165"/>
           <ac:spMkLst>
             <pc:docMk/>
             <pc:sldMk cId="3536482602" sldId="256"/>
@@ -1000,7 +1008,7 @@
           </ac:spMkLst>
         </pc:spChg>
         <pc:spChg chg="mod">
-          <ac:chgData name="Bo Tang" userId="332dbdf67b1791cd" providerId="LiveId" clId="{0CC41EC3-D5AE-4A4E-BCBF-91A1A4A8A767}" dt="2024-09-29T03:44:52.825" v="252" actId="404"/>
+          <ac:chgData name="Bo Tang" userId="332dbdf67b1791cd" providerId="LiveId" clId="{0CC41EC3-D5AE-4A4E-BCBF-91A1A4A8A767}" dt="2024-09-29T21:56:55.935" v="254" actId="165"/>
           <ac:spMkLst>
             <pc:docMk/>
             <pc:sldMk cId="3536482602" sldId="256"/>
@@ -1008,7 +1016,7 @@
           </ac:spMkLst>
         </pc:spChg>
         <pc:spChg chg="mod">
-          <ac:chgData name="Bo Tang" userId="332dbdf67b1791cd" providerId="LiveId" clId="{0CC41EC3-D5AE-4A4E-BCBF-91A1A4A8A767}" dt="2024-09-29T03:44:52.825" v="252" actId="404"/>
+          <ac:chgData name="Bo Tang" userId="332dbdf67b1791cd" providerId="LiveId" clId="{0CC41EC3-D5AE-4A4E-BCBF-91A1A4A8A767}" dt="2024-09-29T21:56:55.935" v="254" actId="165"/>
           <ac:spMkLst>
             <pc:docMk/>
             <pc:sldMk cId="3536482602" sldId="256"/>
@@ -1016,7 +1024,7 @@
           </ac:spMkLst>
         </pc:spChg>
         <pc:spChg chg="mod">
-          <ac:chgData name="Bo Tang" userId="332dbdf67b1791cd" providerId="LiveId" clId="{0CC41EC3-D5AE-4A4E-BCBF-91A1A4A8A767}" dt="2024-09-29T03:44:52.825" v="252" actId="404"/>
+          <ac:chgData name="Bo Tang" userId="332dbdf67b1791cd" providerId="LiveId" clId="{0CC41EC3-D5AE-4A4E-BCBF-91A1A4A8A767}" dt="2024-09-29T21:56:55.935" v="254" actId="165"/>
           <ac:spMkLst>
             <pc:docMk/>
             <pc:sldMk cId="3536482602" sldId="256"/>
@@ -1024,7 +1032,7 @@
           </ac:spMkLst>
         </pc:spChg>
         <pc:spChg chg="mod">
-          <ac:chgData name="Bo Tang" userId="332dbdf67b1791cd" providerId="LiveId" clId="{0CC41EC3-D5AE-4A4E-BCBF-91A1A4A8A767}" dt="2024-09-29T03:44:52.825" v="252" actId="404"/>
+          <ac:chgData name="Bo Tang" userId="332dbdf67b1791cd" providerId="LiveId" clId="{0CC41EC3-D5AE-4A4E-BCBF-91A1A4A8A767}" dt="2024-09-29T21:56:55.935" v="254" actId="165"/>
           <ac:spMkLst>
             <pc:docMk/>
             <pc:sldMk cId="3536482602" sldId="256"/>
@@ -1032,7 +1040,7 @@
           </ac:spMkLst>
         </pc:spChg>
         <pc:spChg chg="mod">
-          <ac:chgData name="Bo Tang" userId="332dbdf67b1791cd" providerId="LiveId" clId="{0CC41EC3-D5AE-4A4E-BCBF-91A1A4A8A767}" dt="2024-09-29T03:44:52.825" v="252" actId="404"/>
+          <ac:chgData name="Bo Tang" userId="332dbdf67b1791cd" providerId="LiveId" clId="{0CC41EC3-D5AE-4A4E-BCBF-91A1A4A8A767}" dt="2024-09-29T21:56:55.935" v="254" actId="165"/>
           <ac:spMkLst>
             <pc:docMk/>
             <pc:sldMk cId="3536482602" sldId="256"/>
@@ -1040,7 +1048,7 @@
           </ac:spMkLst>
         </pc:spChg>
         <pc:spChg chg="mod">
-          <ac:chgData name="Bo Tang" userId="332dbdf67b1791cd" providerId="LiveId" clId="{0CC41EC3-D5AE-4A4E-BCBF-91A1A4A8A767}" dt="2024-09-29T03:44:52.825" v="252" actId="404"/>
+          <ac:chgData name="Bo Tang" userId="332dbdf67b1791cd" providerId="LiveId" clId="{0CC41EC3-D5AE-4A4E-BCBF-91A1A4A8A767}" dt="2024-09-29T21:56:55.935" v="254" actId="165"/>
           <ac:spMkLst>
             <pc:docMk/>
             <pc:sldMk cId="3536482602" sldId="256"/>
@@ -1048,7 +1056,7 @@
           </ac:spMkLst>
         </pc:spChg>
         <pc:spChg chg="mod">
-          <ac:chgData name="Bo Tang" userId="332dbdf67b1791cd" providerId="LiveId" clId="{0CC41EC3-D5AE-4A4E-BCBF-91A1A4A8A767}" dt="2024-09-29T03:44:52.825" v="252" actId="404"/>
+          <ac:chgData name="Bo Tang" userId="332dbdf67b1791cd" providerId="LiveId" clId="{0CC41EC3-D5AE-4A4E-BCBF-91A1A4A8A767}" dt="2024-09-29T21:56:55.935" v="254" actId="165"/>
           <ac:spMkLst>
             <pc:docMk/>
             <pc:sldMk cId="3536482602" sldId="256"/>
@@ -1056,7 +1064,7 @@
           </ac:spMkLst>
         </pc:spChg>
         <pc:spChg chg="mod">
-          <ac:chgData name="Bo Tang" userId="332dbdf67b1791cd" providerId="LiveId" clId="{0CC41EC3-D5AE-4A4E-BCBF-91A1A4A8A767}" dt="2024-09-29T03:44:52.825" v="252" actId="404"/>
+          <ac:chgData name="Bo Tang" userId="332dbdf67b1791cd" providerId="LiveId" clId="{0CC41EC3-D5AE-4A4E-BCBF-91A1A4A8A767}" dt="2024-09-29T21:56:55.935" v="254" actId="165"/>
           <ac:spMkLst>
             <pc:docMk/>
             <pc:sldMk cId="3536482602" sldId="256"/>
@@ -1064,7 +1072,7 @@
           </ac:spMkLst>
         </pc:spChg>
         <pc:spChg chg="mod">
-          <ac:chgData name="Bo Tang" userId="332dbdf67b1791cd" providerId="LiveId" clId="{0CC41EC3-D5AE-4A4E-BCBF-91A1A4A8A767}" dt="2024-09-29T03:44:52.825" v="252" actId="404"/>
+          <ac:chgData name="Bo Tang" userId="332dbdf67b1791cd" providerId="LiveId" clId="{0CC41EC3-D5AE-4A4E-BCBF-91A1A4A8A767}" dt="2024-09-29T21:56:55.935" v="254" actId="165"/>
           <ac:spMkLst>
             <pc:docMk/>
             <pc:sldMk cId="3536482602" sldId="256"/>
@@ -1072,7 +1080,7 @@
           </ac:spMkLst>
         </pc:spChg>
         <pc:spChg chg="mod">
-          <ac:chgData name="Bo Tang" userId="332dbdf67b1791cd" providerId="LiveId" clId="{0CC41EC3-D5AE-4A4E-BCBF-91A1A4A8A767}" dt="2024-09-29T03:44:52.825" v="252" actId="404"/>
+          <ac:chgData name="Bo Tang" userId="332dbdf67b1791cd" providerId="LiveId" clId="{0CC41EC3-D5AE-4A4E-BCBF-91A1A4A8A767}" dt="2024-09-29T21:56:55.935" v="254" actId="165"/>
           <ac:spMkLst>
             <pc:docMk/>
             <pc:sldMk cId="3536482602" sldId="256"/>
@@ -1080,7 +1088,7 @@
           </ac:spMkLst>
         </pc:spChg>
         <pc:spChg chg="mod topLvl">
-          <ac:chgData name="Bo Tang" userId="332dbdf67b1791cd" providerId="LiveId" clId="{0CC41EC3-D5AE-4A4E-BCBF-91A1A4A8A767}" dt="2024-09-29T03:44:52.825" v="252" actId="404"/>
+          <ac:chgData name="Bo Tang" userId="332dbdf67b1791cd" providerId="LiveId" clId="{0CC41EC3-D5AE-4A4E-BCBF-91A1A4A8A767}" dt="2024-09-29T21:56:55.935" v="254" actId="165"/>
           <ac:spMkLst>
             <pc:docMk/>
             <pc:sldMk cId="3536482602" sldId="256"/>
@@ -1088,7 +1096,7 @@
           </ac:spMkLst>
         </pc:spChg>
         <pc:spChg chg="mod topLvl">
-          <ac:chgData name="Bo Tang" userId="332dbdf67b1791cd" providerId="LiveId" clId="{0CC41EC3-D5AE-4A4E-BCBF-91A1A4A8A767}" dt="2024-09-29T03:44:52.825" v="252" actId="404"/>
+          <ac:chgData name="Bo Tang" userId="332dbdf67b1791cd" providerId="LiveId" clId="{0CC41EC3-D5AE-4A4E-BCBF-91A1A4A8A767}" dt="2024-09-29T21:56:55.935" v="254" actId="165"/>
           <ac:spMkLst>
             <pc:docMk/>
             <pc:sldMk cId="3536482602" sldId="256"/>
@@ -1096,7 +1104,7 @@
           </ac:spMkLst>
         </pc:spChg>
         <pc:spChg chg="mod topLvl">
-          <ac:chgData name="Bo Tang" userId="332dbdf67b1791cd" providerId="LiveId" clId="{0CC41EC3-D5AE-4A4E-BCBF-91A1A4A8A767}" dt="2024-09-29T03:44:52.825" v="252" actId="404"/>
+          <ac:chgData name="Bo Tang" userId="332dbdf67b1791cd" providerId="LiveId" clId="{0CC41EC3-D5AE-4A4E-BCBF-91A1A4A8A767}" dt="2024-09-29T21:56:55.935" v="254" actId="165"/>
           <ac:spMkLst>
             <pc:docMk/>
             <pc:sldMk cId="3536482602" sldId="256"/>
@@ -1104,7 +1112,7 @@
           </ac:spMkLst>
         </pc:spChg>
         <pc:spChg chg="mod topLvl">
-          <ac:chgData name="Bo Tang" userId="332dbdf67b1791cd" providerId="LiveId" clId="{0CC41EC3-D5AE-4A4E-BCBF-91A1A4A8A767}" dt="2024-09-29T03:44:52.825" v="252" actId="404"/>
+          <ac:chgData name="Bo Tang" userId="332dbdf67b1791cd" providerId="LiveId" clId="{0CC41EC3-D5AE-4A4E-BCBF-91A1A4A8A767}" dt="2024-09-29T21:56:55.935" v="254" actId="165"/>
           <ac:spMkLst>
             <pc:docMk/>
             <pc:sldMk cId="3536482602" sldId="256"/>
@@ -1112,7 +1120,7 @@
           </ac:spMkLst>
         </pc:spChg>
         <pc:spChg chg="mod topLvl">
-          <ac:chgData name="Bo Tang" userId="332dbdf67b1791cd" providerId="LiveId" clId="{0CC41EC3-D5AE-4A4E-BCBF-91A1A4A8A767}" dt="2024-09-29T03:44:52.825" v="252" actId="404"/>
+          <ac:chgData name="Bo Tang" userId="332dbdf67b1791cd" providerId="LiveId" clId="{0CC41EC3-D5AE-4A4E-BCBF-91A1A4A8A767}" dt="2024-09-29T21:56:55.935" v="254" actId="165"/>
           <ac:spMkLst>
             <pc:docMk/>
             <pc:sldMk cId="3536482602" sldId="256"/>
@@ -1120,7 +1128,7 @@
           </ac:spMkLst>
         </pc:spChg>
         <pc:spChg chg="mod topLvl">
-          <ac:chgData name="Bo Tang" userId="332dbdf67b1791cd" providerId="LiveId" clId="{0CC41EC3-D5AE-4A4E-BCBF-91A1A4A8A767}" dt="2024-09-29T03:44:52.825" v="252" actId="404"/>
+          <ac:chgData name="Bo Tang" userId="332dbdf67b1791cd" providerId="LiveId" clId="{0CC41EC3-D5AE-4A4E-BCBF-91A1A4A8A767}" dt="2024-09-29T21:56:55.935" v="254" actId="165"/>
           <ac:spMkLst>
             <pc:docMk/>
             <pc:sldMk cId="3536482602" sldId="256"/>
@@ -1128,7 +1136,7 @@
           </ac:spMkLst>
         </pc:spChg>
         <pc:spChg chg="mod topLvl">
-          <ac:chgData name="Bo Tang" userId="332dbdf67b1791cd" providerId="LiveId" clId="{0CC41EC3-D5AE-4A4E-BCBF-91A1A4A8A767}" dt="2024-09-29T03:44:52.825" v="252" actId="404"/>
+          <ac:chgData name="Bo Tang" userId="332dbdf67b1791cd" providerId="LiveId" clId="{0CC41EC3-D5AE-4A4E-BCBF-91A1A4A8A767}" dt="2024-09-29T21:56:55.935" v="254" actId="165"/>
           <ac:spMkLst>
             <pc:docMk/>
             <pc:sldMk cId="3536482602" sldId="256"/>
@@ -1136,7 +1144,7 @@
           </ac:spMkLst>
         </pc:spChg>
         <pc:spChg chg="mod topLvl">
-          <ac:chgData name="Bo Tang" userId="332dbdf67b1791cd" providerId="LiveId" clId="{0CC41EC3-D5AE-4A4E-BCBF-91A1A4A8A767}" dt="2024-09-29T03:44:52.825" v="252" actId="404"/>
+          <ac:chgData name="Bo Tang" userId="332dbdf67b1791cd" providerId="LiveId" clId="{0CC41EC3-D5AE-4A4E-BCBF-91A1A4A8A767}" dt="2024-09-29T21:56:55.935" v="254" actId="165"/>
           <ac:spMkLst>
             <pc:docMk/>
             <pc:sldMk cId="3536482602" sldId="256"/>
@@ -1144,7 +1152,7 @@
           </ac:spMkLst>
         </pc:spChg>
         <pc:spChg chg="mod topLvl">
-          <ac:chgData name="Bo Tang" userId="332dbdf67b1791cd" providerId="LiveId" clId="{0CC41EC3-D5AE-4A4E-BCBF-91A1A4A8A767}" dt="2024-09-29T03:44:52.825" v="252" actId="404"/>
+          <ac:chgData name="Bo Tang" userId="332dbdf67b1791cd" providerId="LiveId" clId="{0CC41EC3-D5AE-4A4E-BCBF-91A1A4A8A767}" dt="2024-09-29T21:56:55.935" v="254" actId="165"/>
           <ac:spMkLst>
             <pc:docMk/>
             <pc:sldMk cId="3536482602" sldId="256"/>
@@ -1152,7 +1160,7 @@
           </ac:spMkLst>
         </pc:spChg>
         <pc:spChg chg="mod topLvl">
-          <ac:chgData name="Bo Tang" userId="332dbdf67b1791cd" providerId="LiveId" clId="{0CC41EC3-D5AE-4A4E-BCBF-91A1A4A8A767}" dt="2024-09-29T03:44:52.825" v="252" actId="404"/>
+          <ac:chgData name="Bo Tang" userId="332dbdf67b1791cd" providerId="LiveId" clId="{0CC41EC3-D5AE-4A4E-BCBF-91A1A4A8A767}" dt="2024-09-29T21:56:55.935" v="254" actId="165"/>
           <ac:spMkLst>
             <pc:docMk/>
             <pc:sldMk cId="3536482602" sldId="256"/>
@@ -1160,7 +1168,7 @@
           </ac:spMkLst>
         </pc:spChg>
         <pc:spChg chg="mod topLvl">
-          <ac:chgData name="Bo Tang" userId="332dbdf67b1791cd" providerId="LiveId" clId="{0CC41EC3-D5AE-4A4E-BCBF-91A1A4A8A767}" dt="2024-09-29T03:44:52.825" v="252" actId="404"/>
+          <ac:chgData name="Bo Tang" userId="332dbdf67b1791cd" providerId="LiveId" clId="{0CC41EC3-D5AE-4A4E-BCBF-91A1A4A8A767}" dt="2024-09-29T21:56:55.935" v="254" actId="165"/>
           <ac:spMkLst>
             <pc:docMk/>
             <pc:sldMk cId="3536482602" sldId="256"/>
@@ -1168,7 +1176,7 @@
           </ac:spMkLst>
         </pc:spChg>
         <pc:spChg chg="mod topLvl">
-          <ac:chgData name="Bo Tang" userId="332dbdf67b1791cd" providerId="LiveId" clId="{0CC41EC3-D5AE-4A4E-BCBF-91A1A4A8A767}" dt="2024-09-29T03:44:52.825" v="252" actId="404"/>
+          <ac:chgData name="Bo Tang" userId="332dbdf67b1791cd" providerId="LiveId" clId="{0CC41EC3-D5AE-4A4E-BCBF-91A1A4A8A767}" dt="2024-09-29T21:56:55.935" v="254" actId="165"/>
           <ac:spMkLst>
             <pc:docMk/>
             <pc:sldMk cId="3536482602" sldId="256"/>
@@ -1176,7 +1184,7 @@
           </ac:spMkLst>
         </pc:spChg>
         <pc:spChg chg="mod topLvl">
-          <ac:chgData name="Bo Tang" userId="332dbdf67b1791cd" providerId="LiveId" clId="{0CC41EC3-D5AE-4A4E-BCBF-91A1A4A8A767}" dt="2024-09-29T03:44:52.825" v="252" actId="404"/>
+          <ac:chgData name="Bo Tang" userId="332dbdf67b1791cd" providerId="LiveId" clId="{0CC41EC3-D5AE-4A4E-BCBF-91A1A4A8A767}" dt="2024-09-29T21:56:55.935" v="254" actId="165"/>
           <ac:spMkLst>
             <pc:docMk/>
             <pc:sldMk cId="3536482602" sldId="256"/>
@@ -1184,7 +1192,7 @@
           </ac:spMkLst>
         </pc:spChg>
         <pc:spChg chg="mod topLvl">
-          <ac:chgData name="Bo Tang" userId="332dbdf67b1791cd" providerId="LiveId" clId="{0CC41EC3-D5AE-4A4E-BCBF-91A1A4A8A767}" dt="2024-09-29T03:44:52.825" v="252" actId="404"/>
+          <ac:chgData name="Bo Tang" userId="332dbdf67b1791cd" providerId="LiveId" clId="{0CC41EC3-D5AE-4A4E-BCBF-91A1A4A8A767}" dt="2024-09-29T21:56:55.935" v="254" actId="165"/>
           <ac:spMkLst>
             <pc:docMk/>
             <pc:sldMk cId="3536482602" sldId="256"/>
@@ -1192,7 +1200,7 @@
           </ac:spMkLst>
         </pc:spChg>
         <pc:spChg chg="mod topLvl">
-          <ac:chgData name="Bo Tang" userId="332dbdf67b1791cd" providerId="LiveId" clId="{0CC41EC3-D5AE-4A4E-BCBF-91A1A4A8A767}" dt="2024-09-29T03:44:52.825" v="252" actId="404"/>
+          <ac:chgData name="Bo Tang" userId="332dbdf67b1791cd" providerId="LiveId" clId="{0CC41EC3-D5AE-4A4E-BCBF-91A1A4A8A767}" dt="2024-09-29T21:56:55.935" v="254" actId="165"/>
           <ac:spMkLst>
             <pc:docMk/>
             <pc:sldMk cId="3536482602" sldId="256"/>
@@ -1200,7 +1208,7 @@
           </ac:spMkLst>
         </pc:spChg>
         <pc:spChg chg="mod topLvl">
-          <ac:chgData name="Bo Tang" userId="332dbdf67b1791cd" providerId="LiveId" clId="{0CC41EC3-D5AE-4A4E-BCBF-91A1A4A8A767}" dt="2024-09-29T03:44:52.825" v="252" actId="404"/>
+          <ac:chgData name="Bo Tang" userId="332dbdf67b1791cd" providerId="LiveId" clId="{0CC41EC3-D5AE-4A4E-BCBF-91A1A4A8A767}" dt="2024-09-29T21:56:55.935" v="254" actId="165"/>
           <ac:spMkLst>
             <pc:docMk/>
             <pc:sldMk cId="3536482602" sldId="256"/>
@@ -1208,7 +1216,7 @@
           </ac:spMkLst>
         </pc:spChg>
         <pc:spChg chg="mod topLvl">
-          <ac:chgData name="Bo Tang" userId="332dbdf67b1791cd" providerId="LiveId" clId="{0CC41EC3-D5AE-4A4E-BCBF-91A1A4A8A767}" dt="2024-09-29T03:44:52.825" v="252" actId="404"/>
+          <ac:chgData name="Bo Tang" userId="332dbdf67b1791cd" providerId="LiveId" clId="{0CC41EC3-D5AE-4A4E-BCBF-91A1A4A8A767}" dt="2024-09-29T21:56:55.935" v="254" actId="165"/>
           <ac:spMkLst>
             <pc:docMk/>
             <pc:sldMk cId="3536482602" sldId="256"/>
@@ -1216,7 +1224,7 @@
           </ac:spMkLst>
         </pc:spChg>
         <pc:spChg chg="mod topLvl">
-          <ac:chgData name="Bo Tang" userId="332dbdf67b1791cd" providerId="LiveId" clId="{0CC41EC3-D5AE-4A4E-BCBF-91A1A4A8A767}" dt="2024-09-29T03:44:52.825" v="252" actId="404"/>
+          <ac:chgData name="Bo Tang" userId="332dbdf67b1791cd" providerId="LiveId" clId="{0CC41EC3-D5AE-4A4E-BCBF-91A1A4A8A767}" dt="2024-09-29T21:56:55.935" v="254" actId="165"/>
           <ac:spMkLst>
             <pc:docMk/>
             <pc:sldMk cId="3536482602" sldId="256"/>
@@ -1224,7 +1232,7 @@
           </ac:spMkLst>
         </pc:spChg>
         <pc:spChg chg="mod topLvl">
-          <ac:chgData name="Bo Tang" userId="332dbdf67b1791cd" providerId="LiveId" clId="{0CC41EC3-D5AE-4A4E-BCBF-91A1A4A8A767}" dt="2024-09-29T03:44:52.825" v="252" actId="404"/>
+          <ac:chgData name="Bo Tang" userId="332dbdf67b1791cd" providerId="LiveId" clId="{0CC41EC3-D5AE-4A4E-BCBF-91A1A4A8A767}" dt="2024-09-29T21:56:55.935" v="254" actId="165"/>
           <ac:spMkLst>
             <pc:docMk/>
             <pc:sldMk cId="3536482602" sldId="256"/>
@@ -1232,7 +1240,7 @@
           </ac:spMkLst>
         </pc:spChg>
         <pc:spChg chg="mod topLvl">
-          <ac:chgData name="Bo Tang" userId="332dbdf67b1791cd" providerId="LiveId" clId="{0CC41EC3-D5AE-4A4E-BCBF-91A1A4A8A767}" dt="2024-09-29T03:44:52.825" v="252" actId="404"/>
+          <ac:chgData name="Bo Tang" userId="332dbdf67b1791cd" providerId="LiveId" clId="{0CC41EC3-D5AE-4A4E-BCBF-91A1A4A8A767}" dt="2024-09-29T21:56:55.935" v="254" actId="165"/>
           <ac:spMkLst>
             <pc:docMk/>
             <pc:sldMk cId="3536482602" sldId="256"/>
@@ -1240,7 +1248,7 @@
           </ac:spMkLst>
         </pc:spChg>
         <pc:spChg chg="mod topLvl">
-          <ac:chgData name="Bo Tang" userId="332dbdf67b1791cd" providerId="LiveId" clId="{0CC41EC3-D5AE-4A4E-BCBF-91A1A4A8A767}" dt="2024-09-29T03:44:52.825" v="252" actId="404"/>
+          <ac:chgData name="Bo Tang" userId="332dbdf67b1791cd" providerId="LiveId" clId="{0CC41EC3-D5AE-4A4E-BCBF-91A1A4A8A767}" dt="2024-09-29T21:56:55.935" v="254" actId="165"/>
           <ac:spMkLst>
             <pc:docMk/>
             <pc:sldMk cId="3536482602" sldId="256"/>
@@ -1248,7 +1256,7 @@
           </ac:spMkLst>
         </pc:spChg>
         <pc:spChg chg="mod topLvl">
-          <ac:chgData name="Bo Tang" userId="332dbdf67b1791cd" providerId="LiveId" clId="{0CC41EC3-D5AE-4A4E-BCBF-91A1A4A8A767}" dt="2024-09-29T03:44:52.825" v="252" actId="404"/>
+          <ac:chgData name="Bo Tang" userId="332dbdf67b1791cd" providerId="LiveId" clId="{0CC41EC3-D5AE-4A4E-BCBF-91A1A4A8A767}" dt="2024-09-29T21:56:55.935" v="254" actId="165"/>
           <ac:spMkLst>
             <pc:docMk/>
             <pc:sldMk cId="3536482602" sldId="256"/>
@@ -1256,7 +1264,7 @@
           </ac:spMkLst>
         </pc:spChg>
         <pc:spChg chg="mod topLvl">
-          <ac:chgData name="Bo Tang" userId="332dbdf67b1791cd" providerId="LiveId" clId="{0CC41EC3-D5AE-4A4E-BCBF-91A1A4A8A767}" dt="2024-09-29T03:44:52.825" v="252" actId="404"/>
+          <ac:chgData name="Bo Tang" userId="332dbdf67b1791cd" providerId="LiveId" clId="{0CC41EC3-D5AE-4A4E-BCBF-91A1A4A8A767}" dt="2024-09-29T21:56:55.935" v="254" actId="165"/>
           <ac:spMkLst>
             <pc:docMk/>
             <pc:sldMk cId="3536482602" sldId="256"/>
@@ -1264,7 +1272,7 @@
           </ac:spMkLst>
         </pc:spChg>
         <pc:spChg chg="mod topLvl">
-          <ac:chgData name="Bo Tang" userId="332dbdf67b1791cd" providerId="LiveId" clId="{0CC41EC3-D5AE-4A4E-BCBF-91A1A4A8A767}" dt="2024-09-29T03:44:52.825" v="252" actId="404"/>
+          <ac:chgData name="Bo Tang" userId="332dbdf67b1791cd" providerId="LiveId" clId="{0CC41EC3-D5AE-4A4E-BCBF-91A1A4A8A767}" dt="2024-09-29T21:56:55.935" v="254" actId="165"/>
           <ac:spMkLst>
             <pc:docMk/>
             <pc:sldMk cId="3536482602" sldId="256"/>
@@ -1272,7 +1280,7 @@
           </ac:spMkLst>
         </pc:spChg>
         <pc:spChg chg="mod topLvl">
-          <ac:chgData name="Bo Tang" userId="332dbdf67b1791cd" providerId="LiveId" clId="{0CC41EC3-D5AE-4A4E-BCBF-91A1A4A8A767}" dt="2024-09-29T03:44:52.825" v="252" actId="404"/>
+          <ac:chgData name="Bo Tang" userId="332dbdf67b1791cd" providerId="LiveId" clId="{0CC41EC3-D5AE-4A4E-BCBF-91A1A4A8A767}" dt="2024-09-29T21:56:55.935" v="254" actId="165"/>
           <ac:spMkLst>
             <pc:docMk/>
             <pc:sldMk cId="3536482602" sldId="256"/>
@@ -1280,7 +1288,7 @@
           </ac:spMkLst>
         </pc:spChg>
         <pc:spChg chg="mod ord topLvl">
-          <ac:chgData name="Bo Tang" userId="332dbdf67b1791cd" providerId="LiveId" clId="{0CC41EC3-D5AE-4A4E-BCBF-91A1A4A8A767}" dt="2024-09-29T03:44:52.825" v="252" actId="404"/>
+          <ac:chgData name="Bo Tang" userId="332dbdf67b1791cd" providerId="LiveId" clId="{0CC41EC3-D5AE-4A4E-BCBF-91A1A4A8A767}" dt="2024-09-29T21:56:55.935" v="254" actId="165"/>
           <ac:spMkLst>
             <pc:docMk/>
             <pc:sldMk cId="3536482602" sldId="256"/>
@@ -1288,7 +1296,7 @@
           </ac:spMkLst>
         </pc:spChg>
         <pc:spChg chg="mod topLvl">
-          <ac:chgData name="Bo Tang" userId="332dbdf67b1791cd" providerId="LiveId" clId="{0CC41EC3-D5AE-4A4E-BCBF-91A1A4A8A767}" dt="2024-09-29T03:44:52.825" v="252" actId="404"/>
+          <ac:chgData name="Bo Tang" userId="332dbdf67b1791cd" providerId="LiveId" clId="{0CC41EC3-D5AE-4A4E-BCBF-91A1A4A8A767}" dt="2024-09-29T21:56:55.935" v="254" actId="165"/>
           <ac:spMkLst>
             <pc:docMk/>
             <pc:sldMk cId="3536482602" sldId="256"/>
@@ -1296,7 +1304,7 @@
           </ac:spMkLst>
         </pc:spChg>
         <pc:spChg chg="mod">
-          <ac:chgData name="Bo Tang" userId="332dbdf67b1791cd" providerId="LiveId" clId="{0CC41EC3-D5AE-4A4E-BCBF-91A1A4A8A767}" dt="2024-09-29T03:44:52.825" v="252" actId="404"/>
+          <ac:chgData name="Bo Tang" userId="332dbdf67b1791cd" providerId="LiveId" clId="{0CC41EC3-D5AE-4A4E-BCBF-91A1A4A8A767}" dt="2024-09-29T21:56:55.935" v="254" actId="165"/>
           <ac:spMkLst>
             <pc:docMk/>
             <pc:sldMk cId="3536482602" sldId="256"/>
@@ -1304,7 +1312,7 @@
           </ac:spMkLst>
         </pc:spChg>
         <pc:spChg chg="mod">
-          <ac:chgData name="Bo Tang" userId="332dbdf67b1791cd" providerId="LiveId" clId="{0CC41EC3-D5AE-4A4E-BCBF-91A1A4A8A767}" dt="2024-09-29T03:44:52.825" v="252" actId="404"/>
+          <ac:chgData name="Bo Tang" userId="332dbdf67b1791cd" providerId="LiveId" clId="{0CC41EC3-D5AE-4A4E-BCBF-91A1A4A8A767}" dt="2024-09-29T21:56:55.935" v="254" actId="165"/>
           <ac:spMkLst>
             <pc:docMk/>
             <pc:sldMk cId="3536482602" sldId="256"/>
@@ -1312,7 +1320,7 @@
           </ac:spMkLst>
         </pc:spChg>
         <pc:spChg chg="mod">
-          <ac:chgData name="Bo Tang" userId="332dbdf67b1791cd" providerId="LiveId" clId="{0CC41EC3-D5AE-4A4E-BCBF-91A1A4A8A767}" dt="2024-09-29T03:44:52.825" v="252" actId="404"/>
+          <ac:chgData name="Bo Tang" userId="332dbdf67b1791cd" providerId="LiveId" clId="{0CC41EC3-D5AE-4A4E-BCBF-91A1A4A8A767}" dt="2024-09-29T21:56:55.935" v="254" actId="165"/>
           <ac:spMkLst>
             <pc:docMk/>
             <pc:sldMk cId="3536482602" sldId="256"/>
@@ -1320,7 +1328,7 @@
           </ac:spMkLst>
         </pc:spChg>
         <pc:spChg chg="mod topLvl">
-          <ac:chgData name="Bo Tang" userId="332dbdf67b1791cd" providerId="LiveId" clId="{0CC41EC3-D5AE-4A4E-BCBF-91A1A4A8A767}" dt="2024-09-29T03:44:58.019" v="253" actId="1076"/>
+          <ac:chgData name="Bo Tang" userId="332dbdf67b1791cd" providerId="LiveId" clId="{0CC41EC3-D5AE-4A4E-BCBF-91A1A4A8A767}" dt="2024-09-29T22:10:40.436" v="260" actId="164"/>
           <ac:spMkLst>
             <pc:docMk/>
             <pc:sldMk cId="3536482602" sldId="256"/>
@@ -1328,7 +1336,7 @@
           </ac:spMkLst>
         </pc:spChg>
         <pc:spChg chg="mod topLvl">
-          <ac:chgData name="Bo Tang" userId="332dbdf67b1791cd" providerId="LiveId" clId="{0CC41EC3-D5AE-4A4E-BCBF-91A1A4A8A767}" dt="2024-09-29T03:44:52.825" v="252" actId="404"/>
+          <ac:chgData name="Bo Tang" userId="332dbdf67b1791cd" providerId="LiveId" clId="{0CC41EC3-D5AE-4A4E-BCBF-91A1A4A8A767}" dt="2024-09-29T22:10:40.436" v="260" actId="164"/>
           <ac:spMkLst>
             <pc:docMk/>
             <pc:sldMk cId="3536482602" sldId="256"/>
@@ -1336,7 +1344,7 @@
           </ac:spMkLst>
         </pc:spChg>
         <pc:spChg chg="mod topLvl">
-          <ac:chgData name="Bo Tang" userId="332dbdf67b1791cd" providerId="LiveId" clId="{0CC41EC3-D5AE-4A4E-BCBF-91A1A4A8A767}" dt="2024-09-29T03:44:52.825" v="252" actId="404"/>
+          <ac:chgData name="Bo Tang" userId="332dbdf67b1791cd" providerId="LiveId" clId="{0CC41EC3-D5AE-4A4E-BCBF-91A1A4A8A767}" dt="2024-09-29T22:10:40.436" v="260" actId="164"/>
           <ac:spMkLst>
             <pc:docMk/>
             <pc:sldMk cId="3536482602" sldId="256"/>
@@ -1359,8 +1367,16 @@
             <ac:grpSpMk id="3" creationId="{EE97F4A6-C1A4-075D-4C75-C893F1698F05}"/>
           </ac:grpSpMkLst>
         </pc:grpChg>
+        <pc:grpChg chg="add mod">
+          <ac:chgData name="Bo Tang" userId="332dbdf67b1791cd" providerId="LiveId" clId="{0CC41EC3-D5AE-4A4E-BCBF-91A1A4A8A767}" dt="2024-09-29T22:10:40.436" v="260" actId="164"/>
+          <ac:grpSpMkLst>
+            <pc:docMk/>
+            <pc:sldMk cId="3536482602" sldId="256"/>
+            <ac:grpSpMk id="4" creationId="{9ED2EBF4-A6DA-0944-431E-565D0E24A08E}"/>
+          </ac:grpSpMkLst>
+        </pc:grpChg>
         <pc:grpChg chg="mod topLvl">
-          <ac:chgData name="Bo Tang" userId="332dbdf67b1791cd" providerId="LiveId" clId="{0CC41EC3-D5AE-4A4E-BCBF-91A1A4A8A767}" dt="2024-09-29T03:44:52.825" v="252" actId="404"/>
+          <ac:chgData name="Bo Tang" userId="332dbdf67b1791cd" providerId="LiveId" clId="{0CC41EC3-D5AE-4A4E-BCBF-91A1A4A8A767}" dt="2024-09-29T22:10:40.436" v="260" actId="164"/>
           <ac:grpSpMkLst>
             <pc:docMk/>
             <pc:sldMk cId="3536482602" sldId="256"/>
@@ -1368,31 +1384,39 @@
           </ac:grpSpMkLst>
         </pc:grpChg>
         <pc:grpChg chg="add mod">
-          <ac:chgData name="Bo Tang" userId="332dbdf67b1791cd" providerId="LiveId" clId="{0CC41EC3-D5AE-4A4E-BCBF-91A1A4A8A767}" dt="2024-09-29T03:44:52.825" v="252" actId="404"/>
+          <ac:chgData name="Bo Tang" userId="332dbdf67b1791cd" providerId="LiveId" clId="{0CC41EC3-D5AE-4A4E-BCBF-91A1A4A8A767}" dt="2024-09-29T21:56:55.935" v="254" actId="165"/>
           <ac:grpSpMkLst>
             <pc:docMk/>
             <pc:sldMk cId="3536482602" sldId="256"/>
             <ac:grpSpMk id="7" creationId="{F8DB8E8B-04D9-BA89-C8A0-F253E36F6BD3}"/>
           </ac:grpSpMkLst>
         </pc:grpChg>
-        <pc:grpChg chg="add mod">
-          <ac:chgData name="Bo Tang" userId="332dbdf67b1791cd" providerId="LiveId" clId="{0CC41EC3-D5AE-4A4E-BCBF-91A1A4A8A767}" dt="2024-09-29T03:44:52.825" v="252" actId="404"/>
+        <pc:grpChg chg="add mod topLvl">
+          <ac:chgData name="Bo Tang" userId="332dbdf67b1791cd" providerId="LiveId" clId="{0CC41EC3-D5AE-4A4E-BCBF-91A1A4A8A767}" dt="2024-09-29T22:10:40.436" v="260" actId="164"/>
           <ac:grpSpMkLst>
             <pc:docMk/>
             <pc:sldMk cId="3536482602" sldId="256"/>
             <ac:grpSpMk id="8" creationId="{EC25CB51-9874-A9C7-3189-FA164D7A7913}"/>
           </ac:grpSpMkLst>
         </pc:grpChg>
-        <pc:grpChg chg="add mod">
-          <ac:chgData name="Bo Tang" userId="332dbdf67b1791cd" providerId="LiveId" clId="{0CC41EC3-D5AE-4A4E-BCBF-91A1A4A8A767}" dt="2024-09-29T03:44:52.825" v="252" actId="404"/>
+        <pc:grpChg chg="add del mod">
+          <ac:chgData name="Bo Tang" userId="332dbdf67b1791cd" providerId="LiveId" clId="{0CC41EC3-D5AE-4A4E-BCBF-91A1A4A8A767}" dt="2024-09-29T21:56:55.935" v="254" actId="165"/>
           <ac:grpSpMkLst>
             <pc:docMk/>
             <pc:sldMk cId="3536482602" sldId="256"/>
             <ac:grpSpMk id="9" creationId="{2FCCC294-BCDC-EA84-27EF-B709F9339E98}"/>
           </ac:grpSpMkLst>
         </pc:grpChg>
+        <pc:grpChg chg="add mod">
+          <ac:chgData name="Bo Tang" userId="332dbdf67b1791cd" providerId="LiveId" clId="{0CC41EC3-D5AE-4A4E-BCBF-91A1A4A8A767}" dt="2024-09-29T22:10:45.588" v="278" actId="1036"/>
+          <ac:grpSpMkLst>
+            <pc:docMk/>
+            <pc:sldMk cId="3536482602" sldId="256"/>
+            <ac:grpSpMk id="9" creationId="{FDCAE888-1B85-0FAE-3BDB-173735293673}"/>
+          </ac:grpSpMkLst>
+        </pc:grpChg>
         <pc:grpChg chg="mod">
-          <ac:chgData name="Bo Tang" userId="332dbdf67b1791cd" providerId="LiveId" clId="{0CC41EC3-D5AE-4A4E-BCBF-91A1A4A8A767}" dt="2024-09-29T03:44:52.825" v="252" actId="404"/>
+          <ac:chgData name="Bo Tang" userId="332dbdf67b1791cd" providerId="LiveId" clId="{0CC41EC3-D5AE-4A4E-BCBF-91A1A4A8A767}" dt="2024-09-29T21:56:55.935" v="254" actId="165"/>
           <ac:grpSpMkLst>
             <pc:docMk/>
             <pc:sldMk cId="3536482602" sldId="256"/>
@@ -1400,7 +1424,7 @@
           </ac:grpSpMkLst>
         </pc:grpChg>
         <pc:grpChg chg="mod">
-          <ac:chgData name="Bo Tang" userId="332dbdf67b1791cd" providerId="LiveId" clId="{0CC41EC3-D5AE-4A4E-BCBF-91A1A4A8A767}" dt="2024-09-29T03:44:52.825" v="252" actId="404"/>
+          <ac:chgData name="Bo Tang" userId="332dbdf67b1791cd" providerId="LiveId" clId="{0CC41EC3-D5AE-4A4E-BCBF-91A1A4A8A767}" dt="2024-09-29T21:56:55.935" v="254" actId="165"/>
           <ac:grpSpMkLst>
             <pc:docMk/>
             <pc:sldMk cId="3536482602" sldId="256"/>
@@ -1408,7 +1432,7 @@
           </ac:grpSpMkLst>
         </pc:grpChg>
         <pc:grpChg chg="mod topLvl">
-          <ac:chgData name="Bo Tang" userId="332dbdf67b1791cd" providerId="LiveId" clId="{0CC41EC3-D5AE-4A4E-BCBF-91A1A4A8A767}" dt="2024-09-29T03:44:52.825" v="252" actId="404"/>
+          <ac:chgData name="Bo Tang" userId="332dbdf67b1791cd" providerId="LiveId" clId="{0CC41EC3-D5AE-4A4E-BCBF-91A1A4A8A767}" dt="2024-09-29T22:10:40.436" v="260" actId="164"/>
           <ac:grpSpMkLst>
             <pc:docMk/>
             <pc:sldMk cId="3536482602" sldId="256"/>
@@ -1416,7 +1440,7 @@
           </ac:grpSpMkLst>
         </pc:grpChg>
         <pc:grpChg chg="mod">
-          <ac:chgData name="Bo Tang" userId="332dbdf67b1791cd" providerId="LiveId" clId="{0CC41EC3-D5AE-4A4E-BCBF-91A1A4A8A767}" dt="2024-09-29T03:44:52.825" v="252" actId="404"/>
+          <ac:chgData name="Bo Tang" userId="332dbdf67b1791cd" providerId="LiveId" clId="{0CC41EC3-D5AE-4A4E-BCBF-91A1A4A8A767}" dt="2024-09-29T21:56:55.935" v="254" actId="165"/>
           <ac:grpSpMkLst>
             <pc:docMk/>
             <pc:sldMk cId="3536482602" sldId="256"/>
@@ -1432,7 +1456,7 @@
           </ac:grpSpMkLst>
         </pc:grpChg>
         <pc:grpChg chg="mod">
-          <ac:chgData name="Bo Tang" userId="332dbdf67b1791cd" providerId="LiveId" clId="{0CC41EC3-D5AE-4A4E-BCBF-91A1A4A8A767}" dt="2024-09-29T03:44:52.825" v="252" actId="404"/>
+          <ac:chgData name="Bo Tang" userId="332dbdf67b1791cd" providerId="LiveId" clId="{0CC41EC3-D5AE-4A4E-BCBF-91A1A4A8A767}" dt="2024-09-29T21:56:55.935" v="254" actId="165"/>
           <ac:grpSpMkLst>
             <pc:docMk/>
             <pc:sldMk cId="3536482602" sldId="256"/>
@@ -1440,7 +1464,7 @@
           </ac:grpSpMkLst>
         </pc:grpChg>
         <pc:grpChg chg="mod topLvl">
-          <ac:chgData name="Bo Tang" userId="332dbdf67b1791cd" providerId="LiveId" clId="{0CC41EC3-D5AE-4A4E-BCBF-91A1A4A8A767}" dt="2024-09-29T03:44:52.825" v="252" actId="404"/>
+          <ac:chgData name="Bo Tang" userId="332dbdf67b1791cd" providerId="LiveId" clId="{0CC41EC3-D5AE-4A4E-BCBF-91A1A4A8A767}" dt="2024-09-29T22:10:40.436" v="260" actId="164"/>
           <ac:grpSpMkLst>
             <pc:docMk/>
             <pc:sldMk cId="3536482602" sldId="256"/>
@@ -1448,7 +1472,7 @@
           </ac:grpSpMkLst>
         </pc:grpChg>
         <pc:grpChg chg="mod topLvl">
-          <ac:chgData name="Bo Tang" userId="332dbdf67b1791cd" providerId="LiveId" clId="{0CC41EC3-D5AE-4A4E-BCBF-91A1A4A8A767}" dt="2024-09-29T03:44:52.825" v="252" actId="404"/>
+          <ac:chgData name="Bo Tang" userId="332dbdf67b1791cd" providerId="LiveId" clId="{0CC41EC3-D5AE-4A4E-BCBF-91A1A4A8A767}" dt="2024-09-29T22:10:40.436" v="260" actId="164"/>
           <ac:grpSpMkLst>
             <pc:docMk/>
             <pc:sldMk cId="3536482602" sldId="256"/>
@@ -1456,15 +1480,23 @@
           </ac:grpSpMkLst>
         </pc:grpChg>
         <pc:grpChg chg="mod topLvl">
-          <ac:chgData name="Bo Tang" userId="332dbdf67b1791cd" providerId="LiveId" clId="{0CC41EC3-D5AE-4A4E-BCBF-91A1A4A8A767}" dt="2024-09-29T03:44:52.825" v="252" actId="404"/>
+          <ac:chgData name="Bo Tang" userId="332dbdf67b1791cd" providerId="LiveId" clId="{0CC41EC3-D5AE-4A4E-BCBF-91A1A4A8A767}" dt="2024-09-29T22:10:40.436" v="260" actId="164"/>
           <ac:grpSpMkLst>
             <pc:docMk/>
             <pc:sldMk cId="3536482602" sldId="256"/>
             <ac:grpSpMk id="1124" creationId="{4BDED34B-BE32-3AF1-FA0E-FB1E11E4865D}"/>
           </ac:grpSpMkLst>
         </pc:grpChg>
+        <pc:cxnChg chg="add mod">
+          <ac:chgData name="Bo Tang" userId="332dbdf67b1791cd" providerId="LiveId" clId="{0CC41EC3-D5AE-4A4E-BCBF-91A1A4A8A767}" dt="2024-09-29T22:09:58.168" v="258" actId="164"/>
+          <ac:cxnSpMkLst>
+            <pc:docMk/>
+            <pc:sldMk cId="3536482602" sldId="256"/>
+            <ac:cxnSpMk id="2" creationId="{A83C2E54-2AAE-81BE-FBD9-9B2F4DDF7EC3}"/>
+          </ac:cxnSpMkLst>
+        </pc:cxnChg>
         <pc:cxnChg chg="mod">
-          <ac:chgData name="Bo Tang" userId="332dbdf67b1791cd" providerId="LiveId" clId="{0CC41EC3-D5AE-4A4E-BCBF-91A1A4A8A767}" dt="2024-09-29T03:44:52.825" v="252" actId="404"/>
+          <ac:chgData name="Bo Tang" userId="332dbdf67b1791cd" providerId="LiveId" clId="{0CC41EC3-D5AE-4A4E-BCBF-91A1A4A8A767}" dt="2024-09-29T21:56:55.935" v="254" actId="165"/>
           <ac:cxnSpMkLst>
             <pc:docMk/>
             <pc:sldMk cId="3536482602" sldId="256"/>
@@ -1472,7 +1504,7 @@
           </ac:cxnSpMkLst>
         </pc:cxnChg>
         <pc:cxnChg chg="mod">
-          <ac:chgData name="Bo Tang" userId="332dbdf67b1791cd" providerId="LiveId" clId="{0CC41EC3-D5AE-4A4E-BCBF-91A1A4A8A767}" dt="2024-09-29T03:44:52.825" v="252" actId="404"/>
+          <ac:chgData name="Bo Tang" userId="332dbdf67b1791cd" providerId="LiveId" clId="{0CC41EC3-D5AE-4A4E-BCBF-91A1A4A8A767}" dt="2024-09-29T21:56:55.935" v="254" actId="165"/>
           <ac:cxnSpMkLst>
             <pc:docMk/>
             <pc:sldMk cId="3536482602" sldId="256"/>
@@ -1480,7 +1512,7 @@
           </ac:cxnSpMkLst>
         </pc:cxnChg>
         <pc:cxnChg chg="mod">
-          <ac:chgData name="Bo Tang" userId="332dbdf67b1791cd" providerId="LiveId" clId="{0CC41EC3-D5AE-4A4E-BCBF-91A1A4A8A767}" dt="2024-09-29T03:44:52.825" v="252" actId="404"/>
+          <ac:chgData name="Bo Tang" userId="332dbdf67b1791cd" providerId="LiveId" clId="{0CC41EC3-D5AE-4A4E-BCBF-91A1A4A8A767}" dt="2024-09-29T21:56:55.935" v="254" actId="165"/>
           <ac:cxnSpMkLst>
             <pc:docMk/>
             <pc:sldMk cId="3536482602" sldId="256"/>
@@ -1488,7 +1520,7 @@
           </ac:cxnSpMkLst>
         </pc:cxnChg>
         <pc:cxnChg chg="mod">
-          <ac:chgData name="Bo Tang" userId="332dbdf67b1791cd" providerId="LiveId" clId="{0CC41EC3-D5AE-4A4E-BCBF-91A1A4A8A767}" dt="2024-09-29T03:44:52.825" v="252" actId="404"/>
+          <ac:chgData name="Bo Tang" userId="332dbdf67b1791cd" providerId="LiveId" clId="{0CC41EC3-D5AE-4A4E-BCBF-91A1A4A8A767}" dt="2024-09-29T21:56:55.935" v="254" actId="165"/>
           <ac:cxnSpMkLst>
             <pc:docMk/>
             <pc:sldMk cId="3536482602" sldId="256"/>
@@ -1496,7 +1528,7 @@
           </ac:cxnSpMkLst>
         </pc:cxnChg>
         <pc:cxnChg chg="mod">
-          <ac:chgData name="Bo Tang" userId="332dbdf67b1791cd" providerId="LiveId" clId="{0CC41EC3-D5AE-4A4E-BCBF-91A1A4A8A767}" dt="2024-09-29T03:44:52.825" v="252" actId="404"/>
+          <ac:chgData name="Bo Tang" userId="332dbdf67b1791cd" providerId="LiveId" clId="{0CC41EC3-D5AE-4A4E-BCBF-91A1A4A8A767}" dt="2024-09-29T21:56:55.935" v="254" actId="165"/>
           <ac:cxnSpMkLst>
             <pc:docMk/>
             <pc:sldMk cId="3536482602" sldId="256"/>
@@ -1504,7 +1536,7 @@
           </ac:cxnSpMkLst>
         </pc:cxnChg>
         <pc:cxnChg chg="mod">
-          <ac:chgData name="Bo Tang" userId="332dbdf67b1791cd" providerId="LiveId" clId="{0CC41EC3-D5AE-4A4E-BCBF-91A1A4A8A767}" dt="2024-09-29T03:44:52.825" v="252" actId="404"/>
+          <ac:chgData name="Bo Tang" userId="332dbdf67b1791cd" providerId="LiveId" clId="{0CC41EC3-D5AE-4A4E-BCBF-91A1A4A8A767}" dt="2024-09-29T21:56:55.935" v="254" actId="165"/>
           <ac:cxnSpMkLst>
             <pc:docMk/>
             <pc:sldMk cId="3536482602" sldId="256"/>
@@ -1512,7 +1544,7 @@
           </ac:cxnSpMkLst>
         </pc:cxnChg>
         <pc:cxnChg chg="mod">
-          <ac:chgData name="Bo Tang" userId="332dbdf67b1791cd" providerId="LiveId" clId="{0CC41EC3-D5AE-4A4E-BCBF-91A1A4A8A767}" dt="2024-09-29T03:44:52.825" v="252" actId="404"/>
+          <ac:chgData name="Bo Tang" userId="332dbdf67b1791cd" providerId="LiveId" clId="{0CC41EC3-D5AE-4A4E-BCBF-91A1A4A8A767}" dt="2024-09-29T21:56:55.935" v="254" actId="165"/>
           <ac:cxnSpMkLst>
             <pc:docMk/>
             <pc:sldMk cId="3536482602" sldId="256"/>
@@ -1520,7 +1552,7 @@
           </ac:cxnSpMkLst>
         </pc:cxnChg>
         <pc:cxnChg chg="mod">
-          <ac:chgData name="Bo Tang" userId="332dbdf67b1791cd" providerId="LiveId" clId="{0CC41EC3-D5AE-4A4E-BCBF-91A1A4A8A767}" dt="2024-09-29T03:44:52.825" v="252" actId="404"/>
+          <ac:chgData name="Bo Tang" userId="332dbdf67b1791cd" providerId="LiveId" clId="{0CC41EC3-D5AE-4A4E-BCBF-91A1A4A8A767}" dt="2024-09-29T21:56:55.935" v="254" actId="165"/>
           <ac:cxnSpMkLst>
             <pc:docMk/>
             <pc:sldMk cId="3536482602" sldId="256"/>
@@ -1528,7 +1560,7 @@
           </ac:cxnSpMkLst>
         </pc:cxnChg>
         <pc:cxnChg chg="mod">
-          <ac:chgData name="Bo Tang" userId="332dbdf67b1791cd" providerId="LiveId" clId="{0CC41EC3-D5AE-4A4E-BCBF-91A1A4A8A767}" dt="2024-09-29T03:44:52.825" v="252" actId="404"/>
+          <ac:chgData name="Bo Tang" userId="332dbdf67b1791cd" providerId="LiveId" clId="{0CC41EC3-D5AE-4A4E-BCBF-91A1A4A8A767}" dt="2024-09-29T21:56:55.935" v="254" actId="165"/>
           <ac:cxnSpMkLst>
             <pc:docMk/>
             <pc:sldMk cId="3536482602" sldId="256"/>
@@ -1536,7 +1568,7 @@
           </ac:cxnSpMkLst>
         </pc:cxnChg>
         <pc:cxnChg chg="mod">
-          <ac:chgData name="Bo Tang" userId="332dbdf67b1791cd" providerId="LiveId" clId="{0CC41EC3-D5AE-4A4E-BCBF-91A1A4A8A767}" dt="2024-09-29T03:44:52.825" v="252" actId="404"/>
+          <ac:chgData name="Bo Tang" userId="332dbdf67b1791cd" providerId="LiveId" clId="{0CC41EC3-D5AE-4A4E-BCBF-91A1A4A8A767}" dt="2024-09-29T21:56:55.935" v="254" actId="165"/>
           <ac:cxnSpMkLst>
             <pc:docMk/>
             <pc:sldMk cId="3536482602" sldId="256"/>
@@ -1544,7 +1576,7 @@
           </ac:cxnSpMkLst>
         </pc:cxnChg>
         <pc:cxnChg chg="mod">
-          <ac:chgData name="Bo Tang" userId="332dbdf67b1791cd" providerId="LiveId" clId="{0CC41EC3-D5AE-4A4E-BCBF-91A1A4A8A767}" dt="2024-09-29T03:44:52.825" v="252" actId="404"/>
+          <ac:chgData name="Bo Tang" userId="332dbdf67b1791cd" providerId="LiveId" clId="{0CC41EC3-D5AE-4A4E-BCBF-91A1A4A8A767}" dt="2024-09-29T21:56:55.935" v="254" actId="165"/>
           <ac:cxnSpMkLst>
             <pc:docMk/>
             <pc:sldMk cId="3536482602" sldId="256"/>
@@ -1552,7 +1584,7 @@
           </ac:cxnSpMkLst>
         </pc:cxnChg>
         <pc:cxnChg chg="mod">
-          <ac:chgData name="Bo Tang" userId="332dbdf67b1791cd" providerId="LiveId" clId="{0CC41EC3-D5AE-4A4E-BCBF-91A1A4A8A767}" dt="2024-09-29T03:44:52.825" v="252" actId="404"/>
+          <ac:chgData name="Bo Tang" userId="332dbdf67b1791cd" providerId="LiveId" clId="{0CC41EC3-D5AE-4A4E-BCBF-91A1A4A8A767}" dt="2024-09-29T21:56:55.935" v="254" actId="165"/>
           <ac:cxnSpMkLst>
             <pc:docMk/>
             <pc:sldMk cId="3536482602" sldId="256"/>
@@ -1560,7 +1592,7 @@
           </ac:cxnSpMkLst>
         </pc:cxnChg>
         <pc:cxnChg chg="mod">
-          <ac:chgData name="Bo Tang" userId="332dbdf67b1791cd" providerId="LiveId" clId="{0CC41EC3-D5AE-4A4E-BCBF-91A1A4A8A767}" dt="2024-09-29T03:44:52.825" v="252" actId="404"/>
+          <ac:chgData name="Bo Tang" userId="332dbdf67b1791cd" providerId="LiveId" clId="{0CC41EC3-D5AE-4A4E-BCBF-91A1A4A8A767}" dt="2024-09-29T21:56:55.935" v="254" actId="165"/>
           <ac:cxnSpMkLst>
             <pc:docMk/>
             <pc:sldMk cId="3536482602" sldId="256"/>
@@ -1568,7 +1600,7 @@
           </ac:cxnSpMkLst>
         </pc:cxnChg>
         <pc:cxnChg chg="mod">
-          <ac:chgData name="Bo Tang" userId="332dbdf67b1791cd" providerId="LiveId" clId="{0CC41EC3-D5AE-4A4E-BCBF-91A1A4A8A767}" dt="2024-09-29T03:44:52.825" v="252" actId="404"/>
+          <ac:chgData name="Bo Tang" userId="332dbdf67b1791cd" providerId="LiveId" clId="{0CC41EC3-D5AE-4A4E-BCBF-91A1A4A8A767}" dt="2024-09-29T21:56:55.935" v="254" actId="165"/>
           <ac:cxnSpMkLst>
             <pc:docMk/>
             <pc:sldMk cId="3536482602" sldId="256"/>
@@ -1576,7 +1608,7 @@
           </ac:cxnSpMkLst>
         </pc:cxnChg>
         <pc:cxnChg chg="mod">
-          <ac:chgData name="Bo Tang" userId="332dbdf67b1791cd" providerId="LiveId" clId="{0CC41EC3-D5AE-4A4E-BCBF-91A1A4A8A767}" dt="2024-09-29T03:44:52.825" v="252" actId="404"/>
+          <ac:chgData name="Bo Tang" userId="332dbdf67b1791cd" providerId="LiveId" clId="{0CC41EC3-D5AE-4A4E-BCBF-91A1A4A8A767}" dt="2024-09-29T21:56:55.935" v="254" actId="165"/>
           <ac:cxnSpMkLst>
             <pc:docMk/>
             <pc:sldMk cId="3536482602" sldId="256"/>
@@ -1584,7 +1616,7 @@
           </ac:cxnSpMkLst>
         </pc:cxnChg>
         <pc:cxnChg chg="mod topLvl">
-          <ac:chgData name="Bo Tang" userId="332dbdf67b1791cd" providerId="LiveId" clId="{0CC41EC3-D5AE-4A4E-BCBF-91A1A4A8A767}" dt="2024-09-29T03:44:52.825" v="252" actId="404"/>
+          <ac:chgData name="Bo Tang" userId="332dbdf67b1791cd" providerId="LiveId" clId="{0CC41EC3-D5AE-4A4E-BCBF-91A1A4A8A767}" dt="2024-09-29T21:56:55.935" v="254" actId="165"/>
           <ac:cxnSpMkLst>
             <pc:docMk/>
             <pc:sldMk cId="3536482602" sldId="256"/>
@@ -1592,7 +1624,7 @@
           </ac:cxnSpMkLst>
         </pc:cxnChg>
         <pc:cxnChg chg="mod topLvl">
-          <ac:chgData name="Bo Tang" userId="332dbdf67b1791cd" providerId="LiveId" clId="{0CC41EC3-D5AE-4A4E-BCBF-91A1A4A8A767}" dt="2024-09-29T03:44:52.825" v="252" actId="404"/>
+          <ac:chgData name="Bo Tang" userId="332dbdf67b1791cd" providerId="LiveId" clId="{0CC41EC3-D5AE-4A4E-BCBF-91A1A4A8A767}" dt="2024-09-29T21:56:55.935" v="254" actId="165"/>
           <ac:cxnSpMkLst>
             <pc:docMk/>
             <pc:sldMk cId="3536482602" sldId="256"/>
@@ -1600,7 +1632,7 @@
           </ac:cxnSpMkLst>
         </pc:cxnChg>
         <pc:cxnChg chg="mod topLvl">
-          <ac:chgData name="Bo Tang" userId="332dbdf67b1791cd" providerId="LiveId" clId="{0CC41EC3-D5AE-4A4E-BCBF-91A1A4A8A767}" dt="2024-09-29T03:44:52.825" v="252" actId="404"/>
+          <ac:chgData name="Bo Tang" userId="332dbdf67b1791cd" providerId="LiveId" clId="{0CC41EC3-D5AE-4A4E-BCBF-91A1A4A8A767}" dt="2024-09-29T21:56:55.935" v="254" actId="165"/>
           <ac:cxnSpMkLst>
             <pc:docMk/>
             <pc:sldMk cId="3536482602" sldId="256"/>
@@ -1608,7 +1640,7 @@
           </ac:cxnSpMkLst>
         </pc:cxnChg>
         <pc:cxnChg chg="mod topLvl">
-          <ac:chgData name="Bo Tang" userId="332dbdf67b1791cd" providerId="LiveId" clId="{0CC41EC3-D5AE-4A4E-BCBF-91A1A4A8A767}" dt="2024-09-29T03:44:52.825" v="252" actId="404"/>
+          <ac:chgData name="Bo Tang" userId="332dbdf67b1791cd" providerId="LiveId" clId="{0CC41EC3-D5AE-4A4E-BCBF-91A1A4A8A767}" dt="2024-09-29T21:56:55.935" v="254" actId="165"/>
           <ac:cxnSpMkLst>
             <pc:docMk/>
             <pc:sldMk cId="3536482602" sldId="256"/>
@@ -1616,7 +1648,7 @@
           </ac:cxnSpMkLst>
         </pc:cxnChg>
         <pc:cxnChg chg="mod topLvl">
-          <ac:chgData name="Bo Tang" userId="332dbdf67b1791cd" providerId="LiveId" clId="{0CC41EC3-D5AE-4A4E-BCBF-91A1A4A8A767}" dt="2024-09-29T03:44:52.825" v="252" actId="404"/>
+          <ac:chgData name="Bo Tang" userId="332dbdf67b1791cd" providerId="LiveId" clId="{0CC41EC3-D5AE-4A4E-BCBF-91A1A4A8A767}" dt="2024-09-29T21:56:55.935" v="254" actId="165"/>
           <ac:cxnSpMkLst>
             <pc:docMk/>
             <pc:sldMk cId="3536482602" sldId="256"/>
@@ -1624,7 +1656,7 @@
           </ac:cxnSpMkLst>
         </pc:cxnChg>
         <pc:cxnChg chg="mod">
-          <ac:chgData name="Bo Tang" userId="332dbdf67b1791cd" providerId="LiveId" clId="{0CC41EC3-D5AE-4A4E-BCBF-91A1A4A8A767}" dt="2024-09-29T03:44:52.825" v="252" actId="404"/>
+          <ac:chgData name="Bo Tang" userId="332dbdf67b1791cd" providerId="LiveId" clId="{0CC41EC3-D5AE-4A4E-BCBF-91A1A4A8A767}" dt="2024-09-29T21:56:55.935" v="254" actId="165"/>
           <ac:cxnSpMkLst>
             <pc:docMk/>
             <pc:sldMk cId="3536482602" sldId="256"/>
@@ -1632,7 +1664,7 @@
           </ac:cxnSpMkLst>
         </pc:cxnChg>
         <pc:cxnChg chg="mod">
-          <ac:chgData name="Bo Tang" userId="332dbdf67b1791cd" providerId="LiveId" clId="{0CC41EC3-D5AE-4A4E-BCBF-91A1A4A8A767}" dt="2024-09-29T03:44:52.825" v="252" actId="404"/>
+          <ac:chgData name="Bo Tang" userId="332dbdf67b1791cd" providerId="LiveId" clId="{0CC41EC3-D5AE-4A4E-BCBF-91A1A4A8A767}" dt="2024-09-29T21:56:55.935" v="254" actId="165"/>
           <ac:cxnSpMkLst>
             <pc:docMk/>
             <pc:sldMk cId="3536482602" sldId="256"/>
@@ -1640,7 +1672,7 @@
           </ac:cxnSpMkLst>
         </pc:cxnChg>
         <pc:cxnChg chg="mod topLvl">
-          <ac:chgData name="Bo Tang" userId="332dbdf67b1791cd" providerId="LiveId" clId="{0CC41EC3-D5AE-4A4E-BCBF-91A1A4A8A767}" dt="2024-09-29T03:44:52.825" v="252" actId="404"/>
+          <ac:chgData name="Bo Tang" userId="332dbdf67b1791cd" providerId="LiveId" clId="{0CC41EC3-D5AE-4A4E-BCBF-91A1A4A8A767}" dt="2024-09-29T22:10:40.436" v="260" actId="164"/>
           <ac:cxnSpMkLst>
             <pc:docMk/>
             <pc:sldMk cId="3536482602" sldId="256"/>
@@ -1648,7 +1680,7 @@
           </ac:cxnSpMkLst>
         </pc:cxnChg>
         <pc:cxnChg chg="mod">
-          <ac:chgData name="Bo Tang" userId="332dbdf67b1791cd" providerId="LiveId" clId="{0CC41EC3-D5AE-4A4E-BCBF-91A1A4A8A767}" dt="2024-09-29T03:44:52.825" v="252" actId="404"/>
+          <ac:chgData name="Bo Tang" userId="332dbdf67b1791cd" providerId="LiveId" clId="{0CC41EC3-D5AE-4A4E-BCBF-91A1A4A8A767}" dt="2024-09-29T21:56:55.935" v="254" actId="165"/>
           <ac:cxnSpMkLst>
             <pc:docMk/>
             <pc:sldMk cId="3536482602" sldId="256"/>
@@ -1656,7 +1688,7 @@
           </ac:cxnSpMkLst>
         </pc:cxnChg>
         <pc:cxnChg chg="mod">
-          <ac:chgData name="Bo Tang" userId="332dbdf67b1791cd" providerId="LiveId" clId="{0CC41EC3-D5AE-4A4E-BCBF-91A1A4A8A767}" dt="2024-09-29T03:44:52.825" v="252" actId="404"/>
+          <ac:chgData name="Bo Tang" userId="332dbdf67b1791cd" providerId="LiveId" clId="{0CC41EC3-D5AE-4A4E-BCBF-91A1A4A8A767}" dt="2024-09-29T21:56:55.935" v="254" actId="165"/>
           <ac:cxnSpMkLst>
             <pc:docMk/>
             <pc:sldMk cId="3536482602" sldId="256"/>
@@ -1664,7 +1696,7 @@
           </ac:cxnSpMkLst>
         </pc:cxnChg>
         <pc:cxnChg chg="mod">
-          <ac:chgData name="Bo Tang" userId="332dbdf67b1791cd" providerId="LiveId" clId="{0CC41EC3-D5AE-4A4E-BCBF-91A1A4A8A767}" dt="2024-09-29T03:44:52.825" v="252" actId="404"/>
+          <ac:chgData name="Bo Tang" userId="332dbdf67b1791cd" providerId="LiveId" clId="{0CC41EC3-D5AE-4A4E-BCBF-91A1A4A8A767}" dt="2024-09-29T21:56:55.935" v="254" actId="165"/>
           <ac:cxnSpMkLst>
             <pc:docMk/>
             <pc:sldMk cId="3536482602" sldId="256"/>
@@ -1672,7 +1704,7 @@
           </ac:cxnSpMkLst>
         </pc:cxnChg>
         <pc:cxnChg chg="mod">
-          <ac:chgData name="Bo Tang" userId="332dbdf67b1791cd" providerId="LiveId" clId="{0CC41EC3-D5AE-4A4E-BCBF-91A1A4A8A767}" dt="2024-09-29T03:44:52.825" v="252" actId="404"/>
+          <ac:chgData name="Bo Tang" userId="332dbdf67b1791cd" providerId="LiveId" clId="{0CC41EC3-D5AE-4A4E-BCBF-91A1A4A8A767}" dt="2024-09-29T21:56:55.935" v="254" actId="165"/>
           <ac:cxnSpMkLst>
             <pc:docMk/>
             <pc:sldMk cId="3536482602" sldId="256"/>
@@ -1988,15 +2020,15 @@
         </p:nvSpPr>
         <p:spPr>
           <a:xfrm>
-            <a:off x="1371600" y="374121"/>
-            <a:ext cx="8229600" cy="795867"/>
+            <a:off x="1371600" y="419068"/>
+            <a:ext cx="8229600" cy="891481"/>
           </a:xfrm>
         </p:spPr>
         <p:txBody>
           <a:bodyPr anchor="b"/>
           <a:lstStyle>
             <a:lvl1pPr algn="ctr">
-              <a:defRPr sz="2000"/>
+              <a:defRPr sz="2240"/>
             </a:lvl1pPr>
           </a:lstStyle>
           <a:p>
@@ -2020,8 +2052,8 @@
         </p:nvSpPr>
         <p:spPr>
           <a:xfrm>
-            <a:off x="1371600" y="1200679"/>
-            <a:ext cx="8229600" cy="551921"/>
+            <a:off x="1371600" y="1344928"/>
+            <a:ext cx="8229600" cy="618228"/>
           </a:xfrm>
         </p:spPr>
         <p:txBody>
@@ -2029,39 +2061,39 @@
           <a:lstStyle>
             <a:lvl1pPr marL="0" indent="0" algn="ctr">
               <a:buNone/>
-              <a:defRPr sz="800"/>
+              <a:defRPr sz="896"/>
             </a:lvl1pPr>
-            <a:lvl2pPr marL="152385" indent="0" algn="ctr">
+            <a:lvl2pPr marL="170718" indent="0" algn="ctr">
               <a:buNone/>
-              <a:defRPr sz="667"/>
+              <a:defRPr sz="747"/>
             </a:lvl2pPr>
-            <a:lvl3pPr marL="304770" indent="0" algn="ctr">
+            <a:lvl3pPr marL="341437" indent="0" algn="ctr">
               <a:buNone/>
-              <a:defRPr sz="600"/>
+              <a:defRPr sz="672"/>
             </a:lvl3pPr>
-            <a:lvl4pPr marL="457154" indent="0" algn="ctr">
+            <a:lvl4pPr marL="512155" indent="0" algn="ctr">
               <a:buNone/>
-              <a:defRPr sz="533"/>
+              <a:defRPr sz="597"/>
             </a:lvl4pPr>
-            <a:lvl5pPr marL="609539" indent="0" algn="ctr">
+            <a:lvl5pPr marL="682874" indent="0" algn="ctr">
               <a:buNone/>
-              <a:defRPr sz="533"/>
+              <a:defRPr sz="597"/>
             </a:lvl5pPr>
-            <a:lvl6pPr marL="761924" indent="0" algn="ctr">
+            <a:lvl6pPr marL="853592" indent="0" algn="ctr">
               <a:buNone/>
-              <a:defRPr sz="533"/>
+              <a:defRPr sz="597"/>
             </a:lvl6pPr>
-            <a:lvl7pPr marL="914309" indent="0" algn="ctr">
+            <a:lvl7pPr marL="1024311" indent="0" algn="ctr">
               <a:buNone/>
-              <a:defRPr sz="533"/>
+              <a:defRPr sz="597"/>
             </a:lvl7pPr>
-            <a:lvl8pPr marL="1066693" indent="0" algn="ctr">
+            <a:lvl8pPr marL="1195029" indent="0" algn="ctr">
               <a:buNone/>
-              <a:defRPr sz="533"/>
+              <a:defRPr sz="597"/>
             </a:lvl8pPr>
-            <a:lvl9pPr marL="1219078" indent="0" algn="ctr">
+            <a:lvl9pPr marL="1365748" indent="0" algn="ctr">
               <a:buNone/>
-              <a:defRPr sz="533"/>
+              <a:defRPr sz="597"/>
             </a:lvl9pPr>
           </a:lstStyle>
           <a:p>
@@ -2090,7 +2122,7 @@
           <a:p>
             <a:fld id="{6E64BD1D-3336-47FF-9B2A-AE464FC3A9D4}" type="datetimeFigureOut">
               <a:rPr lang="en-US" smtClean="0"/>
-              <a:t>2024-09-28</a:t>
+              <a:t>2024-09-29</a:t>
             </a:fld>
             <a:endParaRPr lang="en-US"/>
           </a:p>
@@ -2141,7 +2173,7 @@
     </p:spTree>
     <p:extLst>
       <p:ext uri="{BB962C8B-B14F-4D97-AF65-F5344CB8AC3E}">
-        <p14:creationId xmlns:p14="http://schemas.microsoft.com/office/powerpoint/2010/main" val="3837577156"/>
+        <p14:creationId xmlns:p14="http://schemas.microsoft.com/office/powerpoint/2010/main" val="3609461763"/>
       </p:ext>
     </p:extLst>
   </p:cSld>
@@ -2260,7 +2292,7 @@
           <a:p>
             <a:fld id="{6E64BD1D-3336-47FF-9B2A-AE464FC3A9D4}" type="datetimeFigureOut">
               <a:rPr lang="en-US" smtClean="0"/>
-              <a:t>2024-09-28</a:t>
+              <a:t>2024-09-29</a:t>
             </a:fld>
             <a:endParaRPr lang="en-US"/>
           </a:p>
@@ -2311,7 +2343,7 @@
     </p:spTree>
     <p:extLst>
       <p:ext uri="{BB962C8B-B14F-4D97-AF65-F5344CB8AC3E}">
-        <p14:creationId xmlns:p14="http://schemas.microsoft.com/office/powerpoint/2010/main" val="2088912789"/>
+        <p14:creationId xmlns:p14="http://schemas.microsoft.com/office/powerpoint/2010/main" val="3698061760"/>
       </p:ext>
     </p:extLst>
   </p:cSld>
@@ -2350,8 +2382,8 @@
         </p:nvSpPr>
         <p:spPr>
           <a:xfrm>
-            <a:off x="7852410" y="121709"/>
-            <a:ext cx="2366010" cy="1937279"/>
+            <a:off x="7852410" y="136330"/>
+            <a:ext cx="2366010" cy="2170022"/>
           </a:xfrm>
         </p:spPr>
         <p:txBody>
@@ -2378,8 +2410,8 @@
         </p:nvSpPr>
         <p:spPr>
           <a:xfrm>
-            <a:off x="754380" y="121709"/>
-            <a:ext cx="6960870" cy="1937279"/>
+            <a:off x="754380" y="136330"/>
+            <a:ext cx="6960870" cy="2170022"/>
           </a:xfrm>
         </p:spPr>
         <p:txBody>
@@ -2440,7 +2472,7 @@
           <a:p>
             <a:fld id="{6E64BD1D-3336-47FF-9B2A-AE464FC3A9D4}" type="datetimeFigureOut">
               <a:rPr lang="en-US" smtClean="0"/>
-              <a:t>2024-09-28</a:t>
+              <a:t>2024-09-29</a:t>
             </a:fld>
             <a:endParaRPr lang="en-US"/>
           </a:p>
@@ -2491,7 +2523,7 @@
     </p:spTree>
     <p:extLst>
       <p:ext uri="{BB962C8B-B14F-4D97-AF65-F5344CB8AC3E}">
-        <p14:creationId xmlns:p14="http://schemas.microsoft.com/office/powerpoint/2010/main" val="3699483659"/>
+        <p14:creationId xmlns:p14="http://schemas.microsoft.com/office/powerpoint/2010/main" val="2978927672"/>
       </p:ext>
     </p:extLst>
   </p:cSld>
@@ -2610,7 +2642,7 @@
           <a:p>
             <a:fld id="{6E64BD1D-3336-47FF-9B2A-AE464FC3A9D4}" type="datetimeFigureOut">
               <a:rPr lang="en-US" smtClean="0"/>
-              <a:t>2024-09-28</a:t>
+              <a:t>2024-09-29</a:t>
             </a:fld>
             <a:endParaRPr lang="en-US"/>
           </a:p>
@@ -2661,7 +2693,7 @@
     </p:spTree>
     <p:extLst>
       <p:ext uri="{BB962C8B-B14F-4D97-AF65-F5344CB8AC3E}">
-        <p14:creationId xmlns:p14="http://schemas.microsoft.com/office/powerpoint/2010/main" val="2081568767"/>
+        <p14:creationId xmlns:p14="http://schemas.microsoft.com/office/powerpoint/2010/main" val="756343522"/>
       </p:ext>
     </p:extLst>
   </p:cSld>
@@ -2700,15 +2732,15 @@
         </p:nvSpPr>
         <p:spPr>
           <a:xfrm>
-            <a:off x="748665" y="569913"/>
-            <a:ext cx="9464040" cy="950912"/>
+            <a:off x="748665" y="638382"/>
+            <a:ext cx="9464040" cy="1065154"/>
           </a:xfrm>
         </p:spPr>
         <p:txBody>
           <a:bodyPr anchor="b"/>
           <a:lstStyle>
             <a:lvl1pPr>
-              <a:defRPr sz="2000"/>
+              <a:defRPr sz="2240"/>
             </a:lvl1pPr>
           </a:lstStyle>
           <a:p>
@@ -2732,8 +2764,8 @@
         </p:nvSpPr>
         <p:spPr>
           <a:xfrm>
-            <a:off x="748665" y="1529821"/>
-            <a:ext cx="9464040" cy="500062"/>
+            <a:off x="748665" y="1713613"/>
+            <a:ext cx="9464040" cy="560139"/>
           </a:xfrm>
         </p:spPr>
         <p:txBody>
@@ -2741,7 +2773,7 @@
           <a:lstStyle>
             <a:lvl1pPr marL="0" indent="0">
               <a:buNone/>
-              <a:defRPr sz="800">
+              <a:defRPr sz="896">
                 <a:solidFill>
                   <a:schemeClr val="tx1">
                     <a:tint val="82000"/>
@@ -2749,9 +2781,9 @@
                 </a:solidFill>
               </a:defRPr>
             </a:lvl1pPr>
-            <a:lvl2pPr marL="152385" indent="0">
+            <a:lvl2pPr marL="170718" indent="0">
               <a:buNone/>
-              <a:defRPr sz="667">
+              <a:defRPr sz="747">
                 <a:solidFill>
                   <a:schemeClr val="tx1">
                     <a:tint val="82000"/>
@@ -2759,9 +2791,9 @@
                 </a:solidFill>
               </a:defRPr>
             </a:lvl2pPr>
-            <a:lvl3pPr marL="304770" indent="0">
+            <a:lvl3pPr marL="341437" indent="0">
               <a:buNone/>
-              <a:defRPr sz="600">
+              <a:defRPr sz="672">
                 <a:solidFill>
                   <a:schemeClr val="tx1">
                     <a:tint val="82000"/>
@@ -2769,9 +2801,9 @@
                 </a:solidFill>
               </a:defRPr>
             </a:lvl3pPr>
-            <a:lvl4pPr marL="457154" indent="0">
+            <a:lvl4pPr marL="512155" indent="0">
               <a:buNone/>
-              <a:defRPr sz="533">
+              <a:defRPr sz="597">
                 <a:solidFill>
                   <a:schemeClr val="tx1">
                     <a:tint val="82000"/>
@@ -2779,9 +2811,9 @@
                 </a:solidFill>
               </a:defRPr>
             </a:lvl4pPr>
-            <a:lvl5pPr marL="609539" indent="0">
+            <a:lvl5pPr marL="682874" indent="0">
               <a:buNone/>
-              <a:defRPr sz="533">
+              <a:defRPr sz="597">
                 <a:solidFill>
                   <a:schemeClr val="tx1">
                     <a:tint val="82000"/>
@@ -2789,9 +2821,9 @@
                 </a:solidFill>
               </a:defRPr>
             </a:lvl5pPr>
-            <a:lvl6pPr marL="761924" indent="0">
+            <a:lvl6pPr marL="853592" indent="0">
               <a:buNone/>
-              <a:defRPr sz="533">
+              <a:defRPr sz="597">
                 <a:solidFill>
                   <a:schemeClr val="tx1">
                     <a:tint val="82000"/>
@@ -2799,9 +2831,9 @@
                 </a:solidFill>
               </a:defRPr>
             </a:lvl6pPr>
-            <a:lvl7pPr marL="914309" indent="0">
+            <a:lvl7pPr marL="1024311" indent="0">
               <a:buNone/>
-              <a:defRPr sz="533">
+              <a:defRPr sz="597">
                 <a:solidFill>
                   <a:schemeClr val="tx1">
                     <a:tint val="82000"/>
@@ -2809,9 +2841,9 @@
                 </a:solidFill>
               </a:defRPr>
             </a:lvl7pPr>
-            <a:lvl8pPr marL="1066693" indent="0">
+            <a:lvl8pPr marL="1195029" indent="0">
               <a:buNone/>
-              <a:defRPr sz="533">
+              <a:defRPr sz="597">
                 <a:solidFill>
                   <a:schemeClr val="tx1">
                     <a:tint val="82000"/>
@@ -2819,9 +2851,9 @@
                 </a:solidFill>
               </a:defRPr>
             </a:lvl8pPr>
-            <a:lvl9pPr marL="1219078" indent="0">
+            <a:lvl9pPr marL="1365748" indent="0">
               <a:buNone/>
-              <a:defRPr sz="533">
+              <a:defRPr sz="597">
                 <a:solidFill>
                   <a:schemeClr val="tx1">
                     <a:tint val="82000"/>
@@ -2856,7 +2888,7 @@
           <a:p>
             <a:fld id="{6E64BD1D-3336-47FF-9B2A-AE464FC3A9D4}" type="datetimeFigureOut">
               <a:rPr lang="en-US" smtClean="0"/>
-              <a:t>2024-09-28</a:t>
+              <a:t>2024-09-29</a:t>
             </a:fld>
             <a:endParaRPr lang="en-US"/>
           </a:p>
@@ -2907,7 +2939,7 @@
     </p:spTree>
     <p:extLst>
       <p:ext uri="{BB962C8B-B14F-4D97-AF65-F5344CB8AC3E}">
-        <p14:creationId xmlns:p14="http://schemas.microsoft.com/office/powerpoint/2010/main" val="174639482"/>
+        <p14:creationId xmlns:p14="http://schemas.microsoft.com/office/powerpoint/2010/main" val="213112037"/>
       </p:ext>
     </p:extLst>
   </p:cSld>
@@ -2969,8 +3001,8 @@
         </p:nvSpPr>
         <p:spPr>
           <a:xfrm>
-            <a:off x="754380" y="608542"/>
-            <a:ext cx="4663440" cy="1450446"/>
+            <a:off x="754380" y="681651"/>
+            <a:ext cx="4663440" cy="1624701"/>
           </a:xfrm>
         </p:spPr>
         <p:txBody>
@@ -3026,8 +3058,8 @@
         </p:nvSpPr>
         <p:spPr>
           <a:xfrm>
-            <a:off x="5554980" y="608542"/>
-            <a:ext cx="4663440" cy="1450446"/>
+            <a:off x="5554980" y="681651"/>
+            <a:ext cx="4663440" cy="1624701"/>
           </a:xfrm>
         </p:spPr>
         <p:txBody>
@@ -3088,7 +3120,7 @@
           <a:p>
             <a:fld id="{6E64BD1D-3336-47FF-9B2A-AE464FC3A9D4}" type="datetimeFigureOut">
               <a:rPr lang="en-US" smtClean="0"/>
-              <a:t>2024-09-28</a:t>
+              <a:t>2024-09-29</a:t>
             </a:fld>
             <a:endParaRPr lang="en-US"/>
           </a:p>
@@ -3139,7 +3171,7 @@
     </p:spTree>
     <p:extLst>
       <p:ext uri="{BB962C8B-B14F-4D97-AF65-F5344CB8AC3E}">
-        <p14:creationId xmlns:p14="http://schemas.microsoft.com/office/powerpoint/2010/main" val="2730050866"/>
+        <p14:creationId xmlns:p14="http://schemas.microsoft.com/office/powerpoint/2010/main" val="3526017265"/>
       </p:ext>
     </p:extLst>
   </p:cSld>
@@ -3178,8 +3210,8 @@
         </p:nvSpPr>
         <p:spPr>
           <a:xfrm>
-            <a:off x="755809" y="121709"/>
-            <a:ext cx="9464040" cy="441854"/>
+            <a:off x="755809" y="136331"/>
+            <a:ext cx="9464040" cy="494938"/>
           </a:xfrm>
         </p:spPr>
         <p:txBody>
@@ -3206,8 +3238,8 @@
         </p:nvSpPr>
         <p:spPr>
           <a:xfrm>
-            <a:off x="755810" y="560388"/>
-            <a:ext cx="4642008" cy="274637"/>
+            <a:off x="755810" y="627712"/>
+            <a:ext cx="4642008" cy="307632"/>
           </a:xfrm>
         </p:spPr>
         <p:txBody>
@@ -3215,39 +3247,39 @@
           <a:lstStyle>
             <a:lvl1pPr marL="0" indent="0">
               <a:buNone/>
-              <a:defRPr sz="800" b="1"/>
+              <a:defRPr sz="896" b="1"/>
             </a:lvl1pPr>
-            <a:lvl2pPr marL="152385" indent="0">
+            <a:lvl2pPr marL="170718" indent="0">
               <a:buNone/>
-              <a:defRPr sz="667" b="1"/>
+              <a:defRPr sz="747" b="1"/>
             </a:lvl2pPr>
-            <a:lvl3pPr marL="304770" indent="0">
+            <a:lvl3pPr marL="341437" indent="0">
               <a:buNone/>
-              <a:defRPr sz="600" b="1"/>
+              <a:defRPr sz="672" b="1"/>
             </a:lvl3pPr>
-            <a:lvl4pPr marL="457154" indent="0">
+            <a:lvl4pPr marL="512155" indent="0">
               <a:buNone/>
-              <a:defRPr sz="533" b="1"/>
+              <a:defRPr sz="597" b="1"/>
             </a:lvl4pPr>
-            <a:lvl5pPr marL="609539" indent="0">
+            <a:lvl5pPr marL="682874" indent="0">
               <a:buNone/>
-              <a:defRPr sz="533" b="1"/>
+              <a:defRPr sz="597" b="1"/>
             </a:lvl5pPr>
-            <a:lvl6pPr marL="761924" indent="0">
+            <a:lvl6pPr marL="853592" indent="0">
               <a:buNone/>
-              <a:defRPr sz="533" b="1"/>
+              <a:defRPr sz="597" b="1"/>
             </a:lvl6pPr>
-            <a:lvl7pPr marL="914309" indent="0">
+            <a:lvl7pPr marL="1024311" indent="0">
               <a:buNone/>
-              <a:defRPr sz="533" b="1"/>
+              <a:defRPr sz="597" b="1"/>
             </a:lvl7pPr>
-            <a:lvl8pPr marL="1066693" indent="0">
+            <a:lvl8pPr marL="1195029" indent="0">
               <a:buNone/>
-              <a:defRPr sz="533" b="1"/>
+              <a:defRPr sz="597" b="1"/>
             </a:lvl8pPr>
-            <a:lvl9pPr marL="1219078" indent="0">
+            <a:lvl9pPr marL="1365748" indent="0">
               <a:buNone/>
-              <a:defRPr sz="533" b="1"/>
+              <a:defRPr sz="597" b="1"/>
             </a:lvl9pPr>
           </a:lstStyle>
           <a:p>
@@ -3271,8 +3303,8 @@
         </p:nvSpPr>
         <p:spPr>
           <a:xfrm>
-            <a:off x="755810" y="835025"/>
-            <a:ext cx="4642008" cy="1228196"/>
+            <a:off x="755810" y="935344"/>
+            <a:ext cx="4642008" cy="1375750"/>
           </a:xfrm>
         </p:spPr>
         <p:txBody>
@@ -3328,8 +3360,8 @@
         </p:nvSpPr>
         <p:spPr>
           <a:xfrm>
-            <a:off x="5554980" y="560388"/>
-            <a:ext cx="4664869" cy="274637"/>
+            <a:off x="5554980" y="627712"/>
+            <a:ext cx="4664869" cy="307632"/>
           </a:xfrm>
         </p:spPr>
         <p:txBody>
@@ -3337,39 +3369,39 @@
           <a:lstStyle>
             <a:lvl1pPr marL="0" indent="0">
               <a:buNone/>
-              <a:defRPr sz="800" b="1"/>
+              <a:defRPr sz="896" b="1"/>
             </a:lvl1pPr>
-            <a:lvl2pPr marL="152385" indent="0">
+            <a:lvl2pPr marL="170718" indent="0">
               <a:buNone/>
-              <a:defRPr sz="667" b="1"/>
+              <a:defRPr sz="747" b="1"/>
             </a:lvl2pPr>
-            <a:lvl3pPr marL="304770" indent="0">
+            <a:lvl3pPr marL="341437" indent="0">
               <a:buNone/>
-              <a:defRPr sz="600" b="1"/>
+              <a:defRPr sz="672" b="1"/>
             </a:lvl3pPr>
-            <a:lvl4pPr marL="457154" indent="0">
+            <a:lvl4pPr marL="512155" indent="0">
               <a:buNone/>
-              <a:defRPr sz="533" b="1"/>
+              <a:defRPr sz="597" b="1"/>
             </a:lvl4pPr>
-            <a:lvl5pPr marL="609539" indent="0">
+            <a:lvl5pPr marL="682874" indent="0">
               <a:buNone/>
-              <a:defRPr sz="533" b="1"/>
+              <a:defRPr sz="597" b="1"/>
             </a:lvl5pPr>
-            <a:lvl6pPr marL="761924" indent="0">
+            <a:lvl6pPr marL="853592" indent="0">
               <a:buNone/>
-              <a:defRPr sz="533" b="1"/>
+              <a:defRPr sz="597" b="1"/>
             </a:lvl6pPr>
-            <a:lvl7pPr marL="914309" indent="0">
+            <a:lvl7pPr marL="1024311" indent="0">
               <a:buNone/>
-              <a:defRPr sz="533" b="1"/>
+              <a:defRPr sz="597" b="1"/>
             </a:lvl7pPr>
-            <a:lvl8pPr marL="1066693" indent="0">
+            <a:lvl8pPr marL="1195029" indent="0">
               <a:buNone/>
-              <a:defRPr sz="533" b="1"/>
+              <a:defRPr sz="597" b="1"/>
             </a:lvl8pPr>
-            <a:lvl9pPr marL="1219078" indent="0">
+            <a:lvl9pPr marL="1365748" indent="0">
               <a:buNone/>
-              <a:defRPr sz="533" b="1"/>
+              <a:defRPr sz="597" b="1"/>
             </a:lvl9pPr>
           </a:lstStyle>
           <a:p>
@@ -3393,8 +3425,8 @@
         </p:nvSpPr>
         <p:spPr>
           <a:xfrm>
-            <a:off x="5554980" y="835025"/>
-            <a:ext cx="4664869" cy="1228196"/>
+            <a:off x="5554980" y="935344"/>
+            <a:ext cx="4664869" cy="1375750"/>
           </a:xfrm>
         </p:spPr>
         <p:txBody>
@@ -3455,7 +3487,7 @@
           <a:p>
             <a:fld id="{6E64BD1D-3336-47FF-9B2A-AE464FC3A9D4}" type="datetimeFigureOut">
               <a:rPr lang="en-US" smtClean="0"/>
-              <a:t>2024-09-28</a:t>
+              <a:t>2024-09-29</a:t>
             </a:fld>
             <a:endParaRPr lang="en-US"/>
           </a:p>
@@ -3506,7 +3538,7 @@
     </p:spTree>
     <p:extLst>
       <p:ext uri="{BB962C8B-B14F-4D97-AF65-F5344CB8AC3E}">
-        <p14:creationId xmlns:p14="http://schemas.microsoft.com/office/powerpoint/2010/main" val="937995879"/>
+        <p14:creationId xmlns:p14="http://schemas.microsoft.com/office/powerpoint/2010/main" val="1738263154"/>
       </p:ext>
     </p:extLst>
   </p:cSld>
@@ -3573,7 +3605,7 @@
           <a:p>
             <a:fld id="{6E64BD1D-3336-47FF-9B2A-AE464FC3A9D4}" type="datetimeFigureOut">
               <a:rPr lang="en-US" smtClean="0"/>
-              <a:t>2024-09-28</a:t>
+              <a:t>2024-09-29</a:t>
             </a:fld>
             <a:endParaRPr lang="en-US"/>
           </a:p>
@@ -3624,7 +3656,7 @@
     </p:spTree>
     <p:extLst>
       <p:ext uri="{BB962C8B-B14F-4D97-AF65-F5344CB8AC3E}">
-        <p14:creationId xmlns:p14="http://schemas.microsoft.com/office/powerpoint/2010/main" val="2525785133"/>
+        <p14:creationId xmlns:p14="http://schemas.microsoft.com/office/powerpoint/2010/main" val="709672312"/>
       </p:ext>
     </p:extLst>
   </p:cSld>
@@ -3668,7 +3700,7 @@
           <a:p>
             <a:fld id="{6E64BD1D-3336-47FF-9B2A-AE464FC3A9D4}" type="datetimeFigureOut">
               <a:rPr lang="en-US" smtClean="0"/>
-              <a:t>2024-09-28</a:t>
+              <a:t>2024-09-29</a:t>
             </a:fld>
             <a:endParaRPr lang="en-US"/>
           </a:p>
@@ -3719,7 +3751,7 @@
     </p:spTree>
     <p:extLst>
       <p:ext uri="{BB962C8B-B14F-4D97-AF65-F5344CB8AC3E}">
-        <p14:creationId xmlns:p14="http://schemas.microsoft.com/office/powerpoint/2010/main" val="663065126"/>
+        <p14:creationId xmlns:p14="http://schemas.microsoft.com/office/powerpoint/2010/main" val="2067599050"/>
       </p:ext>
     </p:extLst>
   </p:cSld>
@@ -3758,15 +3790,15 @@
         </p:nvSpPr>
         <p:spPr>
           <a:xfrm>
-            <a:off x="755810" y="152400"/>
-            <a:ext cx="3539013" cy="533400"/>
+            <a:off x="755810" y="170709"/>
+            <a:ext cx="3539013" cy="597482"/>
           </a:xfrm>
         </p:spPr>
         <p:txBody>
           <a:bodyPr anchor="b"/>
           <a:lstStyle>
             <a:lvl1pPr>
-              <a:defRPr sz="1067"/>
+              <a:defRPr sz="1195"/>
             </a:lvl1pPr>
           </a:lstStyle>
           <a:p>
@@ -3790,39 +3822,39 @@
         </p:nvSpPr>
         <p:spPr>
           <a:xfrm>
-            <a:off x="4664869" y="329142"/>
-            <a:ext cx="5554980" cy="1624542"/>
+            <a:off x="4664869" y="368684"/>
+            <a:ext cx="5554980" cy="1819713"/>
           </a:xfrm>
         </p:spPr>
         <p:txBody>
           <a:bodyPr/>
           <a:lstStyle>
             <a:lvl1pPr>
-              <a:defRPr sz="1067"/>
+              <a:defRPr sz="1195"/>
             </a:lvl1pPr>
             <a:lvl2pPr>
-              <a:defRPr sz="933"/>
+              <a:defRPr sz="1046"/>
             </a:lvl2pPr>
             <a:lvl3pPr>
-              <a:defRPr sz="800"/>
+              <a:defRPr sz="896"/>
             </a:lvl3pPr>
             <a:lvl4pPr>
-              <a:defRPr sz="667"/>
+              <a:defRPr sz="747"/>
             </a:lvl4pPr>
             <a:lvl5pPr>
-              <a:defRPr sz="667"/>
+              <a:defRPr sz="747"/>
             </a:lvl5pPr>
             <a:lvl6pPr>
-              <a:defRPr sz="667"/>
+              <a:defRPr sz="747"/>
             </a:lvl6pPr>
             <a:lvl7pPr>
-              <a:defRPr sz="667"/>
+              <a:defRPr sz="747"/>
             </a:lvl7pPr>
             <a:lvl8pPr>
-              <a:defRPr sz="667"/>
+              <a:defRPr sz="747"/>
             </a:lvl8pPr>
             <a:lvl9pPr>
-              <a:defRPr sz="667"/>
+              <a:defRPr sz="747"/>
             </a:lvl9pPr>
           </a:lstStyle>
           <a:p>
@@ -3875,8 +3907,8 @@
         </p:nvSpPr>
         <p:spPr>
           <a:xfrm>
-            <a:off x="755810" y="685800"/>
-            <a:ext cx="3539013" cy="1270529"/>
+            <a:off x="755810" y="768191"/>
+            <a:ext cx="3539013" cy="1423170"/>
           </a:xfrm>
         </p:spPr>
         <p:txBody>
@@ -3884,39 +3916,39 @@
           <a:lstStyle>
             <a:lvl1pPr marL="0" indent="0">
               <a:buNone/>
-              <a:defRPr sz="533"/>
+              <a:defRPr sz="597"/>
             </a:lvl1pPr>
-            <a:lvl2pPr marL="152385" indent="0">
+            <a:lvl2pPr marL="170718" indent="0">
               <a:buNone/>
-              <a:defRPr sz="467"/>
+              <a:defRPr sz="523"/>
             </a:lvl2pPr>
-            <a:lvl3pPr marL="304770" indent="0">
+            <a:lvl3pPr marL="341437" indent="0">
               <a:buNone/>
-              <a:defRPr sz="400"/>
+              <a:defRPr sz="448"/>
             </a:lvl3pPr>
-            <a:lvl4pPr marL="457154" indent="0">
+            <a:lvl4pPr marL="512155" indent="0">
               <a:buNone/>
-              <a:defRPr sz="333"/>
+              <a:defRPr sz="373"/>
             </a:lvl4pPr>
-            <a:lvl5pPr marL="609539" indent="0">
+            <a:lvl5pPr marL="682874" indent="0">
               <a:buNone/>
-              <a:defRPr sz="333"/>
+              <a:defRPr sz="373"/>
             </a:lvl5pPr>
-            <a:lvl6pPr marL="761924" indent="0">
+            <a:lvl6pPr marL="853592" indent="0">
               <a:buNone/>
-              <a:defRPr sz="333"/>
+              <a:defRPr sz="373"/>
             </a:lvl6pPr>
-            <a:lvl7pPr marL="914309" indent="0">
+            <a:lvl7pPr marL="1024311" indent="0">
               <a:buNone/>
-              <a:defRPr sz="333"/>
+              <a:defRPr sz="373"/>
             </a:lvl7pPr>
-            <a:lvl8pPr marL="1066693" indent="0">
+            <a:lvl8pPr marL="1195029" indent="0">
               <a:buNone/>
-              <a:defRPr sz="333"/>
+              <a:defRPr sz="373"/>
             </a:lvl8pPr>
-            <a:lvl9pPr marL="1219078" indent="0">
+            <a:lvl9pPr marL="1365748" indent="0">
               <a:buNone/>
-              <a:defRPr sz="333"/>
+              <a:defRPr sz="373"/>
             </a:lvl9pPr>
           </a:lstStyle>
           <a:p>
@@ -3945,7 +3977,7 @@
           <a:p>
             <a:fld id="{6E64BD1D-3336-47FF-9B2A-AE464FC3A9D4}" type="datetimeFigureOut">
               <a:rPr lang="en-US" smtClean="0"/>
-              <a:t>2024-09-28</a:t>
+              <a:t>2024-09-29</a:t>
             </a:fld>
             <a:endParaRPr lang="en-US"/>
           </a:p>
@@ -3996,7 +4028,7 @@
     </p:spTree>
     <p:extLst>
       <p:ext uri="{BB962C8B-B14F-4D97-AF65-F5344CB8AC3E}">
-        <p14:creationId xmlns:p14="http://schemas.microsoft.com/office/powerpoint/2010/main" val="48452583"/>
+        <p14:creationId xmlns:p14="http://schemas.microsoft.com/office/powerpoint/2010/main" val="2141829562"/>
       </p:ext>
     </p:extLst>
   </p:cSld>
@@ -4035,15 +4067,15 @@
         </p:nvSpPr>
         <p:spPr>
           <a:xfrm>
-            <a:off x="755810" y="152400"/>
-            <a:ext cx="3539013" cy="533400"/>
+            <a:off x="755810" y="170709"/>
+            <a:ext cx="3539013" cy="597482"/>
           </a:xfrm>
         </p:spPr>
         <p:txBody>
           <a:bodyPr anchor="b"/>
           <a:lstStyle>
             <a:lvl1pPr>
-              <a:defRPr sz="1067"/>
+              <a:defRPr sz="1195"/>
             </a:lvl1pPr>
           </a:lstStyle>
           <a:p>
@@ -4067,8 +4099,8 @@
         </p:nvSpPr>
         <p:spPr>
           <a:xfrm>
-            <a:off x="4664869" y="329142"/>
-            <a:ext cx="5554980" cy="1624542"/>
+            <a:off x="4664869" y="368684"/>
+            <a:ext cx="5554980" cy="1819713"/>
           </a:xfrm>
         </p:spPr>
         <p:txBody>
@@ -4076,39 +4108,39 @@
           <a:lstStyle>
             <a:lvl1pPr marL="0" indent="0">
               <a:buNone/>
-              <a:defRPr sz="1067"/>
+              <a:defRPr sz="1195"/>
             </a:lvl1pPr>
-            <a:lvl2pPr marL="152385" indent="0">
+            <a:lvl2pPr marL="170718" indent="0">
               <a:buNone/>
-              <a:defRPr sz="933"/>
+              <a:defRPr sz="1046"/>
             </a:lvl2pPr>
-            <a:lvl3pPr marL="304770" indent="0">
+            <a:lvl3pPr marL="341437" indent="0">
               <a:buNone/>
-              <a:defRPr sz="800"/>
+              <a:defRPr sz="896"/>
             </a:lvl3pPr>
-            <a:lvl4pPr marL="457154" indent="0">
+            <a:lvl4pPr marL="512155" indent="0">
               <a:buNone/>
-              <a:defRPr sz="667"/>
+              <a:defRPr sz="747"/>
             </a:lvl4pPr>
-            <a:lvl5pPr marL="609539" indent="0">
+            <a:lvl5pPr marL="682874" indent="0">
               <a:buNone/>
-              <a:defRPr sz="667"/>
+              <a:defRPr sz="747"/>
             </a:lvl5pPr>
-            <a:lvl6pPr marL="761924" indent="0">
+            <a:lvl6pPr marL="853592" indent="0">
               <a:buNone/>
-              <a:defRPr sz="667"/>
+              <a:defRPr sz="747"/>
             </a:lvl6pPr>
-            <a:lvl7pPr marL="914309" indent="0">
+            <a:lvl7pPr marL="1024311" indent="0">
               <a:buNone/>
-              <a:defRPr sz="667"/>
+              <a:defRPr sz="747"/>
             </a:lvl7pPr>
-            <a:lvl8pPr marL="1066693" indent="0">
+            <a:lvl8pPr marL="1195029" indent="0">
               <a:buNone/>
-              <a:defRPr sz="667"/>
+              <a:defRPr sz="747"/>
             </a:lvl8pPr>
-            <a:lvl9pPr marL="1219078" indent="0">
+            <a:lvl9pPr marL="1365748" indent="0">
               <a:buNone/>
-              <a:defRPr sz="667"/>
+              <a:defRPr sz="747"/>
             </a:lvl9pPr>
           </a:lstStyle>
           <a:p>
@@ -4132,8 +4164,8 @@
         </p:nvSpPr>
         <p:spPr>
           <a:xfrm>
-            <a:off x="755810" y="685800"/>
-            <a:ext cx="3539013" cy="1270529"/>
+            <a:off x="755810" y="768191"/>
+            <a:ext cx="3539013" cy="1423170"/>
           </a:xfrm>
         </p:spPr>
         <p:txBody>
@@ -4141,39 +4173,39 @@
           <a:lstStyle>
             <a:lvl1pPr marL="0" indent="0">
               <a:buNone/>
-              <a:defRPr sz="533"/>
+              <a:defRPr sz="597"/>
             </a:lvl1pPr>
-            <a:lvl2pPr marL="152385" indent="0">
+            <a:lvl2pPr marL="170718" indent="0">
               <a:buNone/>
-              <a:defRPr sz="467"/>
+              <a:defRPr sz="523"/>
             </a:lvl2pPr>
-            <a:lvl3pPr marL="304770" indent="0">
+            <a:lvl3pPr marL="341437" indent="0">
               <a:buNone/>
-              <a:defRPr sz="400"/>
+              <a:defRPr sz="448"/>
             </a:lvl3pPr>
-            <a:lvl4pPr marL="457154" indent="0">
+            <a:lvl4pPr marL="512155" indent="0">
               <a:buNone/>
-              <a:defRPr sz="333"/>
+              <a:defRPr sz="373"/>
             </a:lvl4pPr>
-            <a:lvl5pPr marL="609539" indent="0">
+            <a:lvl5pPr marL="682874" indent="0">
               <a:buNone/>
-              <a:defRPr sz="333"/>
+              <a:defRPr sz="373"/>
             </a:lvl5pPr>
-            <a:lvl6pPr marL="761924" indent="0">
+            <a:lvl6pPr marL="853592" indent="0">
               <a:buNone/>
-              <a:defRPr sz="333"/>
+              <a:defRPr sz="373"/>
             </a:lvl6pPr>
-            <a:lvl7pPr marL="914309" indent="0">
+            <a:lvl7pPr marL="1024311" indent="0">
               <a:buNone/>
-              <a:defRPr sz="333"/>
+              <a:defRPr sz="373"/>
             </a:lvl7pPr>
-            <a:lvl8pPr marL="1066693" indent="0">
+            <a:lvl8pPr marL="1195029" indent="0">
               <a:buNone/>
-              <a:defRPr sz="333"/>
+              <a:defRPr sz="373"/>
             </a:lvl8pPr>
-            <a:lvl9pPr marL="1219078" indent="0">
+            <a:lvl9pPr marL="1365748" indent="0">
               <a:buNone/>
-              <a:defRPr sz="333"/>
+              <a:defRPr sz="373"/>
             </a:lvl9pPr>
           </a:lstStyle>
           <a:p>
@@ -4202,7 +4234,7 @@
           <a:p>
             <a:fld id="{6E64BD1D-3336-47FF-9B2A-AE464FC3A9D4}" type="datetimeFigureOut">
               <a:rPr lang="en-US" smtClean="0"/>
-              <a:t>2024-09-28</a:t>
+              <a:t>2024-09-29</a:t>
             </a:fld>
             <a:endParaRPr lang="en-US"/>
           </a:p>
@@ -4253,7 +4285,7 @@
     </p:spTree>
     <p:extLst>
       <p:ext uri="{BB962C8B-B14F-4D97-AF65-F5344CB8AC3E}">
-        <p14:creationId xmlns:p14="http://schemas.microsoft.com/office/powerpoint/2010/main" val="3731644627"/>
+        <p14:creationId xmlns:p14="http://schemas.microsoft.com/office/powerpoint/2010/main" val="2891330844"/>
       </p:ext>
     </p:extLst>
   </p:cSld>
@@ -4297,8 +4329,8 @@
         </p:nvSpPr>
         <p:spPr>
           <a:xfrm>
-            <a:off x="754380" y="121709"/>
-            <a:ext cx="9464040" cy="441854"/>
+            <a:off x="754380" y="136331"/>
+            <a:ext cx="9464040" cy="494938"/>
           </a:xfrm>
           <a:prstGeom prst="rect">
             <a:avLst/>
@@ -4330,8 +4362,8 @@
         </p:nvSpPr>
         <p:spPr>
           <a:xfrm>
-            <a:off x="754380" y="608542"/>
-            <a:ext cx="9464040" cy="1450446"/>
+            <a:off x="754380" y="681651"/>
+            <a:ext cx="9464040" cy="1624701"/>
           </a:xfrm>
           <a:prstGeom prst="rect">
             <a:avLst/>
@@ -4392,8 +4424,8 @@
         </p:nvSpPr>
         <p:spPr>
           <a:xfrm>
-            <a:off x="754380" y="2118784"/>
-            <a:ext cx="2468880" cy="121708"/>
+            <a:off x="754380" y="2373332"/>
+            <a:ext cx="2468880" cy="136330"/>
           </a:xfrm>
           <a:prstGeom prst="rect">
             <a:avLst/>
@@ -4403,7 +4435,7 @@
           <a:bodyPr vert="horz" lIns="91440" tIns="45720" rIns="91440" bIns="45720" rtlCol="0" anchor="ctr"/>
           <a:lstStyle>
             <a:lvl1pPr algn="l">
-              <a:defRPr sz="400">
+              <a:defRPr sz="448">
                 <a:solidFill>
                   <a:schemeClr val="tx1">
                     <a:tint val="82000"/>
@@ -4415,7 +4447,7 @@
           <a:p>
             <a:fld id="{6E64BD1D-3336-47FF-9B2A-AE464FC3A9D4}" type="datetimeFigureOut">
               <a:rPr lang="en-US" smtClean="0"/>
-              <a:t>2024-09-28</a:t>
+              <a:t>2024-09-29</a:t>
             </a:fld>
             <a:endParaRPr lang="en-US"/>
           </a:p>
@@ -4433,8 +4465,8 @@
         </p:nvSpPr>
         <p:spPr>
           <a:xfrm>
-            <a:off x="3634740" y="2118784"/>
-            <a:ext cx="3703320" cy="121708"/>
+            <a:off x="3634740" y="2373332"/>
+            <a:ext cx="3703320" cy="136330"/>
           </a:xfrm>
           <a:prstGeom prst="rect">
             <a:avLst/>
@@ -4444,7 +4476,7 @@
           <a:bodyPr vert="horz" lIns="91440" tIns="45720" rIns="91440" bIns="45720" rtlCol="0" anchor="ctr"/>
           <a:lstStyle>
             <a:lvl1pPr algn="ctr">
-              <a:defRPr sz="400">
+              <a:defRPr sz="448">
                 <a:solidFill>
                   <a:schemeClr val="tx1">
                     <a:tint val="82000"/>
@@ -4470,8 +4502,8 @@
         </p:nvSpPr>
         <p:spPr>
           <a:xfrm>
-            <a:off x="7749540" y="2118784"/>
-            <a:ext cx="2468880" cy="121708"/>
+            <a:off x="7749540" y="2373332"/>
+            <a:ext cx="2468880" cy="136330"/>
           </a:xfrm>
           <a:prstGeom prst="rect">
             <a:avLst/>
@@ -4481,7 +4513,7 @@
           <a:bodyPr vert="horz" lIns="91440" tIns="45720" rIns="91440" bIns="45720" rtlCol="0" anchor="ctr"/>
           <a:lstStyle>
             <a:lvl1pPr algn="r">
-              <a:defRPr sz="400">
+              <a:defRPr sz="448">
                 <a:solidFill>
                   <a:schemeClr val="tx1">
                     <a:tint val="82000"/>
@@ -4502,27 +4534,27 @@
     </p:spTree>
     <p:extLst>
       <p:ext uri="{BB962C8B-B14F-4D97-AF65-F5344CB8AC3E}">
-        <p14:creationId xmlns:p14="http://schemas.microsoft.com/office/powerpoint/2010/main" val="2186418027"/>
+        <p14:creationId xmlns:p14="http://schemas.microsoft.com/office/powerpoint/2010/main" val="1823944615"/>
       </p:ext>
     </p:extLst>
   </p:cSld>
   <p:clrMap bg1="lt1" tx1="dk1" bg2="lt2" tx2="dk2" accent1="accent1" accent2="accent2" accent3="accent3" accent4="accent4" accent5="accent5" accent6="accent6" hlink="hlink" folHlink="folHlink"/>
   <p:sldLayoutIdLst>
-    <p:sldLayoutId id="2147483757" r:id="rId1"/>
-    <p:sldLayoutId id="2147483758" r:id="rId2"/>
-    <p:sldLayoutId id="2147483759" r:id="rId3"/>
-    <p:sldLayoutId id="2147483760" r:id="rId4"/>
-    <p:sldLayoutId id="2147483761" r:id="rId5"/>
-    <p:sldLayoutId id="2147483762" r:id="rId6"/>
-    <p:sldLayoutId id="2147483763" r:id="rId7"/>
-    <p:sldLayoutId id="2147483764" r:id="rId8"/>
-    <p:sldLayoutId id="2147483765" r:id="rId9"/>
-    <p:sldLayoutId id="2147483766" r:id="rId10"/>
-    <p:sldLayoutId id="2147483767" r:id="rId11"/>
+    <p:sldLayoutId id="2147483769" r:id="rId1"/>
+    <p:sldLayoutId id="2147483770" r:id="rId2"/>
+    <p:sldLayoutId id="2147483771" r:id="rId3"/>
+    <p:sldLayoutId id="2147483772" r:id="rId4"/>
+    <p:sldLayoutId id="2147483773" r:id="rId5"/>
+    <p:sldLayoutId id="2147483774" r:id="rId6"/>
+    <p:sldLayoutId id="2147483775" r:id="rId7"/>
+    <p:sldLayoutId id="2147483776" r:id="rId8"/>
+    <p:sldLayoutId id="2147483777" r:id="rId9"/>
+    <p:sldLayoutId id="2147483778" r:id="rId10"/>
+    <p:sldLayoutId id="2147483779" r:id="rId11"/>
   </p:sldLayoutIdLst>
   <p:txStyles>
     <p:titleStyle>
-      <a:lvl1pPr algn="l" defTabSz="304770" rtl="0" eaLnBrk="1" latinLnBrk="0" hangingPunct="1">
+      <a:lvl1pPr algn="l" defTabSz="341437" rtl="0" eaLnBrk="1" latinLnBrk="0" hangingPunct="1">
         <a:lnSpc>
           <a:spcPct val="90000"/>
         </a:lnSpc>
@@ -4530,7 +4562,7 @@
           <a:spcPct val="0"/>
         </a:spcBef>
         <a:buNone/>
-        <a:defRPr sz="1467" kern="1200">
+        <a:defRPr sz="1643" kern="1200">
           <a:solidFill>
             <a:schemeClr val="tx1"/>
           </a:solidFill>
@@ -4541,16 +4573,16 @@
       </a:lvl1pPr>
     </p:titleStyle>
     <p:bodyStyle>
-      <a:lvl1pPr marL="76192" indent="-76192" algn="l" defTabSz="304770" rtl="0" eaLnBrk="1" latinLnBrk="0" hangingPunct="1">
+      <a:lvl1pPr marL="85359" indent="-85359" algn="l" defTabSz="341437" rtl="0" eaLnBrk="1" latinLnBrk="0" hangingPunct="1">
         <a:lnSpc>
           <a:spcPct val="90000"/>
         </a:lnSpc>
         <a:spcBef>
-          <a:spcPts val="333"/>
+          <a:spcPts val="373"/>
         </a:spcBef>
         <a:buFont typeface="Arial" panose="020B0604020202020204" pitchFamily="34" charset="0"/>
         <a:buChar char="•"/>
-        <a:defRPr sz="933" kern="1200">
+        <a:defRPr sz="1046" kern="1200">
           <a:solidFill>
             <a:schemeClr val="tx1"/>
           </a:solidFill>
@@ -4559,16 +4591,16 @@
           <a:cs typeface="+mn-cs"/>
         </a:defRPr>
       </a:lvl1pPr>
-      <a:lvl2pPr marL="228577" indent="-76192" algn="l" defTabSz="304770" rtl="0" eaLnBrk="1" latinLnBrk="0" hangingPunct="1">
+      <a:lvl2pPr marL="256078" indent="-85359" algn="l" defTabSz="341437" rtl="0" eaLnBrk="1" latinLnBrk="0" hangingPunct="1">
         <a:lnSpc>
           <a:spcPct val="90000"/>
         </a:lnSpc>
         <a:spcBef>
-          <a:spcPts val="167"/>
+          <a:spcPts val="187"/>
         </a:spcBef>
         <a:buFont typeface="Arial" panose="020B0604020202020204" pitchFamily="34" charset="0"/>
         <a:buChar char="•"/>
-        <a:defRPr sz="800" kern="1200">
+        <a:defRPr sz="896" kern="1200">
           <a:solidFill>
             <a:schemeClr val="tx1"/>
           </a:solidFill>
@@ -4577,16 +4609,16 @@
           <a:cs typeface="+mn-cs"/>
         </a:defRPr>
       </a:lvl2pPr>
-      <a:lvl3pPr marL="380962" indent="-76192" algn="l" defTabSz="304770" rtl="0" eaLnBrk="1" latinLnBrk="0" hangingPunct="1">
+      <a:lvl3pPr marL="426796" indent="-85359" algn="l" defTabSz="341437" rtl="0" eaLnBrk="1" latinLnBrk="0" hangingPunct="1">
         <a:lnSpc>
           <a:spcPct val="90000"/>
         </a:lnSpc>
         <a:spcBef>
-          <a:spcPts val="167"/>
+          <a:spcPts val="187"/>
         </a:spcBef>
         <a:buFont typeface="Arial" panose="020B0604020202020204" pitchFamily="34" charset="0"/>
         <a:buChar char="•"/>
-        <a:defRPr sz="667" kern="1200">
+        <a:defRPr sz="747" kern="1200">
           <a:solidFill>
             <a:schemeClr val="tx1"/>
           </a:solidFill>
@@ -4595,16 +4627,16 @@
           <a:cs typeface="+mn-cs"/>
         </a:defRPr>
       </a:lvl3pPr>
-      <a:lvl4pPr marL="533347" indent="-76192" algn="l" defTabSz="304770" rtl="0" eaLnBrk="1" latinLnBrk="0" hangingPunct="1">
+      <a:lvl4pPr marL="597515" indent="-85359" algn="l" defTabSz="341437" rtl="0" eaLnBrk="1" latinLnBrk="0" hangingPunct="1">
         <a:lnSpc>
           <a:spcPct val="90000"/>
         </a:lnSpc>
         <a:spcBef>
-          <a:spcPts val="167"/>
+          <a:spcPts val="187"/>
         </a:spcBef>
         <a:buFont typeface="Arial" panose="020B0604020202020204" pitchFamily="34" charset="0"/>
         <a:buChar char="•"/>
-        <a:defRPr sz="600" kern="1200">
+        <a:defRPr sz="672" kern="1200">
           <a:solidFill>
             <a:schemeClr val="tx1"/>
           </a:solidFill>
@@ -4613,16 +4645,16 @@
           <a:cs typeface="+mn-cs"/>
         </a:defRPr>
       </a:lvl4pPr>
-      <a:lvl5pPr marL="685731" indent="-76192" algn="l" defTabSz="304770" rtl="0" eaLnBrk="1" latinLnBrk="0" hangingPunct="1">
+      <a:lvl5pPr marL="768233" indent="-85359" algn="l" defTabSz="341437" rtl="0" eaLnBrk="1" latinLnBrk="0" hangingPunct="1">
         <a:lnSpc>
           <a:spcPct val="90000"/>
         </a:lnSpc>
         <a:spcBef>
-          <a:spcPts val="167"/>
+          <a:spcPts val="187"/>
         </a:spcBef>
         <a:buFont typeface="Arial" panose="020B0604020202020204" pitchFamily="34" charset="0"/>
         <a:buChar char="•"/>
-        <a:defRPr sz="600" kern="1200">
+        <a:defRPr sz="672" kern="1200">
           <a:solidFill>
             <a:schemeClr val="tx1"/>
           </a:solidFill>
@@ -4631,16 +4663,16 @@
           <a:cs typeface="+mn-cs"/>
         </a:defRPr>
       </a:lvl5pPr>
-      <a:lvl6pPr marL="838116" indent="-76192" algn="l" defTabSz="304770" rtl="0" eaLnBrk="1" latinLnBrk="0" hangingPunct="1">
+      <a:lvl6pPr marL="938952" indent="-85359" algn="l" defTabSz="341437" rtl="0" eaLnBrk="1" latinLnBrk="0" hangingPunct="1">
         <a:lnSpc>
           <a:spcPct val="90000"/>
         </a:lnSpc>
         <a:spcBef>
-          <a:spcPts val="167"/>
+          <a:spcPts val="187"/>
         </a:spcBef>
         <a:buFont typeface="Arial" panose="020B0604020202020204" pitchFamily="34" charset="0"/>
         <a:buChar char="•"/>
-        <a:defRPr sz="600" kern="1200">
+        <a:defRPr sz="672" kern="1200">
           <a:solidFill>
             <a:schemeClr val="tx1"/>
           </a:solidFill>
@@ -4649,16 +4681,16 @@
           <a:cs typeface="+mn-cs"/>
         </a:defRPr>
       </a:lvl6pPr>
-      <a:lvl7pPr marL="990501" indent="-76192" algn="l" defTabSz="304770" rtl="0" eaLnBrk="1" latinLnBrk="0" hangingPunct="1">
+      <a:lvl7pPr marL="1109670" indent="-85359" algn="l" defTabSz="341437" rtl="0" eaLnBrk="1" latinLnBrk="0" hangingPunct="1">
         <a:lnSpc>
           <a:spcPct val="90000"/>
         </a:lnSpc>
         <a:spcBef>
-          <a:spcPts val="167"/>
+          <a:spcPts val="187"/>
         </a:spcBef>
         <a:buFont typeface="Arial" panose="020B0604020202020204" pitchFamily="34" charset="0"/>
         <a:buChar char="•"/>
-        <a:defRPr sz="600" kern="1200">
+        <a:defRPr sz="672" kern="1200">
           <a:solidFill>
             <a:schemeClr val="tx1"/>
           </a:solidFill>
@@ -4667,16 +4699,16 @@
           <a:cs typeface="+mn-cs"/>
         </a:defRPr>
       </a:lvl7pPr>
-      <a:lvl8pPr marL="1142886" indent="-76192" algn="l" defTabSz="304770" rtl="0" eaLnBrk="1" latinLnBrk="0" hangingPunct="1">
+      <a:lvl8pPr marL="1280389" indent="-85359" algn="l" defTabSz="341437" rtl="0" eaLnBrk="1" latinLnBrk="0" hangingPunct="1">
         <a:lnSpc>
           <a:spcPct val="90000"/>
         </a:lnSpc>
         <a:spcBef>
-          <a:spcPts val="167"/>
+          <a:spcPts val="187"/>
         </a:spcBef>
         <a:buFont typeface="Arial" panose="020B0604020202020204" pitchFamily="34" charset="0"/>
         <a:buChar char="•"/>
-        <a:defRPr sz="600" kern="1200">
+        <a:defRPr sz="672" kern="1200">
           <a:solidFill>
             <a:schemeClr val="tx1"/>
           </a:solidFill>
@@ -4685,16 +4717,16 @@
           <a:cs typeface="+mn-cs"/>
         </a:defRPr>
       </a:lvl8pPr>
-      <a:lvl9pPr marL="1295270" indent="-76192" algn="l" defTabSz="304770" rtl="0" eaLnBrk="1" latinLnBrk="0" hangingPunct="1">
+      <a:lvl9pPr marL="1451107" indent="-85359" algn="l" defTabSz="341437" rtl="0" eaLnBrk="1" latinLnBrk="0" hangingPunct="1">
         <a:lnSpc>
           <a:spcPct val="90000"/>
         </a:lnSpc>
         <a:spcBef>
-          <a:spcPts val="167"/>
+          <a:spcPts val="187"/>
         </a:spcBef>
         <a:buFont typeface="Arial" panose="020B0604020202020204" pitchFamily="34" charset="0"/>
         <a:buChar char="•"/>
-        <a:defRPr sz="600" kern="1200">
+        <a:defRPr sz="672" kern="1200">
           <a:solidFill>
             <a:schemeClr val="tx1"/>
           </a:solidFill>
@@ -4708,8 +4740,8 @@
       <a:defPPr>
         <a:defRPr lang="en-US"/>
       </a:defPPr>
-      <a:lvl1pPr marL="0" algn="l" defTabSz="304770" rtl="0" eaLnBrk="1" latinLnBrk="0" hangingPunct="1">
-        <a:defRPr sz="600" kern="1200">
+      <a:lvl1pPr marL="0" algn="l" defTabSz="341437" rtl="0" eaLnBrk="1" latinLnBrk="0" hangingPunct="1">
+        <a:defRPr sz="672" kern="1200">
           <a:solidFill>
             <a:schemeClr val="tx1"/>
           </a:solidFill>
@@ -4718,8 +4750,8 @@
           <a:cs typeface="+mn-cs"/>
         </a:defRPr>
       </a:lvl1pPr>
-      <a:lvl2pPr marL="152385" algn="l" defTabSz="304770" rtl="0" eaLnBrk="1" latinLnBrk="0" hangingPunct="1">
-        <a:defRPr sz="600" kern="1200">
+      <a:lvl2pPr marL="170718" algn="l" defTabSz="341437" rtl="0" eaLnBrk="1" latinLnBrk="0" hangingPunct="1">
+        <a:defRPr sz="672" kern="1200">
           <a:solidFill>
             <a:schemeClr val="tx1"/>
           </a:solidFill>
@@ -4728,8 +4760,8 @@
           <a:cs typeface="+mn-cs"/>
         </a:defRPr>
       </a:lvl2pPr>
-      <a:lvl3pPr marL="304770" algn="l" defTabSz="304770" rtl="0" eaLnBrk="1" latinLnBrk="0" hangingPunct="1">
-        <a:defRPr sz="600" kern="1200">
+      <a:lvl3pPr marL="341437" algn="l" defTabSz="341437" rtl="0" eaLnBrk="1" latinLnBrk="0" hangingPunct="1">
+        <a:defRPr sz="672" kern="1200">
           <a:solidFill>
             <a:schemeClr val="tx1"/>
           </a:solidFill>
@@ -4738,8 +4770,8 @@
           <a:cs typeface="+mn-cs"/>
         </a:defRPr>
       </a:lvl3pPr>
-      <a:lvl4pPr marL="457154" algn="l" defTabSz="304770" rtl="0" eaLnBrk="1" latinLnBrk="0" hangingPunct="1">
-        <a:defRPr sz="600" kern="1200">
+      <a:lvl4pPr marL="512155" algn="l" defTabSz="341437" rtl="0" eaLnBrk="1" latinLnBrk="0" hangingPunct="1">
+        <a:defRPr sz="672" kern="1200">
           <a:solidFill>
             <a:schemeClr val="tx1"/>
           </a:solidFill>
@@ -4748,8 +4780,8 @@
           <a:cs typeface="+mn-cs"/>
         </a:defRPr>
       </a:lvl4pPr>
-      <a:lvl5pPr marL="609539" algn="l" defTabSz="304770" rtl="0" eaLnBrk="1" latinLnBrk="0" hangingPunct="1">
-        <a:defRPr sz="600" kern="1200">
+      <a:lvl5pPr marL="682874" algn="l" defTabSz="341437" rtl="0" eaLnBrk="1" latinLnBrk="0" hangingPunct="1">
+        <a:defRPr sz="672" kern="1200">
           <a:solidFill>
             <a:schemeClr val="tx1"/>
           </a:solidFill>
@@ -4758,8 +4790,8 @@
           <a:cs typeface="+mn-cs"/>
         </a:defRPr>
       </a:lvl5pPr>
-      <a:lvl6pPr marL="761924" algn="l" defTabSz="304770" rtl="0" eaLnBrk="1" latinLnBrk="0" hangingPunct="1">
-        <a:defRPr sz="600" kern="1200">
+      <a:lvl6pPr marL="853592" algn="l" defTabSz="341437" rtl="0" eaLnBrk="1" latinLnBrk="0" hangingPunct="1">
+        <a:defRPr sz="672" kern="1200">
           <a:solidFill>
             <a:schemeClr val="tx1"/>
           </a:solidFill>
@@ -4768,8 +4800,8 @@
           <a:cs typeface="+mn-cs"/>
         </a:defRPr>
       </a:lvl6pPr>
-      <a:lvl7pPr marL="914309" algn="l" defTabSz="304770" rtl="0" eaLnBrk="1" latinLnBrk="0" hangingPunct="1">
-        <a:defRPr sz="600" kern="1200">
+      <a:lvl7pPr marL="1024311" algn="l" defTabSz="341437" rtl="0" eaLnBrk="1" latinLnBrk="0" hangingPunct="1">
+        <a:defRPr sz="672" kern="1200">
           <a:solidFill>
             <a:schemeClr val="tx1"/>
           </a:solidFill>
@@ -4778,8 +4810,8 @@
           <a:cs typeface="+mn-cs"/>
         </a:defRPr>
       </a:lvl7pPr>
-      <a:lvl8pPr marL="1066693" algn="l" defTabSz="304770" rtl="0" eaLnBrk="1" latinLnBrk="0" hangingPunct="1">
-        <a:defRPr sz="600" kern="1200">
+      <a:lvl8pPr marL="1195029" algn="l" defTabSz="341437" rtl="0" eaLnBrk="1" latinLnBrk="0" hangingPunct="1">
+        <a:defRPr sz="672" kern="1200">
           <a:solidFill>
             <a:schemeClr val="tx1"/>
           </a:solidFill>
@@ -4788,8 +4820,8 @@
           <a:cs typeface="+mn-cs"/>
         </a:defRPr>
       </a:lvl8pPr>
-      <a:lvl9pPr marL="1219078" algn="l" defTabSz="304770" rtl="0" eaLnBrk="1" latinLnBrk="0" hangingPunct="1">
-        <a:defRPr sz="600" kern="1200">
+      <a:lvl9pPr marL="1365748" algn="l" defTabSz="341437" rtl="0" eaLnBrk="1" latinLnBrk="0" hangingPunct="1">
+        <a:defRPr sz="672" kern="1200">
           <a:solidFill>
             <a:schemeClr val="tx1"/>
           </a:solidFill>
@@ -4825,7 +4857,7 @@
           <p:cNvPr id="9" name="Group 8">
             <a:extLst>
               <a:ext uri="{FF2B5EF4-FFF2-40B4-BE49-F238E27FC236}">
-                <a16:creationId xmlns:a16="http://schemas.microsoft.com/office/drawing/2014/main" id="{2FCCC294-BCDC-EA84-27EF-B709F9339E98}"/>
+                <a16:creationId xmlns:a16="http://schemas.microsoft.com/office/drawing/2014/main" id="{FDCAE888-1B85-0FAE-3BDB-173735293673}"/>
               </a:ext>
             </a:extLst>
           </p:cNvPr>
@@ -4834,10 +4866,10 @@
         </p:nvGrpSpPr>
         <p:grpSpPr>
           <a:xfrm>
-            <a:off x="4" y="30307"/>
-            <a:ext cx="11356829" cy="2242320"/>
-            <a:chOff x="4" y="30307"/>
-            <a:chExt cx="11356829" cy="2242320"/>
+            <a:off x="5" y="-6726"/>
+            <a:ext cx="11356829" cy="2551423"/>
+            <a:chOff x="5" y="-141476"/>
+            <a:chExt cx="11356829" cy="2551423"/>
           </a:xfrm>
         </p:grpSpPr>
         <p:grpSp>
@@ -4854,7 +4886,7 @@
           </p:nvGrpSpPr>
           <p:grpSpPr>
             <a:xfrm>
-              <a:off x="4" y="169982"/>
+              <a:off x="5" y="307302"/>
               <a:ext cx="2297101" cy="2021627"/>
               <a:chOff x="824893" y="1278029"/>
               <a:chExt cx="2297101" cy="2021627"/>
@@ -5226,8 +5258,8 @@
               </p:txBody>
             </p:sp>
           </p:grpSp>
-          <mc:AlternateContent xmlns:mc="http://schemas.openxmlformats.org/markup-compatibility/2006" xmlns:a14="http://schemas.microsoft.com/office/drawing/2010/main">
-            <mc:Choice Requires="a14">
+          <mc:AlternateContent xmlns:mc="http://schemas.openxmlformats.org/markup-compatibility/2006">
+            <mc:Choice xmlns:a14="http://schemas.microsoft.com/office/drawing/2010/main" Requires="a14">
               <p:sp>
                 <p:nvSpPr>
                   <p:cNvPr id="19" name="TextBox 18">
@@ -5265,9 +5297,6 @@
                             <a:lumOff val="5000"/>
                           </a:schemeClr>
                         </a:solidFill>
-                        <a:highlight>
-                          <a:srgbClr val="FFFFFF"/>
-                        </a:highlight>
                         <a:latin typeface="Times New Roman" panose="02020603050405020304" pitchFamily="18" charset="0"/>
                         <a:cs typeface="Times New Roman" panose="02020603050405020304" pitchFamily="18" charset="0"/>
                       </a:rPr>
@@ -5293,9 +5322,6 @@
                             <a:lumOff val="5000"/>
                           </a:schemeClr>
                         </a:solidFill>
-                        <a:highlight>
-                          <a:srgbClr val="FFFFFF"/>
-                        </a:highlight>
                         <a:latin typeface="Times New Roman" panose="02020603050405020304" pitchFamily="18" charset="0"/>
                         <a:cs typeface="Times New Roman" panose="02020603050405020304" pitchFamily="18" charset="0"/>
                       </a:rPr>
@@ -5314,9 +5340,6 @@
                                 <a:lumOff val="5000"/>
                               </a:schemeClr>
                             </a:solidFill>
-                            <a:highlight>
-                              <a:srgbClr val="FFFFFF"/>
-                            </a:highlight>
                             <a:latin typeface="Cambria Math" panose="02040503050406030204" pitchFamily="18" charset="0"/>
                             <a:ea typeface="Cambria Math" panose="02040503050406030204" pitchFamily="18" charset="0"/>
                             <a:cs typeface="Times New Roman" panose="02020603050405020304" pitchFamily="18" charset="0"/>
@@ -5339,7 +5362,7 @@
                 </p:txBody>
               </p:sp>
             </mc:Choice>
-            <mc:Fallback xmlns="">
+            <mc:Fallback>
               <p:sp>
                 <p:nvSpPr>
                   <p:cNvPr id="19" name="TextBox 18">
@@ -5365,7 +5388,7 @@
                   <a:blipFill>
                     <a:blip r:embed="rId2"/>
                     <a:stretch>
-                      <a:fillRect l="-1087" t="-4673" b="-13084"/>
+                      <a:fillRect l="-1087" t="-4717" b="-14151"/>
                     </a:stretch>
                   </a:blipFill>
                 </p:spPr>
@@ -5399,7 +5422,7 @@
           </p:nvGrpSpPr>
           <p:grpSpPr>
             <a:xfrm>
-              <a:off x="2676672" y="169984"/>
+              <a:off x="2676672" y="307304"/>
               <a:ext cx="2678836" cy="2102643"/>
               <a:chOff x="4187358" y="1713459"/>
               <a:chExt cx="2678836" cy="2102644"/>
@@ -6887,7 +6910,7 @@
           </p:nvGrpSpPr>
           <p:grpSpPr>
             <a:xfrm>
-              <a:off x="5430867" y="45374"/>
+              <a:off x="5430868" y="182693"/>
               <a:ext cx="2678837" cy="2221830"/>
               <a:chOff x="5430867" y="45374"/>
               <a:chExt cx="2678837" cy="2221830"/>
@@ -9057,7 +9080,7 @@
           </p:nvGrpSpPr>
           <p:grpSpPr>
             <a:xfrm>
-              <a:off x="8677996" y="30307"/>
+              <a:off x="8677997" y="167626"/>
               <a:ext cx="2678837" cy="2216344"/>
               <a:chOff x="9248581" y="1138359"/>
               <a:chExt cx="2678837" cy="2216344"/>
@@ -9774,7 +9797,7 @@
           </p:nvCxnSpPr>
           <p:spPr>
             <a:xfrm>
-              <a:off x="2066187" y="747307"/>
+              <a:off x="2066187" y="884626"/>
               <a:ext cx="992218" cy="0"/>
             </a:xfrm>
             <a:prstGeom prst="straightConnector1">
@@ -9816,7 +9839,7 @@
           </p:nvGrpSpPr>
           <p:grpSpPr>
             <a:xfrm>
-              <a:off x="4924822" y="744860"/>
+              <a:off x="4924822" y="882180"/>
               <a:ext cx="992218" cy="236487"/>
               <a:chOff x="3398807" y="5356459"/>
               <a:chExt cx="1290479" cy="236487"/>
@@ -9922,7 +9945,7 @@
           </p:nvGrpSpPr>
           <p:grpSpPr>
             <a:xfrm>
-              <a:off x="7804544" y="746553"/>
+              <a:off x="7804544" y="883873"/>
               <a:ext cx="992218" cy="236487"/>
               <a:chOff x="3398807" y="5356459"/>
               <a:chExt cx="1290479" cy="236487"/>
@@ -10030,7 +10053,7 @@
               </p:nvSpPr>
               <p:spPr>
                 <a:xfrm>
-                  <a:off x="2360825" y="418211"/>
+                  <a:off x="2360826" y="555530"/>
                   <a:ext cx="393549" cy="314702"/>
                 </a:xfrm>
                 <a:prstGeom prst="rect">
@@ -10122,7 +10145,7 @@
               </p:nvSpPr>
               <p:spPr>
                 <a:xfrm>
-                  <a:off x="2360825" y="418211"/>
+                  <a:off x="2360826" y="555530"/>
                   <a:ext cx="393549" cy="314702"/>
                 </a:xfrm>
                 <a:prstGeom prst="rect">
@@ -10131,7 +10154,7 @@
                 <a:blipFill>
                   <a:blip r:embed="rId6"/>
                   <a:stretch>
-                    <a:fillRect b="-9804"/>
+                    <a:fillRect b="-7692"/>
                   </a:stretch>
                 </a:blipFill>
               </p:spPr>
@@ -10166,7 +10189,7 @@
               </p:nvSpPr>
               <p:spPr>
                 <a:xfrm>
-                  <a:off x="4718712" y="418211"/>
+                  <a:off x="4718713" y="555530"/>
                   <a:ext cx="1428231" cy="314702"/>
                 </a:xfrm>
                 <a:prstGeom prst="rect">
@@ -10190,7 +10213,7 @@
                         <m:sSup>
                           <m:sSupPr>
                             <m:ctrlPr>
-                              <a:rPr lang="en-US" sz="1400" i="1" smtClean="0">
+                              <a:rPr lang="en-US" sz="1400" i="1">
                                 <a:solidFill>
                                   <a:srgbClr val="002060"/>
                                 </a:solidFill>
@@ -10245,7 +10268,7 @@
                           </m:sup>
                         </m:sSup>
                         <m:r>
-                          <a:rPr lang="en-US" sz="1400" i="1" smtClean="0">
+                          <a:rPr lang="en-US" sz="1400" i="1">
                             <a:solidFill>
                               <a:srgbClr val="002060"/>
                             </a:solidFill>
@@ -10258,7 +10281,7 @@
                         <m:sSup>
                           <m:sSupPr>
                             <m:ctrlPr>
-                              <a:rPr lang="en-US" sz="1400" i="1" smtClean="0">
+                              <a:rPr lang="en-US" sz="1400" i="1">
                                 <a:solidFill>
                                   <a:srgbClr val="002060"/>
                                 </a:solidFill>
@@ -10285,7 +10308,7 @@
                             <m:sSub>
                               <m:sSubPr>
                                 <m:ctrlPr>
-                                  <a:rPr lang="en-US" sz="1400" i="1" smtClean="0">
+                                  <a:rPr lang="en-US" sz="1400" i="1">
                                     <a:solidFill>
                                       <a:srgbClr val="002060"/>
                                     </a:solidFill>
@@ -10297,7 +10320,7 @@
                               </m:sSubPr>
                               <m:e>
                                 <m:r>
-                                  <a:rPr lang="en-US" sz="1400" b="0" i="1" smtClean="0">
+                                  <a:rPr lang="en-US" sz="1400" i="1">
                                     <a:solidFill>
                                       <a:srgbClr val="002060"/>
                                     </a:solidFill>
@@ -10310,7 +10333,7 @@
                               </m:e>
                               <m:sub>
                                 <m:r>
-                                  <a:rPr lang="en-US" sz="1400" b="0" i="1" smtClean="0">
+                                  <a:rPr lang="en-US" sz="1400" i="1">
                                     <a:solidFill>
                                       <a:srgbClr val="002060"/>
                                     </a:solidFill>
@@ -10323,7 +10346,7 @@
                               </m:sub>
                             </m:sSub>
                             <m:r>
-                              <a:rPr lang="en-US" sz="1400" b="0" i="1" smtClean="0">
+                              <a:rPr lang="en-US" sz="1400" i="1">
                                 <a:solidFill>
                                   <a:srgbClr val="002060"/>
                                 </a:solidFill>
@@ -10336,7 +10359,7 @@
                             <m:sSub>
                               <m:sSubPr>
                                 <m:ctrlPr>
-                                  <a:rPr lang="en-US" sz="1400" b="0" i="1" smtClean="0">
+                                  <a:rPr lang="en-US" sz="1400" i="1">
                                     <a:solidFill>
                                       <a:srgbClr val="002060"/>
                                     </a:solidFill>
@@ -10348,7 +10371,7 @@
                               </m:sSubPr>
                               <m:e>
                                 <m:r>
-                                  <a:rPr lang="en-US" sz="1400" b="0" i="1" smtClean="0">
+                                  <a:rPr lang="en-US" sz="1400" i="1">
                                     <a:solidFill>
                                       <a:srgbClr val="002060"/>
                                     </a:solidFill>
@@ -10361,7 +10384,7 @@
                               </m:e>
                               <m:sub>
                                 <m:r>
-                                  <a:rPr lang="en-US" sz="1400" b="0" i="1" smtClean="0">
+                                  <a:rPr lang="en-US" sz="1400" i="1">
                                     <a:solidFill>
                                       <a:srgbClr val="002060"/>
                                     </a:solidFill>
@@ -10406,7 +10429,7 @@
               </p:nvSpPr>
               <p:spPr>
                 <a:xfrm>
-                  <a:off x="4718712" y="418211"/>
+                  <a:off x="4718713" y="555530"/>
                   <a:ext cx="1428231" cy="314702"/>
                 </a:xfrm>
                 <a:prstGeom prst="rect">
@@ -10450,7 +10473,7 @@
               </p:nvSpPr>
               <p:spPr>
                 <a:xfrm>
-                  <a:off x="7459013" y="406629"/>
+                  <a:off x="7459014" y="543948"/>
                   <a:ext cx="1660197" cy="314702"/>
                 </a:xfrm>
                 <a:prstGeom prst="rect">
@@ -10529,7 +10552,7 @@
                           </m:sup>
                         </m:sSup>
                         <m:r>
-                          <a:rPr lang="en-US" sz="1400" i="1" smtClean="0">
+                          <a:rPr lang="en-US" sz="1400" i="1">
                             <a:solidFill>
                               <a:srgbClr val="002060"/>
                             </a:solidFill>
@@ -10542,7 +10565,7 @@
                         <m:sSup>
                           <m:sSupPr>
                             <m:ctrlPr>
-                              <a:rPr lang="en-US" sz="1400" i="1" smtClean="0">
+                              <a:rPr lang="en-US" sz="1400" i="1">
                                 <a:solidFill>
                                   <a:srgbClr val="002060"/>
                                 </a:solidFill>
@@ -10609,7 +10632,7 @@
                           </m:sup>
                         </m:sSup>
                         <m:r>
-                          <a:rPr lang="en-US" sz="1400" i="1" smtClean="0">
+                          <a:rPr lang="en-US" sz="1400" i="1">
                             <a:solidFill>
                               <a:srgbClr val="002060"/>
                             </a:solidFill>
@@ -10622,7 +10645,7 @@
                         <m:sSup>
                           <m:sSupPr>
                             <m:ctrlPr>
-                              <a:rPr lang="en-US" sz="1400" i="1" smtClean="0">
+                              <a:rPr lang="en-US" sz="1400" i="1">
                                 <a:solidFill>
                                   <a:srgbClr val="002060"/>
                                 </a:solidFill>
@@ -10719,7 +10742,7 @@
               </p:nvSpPr>
               <p:spPr>
                 <a:xfrm>
-                  <a:off x="7459013" y="406629"/>
+                  <a:off x="7459014" y="543948"/>
                   <a:ext cx="1660197" cy="314702"/>
                 </a:xfrm>
                 <a:prstGeom prst="rect">
@@ -10747,6 +10770,209 @@
             </p:sp>
           </mc:Fallback>
         </mc:AlternateContent>
+        <p:grpSp>
+          <p:nvGrpSpPr>
+            <p:cNvPr id="4" name="Group 3">
+              <a:extLst>
+                <a:ext uri="{FF2B5EF4-FFF2-40B4-BE49-F238E27FC236}">
+                  <a16:creationId xmlns:a16="http://schemas.microsoft.com/office/drawing/2014/main" id="{9ED2EBF4-A6DA-0944-431E-565D0E24A08E}"/>
+                </a:ext>
+              </a:extLst>
+            </p:cNvPr>
+            <p:cNvGrpSpPr/>
+            <p:nvPr/>
+          </p:nvGrpSpPr>
+          <p:grpSpPr>
+            <a:xfrm>
+              <a:off x="2084933" y="-141476"/>
+              <a:ext cx="3781522" cy="858450"/>
+              <a:chOff x="2084933" y="-278795"/>
+              <a:chExt cx="3781522" cy="858450"/>
+            </a:xfrm>
+          </p:grpSpPr>
+          <p:cxnSp>
+            <p:nvCxnSpPr>
+              <p:cNvPr id="2" name="Connector: Elbow 1">
+                <a:extLst>
+                  <a:ext uri="{FF2B5EF4-FFF2-40B4-BE49-F238E27FC236}">
+                    <a16:creationId xmlns:a16="http://schemas.microsoft.com/office/drawing/2014/main" id="{A83C2E54-2AAE-81BE-FBD9-9B2F4DDF7EC3}"/>
+                  </a:ext>
+                </a:extLst>
+              </p:cNvPr>
+              <p:cNvCxnSpPr>
+                <a:cxnSpLocks/>
+              </p:cNvCxnSpPr>
+              <p:nvPr/>
+            </p:nvCxnSpPr>
+            <p:spPr>
+              <a:xfrm rot="5400000" flipH="1" flipV="1">
+                <a:off x="3916281" y="-1370519"/>
+                <a:ext cx="118826" cy="3781522"/>
+              </a:xfrm>
+              <a:prstGeom prst="bentConnector3">
+                <a:avLst>
+                  <a:gd name="adj1" fmla="val 436669"/>
+                </a:avLst>
+              </a:prstGeom>
+              <a:ln w="28575">
+                <a:solidFill>
+                  <a:srgbClr val="002060"/>
+                </a:solidFill>
+                <a:tailEnd type="triangle"/>
+              </a:ln>
+            </p:spPr>
+            <p:style>
+              <a:lnRef idx="2">
+                <a:schemeClr val="accent1"/>
+              </a:lnRef>
+              <a:fillRef idx="0">
+                <a:schemeClr val="accent1"/>
+              </a:fillRef>
+              <a:effectRef idx="1">
+                <a:schemeClr val="accent1"/>
+              </a:effectRef>
+              <a:fontRef idx="minor">
+                <a:schemeClr val="tx1"/>
+              </a:fontRef>
+            </p:style>
+          </p:cxnSp>
+          <mc:AlternateContent xmlns:mc="http://schemas.openxmlformats.org/markup-compatibility/2006">
+            <mc:Choice xmlns:a14="http://schemas.microsoft.com/office/drawing/2010/main" Requires="a14">
+              <p:sp>
+                <p:nvSpPr>
+                  <p:cNvPr id="3" name="TextBox 2">
+                    <a:extLst>
+                      <a:ext uri="{FF2B5EF4-FFF2-40B4-BE49-F238E27FC236}">
+                        <a16:creationId xmlns:a16="http://schemas.microsoft.com/office/drawing/2014/main" id="{62DB3517-4D44-2E23-28D8-52C88632A39C}"/>
+                      </a:ext>
+                    </a:extLst>
+                  </p:cNvPr>
+                  <p:cNvSpPr txBox="1"/>
+                  <p:nvPr/>
+                </p:nvSpPr>
+                <p:spPr>
+                  <a:xfrm>
+                    <a:off x="3819315" y="-278795"/>
+                    <a:ext cx="393549" cy="314702"/>
+                  </a:xfrm>
+                  <a:prstGeom prst="rect">
+                    <a:avLst/>
+                  </a:prstGeom>
+                  <a:noFill/>
+                </p:spPr>
+                <p:txBody>
+                  <a:bodyPr wrap="square">
+                    <a:spAutoFit/>
+                  </a:bodyPr>
+                  <a:lstStyle/>
+                  <a:p>
+                    <a:pPr algn="ctr"/>
+                    <a14:m>
+                      <m:oMathPara xmlns:m="http://schemas.openxmlformats.org/officeDocument/2006/math">
+                        <m:oMathParaPr>
+                          <m:jc m:val="center"/>
+                        </m:oMathParaPr>
+                        <m:oMath xmlns:m="http://schemas.openxmlformats.org/officeDocument/2006/math">
+                          <m:sSup>
+                            <m:sSupPr>
+                              <m:ctrlPr>
+                                <a:rPr lang="en-US" sz="1400" i="1">
+                                  <a:solidFill>
+                                    <a:srgbClr val="002060"/>
+                                  </a:solidFill>
+                                  <a:latin typeface="Cambria Math" panose="02040503050406030204" pitchFamily="18" charset="0"/>
+                                  <a:ea typeface="Cambria Math" panose="02040503050406030204" pitchFamily="18" charset="0"/>
+                                  <a:cs typeface="Times New Roman" panose="02020603050405020304" pitchFamily="18" charset="0"/>
+                                </a:rPr>
+                              </m:ctrlPr>
+                            </m:sSupPr>
+                            <m:e>
+                              <m:r>
+                                <a:rPr lang="en-US" sz="1400" b="1" i="1">
+                                  <a:solidFill>
+                                    <a:srgbClr val="002060"/>
+                                  </a:solidFill>
+                                  <a:latin typeface="Cambria Math" panose="02040503050406030204" pitchFamily="18" charset="0"/>
+                                  <a:ea typeface="Cambria Math" panose="02040503050406030204" pitchFamily="18" charset="0"/>
+                                  <a:cs typeface="Times New Roman" panose="02020603050405020304" pitchFamily="18" charset="0"/>
+                                </a:rPr>
+                                <m:t>𝝃</m:t>
+                              </m:r>
+                            </m:e>
+                            <m:sup>
+                              <m:r>
+                                <a:rPr lang="en-US" sz="1400" i="1">
+                                  <a:solidFill>
+                                    <a:srgbClr val="002060"/>
+                                  </a:solidFill>
+                                  <a:latin typeface="Cambria Math" panose="02040503050406030204" pitchFamily="18" charset="0"/>
+                                  <a:ea typeface="Cambria Math" panose="02040503050406030204" pitchFamily="18" charset="0"/>
+                                  <a:cs typeface="Times New Roman" panose="02020603050405020304" pitchFamily="18" charset="0"/>
+                                </a:rPr>
+                                <m:t>𝑖</m:t>
+                              </m:r>
+                            </m:sup>
+                          </m:sSup>
+                        </m:oMath>
+                      </m:oMathPara>
+                    </a14:m>
+                    <a:endParaRPr lang="en-US" sz="1400" b="1" dirty="0">
+                      <a:solidFill>
+                        <a:srgbClr val="002060"/>
+                      </a:solidFill>
+                      <a:latin typeface="Times New Roman" panose="02020603050405020304" pitchFamily="18" charset="0"/>
+                      <a:cs typeface="Times New Roman" panose="02020603050405020304" pitchFamily="18" charset="0"/>
+                    </a:endParaRPr>
+                  </a:p>
+                </p:txBody>
+              </p:sp>
+            </mc:Choice>
+            <mc:Fallback>
+              <p:sp>
+                <p:nvSpPr>
+                  <p:cNvPr id="3" name="TextBox 2">
+                    <a:extLst>
+                      <a:ext uri="{FF2B5EF4-FFF2-40B4-BE49-F238E27FC236}">
+                        <a16:creationId xmlns:a16="http://schemas.microsoft.com/office/drawing/2014/main" id="{62DB3517-4D44-2E23-28D8-52C88632A39C}"/>
+                      </a:ext>
+                    </a:extLst>
+                  </p:cNvPr>
+                  <p:cNvSpPr txBox="1">
+                    <a:spLocks noRot="1" noChangeAspect="1" noMove="1" noResize="1" noEditPoints="1" noAdjustHandles="1" noChangeArrowheads="1" noChangeShapeType="1" noTextEdit="1"/>
+                  </p:cNvSpPr>
+                  <p:nvPr/>
+                </p:nvSpPr>
+                <p:spPr>
+                  <a:xfrm>
+                    <a:off x="3819315" y="-278795"/>
+                    <a:ext cx="393549" cy="314702"/>
+                  </a:xfrm>
+                  <a:prstGeom prst="rect">
+                    <a:avLst/>
+                  </a:prstGeom>
+                  <a:blipFill>
+                    <a:blip r:embed="rId9"/>
+                    <a:stretch>
+                      <a:fillRect b="-7692"/>
+                    </a:stretch>
+                  </a:blipFill>
+                </p:spPr>
+                <p:txBody>
+                  <a:bodyPr/>
+                  <a:lstStyle/>
+                  <a:p>
+                    <a:r>
+                      <a:rPr lang="en-US">
+                        <a:noFill/>
+                      </a:rPr>
+                      <a:t> </a:t>
+                    </a:r>
+                  </a:p>
+                </p:txBody>
+              </p:sp>
+            </mc:Fallback>
+          </mc:AlternateContent>
+        </p:grpSp>
       </p:grpSp>
     </p:spTree>
     <p:extLst>

--- a/img/pipeline.pptx
+++ b/img/pipeline.pptx
@@ -6,6 +6,7 @@
   </p:sldMasterIdLst>
   <p:sldIdLst>
     <p:sldId id="256" r:id="rId2"/>
+    <p:sldId id="257" r:id="rId3"/>
   </p:sldIdLst>
   <p:sldSz cx="10972800" cy="2560638"/>
   <p:notesSz cx="6858000" cy="9144000"/>
@@ -115,7 +116,7 @@
 <file path=ppt/revisionInfo.xml><?xml version="1.0" encoding="utf-8"?>
 <p1510:revInfo xmlns:a="http://schemas.openxmlformats.org/drawingml/2006/main" xmlns:r="http://schemas.openxmlformats.org/officeDocument/2006/relationships" xmlns:p1510="http://schemas.microsoft.com/office/powerpoint/2015/10/main">
   <p1510:revLst>
-    <p1510:client id="{0CC41EC3-D5AE-4A4E-BCBF-91A1A4A8A767}" v="172" dt="2024-09-29T22:10:40.437"/>
+    <p1510:client id="{0CC41EC3-D5AE-4A4E-BCBF-91A1A4A8A767}" v="173" dt="2024-10-01T05:28:18.178"/>
   </p1510:revLst>
 </p1510:revInfo>
 </file>
@@ -916,8 +917,8 @@
   </pc:docChgLst>
   <pc:docChgLst>
     <pc:chgData name="Bo Tang" userId="332dbdf67b1791cd" providerId="LiveId" clId="{0CC41EC3-D5AE-4A4E-BCBF-91A1A4A8A767}"/>
-    <pc:docChg chg="undo custSel modSld modMainMaster">
-      <pc:chgData name="Bo Tang" userId="332dbdf67b1791cd" providerId="LiveId" clId="{0CC41EC3-D5AE-4A4E-BCBF-91A1A4A8A767}" dt="2024-09-29T22:10:45.588" v="278" actId="1036"/>
+    <pc:docChg chg="undo custSel addSld modSld modMainMaster">
+      <pc:chgData name="Bo Tang" userId="332dbdf67b1791cd" providerId="LiveId" clId="{0CC41EC3-D5AE-4A4E-BCBF-91A1A4A8A767}" dt="2024-10-01T05:28:18.177" v="280" actId="165"/>
       <pc:docMkLst>
         <pc:docMk/>
       </pc:docMkLst>
@@ -1708,6 +1709,757 @@
           <ac:cxnSpMkLst>
             <pc:docMk/>
             <pc:sldMk cId="3536482602" sldId="256"/>
+            <ac:cxnSpMk id="1126" creationId="{D59FFF34-10F7-6C4A-2F6F-C95EC37B5B47}"/>
+          </ac:cxnSpMkLst>
+        </pc:cxnChg>
+      </pc:sldChg>
+      <pc:sldChg chg="delSp modSp add">
+        <pc:chgData name="Bo Tang" userId="332dbdf67b1791cd" providerId="LiveId" clId="{0CC41EC3-D5AE-4A4E-BCBF-91A1A4A8A767}" dt="2024-10-01T05:28:18.177" v="280" actId="165"/>
+        <pc:sldMkLst>
+          <pc:docMk/>
+          <pc:sldMk cId="3802764899" sldId="257"/>
+        </pc:sldMkLst>
+        <pc:spChg chg="mod">
+          <ac:chgData name="Bo Tang" userId="332dbdf67b1791cd" providerId="LiveId" clId="{0CC41EC3-D5AE-4A4E-BCBF-91A1A4A8A767}" dt="2024-10-01T05:28:18.177" v="280" actId="165"/>
+          <ac:spMkLst>
+            <pc:docMk/>
+            <pc:sldMk cId="3802764899" sldId="257"/>
+            <ac:spMk id="3" creationId="{62DB3517-4D44-2E23-28D8-52C88632A39C}"/>
+          </ac:spMkLst>
+        </pc:spChg>
+        <pc:spChg chg="mod">
+          <ac:chgData name="Bo Tang" userId="332dbdf67b1791cd" providerId="LiveId" clId="{0CC41EC3-D5AE-4A4E-BCBF-91A1A4A8A767}" dt="2024-10-01T05:28:18.177" v="280" actId="165"/>
+          <ac:spMkLst>
+            <pc:docMk/>
+            <pc:sldMk cId="3802764899" sldId="257"/>
+            <ac:spMk id="6" creationId="{D39C60D4-4CEA-E3F8-2D2F-E3DE4E0B0C4A}"/>
+          </ac:spMkLst>
+        </pc:spChg>
+        <pc:spChg chg="mod">
+          <ac:chgData name="Bo Tang" userId="332dbdf67b1791cd" providerId="LiveId" clId="{0CC41EC3-D5AE-4A4E-BCBF-91A1A4A8A767}" dt="2024-10-01T05:28:18.177" v="280" actId="165"/>
+          <ac:spMkLst>
+            <pc:docMk/>
+            <pc:sldMk cId="3802764899" sldId="257"/>
+            <ac:spMk id="11" creationId="{E56EB9DD-4005-F5B8-03FF-5FCC55C6DB7A}"/>
+          </ac:spMkLst>
+        </pc:spChg>
+        <pc:spChg chg="mod">
+          <ac:chgData name="Bo Tang" userId="332dbdf67b1791cd" providerId="LiveId" clId="{0CC41EC3-D5AE-4A4E-BCBF-91A1A4A8A767}" dt="2024-10-01T05:28:18.177" v="280" actId="165"/>
+          <ac:spMkLst>
+            <pc:docMk/>
+            <pc:sldMk cId="3802764899" sldId="257"/>
+            <ac:spMk id="12" creationId="{2AF4E074-F092-3ADD-ED2F-96952E45224F}"/>
+          </ac:spMkLst>
+        </pc:spChg>
+        <pc:spChg chg="mod">
+          <ac:chgData name="Bo Tang" userId="332dbdf67b1791cd" providerId="LiveId" clId="{0CC41EC3-D5AE-4A4E-BCBF-91A1A4A8A767}" dt="2024-10-01T05:28:18.177" v="280" actId="165"/>
+          <ac:spMkLst>
+            <pc:docMk/>
+            <pc:sldMk cId="3802764899" sldId="257"/>
+            <ac:spMk id="13" creationId="{13CD2760-9F31-C9F0-AEDD-E982673EEC96}"/>
+          </ac:spMkLst>
+        </pc:spChg>
+        <pc:spChg chg="mod">
+          <ac:chgData name="Bo Tang" userId="332dbdf67b1791cd" providerId="LiveId" clId="{0CC41EC3-D5AE-4A4E-BCBF-91A1A4A8A767}" dt="2024-10-01T05:28:18.177" v="280" actId="165"/>
+          <ac:spMkLst>
+            <pc:docMk/>
+            <pc:sldMk cId="3802764899" sldId="257"/>
+            <ac:spMk id="15" creationId="{DD3F59D2-18CD-3FDA-A0DC-F7BE3C511DFF}"/>
+          </ac:spMkLst>
+        </pc:spChg>
+        <pc:spChg chg="mod">
+          <ac:chgData name="Bo Tang" userId="332dbdf67b1791cd" providerId="LiveId" clId="{0CC41EC3-D5AE-4A4E-BCBF-91A1A4A8A767}" dt="2024-10-01T05:28:18.177" v="280" actId="165"/>
+          <ac:spMkLst>
+            <pc:docMk/>
+            <pc:sldMk cId="3802764899" sldId="257"/>
+            <ac:spMk id="16" creationId="{AA11FC38-66D2-8998-E22E-6FCCBB842E17}"/>
+          </ac:spMkLst>
+        </pc:spChg>
+        <pc:spChg chg="mod">
+          <ac:chgData name="Bo Tang" userId="332dbdf67b1791cd" providerId="LiveId" clId="{0CC41EC3-D5AE-4A4E-BCBF-91A1A4A8A767}" dt="2024-10-01T05:28:18.177" v="280" actId="165"/>
+          <ac:spMkLst>
+            <pc:docMk/>
+            <pc:sldMk cId="3802764899" sldId="257"/>
+            <ac:spMk id="19" creationId="{256C351D-1730-2B39-8FF8-9E09EA66E0C7}"/>
+          </ac:spMkLst>
+        </pc:spChg>
+        <pc:spChg chg="mod">
+          <ac:chgData name="Bo Tang" userId="332dbdf67b1791cd" providerId="LiveId" clId="{0CC41EC3-D5AE-4A4E-BCBF-91A1A4A8A767}" dt="2024-10-01T05:28:18.177" v="280" actId="165"/>
+          <ac:spMkLst>
+            <pc:docMk/>
+            <pc:sldMk cId="3802764899" sldId="257"/>
+            <ac:spMk id="21" creationId="{C4C2F0BE-53B3-C550-2D11-AD3CE5320912}"/>
+          </ac:spMkLst>
+        </pc:spChg>
+        <pc:spChg chg="mod">
+          <ac:chgData name="Bo Tang" userId="332dbdf67b1791cd" providerId="LiveId" clId="{0CC41EC3-D5AE-4A4E-BCBF-91A1A4A8A767}" dt="2024-10-01T05:28:18.177" v="280" actId="165"/>
+          <ac:spMkLst>
+            <pc:docMk/>
+            <pc:sldMk cId="3802764899" sldId="257"/>
+            <ac:spMk id="22" creationId="{3B67587E-08C6-28FA-480A-B442CE54CC50}"/>
+          </ac:spMkLst>
+        </pc:spChg>
+        <pc:spChg chg="mod">
+          <ac:chgData name="Bo Tang" userId="332dbdf67b1791cd" providerId="LiveId" clId="{0CC41EC3-D5AE-4A4E-BCBF-91A1A4A8A767}" dt="2024-10-01T05:28:18.177" v="280" actId="165"/>
+          <ac:spMkLst>
+            <pc:docMk/>
+            <pc:sldMk cId="3802764899" sldId="257"/>
+            <ac:spMk id="24" creationId="{C7FD386B-6AD1-8F38-7B06-C7D954C63A6C}"/>
+          </ac:spMkLst>
+        </pc:spChg>
+        <pc:spChg chg="mod">
+          <ac:chgData name="Bo Tang" userId="332dbdf67b1791cd" providerId="LiveId" clId="{0CC41EC3-D5AE-4A4E-BCBF-91A1A4A8A767}" dt="2024-10-01T05:28:18.177" v="280" actId="165"/>
+          <ac:spMkLst>
+            <pc:docMk/>
+            <pc:sldMk cId="3802764899" sldId="257"/>
+            <ac:spMk id="25" creationId="{B4BEC158-E1DC-AAD8-5E02-84563742F361}"/>
+          </ac:spMkLst>
+        </pc:spChg>
+        <pc:spChg chg="mod">
+          <ac:chgData name="Bo Tang" userId="332dbdf67b1791cd" providerId="LiveId" clId="{0CC41EC3-D5AE-4A4E-BCBF-91A1A4A8A767}" dt="2024-10-01T05:28:18.177" v="280" actId="165"/>
+          <ac:spMkLst>
+            <pc:docMk/>
+            <pc:sldMk cId="3802764899" sldId="257"/>
+            <ac:spMk id="26" creationId="{826DAAF2-EF65-DFCE-1092-D723C88654BF}"/>
+          </ac:spMkLst>
+        </pc:spChg>
+        <pc:spChg chg="mod">
+          <ac:chgData name="Bo Tang" userId="332dbdf67b1791cd" providerId="LiveId" clId="{0CC41EC3-D5AE-4A4E-BCBF-91A1A4A8A767}" dt="2024-10-01T05:28:18.177" v="280" actId="165"/>
+          <ac:spMkLst>
+            <pc:docMk/>
+            <pc:sldMk cId="3802764899" sldId="257"/>
+            <ac:spMk id="27" creationId="{7704CFDA-DF5C-E1AF-9304-95B3491E68C0}"/>
+          </ac:spMkLst>
+        </pc:spChg>
+        <pc:spChg chg="mod">
+          <ac:chgData name="Bo Tang" userId="332dbdf67b1791cd" providerId="LiveId" clId="{0CC41EC3-D5AE-4A4E-BCBF-91A1A4A8A767}" dt="2024-10-01T05:28:18.177" v="280" actId="165"/>
+          <ac:spMkLst>
+            <pc:docMk/>
+            <pc:sldMk cId="3802764899" sldId="257"/>
+            <ac:spMk id="28" creationId="{D24F1345-1315-2E0B-C106-A26D46D46715}"/>
+          </ac:spMkLst>
+        </pc:spChg>
+        <pc:spChg chg="mod">
+          <ac:chgData name="Bo Tang" userId="332dbdf67b1791cd" providerId="LiveId" clId="{0CC41EC3-D5AE-4A4E-BCBF-91A1A4A8A767}" dt="2024-10-01T05:28:18.177" v="280" actId="165"/>
+          <ac:spMkLst>
+            <pc:docMk/>
+            <pc:sldMk cId="3802764899" sldId="257"/>
+            <ac:spMk id="29" creationId="{F4E6CAB9-408A-4A14-85FD-BED65FCD33DA}"/>
+          </ac:spMkLst>
+        </pc:spChg>
+        <pc:spChg chg="mod">
+          <ac:chgData name="Bo Tang" userId="332dbdf67b1791cd" providerId="LiveId" clId="{0CC41EC3-D5AE-4A4E-BCBF-91A1A4A8A767}" dt="2024-10-01T05:28:18.177" v="280" actId="165"/>
+          <ac:spMkLst>
+            <pc:docMk/>
+            <pc:sldMk cId="3802764899" sldId="257"/>
+            <ac:spMk id="30" creationId="{5534F930-E576-5B3F-ACE7-857069CC257A}"/>
+          </ac:spMkLst>
+        </pc:spChg>
+        <pc:spChg chg="mod">
+          <ac:chgData name="Bo Tang" userId="332dbdf67b1791cd" providerId="LiveId" clId="{0CC41EC3-D5AE-4A4E-BCBF-91A1A4A8A767}" dt="2024-10-01T05:28:18.177" v="280" actId="165"/>
+          <ac:spMkLst>
+            <pc:docMk/>
+            <pc:sldMk cId="3802764899" sldId="257"/>
+            <ac:spMk id="31" creationId="{CA3CD416-611F-3C97-2E3F-3FB806AEB405}"/>
+          </ac:spMkLst>
+        </pc:spChg>
+        <pc:spChg chg="mod">
+          <ac:chgData name="Bo Tang" userId="332dbdf67b1791cd" providerId="LiveId" clId="{0CC41EC3-D5AE-4A4E-BCBF-91A1A4A8A767}" dt="2024-10-01T05:28:18.177" v="280" actId="165"/>
+          <ac:spMkLst>
+            <pc:docMk/>
+            <pc:sldMk cId="3802764899" sldId="257"/>
+            <ac:spMk id="47" creationId="{710BD693-E7F2-A9DB-F795-543C980530BB}"/>
+          </ac:spMkLst>
+        </pc:spChg>
+        <pc:spChg chg="mod">
+          <ac:chgData name="Bo Tang" userId="332dbdf67b1791cd" providerId="LiveId" clId="{0CC41EC3-D5AE-4A4E-BCBF-91A1A4A8A767}" dt="2024-10-01T05:28:18.177" v="280" actId="165"/>
+          <ac:spMkLst>
+            <pc:docMk/>
+            <pc:sldMk cId="3802764899" sldId="257"/>
+            <ac:spMk id="54" creationId="{5CB2CB96-701F-87A9-D134-F02FF1F9DBBD}"/>
+          </ac:spMkLst>
+        </pc:spChg>
+        <pc:spChg chg="mod">
+          <ac:chgData name="Bo Tang" userId="332dbdf67b1791cd" providerId="LiveId" clId="{0CC41EC3-D5AE-4A4E-BCBF-91A1A4A8A767}" dt="2024-10-01T05:28:18.177" v="280" actId="165"/>
+          <ac:spMkLst>
+            <pc:docMk/>
+            <pc:sldMk cId="3802764899" sldId="257"/>
+            <ac:spMk id="55" creationId="{2FC037A6-9EDB-9CFE-3DDF-1C784287813B}"/>
+          </ac:spMkLst>
+        </pc:spChg>
+        <pc:spChg chg="mod">
+          <ac:chgData name="Bo Tang" userId="332dbdf67b1791cd" providerId="LiveId" clId="{0CC41EC3-D5AE-4A4E-BCBF-91A1A4A8A767}" dt="2024-10-01T05:28:18.177" v="280" actId="165"/>
+          <ac:spMkLst>
+            <pc:docMk/>
+            <pc:sldMk cId="3802764899" sldId="257"/>
+            <ac:spMk id="56" creationId="{EE81D438-C391-291B-C55C-166ADFFF38B3}"/>
+          </ac:spMkLst>
+        </pc:spChg>
+        <pc:spChg chg="mod">
+          <ac:chgData name="Bo Tang" userId="332dbdf67b1791cd" providerId="LiveId" clId="{0CC41EC3-D5AE-4A4E-BCBF-91A1A4A8A767}" dt="2024-10-01T05:28:18.177" v="280" actId="165"/>
+          <ac:spMkLst>
+            <pc:docMk/>
+            <pc:sldMk cId="3802764899" sldId="257"/>
+            <ac:spMk id="57" creationId="{9BE63822-A03A-7386-34D4-22FB763FCE99}"/>
+          </ac:spMkLst>
+        </pc:spChg>
+        <pc:spChg chg="mod">
+          <ac:chgData name="Bo Tang" userId="332dbdf67b1791cd" providerId="LiveId" clId="{0CC41EC3-D5AE-4A4E-BCBF-91A1A4A8A767}" dt="2024-10-01T05:28:18.177" v="280" actId="165"/>
+          <ac:spMkLst>
+            <pc:docMk/>
+            <pc:sldMk cId="3802764899" sldId="257"/>
+            <ac:spMk id="58" creationId="{BF697BA2-B88C-B815-C0AF-08F3B8730B32}"/>
+          </ac:spMkLst>
+        </pc:spChg>
+        <pc:spChg chg="mod">
+          <ac:chgData name="Bo Tang" userId="332dbdf67b1791cd" providerId="LiveId" clId="{0CC41EC3-D5AE-4A4E-BCBF-91A1A4A8A767}" dt="2024-10-01T05:28:18.177" v="280" actId="165"/>
+          <ac:spMkLst>
+            <pc:docMk/>
+            <pc:sldMk cId="3802764899" sldId="257"/>
+            <ac:spMk id="60" creationId="{E0ABBE45-76C3-6CDC-C971-46CC25508ACB}"/>
+          </ac:spMkLst>
+        </pc:spChg>
+        <pc:spChg chg="mod">
+          <ac:chgData name="Bo Tang" userId="332dbdf67b1791cd" providerId="LiveId" clId="{0CC41EC3-D5AE-4A4E-BCBF-91A1A4A8A767}" dt="2024-10-01T05:28:18.177" v="280" actId="165"/>
+          <ac:spMkLst>
+            <pc:docMk/>
+            <pc:sldMk cId="3802764899" sldId="257"/>
+            <ac:spMk id="61" creationId="{633D9BCB-809C-1047-73E3-F7C19DF88BCF}"/>
+          </ac:spMkLst>
+        </pc:spChg>
+        <pc:spChg chg="mod">
+          <ac:chgData name="Bo Tang" userId="332dbdf67b1791cd" providerId="LiveId" clId="{0CC41EC3-D5AE-4A4E-BCBF-91A1A4A8A767}" dt="2024-10-01T05:28:18.177" v="280" actId="165"/>
+          <ac:spMkLst>
+            <pc:docMk/>
+            <pc:sldMk cId="3802764899" sldId="257"/>
+            <ac:spMk id="62" creationId="{5AAE94B9-CA88-B7C8-058B-55774C42D37E}"/>
+          </ac:spMkLst>
+        </pc:spChg>
+        <pc:spChg chg="mod">
+          <ac:chgData name="Bo Tang" userId="332dbdf67b1791cd" providerId="LiveId" clId="{0CC41EC3-D5AE-4A4E-BCBF-91A1A4A8A767}" dt="2024-10-01T05:28:18.177" v="280" actId="165"/>
+          <ac:spMkLst>
+            <pc:docMk/>
+            <pc:sldMk cId="3802764899" sldId="257"/>
+            <ac:spMk id="63" creationId="{5C196167-17CC-9EA5-C2FE-78038460B0AC}"/>
+          </ac:spMkLst>
+        </pc:spChg>
+        <pc:spChg chg="mod">
+          <ac:chgData name="Bo Tang" userId="332dbdf67b1791cd" providerId="LiveId" clId="{0CC41EC3-D5AE-4A4E-BCBF-91A1A4A8A767}" dt="2024-10-01T05:28:18.177" v="280" actId="165"/>
+          <ac:spMkLst>
+            <pc:docMk/>
+            <pc:sldMk cId="3802764899" sldId="257"/>
+            <ac:spMk id="1024" creationId="{E3664C8C-965F-6786-5D52-ACED3E0595EB}"/>
+          </ac:spMkLst>
+        </pc:spChg>
+        <pc:spChg chg="mod">
+          <ac:chgData name="Bo Tang" userId="332dbdf67b1791cd" providerId="LiveId" clId="{0CC41EC3-D5AE-4A4E-BCBF-91A1A4A8A767}" dt="2024-10-01T05:28:18.177" v="280" actId="165"/>
+          <ac:spMkLst>
+            <pc:docMk/>
+            <pc:sldMk cId="3802764899" sldId="257"/>
+            <ac:spMk id="1025" creationId="{0CF62DC9-52E9-C8D7-4212-45CD72943DB7}"/>
+          </ac:spMkLst>
+        </pc:spChg>
+        <pc:spChg chg="mod">
+          <ac:chgData name="Bo Tang" userId="332dbdf67b1791cd" providerId="LiveId" clId="{0CC41EC3-D5AE-4A4E-BCBF-91A1A4A8A767}" dt="2024-10-01T05:28:18.177" v="280" actId="165"/>
+          <ac:spMkLst>
+            <pc:docMk/>
+            <pc:sldMk cId="3802764899" sldId="257"/>
+            <ac:spMk id="1027" creationId="{C53655D0-34FC-A425-A1CD-47CD3A967521}"/>
+          </ac:spMkLst>
+        </pc:spChg>
+        <pc:spChg chg="mod">
+          <ac:chgData name="Bo Tang" userId="332dbdf67b1791cd" providerId="LiveId" clId="{0CC41EC3-D5AE-4A4E-BCBF-91A1A4A8A767}" dt="2024-10-01T05:28:18.177" v="280" actId="165"/>
+          <ac:spMkLst>
+            <pc:docMk/>
+            <pc:sldMk cId="3802764899" sldId="257"/>
+            <ac:spMk id="1028" creationId="{000042D4-99C0-C94A-859F-D782D3C17AB9}"/>
+          </ac:spMkLst>
+        </pc:spChg>
+        <pc:spChg chg="mod">
+          <ac:chgData name="Bo Tang" userId="332dbdf67b1791cd" providerId="LiveId" clId="{0CC41EC3-D5AE-4A4E-BCBF-91A1A4A8A767}" dt="2024-10-01T05:28:18.177" v="280" actId="165"/>
+          <ac:spMkLst>
+            <pc:docMk/>
+            <pc:sldMk cId="3802764899" sldId="257"/>
+            <ac:spMk id="1029" creationId="{6CBB0E72-3BC8-5786-4352-977AA4843C97}"/>
+          </ac:spMkLst>
+        </pc:spChg>
+        <pc:spChg chg="mod">
+          <ac:chgData name="Bo Tang" userId="332dbdf67b1791cd" providerId="LiveId" clId="{0CC41EC3-D5AE-4A4E-BCBF-91A1A4A8A767}" dt="2024-10-01T05:28:18.177" v="280" actId="165"/>
+          <ac:spMkLst>
+            <pc:docMk/>
+            <pc:sldMk cId="3802764899" sldId="257"/>
+            <ac:spMk id="1030" creationId="{6DF7FF08-9504-9235-A543-0FD34532C9EF}"/>
+          </ac:spMkLst>
+        </pc:spChg>
+        <pc:spChg chg="mod">
+          <ac:chgData name="Bo Tang" userId="332dbdf67b1791cd" providerId="LiveId" clId="{0CC41EC3-D5AE-4A4E-BCBF-91A1A4A8A767}" dt="2024-10-01T05:28:18.177" v="280" actId="165"/>
+          <ac:spMkLst>
+            <pc:docMk/>
+            <pc:sldMk cId="3802764899" sldId="257"/>
+            <ac:spMk id="1031" creationId="{8026F57E-E10B-252E-18C5-B2B389C177A1}"/>
+          </ac:spMkLst>
+        </pc:spChg>
+        <pc:spChg chg="mod">
+          <ac:chgData name="Bo Tang" userId="332dbdf67b1791cd" providerId="LiveId" clId="{0CC41EC3-D5AE-4A4E-BCBF-91A1A4A8A767}" dt="2024-10-01T05:28:18.177" v="280" actId="165"/>
+          <ac:spMkLst>
+            <pc:docMk/>
+            <pc:sldMk cId="3802764899" sldId="257"/>
+            <ac:spMk id="1032" creationId="{4E2AA6F3-0112-EC64-1E3F-F096EB542499}"/>
+          </ac:spMkLst>
+        </pc:spChg>
+        <pc:spChg chg="mod">
+          <ac:chgData name="Bo Tang" userId="332dbdf67b1791cd" providerId="LiveId" clId="{0CC41EC3-D5AE-4A4E-BCBF-91A1A4A8A767}" dt="2024-10-01T05:28:18.177" v="280" actId="165"/>
+          <ac:spMkLst>
+            <pc:docMk/>
+            <pc:sldMk cId="3802764899" sldId="257"/>
+            <ac:spMk id="1033" creationId="{21DB5ECC-A1FC-F177-D94A-19C2C94A6AD6}"/>
+          </ac:spMkLst>
+        </pc:spChg>
+        <pc:spChg chg="mod">
+          <ac:chgData name="Bo Tang" userId="332dbdf67b1791cd" providerId="LiveId" clId="{0CC41EC3-D5AE-4A4E-BCBF-91A1A4A8A767}" dt="2024-10-01T05:28:18.177" v="280" actId="165"/>
+          <ac:spMkLst>
+            <pc:docMk/>
+            <pc:sldMk cId="3802764899" sldId="257"/>
+            <ac:spMk id="1034" creationId="{AD373582-7974-4D77-FEF1-0947AF1E03EC}"/>
+          </ac:spMkLst>
+        </pc:spChg>
+        <pc:spChg chg="mod">
+          <ac:chgData name="Bo Tang" userId="332dbdf67b1791cd" providerId="LiveId" clId="{0CC41EC3-D5AE-4A4E-BCBF-91A1A4A8A767}" dt="2024-10-01T05:28:18.177" v="280" actId="165"/>
+          <ac:spMkLst>
+            <pc:docMk/>
+            <pc:sldMk cId="3802764899" sldId="257"/>
+            <ac:spMk id="1035" creationId="{D207E57B-4DDA-F7DD-B56E-179DB3B8C1D9}"/>
+          </ac:spMkLst>
+        </pc:spChg>
+        <pc:spChg chg="mod">
+          <ac:chgData name="Bo Tang" userId="332dbdf67b1791cd" providerId="LiveId" clId="{0CC41EC3-D5AE-4A4E-BCBF-91A1A4A8A767}" dt="2024-10-01T05:28:18.177" v="280" actId="165"/>
+          <ac:spMkLst>
+            <pc:docMk/>
+            <pc:sldMk cId="3802764899" sldId="257"/>
+            <ac:spMk id="1036" creationId="{F8EC1034-4505-CE8C-4D57-28E7475D43D9}"/>
+          </ac:spMkLst>
+        </pc:spChg>
+        <pc:spChg chg="mod">
+          <ac:chgData name="Bo Tang" userId="332dbdf67b1791cd" providerId="LiveId" clId="{0CC41EC3-D5AE-4A4E-BCBF-91A1A4A8A767}" dt="2024-10-01T05:28:18.177" v="280" actId="165"/>
+          <ac:spMkLst>
+            <pc:docMk/>
+            <pc:sldMk cId="3802764899" sldId="257"/>
+            <ac:spMk id="1037" creationId="{56A30FDB-C8DF-E191-570F-973AD00CEA81}"/>
+          </ac:spMkLst>
+        </pc:spChg>
+        <pc:spChg chg="mod">
+          <ac:chgData name="Bo Tang" userId="332dbdf67b1791cd" providerId="LiveId" clId="{0CC41EC3-D5AE-4A4E-BCBF-91A1A4A8A767}" dt="2024-10-01T05:28:18.177" v="280" actId="165"/>
+          <ac:spMkLst>
+            <pc:docMk/>
+            <pc:sldMk cId="3802764899" sldId="257"/>
+            <ac:spMk id="1038" creationId="{6A01DE07-79BF-A599-9CF9-407B3FA20462}"/>
+          </ac:spMkLst>
+        </pc:spChg>
+        <pc:spChg chg="mod">
+          <ac:chgData name="Bo Tang" userId="332dbdf67b1791cd" providerId="LiveId" clId="{0CC41EC3-D5AE-4A4E-BCBF-91A1A4A8A767}" dt="2024-10-01T05:28:18.177" v="280" actId="165"/>
+          <ac:spMkLst>
+            <pc:docMk/>
+            <pc:sldMk cId="3802764899" sldId="257"/>
+            <ac:spMk id="1039" creationId="{D9781EC5-33E7-D2A2-72A1-966EA8C7A4C7}"/>
+          </ac:spMkLst>
+        </pc:spChg>
+        <pc:spChg chg="mod">
+          <ac:chgData name="Bo Tang" userId="332dbdf67b1791cd" providerId="LiveId" clId="{0CC41EC3-D5AE-4A4E-BCBF-91A1A4A8A767}" dt="2024-10-01T05:28:18.177" v="280" actId="165"/>
+          <ac:spMkLst>
+            <pc:docMk/>
+            <pc:sldMk cId="3802764899" sldId="257"/>
+            <ac:spMk id="1040" creationId="{5676E5F0-0B0A-F8F3-5290-117611497924}"/>
+          </ac:spMkLst>
+        </pc:spChg>
+        <pc:spChg chg="mod">
+          <ac:chgData name="Bo Tang" userId="332dbdf67b1791cd" providerId="LiveId" clId="{0CC41EC3-D5AE-4A4E-BCBF-91A1A4A8A767}" dt="2024-10-01T05:28:18.177" v="280" actId="165"/>
+          <ac:spMkLst>
+            <pc:docMk/>
+            <pc:sldMk cId="3802764899" sldId="257"/>
+            <ac:spMk id="1056" creationId="{A4B5AAE0-44F3-59D8-FA6F-6A68EC02C598}"/>
+          </ac:spMkLst>
+        </pc:spChg>
+        <pc:spChg chg="mod">
+          <ac:chgData name="Bo Tang" userId="332dbdf67b1791cd" providerId="LiveId" clId="{0CC41EC3-D5AE-4A4E-BCBF-91A1A4A8A767}" dt="2024-10-01T05:28:18.177" v="280" actId="165"/>
+          <ac:spMkLst>
+            <pc:docMk/>
+            <pc:sldMk cId="3802764899" sldId="257"/>
+            <ac:spMk id="1059" creationId="{AC3E2EE8-E518-A90D-D870-A0A0D945A1A6}"/>
+          </ac:spMkLst>
+        </pc:spChg>
+        <pc:spChg chg="mod">
+          <ac:chgData name="Bo Tang" userId="332dbdf67b1791cd" providerId="LiveId" clId="{0CC41EC3-D5AE-4A4E-BCBF-91A1A4A8A767}" dt="2024-10-01T05:28:18.177" v="280" actId="165"/>
+          <ac:spMkLst>
+            <pc:docMk/>
+            <pc:sldMk cId="3802764899" sldId="257"/>
+            <ac:spMk id="1069" creationId="{55438617-4EC1-E9FC-059F-2BFABA592333}"/>
+          </ac:spMkLst>
+        </pc:spChg>
+        <pc:spChg chg="mod">
+          <ac:chgData name="Bo Tang" userId="332dbdf67b1791cd" providerId="LiveId" clId="{0CC41EC3-D5AE-4A4E-BCBF-91A1A4A8A767}" dt="2024-10-01T05:28:18.177" v="280" actId="165"/>
+          <ac:spMkLst>
+            <pc:docMk/>
+            <pc:sldMk cId="3802764899" sldId="257"/>
+            <ac:spMk id="1073" creationId="{43809BD3-7D1D-0E7B-B948-E83A62A19EAD}"/>
+          </ac:spMkLst>
+        </pc:spChg>
+        <pc:spChg chg="mod">
+          <ac:chgData name="Bo Tang" userId="332dbdf67b1791cd" providerId="LiveId" clId="{0CC41EC3-D5AE-4A4E-BCBF-91A1A4A8A767}" dt="2024-10-01T05:28:18.177" v="280" actId="165"/>
+          <ac:spMkLst>
+            <pc:docMk/>
+            <pc:sldMk cId="3802764899" sldId="257"/>
+            <ac:spMk id="1114" creationId="{F25F2E8C-4A10-8915-2FC2-E0CB07B107A5}"/>
+          </ac:spMkLst>
+        </pc:spChg>
+        <pc:spChg chg="mod topLvl">
+          <ac:chgData name="Bo Tang" userId="332dbdf67b1791cd" providerId="LiveId" clId="{0CC41EC3-D5AE-4A4E-BCBF-91A1A4A8A767}" dt="2024-10-01T05:28:18.177" v="280" actId="165"/>
+          <ac:spMkLst>
+            <pc:docMk/>
+            <pc:sldMk cId="3802764899" sldId="257"/>
+            <ac:spMk id="1127" creationId="{FE90EDE7-3CA5-A37E-1071-597DA107774D}"/>
+          </ac:spMkLst>
+        </pc:spChg>
+        <pc:spChg chg="mod topLvl">
+          <ac:chgData name="Bo Tang" userId="332dbdf67b1791cd" providerId="LiveId" clId="{0CC41EC3-D5AE-4A4E-BCBF-91A1A4A8A767}" dt="2024-10-01T05:28:18.177" v="280" actId="165"/>
+          <ac:spMkLst>
+            <pc:docMk/>
+            <pc:sldMk cId="3802764899" sldId="257"/>
+            <ac:spMk id="1128" creationId="{F711EC48-439C-5F16-75F4-EF1A6E991814}"/>
+          </ac:spMkLst>
+        </pc:spChg>
+        <pc:spChg chg="mod topLvl">
+          <ac:chgData name="Bo Tang" userId="332dbdf67b1791cd" providerId="LiveId" clId="{0CC41EC3-D5AE-4A4E-BCBF-91A1A4A8A767}" dt="2024-10-01T05:28:18.177" v="280" actId="165"/>
+          <ac:spMkLst>
+            <pc:docMk/>
+            <pc:sldMk cId="3802764899" sldId="257"/>
+            <ac:spMk id="1131" creationId="{2B86C883-EB01-F505-EBDE-521A2F4B2D2A}"/>
+          </ac:spMkLst>
+        </pc:spChg>
+        <pc:grpChg chg="mod topLvl">
+          <ac:chgData name="Bo Tang" userId="332dbdf67b1791cd" providerId="LiveId" clId="{0CC41EC3-D5AE-4A4E-BCBF-91A1A4A8A767}" dt="2024-10-01T05:28:18.177" v="280" actId="165"/>
+          <ac:grpSpMkLst>
+            <pc:docMk/>
+            <pc:sldMk cId="3802764899" sldId="257"/>
+            <ac:grpSpMk id="4" creationId="{9ED2EBF4-A6DA-0944-431E-565D0E24A08E}"/>
+          </ac:grpSpMkLst>
+        </pc:grpChg>
+        <pc:grpChg chg="mod topLvl">
+          <ac:chgData name="Bo Tang" userId="332dbdf67b1791cd" providerId="LiveId" clId="{0CC41EC3-D5AE-4A4E-BCBF-91A1A4A8A767}" dt="2024-10-01T05:28:18.177" v="280" actId="165"/>
+          <ac:grpSpMkLst>
+            <pc:docMk/>
+            <pc:sldMk cId="3802764899" sldId="257"/>
+            <ac:grpSpMk id="5" creationId="{04E21CCD-4EF7-A461-050F-F112F119F97E}"/>
+          </ac:grpSpMkLst>
+        </pc:grpChg>
+        <pc:grpChg chg="mod">
+          <ac:chgData name="Bo Tang" userId="332dbdf67b1791cd" providerId="LiveId" clId="{0CC41EC3-D5AE-4A4E-BCBF-91A1A4A8A767}" dt="2024-10-01T05:28:18.177" v="280" actId="165"/>
+          <ac:grpSpMkLst>
+            <pc:docMk/>
+            <pc:sldMk cId="3802764899" sldId="257"/>
+            <ac:grpSpMk id="7" creationId="{F8DB8E8B-04D9-BA89-C8A0-F253E36F6BD3}"/>
+          </ac:grpSpMkLst>
+        </pc:grpChg>
+        <pc:grpChg chg="mod topLvl">
+          <ac:chgData name="Bo Tang" userId="332dbdf67b1791cd" providerId="LiveId" clId="{0CC41EC3-D5AE-4A4E-BCBF-91A1A4A8A767}" dt="2024-10-01T05:28:18.177" v="280" actId="165"/>
+          <ac:grpSpMkLst>
+            <pc:docMk/>
+            <pc:sldMk cId="3802764899" sldId="257"/>
+            <ac:grpSpMk id="8" creationId="{EC25CB51-9874-A9C7-3189-FA164D7A7913}"/>
+          </ac:grpSpMkLst>
+        </pc:grpChg>
+        <pc:grpChg chg="del">
+          <ac:chgData name="Bo Tang" userId="332dbdf67b1791cd" providerId="LiveId" clId="{0CC41EC3-D5AE-4A4E-BCBF-91A1A4A8A767}" dt="2024-10-01T05:28:18.177" v="280" actId="165"/>
+          <ac:grpSpMkLst>
+            <pc:docMk/>
+            <pc:sldMk cId="3802764899" sldId="257"/>
+            <ac:grpSpMk id="9" creationId="{FDCAE888-1B85-0FAE-3BDB-173735293673}"/>
+          </ac:grpSpMkLst>
+        </pc:grpChg>
+        <pc:grpChg chg="mod">
+          <ac:chgData name="Bo Tang" userId="332dbdf67b1791cd" providerId="LiveId" clId="{0CC41EC3-D5AE-4A4E-BCBF-91A1A4A8A767}" dt="2024-10-01T05:28:18.177" v="280" actId="165"/>
+          <ac:grpSpMkLst>
+            <pc:docMk/>
+            <pc:sldMk cId="3802764899" sldId="257"/>
+            <ac:grpSpMk id="17" creationId="{113BBD8C-A3D8-DDAB-3757-E2A169472937}"/>
+          </ac:grpSpMkLst>
+        </pc:grpChg>
+        <pc:grpChg chg="mod">
+          <ac:chgData name="Bo Tang" userId="332dbdf67b1791cd" providerId="LiveId" clId="{0CC41EC3-D5AE-4A4E-BCBF-91A1A4A8A767}" dt="2024-10-01T05:28:18.177" v="280" actId="165"/>
+          <ac:grpSpMkLst>
+            <pc:docMk/>
+            <pc:sldMk cId="3802764899" sldId="257"/>
+            <ac:grpSpMk id="23" creationId="{998CAFD2-961A-A561-35A9-C7B7A892AF6D}"/>
+          </ac:grpSpMkLst>
+        </pc:grpChg>
+        <pc:grpChg chg="mod topLvl">
+          <ac:chgData name="Bo Tang" userId="332dbdf67b1791cd" providerId="LiveId" clId="{0CC41EC3-D5AE-4A4E-BCBF-91A1A4A8A767}" dt="2024-10-01T05:28:18.177" v="280" actId="165"/>
+          <ac:grpSpMkLst>
+            <pc:docMk/>
+            <pc:sldMk cId="3802764899" sldId="257"/>
+            <ac:grpSpMk id="48" creationId="{1DF76848-25DA-50B6-7290-FB965DF2CA75}"/>
+          </ac:grpSpMkLst>
+        </pc:grpChg>
+        <pc:grpChg chg="mod">
+          <ac:chgData name="Bo Tang" userId="332dbdf67b1791cd" providerId="LiveId" clId="{0CC41EC3-D5AE-4A4E-BCBF-91A1A4A8A767}" dt="2024-10-01T05:28:18.177" v="280" actId="165"/>
+          <ac:grpSpMkLst>
+            <pc:docMk/>
+            <pc:sldMk cId="3802764899" sldId="257"/>
+            <ac:grpSpMk id="1054" creationId="{AD5694B4-0998-6DD5-567B-25485E0BE575}"/>
+          </ac:grpSpMkLst>
+        </pc:grpChg>
+        <pc:grpChg chg="mod">
+          <ac:chgData name="Bo Tang" userId="332dbdf67b1791cd" providerId="LiveId" clId="{0CC41EC3-D5AE-4A4E-BCBF-91A1A4A8A767}" dt="2024-10-01T05:28:18.177" v="280" actId="165"/>
+          <ac:grpSpMkLst>
+            <pc:docMk/>
+            <pc:sldMk cId="3802764899" sldId="257"/>
+            <ac:grpSpMk id="1079" creationId="{8A188382-4990-22BB-40D8-73F1481E467F}"/>
+          </ac:grpSpMkLst>
+        </pc:grpChg>
+        <pc:grpChg chg="mod topLvl">
+          <ac:chgData name="Bo Tang" userId="332dbdf67b1791cd" providerId="LiveId" clId="{0CC41EC3-D5AE-4A4E-BCBF-91A1A4A8A767}" dt="2024-10-01T05:28:18.177" v="280" actId="165"/>
+          <ac:grpSpMkLst>
+            <pc:docMk/>
+            <pc:sldMk cId="3802764899" sldId="257"/>
+            <ac:grpSpMk id="1115" creationId="{CB20EB91-B3C7-C4A6-1002-8572DF143580}"/>
+          </ac:grpSpMkLst>
+        </pc:grpChg>
+        <pc:grpChg chg="mod topLvl">
+          <ac:chgData name="Bo Tang" userId="332dbdf67b1791cd" providerId="LiveId" clId="{0CC41EC3-D5AE-4A4E-BCBF-91A1A4A8A767}" dt="2024-10-01T05:28:18.177" v="280" actId="165"/>
+          <ac:grpSpMkLst>
+            <pc:docMk/>
+            <pc:sldMk cId="3802764899" sldId="257"/>
+            <ac:grpSpMk id="1121" creationId="{1E684C22-7FB0-0095-6D7D-3E781CCB9DDE}"/>
+          </ac:grpSpMkLst>
+        </pc:grpChg>
+        <pc:grpChg chg="mod topLvl">
+          <ac:chgData name="Bo Tang" userId="332dbdf67b1791cd" providerId="LiveId" clId="{0CC41EC3-D5AE-4A4E-BCBF-91A1A4A8A767}" dt="2024-10-01T05:28:18.177" v="280" actId="165"/>
+          <ac:grpSpMkLst>
+            <pc:docMk/>
+            <pc:sldMk cId="3802764899" sldId="257"/>
+            <ac:grpSpMk id="1124" creationId="{4BDED34B-BE32-3AF1-FA0E-FB1E11E4865D}"/>
+          </ac:grpSpMkLst>
+        </pc:grpChg>
+        <pc:cxnChg chg="mod">
+          <ac:chgData name="Bo Tang" userId="332dbdf67b1791cd" providerId="LiveId" clId="{0CC41EC3-D5AE-4A4E-BCBF-91A1A4A8A767}" dt="2024-10-01T05:28:18.177" v="280" actId="165"/>
+          <ac:cxnSpMkLst>
+            <pc:docMk/>
+            <pc:sldMk cId="3802764899" sldId="257"/>
+            <ac:cxnSpMk id="2" creationId="{A83C2E54-2AAE-81BE-FBD9-9B2F4DDF7EC3}"/>
+          </ac:cxnSpMkLst>
+        </pc:cxnChg>
+        <pc:cxnChg chg="mod">
+          <ac:chgData name="Bo Tang" userId="332dbdf67b1791cd" providerId="LiveId" clId="{0CC41EC3-D5AE-4A4E-BCBF-91A1A4A8A767}" dt="2024-10-01T05:28:18.177" v="280" actId="165"/>
+          <ac:cxnSpMkLst>
+            <pc:docMk/>
+            <pc:sldMk cId="3802764899" sldId="257"/>
+            <ac:cxnSpMk id="32" creationId="{05B384F8-FD5D-622B-71CA-C64D4BB6AFDF}"/>
+          </ac:cxnSpMkLst>
+        </pc:cxnChg>
+        <pc:cxnChg chg="mod">
+          <ac:chgData name="Bo Tang" userId="332dbdf67b1791cd" providerId="LiveId" clId="{0CC41EC3-D5AE-4A4E-BCBF-91A1A4A8A767}" dt="2024-10-01T05:28:18.177" v="280" actId="165"/>
+          <ac:cxnSpMkLst>
+            <pc:docMk/>
+            <pc:sldMk cId="3802764899" sldId="257"/>
+            <ac:cxnSpMk id="33" creationId="{338B7D9E-A72A-240F-4F82-44246438C3A8}"/>
+          </ac:cxnSpMkLst>
+        </pc:cxnChg>
+        <pc:cxnChg chg="mod">
+          <ac:chgData name="Bo Tang" userId="332dbdf67b1791cd" providerId="LiveId" clId="{0CC41EC3-D5AE-4A4E-BCBF-91A1A4A8A767}" dt="2024-10-01T05:28:18.177" v="280" actId="165"/>
+          <ac:cxnSpMkLst>
+            <pc:docMk/>
+            <pc:sldMk cId="3802764899" sldId="257"/>
+            <ac:cxnSpMk id="34" creationId="{7D03339C-0FB1-81CE-4127-54D15C2ECCB0}"/>
+          </ac:cxnSpMkLst>
+        </pc:cxnChg>
+        <pc:cxnChg chg="mod">
+          <ac:chgData name="Bo Tang" userId="332dbdf67b1791cd" providerId="LiveId" clId="{0CC41EC3-D5AE-4A4E-BCBF-91A1A4A8A767}" dt="2024-10-01T05:28:18.177" v="280" actId="165"/>
+          <ac:cxnSpMkLst>
+            <pc:docMk/>
+            <pc:sldMk cId="3802764899" sldId="257"/>
+            <ac:cxnSpMk id="35" creationId="{6DA896C9-4D19-4C65-D4A5-57188A113611}"/>
+          </ac:cxnSpMkLst>
+        </pc:cxnChg>
+        <pc:cxnChg chg="mod">
+          <ac:chgData name="Bo Tang" userId="332dbdf67b1791cd" providerId="LiveId" clId="{0CC41EC3-D5AE-4A4E-BCBF-91A1A4A8A767}" dt="2024-10-01T05:28:18.177" v="280" actId="165"/>
+          <ac:cxnSpMkLst>
+            <pc:docMk/>
+            <pc:sldMk cId="3802764899" sldId="257"/>
+            <ac:cxnSpMk id="36" creationId="{D6A85677-D061-3E2E-DE88-1AFC27F76E49}"/>
+          </ac:cxnSpMkLst>
+        </pc:cxnChg>
+        <pc:cxnChg chg="mod">
+          <ac:chgData name="Bo Tang" userId="332dbdf67b1791cd" providerId="LiveId" clId="{0CC41EC3-D5AE-4A4E-BCBF-91A1A4A8A767}" dt="2024-10-01T05:28:18.177" v="280" actId="165"/>
+          <ac:cxnSpMkLst>
+            <pc:docMk/>
+            <pc:sldMk cId="3802764899" sldId="257"/>
+            <ac:cxnSpMk id="37" creationId="{FDEFD0FE-5F56-D40B-3726-1D10929D84F1}"/>
+          </ac:cxnSpMkLst>
+        </pc:cxnChg>
+        <pc:cxnChg chg="mod">
+          <ac:chgData name="Bo Tang" userId="332dbdf67b1791cd" providerId="LiveId" clId="{0CC41EC3-D5AE-4A4E-BCBF-91A1A4A8A767}" dt="2024-10-01T05:28:18.177" v="280" actId="165"/>
+          <ac:cxnSpMkLst>
+            <pc:docMk/>
+            <pc:sldMk cId="3802764899" sldId="257"/>
+            <ac:cxnSpMk id="38" creationId="{837269C9-24B0-461C-7E04-05B7D475ED29}"/>
+          </ac:cxnSpMkLst>
+        </pc:cxnChg>
+        <pc:cxnChg chg="mod">
+          <ac:chgData name="Bo Tang" userId="332dbdf67b1791cd" providerId="LiveId" clId="{0CC41EC3-D5AE-4A4E-BCBF-91A1A4A8A767}" dt="2024-10-01T05:28:18.177" v="280" actId="165"/>
+          <ac:cxnSpMkLst>
+            <pc:docMk/>
+            <pc:sldMk cId="3802764899" sldId="257"/>
+            <ac:cxnSpMk id="39" creationId="{D2337990-D6ED-69E8-547B-913AC98339BA}"/>
+          </ac:cxnSpMkLst>
+        </pc:cxnChg>
+        <pc:cxnChg chg="mod">
+          <ac:chgData name="Bo Tang" userId="332dbdf67b1791cd" providerId="LiveId" clId="{0CC41EC3-D5AE-4A4E-BCBF-91A1A4A8A767}" dt="2024-10-01T05:28:18.177" v="280" actId="165"/>
+          <ac:cxnSpMkLst>
+            <pc:docMk/>
+            <pc:sldMk cId="3802764899" sldId="257"/>
+            <ac:cxnSpMk id="40" creationId="{E13FCBBF-6F44-464B-8661-9CE9E9014353}"/>
+          </ac:cxnSpMkLst>
+        </pc:cxnChg>
+        <pc:cxnChg chg="mod">
+          <ac:chgData name="Bo Tang" userId="332dbdf67b1791cd" providerId="LiveId" clId="{0CC41EC3-D5AE-4A4E-BCBF-91A1A4A8A767}" dt="2024-10-01T05:28:18.177" v="280" actId="165"/>
+          <ac:cxnSpMkLst>
+            <pc:docMk/>
+            <pc:sldMk cId="3802764899" sldId="257"/>
+            <ac:cxnSpMk id="41" creationId="{0267DF60-D03D-95F5-4E16-D7F93461D764}"/>
+          </ac:cxnSpMkLst>
+        </pc:cxnChg>
+        <pc:cxnChg chg="mod">
+          <ac:chgData name="Bo Tang" userId="332dbdf67b1791cd" providerId="LiveId" clId="{0CC41EC3-D5AE-4A4E-BCBF-91A1A4A8A767}" dt="2024-10-01T05:28:18.177" v="280" actId="165"/>
+          <ac:cxnSpMkLst>
+            <pc:docMk/>
+            <pc:sldMk cId="3802764899" sldId="257"/>
+            <ac:cxnSpMk id="42" creationId="{EA246C65-C85B-747C-1484-EFAED7F57B0D}"/>
+          </ac:cxnSpMkLst>
+        </pc:cxnChg>
+        <pc:cxnChg chg="mod">
+          <ac:chgData name="Bo Tang" userId="332dbdf67b1791cd" providerId="LiveId" clId="{0CC41EC3-D5AE-4A4E-BCBF-91A1A4A8A767}" dt="2024-10-01T05:28:18.177" v="280" actId="165"/>
+          <ac:cxnSpMkLst>
+            <pc:docMk/>
+            <pc:sldMk cId="3802764899" sldId="257"/>
+            <ac:cxnSpMk id="43" creationId="{80E5C74C-BAD9-53EE-43D3-91A0A781FDE1}"/>
+          </ac:cxnSpMkLst>
+        </pc:cxnChg>
+        <pc:cxnChg chg="mod">
+          <ac:chgData name="Bo Tang" userId="332dbdf67b1791cd" providerId="LiveId" clId="{0CC41EC3-D5AE-4A4E-BCBF-91A1A4A8A767}" dt="2024-10-01T05:28:18.177" v="280" actId="165"/>
+          <ac:cxnSpMkLst>
+            <pc:docMk/>
+            <pc:sldMk cId="3802764899" sldId="257"/>
+            <ac:cxnSpMk id="44" creationId="{6B9AFD2C-05A6-F941-B364-E819BC07C4FC}"/>
+          </ac:cxnSpMkLst>
+        </pc:cxnChg>
+        <pc:cxnChg chg="mod">
+          <ac:chgData name="Bo Tang" userId="332dbdf67b1791cd" providerId="LiveId" clId="{0CC41EC3-D5AE-4A4E-BCBF-91A1A4A8A767}" dt="2024-10-01T05:28:18.177" v="280" actId="165"/>
+          <ac:cxnSpMkLst>
+            <pc:docMk/>
+            <pc:sldMk cId="3802764899" sldId="257"/>
+            <ac:cxnSpMk id="45" creationId="{001CDD9C-1406-90D2-2A6B-8A17D0978102}"/>
+          </ac:cxnSpMkLst>
+        </pc:cxnChg>
+        <pc:cxnChg chg="mod">
+          <ac:chgData name="Bo Tang" userId="332dbdf67b1791cd" providerId="LiveId" clId="{0CC41EC3-D5AE-4A4E-BCBF-91A1A4A8A767}" dt="2024-10-01T05:28:18.177" v="280" actId="165"/>
+          <ac:cxnSpMkLst>
+            <pc:docMk/>
+            <pc:sldMk cId="3802764899" sldId="257"/>
+            <ac:cxnSpMk id="46" creationId="{7629E6D2-621B-6BCC-1C76-493768247ECD}"/>
+          </ac:cxnSpMkLst>
+        </pc:cxnChg>
+        <pc:cxnChg chg="mod">
+          <ac:chgData name="Bo Tang" userId="332dbdf67b1791cd" providerId="LiveId" clId="{0CC41EC3-D5AE-4A4E-BCBF-91A1A4A8A767}" dt="2024-10-01T05:28:18.177" v="280" actId="165"/>
+          <ac:cxnSpMkLst>
+            <pc:docMk/>
+            <pc:sldMk cId="3802764899" sldId="257"/>
+            <ac:cxnSpMk id="50" creationId="{03F366B0-DEF6-609F-5599-B30CA28F6289}"/>
+          </ac:cxnSpMkLst>
+        </pc:cxnChg>
+        <pc:cxnChg chg="mod">
+          <ac:chgData name="Bo Tang" userId="332dbdf67b1791cd" providerId="LiveId" clId="{0CC41EC3-D5AE-4A4E-BCBF-91A1A4A8A767}" dt="2024-10-01T05:28:18.177" v="280" actId="165"/>
+          <ac:cxnSpMkLst>
+            <pc:docMk/>
+            <pc:sldMk cId="3802764899" sldId="257"/>
+            <ac:cxnSpMk id="51" creationId="{C5BBC2AF-D33C-964B-03B1-ADE1E939DBB3}"/>
+          </ac:cxnSpMkLst>
+        </pc:cxnChg>
+        <pc:cxnChg chg="mod">
+          <ac:chgData name="Bo Tang" userId="332dbdf67b1791cd" providerId="LiveId" clId="{0CC41EC3-D5AE-4A4E-BCBF-91A1A4A8A767}" dt="2024-10-01T05:28:18.177" v="280" actId="165"/>
+          <ac:cxnSpMkLst>
+            <pc:docMk/>
+            <pc:sldMk cId="3802764899" sldId="257"/>
+            <ac:cxnSpMk id="1042" creationId="{20A027D7-14D3-ADD8-E2F2-073D6CC42B10}"/>
+          </ac:cxnSpMkLst>
+        </pc:cxnChg>
+        <pc:cxnChg chg="mod">
+          <ac:chgData name="Bo Tang" userId="332dbdf67b1791cd" providerId="LiveId" clId="{0CC41EC3-D5AE-4A4E-BCBF-91A1A4A8A767}" dt="2024-10-01T05:28:18.177" v="280" actId="165"/>
+          <ac:cxnSpMkLst>
+            <pc:docMk/>
+            <pc:sldMk cId="3802764899" sldId="257"/>
+            <ac:cxnSpMk id="1043" creationId="{3B49F471-FA73-C1BD-99E7-2DDA3875337A}"/>
+          </ac:cxnSpMkLst>
+        </pc:cxnChg>
+        <pc:cxnChg chg="mod">
+          <ac:chgData name="Bo Tang" userId="332dbdf67b1791cd" providerId="LiveId" clId="{0CC41EC3-D5AE-4A4E-BCBF-91A1A4A8A767}" dt="2024-10-01T05:28:18.177" v="280" actId="165"/>
+          <ac:cxnSpMkLst>
+            <pc:docMk/>
+            <pc:sldMk cId="3802764899" sldId="257"/>
+            <ac:cxnSpMk id="1048" creationId="{CF36725C-0DF3-D291-1C09-F1994F519690}"/>
+          </ac:cxnSpMkLst>
+        </pc:cxnChg>
+        <pc:cxnChg chg="mod">
+          <ac:chgData name="Bo Tang" userId="332dbdf67b1791cd" providerId="LiveId" clId="{0CC41EC3-D5AE-4A4E-BCBF-91A1A4A8A767}" dt="2024-10-01T05:28:18.177" v="280" actId="165"/>
+          <ac:cxnSpMkLst>
+            <pc:docMk/>
+            <pc:sldMk cId="3802764899" sldId="257"/>
+            <ac:cxnSpMk id="1070" creationId="{F0789562-0617-8049-EC8C-5306A2F75F49}"/>
+          </ac:cxnSpMkLst>
+        </pc:cxnChg>
+        <pc:cxnChg chg="mod">
+          <ac:chgData name="Bo Tang" userId="332dbdf67b1791cd" providerId="LiveId" clId="{0CC41EC3-D5AE-4A4E-BCBF-91A1A4A8A767}" dt="2024-10-01T05:28:18.177" v="280" actId="165"/>
+          <ac:cxnSpMkLst>
+            <pc:docMk/>
+            <pc:sldMk cId="3802764899" sldId="257"/>
+            <ac:cxnSpMk id="1074" creationId="{9E9C04A0-ADC2-2B31-FE13-3C409E244901}"/>
+          </ac:cxnSpMkLst>
+        </pc:cxnChg>
+        <pc:cxnChg chg="mod topLvl">
+          <ac:chgData name="Bo Tang" userId="332dbdf67b1791cd" providerId="LiveId" clId="{0CC41EC3-D5AE-4A4E-BCBF-91A1A4A8A767}" dt="2024-10-01T05:28:18.177" v="280" actId="165"/>
+          <ac:cxnSpMkLst>
+            <pc:docMk/>
+            <pc:sldMk cId="3802764899" sldId="257"/>
+            <ac:cxnSpMk id="1118" creationId="{9DB238F9-C272-91D1-31FA-8C780BA83C1C}"/>
+          </ac:cxnSpMkLst>
+        </pc:cxnChg>
+        <pc:cxnChg chg="mod">
+          <ac:chgData name="Bo Tang" userId="332dbdf67b1791cd" providerId="LiveId" clId="{0CC41EC3-D5AE-4A4E-BCBF-91A1A4A8A767}" dt="2024-10-01T05:28:18.177" v="280" actId="165"/>
+          <ac:cxnSpMkLst>
+            <pc:docMk/>
+            <pc:sldMk cId="3802764899" sldId="257"/>
+            <ac:cxnSpMk id="1122" creationId="{850905DC-46D7-5831-B513-1C8C657A27B2}"/>
+          </ac:cxnSpMkLst>
+        </pc:cxnChg>
+        <pc:cxnChg chg="mod">
+          <ac:chgData name="Bo Tang" userId="332dbdf67b1791cd" providerId="LiveId" clId="{0CC41EC3-D5AE-4A4E-BCBF-91A1A4A8A767}" dt="2024-10-01T05:28:18.177" v="280" actId="165"/>
+          <ac:cxnSpMkLst>
+            <pc:docMk/>
+            <pc:sldMk cId="3802764899" sldId="257"/>
+            <ac:cxnSpMk id="1123" creationId="{737EA470-8F6E-F458-5619-CDEB3EAA1C31}"/>
+          </ac:cxnSpMkLst>
+        </pc:cxnChg>
+        <pc:cxnChg chg="mod">
+          <ac:chgData name="Bo Tang" userId="332dbdf67b1791cd" providerId="LiveId" clId="{0CC41EC3-D5AE-4A4E-BCBF-91A1A4A8A767}" dt="2024-10-01T05:28:18.177" v="280" actId="165"/>
+          <ac:cxnSpMkLst>
+            <pc:docMk/>
+            <pc:sldMk cId="3802764899" sldId="257"/>
+            <ac:cxnSpMk id="1125" creationId="{D0D7D563-682F-6B0D-FF0E-A8B67CA782DE}"/>
+          </ac:cxnSpMkLst>
+        </pc:cxnChg>
+        <pc:cxnChg chg="mod">
+          <ac:chgData name="Bo Tang" userId="332dbdf67b1791cd" providerId="LiveId" clId="{0CC41EC3-D5AE-4A4E-BCBF-91A1A4A8A767}" dt="2024-10-01T05:28:18.177" v="280" actId="165"/>
+          <ac:cxnSpMkLst>
+            <pc:docMk/>
+            <pc:sldMk cId="3802764899" sldId="257"/>
             <ac:cxnSpMk id="1126" creationId="{D59FFF34-10F7-6C4A-2F6F-C95EC37B5B47}"/>
           </ac:cxnSpMkLst>
         </pc:cxnChg>
@@ -2122,7 +2874,7 @@
           <a:p>
             <a:fld id="{6E64BD1D-3336-47FF-9B2A-AE464FC3A9D4}" type="datetimeFigureOut">
               <a:rPr lang="en-US" smtClean="0"/>
-              <a:t>2024-09-29</a:t>
+              <a:t>2024-10-01</a:t>
             </a:fld>
             <a:endParaRPr lang="en-US"/>
           </a:p>
@@ -2292,7 +3044,7 @@
           <a:p>
             <a:fld id="{6E64BD1D-3336-47FF-9B2A-AE464FC3A9D4}" type="datetimeFigureOut">
               <a:rPr lang="en-US" smtClean="0"/>
-              <a:t>2024-09-29</a:t>
+              <a:t>2024-10-01</a:t>
             </a:fld>
             <a:endParaRPr lang="en-US"/>
           </a:p>
@@ -2472,7 +3224,7 @@
           <a:p>
             <a:fld id="{6E64BD1D-3336-47FF-9B2A-AE464FC3A9D4}" type="datetimeFigureOut">
               <a:rPr lang="en-US" smtClean="0"/>
-              <a:t>2024-09-29</a:t>
+              <a:t>2024-10-01</a:t>
             </a:fld>
             <a:endParaRPr lang="en-US"/>
           </a:p>
@@ -2642,7 +3394,7 @@
           <a:p>
             <a:fld id="{6E64BD1D-3336-47FF-9B2A-AE464FC3A9D4}" type="datetimeFigureOut">
               <a:rPr lang="en-US" smtClean="0"/>
-              <a:t>2024-09-29</a:t>
+              <a:t>2024-10-01</a:t>
             </a:fld>
             <a:endParaRPr lang="en-US"/>
           </a:p>
@@ -2888,7 +3640,7 @@
           <a:p>
             <a:fld id="{6E64BD1D-3336-47FF-9B2A-AE464FC3A9D4}" type="datetimeFigureOut">
               <a:rPr lang="en-US" smtClean="0"/>
-              <a:t>2024-09-29</a:t>
+              <a:t>2024-10-01</a:t>
             </a:fld>
             <a:endParaRPr lang="en-US"/>
           </a:p>
@@ -3120,7 +3872,7 @@
           <a:p>
             <a:fld id="{6E64BD1D-3336-47FF-9B2A-AE464FC3A9D4}" type="datetimeFigureOut">
               <a:rPr lang="en-US" smtClean="0"/>
-              <a:t>2024-09-29</a:t>
+              <a:t>2024-10-01</a:t>
             </a:fld>
             <a:endParaRPr lang="en-US"/>
           </a:p>
@@ -3487,7 +4239,7 @@
           <a:p>
             <a:fld id="{6E64BD1D-3336-47FF-9B2A-AE464FC3A9D4}" type="datetimeFigureOut">
               <a:rPr lang="en-US" smtClean="0"/>
-              <a:t>2024-09-29</a:t>
+              <a:t>2024-10-01</a:t>
             </a:fld>
             <a:endParaRPr lang="en-US"/>
           </a:p>
@@ -3605,7 +4357,7 @@
           <a:p>
             <a:fld id="{6E64BD1D-3336-47FF-9B2A-AE464FC3A9D4}" type="datetimeFigureOut">
               <a:rPr lang="en-US" smtClean="0"/>
-              <a:t>2024-09-29</a:t>
+              <a:t>2024-10-01</a:t>
             </a:fld>
             <a:endParaRPr lang="en-US"/>
           </a:p>
@@ -3700,7 +4452,7 @@
           <a:p>
             <a:fld id="{6E64BD1D-3336-47FF-9B2A-AE464FC3A9D4}" type="datetimeFigureOut">
               <a:rPr lang="en-US" smtClean="0"/>
-              <a:t>2024-09-29</a:t>
+              <a:t>2024-10-01</a:t>
             </a:fld>
             <a:endParaRPr lang="en-US"/>
           </a:p>
@@ -3977,7 +4729,7 @@
           <a:p>
             <a:fld id="{6E64BD1D-3336-47FF-9B2A-AE464FC3A9D4}" type="datetimeFigureOut">
               <a:rPr lang="en-US" smtClean="0"/>
-              <a:t>2024-09-29</a:t>
+              <a:t>2024-10-01</a:t>
             </a:fld>
             <a:endParaRPr lang="en-US"/>
           </a:p>
@@ -4234,7 +4986,7 @@
           <a:p>
             <a:fld id="{6E64BD1D-3336-47FF-9B2A-AE464FC3A9D4}" type="datetimeFigureOut">
               <a:rPr lang="en-US" smtClean="0"/>
-              <a:t>2024-09-29</a:t>
+              <a:t>2024-10-01</a:t>
             </a:fld>
             <a:endParaRPr lang="en-US"/>
           </a:p>
@@ -4447,7 +5199,7 @@
           <a:p>
             <a:fld id="{6E64BD1D-3336-47FF-9B2A-AE464FC3A9D4}" type="datetimeFigureOut">
               <a:rPr lang="en-US" smtClean="0"/>
-              <a:t>2024-09-29</a:t>
+              <a:t>2024-10-01</a:t>
             </a:fld>
             <a:endParaRPr lang="en-US"/>
           </a:p>
@@ -5258,8 +6010,8 @@
               </p:txBody>
             </p:sp>
           </p:grpSp>
-          <mc:AlternateContent xmlns:mc="http://schemas.openxmlformats.org/markup-compatibility/2006">
-            <mc:Choice xmlns:a14="http://schemas.microsoft.com/office/drawing/2010/main" Requires="a14">
+          <mc:AlternateContent xmlns:mc="http://schemas.openxmlformats.org/markup-compatibility/2006" xmlns:a14="http://schemas.microsoft.com/office/drawing/2010/main">
+            <mc:Choice Requires="a14">
               <p:sp>
                 <p:nvSpPr>
                   <p:cNvPr id="19" name="TextBox 18">
@@ -5362,7 +6114,7 @@
                 </p:txBody>
               </p:sp>
             </mc:Choice>
-            <mc:Fallback>
+            <mc:Fallback xmlns="">
               <p:sp>
                 <p:nvSpPr>
                   <p:cNvPr id="19" name="TextBox 18">
@@ -10037,8 +10789,8 @@
             </p:style>
           </p:cxnSp>
         </p:grpSp>
-        <mc:AlternateContent xmlns:mc="http://schemas.openxmlformats.org/markup-compatibility/2006">
-          <mc:Choice xmlns:a14="http://schemas.microsoft.com/office/drawing/2010/main" Requires="a14">
+        <mc:AlternateContent xmlns:mc="http://schemas.openxmlformats.org/markup-compatibility/2006" xmlns:a14="http://schemas.microsoft.com/office/drawing/2010/main">
+          <mc:Choice Requires="a14">
             <p:sp>
               <p:nvSpPr>
                 <p:cNvPr id="1127" name="TextBox 1126">
@@ -10128,7 +10880,7 @@
               </p:txBody>
             </p:sp>
           </mc:Choice>
-          <mc:Fallback>
+          <mc:Fallback xmlns="">
             <p:sp>
               <p:nvSpPr>
                 <p:cNvPr id="1127" name="TextBox 1126">
@@ -10173,8 +10925,8 @@
             </p:sp>
           </mc:Fallback>
         </mc:AlternateContent>
-        <mc:AlternateContent xmlns:mc="http://schemas.openxmlformats.org/markup-compatibility/2006">
-          <mc:Choice xmlns:a14="http://schemas.microsoft.com/office/drawing/2010/main" Requires="a14">
+        <mc:AlternateContent xmlns:mc="http://schemas.openxmlformats.org/markup-compatibility/2006" xmlns:a14="http://schemas.microsoft.com/office/drawing/2010/main">
+          <mc:Choice Requires="a14">
             <p:sp>
               <p:nvSpPr>
                 <p:cNvPr id="1128" name="TextBox 1127">
@@ -10412,7 +11164,7 @@
               </p:txBody>
             </p:sp>
           </mc:Choice>
-          <mc:Fallback>
+          <mc:Fallback xmlns="">
             <p:sp>
               <p:nvSpPr>
                 <p:cNvPr id="1128" name="TextBox 1127">
@@ -10457,8 +11209,8 @@
             </p:sp>
           </mc:Fallback>
         </mc:AlternateContent>
-        <mc:AlternateContent xmlns:mc="http://schemas.openxmlformats.org/markup-compatibility/2006">
-          <mc:Choice xmlns:a14="http://schemas.microsoft.com/office/drawing/2010/main" Requires="a14">
+        <mc:AlternateContent xmlns:mc="http://schemas.openxmlformats.org/markup-compatibility/2006" xmlns:a14="http://schemas.microsoft.com/office/drawing/2010/main">
+          <mc:Choice Requires="a14">
             <p:sp>
               <p:nvSpPr>
                 <p:cNvPr id="1131" name="TextBox 1130">
@@ -10725,7 +11477,7 @@
               </p:txBody>
             </p:sp>
           </mc:Choice>
-          <mc:Fallback>
+          <mc:Fallback xmlns="">
             <p:sp>
               <p:nvSpPr>
                 <p:cNvPr id="1131" name="TextBox 1130">
@@ -10836,8 +11588,8 @@
               </a:fontRef>
             </p:style>
           </p:cxnSp>
-          <mc:AlternateContent xmlns:mc="http://schemas.openxmlformats.org/markup-compatibility/2006">
-            <mc:Choice xmlns:a14="http://schemas.microsoft.com/office/drawing/2010/main" Requires="a14">
+          <mc:AlternateContent xmlns:mc="http://schemas.openxmlformats.org/markup-compatibility/2006" xmlns:a14="http://schemas.microsoft.com/office/drawing/2010/main">
+            <mc:Choice Requires="a14">
               <p:sp>
                 <p:nvSpPr>
                   <p:cNvPr id="3" name="TextBox 2">
@@ -10927,7 +11679,7 @@
                 </p:txBody>
               </p:sp>
             </mc:Choice>
-            <mc:Fallback>
+            <mc:Fallback xmlns="">
               <p:sp>
                 <p:nvSpPr>
                   <p:cNvPr id="3" name="TextBox 2">
@@ -10978,6 +11730,6137 @@
     <p:extLst>
       <p:ext uri="{BB962C8B-B14F-4D97-AF65-F5344CB8AC3E}">
         <p14:creationId xmlns:p14="http://schemas.microsoft.com/office/powerpoint/2010/main" val="3536482602"/>
+      </p:ext>
+    </p:extLst>
+  </p:cSld>
+  <p:clrMapOvr>
+    <a:masterClrMapping/>
+  </p:clrMapOvr>
+</p:sld>
+</file>
+
+<file path=ppt/slides/slide2.xml><?xml version="1.0" encoding="utf-8"?>
+<p:sld xmlns:a="http://schemas.openxmlformats.org/drawingml/2006/main" xmlns:r="http://schemas.openxmlformats.org/officeDocument/2006/relationships" xmlns:p="http://schemas.openxmlformats.org/presentationml/2006/main">
+  <p:cSld>
+    <p:spTree>
+      <p:nvGrpSpPr>
+        <p:cNvPr id="1" name=""/>
+        <p:cNvGrpSpPr/>
+        <p:nvPr/>
+      </p:nvGrpSpPr>
+      <p:grpSpPr>
+        <a:xfrm>
+          <a:off x="0" y="0"/>
+          <a:ext cx="0" cy="0"/>
+          <a:chOff x="0" y="0"/>
+          <a:chExt cx="0" cy="0"/>
+        </a:xfrm>
+      </p:grpSpPr>
+      <p:grpSp>
+        <p:nvGrpSpPr>
+          <p:cNvPr id="5" name="Group 4">
+            <a:extLst>
+              <a:ext uri="{FF2B5EF4-FFF2-40B4-BE49-F238E27FC236}">
+                <a16:creationId xmlns:a16="http://schemas.microsoft.com/office/drawing/2014/main" id="{04E21CCD-4EF7-A461-050F-F112F119F97E}"/>
+              </a:ext>
+            </a:extLst>
+          </p:cNvPr>
+          <p:cNvGrpSpPr/>
+          <p:nvPr/>
+        </p:nvGrpSpPr>
+        <p:grpSpPr>
+          <a:xfrm>
+            <a:off x="5" y="442052"/>
+            <a:ext cx="2297101" cy="2021627"/>
+            <a:chOff x="824893" y="1278029"/>
+            <a:chExt cx="2297101" cy="2021627"/>
+          </a:xfrm>
+        </p:grpSpPr>
+        <p:grpSp>
+          <p:nvGrpSpPr>
+            <p:cNvPr id="17" name="Group 16">
+              <a:extLst>
+                <a:ext uri="{FF2B5EF4-FFF2-40B4-BE49-F238E27FC236}">
+                  <a16:creationId xmlns:a16="http://schemas.microsoft.com/office/drawing/2014/main" id="{113BBD8C-A3D8-DDAB-3757-E2A169472937}"/>
+                </a:ext>
+              </a:extLst>
+            </p:cNvPr>
+            <p:cNvGrpSpPr/>
+            <p:nvPr/>
+          </p:nvGrpSpPr>
+          <p:grpSpPr>
+            <a:xfrm>
+              <a:off x="873521" y="1278029"/>
+              <a:ext cx="2248473" cy="1301586"/>
+              <a:chOff x="1688494" y="1790093"/>
+              <a:chExt cx="1721436" cy="996497"/>
+            </a:xfrm>
+          </p:grpSpPr>
+          <p:sp>
+            <p:nvSpPr>
+              <p:cNvPr id="13" name="Freeform: Shape 12">
+                <a:extLst>
+                  <a:ext uri="{FF2B5EF4-FFF2-40B4-BE49-F238E27FC236}">
+                    <a16:creationId xmlns:a16="http://schemas.microsoft.com/office/drawing/2014/main" id="{13CD2760-9F31-C9F0-AEDD-E982673EEC96}"/>
+                  </a:ext>
+                </a:extLst>
+              </p:cNvPr>
+              <p:cNvSpPr/>
+              <p:nvPr/>
+            </p:nvSpPr>
+            <p:spPr>
+              <a:xfrm>
+                <a:off x="1688494" y="1790093"/>
+                <a:ext cx="1408169" cy="691697"/>
+              </a:xfrm>
+              <a:custGeom>
+                <a:avLst/>
+                <a:gdLst>
+                  <a:gd name="connsiteX0" fmla="*/ 0 w 3667125"/>
+                  <a:gd name="connsiteY0" fmla="*/ 1825625 h 1825625"/>
+                  <a:gd name="connsiteX1" fmla="*/ 1238250 w 3667125"/>
+                  <a:gd name="connsiteY1" fmla="*/ 1203325 h 1825625"/>
+                  <a:gd name="connsiteX2" fmla="*/ 1838325 w 3667125"/>
+                  <a:gd name="connsiteY2" fmla="*/ 0 h 1825625"/>
+                  <a:gd name="connsiteX3" fmla="*/ 2447925 w 3667125"/>
+                  <a:gd name="connsiteY3" fmla="*/ 1209675 h 1825625"/>
+                  <a:gd name="connsiteX4" fmla="*/ 3667125 w 3667125"/>
+                  <a:gd name="connsiteY4" fmla="*/ 1819275 h 1825625"/>
+                </a:gdLst>
+                <a:ahLst/>
+                <a:cxnLst>
+                  <a:cxn ang="0">
+                    <a:pos x="connsiteX0" y="connsiteY0"/>
+                  </a:cxn>
+                  <a:cxn ang="0">
+                    <a:pos x="connsiteX1" y="connsiteY1"/>
+                  </a:cxn>
+                  <a:cxn ang="0">
+                    <a:pos x="connsiteX2" y="connsiteY2"/>
+                  </a:cxn>
+                  <a:cxn ang="0">
+                    <a:pos x="connsiteX3" y="connsiteY3"/>
+                  </a:cxn>
+                  <a:cxn ang="0">
+                    <a:pos x="connsiteX4" y="connsiteY4"/>
+                  </a:cxn>
+                </a:cxnLst>
+                <a:rect l="l" t="t" r="r" b="b"/>
+                <a:pathLst>
+                  <a:path w="3667125" h="1825625">
+                    <a:moveTo>
+                      <a:pt x="0" y="1825625"/>
+                    </a:moveTo>
+                    <a:cubicBezTo>
+                      <a:pt x="465931" y="1666610"/>
+                      <a:pt x="931863" y="1507596"/>
+                      <a:pt x="1238250" y="1203325"/>
+                    </a:cubicBezTo>
+                    <a:cubicBezTo>
+                      <a:pt x="1544637" y="899054"/>
+                      <a:pt x="1636713" y="-1058"/>
+                      <a:pt x="1838325" y="0"/>
+                    </a:cubicBezTo>
+                    <a:cubicBezTo>
+                      <a:pt x="2039937" y="1058"/>
+                      <a:pt x="2143125" y="906462"/>
+                      <a:pt x="2447925" y="1209675"/>
+                    </a:cubicBezTo>
+                    <a:cubicBezTo>
+                      <a:pt x="2752725" y="1512887"/>
+                      <a:pt x="3520017" y="1711854"/>
+                      <a:pt x="3667125" y="1819275"/>
+                    </a:cubicBezTo>
+                  </a:path>
+                </a:pathLst>
+              </a:custGeom>
+              <a:solidFill>
+                <a:schemeClr val="tx2">
+                  <a:lumMod val="25000"/>
+                  <a:lumOff val="75000"/>
+                </a:schemeClr>
+              </a:solidFill>
+              <a:ln>
+                <a:solidFill>
+                  <a:srgbClr val="002060"/>
+                </a:solidFill>
+              </a:ln>
+            </p:spPr>
+            <p:style>
+              <a:lnRef idx="2">
+                <a:schemeClr val="accent1">
+                  <a:shade val="15000"/>
+                </a:schemeClr>
+              </a:lnRef>
+              <a:fillRef idx="1">
+                <a:schemeClr val="accent1"/>
+              </a:fillRef>
+              <a:effectRef idx="0">
+                <a:schemeClr val="accent1"/>
+              </a:effectRef>
+              <a:fontRef idx="minor">
+                <a:schemeClr val="lt1"/>
+              </a:fontRef>
+            </p:style>
+            <p:txBody>
+              <a:bodyPr rtlCol="0" anchor="ctr"/>
+              <a:lstStyle/>
+              <a:p>
+                <a:pPr algn="ctr"/>
+                <a:endParaRPr lang="en-US"/>
+              </a:p>
+            </p:txBody>
+          </p:sp>
+          <p:sp>
+            <p:nvSpPr>
+              <p:cNvPr id="15" name="Freeform: Shape 14">
+                <a:extLst>
+                  <a:ext uri="{FF2B5EF4-FFF2-40B4-BE49-F238E27FC236}">
+                    <a16:creationId xmlns:a16="http://schemas.microsoft.com/office/drawing/2014/main" id="{DD3F59D2-18CD-3FDA-A0DC-F7BE3C511DFF}"/>
+                  </a:ext>
+                </a:extLst>
+              </p:cNvPr>
+              <p:cNvSpPr/>
+              <p:nvPr/>
+            </p:nvSpPr>
+            <p:spPr>
+              <a:xfrm>
+                <a:off x="1815494" y="1942493"/>
+                <a:ext cx="1408169" cy="691697"/>
+              </a:xfrm>
+              <a:custGeom>
+                <a:avLst/>
+                <a:gdLst>
+                  <a:gd name="connsiteX0" fmla="*/ 0 w 3667125"/>
+                  <a:gd name="connsiteY0" fmla="*/ 1825625 h 1825625"/>
+                  <a:gd name="connsiteX1" fmla="*/ 1238250 w 3667125"/>
+                  <a:gd name="connsiteY1" fmla="*/ 1203325 h 1825625"/>
+                  <a:gd name="connsiteX2" fmla="*/ 1838325 w 3667125"/>
+                  <a:gd name="connsiteY2" fmla="*/ 0 h 1825625"/>
+                  <a:gd name="connsiteX3" fmla="*/ 2447925 w 3667125"/>
+                  <a:gd name="connsiteY3" fmla="*/ 1209675 h 1825625"/>
+                  <a:gd name="connsiteX4" fmla="*/ 3667125 w 3667125"/>
+                  <a:gd name="connsiteY4" fmla="*/ 1819275 h 1825625"/>
+                </a:gdLst>
+                <a:ahLst/>
+                <a:cxnLst>
+                  <a:cxn ang="0">
+                    <a:pos x="connsiteX0" y="connsiteY0"/>
+                  </a:cxn>
+                  <a:cxn ang="0">
+                    <a:pos x="connsiteX1" y="connsiteY1"/>
+                  </a:cxn>
+                  <a:cxn ang="0">
+                    <a:pos x="connsiteX2" y="connsiteY2"/>
+                  </a:cxn>
+                  <a:cxn ang="0">
+                    <a:pos x="connsiteX3" y="connsiteY3"/>
+                  </a:cxn>
+                  <a:cxn ang="0">
+                    <a:pos x="connsiteX4" y="connsiteY4"/>
+                  </a:cxn>
+                </a:cxnLst>
+                <a:rect l="l" t="t" r="r" b="b"/>
+                <a:pathLst>
+                  <a:path w="3667125" h="1825625">
+                    <a:moveTo>
+                      <a:pt x="0" y="1825625"/>
+                    </a:moveTo>
+                    <a:cubicBezTo>
+                      <a:pt x="465931" y="1666610"/>
+                      <a:pt x="931863" y="1507596"/>
+                      <a:pt x="1238250" y="1203325"/>
+                    </a:cubicBezTo>
+                    <a:cubicBezTo>
+                      <a:pt x="1544637" y="899054"/>
+                      <a:pt x="1636713" y="-1058"/>
+                      <a:pt x="1838325" y="0"/>
+                    </a:cubicBezTo>
+                    <a:cubicBezTo>
+                      <a:pt x="2039937" y="1058"/>
+                      <a:pt x="2143125" y="906462"/>
+                      <a:pt x="2447925" y="1209675"/>
+                    </a:cubicBezTo>
+                    <a:cubicBezTo>
+                      <a:pt x="2752725" y="1512887"/>
+                      <a:pt x="3520017" y="1711854"/>
+                      <a:pt x="3667125" y="1819275"/>
+                    </a:cubicBezTo>
+                  </a:path>
+                </a:pathLst>
+              </a:custGeom>
+              <a:solidFill>
+                <a:schemeClr val="tx2">
+                  <a:lumMod val="25000"/>
+                  <a:lumOff val="75000"/>
+                </a:schemeClr>
+              </a:solidFill>
+              <a:ln>
+                <a:solidFill>
+                  <a:srgbClr val="002060"/>
+                </a:solidFill>
+              </a:ln>
+            </p:spPr>
+            <p:style>
+              <a:lnRef idx="2">
+                <a:schemeClr val="accent1">
+                  <a:shade val="15000"/>
+                </a:schemeClr>
+              </a:lnRef>
+              <a:fillRef idx="1">
+                <a:schemeClr val="accent1"/>
+              </a:fillRef>
+              <a:effectRef idx="0">
+                <a:schemeClr val="accent1"/>
+              </a:effectRef>
+              <a:fontRef idx="minor">
+                <a:schemeClr val="lt1"/>
+              </a:fontRef>
+            </p:style>
+            <p:txBody>
+              <a:bodyPr rtlCol="0" anchor="ctr"/>
+              <a:lstStyle/>
+              <a:p>
+                <a:pPr algn="ctr"/>
+                <a:endParaRPr lang="en-US"/>
+              </a:p>
+            </p:txBody>
+          </p:sp>
+          <p:sp>
+            <p:nvSpPr>
+              <p:cNvPr id="16" name="Freeform: Shape 15">
+                <a:extLst>
+                  <a:ext uri="{FF2B5EF4-FFF2-40B4-BE49-F238E27FC236}">
+                    <a16:creationId xmlns:a16="http://schemas.microsoft.com/office/drawing/2014/main" id="{AA11FC38-66D2-8998-E22E-6FCCBB842E17}"/>
+                  </a:ext>
+                </a:extLst>
+              </p:cNvPr>
+              <p:cNvSpPr/>
+              <p:nvPr/>
+            </p:nvSpPr>
+            <p:spPr>
+              <a:xfrm>
+                <a:off x="2001761" y="2094893"/>
+                <a:ext cx="1408169" cy="691697"/>
+              </a:xfrm>
+              <a:custGeom>
+                <a:avLst/>
+                <a:gdLst>
+                  <a:gd name="connsiteX0" fmla="*/ 0 w 3667125"/>
+                  <a:gd name="connsiteY0" fmla="*/ 1825625 h 1825625"/>
+                  <a:gd name="connsiteX1" fmla="*/ 1238250 w 3667125"/>
+                  <a:gd name="connsiteY1" fmla="*/ 1203325 h 1825625"/>
+                  <a:gd name="connsiteX2" fmla="*/ 1838325 w 3667125"/>
+                  <a:gd name="connsiteY2" fmla="*/ 0 h 1825625"/>
+                  <a:gd name="connsiteX3" fmla="*/ 2447925 w 3667125"/>
+                  <a:gd name="connsiteY3" fmla="*/ 1209675 h 1825625"/>
+                  <a:gd name="connsiteX4" fmla="*/ 3667125 w 3667125"/>
+                  <a:gd name="connsiteY4" fmla="*/ 1819275 h 1825625"/>
+                </a:gdLst>
+                <a:ahLst/>
+                <a:cxnLst>
+                  <a:cxn ang="0">
+                    <a:pos x="connsiteX0" y="connsiteY0"/>
+                  </a:cxn>
+                  <a:cxn ang="0">
+                    <a:pos x="connsiteX1" y="connsiteY1"/>
+                  </a:cxn>
+                  <a:cxn ang="0">
+                    <a:pos x="connsiteX2" y="connsiteY2"/>
+                  </a:cxn>
+                  <a:cxn ang="0">
+                    <a:pos x="connsiteX3" y="connsiteY3"/>
+                  </a:cxn>
+                  <a:cxn ang="0">
+                    <a:pos x="connsiteX4" y="connsiteY4"/>
+                  </a:cxn>
+                </a:cxnLst>
+                <a:rect l="l" t="t" r="r" b="b"/>
+                <a:pathLst>
+                  <a:path w="3667125" h="1825625">
+                    <a:moveTo>
+                      <a:pt x="0" y="1825625"/>
+                    </a:moveTo>
+                    <a:cubicBezTo>
+                      <a:pt x="465931" y="1666610"/>
+                      <a:pt x="931863" y="1507596"/>
+                      <a:pt x="1238250" y="1203325"/>
+                    </a:cubicBezTo>
+                    <a:cubicBezTo>
+                      <a:pt x="1544637" y="899054"/>
+                      <a:pt x="1636713" y="-1058"/>
+                      <a:pt x="1838325" y="0"/>
+                    </a:cubicBezTo>
+                    <a:cubicBezTo>
+                      <a:pt x="2039937" y="1058"/>
+                      <a:pt x="2143125" y="906462"/>
+                      <a:pt x="2447925" y="1209675"/>
+                    </a:cubicBezTo>
+                    <a:cubicBezTo>
+                      <a:pt x="2752725" y="1512887"/>
+                      <a:pt x="3520017" y="1711854"/>
+                      <a:pt x="3667125" y="1819275"/>
+                    </a:cubicBezTo>
+                  </a:path>
+                </a:pathLst>
+              </a:custGeom>
+              <a:solidFill>
+                <a:schemeClr val="tx2">
+                  <a:lumMod val="25000"/>
+                  <a:lumOff val="75000"/>
+                </a:schemeClr>
+              </a:solidFill>
+              <a:ln>
+                <a:solidFill>
+                  <a:srgbClr val="002060"/>
+                </a:solidFill>
+              </a:ln>
+            </p:spPr>
+            <p:style>
+              <a:lnRef idx="2">
+                <a:schemeClr val="accent1">
+                  <a:shade val="15000"/>
+                </a:schemeClr>
+              </a:lnRef>
+              <a:fillRef idx="1">
+                <a:schemeClr val="accent1"/>
+              </a:fillRef>
+              <a:effectRef idx="0">
+                <a:schemeClr val="accent1"/>
+              </a:effectRef>
+              <a:fontRef idx="minor">
+                <a:schemeClr val="lt1"/>
+              </a:fontRef>
+            </p:style>
+            <p:txBody>
+              <a:bodyPr rtlCol="0" anchor="ctr"/>
+              <a:lstStyle/>
+              <a:p>
+                <a:pPr algn="ctr"/>
+                <a:endParaRPr lang="en-US"/>
+              </a:p>
+            </p:txBody>
+          </p:sp>
+        </p:grpSp>
+        <mc:AlternateContent xmlns:mc="http://schemas.openxmlformats.org/markup-compatibility/2006">
+          <mc:Choice xmlns:a14="http://schemas.microsoft.com/office/drawing/2010/main" Requires="a14">
+            <p:sp>
+              <p:nvSpPr>
+                <p:cNvPr id="19" name="TextBox 18">
+                  <a:extLst>
+                    <a:ext uri="{FF2B5EF4-FFF2-40B4-BE49-F238E27FC236}">
+                      <a16:creationId xmlns:a16="http://schemas.microsoft.com/office/drawing/2014/main" id="{256C351D-1730-2B39-8FF8-9E09EA66E0C7}"/>
+                    </a:ext>
+                  </a:extLst>
+                </p:cNvPr>
+                <p:cNvSpPr txBox="1"/>
+                <p:nvPr/>
+              </p:nvSpPr>
+              <p:spPr>
+                <a:xfrm>
+                  <a:off x="824893" y="2653325"/>
+                  <a:ext cx="2243667" cy="646331"/>
+                </a:xfrm>
+                <a:prstGeom prst="rect">
+                  <a:avLst/>
+                </a:prstGeom>
+                <a:noFill/>
+              </p:spPr>
+              <p:txBody>
+                <a:bodyPr wrap="square">
+                  <a:spAutoFit/>
+                </a:bodyPr>
+                <a:lstStyle/>
+                <a:p>
+                  <a:pPr algn="ctr"/>
+                  <a:r>
+                    <a:rPr lang="en-US" dirty="0">
+                      <a:solidFill>
+                        <a:schemeClr val="tx1">
+                          <a:lumMod val="95000"/>
+                          <a:lumOff val="5000"/>
+                        </a:schemeClr>
+                      </a:solidFill>
+                      <a:latin typeface="Times New Roman" panose="02020603050405020304" pitchFamily="18" charset="0"/>
+                      <a:cs typeface="Times New Roman" panose="02020603050405020304" pitchFamily="18" charset="0"/>
+                    </a:rPr>
+                    <a:t>Samples of</a:t>
+                  </a:r>
+                  <a:br>
+                    <a:rPr lang="en-US" dirty="0">
+                      <a:solidFill>
+                        <a:schemeClr val="tx1">
+                          <a:lumMod val="95000"/>
+                          <a:lumOff val="5000"/>
+                        </a:schemeClr>
+                      </a:solidFill>
+                      <a:latin typeface="Times New Roman" panose="02020603050405020304" pitchFamily="18" charset="0"/>
+                      <a:cs typeface="Times New Roman" panose="02020603050405020304" pitchFamily="18" charset="0"/>
+                    </a:rPr>
+                  </a:br>
+                  <a:r>
+                    <a:rPr lang="en-US" dirty="0">
+                      <a:solidFill>
+                        <a:schemeClr val="tx1">
+                          <a:lumMod val="95000"/>
+                          <a:lumOff val="5000"/>
+                        </a:schemeClr>
+                      </a:solidFill>
+                      <a:latin typeface="Times New Roman" panose="02020603050405020304" pitchFamily="18" charset="0"/>
+                      <a:cs typeface="Times New Roman" panose="02020603050405020304" pitchFamily="18" charset="0"/>
+                    </a:rPr>
+                    <a:t>problem parameters </a:t>
+                  </a:r>
+                  <a14:m>
+                    <m:oMath xmlns:m="http://schemas.openxmlformats.org/officeDocument/2006/math">
+                      <m:r>
+                        <m:rPr>
+                          <m:sty m:val="p"/>
+                        </m:rPr>
+                        <a:rPr lang="el-GR" i="1">
+                          <a:solidFill>
+                            <a:schemeClr val="tx1">
+                              <a:lumMod val="95000"/>
+                              <a:lumOff val="5000"/>
+                            </a:schemeClr>
+                          </a:solidFill>
+                          <a:latin typeface="Cambria Math" panose="02040503050406030204" pitchFamily="18" charset="0"/>
+                          <a:ea typeface="Cambria Math" panose="02040503050406030204" pitchFamily="18" charset="0"/>
+                          <a:cs typeface="Times New Roman" panose="02020603050405020304" pitchFamily="18" charset="0"/>
+                        </a:rPr>
+                        <m:t>Ξ</m:t>
+                      </m:r>
+                    </m:oMath>
+                  </a14:m>
+                  <a:endParaRPr lang="en-US" dirty="0">
+                    <a:solidFill>
+                      <a:schemeClr val="tx1">
+                        <a:lumMod val="95000"/>
+                        <a:lumOff val="5000"/>
+                      </a:schemeClr>
+                    </a:solidFill>
+                    <a:latin typeface="Times New Roman" panose="02020603050405020304" pitchFamily="18" charset="0"/>
+                    <a:cs typeface="Times New Roman" panose="02020603050405020304" pitchFamily="18" charset="0"/>
+                  </a:endParaRPr>
+                </a:p>
+              </p:txBody>
+            </p:sp>
+          </mc:Choice>
+          <mc:Fallback>
+            <p:sp>
+              <p:nvSpPr>
+                <p:cNvPr id="19" name="TextBox 18">
+                  <a:extLst>
+                    <a:ext uri="{FF2B5EF4-FFF2-40B4-BE49-F238E27FC236}">
+                      <a16:creationId xmlns:a16="http://schemas.microsoft.com/office/drawing/2014/main" id="{256C351D-1730-2B39-8FF8-9E09EA66E0C7}"/>
+                    </a:ext>
+                  </a:extLst>
+                </p:cNvPr>
+                <p:cNvSpPr txBox="1">
+                  <a:spLocks noRot="1" noChangeAspect="1" noMove="1" noResize="1" noEditPoints="1" noAdjustHandles="1" noChangeArrowheads="1" noChangeShapeType="1" noTextEdit="1"/>
+                </p:cNvSpPr>
+                <p:nvPr/>
+              </p:nvSpPr>
+              <p:spPr>
+                <a:xfrm>
+                  <a:off x="824893" y="2653325"/>
+                  <a:ext cx="2243667" cy="646331"/>
+                </a:xfrm>
+                <a:prstGeom prst="rect">
+                  <a:avLst/>
+                </a:prstGeom>
+                <a:blipFill>
+                  <a:blip r:embed="rId2"/>
+                  <a:stretch>
+                    <a:fillRect l="-1087" t="-4717" b="-14151"/>
+                  </a:stretch>
+                </a:blipFill>
+              </p:spPr>
+              <p:txBody>
+                <a:bodyPr/>
+                <a:lstStyle/>
+                <a:p>
+                  <a:r>
+                    <a:rPr lang="en-US">
+                      <a:noFill/>
+                    </a:rPr>
+                    <a:t> </a:t>
+                  </a:r>
+                </a:p>
+              </p:txBody>
+            </p:sp>
+          </mc:Fallback>
+        </mc:AlternateContent>
+      </p:grpSp>
+      <p:grpSp>
+        <p:nvGrpSpPr>
+          <p:cNvPr id="48" name="Group 47">
+            <a:extLst>
+              <a:ext uri="{FF2B5EF4-FFF2-40B4-BE49-F238E27FC236}">
+                <a16:creationId xmlns:a16="http://schemas.microsoft.com/office/drawing/2014/main" id="{1DF76848-25DA-50B6-7290-FB965DF2CA75}"/>
+              </a:ext>
+            </a:extLst>
+          </p:cNvPr>
+          <p:cNvGrpSpPr/>
+          <p:nvPr/>
+        </p:nvGrpSpPr>
+        <p:grpSpPr>
+          <a:xfrm>
+            <a:off x="2676672" y="442054"/>
+            <a:ext cx="2678836" cy="2102643"/>
+            <a:chOff x="4187358" y="1713459"/>
+            <a:chExt cx="2678836" cy="2102644"/>
+          </a:xfrm>
+        </p:grpSpPr>
+        <p:grpSp>
+          <p:nvGrpSpPr>
+            <p:cNvPr id="23" name="Group 22">
+              <a:extLst>
+                <a:ext uri="{FF2B5EF4-FFF2-40B4-BE49-F238E27FC236}">
+                  <a16:creationId xmlns:a16="http://schemas.microsoft.com/office/drawing/2014/main" id="{998CAFD2-961A-A561-35A9-C7B7A892AF6D}"/>
+                </a:ext>
+              </a:extLst>
+            </p:cNvPr>
+            <p:cNvGrpSpPr/>
+            <p:nvPr/>
+          </p:nvGrpSpPr>
+          <p:grpSpPr>
+            <a:xfrm>
+              <a:off x="4814815" y="1713459"/>
+              <a:ext cx="1351041" cy="1375296"/>
+              <a:chOff x="3224894" y="1926498"/>
+              <a:chExt cx="672646" cy="684722"/>
+            </a:xfrm>
+          </p:grpSpPr>
+          <p:sp>
+            <p:nvSpPr>
+              <p:cNvPr id="24" name="Oval 23">
+                <a:extLst>
+                  <a:ext uri="{FF2B5EF4-FFF2-40B4-BE49-F238E27FC236}">
+                    <a16:creationId xmlns:a16="http://schemas.microsoft.com/office/drawing/2014/main" id="{C7FD386B-6AD1-8F38-7B06-C7D954C63A6C}"/>
+                  </a:ext>
+                </a:extLst>
+              </p:cNvPr>
+              <p:cNvSpPr/>
+              <p:nvPr/>
+            </p:nvSpPr>
+            <p:spPr>
+              <a:xfrm>
+                <a:off x="3224894" y="1926498"/>
+                <a:ext cx="151040" cy="151040"/>
+              </a:xfrm>
+              <a:prstGeom prst="ellipse">
+                <a:avLst/>
+              </a:prstGeom>
+              <a:solidFill>
+                <a:srgbClr val="002060"/>
+              </a:solidFill>
+              <a:ln>
+                <a:noFill/>
+              </a:ln>
+            </p:spPr>
+            <p:style>
+              <a:lnRef idx="2">
+                <a:schemeClr val="accent1">
+                  <a:shade val="50000"/>
+                </a:schemeClr>
+              </a:lnRef>
+              <a:fillRef idx="1">
+                <a:schemeClr val="accent1"/>
+              </a:fillRef>
+              <a:effectRef idx="0">
+                <a:schemeClr val="accent1"/>
+              </a:effectRef>
+              <a:fontRef idx="minor">
+                <a:schemeClr val="lt1"/>
+              </a:fontRef>
+            </p:style>
+            <p:txBody>
+              <a:bodyPr rtlCol="0" anchor="ctr"/>
+              <a:lstStyle/>
+              <a:p>
+                <a:pPr algn="ctr"/>
+                <a:endParaRPr lang="en-US" dirty="0"/>
+              </a:p>
+            </p:txBody>
+          </p:sp>
+          <p:sp>
+            <p:nvSpPr>
+              <p:cNvPr id="25" name="Oval 24">
+                <a:extLst>
+                  <a:ext uri="{FF2B5EF4-FFF2-40B4-BE49-F238E27FC236}">
+                    <a16:creationId xmlns:a16="http://schemas.microsoft.com/office/drawing/2014/main" id="{B4BEC158-E1DC-AAD8-5E02-84563742F361}"/>
+                  </a:ext>
+                </a:extLst>
+              </p:cNvPr>
+              <p:cNvSpPr/>
+              <p:nvPr/>
+            </p:nvSpPr>
+            <p:spPr>
+              <a:xfrm>
+                <a:off x="3224894" y="2194334"/>
+                <a:ext cx="151040" cy="151040"/>
+              </a:xfrm>
+              <a:prstGeom prst="ellipse">
+                <a:avLst/>
+              </a:prstGeom>
+              <a:solidFill>
+                <a:srgbClr val="002060"/>
+              </a:solidFill>
+              <a:ln>
+                <a:noFill/>
+              </a:ln>
+            </p:spPr>
+            <p:style>
+              <a:lnRef idx="2">
+                <a:schemeClr val="accent1">
+                  <a:shade val="50000"/>
+                </a:schemeClr>
+              </a:lnRef>
+              <a:fillRef idx="1">
+                <a:schemeClr val="accent1"/>
+              </a:fillRef>
+              <a:effectRef idx="0">
+                <a:schemeClr val="accent1"/>
+              </a:effectRef>
+              <a:fontRef idx="minor">
+                <a:schemeClr val="lt1"/>
+              </a:fontRef>
+            </p:style>
+            <p:txBody>
+              <a:bodyPr rtlCol="0" anchor="ctr"/>
+              <a:lstStyle/>
+              <a:p>
+                <a:pPr algn="ctr"/>
+                <a:endParaRPr lang="en-US"/>
+              </a:p>
+            </p:txBody>
+          </p:sp>
+          <p:sp>
+            <p:nvSpPr>
+              <p:cNvPr id="26" name="Oval 25">
+                <a:extLst>
+                  <a:ext uri="{FF2B5EF4-FFF2-40B4-BE49-F238E27FC236}">
+                    <a16:creationId xmlns:a16="http://schemas.microsoft.com/office/drawing/2014/main" id="{826DAAF2-EF65-DFCE-1092-D723C88654BF}"/>
+                  </a:ext>
+                </a:extLst>
+              </p:cNvPr>
+              <p:cNvSpPr/>
+              <p:nvPr/>
+            </p:nvSpPr>
+            <p:spPr>
+              <a:xfrm>
+                <a:off x="3224894" y="2460180"/>
+                <a:ext cx="151040" cy="151040"/>
+              </a:xfrm>
+              <a:prstGeom prst="ellipse">
+                <a:avLst/>
+              </a:prstGeom>
+              <a:solidFill>
+                <a:srgbClr val="002060"/>
+              </a:solidFill>
+              <a:ln>
+                <a:noFill/>
+              </a:ln>
+            </p:spPr>
+            <p:style>
+              <a:lnRef idx="2">
+                <a:schemeClr val="accent1">
+                  <a:shade val="50000"/>
+                </a:schemeClr>
+              </a:lnRef>
+              <a:fillRef idx="1">
+                <a:schemeClr val="accent1"/>
+              </a:fillRef>
+              <a:effectRef idx="0">
+                <a:schemeClr val="accent1"/>
+              </a:effectRef>
+              <a:fontRef idx="minor">
+                <a:schemeClr val="lt1"/>
+              </a:fontRef>
+            </p:style>
+            <p:txBody>
+              <a:bodyPr rtlCol="0" anchor="ctr"/>
+              <a:lstStyle/>
+              <a:p>
+                <a:pPr algn="ctr"/>
+                <a:endParaRPr lang="en-US"/>
+              </a:p>
+            </p:txBody>
+          </p:sp>
+          <p:sp>
+            <p:nvSpPr>
+              <p:cNvPr id="27" name="Oval 26">
+                <a:extLst>
+                  <a:ext uri="{FF2B5EF4-FFF2-40B4-BE49-F238E27FC236}">
+                    <a16:creationId xmlns:a16="http://schemas.microsoft.com/office/drawing/2014/main" id="{7704CFDA-DF5C-E1AF-9304-95B3491E68C0}"/>
+                  </a:ext>
+                </a:extLst>
+              </p:cNvPr>
+              <p:cNvSpPr/>
+              <p:nvPr/>
+            </p:nvSpPr>
+            <p:spPr>
+              <a:xfrm>
+                <a:off x="3503840" y="1926498"/>
+                <a:ext cx="151040" cy="151040"/>
+              </a:xfrm>
+              <a:prstGeom prst="ellipse">
+                <a:avLst/>
+              </a:prstGeom>
+              <a:solidFill>
+                <a:srgbClr val="A6CAEC"/>
+              </a:solidFill>
+              <a:ln>
+                <a:noFill/>
+              </a:ln>
+            </p:spPr>
+            <p:style>
+              <a:lnRef idx="2">
+                <a:schemeClr val="accent1">
+                  <a:shade val="50000"/>
+                </a:schemeClr>
+              </a:lnRef>
+              <a:fillRef idx="1">
+                <a:schemeClr val="accent1"/>
+              </a:fillRef>
+              <a:effectRef idx="0">
+                <a:schemeClr val="accent1"/>
+              </a:effectRef>
+              <a:fontRef idx="minor">
+                <a:schemeClr val="lt1"/>
+              </a:fontRef>
+            </p:style>
+            <p:txBody>
+              <a:bodyPr rtlCol="0" anchor="ctr"/>
+              <a:lstStyle/>
+              <a:p>
+                <a:pPr algn="ctr"/>
+                <a:endParaRPr lang="en-US"/>
+              </a:p>
+            </p:txBody>
+          </p:sp>
+          <p:sp>
+            <p:nvSpPr>
+              <p:cNvPr id="28" name="Oval 27">
+                <a:extLst>
+                  <a:ext uri="{FF2B5EF4-FFF2-40B4-BE49-F238E27FC236}">
+                    <a16:creationId xmlns:a16="http://schemas.microsoft.com/office/drawing/2014/main" id="{D24F1345-1315-2E0B-C106-A26D46D46715}"/>
+                  </a:ext>
+                </a:extLst>
+              </p:cNvPr>
+              <p:cNvSpPr/>
+              <p:nvPr/>
+            </p:nvSpPr>
+            <p:spPr>
+              <a:xfrm>
+                <a:off x="3503840" y="2194334"/>
+                <a:ext cx="151040" cy="151040"/>
+              </a:xfrm>
+              <a:prstGeom prst="ellipse">
+                <a:avLst/>
+              </a:prstGeom>
+              <a:solidFill>
+                <a:srgbClr val="A6CAEC"/>
+              </a:solidFill>
+              <a:ln>
+                <a:noFill/>
+              </a:ln>
+            </p:spPr>
+            <p:style>
+              <a:lnRef idx="2">
+                <a:schemeClr val="accent1">
+                  <a:shade val="50000"/>
+                </a:schemeClr>
+              </a:lnRef>
+              <a:fillRef idx="1">
+                <a:schemeClr val="accent1"/>
+              </a:fillRef>
+              <a:effectRef idx="0">
+                <a:schemeClr val="accent1"/>
+              </a:effectRef>
+              <a:fontRef idx="minor">
+                <a:schemeClr val="lt1"/>
+              </a:fontRef>
+            </p:style>
+            <p:txBody>
+              <a:bodyPr rtlCol="0" anchor="ctr"/>
+              <a:lstStyle/>
+              <a:p>
+                <a:pPr algn="ctr"/>
+                <a:endParaRPr lang="en-US"/>
+              </a:p>
+            </p:txBody>
+          </p:sp>
+          <p:sp>
+            <p:nvSpPr>
+              <p:cNvPr id="29" name="Oval 28">
+                <a:extLst>
+                  <a:ext uri="{FF2B5EF4-FFF2-40B4-BE49-F238E27FC236}">
+                    <a16:creationId xmlns:a16="http://schemas.microsoft.com/office/drawing/2014/main" id="{F4E6CAB9-408A-4A14-85FD-BED65FCD33DA}"/>
+                  </a:ext>
+                </a:extLst>
+              </p:cNvPr>
+              <p:cNvSpPr/>
+              <p:nvPr/>
+            </p:nvSpPr>
+            <p:spPr>
+              <a:xfrm>
+                <a:off x="3503840" y="2460180"/>
+                <a:ext cx="151040" cy="151040"/>
+              </a:xfrm>
+              <a:prstGeom prst="ellipse">
+                <a:avLst/>
+              </a:prstGeom>
+              <a:solidFill>
+                <a:srgbClr val="A6CAEC"/>
+              </a:solidFill>
+              <a:ln>
+                <a:noFill/>
+              </a:ln>
+            </p:spPr>
+            <p:style>
+              <a:lnRef idx="2">
+                <a:schemeClr val="accent1">
+                  <a:shade val="50000"/>
+                </a:schemeClr>
+              </a:lnRef>
+              <a:fillRef idx="1">
+                <a:schemeClr val="accent1"/>
+              </a:fillRef>
+              <a:effectRef idx="0">
+                <a:schemeClr val="accent1"/>
+              </a:effectRef>
+              <a:fontRef idx="minor">
+                <a:schemeClr val="lt1"/>
+              </a:fontRef>
+            </p:style>
+            <p:txBody>
+              <a:bodyPr rtlCol="0" anchor="ctr"/>
+              <a:lstStyle/>
+              <a:p>
+                <a:pPr algn="ctr"/>
+                <a:endParaRPr lang="en-US"/>
+              </a:p>
+            </p:txBody>
+          </p:sp>
+          <p:sp>
+            <p:nvSpPr>
+              <p:cNvPr id="30" name="Oval 29">
+                <a:extLst>
+                  <a:ext uri="{FF2B5EF4-FFF2-40B4-BE49-F238E27FC236}">
+                    <a16:creationId xmlns:a16="http://schemas.microsoft.com/office/drawing/2014/main" id="{5534F930-E576-5B3F-ACE7-857069CC257A}"/>
+                  </a:ext>
+                </a:extLst>
+              </p:cNvPr>
+              <p:cNvSpPr/>
+              <p:nvPr/>
+            </p:nvSpPr>
+            <p:spPr>
+              <a:xfrm>
+                <a:off x="3746500" y="2043294"/>
+                <a:ext cx="151040" cy="151040"/>
+              </a:xfrm>
+              <a:prstGeom prst="ellipse">
+                <a:avLst/>
+              </a:prstGeom>
+              <a:solidFill>
+                <a:srgbClr val="002060"/>
+              </a:solidFill>
+              <a:ln>
+                <a:noFill/>
+              </a:ln>
+            </p:spPr>
+            <p:style>
+              <a:lnRef idx="2">
+                <a:schemeClr val="accent1">
+                  <a:shade val="50000"/>
+                </a:schemeClr>
+              </a:lnRef>
+              <a:fillRef idx="1">
+                <a:schemeClr val="accent1"/>
+              </a:fillRef>
+              <a:effectRef idx="0">
+                <a:schemeClr val="accent1"/>
+              </a:effectRef>
+              <a:fontRef idx="minor">
+                <a:schemeClr val="lt1"/>
+              </a:fontRef>
+            </p:style>
+            <p:txBody>
+              <a:bodyPr rtlCol="0" anchor="ctr"/>
+              <a:lstStyle/>
+              <a:p>
+                <a:pPr algn="ctr"/>
+                <a:endParaRPr lang="en-US"/>
+              </a:p>
+            </p:txBody>
+          </p:sp>
+          <p:sp>
+            <p:nvSpPr>
+              <p:cNvPr id="31" name="Oval 30">
+                <a:extLst>
+                  <a:ext uri="{FF2B5EF4-FFF2-40B4-BE49-F238E27FC236}">
+                    <a16:creationId xmlns:a16="http://schemas.microsoft.com/office/drawing/2014/main" id="{CA3CD416-611F-3C97-2E3F-3FB806AEB405}"/>
+                  </a:ext>
+                </a:extLst>
+              </p:cNvPr>
+              <p:cNvSpPr/>
+              <p:nvPr/>
+            </p:nvSpPr>
+            <p:spPr>
+              <a:xfrm>
+                <a:off x="3746500" y="2311130"/>
+                <a:ext cx="151040" cy="151040"/>
+              </a:xfrm>
+              <a:prstGeom prst="ellipse">
+                <a:avLst/>
+              </a:prstGeom>
+              <a:solidFill>
+                <a:srgbClr val="002060"/>
+              </a:solidFill>
+              <a:ln>
+                <a:noFill/>
+              </a:ln>
+            </p:spPr>
+            <p:style>
+              <a:lnRef idx="2">
+                <a:schemeClr val="accent1">
+                  <a:shade val="50000"/>
+                </a:schemeClr>
+              </a:lnRef>
+              <a:fillRef idx="1">
+                <a:schemeClr val="accent1"/>
+              </a:fillRef>
+              <a:effectRef idx="0">
+                <a:schemeClr val="accent1"/>
+              </a:effectRef>
+              <a:fontRef idx="minor">
+                <a:schemeClr val="lt1"/>
+              </a:fontRef>
+            </p:style>
+            <p:txBody>
+              <a:bodyPr rtlCol="0" anchor="ctr"/>
+              <a:lstStyle/>
+              <a:p>
+                <a:pPr algn="ctr"/>
+                <a:endParaRPr lang="en-US"/>
+              </a:p>
+            </p:txBody>
+          </p:sp>
+          <p:cxnSp>
+            <p:nvCxnSpPr>
+              <p:cNvPr id="32" name="Straight Connector 31">
+                <a:extLst>
+                  <a:ext uri="{FF2B5EF4-FFF2-40B4-BE49-F238E27FC236}">
+                    <a16:creationId xmlns:a16="http://schemas.microsoft.com/office/drawing/2014/main" id="{05B384F8-FD5D-622B-71CA-C64D4BB6AFDF}"/>
+                  </a:ext>
+                </a:extLst>
+              </p:cNvPr>
+              <p:cNvCxnSpPr>
+                <a:stCxn id="24" idx="6"/>
+                <a:endCxn id="28" idx="2"/>
+              </p:cNvCxnSpPr>
+              <p:nvPr/>
+            </p:nvCxnSpPr>
+            <p:spPr>
+              <a:xfrm>
+                <a:off x="3375934" y="2002018"/>
+                <a:ext cx="127906" cy="267836"/>
+              </a:xfrm>
+              <a:prstGeom prst="line">
+                <a:avLst/>
+              </a:prstGeom>
+              <a:ln w="19050">
+                <a:solidFill>
+                  <a:schemeClr val="tx1">
+                    <a:lumMod val="75000"/>
+                    <a:lumOff val="25000"/>
+                  </a:schemeClr>
+                </a:solidFill>
+              </a:ln>
+            </p:spPr>
+            <p:style>
+              <a:lnRef idx="1">
+                <a:schemeClr val="accent1"/>
+              </a:lnRef>
+              <a:fillRef idx="0">
+                <a:schemeClr val="accent1"/>
+              </a:fillRef>
+              <a:effectRef idx="0">
+                <a:schemeClr val="accent1"/>
+              </a:effectRef>
+              <a:fontRef idx="minor">
+                <a:schemeClr val="tx1"/>
+              </a:fontRef>
+            </p:style>
+          </p:cxnSp>
+          <p:cxnSp>
+            <p:nvCxnSpPr>
+              <p:cNvPr id="33" name="Straight Connector 32">
+                <a:extLst>
+                  <a:ext uri="{FF2B5EF4-FFF2-40B4-BE49-F238E27FC236}">
+                    <a16:creationId xmlns:a16="http://schemas.microsoft.com/office/drawing/2014/main" id="{338B7D9E-A72A-240F-4F82-44246438C3A8}"/>
+                  </a:ext>
+                </a:extLst>
+              </p:cNvPr>
+              <p:cNvCxnSpPr>
+                <a:cxnSpLocks/>
+                <a:stCxn id="24" idx="6"/>
+                <a:endCxn id="27" idx="2"/>
+              </p:cNvCxnSpPr>
+              <p:nvPr/>
+            </p:nvCxnSpPr>
+            <p:spPr>
+              <a:xfrm>
+                <a:off x="3375934" y="2002018"/>
+                <a:ext cx="127906" cy="0"/>
+              </a:xfrm>
+              <a:prstGeom prst="line">
+                <a:avLst/>
+              </a:prstGeom>
+              <a:ln w="19050">
+                <a:solidFill>
+                  <a:schemeClr val="tx1">
+                    <a:lumMod val="75000"/>
+                    <a:lumOff val="25000"/>
+                  </a:schemeClr>
+                </a:solidFill>
+              </a:ln>
+            </p:spPr>
+            <p:style>
+              <a:lnRef idx="1">
+                <a:schemeClr val="accent1"/>
+              </a:lnRef>
+              <a:fillRef idx="0">
+                <a:schemeClr val="accent1"/>
+              </a:fillRef>
+              <a:effectRef idx="0">
+                <a:schemeClr val="accent1"/>
+              </a:effectRef>
+              <a:fontRef idx="minor">
+                <a:schemeClr val="tx1"/>
+              </a:fontRef>
+            </p:style>
+          </p:cxnSp>
+          <p:cxnSp>
+            <p:nvCxnSpPr>
+              <p:cNvPr id="34" name="Straight Connector 33">
+                <a:extLst>
+                  <a:ext uri="{FF2B5EF4-FFF2-40B4-BE49-F238E27FC236}">
+                    <a16:creationId xmlns:a16="http://schemas.microsoft.com/office/drawing/2014/main" id="{7D03339C-0FB1-81CE-4127-54D15C2ECCB0}"/>
+                  </a:ext>
+                </a:extLst>
+              </p:cNvPr>
+              <p:cNvCxnSpPr>
+                <a:cxnSpLocks/>
+                <a:stCxn id="24" idx="6"/>
+                <a:endCxn id="29" idx="2"/>
+              </p:cNvCxnSpPr>
+              <p:nvPr/>
+            </p:nvCxnSpPr>
+            <p:spPr>
+              <a:xfrm>
+                <a:off x="3375934" y="2002018"/>
+                <a:ext cx="127906" cy="533682"/>
+              </a:xfrm>
+              <a:prstGeom prst="line">
+                <a:avLst/>
+              </a:prstGeom>
+              <a:ln w="19050">
+                <a:solidFill>
+                  <a:schemeClr val="tx1">
+                    <a:lumMod val="75000"/>
+                    <a:lumOff val="25000"/>
+                  </a:schemeClr>
+                </a:solidFill>
+              </a:ln>
+            </p:spPr>
+            <p:style>
+              <a:lnRef idx="1">
+                <a:schemeClr val="accent1"/>
+              </a:lnRef>
+              <a:fillRef idx="0">
+                <a:schemeClr val="accent1"/>
+              </a:fillRef>
+              <a:effectRef idx="0">
+                <a:schemeClr val="accent1"/>
+              </a:effectRef>
+              <a:fontRef idx="minor">
+                <a:schemeClr val="tx1"/>
+              </a:fontRef>
+            </p:style>
+          </p:cxnSp>
+          <p:cxnSp>
+            <p:nvCxnSpPr>
+              <p:cNvPr id="35" name="Straight Connector 34">
+                <a:extLst>
+                  <a:ext uri="{FF2B5EF4-FFF2-40B4-BE49-F238E27FC236}">
+                    <a16:creationId xmlns:a16="http://schemas.microsoft.com/office/drawing/2014/main" id="{6DA896C9-4D19-4C65-D4A5-57188A113611}"/>
+                  </a:ext>
+                </a:extLst>
+              </p:cNvPr>
+              <p:cNvCxnSpPr>
+                <a:cxnSpLocks/>
+                <a:stCxn id="25" idx="6"/>
+                <a:endCxn id="27" idx="2"/>
+              </p:cNvCxnSpPr>
+              <p:nvPr/>
+            </p:nvCxnSpPr>
+            <p:spPr>
+              <a:xfrm flipV="1">
+                <a:off x="3375934" y="2002018"/>
+                <a:ext cx="127906" cy="267836"/>
+              </a:xfrm>
+              <a:prstGeom prst="line">
+                <a:avLst/>
+              </a:prstGeom>
+              <a:ln w="19050">
+                <a:solidFill>
+                  <a:schemeClr val="tx1">
+                    <a:lumMod val="75000"/>
+                    <a:lumOff val="25000"/>
+                  </a:schemeClr>
+                </a:solidFill>
+              </a:ln>
+            </p:spPr>
+            <p:style>
+              <a:lnRef idx="1">
+                <a:schemeClr val="accent1"/>
+              </a:lnRef>
+              <a:fillRef idx="0">
+                <a:schemeClr val="accent1"/>
+              </a:fillRef>
+              <a:effectRef idx="0">
+                <a:schemeClr val="accent1"/>
+              </a:effectRef>
+              <a:fontRef idx="minor">
+                <a:schemeClr val="tx1"/>
+              </a:fontRef>
+            </p:style>
+          </p:cxnSp>
+          <p:cxnSp>
+            <p:nvCxnSpPr>
+              <p:cNvPr id="36" name="Straight Connector 35">
+                <a:extLst>
+                  <a:ext uri="{FF2B5EF4-FFF2-40B4-BE49-F238E27FC236}">
+                    <a16:creationId xmlns:a16="http://schemas.microsoft.com/office/drawing/2014/main" id="{D6A85677-D061-3E2E-DE88-1AFC27F76E49}"/>
+                  </a:ext>
+                </a:extLst>
+              </p:cNvPr>
+              <p:cNvCxnSpPr>
+                <a:cxnSpLocks/>
+                <a:stCxn id="25" idx="6"/>
+                <a:endCxn id="28" idx="2"/>
+              </p:cNvCxnSpPr>
+              <p:nvPr/>
+            </p:nvCxnSpPr>
+            <p:spPr>
+              <a:xfrm>
+                <a:off x="3375934" y="2269854"/>
+                <a:ext cx="127906" cy="0"/>
+              </a:xfrm>
+              <a:prstGeom prst="line">
+                <a:avLst/>
+              </a:prstGeom>
+              <a:ln w="19050">
+                <a:solidFill>
+                  <a:schemeClr val="tx1">
+                    <a:lumMod val="75000"/>
+                    <a:lumOff val="25000"/>
+                  </a:schemeClr>
+                </a:solidFill>
+              </a:ln>
+            </p:spPr>
+            <p:style>
+              <a:lnRef idx="1">
+                <a:schemeClr val="accent1"/>
+              </a:lnRef>
+              <a:fillRef idx="0">
+                <a:schemeClr val="accent1"/>
+              </a:fillRef>
+              <a:effectRef idx="0">
+                <a:schemeClr val="accent1"/>
+              </a:effectRef>
+              <a:fontRef idx="minor">
+                <a:schemeClr val="tx1"/>
+              </a:fontRef>
+            </p:style>
+          </p:cxnSp>
+          <p:cxnSp>
+            <p:nvCxnSpPr>
+              <p:cNvPr id="37" name="Straight Connector 36">
+                <a:extLst>
+                  <a:ext uri="{FF2B5EF4-FFF2-40B4-BE49-F238E27FC236}">
+                    <a16:creationId xmlns:a16="http://schemas.microsoft.com/office/drawing/2014/main" id="{FDEFD0FE-5F56-D40B-3726-1D10929D84F1}"/>
+                  </a:ext>
+                </a:extLst>
+              </p:cNvPr>
+              <p:cNvCxnSpPr>
+                <a:cxnSpLocks/>
+                <a:stCxn id="25" idx="6"/>
+                <a:endCxn id="29" idx="2"/>
+              </p:cNvCxnSpPr>
+              <p:nvPr/>
+            </p:nvCxnSpPr>
+            <p:spPr>
+              <a:xfrm>
+                <a:off x="3375934" y="2269854"/>
+                <a:ext cx="127906" cy="265846"/>
+              </a:xfrm>
+              <a:prstGeom prst="line">
+                <a:avLst/>
+              </a:prstGeom>
+              <a:ln w="19050">
+                <a:solidFill>
+                  <a:schemeClr val="tx1">
+                    <a:lumMod val="75000"/>
+                    <a:lumOff val="25000"/>
+                  </a:schemeClr>
+                </a:solidFill>
+              </a:ln>
+            </p:spPr>
+            <p:style>
+              <a:lnRef idx="1">
+                <a:schemeClr val="accent1"/>
+              </a:lnRef>
+              <a:fillRef idx="0">
+                <a:schemeClr val="accent1"/>
+              </a:fillRef>
+              <a:effectRef idx="0">
+                <a:schemeClr val="accent1"/>
+              </a:effectRef>
+              <a:fontRef idx="minor">
+                <a:schemeClr val="tx1"/>
+              </a:fontRef>
+            </p:style>
+          </p:cxnSp>
+          <p:cxnSp>
+            <p:nvCxnSpPr>
+              <p:cNvPr id="38" name="Straight Connector 37">
+                <a:extLst>
+                  <a:ext uri="{FF2B5EF4-FFF2-40B4-BE49-F238E27FC236}">
+                    <a16:creationId xmlns:a16="http://schemas.microsoft.com/office/drawing/2014/main" id="{837269C9-24B0-461C-7E04-05B7D475ED29}"/>
+                  </a:ext>
+                </a:extLst>
+              </p:cNvPr>
+              <p:cNvCxnSpPr>
+                <a:cxnSpLocks/>
+                <a:stCxn id="26" idx="6"/>
+                <a:endCxn id="27" idx="2"/>
+              </p:cNvCxnSpPr>
+              <p:nvPr/>
+            </p:nvCxnSpPr>
+            <p:spPr>
+              <a:xfrm flipV="1">
+                <a:off x="3375934" y="2002018"/>
+                <a:ext cx="127906" cy="533682"/>
+              </a:xfrm>
+              <a:prstGeom prst="line">
+                <a:avLst/>
+              </a:prstGeom>
+              <a:ln w="19050">
+                <a:solidFill>
+                  <a:schemeClr val="tx1">
+                    <a:lumMod val="75000"/>
+                    <a:lumOff val="25000"/>
+                  </a:schemeClr>
+                </a:solidFill>
+              </a:ln>
+            </p:spPr>
+            <p:style>
+              <a:lnRef idx="1">
+                <a:schemeClr val="accent1"/>
+              </a:lnRef>
+              <a:fillRef idx="0">
+                <a:schemeClr val="accent1"/>
+              </a:fillRef>
+              <a:effectRef idx="0">
+                <a:schemeClr val="accent1"/>
+              </a:effectRef>
+              <a:fontRef idx="minor">
+                <a:schemeClr val="tx1"/>
+              </a:fontRef>
+            </p:style>
+          </p:cxnSp>
+          <p:cxnSp>
+            <p:nvCxnSpPr>
+              <p:cNvPr id="39" name="Straight Connector 38">
+                <a:extLst>
+                  <a:ext uri="{FF2B5EF4-FFF2-40B4-BE49-F238E27FC236}">
+                    <a16:creationId xmlns:a16="http://schemas.microsoft.com/office/drawing/2014/main" id="{D2337990-D6ED-69E8-547B-913AC98339BA}"/>
+                  </a:ext>
+                </a:extLst>
+              </p:cNvPr>
+              <p:cNvCxnSpPr>
+                <a:cxnSpLocks/>
+                <a:stCxn id="26" idx="6"/>
+                <a:endCxn id="28" idx="2"/>
+              </p:cNvCxnSpPr>
+              <p:nvPr/>
+            </p:nvCxnSpPr>
+            <p:spPr>
+              <a:xfrm flipV="1">
+                <a:off x="3375934" y="2269854"/>
+                <a:ext cx="127906" cy="265846"/>
+              </a:xfrm>
+              <a:prstGeom prst="line">
+                <a:avLst/>
+              </a:prstGeom>
+              <a:ln w="19050">
+                <a:solidFill>
+                  <a:schemeClr val="tx1">
+                    <a:lumMod val="75000"/>
+                    <a:lumOff val="25000"/>
+                  </a:schemeClr>
+                </a:solidFill>
+              </a:ln>
+            </p:spPr>
+            <p:style>
+              <a:lnRef idx="1">
+                <a:schemeClr val="accent1"/>
+              </a:lnRef>
+              <a:fillRef idx="0">
+                <a:schemeClr val="accent1"/>
+              </a:fillRef>
+              <a:effectRef idx="0">
+                <a:schemeClr val="accent1"/>
+              </a:effectRef>
+              <a:fontRef idx="minor">
+                <a:schemeClr val="tx1"/>
+              </a:fontRef>
+            </p:style>
+          </p:cxnSp>
+          <p:cxnSp>
+            <p:nvCxnSpPr>
+              <p:cNvPr id="40" name="Straight Connector 39">
+                <a:extLst>
+                  <a:ext uri="{FF2B5EF4-FFF2-40B4-BE49-F238E27FC236}">
+                    <a16:creationId xmlns:a16="http://schemas.microsoft.com/office/drawing/2014/main" id="{E13FCBBF-6F44-464B-8661-9CE9E9014353}"/>
+                  </a:ext>
+                </a:extLst>
+              </p:cNvPr>
+              <p:cNvCxnSpPr>
+                <a:cxnSpLocks/>
+                <a:stCxn id="26" idx="6"/>
+                <a:endCxn id="29" idx="2"/>
+              </p:cNvCxnSpPr>
+              <p:nvPr/>
+            </p:nvCxnSpPr>
+            <p:spPr>
+              <a:xfrm>
+                <a:off x="3375934" y="2535700"/>
+                <a:ext cx="127906" cy="0"/>
+              </a:xfrm>
+              <a:prstGeom prst="line">
+                <a:avLst/>
+              </a:prstGeom>
+              <a:ln w="19050">
+                <a:solidFill>
+                  <a:schemeClr val="tx1">
+                    <a:lumMod val="75000"/>
+                    <a:lumOff val="25000"/>
+                  </a:schemeClr>
+                </a:solidFill>
+              </a:ln>
+            </p:spPr>
+            <p:style>
+              <a:lnRef idx="1">
+                <a:schemeClr val="accent1"/>
+              </a:lnRef>
+              <a:fillRef idx="0">
+                <a:schemeClr val="accent1"/>
+              </a:fillRef>
+              <a:effectRef idx="0">
+                <a:schemeClr val="accent1"/>
+              </a:effectRef>
+              <a:fontRef idx="minor">
+                <a:schemeClr val="tx1"/>
+              </a:fontRef>
+            </p:style>
+          </p:cxnSp>
+          <p:cxnSp>
+            <p:nvCxnSpPr>
+              <p:cNvPr id="41" name="Straight Connector 40">
+                <a:extLst>
+                  <a:ext uri="{FF2B5EF4-FFF2-40B4-BE49-F238E27FC236}">
+                    <a16:creationId xmlns:a16="http://schemas.microsoft.com/office/drawing/2014/main" id="{0267DF60-D03D-95F5-4E16-D7F93461D764}"/>
+                  </a:ext>
+                </a:extLst>
+              </p:cNvPr>
+              <p:cNvCxnSpPr>
+                <a:cxnSpLocks/>
+                <a:stCxn id="27" idx="6"/>
+                <a:endCxn id="30" idx="2"/>
+              </p:cNvCxnSpPr>
+              <p:nvPr/>
+            </p:nvCxnSpPr>
+            <p:spPr>
+              <a:xfrm>
+                <a:off x="3654880" y="2002018"/>
+                <a:ext cx="91620" cy="116796"/>
+              </a:xfrm>
+              <a:prstGeom prst="line">
+                <a:avLst/>
+              </a:prstGeom>
+              <a:ln w="19050">
+                <a:solidFill>
+                  <a:schemeClr val="tx1">
+                    <a:lumMod val="75000"/>
+                    <a:lumOff val="25000"/>
+                  </a:schemeClr>
+                </a:solidFill>
+              </a:ln>
+            </p:spPr>
+            <p:style>
+              <a:lnRef idx="1">
+                <a:schemeClr val="accent1"/>
+              </a:lnRef>
+              <a:fillRef idx="0">
+                <a:schemeClr val="accent1"/>
+              </a:fillRef>
+              <a:effectRef idx="0">
+                <a:schemeClr val="accent1"/>
+              </a:effectRef>
+              <a:fontRef idx="minor">
+                <a:schemeClr val="tx1"/>
+              </a:fontRef>
+            </p:style>
+          </p:cxnSp>
+          <p:cxnSp>
+            <p:nvCxnSpPr>
+              <p:cNvPr id="42" name="Straight Connector 41">
+                <a:extLst>
+                  <a:ext uri="{FF2B5EF4-FFF2-40B4-BE49-F238E27FC236}">
+                    <a16:creationId xmlns:a16="http://schemas.microsoft.com/office/drawing/2014/main" id="{EA246C65-C85B-747C-1484-EFAED7F57B0D}"/>
+                  </a:ext>
+                </a:extLst>
+              </p:cNvPr>
+              <p:cNvCxnSpPr>
+                <a:cxnSpLocks/>
+                <a:stCxn id="27" idx="6"/>
+                <a:endCxn id="31" idx="2"/>
+              </p:cNvCxnSpPr>
+              <p:nvPr/>
+            </p:nvCxnSpPr>
+            <p:spPr>
+              <a:xfrm>
+                <a:off x="3654880" y="2002018"/>
+                <a:ext cx="91620" cy="384632"/>
+              </a:xfrm>
+              <a:prstGeom prst="line">
+                <a:avLst/>
+              </a:prstGeom>
+              <a:ln w="19050">
+                <a:solidFill>
+                  <a:schemeClr val="tx1">
+                    <a:lumMod val="75000"/>
+                    <a:lumOff val="25000"/>
+                  </a:schemeClr>
+                </a:solidFill>
+              </a:ln>
+            </p:spPr>
+            <p:style>
+              <a:lnRef idx="1">
+                <a:schemeClr val="accent1"/>
+              </a:lnRef>
+              <a:fillRef idx="0">
+                <a:schemeClr val="accent1"/>
+              </a:fillRef>
+              <a:effectRef idx="0">
+                <a:schemeClr val="accent1"/>
+              </a:effectRef>
+              <a:fontRef idx="minor">
+                <a:schemeClr val="tx1"/>
+              </a:fontRef>
+            </p:style>
+          </p:cxnSp>
+          <p:cxnSp>
+            <p:nvCxnSpPr>
+              <p:cNvPr id="43" name="Straight Connector 42">
+                <a:extLst>
+                  <a:ext uri="{FF2B5EF4-FFF2-40B4-BE49-F238E27FC236}">
+                    <a16:creationId xmlns:a16="http://schemas.microsoft.com/office/drawing/2014/main" id="{80E5C74C-BAD9-53EE-43D3-91A0A781FDE1}"/>
+                  </a:ext>
+                </a:extLst>
+              </p:cNvPr>
+              <p:cNvCxnSpPr>
+                <a:cxnSpLocks/>
+                <a:stCxn id="28" idx="6"/>
+                <a:endCxn id="30" idx="2"/>
+              </p:cNvCxnSpPr>
+              <p:nvPr/>
+            </p:nvCxnSpPr>
+            <p:spPr>
+              <a:xfrm flipV="1">
+                <a:off x="3654880" y="2118814"/>
+                <a:ext cx="91620" cy="151040"/>
+              </a:xfrm>
+              <a:prstGeom prst="line">
+                <a:avLst/>
+              </a:prstGeom>
+              <a:ln w="19050">
+                <a:solidFill>
+                  <a:schemeClr val="tx1">
+                    <a:lumMod val="75000"/>
+                    <a:lumOff val="25000"/>
+                  </a:schemeClr>
+                </a:solidFill>
+              </a:ln>
+            </p:spPr>
+            <p:style>
+              <a:lnRef idx="1">
+                <a:schemeClr val="accent1"/>
+              </a:lnRef>
+              <a:fillRef idx="0">
+                <a:schemeClr val="accent1"/>
+              </a:fillRef>
+              <a:effectRef idx="0">
+                <a:schemeClr val="accent1"/>
+              </a:effectRef>
+              <a:fontRef idx="minor">
+                <a:schemeClr val="tx1"/>
+              </a:fontRef>
+            </p:style>
+          </p:cxnSp>
+          <p:cxnSp>
+            <p:nvCxnSpPr>
+              <p:cNvPr id="44" name="Straight Connector 43">
+                <a:extLst>
+                  <a:ext uri="{FF2B5EF4-FFF2-40B4-BE49-F238E27FC236}">
+                    <a16:creationId xmlns:a16="http://schemas.microsoft.com/office/drawing/2014/main" id="{6B9AFD2C-05A6-F941-B364-E819BC07C4FC}"/>
+                  </a:ext>
+                </a:extLst>
+              </p:cNvPr>
+              <p:cNvCxnSpPr>
+                <a:cxnSpLocks/>
+                <a:stCxn id="28" idx="6"/>
+                <a:endCxn id="31" idx="2"/>
+              </p:cNvCxnSpPr>
+              <p:nvPr/>
+            </p:nvCxnSpPr>
+            <p:spPr>
+              <a:xfrm>
+                <a:off x="3654880" y="2269854"/>
+                <a:ext cx="91620" cy="116796"/>
+              </a:xfrm>
+              <a:prstGeom prst="line">
+                <a:avLst/>
+              </a:prstGeom>
+              <a:ln w="19050">
+                <a:solidFill>
+                  <a:schemeClr val="tx1">
+                    <a:lumMod val="75000"/>
+                    <a:lumOff val="25000"/>
+                  </a:schemeClr>
+                </a:solidFill>
+              </a:ln>
+            </p:spPr>
+            <p:style>
+              <a:lnRef idx="1">
+                <a:schemeClr val="accent1"/>
+              </a:lnRef>
+              <a:fillRef idx="0">
+                <a:schemeClr val="accent1"/>
+              </a:fillRef>
+              <a:effectRef idx="0">
+                <a:schemeClr val="accent1"/>
+              </a:effectRef>
+              <a:fontRef idx="minor">
+                <a:schemeClr val="tx1"/>
+              </a:fontRef>
+            </p:style>
+          </p:cxnSp>
+          <p:cxnSp>
+            <p:nvCxnSpPr>
+              <p:cNvPr id="45" name="Straight Connector 44">
+                <a:extLst>
+                  <a:ext uri="{FF2B5EF4-FFF2-40B4-BE49-F238E27FC236}">
+                    <a16:creationId xmlns:a16="http://schemas.microsoft.com/office/drawing/2014/main" id="{001CDD9C-1406-90D2-2A6B-8A17D0978102}"/>
+                  </a:ext>
+                </a:extLst>
+              </p:cNvPr>
+              <p:cNvCxnSpPr>
+                <a:cxnSpLocks/>
+                <a:stCxn id="31" idx="2"/>
+                <a:endCxn id="29" idx="6"/>
+              </p:cNvCxnSpPr>
+              <p:nvPr/>
+            </p:nvCxnSpPr>
+            <p:spPr>
+              <a:xfrm flipH="1">
+                <a:off x="3654880" y="2386650"/>
+                <a:ext cx="91620" cy="149050"/>
+              </a:xfrm>
+              <a:prstGeom prst="line">
+                <a:avLst/>
+              </a:prstGeom>
+              <a:ln w="19050">
+                <a:solidFill>
+                  <a:schemeClr val="tx1">
+                    <a:lumMod val="75000"/>
+                    <a:lumOff val="25000"/>
+                  </a:schemeClr>
+                </a:solidFill>
+              </a:ln>
+            </p:spPr>
+            <p:style>
+              <a:lnRef idx="1">
+                <a:schemeClr val="accent1"/>
+              </a:lnRef>
+              <a:fillRef idx="0">
+                <a:schemeClr val="accent1"/>
+              </a:fillRef>
+              <a:effectRef idx="0">
+                <a:schemeClr val="accent1"/>
+              </a:effectRef>
+              <a:fontRef idx="minor">
+                <a:schemeClr val="tx1"/>
+              </a:fontRef>
+            </p:style>
+          </p:cxnSp>
+          <p:cxnSp>
+            <p:nvCxnSpPr>
+              <p:cNvPr id="46" name="Straight Connector 45">
+                <a:extLst>
+                  <a:ext uri="{FF2B5EF4-FFF2-40B4-BE49-F238E27FC236}">
+                    <a16:creationId xmlns:a16="http://schemas.microsoft.com/office/drawing/2014/main" id="{7629E6D2-621B-6BCC-1C76-493768247ECD}"/>
+                  </a:ext>
+                </a:extLst>
+              </p:cNvPr>
+              <p:cNvCxnSpPr>
+                <a:cxnSpLocks/>
+                <a:stCxn id="29" idx="6"/>
+                <a:endCxn id="30" idx="2"/>
+              </p:cNvCxnSpPr>
+              <p:nvPr/>
+            </p:nvCxnSpPr>
+            <p:spPr>
+              <a:xfrm flipV="1">
+                <a:off x="3654880" y="2118814"/>
+                <a:ext cx="91620" cy="416886"/>
+              </a:xfrm>
+              <a:prstGeom prst="line">
+                <a:avLst/>
+              </a:prstGeom>
+              <a:ln w="19050">
+                <a:solidFill>
+                  <a:schemeClr val="tx1">
+                    <a:lumMod val="75000"/>
+                    <a:lumOff val="25000"/>
+                  </a:schemeClr>
+                </a:solidFill>
+              </a:ln>
+            </p:spPr>
+            <p:style>
+              <a:lnRef idx="1">
+                <a:schemeClr val="accent1"/>
+              </a:lnRef>
+              <a:fillRef idx="0">
+                <a:schemeClr val="accent1"/>
+              </a:fillRef>
+              <a:effectRef idx="0">
+                <a:schemeClr val="accent1"/>
+              </a:effectRef>
+              <a:fontRef idx="minor">
+                <a:schemeClr val="tx1"/>
+              </a:fontRef>
+            </p:style>
+          </p:cxnSp>
+        </p:grpSp>
+        <mc:AlternateContent xmlns:mc="http://schemas.openxmlformats.org/markup-compatibility/2006">
+          <mc:Choice xmlns:a14="http://schemas.microsoft.com/office/drawing/2010/main" Requires="a14">
+            <p:sp>
+              <p:nvSpPr>
+                <p:cNvPr id="47" name="TextBox 46">
+                  <a:extLst>
+                    <a:ext uri="{FF2B5EF4-FFF2-40B4-BE49-F238E27FC236}">
+                      <a16:creationId xmlns:a16="http://schemas.microsoft.com/office/drawing/2014/main" id="{710BD693-E7F2-A9DB-F795-543C980530BB}"/>
+                    </a:ext>
+                  </a:extLst>
+                </p:cNvPr>
+                <p:cNvSpPr txBox="1"/>
+                <p:nvPr/>
+              </p:nvSpPr>
+              <p:spPr>
+                <a:xfrm>
+                  <a:off x="4187358" y="3126234"/>
+                  <a:ext cx="2678836" cy="689869"/>
+                </a:xfrm>
+                <a:prstGeom prst="rect">
+                  <a:avLst/>
+                </a:prstGeom>
+                <a:noFill/>
+              </p:spPr>
+              <p:txBody>
+                <a:bodyPr wrap="square">
+                  <a:spAutoFit/>
+                </a:bodyPr>
+                <a:lstStyle/>
+                <a:p>
+                  <a:pPr algn="ctr"/>
+                  <a:r>
+                    <a:rPr lang="en-US" dirty="0">
+                      <a:solidFill>
+                        <a:schemeClr val="tx1">
+                          <a:lumMod val="95000"/>
+                          <a:lumOff val="5000"/>
+                        </a:schemeClr>
+                      </a:solidFill>
+                      <a:latin typeface="Times New Roman" panose="02020603050405020304" pitchFamily="18" charset="0"/>
+                      <a:cs typeface="Times New Roman" panose="02020603050405020304" pitchFamily="18" charset="0"/>
+                    </a:rPr>
+                    <a:t>Solution map</a:t>
+                  </a:r>
+                  <a:r>
+                    <a:rPr lang="en-US" altLang="zh-CN" dirty="0">
+                      <a:solidFill>
+                        <a:schemeClr val="tx1">
+                          <a:lumMod val="95000"/>
+                          <a:lumOff val="5000"/>
+                        </a:schemeClr>
+                      </a:solidFill>
+                      <a:latin typeface="Times New Roman" panose="02020603050405020304" pitchFamily="18" charset="0"/>
+                      <a:cs typeface="Times New Roman" panose="02020603050405020304" pitchFamily="18" charset="0"/>
+                    </a:rPr>
+                    <a:t>ping</a:t>
+                  </a:r>
+                  <a:r>
+                    <a:rPr lang="en-US" dirty="0">
+                      <a:solidFill>
+                        <a:schemeClr val="tx1">
+                          <a:lumMod val="95000"/>
+                          <a:lumOff val="5000"/>
+                        </a:schemeClr>
+                      </a:solidFill>
+                      <a:latin typeface="Times New Roman" panose="02020603050405020304" pitchFamily="18" charset="0"/>
+                      <a:cs typeface="Times New Roman" panose="02020603050405020304" pitchFamily="18" charset="0"/>
+                    </a:rPr>
+                    <a:t> </a:t>
+                  </a:r>
+                  <a14:m>
+                    <m:oMath xmlns:m="http://schemas.openxmlformats.org/officeDocument/2006/math">
+                      <m:sSub>
+                        <m:sSubPr>
+                          <m:ctrlPr>
+                            <a:rPr lang="en-US" i="1">
+                              <a:solidFill>
+                                <a:schemeClr val="tx1">
+                                  <a:lumMod val="95000"/>
+                                  <a:lumOff val="5000"/>
+                                </a:schemeClr>
+                              </a:solidFill>
+                              <a:latin typeface="Cambria Math" panose="02040503050406030204" pitchFamily="18" charset="0"/>
+                              <a:cs typeface="Times New Roman" panose="02020603050405020304" pitchFamily="18" charset="0"/>
+                            </a:rPr>
+                          </m:ctrlPr>
+                        </m:sSubPr>
+                        <m:e>
+                          <m:r>
+                            <a:rPr lang="en-US" i="1">
+                              <a:solidFill>
+                                <a:schemeClr val="tx1">
+                                  <a:lumMod val="95000"/>
+                                  <a:lumOff val="5000"/>
+                                </a:schemeClr>
+                              </a:solidFill>
+                              <a:latin typeface="Cambria Math" panose="02040503050406030204" pitchFamily="18" charset="0"/>
+                              <a:ea typeface="Cambria Math" panose="02040503050406030204" pitchFamily="18" charset="0"/>
+                              <a:cs typeface="Times New Roman" panose="02020603050405020304" pitchFamily="18" charset="0"/>
+                            </a:rPr>
+                            <m:t>𝜋</m:t>
+                          </m:r>
+                        </m:e>
+                        <m:sub>
+                          <m:sSub>
+                            <m:sSubPr>
+                              <m:ctrlPr>
+                                <a:rPr lang="en-US" i="1">
+                                  <a:solidFill>
+                                    <a:schemeClr val="tx1">
+                                      <a:lumMod val="95000"/>
+                                      <a:lumOff val="5000"/>
+                                    </a:schemeClr>
+                                  </a:solidFill>
+                                  <a:latin typeface="Cambria Math" panose="02040503050406030204" pitchFamily="18" charset="0"/>
+                                  <a:ea typeface="Cambria Math" panose="02040503050406030204" pitchFamily="18" charset="0"/>
+                                  <a:cs typeface="Times New Roman" panose="02020603050405020304" pitchFamily="18" charset="0"/>
+                                </a:rPr>
+                              </m:ctrlPr>
+                            </m:sSubPr>
+                            <m:e>
+                              <m:r>
+                                <m:rPr>
+                                  <m:sty m:val="p"/>
+                                </m:rPr>
+                                <a:rPr lang="en-US">
+                                  <a:solidFill>
+                                    <a:schemeClr val="tx1">
+                                      <a:lumMod val="95000"/>
+                                      <a:lumOff val="5000"/>
+                                    </a:schemeClr>
+                                  </a:solidFill>
+                                  <a:latin typeface="Cambria Math" panose="02040503050406030204" pitchFamily="18" charset="0"/>
+                                  <a:ea typeface="Cambria Math" panose="02040503050406030204" pitchFamily="18" charset="0"/>
+                                  <a:cs typeface="Times New Roman" panose="02020603050405020304" pitchFamily="18" charset="0"/>
+                                </a:rPr>
+                                <m:t>Θ</m:t>
+                              </m:r>
+                            </m:e>
+                            <m:sub>
+                              <m:r>
+                                <a:rPr lang="en-US" i="1">
+                                  <a:solidFill>
+                                    <a:schemeClr val="tx1">
+                                      <a:lumMod val="95000"/>
+                                      <a:lumOff val="5000"/>
+                                    </a:schemeClr>
+                                  </a:solidFill>
+                                  <a:latin typeface="Cambria Math" panose="02040503050406030204" pitchFamily="18" charset="0"/>
+                                  <a:ea typeface="Cambria Math" panose="02040503050406030204" pitchFamily="18" charset="0"/>
+                                  <a:cs typeface="Times New Roman" panose="02020603050405020304" pitchFamily="18" charset="0"/>
+                                </a:rPr>
+                                <m:t>1</m:t>
+                              </m:r>
+                            </m:sub>
+                          </m:sSub>
+                        </m:sub>
+                      </m:sSub>
+                      <m:d>
+                        <m:dPr>
+                          <m:ctrlPr>
+                            <a:rPr lang="en-US" i="1">
+                              <a:solidFill>
+                                <a:schemeClr val="tx1">
+                                  <a:lumMod val="95000"/>
+                                  <a:lumOff val="5000"/>
+                                </a:schemeClr>
+                              </a:solidFill>
+                              <a:latin typeface="Cambria Math" panose="02040503050406030204" pitchFamily="18" charset="0"/>
+                              <a:cs typeface="Times New Roman" panose="02020603050405020304" pitchFamily="18" charset="0"/>
+                            </a:rPr>
+                          </m:ctrlPr>
+                        </m:dPr>
+                        <m:e>
+                          <m:sSup>
+                            <m:sSupPr>
+                              <m:ctrlPr>
+                                <a:rPr lang="en-US" i="1">
+                                  <a:solidFill>
+                                    <a:schemeClr val="tx1">
+                                      <a:lumMod val="95000"/>
+                                      <a:lumOff val="5000"/>
+                                    </a:schemeClr>
+                                  </a:solidFill>
+                                  <a:latin typeface="Cambria Math" panose="02040503050406030204" pitchFamily="18" charset="0"/>
+                                  <a:ea typeface="Cambria Math" panose="02040503050406030204" pitchFamily="18" charset="0"/>
+                                  <a:cs typeface="Times New Roman" panose="02020603050405020304" pitchFamily="18" charset="0"/>
+                                </a:rPr>
+                              </m:ctrlPr>
+                            </m:sSupPr>
+                            <m:e>
+                              <m:r>
+                                <a:rPr lang="en-US" b="1" i="1">
+                                  <a:solidFill>
+                                    <a:schemeClr val="tx1">
+                                      <a:lumMod val="95000"/>
+                                      <a:lumOff val="5000"/>
+                                    </a:schemeClr>
+                                  </a:solidFill>
+                                  <a:latin typeface="Cambria Math" panose="02040503050406030204" pitchFamily="18" charset="0"/>
+                                  <a:ea typeface="Cambria Math" panose="02040503050406030204" pitchFamily="18" charset="0"/>
+                                  <a:cs typeface="Times New Roman" panose="02020603050405020304" pitchFamily="18" charset="0"/>
+                                </a:rPr>
+                                <m:t>𝝃</m:t>
+                              </m:r>
+                            </m:e>
+                            <m:sup>
+                              <m:r>
+                                <a:rPr lang="en-US" i="1">
+                                  <a:solidFill>
+                                    <a:schemeClr val="tx1">
+                                      <a:lumMod val="95000"/>
+                                      <a:lumOff val="5000"/>
+                                    </a:schemeClr>
+                                  </a:solidFill>
+                                  <a:latin typeface="Cambria Math" panose="02040503050406030204" pitchFamily="18" charset="0"/>
+                                  <a:ea typeface="Cambria Math" panose="02040503050406030204" pitchFamily="18" charset="0"/>
+                                  <a:cs typeface="Times New Roman" panose="02020603050405020304" pitchFamily="18" charset="0"/>
+                                </a:rPr>
+                                <m:t>𝑖</m:t>
+                              </m:r>
+                            </m:sup>
+                          </m:sSup>
+                        </m:e>
+                      </m:d>
+                    </m:oMath>
+                  </a14:m>
+                  <a:br>
+                    <a:rPr lang="en-US" dirty="0">
+                      <a:solidFill>
+                        <a:schemeClr val="tx1">
+                          <a:lumMod val="95000"/>
+                          <a:lumOff val="5000"/>
+                        </a:schemeClr>
+                      </a:solidFill>
+                      <a:latin typeface="Times New Roman" panose="02020603050405020304" pitchFamily="18" charset="0"/>
+                      <a:cs typeface="Times New Roman" panose="02020603050405020304" pitchFamily="18" charset="0"/>
+                    </a:rPr>
+                  </a:br>
+                  <a:r>
+                    <a:rPr lang="en-US" dirty="0">
+                      <a:solidFill>
+                        <a:schemeClr val="tx1">
+                          <a:lumMod val="95000"/>
+                          <a:lumOff val="5000"/>
+                        </a:schemeClr>
+                      </a:solidFill>
+                      <a:latin typeface="Times New Roman" panose="02020603050405020304" pitchFamily="18" charset="0"/>
+                      <a:cs typeface="Times New Roman" panose="02020603050405020304" pitchFamily="18" charset="0"/>
+                    </a:rPr>
+                    <a:t>for parametric NLP</a:t>
+                  </a:r>
+                  <a:endParaRPr lang="en-US" b="1" dirty="0">
+                    <a:solidFill>
+                      <a:schemeClr val="tx1">
+                        <a:lumMod val="95000"/>
+                        <a:lumOff val="5000"/>
+                      </a:schemeClr>
+                    </a:solidFill>
+                    <a:latin typeface="Times New Roman" panose="02020603050405020304" pitchFamily="18" charset="0"/>
+                    <a:cs typeface="Times New Roman" panose="02020603050405020304" pitchFamily="18" charset="0"/>
+                  </a:endParaRPr>
+                </a:p>
+              </p:txBody>
+            </p:sp>
+          </mc:Choice>
+          <mc:Fallback>
+            <p:sp>
+              <p:nvSpPr>
+                <p:cNvPr id="47" name="TextBox 46">
+                  <a:extLst>
+                    <a:ext uri="{FF2B5EF4-FFF2-40B4-BE49-F238E27FC236}">
+                      <a16:creationId xmlns:a16="http://schemas.microsoft.com/office/drawing/2014/main" id="{710BD693-E7F2-A9DB-F795-543C980530BB}"/>
+                    </a:ext>
+                  </a:extLst>
+                </p:cNvPr>
+                <p:cNvSpPr txBox="1">
+                  <a:spLocks noRot="1" noChangeAspect="1" noMove="1" noResize="1" noEditPoints="1" noAdjustHandles="1" noChangeArrowheads="1" noChangeShapeType="1" noTextEdit="1"/>
+                </p:cNvSpPr>
+                <p:nvPr/>
+              </p:nvSpPr>
+              <p:spPr>
+                <a:xfrm>
+                  <a:off x="4187358" y="3126234"/>
+                  <a:ext cx="2678836" cy="689869"/>
+                </a:xfrm>
+                <a:prstGeom prst="rect">
+                  <a:avLst/>
+                </a:prstGeom>
+                <a:blipFill>
+                  <a:blip r:embed="rId3"/>
+                  <a:stretch>
+                    <a:fillRect l="-909" t="-1770" b="-13274"/>
+                  </a:stretch>
+                </a:blipFill>
+              </p:spPr>
+              <p:txBody>
+                <a:bodyPr/>
+                <a:lstStyle/>
+                <a:p>
+                  <a:r>
+                    <a:rPr lang="en-US">
+                      <a:noFill/>
+                    </a:rPr>
+                    <a:t> </a:t>
+                  </a:r>
+                </a:p>
+              </p:txBody>
+            </p:sp>
+          </mc:Fallback>
+        </mc:AlternateContent>
+      </p:grpSp>
+      <p:grpSp>
+        <p:nvGrpSpPr>
+          <p:cNvPr id="8" name="Group 7">
+            <a:extLst>
+              <a:ext uri="{FF2B5EF4-FFF2-40B4-BE49-F238E27FC236}">
+                <a16:creationId xmlns:a16="http://schemas.microsoft.com/office/drawing/2014/main" id="{EC25CB51-9874-A9C7-3189-FA164D7A7913}"/>
+              </a:ext>
+            </a:extLst>
+          </p:cNvPr>
+          <p:cNvGrpSpPr/>
+          <p:nvPr/>
+        </p:nvGrpSpPr>
+        <p:grpSpPr>
+          <a:xfrm>
+            <a:off x="5430868" y="317443"/>
+            <a:ext cx="2678837" cy="2221830"/>
+            <a:chOff x="5430867" y="45374"/>
+            <a:chExt cx="2678837" cy="2221830"/>
+          </a:xfrm>
+        </p:grpSpPr>
+        <p:grpSp>
+          <p:nvGrpSpPr>
+            <p:cNvPr id="7" name="Group 6">
+              <a:extLst>
+                <a:ext uri="{FF2B5EF4-FFF2-40B4-BE49-F238E27FC236}">
+                  <a16:creationId xmlns:a16="http://schemas.microsoft.com/office/drawing/2014/main" id="{F8DB8E8B-04D9-BA89-C8A0-F253E36F6BD3}"/>
+                </a:ext>
+              </a:extLst>
+            </p:cNvPr>
+            <p:cNvGrpSpPr/>
+            <p:nvPr/>
+          </p:nvGrpSpPr>
+          <p:grpSpPr>
+            <a:xfrm>
+              <a:off x="6003404" y="45374"/>
+              <a:ext cx="1801011" cy="1499902"/>
+              <a:chOff x="6003404" y="45374"/>
+              <a:chExt cx="1801011" cy="1499902"/>
+            </a:xfrm>
+          </p:grpSpPr>
+          <p:sp>
+            <p:nvSpPr>
+              <p:cNvPr id="6" name="Freeform: Shape 5">
+                <a:extLst>
+                  <a:ext uri="{FF2B5EF4-FFF2-40B4-BE49-F238E27FC236}">
+                    <a16:creationId xmlns:a16="http://schemas.microsoft.com/office/drawing/2014/main" id="{D39C60D4-4CEA-E3F8-2D2F-E3DE4E0B0C4A}"/>
+                  </a:ext>
+                </a:extLst>
+              </p:cNvPr>
+              <p:cNvSpPr/>
+              <p:nvPr/>
+            </p:nvSpPr>
+            <p:spPr>
+              <a:xfrm>
+                <a:off x="6213475" y="571500"/>
+                <a:ext cx="869950" cy="866775"/>
+              </a:xfrm>
+              <a:custGeom>
+                <a:avLst/>
+                <a:gdLst>
+                  <a:gd name="connsiteX0" fmla="*/ 0 w 869950"/>
+                  <a:gd name="connsiteY0" fmla="*/ 6350 h 866775"/>
+                  <a:gd name="connsiteX1" fmla="*/ 0 w 869950"/>
+                  <a:gd name="connsiteY1" fmla="*/ 866775 h 866775"/>
+                  <a:gd name="connsiteX2" fmla="*/ 869950 w 869950"/>
+                  <a:gd name="connsiteY2" fmla="*/ 866775 h 866775"/>
+                  <a:gd name="connsiteX3" fmla="*/ 869950 w 869950"/>
+                  <a:gd name="connsiteY3" fmla="*/ 285750 h 866775"/>
+                  <a:gd name="connsiteX4" fmla="*/ 288925 w 869950"/>
+                  <a:gd name="connsiteY4" fmla="*/ 0 h 866775"/>
+                  <a:gd name="connsiteX5" fmla="*/ 0 w 869950"/>
+                  <a:gd name="connsiteY5" fmla="*/ 6350 h 866775"/>
+                </a:gdLst>
+                <a:ahLst/>
+                <a:cxnLst>
+                  <a:cxn ang="0">
+                    <a:pos x="connsiteX0" y="connsiteY0"/>
+                  </a:cxn>
+                  <a:cxn ang="0">
+                    <a:pos x="connsiteX1" y="connsiteY1"/>
+                  </a:cxn>
+                  <a:cxn ang="0">
+                    <a:pos x="connsiteX2" y="connsiteY2"/>
+                  </a:cxn>
+                  <a:cxn ang="0">
+                    <a:pos x="connsiteX3" y="connsiteY3"/>
+                  </a:cxn>
+                  <a:cxn ang="0">
+                    <a:pos x="connsiteX4" y="connsiteY4"/>
+                  </a:cxn>
+                  <a:cxn ang="0">
+                    <a:pos x="connsiteX5" y="connsiteY5"/>
+                  </a:cxn>
+                </a:cxnLst>
+                <a:rect l="l" t="t" r="r" b="b"/>
+                <a:pathLst>
+                  <a:path w="869950" h="866775">
+                    <a:moveTo>
+                      <a:pt x="0" y="6350"/>
+                    </a:moveTo>
+                    <a:lnTo>
+                      <a:pt x="0" y="866775"/>
+                    </a:lnTo>
+                    <a:lnTo>
+                      <a:pt x="869950" y="866775"/>
+                    </a:lnTo>
+                    <a:lnTo>
+                      <a:pt x="869950" y="285750"/>
+                    </a:lnTo>
+                    <a:lnTo>
+                      <a:pt x="288925" y="0"/>
+                    </a:lnTo>
+                    <a:lnTo>
+                      <a:pt x="0" y="6350"/>
+                    </a:lnTo>
+                    <a:close/>
+                  </a:path>
+                </a:pathLst>
+              </a:custGeom>
+              <a:solidFill>
+                <a:srgbClr val="A6CAEC"/>
+              </a:solidFill>
+              <a:ln>
+                <a:noFill/>
+              </a:ln>
+            </p:spPr>
+            <p:style>
+              <a:lnRef idx="2">
+                <a:schemeClr val="accent1">
+                  <a:shade val="15000"/>
+                </a:schemeClr>
+              </a:lnRef>
+              <a:fillRef idx="1">
+                <a:schemeClr val="accent1"/>
+              </a:fillRef>
+              <a:effectRef idx="0">
+                <a:schemeClr val="accent1"/>
+              </a:effectRef>
+              <a:fontRef idx="minor">
+                <a:schemeClr val="lt1"/>
+              </a:fontRef>
+            </p:style>
+            <p:txBody>
+              <a:bodyPr rtlCol="0" anchor="ctr"/>
+              <a:lstStyle/>
+              <a:p>
+                <a:pPr algn="ctr"/>
+                <a:endParaRPr lang="en-US"/>
+              </a:p>
+            </p:txBody>
+          </p:sp>
+          <p:sp>
+            <p:nvSpPr>
+              <p:cNvPr id="1056" name="Freeform: Shape 1055">
+                <a:extLst>
+                  <a:ext uri="{FF2B5EF4-FFF2-40B4-BE49-F238E27FC236}">
+                    <a16:creationId xmlns:a16="http://schemas.microsoft.com/office/drawing/2014/main" id="{A4B5AAE0-44F3-59D8-FA6F-6A68EC02C598}"/>
+                  </a:ext>
+                </a:extLst>
+              </p:cNvPr>
+              <p:cNvSpPr/>
+              <p:nvPr/>
+            </p:nvSpPr>
+            <p:spPr>
+              <a:xfrm>
+                <a:off x="6202478" y="485584"/>
+                <a:ext cx="1135616" cy="941769"/>
+              </a:xfrm>
+              <a:custGeom>
+                <a:avLst/>
+                <a:gdLst>
+                  <a:gd name="connsiteX0" fmla="*/ 2117 w 1488017"/>
+                  <a:gd name="connsiteY0" fmla="*/ 1234016 h 1234016"/>
+                  <a:gd name="connsiteX1" fmla="*/ 0 w 1488017"/>
+                  <a:gd name="connsiteY1" fmla="*/ 0 h 1234016"/>
+                  <a:gd name="connsiteX2" fmla="*/ 1352550 w 1488017"/>
+                  <a:gd name="connsiteY2" fmla="*/ 338666 h 1234016"/>
+                  <a:gd name="connsiteX3" fmla="*/ 1488017 w 1488017"/>
+                  <a:gd name="connsiteY3" fmla="*/ 628650 h 1234016"/>
+                  <a:gd name="connsiteX4" fmla="*/ 1310217 w 1488017"/>
+                  <a:gd name="connsiteY4" fmla="*/ 1231900 h 1234016"/>
+                  <a:gd name="connsiteX5" fmla="*/ 2117 w 1488017"/>
+                  <a:gd name="connsiteY5" fmla="*/ 1234016 h 1234016"/>
+                </a:gdLst>
+                <a:ahLst/>
+                <a:cxnLst>
+                  <a:cxn ang="0">
+                    <a:pos x="connsiteX0" y="connsiteY0"/>
+                  </a:cxn>
+                  <a:cxn ang="0">
+                    <a:pos x="connsiteX1" y="connsiteY1"/>
+                  </a:cxn>
+                  <a:cxn ang="0">
+                    <a:pos x="connsiteX2" y="connsiteY2"/>
+                  </a:cxn>
+                  <a:cxn ang="0">
+                    <a:pos x="connsiteX3" y="connsiteY3"/>
+                  </a:cxn>
+                  <a:cxn ang="0">
+                    <a:pos x="connsiteX4" y="connsiteY4"/>
+                  </a:cxn>
+                  <a:cxn ang="0">
+                    <a:pos x="connsiteX5" y="connsiteY5"/>
+                  </a:cxn>
+                </a:cxnLst>
+                <a:rect l="l" t="t" r="r" b="b"/>
+                <a:pathLst>
+                  <a:path w="1488017" h="1234016">
+                    <a:moveTo>
+                      <a:pt x="2117" y="1234016"/>
+                    </a:moveTo>
+                    <a:cubicBezTo>
+                      <a:pt x="1411" y="822677"/>
+                      <a:pt x="706" y="411339"/>
+                      <a:pt x="0" y="0"/>
+                    </a:cubicBezTo>
+                    <a:lnTo>
+                      <a:pt x="1352550" y="338666"/>
+                    </a:lnTo>
+                    <a:lnTo>
+                      <a:pt x="1488017" y="628650"/>
+                    </a:lnTo>
+                    <a:lnTo>
+                      <a:pt x="1310217" y="1231900"/>
+                    </a:lnTo>
+                    <a:lnTo>
+                      <a:pt x="2117" y="1234016"/>
+                    </a:lnTo>
+                    <a:close/>
+                  </a:path>
+                </a:pathLst>
+              </a:custGeom>
+              <a:solidFill>
+                <a:srgbClr val="A6CAEC"/>
+              </a:solidFill>
+              <a:ln>
+                <a:noFill/>
+              </a:ln>
+            </p:spPr>
+            <p:style>
+              <a:lnRef idx="2">
+                <a:schemeClr val="accent1">
+                  <a:shade val="15000"/>
+                </a:schemeClr>
+              </a:lnRef>
+              <a:fillRef idx="1">
+                <a:schemeClr val="accent1"/>
+              </a:fillRef>
+              <a:effectRef idx="0">
+                <a:schemeClr val="accent1"/>
+              </a:effectRef>
+              <a:fontRef idx="minor">
+                <a:schemeClr val="lt1"/>
+              </a:fontRef>
+            </p:style>
+            <p:txBody>
+              <a:bodyPr rtlCol="0" anchor="ctr"/>
+              <a:lstStyle/>
+              <a:p>
+                <a:pPr algn="ctr"/>
+                <a:endParaRPr lang="en-US"/>
+              </a:p>
+            </p:txBody>
+          </p:sp>
+          <p:cxnSp>
+            <p:nvCxnSpPr>
+              <p:cNvPr id="1042" name="Straight Connector 1041">
+                <a:extLst>
+                  <a:ext uri="{FF2B5EF4-FFF2-40B4-BE49-F238E27FC236}">
+                    <a16:creationId xmlns:a16="http://schemas.microsoft.com/office/drawing/2014/main" id="{20A027D7-14D3-ADD8-E2F2-073D6CC42B10}"/>
+                  </a:ext>
+                </a:extLst>
+              </p:cNvPr>
+              <p:cNvCxnSpPr>
+                <a:cxnSpLocks/>
+              </p:cNvCxnSpPr>
+              <p:nvPr/>
+            </p:nvCxnSpPr>
+            <p:spPr>
+              <a:xfrm>
+                <a:off x="6003404" y="436832"/>
+                <a:ext cx="1801011" cy="450366"/>
+              </a:xfrm>
+              <a:prstGeom prst="line">
+                <a:avLst/>
+              </a:prstGeom>
+              <a:ln w="38100">
+                <a:solidFill>
+                  <a:srgbClr val="002060"/>
+                </a:solidFill>
+                <a:prstDash val="dash"/>
+              </a:ln>
+            </p:spPr>
+            <p:style>
+              <a:lnRef idx="2">
+                <a:schemeClr val="accent1"/>
+              </a:lnRef>
+              <a:fillRef idx="0">
+                <a:schemeClr val="accent1"/>
+              </a:fillRef>
+              <a:effectRef idx="1">
+                <a:schemeClr val="accent1"/>
+              </a:effectRef>
+              <a:fontRef idx="minor">
+                <a:schemeClr val="tx1"/>
+              </a:fontRef>
+            </p:style>
+          </p:cxnSp>
+          <p:cxnSp>
+            <p:nvCxnSpPr>
+              <p:cNvPr id="1043" name="Straight Connector 1042">
+                <a:extLst>
+                  <a:ext uri="{FF2B5EF4-FFF2-40B4-BE49-F238E27FC236}">
+                    <a16:creationId xmlns:a16="http://schemas.microsoft.com/office/drawing/2014/main" id="{3B49F471-FA73-C1BD-99E7-2DDA3875337A}"/>
+                  </a:ext>
+                </a:extLst>
+              </p:cNvPr>
+              <p:cNvCxnSpPr>
+                <a:cxnSpLocks/>
+              </p:cNvCxnSpPr>
+              <p:nvPr/>
+            </p:nvCxnSpPr>
+            <p:spPr>
+              <a:xfrm flipV="1">
+                <a:off x="7166055" y="411276"/>
+                <a:ext cx="337250" cy="1134000"/>
+              </a:xfrm>
+              <a:prstGeom prst="line">
+                <a:avLst/>
+              </a:prstGeom>
+              <a:ln w="38100">
+                <a:solidFill>
+                  <a:srgbClr val="002060"/>
+                </a:solidFill>
+                <a:prstDash val="dash"/>
+              </a:ln>
+            </p:spPr>
+            <p:style>
+              <a:lnRef idx="2">
+                <a:schemeClr val="accent1"/>
+              </a:lnRef>
+              <a:fillRef idx="0">
+                <a:schemeClr val="accent1"/>
+              </a:fillRef>
+              <a:effectRef idx="1">
+                <a:schemeClr val="accent1"/>
+              </a:effectRef>
+              <a:fontRef idx="minor">
+                <a:schemeClr val="tx1"/>
+              </a:fontRef>
+            </p:style>
+          </p:cxnSp>
+          <p:cxnSp>
+            <p:nvCxnSpPr>
+              <p:cNvPr id="1048" name="Straight Connector 1047">
+                <a:extLst>
+                  <a:ext uri="{FF2B5EF4-FFF2-40B4-BE49-F238E27FC236}">
+                    <a16:creationId xmlns:a16="http://schemas.microsoft.com/office/drawing/2014/main" id="{CF36725C-0DF3-D291-1C09-F1994F519690}"/>
+                  </a:ext>
+                </a:extLst>
+              </p:cNvPr>
+              <p:cNvCxnSpPr>
+                <a:cxnSpLocks/>
+              </p:cNvCxnSpPr>
+              <p:nvPr/>
+            </p:nvCxnSpPr>
+            <p:spPr>
+              <a:xfrm>
+                <a:off x="6920090" y="87746"/>
+                <a:ext cx="640455" cy="1339607"/>
+              </a:xfrm>
+              <a:prstGeom prst="line">
+                <a:avLst/>
+              </a:prstGeom>
+              <a:ln w="38100">
+                <a:solidFill>
+                  <a:srgbClr val="002060"/>
+                </a:solidFill>
+                <a:prstDash val="dash"/>
+              </a:ln>
+            </p:spPr>
+            <p:style>
+              <a:lnRef idx="2">
+                <a:schemeClr val="accent1"/>
+              </a:lnRef>
+              <a:fillRef idx="0">
+                <a:schemeClr val="accent1"/>
+              </a:fillRef>
+              <a:effectRef idx="1">
+                <a:schemeClr val="accent1"/>
+              </a:effectRef>
+              <a:fontRef idx="minor">
+                <a:schemeClr val="tx1"/>
+              </a:fontRef>
+            </p:style>
+          </p:cxnSp>
+          <p:cxnSp>
+            <p:nvCxnSpPr>
+              <p:cNvPr id="50" name="Straight Arrow Connector 49">
+                <a:extLst>
+                  <a:ext uri="{FF2B5EF4-FFF2-40B4-BE49-F238E27FC236}">
+                    <a16:creationId xmlns:a16="http://schemas.microsoft.com/office/drawing/2014/main" id="{03F366B0-DEF6-609F-5599-B30CA28F6289}"/>
+                  </a:ext>
+                </a:extLst>
+              </p:cNvPr>
+              <p:cNvCxnSpPr/>
+              <p:nvPr/>
+            </p:nvCxnSpPr>
+            <p:spPr>
+              <a:xfrm flipV="1">
+                <a:off x="6214135" y="45374"/>
+                <a:ext cx="0" cy="1391816"/>
+              </a:xfrm>
+              <a:prstGeom prst="straightConnector1">
+                <a:avLst/>
+              </a:prstGeom>
+              <a:ln>
+                <a:solidFill>
+                  <a:schemeClr val="tx1">
+                    <a:lumMod val="75000"/>
+                    <a:lumOff val="25000"/>
+                  </a:schemeClr>
+                </a:solidFill>
+                <a:tailEnd type="triangle"/>
+              </a:ln>
+            </p:spPr>
+            <p:style>
+              <a:lnRef idx="2">
+                <a:schemeClr val="accent1"/>
+              </a:lnRef>
+              <a:fillRef idx="0">
+                <a:schemeClr val="accent1"/>
+              </a:fillRef>
+              <a:effectRef idx="1">
+                <a:schemeClr val="accent1"/>
+              </a:effectRef>
+              <a:fontRef idx="minor">
+                <a:schemeClr val="tx1"/>
+              </a:fontRef>
+            </p:style>
+          </p:cxnSp>
+          <p:cxnSp>
+            <p:nvCxnSpPr>
+              <p:cNvPr id="51" name="Straight Arrow Connector 50">
+                <a:extLst>
+                  <a:ext uri="{FF2B5EF4-FFF2-40B4-BE49-F238E27FC236}">
+                    <a16:creationId xmlns:a16="http://schemas.microsoft.com/office/drawing/2014/main" id="{C5BBC2AF-D33C-964B-03B1-ADE1E939DBB3}"/>
+                  </a:ext>
+                </a:extLst>
+              </p:cNvPr>
+              <p:cNvCxnSpPr>
+                <a:cxnSpLocks/>
+              </p:cNvCxnSpPr>
+              <p:nvPr/>
+            </p:nvCxnSpPr>
+            <p:spPr>
+              <a:xfrm>
+                <a:off x="6205714" y="1437192"/>
+                <a:ext cx="1411017" cy="0"/>
+              </a:xfrm>
+              <a:prstGeom prst="straightConnector1">
+                <a:avLst/>
+              </a:prstGeom>
+              <a:ln>
+                <a:solidFill>
+                  <a:schemeClr val="tx1">
+                    <a:lumMod val="75000"/>
+                    <a:lumOff val="25000"/>
+                  </a:schemeClr>
+                </a:solidFill>
+                <a:tailEnd type="triangle"/>
+              </a:ln>
+            </p:spPr>
+            <p:style>
+              <a:lnRef idx="2">
+                <a:schemeClr val="accent1"/>
+              </a:lnRef>
+              <a:fillRef idx="0">
+                <a:schemeClr val="accent1"/>
+              </a:fillRef>
+              <a:effectRef idx="1">
+                <a:schemeClr val="accent1"/>
+              </a:effectRef>
+              <a:fontRef idx="minor">
+                <a:schemeClr val="tx1"/>
+              </a:fontRef>
+            </p:style>
+          </p:cxnSp>
+          <p:sp>
+            <p:nvSpPr>
+              <p:cNvPr id="54" name="Oval 53">
+                <a:extLst>
+                  <a:ext uri="{FF2B5EF4-FFF2-40B4-BE49-F238E27FC236}">
+                    <a16:creationId xmlns:a16="http://schemas.microsoft.com/office/drawing/2014/main" id="{5CB2CB96-701F-87A9-D134-F02FF1F9DBBD}"/>
+                  </a:ext>
+                </a:extLst>
+              </p:cNvPr>
+              <p:cNvSpPr/>
+              <p:nvPr/>
+            </p:nvSpPr>
+            <p:spPr>
+              <a:xfrm>
+                <a:off x="6169934" y="1393349"/>
+                <a:ext cx="91440" cy="91440"/>
+              </a:xfrm>
+              <a:prstGeom prst="ellipse">
+                <a:avLst/>
+              </a:prstGeom>
+              <a:solidFill>
+                <a:srgbClr val="002060"/>
+              </a:solidFill>
+              <a:ln>
+                <a:noFill/>
+              </a:ln>
+            </p:spPr>
+            <p:style>
+              <a:lnRef idx="2">
+                <a:schemeClr val="accent1">
+                  <a:shade val="15000"/>
+                </a:schemeClr>
+              </a:lnRef>
+              <a:fillRef idx="1">
+                <a:schemeClr val="accent1"/>
+              </a:fillRef>
+              <a:effectRef idx="0">
+                <a:schemeClr val="accent1"/>
+              </a:effectRef>
+              <a:fontRef idx="minor">
+                <a:schemeClr val="lt1"/>
+              </a:fontRef>
+            </p:style>
+            <p:txBody>
+              <a:bodyPr rtlCol="0" anchor="ctr"/>
+              <a:lstStyle/>
+              <a:p>
+                <a:pPr algn="ctr"/>
+                <a:endParaRPr lang="en-US"/>
+              </a:p>
+            </p:txBody>
+          </p:sp>
+          <p:sp>
+            <p:nvSpPr>
+              <p:cNvPr id="55" name="Oval 54">
+                <a:extLst>
+                  <a:ext uri="{FF2B5EF4-FFF2-40B4-BE49-F238E27FC236}">
+                    <a16:creationId xmlns:a16="http://schemas.microsoft.com/office/drawing/2014/main" id="{2FC037A6-9EDB-9CFE-3DDF-1C784287813B}"/>
+                  </a:ext>
+                </a:extLst>
+              </p:cNvPr>
+              <p:cNvSpPr/>
+              <p:nvPr/>
+            </p:nvSpPr>
+            <p:spPr>
+              <a:xfrm>
+                <a:off x="6459492" y="1393349"/>
+                <a:ext cx="91440" cy="91440"/>
+              </a:xfrm>
+              <a:prstGeom prst="ellipse">
+                <a:avLst/>
+              </a:prstGeom>
+              <a:solidFill>
+                <a:srgbClr val="002060"/>
+              </a:solidFill>
+              <a:ln>
+                <a:noFill/>
+              </a:ln>
+            </p:spPr>
+            <p:style>
+              <a:lnRef idx="2">
+                <a:schemeClr val="accent1">
+                  <a:shade val="15000"/>
+                </a:schemeClr>
+              </a:lnRef>
+              <a:fillRef idx="1">
+                <a:schemeClr val="accent1"/>
+              </a:fillRef>
+              <a:effectRef idx="0">
+                <a:schemeClr val="accent1"/>
+              </a:effectRef>
+              <a:fontRef idx="minor">
+                <a:schemeClr val="lt1"/>
+              </a:fontRef>
+            </p:style>
+            <p:txBody>
+              <a:bodyPr rtlCol="0" anchor="ctr"/>
+              <a:lstStyle/>
+              <a:p>
+                <a:pPr algn="ctr"/>
+                <a:endParaRPr lang="en-US"/>
+              </a:p>
+            </p:txBody>
+          </p:sp>
+          <p:sp>
+            <p:nvSpPr>
+              <p:cNvPr id="56" name="Oval 55">
+                <a:extLst>
+                  <a:ext uri="{FF2B5EF4-FFF2-40B4-BE49-F238E27FC236}">
+                    <a16:creationId xmlns:a16="http://schemas.microsoft.com/office/drawing/2014/main" id="{EE81D438-C391-291B-C55C-166ADFFF38B3}"/>
+                  </a:ext>
+                </a:extLst>
+              </p:cNvPr>
+              <p:cNvSpPr/>
+              <p:nvPr/>
+            </p:nvSpPr>
+            <p:spPr>
+              <a:xfrm>
+                <a:off x="6749050" y="1393349"/>
+                <a:ext cx="91440" cy="91440"/>
+              </a:xfrm>
+              <a:prstGeom prst="ellipse">
+                <a:avLst/>
+              </a:prstGeom>
+              <a:solidFill>
+                <a:srgbClr val="002060"/>
+              </a:solidFill>
+              <a:ln>
+                <a:noFill/>
+              </a:ln>
+            </p:spPr>
+            <p:style>
+              <a:lnRef idx="2">
+                <a:schemeClr val="accent1">
+                  <a:shade val="15000"/>
+                </a:schemeClr>
+              </a:lnRef>
+              <a:fillRef idx="1">
+                <a:schemeClr val="accent1"/>
+              </a:fillRef>
+              <a:effectRef idx="0">
+                <a:schemeClr val="accent1"/>
+              </a:effectRef>
+              <a:fontRef idx="minor">
+                <a:schemeClr val="lt1"/>
+              </a:fontRef>
+            </p:style>
+            <p:txBody>
+              <a:bodyPr rtlCol="0" anchor="ctr"/>
+              <a:lstStyle/>
+              <a:p>
+                <a:pPr algn="ctr"/>
+                <a:endParaRPr lang="en-US"/>
+              </a:p>
+            </p:txBody>
+          </p:sp>
+          <p:sp>
+            <p:nvSpPr>
+              <p:cNvPr id="57" name="Oval 56">
+                <a:extLst>
+                  <a:ext uri="{FF2B5EF4-FFF2-40B4-BE49-F238E27FC236}">
+                    <a16:creationId xmlns:a16="http://schemas.microsoft.com/office/drawing/2014/main" id="{9BE63822-A03A-7386-34D4-22FB763FCE99}"/>
+                  </a:ext>
+                </a:extLst>
+              </p:cNvPr>
+              <p:cNvSpPr/>
+              <p:nvPr/>
+            </p:nvSpPr>
+            <p:spPr>
+              <a:xfrm>
+                <a:off x="7038608" y="1393349"/>
+                <a:ext cx="91440" cy="91440"/>
+              </a:xfrm>
+              <a:prstGeom prst="ellipse">
+                <a:avLst/>
+              </a:prstGeom>
+              <a:solidFill>
+                <a:srgbClr val="002060"/>
+              </a:solidFill>
+              <a:ln>
+                <a:noFill/>
+              </a:ln>
+            </p:spPr>
+            <p:style>
+              <a:lnRef idx="2">
+                <a:schemeClr val="accent1">
+                  <a:shade val="15000"/>
+                </a:schemeClr>
+              </a:lnRef>
+              <a:fillRef idx="1">
+                <a:schemeClr val="accent1"/>
+              </a:fillRef>
+              <a:effectRef idx="0">
+                <a:schemeClr val="accent1"/>
+              </a:effectRef>
+              <a:fontRef idx="minor">
+                <a:schemeClr val="lt1"/>
+              </a:fontRef>
+            </p:style>
+            <p:txBody>
+              <a:bodyPr rtlCol="0" anchor="ctr"/>
+              <a:lstStyle/>
+              <a:p>
+                <a:pPr algn="ctr"/>
+                <a:endParaRPr lang="en-US"/>
+              </a:p>
+            </p:txBody>
+          </p:sp>
+          <p:sp>
+            <p:nvSpPr>
+              <p:cNvPr id="58" name="Oval 57">
+                <a:extLst>
+                  <a:ext uri="{FF2B5EF4-FFF2-40B4-BE49-F238E27FC236}">
+                    <a16:creationId xmlns:a16="http://schemas.microsoft.com/office/drawing/2014/main" id="{BF697BA2-B88C-B815-C0AF-08F3B8730B32}"/>
+                  </a:ext>
+                </a:extLst>
+              </p:cNvPr>
+              <p:cNvSpPr/>
+              <p:nvPr/>
+            </p:nvSpPr>
+            <p:spPr>
+              <a:xfrm>
+                <a:off x="7328166" y="1393349"/>
+                <a:ext cx="91440" cy="91440"/>
+              </a:xfrm>
+              <a:prstGeom prst="ellipse">
+                <a:avLst/>
+              </a:prstGeom>
+              <a:solidFill>
+                <a:schemeClr val="bg2">
+                  <a:lumMod val="75000"/>
+                </a:schemeClr>
+              </a:solidFill>
+              <a:ln>
+                <a:noFill/>
+              </a:ln>
+            </p:spPr>
+            <p:style>
+              <a:lnRef idx="2">
+                <a:schemeClr val="accent1">
+                  <a:shade val="15000"/>
+                </a:schemeClr>
+              </a:lnRef>
+              <a:fillRef idx="1">
+                <a:schemeClr val="accent1"/>
+              </a:fillRef>
+              <a:effectRef idx="0">
+                <a:schemeClr val="accent1"/>
+              </a:effectRef>
+              <a:fontRef idx="minor">
+                <a:schemeClr val="lt1"/>
+              </a:fontRef>
+            </p:style>
+            <p:txBody>
+              <a:bodyPr rtlCol="0" anchor="ctr"/>
+              <a:lstStyle/>
+              <a:p>
+                <a:pPr algn="ctr"/>
+                <a:endParaRPr lang="en-US"/>
+              </a:p>
+            </p:txBody>
+          </p:sp>
+          <p:sp>
+            <p:nvSpPr>
+              <p:cNvPr id="60" name="Oval 59">
+                <a:extLst>
+                  <a:ext uri="{FF2B5EF4-FFF2-40B4-BE49-F238E27FC236}">
+                    <a16:creationId xmlns:a16="http://schemas.microsoft.com/office/drawing/2014/main" id="{E0ABBE45-76C3-6CDC-C971-46CC25508ACB}"/>
+                  </a:ext>
+                </a:extLst>
+              </p:cNvPr>
+              <p:cNvSpPr/>
+              <p:nvPr/>
+            </p:nvSpPr>
+            <p:spPr>
+              <a:xfrm>
+                <a:off x="6170294" y="1106592"/>
+                <a:ext cx="91440" cy="91440"/>
+              </a:xfrm>
+              <a:prstGeom prst="ellipse">
+                <a:avLst/>
+              </a:prstGeom>
+              <a:solidFill>
+                <a:srgbClr val="002060"/>
+              </a:solidFill>
+              <a:ln>
+                <a:noFill/>
+              </a:ln>
+            </p:spPr>
+            <p:style>
+              <a:lnRef idx="2">
+                <a:schemeClr val="accent1">
+                  <a:shade val="15000"/>
+                </a:schemeClr>
+              </a:lnRef>
+              <a:fillRef idx="1">
+                <a:schemeClr val="accent1"/>
+              </a:fillRef>
+              <a:effectRef idx="0">
+                <a:schemeClr val="accent1"/>
+              </a:effectRef>
+              <a:fontRef idx="minor">
+                <a:schemeClr val="lt1"/>
+              </a:fontRef>
+            </p:style>
+            <p:txBody>
+              <a:bodyPr rtlCol="0" anchor="ctr"/>
+              <a:lstStyle/>
+              <a:p>
+                <a:pPr algn="ctr"/>
+                <a:endParaRPr lang="en-US"/>
+              </a:p>
+            </p:txBody>
+          </p:sp>
+          <p:sp>
+            <p:nvSpPr>
+              <p:cNvPr id="61" name="Oval 60">
+                <a:extLst>
+                  <a:ext uri="{FF2B5EF4-FFF2-40B4-BE49-F238E27FC236}">
+                    <a16:creationId xmlns:a16="http://schemas.microsoft.com/office/drawing/2014/main" id="{633D9BCB-809C-1047-73E3-F7C19DF88BCF}"/>
+                  </a:ext>
+                </a:extLst>
+              </p:cNvPr>
+              <p:cNvSpPr/>
+              <p:nvPr/>
+            </p:nvSpPr>
+            <p:spPr>
+              <a:xfrm>
+                <a:off x="6459852" y="1106592"/>
+                <a:ext cx="91440" cy="91440"/>
+              </a:xfrm>
+              <a:prstGeom prst="ellipse">
+                <a:avLst/>
+              </a:prstGeom>
+              <a:solidFill>
+                <a:srgbClr val="002060"/>
+              </a:solidFill>
+              <a:ln>
+                <a:noFill/>
+              </a:ln>
+            </p:spPr>
+            <p:style>
+              <a:lnRef idx="2">
+                <a:schemeClr val="accent1">
+                  <a:shade val="15000"/>
+                </a:schemeClr>
+              </a:lnRef>
+              <a:fillRef idx="1">
+                <a:schemeClr val="accent1"/>
+              </a:fillRef>
+              <a:effectRef idx="0">
+                <a:schemeClr val="accent1"/>
+              </a:effectRef>
+              <a:fontRef idx="minor">
+                <a:schemeClr val="lt1"/>
+              </a:fontRef>
+            </p:style>
+            <p:txBody>
+              <a:bodyPr rtlCol="0" anchor="ctr"/>
+              <a:lstStyle/>
+              <a:p>
+                <a:pPr algn="ctr"/>
+                <a:endParaRPr lang="en-US"/>
+              </a:p>
+            </p:txBody>
+          </p:sp>
+          <p:sp>
+            <p:nvSpPr>
+              <p:cNvPr id="62" name="Oval 61">
+                <a:extLst>
+                  <a:ext uri="{FF2B5EF4-FFF2-40B4-BE49-F238E27FC236}">
+                    <a16:creationId xmlns:a16="http://schemas.microsoft.com/office/drawing/2014/main" id="{5AAE94B9-CA88-B7C8-058B-55774C42D37E}"/>
+                  </a:ext>
+                </a:extLst>
+              </p:cNvPr>
+              <p:cNvSpPr/>
+              <p:nvPr/>
+            </p:nvSpPr>
+            <p:spPr>
+              <a:xfrm>
+                <a:off x="6749410" y="1106592"/>
+                <a:ext cx="91440" cy="91440"/>
+              </a:xfrm>
+              <a:prstGeom prst="ellipse">
+                <a:avLst/>
+              </a:prstGeom>
+              <a:solidFill>
+                <a:srgbClr val="002060"/>
+              </a:solidFill>
+              <a:ln>
+                <a:noFill/>
+              </a:ln>
+            </p:spPr>
+            <p:style>
+              <a:lnRef idx="2">
+                <a:schemeClr val="accent1">
+                  <a:shade val="15000"/>
+                </a:schemeClr>
+              </a:lnRef>
+              <a:fillRef idx="1">
+                <a:schemeClr val="accent1"/>
+              </a:fillRef>
+              <a:effectRef idx="0">
+                <a:schemeClr val="accent1"/>
+              </a:effectRef>
+              <a:fontRef idx="minor">
+                <a:schemeClr val="lt1"/>
+              </a:fontRef>
+            </p:style>
+            <p:txBody>
+              <a:bodyPr rtlCol="0" anchor="ctr"/>
+              <a:lstStyle/>
+              <a:p>
+                <a:pPr algn="ctr"/>
+                <a:endParaRPr lang="en-US"/>
+              </a:p>
+            </p:txBody>
+          </p:sp>
+          <p:sp>
+            <p:nvSpPr>
+              <p:cNvPr id="63" name="Oval 62">
+                <a:extLst>
+                  <a:ext uri="{FF2B5EF4-FFF2-40B4-BE49-F238E27FC236}">
+                    <a16:creationId xmlns:a16="http://schemas.microsoft.com/office/drawing/2014/main" id="{5C196167-17CC-9EA5-C2FE-78038460B0AC}"/>
+                  </a:ext>
+                </a:extLst>
+              </p:cNvPr>
+              <p:cNvSpPr/>
+              <p:nvPr/>
+            </p:nvSpPr>
+            <p:spPr>
+              <a:xfrm>
+                <a:off x="7038968" y="1106592"/>
+                <a:ext cx="91440" cy="91440"/>
+              </a:xfrm>
+              <a:prstGeom prst="ellipse">
+                <a:avLst/>
+              </a:prstGeom>
+              <a:solidFill>
+                <a:srgbClr val="002060"/>
+              </a:solidFill>
+              <a:ln>
+                <a:noFill/>
+              </a:ln>
+            </p:spPr>
+            <p:style>
+              <a:lnRef idx="2">
+                <a:schemeClr val="accent1">
+                  <a:shade val="15000"/>
+                </a:schemeClr>
+              </a:lnRef>
+              <a:fillRef idx="1">
+                <a:schemeClr val="accent1"/>
+              </a:fillRef>
+              <a:effectRef idx="0">
+                <a:schemeClr val="accent1"/>
+              </a:effectRef>
+              <a:fontRef idx="minor">
+                <a:schemeClr val="lt1"/>
+              </a:fontRef>
+            </p:style>
+            <p:txBody>
+              <a:bodyPr rtlCol="0" anchor="ctr"/>
+              <a:lstStyle/>
+              <a:p>
+                <a:pPr algn="ctr"/>
+                <a:endParaRPr lang="en-US"/>
+              </a:p>
+            </p:txBody>
+          </p:sp>
+          <p:sp>
+            <p:nvSpPr>
+              <p:cNvPr id="1024" name="Oval 1023">
+                <a:extLst>
+                  <a:ext uri="{FF2B5EF4-FFF2-40B4-BE49-F238E27FC236}">
+                    <a16:creationId xmlns:a16="http://schemas.microsoft.com/office/drawing/2014/main" id="{E3664C8C-965F-6786-5D52-ACED3E0595EB}"/>
+                  </a:ext>
+                </a:extLst>
+              </p:cNvPr>
+              <p:cNvSpPr/>
+              <p:nvPr/>
+            </p:nvSpPr>
+            <p:spPr>
+              <a:xfrm>
+                <a:off x="7328526" y="1106592"/>
+                <a:ext cx="91440" cy="91440"/>
+              </a:xfrm>
+              <a:prstGeom prst="ellipse">
+                <a:avLst/>
+              </a:prstGeom>
+              <a:solidFill>
+                <a:schemeClr val="bg2">
+                  <a:lumMod val="75000"/>
+                </a:schemeClr>
+              </a:solidFill>
+              <a:ln>
+                <a:noFill/>
+              </a:ln>
+            </p:spPr>
+            <p:style>
+              <a:lnRef idx="2">
+                <a:schemeClr val="accent1">
+                  <a:shade val="15000"/>
+                </a:schemeClr>
+              </a:lnRef>
+              <a:fillRef idx="1">
+                <a:schemeClr val="accent1"/>
+              </a:fillRef>
+              <a:effectRef idx="0">
+                <a:schemeClr val="accent1"/>
+              </a:effectRef>
+              <a:fontRef idx="minor">
+                <a:schemeClr val="lt1"/>
+              </a:fontRef>
+            </p:style>
+            <p:txBody>
+              <a:bodyPr rtlCol="0" anchor="ctr"/>
+              <a:lstStyle/>
+              <a:p>
+                <a:pPr algn="ctr"/>
+                <a:endParaRPr lang="en-US"/>
+              </a:p>
+            </p:txBody>
+          </p:sp>
+          <p:sp>
+            <p:nvSpPr>
+              <p:cNvPr id="1025" name="Oval 1024">
+                <a:extLst>
+                  <a:ext uri="{FF2B5EF4-FFF2-40B4-BE49-F238E27FC236}">
+                    <a16:creationId xmlns:a16="http://schemas.microsoft.com/office/drawing/2014/main" id="{0CF62DC9-52E9-C8D7-4212-45CD72943DB7}"/>
+                  </a:ext>
+                </a:extLst>
+              </p:cNvPr>
+              <p:cNvSpPr/>
+              <p:nvPr/>
+            </p:nvSpPr>
+            <p:spPr>
+              <a:xfrm>
+                <a:off x="6169934" y="819834"/>
+                <a:ext cx="91440" cy="91440"/>
+              </a:xfrm>
+              <a:prstGeom prst="ellipse">
+                <a:avLst/>
+              </a:prstGeom>
+              <a:solidFill>
+                <a:srgbClr val="002060"/>
+              </a:solidFill>
+              <a:ln>
+                <a:noFill/>
+              </a:ln>
+            </p:spPr>
+            <p:style>
+              <a:lnRef idx="2">
+                <a:schemeClr val="accent1">
+                  <a:shade val="15000"/>
+                </a:schemeClr>
+              </a:lnRef>
+              <a:fillRef idx="1">
+                <a:schemeClr val="accent1"/>
+              </a:fillRef>
+              <a:effectRef idx="0">
+                <a:schemeClr val="accent1"/>
+              </a:effectRef>
+              <a:fontRef idx="minor">
+                <a:schemeClr val="lt1"/>
+              </a:fontRef>
+            </p:style>
+            <p:txBody>
+              <a:bodyPr rtlCol="0" anchor="ctr"/>
+              <a:lstStyle/>
+              <a:p>
+                <a:pPr algn="ctr"/>
+                <a:endParaRPr lang="en-US"/>
+              </a:p>
+            </p:txBody>
+          </p:sp>
+          <p:sp>
+            <p:nvSpPr>
+              <p:cNvPr id="1027" name="Oval 1026">
+                <a:extLst>
+                  <a:ext uri="{FF2B5EF4-FFF2-40B4-BE49-F238E27FC236}">
+                    <a16:creationId xmlns:a16="http://schemas.microsoft.com/office/drawing/2014/main" id="{C53655D0-34FC-A425-A1CD-47CD3A967521}"/>
+                  </a:ext>
+                </a:extLst>
+              </p:cNvPr>
+              <p:cNvSpPr/>
+              <p:nvPr/>
+            </p:nvSpPr>
+            <p:spPr>
+              <a:xfrm>
+                <a:off x="6459492" y="819834"/>
+                <a:ext cx="91440" cy="91440"/>
+              </a:xfrm>
+              <a:prstGeom prst="ellipse">
+                <a:avLst/>
+              </a:prstGeom>
+              <a:solidFill>
+                <a:srgbClr val="002060"/>
+              </a:solidFill>
+              <a:ln>
+                <a:noFill/>
+              </a:ln>
+            </p:spPr>
+            <p:style>
+              <a:lnRef idx="2">
+                <a:schemeClr val="accent1">
+                  <a:shade val="15000"/>
+                </a:schemeClr>
+              </a:lnRef>
+              <a:fillRef idx="1">
+                <a:schemeClr val="accent1"/>
+              </a:fillRef>
+              <a:effectRef idx="0">
+                <a:schemeClr val="accent1"/>
+              </a:effectRef>
+              <a:fontRef idx="minor">
+                <a:schemeClr val="lt1"/>
+              </a:fontRef>
+            </p:style>
+            <p:txBody>
+              <a:bodyPr rtlCol="0" anchor="ctr"/>
+              <a:lstStyle/>
+              <a:p>
+                <a:pPr algn="ctr"/>
+                <a:endParaRPr lang="en-US"/>
+              </a:p>
+            </p:txBody>
+          </p:sp>
+          <p:sp>
+            <p:nvSpPr>
+              <p:cNvPr id="1028" name="Oval 1027">
+                <a:extLst>
+                  <a:ext uri="{FF2B5EF4-FFF2-40B4-BE49-F238E27FC236}">
+                    <a16:creationId xmlns:a16="http://schemas.microsoft.com/office/drawing/2014/main" id="{000042D4-99C0-C94A-859F-D782D3C17AB9}"/>
+                  </a:ext>
+                </a:extLst>
+              </p:cNvPr>
+              <p:cNvSpPr/>
+              <p:nvPr/>
+            </p:nvSpPr>
+            <p:spPr>
+              <a:xfrm>
+                <a:off x="6749050" y="819834"/>
+                <a:ext cx="91440" cy="91440"/>
+              </a:xfrm>
+              <a:prstGeom prst="ellipse">
+                <a:avLst/>
+              </a:prstGeom>
+              <a:solidFill>
+                <a:srgbClr val="002060"/>
+              </a:solidFill>
+              <a:ln>
+                <a:noFill/>
+              </a:ln>
+            </p:spPr>
+            <p:style>
+              <a:lnRef idx="2">
+                <a:schemeClr val="accent1">
+                  <a:shade val="15000"/>
+                </a:schemeClr>
+              </a:lnRef>
+              <a:fillRef idx="1">
+                <a:schemeClr val="accent1"/>
+              </a:fillRef>
+              <a:effectRef idx="0">
+                <a:schemeClr val="accent1"/>
+              </a:effectRef>
+              <a:fontRef idx="minor">
+                <a:schemeClr val="lt1"/>
+              </a:fontRef>
+            </p:style>
+            <p:txBody>
+              <a:bodyPr rtlCol="0" anchor="ctr"/>
+              <a:lstStyle/>
+              <a:p>
+                <a:pPr algn="ctr"/>
+                <a:endParaRPr lang="en-US"/>
+              </a:p>
+            </p:txBody>
+          </p:sp>
+          <p:sp>
+            <p:nvSpPr>
+              <p:cNvPr id="1029" name="Oval 1028">
+                <a:extLst>
+                  <a:ext uri="{FF2B5EF4-FFF2-40B4-BE49-F238E27FC236}">
+                    <a16:creationId xmlns:a16="http://schemas.microsoft.com/office/drawing/2014/main" id="{6CBB0E72-3BC8-5786-4352-977AA4843C97}"/>
+                  </a:ext>
+                </a:extLst>
+              </p:cNvPr>
+              <p:cNvSpPr/>
+              <p:nvPr/>
+            </p:nvSpPr>
+            <p:spPr>
+              <a:xfrm>
+                <a:off x="7038608" y="819834"/>
+                <a:ext cx="91440" cy="91440"/>
+              </a:xfrm>
+              <a:prstGeom prst="ellipse">
+                <a:avLst/>
+              </a:prstGeom>
+              <a:solidFill>
+                <a:srgbClr val="002060"/>
+              </a:solidFill>
+              <a:ln>
+                <a:noFill/>
+              </a:ln>
+            </p:spPr>
+            <p:style>
+              <a:lnRef idx="2">
+                <a:schemeClr val="accent1">
+                  <a:shade val="15000"/>
+                </a:schemeClr>
+              </a:lnRef>
+              <a:fillRef idx="1">
+                <a:schemeClr val="accent1"/>
+              </a:fillRef>
+              <a:effectRef idx="0">
+                <a:schemeClr val="accent1"/>
+              </a:effectRef>
+              <a:fontRef idx="minor">
+                <a:schemeClr val="lt1"/>
+              </a:fontRef>
+            </p:style>
+            <p:txBody>
+              <a:bodyPr rtlCol="0" anchor="ctr"/>
+              <a:lstStyle/>
+              <a:p>
+                <a:pPr algn="ctr"/>
+                <a:endParaRPr lang="en-US"/>
+              </a:p>
+            </p:txBody>
+          </p:sp>
+          <p:sp>
+            <p:nvSpPr>
+              <p:cNvPr id="1030" name="Oval 1029">
+                <a:extLst>
+                  <a:ext uri="{FF2B5EF4-FFF2-40B4-BE49-F238E27FC236}">
+                    <a16:creationId xmlns:a16="http://schemas.microsoft.com/office/drawing/2014/main" id="{6DF7FF08-9504-9235-A543-0FD34532C9EF}"/>
+                  </a:ext>
+                </a:extLst>
+              </p:cNvPr>
+              <p:cNvSpPr/>
+              <p:nvPr/>
+            </p:nvSpPr>
+            <p:spPr>
+              <a:xfrm>
+                <a:off x="7328166" y="819834"/>
+                <a:ext cx="91440" cy="91440"/>
+              </a:xfrm>
+              <a:prstGeom prst="ellipse">
+                <a:avLst/>
+              </a:prstGeom>
+              <a:solidFill>
+                <a:schemeClr val="bg2">
+                  <a:lumMod val="75000"/>
+                </a:schemeClr>
+              </a:solidFill>
+              <a:ln>
+                <a:noFill/>
+              </a:ln>
+            </p:spPr>
+            <p:style>
+              <a:lnRef idx="2">
+                <a:schemeClr val="accent1">
+                  <a:shade val="15000"/>
+                </a:schemeClr>
+              </a:lnRef>
+              <a:fillRef idx="1">
+                <a:schemeClr val="accent1"/>
+              </a:fillRef>
+              <a:effectRef idx="0">
+                <a:schemeClr val="accent1"/>
+              </a:effectRef>
+              <a:fontRef idx="minor">
+                <a:schemeClr val="lt1"/>
+              </a:fontRef>
+            </p:style>
+            <p:txBody>
+              <a:bodyPr rtlCol="0" anchor="ctr"/>
+              <a:lstStyle/>
+              <a:p>
+                <a:pPr algn="ctr"/>
+                <a:endParaRPr lang="en-US"/>
+              </a:p>
+            </p:txBody>
+          </p:sp>
+          <p:sp>
+            <p:nvSpPr>
+              <p:cNvPr id="1031" name="Oval 1030">
+                <a:extLst>
+                  <a:ext uri="{FF2B5EF4-FFF2-40B4-BE49-F238E27FC236}">
+                    <a16:creationId xmlns:a16="http://schemas.microsoft.com/office/drawing/2014/main" id="{8026F57E-E10B-252E-18C5-B2B389C177A1}"/>
+                  </a:ext>
+                </a:extLst>
+              </p:cNvPr>
+              <p:cNvSpPr/>
+              <p:nvPr/>
+            </p:nvSpPr>
+            <p:spPr>
+              <a:xfrm>
+                <a:off x="6169934" y="529332"/>
+                <a:ext cx="91440" cy="91440"/>
+              </a:xfrm>
+              <a:prstGeom prst="ellipse">
+                <a:avLst/>
+              </a:prstGeom>
+              <a:solidFill>
+                <a:srgbClr val="002060"/>
+              </a:solidFill>
+              <a:ln>
+                <a:noFill/>
+              </a:ln>
+            </p:spPr>
+            <p:style>
+              <a:lnRef idx="2">
+                <a:schemeClr val="accent1">
+                  <a:shade val="15000"/>
+                </a:schemeClr>
+              </a:lnRef>
+              <a:fillRef idx="1">
+                <a:schemeClr val="accent1"/>
+              </a:fillRef>
+              <a:effectRef idx="0">
+                <a:schemeClr val="accent1"/>
+              </a:effectRef>
+              <a:fontRef idx="minor">
+                <a:schemeClr val="lt1"/>
+              </a:fontRef>
+            </p:style>
+            <p:txBody>
+              <a:bodyPr rtlCol="0" anchor="ctr"/>
+              <a:lstStyle/>
+              <a:p>
+                <a:pPr algn="ctr"/>
+                <a:endParaRPr lang="en-US"/>
+              </a:p>
+            </p:txBody>
+          </p:sp>
+          <p:sp>
+            <p:nvSpPr>
+              <p:cNvPr id="1032" name="Oval 1031">
+                <a:extLst>
+                  <a:ext uri="{FF2B5EF4-FFF2-40B4-BE49-F238E27FC236}">
+                    <a16:creationId xmlns:a16="http://schemas.microsoft.com/office/drawing/2014/main" id="{4E2AA6F3-0112-EC64-1E3F-F096EB542499}"/>
+                  </a:ext>
+                </a:extLst>
+              </p:cNvPr>
+              <p:cNvSpPr/>
+              <p:nvPr/>
+            </p:nvSpPr>
+            <p:spPr>
+              <a:xfrm>
+                <a:off x="6459492" y="529332"/>
+                <a:ext cx="91440" cy="91440"/>
+              </a:xfrm>
+              <a:prstGeom prst="ellipse">
+                <a:avLst/>
+              </a:prstGeom>
+              <a:solidFill>
+                <a:srgbClr val="002060"/>
+              </a:solidFill>
+              <a:ln>
+                <a:noFill/>
+              </a:ln>
+            </p:spPr>
+            <p:style>
+              <a:lnRef idx="2">
+                <a:schemeClr val="accent1">
+                  <a:shade val="15000"/>
+                </a:schemeClr>
+              </a:lnRef>
+              <a:fillRef idx="1">
+                <a:schemeClr val="accent1"/>
+              </a:fillRef>
+              <a:effectRef idx="0">
+                <a:schemeClr val="accent1"/>
+              </a:effectRef>
+              <a:fontRef idx="minor">
+                <a:schemeClr val="lt1"/>
+              </a:fontRef>
+            </p:style>
+            <p:txBody>
+              <a:bodyPr rtlCol="0" anchor="ctr"/>
+              <a:lstStyle/>
+              <a:p>
+                <a:pPr algn="ctr"/>
+                <a:endParaRPr lang="en-US"/>
+              </a:p>
+            </p:txBody>
+          </p:sp>
+          <p:sp>
+            <p:nvSpPr>
+              <p:cNvPr id="1033" name="Oval 1032">
+                <a:extLst>
+                  <a:ext uri="{FF2B5EF4-FFF2-40B4-BE49-F238E27FC236}">
+                    <a16:creationId xmlns:a16="http://schemas.microsoft.com/office/drawing/2014/main" id="{21DB5ECC-A1FC-F177-D94A-19C2C94A6AD6}"/>
+                  </a:ext>
+                </a:extLst>
+              </p:cNvPr>
+              <p:cNvSpPr/>
+              <p:nvPr/>
+            </p:nvSpPr>
+            <p:spPr>
+              <a:xfrm>
+                <a:off x="6749050" y="529332"/>
+                <a:ext cx="91440" cy="91440"/>
+              </a:xfrm>
+              <a:prstGeom prst="ellipse">
+                <a:avLst/>
+              </a:prstGeom>
+              <a:solidFill>
+                <a:schemeClr val="bg2">
+                  <a:lumMod val="75000"/>
+                </a:schemeClr>
+              </a:solidFill>
+              <a:ln>
+                <a:noFill/>
+              </a:ln>
+            </p:spPr>
+            <p:style>
+              <a:lnRef idx="2">
+                <a:schemeClr val="accent1">
+                  <a:shade val="15000"/>
+                </a:schemeClr>
+              </a:lnRef>
+              <a:fillRef idx="1">
+                <a:schemeClr val="accent1"/>
+              </a:fillRef>
+              <a:effectRef idx="0">
+                <a:schemeClr val="accent1"/>
+              </a:effectRef>
+              <a:fontRef idx="minor">
+                <a:schemeClr val="lt1"/>
+              </a:fontRef>
+            </p:style>
+            <p:txBody>
+              <a:bodyPr rtlCol="0" anchor="ctr"/>
+              <a:lstStyle/>
+              <a:p>
+                <a:pPr algn="ctr"/>
+                <a:endParaRPr lang="en-US"/>
+              </a:p>
+            </p:txBody>
+          </p:sp>
+          <p:sp>
+            <p:nvSpPr>
+              <p:cNvPr id="1034" name="Oval 1033">
+                <a:extLst>
+                  <a:ext uri="{FF2B5EF4-FFF2-40B4-BE49-F238E27FC236}">
+                    <a16:creationId xmlns:a16="http://schemas.microsoft.com/office/drawing/2014/main" id="{AD373582-7974-4D77-FEF1-0947AF1E03EC}"/>
+                  </a:ext>
+                </a:extLst>
+              </p:cNvPr>
+              <p:cNvSpPr/>
+              <p:nvPr/>
+            </p:nvSpPr>
+            <p:spPr>
+              <a:xfrm>
+                <a:off x="7038608" y="529332"/>
+                <a:ext cx="91440" cy="91440"/>
+              </a:xfrm>
+              <a:prstGeom prst="ellipse">
+                <a:avLst/>
+              </a:prstGeom>
+              <a:solidFill>
+                <a:schemeClr val="bg2">
+                  <a:lumMod val="75000"/>
+                </a:schemeClr>
+              </a:solidFill>
+              <a:ln>
+                <a:noFill/>
+              </a:ln>
+            </p:spPr>
+            <p:style>
+              <a:lnRef idx="2">
+                <a:schemeClr val="accent1">
+                  <a:shade val="15000"/>
+                </a:schemeClr>
+              </a:lnRef>
+              <a:fillRef idx="1">
+                <a:schemeClr val="accent1"/>
+              </a:fillRef>
+              <a:effectRef idx="0">
+                <a:schemeClr val="accent1"/>
+              </a:effectRef>
+              <a:fontRef idx="minor">
+                <a:schemeClr val="lt1"/>
+              </a:fontRef>
+            </p:style>
+            <p:txBody>
+              <a:bodyPr rtlCol="0" anchor="ctr"/>
+              <a:lstStyle/>
+              <a:p>
+                <a:pPr algn="ctr"/>
+                <a:endParaRPr lang="en-US"/>
+              </a:p>
+            </p:txBody>
+          </p:sp>
+          <p:sp>
+            <p:nvSpPr>
+              <p:cNvPr id="1035" name="Oval 1034">
+                <a:extLst>
+                  <a:ext uri="{FF2B5EF4-FFF2-40B4-BE49-F238E27FC236}">
+                    <a16:creationId xmlns:a16="http://schemas.microsoft.com/office/drawing/2014/main" id="{D207E57B-4DDA-F7DD-B56E-179DB3B8C1D9}"/>
+                  </a:ext>
+                </a:extLst>
+              </p:cNvPr>
+              <p:cNvSpPr/>
+              <p:nvPr/>
+            </p:nvSpPr>
+            <p:spPr>
+              <a:xfrm>
+                <a:off x="7328166" y="529332"/>
+                <a:ext cx="91440" cy="91440"/>
+              </a:xfrm>
+              <a:prstGeom prst="ellipse">
+                <a:avLst/>
+              </a:prstGeom>
+              <a:solidFill>
+                <a:schemeClr val="bg2">
+                  <a:lumMod val="75000"/>
+                </a:schemeClr>
+              </a:solidFill>
+              <a:ln>
+                <a:noFill/>
+              </a:ln>
+            </p:spPr>
+            <p:style>
+              <a:lnRef idx="2">
+                <a:schemeClr val="accent1">
+                  <a:shade val="15000"/>
+                </a:schemeClr>
+              </a:lnRef>
+              <a:fillRef idx="1">
+                <a:schemeClr val="accent1"/>
+              </a:fillRef>
+              <a:effectRef idx="0">
+                <a:schemeClr val="accent1"/>
+              </a:effectRef>
+              <a:fontRef idx="minor">
+                <a:schemeClr val="lt1"/>
+              </a:fontRef>
+            </p:style>
+            <p:txBody>
+              <a:bodyPr rtlCol="0" anchor="ctr"/>
+              <a:lstStyle/>
+              <a:p>
+                <a:pPr algn="ctr"/>
+                <a:endParaRPr lang="en-US"/>
+              </a:p>
+            </p:txBody>
+          </p:sp>
+          <p:sp>
+            <p:nvSpPr>
+              <p:cNvPr id="1036" name="Oval 1035">
+                <a:extLst>
+                  <a:ext uri="{FF2B5EF4-FFF2-40B4-BE49-F238E27FC236}">
+                    <a16:creationId xmlns:a16="http://schemas.microsoft.com/office/drawing/2014/main" id="{F8EC1034-4505-CE8C-4D57-28E7475D43D9}"/>
+                  </a:ext>
+                </a:extLst>
+              </p:cNvPr>
+              <p:cNvSpPr/>
+              <p:nvPr/>
+            </p:nvSpPr>
+            <p:spPr>
+              <a:xfrm>
+                <a:off x="6169934" y="248593"/>
+                <a:ext cx="91440" cy="91440"/>
+              </a:xfrm>
+              <a:prstGeom prst="ellipse">
+                <a:avLst/>
+              </a:prstGeom>
+              <a:solidFill>
+                <a:schemeClr val="bg2">
+                  <a:lumMod val="75000"/>
+                </a:schemeClr>
+              </a:solidFill>
+              <a:ln>
+                <a:noFill/>
+              </a:ln>
+            </p:spPr>
+            <p:style>
+              <a:lnRef idx="2">
+                <a:schemeClr val="accent1">
+                  <a:shade val="15000"/>
+                </a:schemeClr>
+              </a:lnRef>
+              <a:fillRef idx="1">
+                <a:schemeClr val="accent1"/>
+              </a:fillRef>
+              <a:effectRef idx="0">
+                <a:schemeClr val="accent1"/>
+              </a:effectRef>
+              <a:fontRef idx="minor">
+                <a:schemeClr val="lt1"/>
+              </a:fontRef>
+            </p:style>
+            <p:txBody>
+              <a:bodyPr rtlCol="0" anchor="ctr"/>
+              <a:lstStyle/>
+              <a:p>
+                <a:pPr algn="ctr"/>
+                <a:endParaRPr lang="en-US"/>
+              </a:p>
+            </p:txBody>
+          </p:sp>
+          <p:sp>
+            <p:nvSpPr>
+              <p:cNvPr id="1037" name="Oval 1036">
+                <a:extLst>
+                  <a:ext uri="{FF2B5EF4-FFF2-40B4-BE49-F238E27FC236}">
+                    <a16:creationId xmlns:a16="http://schemas.microsoft.com/office/drawing/2014/main" id="{56A30FDB-C8DF-E191-570F-973AD00CEA81}"/>
+                  </a:ext>
+                </a:extLst>
+              </p:cNvPr>
+              <p:cNvSpPr/>
+              <p:nvPr/>
+            </p:nvSpPr>
+            <p:spPr>
+              <a:xfrm>
+                <a:off x="6459492" y="248593"/>
+                <a:ext cx="91440" cy="91440"/>
+              </a:xfrm>
+              <a:prstGeom prst="ellipse">
+                <a:avLst/>
+              </a:prstGeom>
+              <a:solidFill>
+                <a:schemeClr val="bg2">
+                  <a:lumMod val="75000"/>
+                </a:schemeClr>
+              </a:solidFill>
+              <a:ln>
+                <a:noFill/>
+              </a:ln>
+            </p:spPr>
+            <p:style>
+              <a:lnRef idx="2">
+                <a:schemeClr val="accent1">
+                  <a:shade val="15000"/>
+                </a:schemeClr>
+              </a:lnRef>
+              <a:fillRef idx="1">
+                <a:schemeClr val="accent1"/>
+              </a:fillRef>
+              <a:effectRef idx="0">
+                <a:schemeClr val="accent1"/>
+              </a:effectRef>
+              <a:fontRef idx="minor">
+                <a:schemeClr val="lt1"/>
+              </a:fontRef>
+            </p:style>
+            <p:txBody>
+              <a:bodyPr rtlCol="0" anchor="ctr"/>
+              <a:lstStyle/>
+              <a:p>
+                <a:pPr algn="ctr"/>
+                <a:endParaRPr lang="en-US"/>
+              </a:p>
+            </p:txBody>
+          </p:sp>
+          <p:sp>
+            <p:nvSpPr>
+              <p:cNvPr id="1038" name="Oval 1037">
+                <a:extLst>
+                  <a:ext uri="{FF2B5EF4-FFF2-40B4-BE49-F238E27FC236}">
+                    <a16:creationId xmlns:a16="http://schemas.microsoft.com/office/drawing/2014/main" id="{6A01DE07-79BF-A599-9CF9-407B3FA20462}"/>
+                  </a:ext>
+                </a:extLst>
+              </p:cNvPr>
+              <p:cNvSpPr/>
+              <p:nvPr/>
+            </p:nvSpPr>
+            <p:spPr>
+              <a:xfrm>
+                <a:off x="6749050" y="248593"/>
+                <a:ext cx="91440" cy="91440"/>
+              </a:xfrm>
+              <a:prstGeom prst="ellipse">
+                <a:avLst/>
+              </a:prstGeom>
+              <a:solidFill>
+                <a:schemeClr val="bg2">
+                  <a:lumMod val="75000"/>
+                </a:schemeClr>
+              </a:solidFill>
+              <a:ln>
+                <a:noFill/>
+              </a:ln>
+            </p:spPr>
+            <p:style>
+              <a:lnRef idx="2">
+                <a:schemeClr val="accent1">
+                  <a:shade val="15000"/>
+                </a:schemeClr>
+              </a:lnRef>
+              <a:fillRef idx="1">
+                <a:schemeClr val="accent1"/>
+              </a:fillRef>
+              <a:effectRef idx="0">
+                <a:schemeClr val="accent1"/>
+              </a:effectRef>
+              <a:fontRef idx="minor">
+                <a:schemeClr val="lt1"/>
+              </a:fontRef>
+            </p:style>
+            <p:txBody>
+              <a:bodyPr rtlCol="0" anchor="ctr"/>
+              <a:lstStyle/>
+              <a:p>
+                <a:pPr algn="ctr"/>
+                <a:endParaRPr lang="en-US"/>
+              </a:p>
+            </p:txBody>
+          </p:sp>
+          <p:sp>
+            <p:nvSpPr>
+              <p:cNvPr id="1039" name="Oval 1038">
+                <a:extLst>
+                  <a:ext uri="{FF2B5EF4-FFF2-40B4-BE49-F238E27FC236}">
+                    <a16:creationId xmlns:a16="http://schemas.microsoft.com/office/drawing/2014/main" id="{D9781EC5-33E7-D2A2-72A1-966EA8C7A4C7}"/>
+                  </a:ext>
+                </a:extLst>
+              </p:cNvPr>
+              <p:cNvSpPr/>
+              <p:nvPr/>
+            </p:nvSpPr>
+            <p:spPr>
+              <a:xfrm>
+                <a:off x="7038608" y="248593"/>
+                <a:ext cx="91440" cy="91440"/>
+              </a:xfrm>
+              <a:prstGeom prst="ellipse">
+                <a:avLst/>
+              </a:prstGeom>
+              <a:solidFill>
+                <a:schemeClr val="bg2">
+                  <a:lumMod val="75000"/>
+                </a:schemeClr>
+              </a:solidFill>
+              <a:ln>
+                <a:noFill/>
+              </a:ln>
+            </p:spPr>
+            <p:style>
+              <a:lnRef idx="2">
+                <a:schemeClr val="accent1">
+                  <a:shade val="15000"/>
+                </a:schemeClr>
+              </a:lnRef>
+              <a:fillRef idx="1">
+                <a:schemeClr val="accent1"/>
+              </a:fillRef>
+              <a:effectRef idx="0">
+                <a:schemeClr val="accent1"/>
+              </a:effectRef>
+              <a:fontRef idx="minor">
+                <a:schemeClr val="lt1"/>
+              </a:fontRef>
+            </p:style>
+            <p:txBody>
+              <a:bodyPr rtlCol="0" anchor="ctr"/>
+              <a:lstStyle/>
+              <a:p>
+                <a:pPr algn="ctr"/>
+                <a:endParaRPr lang="en-US"/>
+              </a:p>
+            </p:txBody>
+          </p:sp>
+          <p:sp>
+            <p:nvSpPr>
+              <p:cNvPr id="1040" name="Oval 1039">
+                <a:extLst>
+                  <a:ext uri="{FF2B5EF4-FFF2-40B4-BE49-F238E27FC236}">
+                    <a16:creationId xmlns:a16="http://schemas.microsoft.com/office/drawing/2014/main" id="{5676E5F0-0B0A-F8F3-5290-117611497924}"/>
+                  </a:ext>
+                </a:extLst>
+              </p:cNvPr>
+              <p:cNvSpPr/>
+              <p:nvPr/>
+            </p:nvSpPr>
+            <p:spPr>
+              <a:xfrm>
+                <a:off x="7328166" y="248593"/>
+                <a:ext cx="91440" cy="91440"/>
+              </a:xfrm>
+              <a:prstGeom prst="ellipse">
+                <a:avLst/>
+              </a:prstGeom>
+              <a:solidFill>
+                <a:schemeClr val="bg2">
+                  <a:lumMod val="75000"/>
+                </a:schemeClr>
+              </a:solidFill>
+              <a:ln>
+                <a:noFill/>
+              </a:ln>
+            </p:spPr>
+            <p:style>
+              <a:lnRef idx="2">
+                <a:schemeClr val="accent1">
+                  <a:shade val="15000"/>
+                </a:schemeClr>
+              </a:lnRef>
+              <a:fillRef idx="1">
+                <a:schemeClr val="accent1"/>
+              </a:fillRef>
+              <a:effectRef idx="0">
+                <a:schemeClr val="accent1"/>
+              </a:effectRef>
+              <a:fontRef idx="minor">
+                <a:schemeClr val="lt1"/>
+              </a:fontRef>
+            </p:style>
+            <p:txBody>
+              <a:bodyPr rtlCol="0" anchor="ctr"/>
+              <a:lstStyle/>
+              <a:p>
+                <a:pPr algn="ctr"/>
+                <a:endParaRPr lang="en-US"/>
+              </a:p>
+            </p:txBody>
+          </p:sp>
+        </p:grpSp>
+        <mc:AlternateContent xmlns:mc="http://schemas.openxmlformats.org/markup-compatibility/2006">
+          <mc:Choice xmlns:a14="http://schemas.microsoft.com/office/drawing/2010/main" Requires="a14">
+            <p:sp>
+              <p:nvSpPr>
+                <p:cNvPr id="1059" name="TextBox 1058">
+                  <a:extLst>
+                    <a:ext uri="{FF2B5EF4-FFF2-40B4-BE49-F238E27FC236}">
+                      <a16:creationId xmlns:a16="http://schemas.microsoft.com/office/drawing/2014/main" id="{AC3E2EE8-E518-A90D-D870-A0A0D945A1A6}"/>
+                    </a:ext>
+                  </a:extLst>
+                </p:cNvPr>
+                <p:cNvSpPr txBox="1"/>
+                <p:nvPr/>
+              </p:nvSpPr>
+              <p:spPr>
+                <a:xfrm>
+                  <a:off x="5430867" y="1577335"/>
+                  <a:ext cx="2678837" cy="689869"/>
+                </a:xfrm>
+                <a:prstGeom prst="rect">
+                  <a:avLst/>
+                </a:prstGeom>
+                <a:noFill/>
+              </p:spPr>
+              <p:txBody>
+                <a:bodyPr wrap="square">
+                  <a:spAutoFit/>
+                </a:bodyPr>
+                <a:lstStyle/>
+                <a:p>
+                  <a:pPr algn="ctr"/>
+                  <a:r>
+                    <a:rPr lang="en-US" dirty="0">
+                      <a:solidFill>
+                        <a:schemeClr val="tx1">
+                          <a:lumMod val="95000"/>
+                          <a:lumOff val="5000"/>
+                        </a:schemeClr>
+                      </a:solidFill>
+                      <a:latin typeface="Times New Roman" panose="02020603050405020304" pitchFamily="18" charset="0"/>
+                      <a:cs typeface="Times New Roman" panose="02020603050405020304" pitchFamily="18" charset="0"/>
+                    </a:rPr>
+                    <a:t>R</a:t>
+                  </a:r>
+                  <a:r>
+                    <a:rPr lang="en-US" altLang="zh-CN" dirty="0">
+                      <a:solidFill>
+                        <a:schemeClr val="tx1">
+                          <a:lumMod val="95000"/>
+                          <a:lumOff val="5000"/>
+                        </a:schemeClr>
+                      </a:solidFill>
+                      <a:latin typeface="Times New Roman" panose="02020603050405020304" pitchFamily="18" charset="0"/>
+                      <a:cs typeface="Times New Roman" panose="02020603050405020304" pitchFamily="18" charset="0"/>
+                    </a:rPr>
+                    <a:t>ounding correction </a:t>
+                  </a:r>
+                  <a14:m>
+                    <m:oMath xmlns:m="http://schemas.openxmlformats.org/officeDocument/2006/math">
+                      <m:sSub>
+                        <m:sSubPr>
+                          <m:ctrlPr>
+                            <a:rPr lang="en-US" i="1">
+                              <a:solidFill>
+                                <a:schemeClr val="tx1">
+                                  <a:lumMod val="95000"/>
+                                  <a:lumOff val="5000"/>
+                                </a:schemeClr>
+                              </a:solidFill>
+                              <a:latin typeface="Cambria Math" panose="02040503050406030204" pitchFamily="18" charset="0"/>
+                              <a:cs typeface="Times New Roman" panose="02020603050405020304" pitchFamily="18" charset="0"/>
+                            </a:rPr>
+                          </m:ctrlPr>
+                        </m:sSubPr>
+                        <m:e>
+                          <m:r>
+                            <m:rPr>
+                              <m:sty m:val="p"/>
+                            </m:rPr>
+                            <a:rPr lang="en-US">
+                              <a:solidFill>
+                                <a:schemeClr val="tx1">
+                                  <a:lumMod val="95000"/>
+                                  <a:lumOff val="5000"/>
+                                </a:schemeClr>
+                              </a:solidFill>
+                              <a:latin typeface="Cambria Math" panose="02040503050406030204" pitchFamily="18" charset="0"/>
+                              <a:ea typeface="Cambria Math" panose="02040503050406030204" pitchFamily="18" charset="0"/>
+                              <a:cs typeface="Times New Roman" panose="02020603050405020304" pitchFamily="18" charset="0"/>
+                            </a:rPr>
+                            <m:t>φ</m:t>
+                          </m:r>
+                        </m:e>
+                        <m:sub>
+                          <m:sSub>
+                            <m:sSubPr>
+                              <m:ctrlPr>
+                                <a:rPr lang="en-US" i="1">
+                                  <a:solidFill>
+                                    <a:schemeClr val="tx1">
+                                      <a:lumMod val="95000"/>
+                                      <a:lumOff val="5000"/>
+                                    </a:schemeClr>
+                                  </a:solidFill>
+                                  <a:latin typeface="Cambria Math" panose="02040503050406030204" pitchFamily="18" charset="0"/>
+                                  <a:ea typeface="Cambria Math" panose="02040503050406030204" pitchFamily="18" charset="0"/>
+                                  <a:cs typeface="Times New Roman" panose="02020603050405020304" pitchFamily="18" charset="0"/>
+                                </a:rPr>
+                              </m:ctrlPr>
+                            </m:sSubPr>
+                            <m:e>
+                              <m:r>
+                                <m:rPr>
+                                  <m:sty m:val="p"/>
+                                </m:rPr>
+                                <a:rPr lang="en-US">
+                                  <a:solidFill>
+                                    <a:schemeClr val="tx1">
+                                      <a:lumMod val="95000"/>
+                                      <a:lumOff val="5000"/>
+                                    </a:schemeClr>
+                                  </a:solidFill>
+                                  <a:latin typeface="Cambria Math" panose="02040503050406030204" pitchFamily="18" charset="0"/>
+                                  <a:ea typeface="Cambria Math" panose="02040503050406030204" pitchFamily="18" charset="0"/>
+                                  <a:cs typeface="Times New Roman" panose="02020603050405020304" pitchFamily="18" charset="0"/>
+                                </a:rPr>
+                                <m:t>Θ</m:t>
+                              </m:r>
+                            </m:e>
+                            <m:sub>
+                              <m:r>
+                                <a:rPr lang="en-US">
+                                  <a:solidFill>
+                                    <a:schemeClr val="tx1">
+                                      <a:lumMod val="95000"/>
+                                      <a:lumOff val="5000"/>
+                                    </a:schemeClr>
+                                  </a:solidFill>
+                                  <a:latin typeface="Cambria Math" panose="02040503050406030204" pitchFamily="18" charset="0"/>
+                                  <a:ea typeface="Cambria Math" panose="02040503050406030204" pitchFamily="18" charset="0"/>
+                                  <a:cs typeface="Times New Roman" panose="02020603050405020304" pitchFamily="18" charset="0"/>
+                                </a:rPr>
+                                <m:t>2</m:t>
+                              </m:r>
+                            </m:sub>
+                          </m:sSub>
+                        </m:sub>
+                      </m:sSub>
+                      <m:d>
+                        <m:dPr>
+                          <m:ctrlPr>
+                            <a:rPr lang="en-US" i="1">
+                              <a:solidFill>
+                                <a:schemeClr val="tx1">
+                                  <a:lumMod val="95000"/>
+                                  <a:lumOff val="5000"/>
+                                </a:schemeClr>
+                              </a:solidFill>
+                              <a:latin typeface="Cambria Math" panose="02040503050406030204" pitchFamily="18" charset="0"/>
+                              <a:cs typeface="Times New Roman" panose="02020603050405020304" pitchFamily="18" charset="0"/>
+                            </a:rPr>
+                          </m:ctrlPr>
+                        </m:dPr>
+                        <m:e>
+                          <m:sSup>
+                            <m:sSupPr>
+                              <m:ctrlPr>
+                                <a:rPr lang="en-US" i="1">
+                                  <a:solidFill>
+                                    <a:schemeClr val="tx1">
+                                      <a:lumMod val="95000"/>
+                                      <a:lumOff val="5000"/>
+                                    </a:schemeClr>
+                                  </a:solidFill>
+                                  <a:latin typeface="Cambria Math" panose="02040503050406030204" pitchFamily="18" charset="0"/>
+                                  <a:ea typeface="Cambria Math" panose="02040503050406030204" pitchFamily="18" charset="0"/>
+                                  <a:cs typeface="Times New Roman" panose="02020603050405020304" pitchFamily="18" charset="0"/>
+                                </a:rPr>
+                              </m:ctrlPr>
+                            </m:sSupPr>
+                            <m:e>
+                              <m:acc>
+                                <m:accPr>
+                                  <m:chr m:val="̅"/>
+                                  <m:ctrlPr>
+                                    <a:rPr lang="en-US" i="1">
+                                      <a:solidFill>
+                                        <a:schemeClr val="tx1">
+                                          <a:lumMod val="95000"/>
+                                          <a:lumOff val="5000"/>
+                                        </a:schemeClr>
+                                      </a:solidFill>
+                                      <a:latin typeface="Cambria Math" panose="02040503050406030204" pitchFamily="18" charset="0"/>
+                                      <a:ea typeface="Cambria Math" panose="02040503050406030204" pitchFamily="18" charset="0"/>
+                                      <a:cs typeface="Times New Roman" panose="02020603050405020304" pitchFamily="18" charset="0"/>
+                                    </a:rPr>
+                                  </m:ctrlPr>
+                                </m:accPr>
+                                <m:e>
+                                  <m:r>
+                                    <a:rPr lang="en-US" b="1" i="1">
+                                      <a:solidFill>
+                                        <a:schemeClr val="tx1">
+                                          <a:lumMod val="95000"/>
+                                          <a:lumOff val="5000"/>
+                                        </a:schemeClr>
+                                      </a:solidFill>
+                                      <a:latin typeface="Cambria Math" panose="02040503050406030204" pitchFamily="18" charset="0"/>
+                                      <a:ea typeface="Cambria Math" panose="02040503050406030204" pitchFamily="18" charset="0"/>
+                                      <a:cs typeface="Times New Roman" panose="02020603050405020304" pitchFamily="18" charset="0"/>
+                                    </a:rPr>
+                                    <m:t>𝒙</m:t>
+                                  </m:r>
+                                </m:e>
+                              </m:acc>
+                            </m:e>
+                            <m:sup>
+                              <m:r>
+                                <a:rPr lang="en-US" i="1">
+                                  <a:solidFill>
+                                    <a:schemeClr val="tx1">
+                                      <a:lumMod val="95000"/>
+                                      <a:lumOff val="5000"/>
+                                    </a:schemeClr>
+                                  </a:solidFill>
+                                  <a:latin typeface="Cambria Math" panose="02040503050406030204" pitchFamily="18" charset="0"/>
+                                  <a:ea typeface="Cambria Math" panose="02040503050406030204" pitchFamily="18" charset="0"/>
+                                  <a:cs typeface="Times New Roman" panose="02020603050405020304" pitchFamily="18" charset="0"/>
+                                </a:rPr>
+                                <m:t>𝑖</m:t>
+                              </m:r>
+                            </m:sup>
+                          </m:sSup>
+                        </m:e>
+                      </m:d>
+                      <m:r>
+                        <a:rPr lang="en-US">
+                          <a:solidFill>
+                            <a:schemeClr val="tx1">
+                              <a:lumMod val="95000"/>
+                              <a:lumOff val="5000"/>
+                            </a:schemeClr>
+                          </a:solidFill>
+                          <a:latin typeface="Cambria Math" panose="02040503050406030204" pitchFamily="18" charset="0"/>
+                          <a:ea typeface="Cambria Math" panose="02040503050406030204" pitchFamily="18" charset="0"/>
+                          <a:cs typeface="Times New Roman" panose="02020603050405020304" pitchFamily="18" charset="0"/>
+                        </a:rPr>
+                        <m:t> </m:t>
+                      </m:r>
+                      <m:r>
+                        <m:rPr>
+                          <m:sty m:val="p"/>
+                        </m:rPr>
+                        <a:rPr lang="en-US">
+                          <a:solidFill>
+                            <a:schemeClr val="tx1">
+                              <a:lumMod val="95000"/>
+                              <a:lumOff val="5000"/>
+                            </a:schemeClr>
+                          </a:solidFill>
+                          <a:latin typeface="Cambria Math" panose="02040503050406030204" pitchFamily="18" charset="0"/>
+                          <a:ea typeface="Cambria Math" panose="02040503050406030204" pitchFamily="18" charset="0"/>
+                          <a:cs typeface="Times New Roman" panose="02020603050405020304" pitchFamily="18" charset="0"/>
+                        </a:rPr>
+                        <m:t>for</m:t>
+                      </m:r>
+                      <m:r>
+                        <a:rPr lang="en-US">
+                          <a:solidFill>
+                            <a:schemeClr val="tx1">
+                              <a:lumMod val="95000"/>
+                              <a:lumOff val="5000"/>
+                            </a:schemeClr>
+                          </a:solidFill>
+                          <a:latin typeface="Cambria Math" panose="02040503050406030204" pitchFamily="18" charset="0"/>
+                          <a:ea typeface="Cambria Math" panose="02040503050406030204" pitchFamily="18" charset="0"/>
+                          <a:cs typeface="Times New Roman" panose="02020603050405020304" pitchFamily="18" charset="0"/>
+                        </a:rPr>
+                        <m:t> </m:t>
+                      </m:r>
+                      <m:r>
+                        <m:rPr>
+                          <m:sty m:val="p"/>
+                        </m:rPr>
+                        <a:rPr lang="en-US">
+                          <a:solidFill>
+                            <a:schemeClr val="tx1">
+                              <a:lumMod val="95000"/>
+                              <a:lumOff val="5000"/>
+                            </a:schemeClr>
+                          </a:solidFill>
+                          <a:latin typeface="Cambria Math" panose="02040503050406030204" pitchFamily="18" charset="0"/>
+                          <a:ea typeface="Cambria Math" panose="02040503050406030204" pitchFamily="18" charset="0"/>
+                          <a:cs typeface="Times New Roman" panose="02020603050405020304" pitchFamily="18" charset="0"/>
+                        </a:rPr>
+                        <m:t>integrality</m:t>
+                      </m:r>
+                    </m:oMath>
+                  </a14:m>
+                  <a:endParaRPr lang="en-US" b="1" dirty="0">
+                    <a:solidFill>
+                      <a:schemeClr val="tx1">
+                        <a:lumMod val="95000"/>
+                        <a:lumOff val="5000"/>
+                      </a:schemeClr>
+                    </a:solidFill>
+                    <a:latin typeface="Times New Roman" panose="02020603050405020304" pitchFamily="18" charset="0"/>
+                    <a:cs typeface="Times New Roman" panose="02020603050405020304" pitchFamily="18" charset="0"/>
+                  </a:endParaRPr>
+                </a:p>
+              </p:txBody>
+            </p:sp>
+          </mc:Choice>
+          <mc:Fallback>
+            <p:sp>
+              <p:nvSpPr>
+                <p:cNvPr id="1059" name="TextBox 1058">
+                  <a:extLst>
+                    <a:ext uri="{FF2B5EF4-FFF2-40B4-BE49-F238E27FC236}">
+                      <a16:creationId xmlns:a16="http://schemas.microsoft.com/office/drawing/2014/main" id="{AC3E2EE8-E518-A90D-D870-A0A0D945A1A6}"/>
+                    </a:ext>
+                  </a:extLst>
+                </p:cNvPr>
+                <p:cNvSpPr txBox="1">
+                  <a:spLocks noRot="1" noChangeAspect="1" noMove="1" noResize="1" noEditPoints="1" noAdjustHandles="1" noChangeArrowheads="1" noChangeShapeType="1" noTextEdit="1"/>
+                </p:cNvSpPr>
+                <p:nvPr/>
+              </p:nvSpPr>
+              <p:spPr>
+                <a:xfrm>
+                  <a:off x="5430867" y="1577335"/>
+                  <a:ext cx="2678837" cy="689869"/>
+                </a:xfrm>
+                <a:prstGeom prst="rect">
+                  <a:avLst/>
+                </a:prstGeom>
+                <a:blipFill>
+                  <a:blip r:embed="rId4"/>
+                  <a:stretch>
+                    <a:fillRect t="-4386" b="-3509"/>
+                  </a:stretch>
+                </a:blipFill>
+              </p:spPr>
+              <p:txBody>
+                <a:bodyPr/>
+                <a:lstStyle/>
+                <a:p>
+                  <a:r>
+                    <a:rPr lang="en-US">
+                      <a:noFill/>
+                    </a:rPr>
+                    <a:t> </a:t>
+                  </a:r>
+                </a:p>
+              </p:txBody>
+            </p:sp>
+          </mc:Fallback>
+        </mc:AlternateContent>
+      </p:grpSp>
+      <p:grpSp>
+        <p:nvGrpSpPr>
+          <p:cNvPr id="1115" name="Group 1114">
+            <a:extLst>
+              <a:ext uri="{FF2B5EF4-FFF2-40B4-BE49-F238E27FC236}">
+                <a16:creationId xmlns:a16="http://schemas.microsoft.com/office/drawing/2014/main" id="{CB20EB91-B3C7-C4A6-1002-8572DF143580}"/>
+              </a:ext>
+            </a:extLst>
+          </p:cNvPr>
+          <p:cNvGrpSpPr/>
+          <p:nvPr/>
+        </p:nvGrpSpPr>
+        <p:grpSpPr>
+          <a:xfrm>
+            <a:off x="8677997" y="302376"/>
+            <a:ext cx="2678837" cy="2216344"/>
+            <a:chOff x="9248581" y="1138359"/>
+            <a:chExt cx="2678837" cy="2216344"/>
+          </a:xfrm>
+        </p:grpSpPr>
+        <p:grpSp>
+          <p:nvGrpSpPr>
+            <p:cNvPr id="1079" name="Group 1078">
+              <a:extLst>
+                <a:ext uri="{FF2B5EF4-FFF2-40B4-BE49-F238E27FC236}">
+                  <a16:creationId xmlns:a16="http://schemas.microsoft.com/office/drawing/2014/main" id="{8A188382-4990-22BB-40D8-73F1481E467F}"/>
+                </a:ext>
+              </a:extLst>
+            </p:cNvPr>
+            <p:cNvGrpSpPr/>
+            <p:nvPr/>
+          </p:nvGrpSpPr>
+          <p:grpSpPr>
+            <a:xfrm>
+              <a:off x="9460012" y="1138359"/>
+              <a:ext cx="1974828" cy="1397043"/>
+              <a:chOff x="9470653" y="1153421"/>
+              <a:chExt cx="1765284" cy="1248805"/>
+            </a:xfrm>
+          </p:grpSpPr>
+          <p:cxnSp>
+            <p:nvCxnSpPr>
+              <p:cNvPr id="1074" name="Straight Connector 1073">
+                <a:extLst>
+                  <a:ext uri="{FF2B5EF4-FFF2-40B4-BE49-F238E27FC236}">
+                    <a16:creationId xmlns:a16="http://schemas.microsoft.com/office/drawing/2014/main" id="{9E9C04A0-ADC2-2B31-FE13-3C409E244901}"/>
+                  </a:ext>
+                </a:extLst>
+              </p:cNvPr>
+              <p:cNvCxnSpPr>
+                <a:cxnSpLocks/>
+              </p:cNvCxnSpPr>
+              <p:nvPr/>
+            </p:nvCxnSpPr>
+            <p:spPr>
+              <a:xfrm>
+                <a:off x="10104931" y="1762343"/>
+                <a:ext cx="155944" cy="189059"/>
+              </a:xfrm>
+              <a:prstGeom prst="line">
+                <a:avLst/>
+              </a:prstGeom>
+              <a:ln w="19050">
+                <a:solidFill>
+                  <a:schemeClr val="tx1">
+                    <a:lumMod val="75000"/>
+                    <a:lumOff val="25000"/>
+                  </a:schemeClr>
+                </a:solidFill>
+                <a:headEnd type="triangle"/>
+              </a:ln>
+            </p:spPr>
+            <p:style>
+              <a:lnRef idx="1">
+                <a:schemeClr val="accent1"/>
+              </a:lnRef>
+              <a:fillRef idx="0">
+                <a:schemeClr val="accent1"/>
+              </a:fillRef>
+              <a:effectRef idx="0">
+                <a:schemeClr val="accent1"/>
+              </a:effectRef>
+              <a:fontRef idx="minor">
+                <a:schemeClr val="tx1"/>
+              </a:fontRef>
+            </p:style>
+          </p:cxnSp>
+          <p:sp>
+            <p:nvSpPr>
+              <p:cNvPr id="1069" name="Right Triangle 1068">
+                <a:extLst>
+                  <a:ext uri="{FF2B5EF4-FFF2-40B4-BE49-F238E27FC236}">
+                    <a16:creationId xmlns:a16="http://schemas.microsoft.com/office/drawing/2014/main" id="{55438617-4EC1-E9FC-059F-2BFABA592333}"/>
+                  </a:ext>
+                </a:extLst>
+              </p:cNvPr>
+              <p:cNvSpPr/>
+              <p:nvPr/>
+            </p:nvSpPr>
+            <p:spPr>
+              <a:xfrm flipH="1">
+                <a:off x="9721947" y="1153423"/>
+                <a:ext cx="1513990" cy="1248803"/>
+              </a:xfrm>
+              <a:prstGeom prst="rtTriangle">
+                <a:avLst/>
+              </a:prstGeom>
+              <a:solidFill>
+                <a:srgbClr val="A6CAEC"/>
+              </a:solidFill>
+              <a:ln w="28575">
+                <a:noFill/>
+              </a:ln>
+            </p:spPr>
+            <p:style>
+              <a:lnRef idx="2">
+                <a:schemeClr val="accent1">
+                  <a:shade val="15000"/>
+                </a:schemeClr>
+              </a:lnRef>
+              <a:fillRef idx="1">
+                <a:schemeClr val="accent1"/>
+              </a:fillRef>
+              <a:effectRef idx="0">
+                <a:schemeClr val="accent1"/>
+              </a:effectRef>
+              <a:fontRef idx="minor">
+                <a:schemeClr val="lt1"/>
+              </a:fontRef>
+            </p:style>
+            <p:txBody>
+              <a:bodyPr rtlCol="0" anchor="ctr"/>
+              <a:lstStyle/>
+              <a:p>
+                <a:pPr algn="ctr"/>
+                <a:endParaRPr lang="en-US"/>
+              </a:p>
+            </p:txBody>
+          </p:sp>
+          <p:grpSp>
+            <p:nvGrpSpPr>
+              <p:cNvPr id="1054" name="Group 1053">
+                <a:extLst>
+                  <a:ext uri="{FF2B5EF4-FFF2-40B4-BE49-F238E27FC236}">
+                    <a16:creationId xmlns:a16="http://schemas.microsoft.com/office/drawing/2014/main" id="{AD5694B4-0998-6DD5-567B-25485E0BE575}"/>
+                  </a:ext>
+                </a:extLst>
+              </p:cNvPr>
+              <p:cNvGrpSpPr/>
+              <p:nvPr/>
+            </p:nvGrpSpPr>
+            <p:grpSpPr>
+              <a:xfrm>
+                <a:off x="9470653" y="1153421"/>
+                <a:ext cx="1725146" cy="1234066"/>
+                <a:chOff x="3487286" y="3877098"/>
+                <a:chExt cx="2879209" cy="2059614"/>
+              </a:xfrm>
+            </p:grpSpPr>
+            <p:sp>
+              <p:nvSpPr>
+                <p:cNvPr id="11" name="Oval 10">
+                  <a:extLst>
+                    <a:ext uri="{FF2B5EF4-FFF2-40B4-BE49-F238E27FC236}">
+                      <a16:creationId xmlns:a16="http://schemas.microsoft.com/office/drawing/2014/main" id="{E56EB9DD-4005-F5B8-03FF-5FCC55C6DB7A}"/>
+                    </a:ext>
+                  </a:extLst>
+                </p:cNvPr>
+                <p:cNvSpPr/>
+                <p:nvPr/>
+              </p:nvSpPr>
+              <p:spPr>
+                <a:xfrm rot="281670">
+                  <a:off x="3487286" y="3877098"/>
+                  <a:ext cx="2879209" cy="2059614"/>
+                </a:xfrm>
+                <a:prstGeom prst="ellipse">
+                  <a:avLst/>
+                </a:prstGeom>
+                <a:ln w="19050">
+                  <a:solidFill>
+                    <a:schemeClr val="tx1">
+                      <a:lumMod val="75000"/>
+                      <a:lumOff val="25000"/>
+                    </a:schemeClr>
+                  </a:solidFill>
+                </a:ln>
+              </p:spPr>
+              <p:style>
+                <a:lnRef idx="1">
+                  <a:schemeClr val="accent1"/>
+                </a:lnRef>
+                <a:fillRef idx="0">
+                  <a:schemeClr val="accent1"/>
+                </a:fillRef>
+                <a:effectRef idx="0">
+                  <a:schemeClr val="accent1"/>
+                </a:effectRef>
+                <a:fontRef idx="minor">
+                  <a:schemeClr val="tx1"/>
+                </a:fontRef>
+              </p:style>
+              <p:txBody>
+                <a:bodyPr rtlCol="0" anchor="ctr"/>
+                <a:lstStyle/>
+                <a:p>
+                  <a:pPr algn="ctr"/>
+                  <a:endParaRPr lang="en-US"/>
+                </a:p>
+              </p:txBody>
+            </p:sp>
+            <p:sp>
+              <p:nvSpPr>
+                <p:cNvPr id="12" name="Oval 11">
+                  <a:extLst>
+                    <a:ext uri="{FF2B5EF4-FFF2-40B4-BE49-F238E27FC236}">
+                      <a16:creationId xmlns:a16="http://schemas.microsoft.com/office/drawing/2014/main" id="{2AF4E074-F092-3ADD-ED2F-96952E45224F}"/>
+                    </a:ext>
+                  </a:extLst>
+                </p:cNvPr>
+                <p:cNvSpPr/>
+                <p:nvPr/>
+              </p:nvSpPr>
+              <p:spPr>
+                <a:xfrm rot="281670">
+                  <a:off x="3689209" y="4145373"/>
+                  <a:ext cx="1969770" cy="1495991"/>
+                </a:xfrm>
+                <a:prstGeom prst="ellipse">
+                  <a:avLst/>
+                </a:prstGeom>
+                <a:ln w="19050">
+                  <a:solidFill>
+                    <a:schemeClr val="tx1">
+                      <a:lumMod val="75000"/>
+                      <a:lumOff val="25000"/>
+                    </a:schemeClr>
+                  </a:solidFill>
+                </a:ln>
+              </p:spPr>
+              <p:style>
+                <a:lnRef idx="1">
+                  <a:schemeClr val="accent1"/>
+                </a:lnRef>
+                <a:fillRef idx="0">
+                  <a:schemeClr val="accent1"/>
+                </a:fillRef>
+                <a:effectRef idx="0">
+                  <a:schemeClr val="accent1"/>
+                </a:effectRef>
+                <a:fontRef idx="minor">
+                  <a:schemeClr val="tx1"/>
+                </a:fontRef>
+              </p:style>
+              <p:txBody>
+                <a:bodyPr rtlCol="0" anchor="ctr"/>
+                <a:lstStyle/>
+                <a:p>
+                  <a:pPr algn="ctr"/>
+                  <a:endParaRPr lang="en-US"/>
+                </a:p>
+              </p:txBody>
+            </p:sp>
+            <p:sp>
+              <p:nvSpPr>
+                <p:cNvPr id="21" name="Oval 20">
+                  <a:extLst>
+                    <a:ext uri="{FF2B5EF4-FFF2-40B4-BE49-F238E27FC236}">
+                      <a16:creationId xmlns:a16="http://schemas.microsoft.com/office/drawing/2014/main" id="{C4C2F0BE-53B3-C550-2D11-AD3CE5320912}"/>
+                    </a:ext>
+                  </a:extLst>
+                </p:cNvPr>
+                <p:cNvSpPr/>
+                <p:nvPr/>
+              </p:nvSpPr>
+              <p:spPr>
+                <a:xfrm rot="281670">
+                  <a:off x="3926056" y="4489828"/>
+                  <a:ext cx="1013539" cy="825770"/>
+                </a:xfrm>
+                <a:prstGeom prst="ellipse">
+                  <a:avLst/>
+                </a:prstGeom>
+                <a:ln w="19050">
+                  <a:solidFill>
+                    <a:schemeClr val="tx1">
+                      <a:lumMod val="75000"/>
+                      <a:lumOff val="25000"/>
+                    </a:schemeClr>
+                  </a:solidFill>
+                </a:ln>
+              </p:spPr>
+              <p:style>
+                <a:lnRef idx="1">
+                  <a:schemeClr val="accent1"/>
+                </a:lnRef>
+                <a:fillRef idx="0">
+                  <a:schemeClr val="accent1"/>
+                </a:fillRef>
+                <a:effectRef idx="0">
+                  <a:schemeClr val="accent1"/>
+                </a:effectRef>
+                <a:fontRef idx="minor">
+                  <a:schemeClr val="tx1"/>
+                </a:fontRef>
+              </p:style>
+              <p:txBody>
+                <a:bodyPr rtlCol="0" anchor="ctr"/>
+                <a:lstStyle/>
+                <a:p>
+                  <a:pPr algn="ctr"/>
+                  <a:endParaRPr lang="en-US"/>
+                </a:p>
+              </p:txBody>
+            </p:sp>
+            <p:sp>
+              <p:nvSpPr>
+                <p:cNvPr id="22" name="Oval 21">
+                  <a:extLst>
+                    <a:ext uri="{FF2B5EF4-FFF2-40B4-BE49-F238E27FC236}">
+                      <a16:creationId xmlns:a16="http://schemas.microsoft.com/office/drawing/2014/main" id="{3B67587E-08C6-28FA-480A-B442CE54CC50}"/>
+                    </a:ext>
+                  </a:extLst>
+                </p:cNvPr>
+                <p:cNvSpPr/>
+                <p:nvPr/>
+              </p:nvSpPr>
+              <p:spPr>
+                <a:xfrm rot="281670">
+                  <a:off x="4140921" y="4669795"/>
+                  <a:ext cx="355737" cy="335252"/>
+                </a:xfrm>
+                <a:prstGeom prst="ellipse">
+                  <a:avLst/>
+                </a:prstGeom>
+                <a:ln w="19050">
+                  <a:solidFill>
+                    <a:schemeClr val="tx1">
+                      <a:lumMod val="75000"/>
+                      <a:lumOff val="25000"/>
+                    </a:schemeClr>
+                  </a:solidFill>
+                </a:ln>
+              </p:spPr>
+              <p:style>
+                <a:lnRef idx="1">
+                  <a:schemeClr val="accent1"/>
+                </a:lnRef>
+                <a:fillRef idx="0">
+                  <a:schemeClr val="accent1"/>
+                </a:fillRef>
+                <a:effectRef idx="0">
+                  <a:schemeClr val="accent1"/>
+                </a:effectRef>
+                <a:fontRef idx="minor">
+                  <a:schemeClr val="tx1"/>
+                </a:fontRef>
+              </p:style>
+              <p:txBody>
+                <a:bodyPr rtlCol="0" anchor="ctr"/>
+                <a:lstStyle/>
+                <a:p>
+                  <a:pPr algn="ctr"/>
+                  <a:endParaRPr lang="en-US"/>
+                </a:p>
+              </p:txBody>
+            </p:sp>
+          </p:grpSp>
+          <p:cxnSp>
+            <p:nvCxnSpPr>
+              <p:cNvPr id="1070" name="Straight Connector 1069">
+                <a:extLst>
+                  <a:ext uri="{FF2B5EF4-FFF2-40B4-BE49-F238E27FC236}">
+                    <a16:creationId xmlns:a16="http://schemas.microsoft.com/office/drawing/2014/main" id="{F0789562-0617-8049-EC8C-5306A2F75F49}"/>
+                  </a:ext>
+                </a:extLst>
+              </p:cNvPr>
+              <p:cNvCxnSpPr>
+                <a:cxnSpLocks/>
+                <a:stCxn id="1069" idx="4"/>
+                <a:endCxn id="1069" idx="0"/>
+              </p:cNvCxnSpPr>
+              <p:nvPr/>
+            </p:nvCxnSpPr>
+            <p:spPr>
+              <a:xfrm flipV="1">
+                <a:off x="9721947" y="1153423"/>
+                <a:ext cx="1513990" cy="1248803"/>
+              </a:xfrm>
+              <a:prstGeom prst="line">
+                <a:avLst/>
+              </a:prstGeom>
+              <a:ln w="38100">
+                <a:solidFill>
+                  <a:srgbClr val="002060"/>
+                </a:solidFill>
+                <a:prstDash val="dash"/>
+              </a:ln>
+            </p:spPr>
+            <p:style>
+              <a:lnRef idx="2">
+                <a:schemeClr val="accent1"/>
+              </a:lnRef>
+              <a:fillRef idx="0">
+                <a:schemeClr val="accent1"/>
+              </a:fillRef>
+              <a:effectRef idx="1">
+                <a:schemeClr val="accent1"/>
+              </a:effectRef>
+              <a:fontRef idx="minor">
+                <a:schemeClr val="tx1"/>
+              </a:fontRef>
+            </p:style>
+          </p:cxnSp>
+          <p:sp>
+            <p:nvSpPr>
+              <p:cNvPr id="1073" name="Oval 1072">
+                <a:extLst>
+                  <a:ext uri="{FF2B5EF4-FFF2-40B4-BE49-F238E27FC236}">
+                    <a16:creationId xmlns:a16="http://schemas.microsoft.com/office/drawing/2014/main" id="{43809BD3-7D1D-0E7B-B948-E83A62A19EAD}"/>
+                  </a:ext>
+                </a:extLst>
+              </p:cNvPr>
+              <p:cNvSpPr/>
+              <p:nvPr/>
+            </p:nvSpPr>
+            <p:spPr>
+              <a:xfrm>
+                <a:off x="10190839" y="1881947"/>
+                <a:ext cx="130290" cy="130290"/>
+              </a:xfrm>
+              <a:prstGeom prst="ellipse">
+                <a:avLst/>
+              </a:prstGeom>
+              <a:solidFill>
+                <a:srgbClr val="002060"/>
+              </a:solidFill>
+              <a:ln>
+                <a:noFill/>
+              </a:ln>
+            </p:spPr>
+            <p:style>
+              <a:lnRef idx="2">
+                <a:schemeClr val="accent1">
+                  <a:shade val="15000"/>
+                </a:schemeClr>
+              </a:lnRef>
+              <a:fillRef idx="1">
+                <a:schemeClr val="accent1"/>
+              </a:fillRef>
+              <a:effectRef idx="0">
+                <a:schemeClr val="accent1"/>
+              </a:effectRef>
+              <a:fontRef idx="minor">
+                <a:schemeClr val="lt1"/>
+              </a:fontRef>
+            </p:style>
+            <p:txBody>
+              <a:bodyPr rtlCol="0" anchor="ctr"/>
+              <a:lstStyle/>
+              <a:p>
+                <a:pPr algn="ctr"/>
+                <a:endParaRPr lang="en-US"/>
+              </a:p>
+            </p:txBody>
+          </p:sp>
+        </p:grpSp>
+        <mc:AlternateContent xmlns:mc="http://schemas.openxmlformats.org/markup-compatibility/2006">
+          <mc:Choice xmlns:a14="http://schemas.microsoft.com/office/drawing/2010/main" Requires="a14">
+            <p:sp>
+              <p:nvSpPr>
+                <p:cNvPr id="1114" name="TextBox 1113">
+                  <a:extLst>
+                    <a:ext uri="{FF2B5EF4-FFF2-40B4-BE49-F238E27FC236}">
+                      <a16:creationId xmlns:a16="http://schemas.microsoft.com/office/drawing/2014/main" id="{F25F2E8C-4A10-8915-2FC2-E0CB07B107A5}"/>
+                    </a:ext>
+                  </a:extLst>
+                </p:cNvPr>
+                <p:cNvSpPr txBox="1"/>
+                <p:nvPr/>
+              </p:nvSpPr>
+              <p:spPr>
+                <a:xfrm>
+                  <a:off x="9248581" y="2672721"/>
+                  <a:ext cx="2678837" cy="681982"/>
+                </a:xfrm>
+                <a:prstGeom prst="rect">
+                  <a:avLst/>
+                </a:prstGeom>
+                <a:noFill/>
+              </p:spPr>
+              <p:txBody>
+                <a:bodyPr wrap="square">
+                  <a:spAutoFit/>
+                </a:bodyPr>
+                <a:lstStyle/>
+                <a:p>
+                  <a:pPr algn="ctr"/>
+                  <a:r>
+                    <a:rPr lang="en-US">
+                      <a:solidFill>
+                        <a:schemeClr val="tx1">
+                          <a:lumMod val="95000"/>
+                          <a:lumOff val="5000"/>
+                        </a:schemeClr>
+                      </a:solidFill>
+                      <a:latin typeface="Times New Roman" panose="02020603050405020304" pitchFamily="18" charset="0"/>
+                      <a:cs typeface="Times New Roman" panose="02020603050405020304" pitchFamily="18" charset="0"/>
+                    </a:rPr>
+                    <a:t>Penalized </a:t>
+                  </a:r>
+                  <a:r>
+                    <a:rPr lang="en-US" dirty="0">
+                      <a:solidFill>
+                        <a:schemeClr val="tx1">
+                          <a:lumMod val="95000"/>
+                          <a:lumOff val="5000"/>
+                        </a:schemeClr>
+                      </a:solidFill>
+                      <a:latin typeface="Times New Roman" panose="02020603050405020304" pitchFamily="18" charset="0"/>
+                      <a:cs typeface="Times New Roman" panose="02020603050405020304" pitchFamily="18" charset="0"/>
+                    </a:rPr>
+                    <a:t>function </a:t>
+                  </a:r>
+                  <a14:m>
+                    <m:oMath xmlns:m="http://schemas.openxmlformats.org/officeDocument/2006/math">
+                      <m:r>
+                        <a:rPr lang="en-US" i="1">
+                          <a:solidFill>
+                            <a:schemeClr val="tx1">
+                              <a:lumMod val="95000"/>
+                              <a:lumOff val="5000"/>
+                            </a:schemeClr>
+                          </a:solidFill>
+                          <a:latin typeface="Cambria Math" panose="02040503050406030204" pitchFamily="18" charset="0"/>
+                          <a:ea typeface="Cambria Math" panose="02040503050406030204" pitchFamily="18" charset="0"/>
+                          <a:cs typeface="Times New Roman" panose="02020603050405020304" pitchFamily="18" charset="0"/>
+                        </a:rPr>
+                        <m:t>ℒ</m:t>
+                      </m:r>
+                      <m:d>
+                        <m:dPr>
+                          <m:ctrlPr>
+                            <a:rPr lang="en-US" i="1">
+                              <a:solidFill>
+                                <a:schemeClr val="tx1">
+                                  <a:lumMod val="95000"/>
+                                  <a:lumOff val="5000"/>
+                                </a:schemeClr>
+                              </a:solidFill>
+                              <a:latin typeface="Cambria Math" panose="02040503050406030204" pitchFamily="18" charset="0"/>
+                              <a:ea typeface="Cambria Math" panose="02040503050406030204" pitchFamily="18" charset="0"/>
+                              <a:cs typeface="Times New Roman" panose="02020603050405020304" pitchFamily="18" charset="0"/>
+                            </a:rPr>
+                          </m:ctrlPr>
+                        </m:dPr>
+                        <m:e>
+                          <m:sSup>
+                            <m:sSupPr>
+                              <m:ctrlPr>
+                                <a:rPr lang="en-US" i="1">
+                                  <a:solidFill>
+                                    <a:schemeClr val="tx1">
+                                      <a:lumMod val="95000"/>
+                                      <a:lumOff val="5000"/>
+                                    </a:schemeClr>
+                                  </a:solidFill>
+                                  <a:latin typeface="Cambria Math" panose="02040503050406030204" pitchFamily="18" charset="0"/>
+                                  <a:ea typeface="Cambria Math" panose="02040503050406030204" pitchFamily="18" charset="0"/>
+                                  <a:cs typeface="Times New Roman" panose="02020603050405020304" pitchFamily="18" charset="0"/>
+                                </a:rPr>
+                              </m:ctrlPr>
+                            </m:sSupPr>
+                            <m:e>
+                              <m:acc>
+                                <m:accPr>
+                                  <m:chr m:val="̂"/>
+                                  <m:ctrlPr>
+                                    <a:rPr lang="en-US" b="1" i="1">
+                                      <a:solidFill>
+                                        <a:schemeClr val="tx1">
+                                          <a:lumMod val="95000"/>
+                                          <a:lumOff val="5000"/>
+                                        </a:schemeClr>
+                                      </a:solidFill>
+                                      <a:latin typeface="Cambria Math" panose="02040503050406030204" pitchFamily="18" charset="0"/>
+                                      <a:ea typeface="Cambria Math" panose="02040503050406030204" pitchFamily="18" charset="0"/>
+                                      <a:cs typeface="Times New Roman" panose="02020603050405020304" pitchFamily="18" charset="0"/>
+                                    </a:rPr>
+                                  </m:ctrlPr>
+                                </m:accPr>
+                                <m:e>
+                                  <m:r>
+                                    <a:rPr lang="en-US" b="1" i="1">
+                                      <a:solidFill>
+                                        <a:schemeClr val="tx1">
+                                          <a:lumMod val="95000"/>
+                                          <a:lumOff val="5000"/>
+                                        </a:schemeClr>
+                                      </a:solidFill>
+                                      <a:latin typeface="Cambria Math" panose="02040503050406030204" pitchFamily="18" charset="0"/>
+                                      <a:ea typeface="Cambria Math" panose="02040503050406030204" pitchFamily="18" charset="0"/>
+                                      <a:cs typeface="Times New Roman" panose="02020603050405020304" pitchFamily="18" charset="0"/>
+                                    </a:rPr>
+                                    <m:t>𝒙</m:t>
+                                  </m:r>
+                                </m:e>
+                              </m:acc>
+                            </m:e>
+                            <m:sup>
+                              <m:r>
+                                <a:rPr lang="en-US" i="1">
+                                  <a:solidFill>
+                                    <a:schemeClr val="tx1">
+                                      <a:lumMod val="95000"/>
+                                      <a:lumOff val="5000"/>
+                                    </a:schemeClr>
+                                  </a:solidFill>
+                                  <a:latin typeface="Cambria Math" panose="02040503050406030204" pitchFamily="18" charset="0"/>
+                                  <a:ea typeface="Cambria Math" panose="02040503050406030204" pitchFamily="18" charset="0"/>
+                                  <a:cs typeface="Times New Roman" panose="02020603050405020304" pitchFamily="18" charset="0"/>
+                                </a:rPr>
+                                <m:t>𝑖</m:t>
+                              </m:r>
+                            </m:sup>
+                          </m:sSup>
+                        </m:e>
+                      </m:d>
+                      <m:r>
+                        <a:rPr lang="en-US" i="1">
+                          <a:solidFill>
+                            <a:schemeClr val="tx1">
+                              <a:lumMod val="95000"/>
+                              <a:lumOff val="5000"/>
+                            </a:schemeClr>
+                          </a:solidFill>
+                          <a:latin typeface="Cambria Math" panose="02040503050406030204" pitchFamily="18" charset="0"/>
+                          <a:ea typeface="Cambria Math" panose="02040503050406030204" pitchFamily="18" charset="0"/>
+                          <a:cs typeface="Times New Roman" panose="02020603050405020304" pitchFamily="18" charset="0"/>
+                        </a:rPr>
+                        <m:t> </m:t>
+                      </m:r>
+                    </m:oMath>
+                  </a14:m>
+                  <a:r>
+                    <a:rPr lang="en-US" dirty="0">
+                      <a:solidFill>
+                        <a:schemeClr val="tx1">
+                          <a:lumMod val="95000"/>
+                          <a:lumOff val="5000"/>
+                        </a:schemeClr>
+                      </a:solidFill>
+                      <a:latin typeface="Times New Roman" panose="02020603050405020304" pitchFamily="18" charset="0"/>
+                      <a:cs typeface="Times New Roman" panose="02020603050405020304" pitchFamily="18" charset="0"/>
+                    </a:rPr>
+                    <a:t>as loss</a:t>
+                  </a:r>
+                  <a:endParaRPr lang="en-US" b="1" dirty="0">
+                    <a:solidFill>
+                      <a:schemeClr val="tx1">
+                        <a:lumMod val="95000"/>
+                        <a:lumOff val="5000"/>
+                      </a:schemeClr>
+                    </a:solidFill>
+                    <a:latin typeface="Times New Roman" panose="02020603050405020304" pitchFamily="18" charset="0"/>
+                    <a:cs typeface="Times New Roman" panose="02020603050405020304" pitchFamily="18" charset="0"/>
+                  </a:endParaRPr>
+                </a:p>
+              </p:txBody>
+            </p:sp>
+          </mc:Choice>
+          <mc:Fallback>
+            <p:sp>
+              <p:nvSpPr>
+                <p:cNvPr id="1114" name="TextBox 1113">
+                  <a:extLst>
+                    <a:ext uri="{FF2B5EF4-FFF2-40B4-BE49-F238E27FC236}">
+                      <a16:creationId xmlns:a16="http://schemas.microsoft.com/office/drawing/2014/main" id="{F25F2E8C-4A10-8915-2FC2-E0CB07B107A5}"/>
+                    </a:ext>
+                  </a:extLst>
+                </p:cNvPr>
+                <p:cNvSpPr txBox="1">
+                  <a:spLocks noRot="1" noChangeAspect="1" noMove="1" noResize="1" noEditPoints="1" noAdjustHandles="1" noChangeArrowheads="1" noChangeShapeType="1" noTextEdit="1"/>
+                </p:cNvSpPr>
+                <p:nvPr/>
+              </p:nvSpPr>
+              <p:spPr>
+                <a:xfrm>
+                  <a:off x="9248581" y="2672721"/>
+                  <a:ext cx="2678837" cy="681982"/>
+                </a:xfrm>
+                <a:prstGeom prst="rect">
+                  <a:avLst/>
+                </a:prstGeom>
+                <a:blipFill>
+                  <a:blip r:embed="rId5"/>
+                  <a:stretch>
+                    <a:fillRect t="-4464" b="-10714"/>
+                  </a:stretch>
+                </a:blipFill>
+              </p:spPr>
+              <p:txBody>
+                <a:bodyPr/>
+                <a:lstStyle/>
+                <a:p>
+                  <a:r>
+                    <a:rPr lang="en-US">
+                      <a:noFill/>
+                    </a:rPr>
+                    <a:t> </a:t>
+                  </a:r>
+                </a:p>
+              </p:txBody>
+            </p:sp>
+          </mc:Fallback>
+        </mc:AlternateContent>
+      </p:grpSp>
+      <p:cxnSp>
+        <p:nvCxnSpPr>
+          <p:cNvPr id="1118" name="Straight Arrow Connector 1117">
+            <a:extLst>
+              <a:ext uri="{FF2B5EF4-FFF2-40B4-BE49-F238E27FC236}">
+                <a16:creationId xmlns:a16="http://schemas.microsoft.com/office/drawing/2014/main" id="{9DB238F9-C272-91D1-31FA-8C780BA83C1C}"/>
+              </a:ext>
+            </a:extLst>
+          </p:cNvPr>
+          <p:cNvCxnSpPr/>
+          <p:nvPr/>
+        </p:nvCxnSpPr>
+        <p:spPr>
+          <a:xfrm>
+            <a:off x="2066187" y="1019376"/>
+            <a:ext cx="992218" cy="0"/>
+          </a:xfrm>
+          <a:prstGeom prst="straightConnector1">
+            <a:avLst/>
+          </a:prstGeom>
+          <a:ln w="28575">
+            <a:solidFill>
+              <a:srgbClr val="002060"/>
+            </a:solidFill>
+            <a:tailEnd type="triangle"/>
+          </a:ln>
+        </p:spPr>
+        <p:style>
+          <a:lnRef idx="2">
+            <a:schemeClr val="accent1"/>
+          </a:lnRef>
+          <a:fillRef idx="0">
+            <a:schemeClr val="accent1"/>
+          </a:fillRef>
+          <a:effectRef idx="1">
+            <a:schemeClr val="accent1"/>
+          </a:effectRef>
+          <a:fontRef idx="minor">
+            <a:schemeClr val="tx1"/>
+          </a:fontRef>
+        </p:style>
+      </p:cxnSp>
+      <p:grpSp>
+        <p:nvGrpSpPr>
+          <p:cNvPr id="1121" name="Group 1120">
+            <a:extLst>
+              <a:ext uri="{FF2B5EF4-FFF2-40B4-BE49-F238E27FC236}">
+                <a16:creationId xmlns:a16="http://schemas.microsoft.com/office/drawing/2014/main" id="{1E684C22-7FB0-0095-6D7D-3E781CCB9DDE}"/>
+              </a:ext>
+            </a:extLst>
+          </p:cNvPr>
+          <p:cNvGrpSpPr/>
+          <p:nvPr/>
+        </p:nvGrpSpPr>
+        <p:grpSpPr>
+          <a:xfrm>
+            <a:off x="4924822" y="1016930"/>
+            <a:ext cx="992218" cy="236487"/>
+            <a:chOff x="3398807" y="5356459"/>
+            <a:chExt cx="1290479" cy="236487"/>
+          </a:xfrm>
+        </p:grpSpPr>
+        <p:cxnSp>
+          <p:nvCxnSpPr>
+            <p:cNvPr id="1122" name="Straight Arrow Connector 1121">
+              <a:extLst>
+                <a:ext uri="{FF2B5EF4-FFF2-40B4-BE49-F238E27FC236}">
+                  <a16:creationId xmlns:a16="http://schemas.microsoft.com/office/drawing/2014/main" id="{850905DC-46D7-5831-B513-1C8C657A27B2}"/>
+                </a:ext>
+              </a:extLst>
+            </p:cNvPr>
+            <p:cNvCxnSpPr/>
+            <p:nvPr/>
+          </p:nvCxnSpPr>
+          <p:spPr>
+            <a:xfrm>
+              <a:off x="3398807" y="5356459"/>
+              <a:ext cx="1290479" cy="0"/>
+            </a:xfrm>
+            <a:prstGeom prst="straightConnector1">
+              <a:avLst/>
+            </a:prstGeom>
+            <a:ln w="28575">
+              <a:solidFill>
+                <a:srgbClr val="002060"/>
+              </a:solidFill>
+              <a:tailEnd type="triangle"/>
+            </a:ln>
+          </p:spPr>
+          <p:style>
+            <a:lnRef idx="2">
+              <a:schemeClr val="accent1"/>
+            </a:lnRef>
+            <a:fillRef idx="0">
+              <a:schemeClr val="accent1"/>
+            </a:fillRef>
+            <a:effectRef idx="1">
+              <a:schemeClr val="accent1"/>
+            </a:effectRef>
+            <a:fontRef idx="minor">
+              <a:schemeClr val="tx1"/>
+            </a:fontRef>
+          </p:style>
+        </p:cxnSp>
+        <p:cxnSp>
+          <p:nvCxnSpPr>
+            <p:cNvPr id="1123" name="Straight Arrow Connector 1122">
+              <a:extLst>
+                <a:ext uri="{FF2B5EF4-FFF2-40B4-BE49-F238E27FC236}">
+                  <a16:creationId xmlns:a16="http://schemas.microsoft.com/office/drawing/2014/main" id="{737EA470-8F6E-F458-5619-CDEB3EAA1C31}"/>
+                </a:ext>
+              </a:extLst>
+            </p:cNvPr>
+            <p:cNvCxnSpPr/>
+            <p:nvPr/>
+          </p:nvCxnSpPr>
+          <p:spPr>
+            <a:xfrm>
+              <a:off x="3398807" y="5592946"/>
+              <a:ext cx="1290479" cy="0"/>
+            </a:xfrm>
+            <a:prstGeom prst="straightConnector1">
+              <a:avLst/>
+            </a:prstGeom>
+            <a:ln w="28575">
+              <a:solidFill>
+                <a:srgbClr val="AEAEAE"/>
+              </a:solidFill>
+              <a:headEnd type="triangle"/>
+              <a:tailEnd type="none"/>
+            </a:ln>
+          </p:spPr>
+          <p:style>
+            <a:lnRef idx="2">
+              <a:schemeClr val="accent1"/>
+            </a:lnRef>
+            <a:fillRef idx="0">
+              <a:schemeClr val="accent1"/>
+            </a:fillRef>
+            <a:effectRef idx="1">
+              <a:schemeClr val="accent1"/>
+            </a:effectRef>
+            <a:fontRef idx="minor">
+              <a:schemeClr val="tx1"/>
+            </a:fontRef>
+          </p:style>
+        </p:cxnSp>
+      </p:grpSp>
+      <p:grpSp>
+        <p:nvGrpSpPr>
+          <p:cNvPr id="1124" name="Group 1123">
+            <a:extLst>
+              <a:ext uri="{FF2B5EF4-FFF2-40B4-BE49-F238E27FC236}">
+                <a16:creationId xmlns:a16="http://schemas.microsoft.com/office/drawing/2014/main" id="{4BDED34B-BE32-3AF1-FA0E-FB1E11E4865D}"/>
+              </a:ext>
+            </a:extLst>
+          </p:cNvPr>
+          <p:cNvGrpSpPr/>
+          <p:nvPr/>
+        </p:nvGrpSpPr>
+        <p:grpSpPr>
+          <a:xfrm>
+            <a:off x="7804544" y="1018623"/>
+            <a:ext cx="992218" cy="236487"/>
+            <a:chOff x="3398807" y="5356459"/>
+            <a:chExt cx="1290479" cy="236487"/>
+          </a:xfrm>
+        </p:grpSpPr>
+        <p:cxnSp>
+          <p:nvCxnSpPr>
+            <p:cNvPr id="1125" name="Straight Arrow Connector 1124">
+              <a:extLst>
+                <a:ext uri="{FF2B5EF4-FFF2-40B4-BE49-F238E27FC236}">
+                  <a16:creationId xmlns:a16="http://schemas.microsoft.com/office/drawing/2014/main" id="{D0D7D563-682F-6B0D-FF0E-A8B67CA782DE}"/>
+                </a:ext>
+              </a:extLst>
+            </p:cNvPr>
+            <p:cNvCxnSpPr/>
+            <p:nvPr/>
+          </p:nvCxnSpPr>
+          <p:spPr>
+            <a:xfrm>
+              <a:off x="3398807" y="5356459"/>
+              <a:ext cx="1290479" cy="0"/>
+            </a:xfrm>
+            <a:prstGeom prst="straightConnector1">
+              <a:avLst/>
+            </a:prstGeom>
+            <a:ln w="28575">
+              <a:solidFill>
+                <a:srgbClr val="002060"/>
+              </a:solidFill>
+              <a:tailEnd type="triangle"/>
+            </a:ln>
+          </p:spPr>
+          <p:style>
+            <a:lnRef idx="2">
+              <a:schemeClr val="accent1"/>
+            </a:lnRef>
+            <a:fillRef idx="0">
+              <a:schemeClr val="accent1"/>
+            </a:fillRef>
+            <a:effectRef idx="1">
+              <a:schemeClr val="accent1"/>
+            </a:effectRef>
+            <a:fontRef idx="minor">
+              <a:schemeClr val="tx1"/>
+            </a:fontRef>
+          </p:style>
+        </p:cxnSp>
+        <p:cxnSp>
+          <p:nvCxnSpPr>
+            <p:cNvPr id="1126" name="Straight Arrow Connector 1125">
+              <a:extLst>
+                <a:ext uri="{FF2B5EF4-FFF2-40B4-BE49-F238E27FC236}">
+                  <a16:creationId xmlns:a16="http://schemas.microsoft.com/office/drawing/2014/main" id="{D59FFF34-10F7-6C4A-2F6F-C95EC37B5B47}"/>
+                </a:ext>
+              </a:extLst>
+            </p:cNvPr>
+            <p:cNvCxnSpPr/>
+            <p:nvPr/>
+          </p:nvCxnSpPr>
+          <p:spPr>
+            <a:xfrm>
+              <a:off x="3398807" y="5592946"/>
+              <a:ext cx="1290479" cy="0"/>
+            </a:xfrm>
+            <a:prstGeom prst="straightConnector1">
+              <a:avLst/>
+            </a:prstGeom>
+            <a:ln w="28575">
+              <a:solidFill>
+                <a:srgbClr val="AEAEAE"/>
+              </a:solidFill>
+              <a:headEnd type="triangle"/>
+              <a:tailEnd type="none"/>
+            </a:ln>
+          </p:spPr>
+          <p:style>
+            <a:lnRef idx="2">
+              <a:schemeClr val="accent1"/>
+            </a:lnRef>
+            <a:fillRef idx="0">
+              <a:schemeClr val="accent1"/>
+            </a:fillRef>
+            <a:effectRef idx="1">
+              <a:schemeClr val="accent1"/>
+            </a:effectRef>
+            <a:fontRef idx="minor">
+              <a:schemeClr val="tx1"/>
+            </a:fontRef>
+          </p:style>
+        </p:cxnSp>
+      </p:grpSp>
+      <mc:AlternateContent xmlns:mc="http://schemas.openxmlformats.org/markup-compatibility/2006">
+        <mc:Choice xmlns:a14="http://schemas.microsoft.com/office/drawing/2010/main" Requires="a14">
+          <p:sp>
+            <p:nvSpPr>
+              <p:cNvPr id="1127" name="TextBox 1126">
+                <a:extLst>
+                  <a:ext uri="{FF2B5EF4-FFF2-40B4-BE49-F238E27FC236}">
+                    <a16:creationId xmlns:a16="http://schemas.microsoft.com/office/drawing/2014/main" id="{FE90EDE7-3CA5-A37E-1071-597DA107774D}"/>
+                  </a:ext>
+                </a:extLst>
+              </p:cNvPr>
+              <p:cNvSpPr txBox="1"/>
+              <p:nvPr/>
+            </p:nvSpPr>
+            <p:spPr>
+              <a:xfrm>
+                <a:off x="2360826" y="690280"/>
+                <a:ext cx="393549" cy="314702"/>
+              </a:xfrm>
+              <a:prstGeom prst="rect">
+                <a:avLst/>
+              </a:prstGeom>
+              <a:noFill/>
+            </p:spPr>
+            <p:txBody>
+              <a:bodyPr wrap="square">
+                <a:spAutoFit/>
+              </a:bodyPr>
+              <a:lstStyle/>
+              <a:p>
+                <a:pPr algn="ctr"/>
+                <a14:m>
+                  <m:oMathPara xmlns:m="http://schemas.openxmlformats.org/officeDocument/2006/math">
+                    <m:oMathParaPr>
+                      <m:jc m:val="center"/>
+                    </m:oMathParaPr>
+                    <m:oMath xmlns:m="http://schemas.openxmlformats.org/officeDocument/2006/math">
+                      <m:sSup>
+                        <m:sSupPr>
+                          <m:ctrlPr>
+                            <a:rPr lang="en-US" sz="1400" i="1">
+                              <a:solidFill>
+                                <a:srgbClr val="002060"/>
+                              </a:solidFill>
+                              <a:latin typeface="Cambria Math" panose="02040503050406030204" pitchFamily="18" charset="0"/>
+                              <a:ea typeface="Cambria Math" panose="02040503050406030204" pitchFamily="18" charset="0"/>
+                              <a:cs typeface="Times New Roman" panose="02020603050405020304" pitchFamily="18" charset="0"/>
+                            </a:rPr>
+                          </m:ctrlPr>
+                        </m:sSupPr>
+                        <m:e>
+                          <m:r>
+                            <a:rPr lang="en-US" sz="1400" b="1" i="1">
+                              <a:solidFill>
+                                <a:srgbClr val="002060"/>
+                              </a:solidFill>
+                              <a:latin typeface="Cambria Math" panose="02040503050406030204" pitchFamily="18" charset="0"/>
+                              <a:ea typeface="Cambria Math" panose="02040503050406030204" pitchFamily="18" charset="0"/>
+                              <a:cs typeface="Times New Roman" panose="02020603050405020304" pitchFamily="18" charset="0"/>
+                            </a:rPr>
+                            <m:t>𝝃</m:t>
+                          </m:r>
+                        </m:e>
+                        <m:sup>
+                          <m:r>
+                            <a:rPr lang="en-US" sz="1400" i="1">
+                              <a:solidFill>
+                                <a:srgbClr val="002060"/>
+                              </a:solidFill>
+                              <a:latin typeface="Cambria Math" panose="02040503050406030204" pitchFamily="18" charset="0"/>
+                              <a:ea typeface="Cambria Math" panose="02040503050406030204" pitchFamily="18" charset="0"/>
+                              <a:cs typeface="Times New Roman" panose="02020603050405020304" pitchFamily="18" charset="0"/>
+                            </a:rPr>
+                            <m:t>𝑖</m:t>
+                          </m:r>
+                        </m:sup>
+                      </m:sSup>
+                    </m:oMath>
+                  </m:oMathPara>
+                </a14:m>
+                <a:endParaRPr lang="en-US" sz="1400" b="1" dirty="0">
+                  <a:solidFill>
+                    <a:srgbClr val="002060"/>
+                  </a:solidFill>
+                  <a:latin typeface="Times New Roman" panose="02020603050405020304" pitchFamily="18" charset="0"/>
+                  <a:cs typeface="Times New Roman" panose="02020603050405020304" pitchFamily="18" charset="0"/>
+                </a:endParaRPr>
+              </a:p>
+            </p:txBody>
+          </p:sp>
+        </mc:Choice>
+        <mc:Fallback>
+          <p:sp>
+            <p:nvSpPr>
+              <p:cNvPr id="1127" name="TextBox 1126">
+                <a:extLst>
+                  <a:ext uri="{FF2B5EF4-FFF2-40B4-BE49-F238E27FC236}">
+                    <a16:creationId xmlns:a16="http://schemas.microsoft.com/office/drawing/2014/main" id="{FE90EDE7-3CA5-A37E-1071-597DA107774D}"/>
+                  </a:ext>
+                </a:extLst>
+              </p:cNvPr>
+              <p:cNvSpPr txBox="1">
+                <a:spLocks noRot="1" noChangeAspect="1" noMove="1" noResize="1" noEditPoints="1" noAdjustHandles="1" noChangeArrowheads="1" noChangeShapeType="1" noTextEdit="1"/>
+              </p:cNvSpPr>
+              <p:nvPr/>
+            </p:nvSpPr>
+            <p:spPr>
+              <a:xfrm>
+                <a:off x="2360826" y="690280"/>
+                <a:ext cx="393549" cy="314702"/>
+              </a:xfrm>
+              <a:prstGeom prst="rect">
+                <a:avLst/>
+              </a:prstGeom>
+              <a:blipFill>
+                <a:blip r:embed="rId6"/>
+                <a:stretch>
+                  <a:fillRect b="-7692"/>
+                </a:stretch>
+              </a:blipFill>
+            </p:spPr>
+            <p:txBody>
+              <a:bodyPr/>
+              <a:lstStyle/>
+              <a:p>
+                <a:r>
+                  <a:rPr lang="en-US">
+                    <a:noFill/>
+                  </a:rPr>
+                  <a:t> </a:t>
+                </a:r>
+              </a:p>
+            </p:txBody>
+          </p:sp>
+        </mc:Fallback>
+      </mc:AlternateContent>
+      <mc:AlternateContent xmlns:mc="http://schemas.openxmlformats.org/markup-compatibility/2006">
+        <mc:Choice xmlns:a14="http://schemas.microsoft.com/office/drawing/2010/main" Requires="a14">
+          <p:sp>
+            <p:nvSpPr>
+              <p:cNvPr id="1128" name="TextBox 1127">
+                <a:extLst>
+                  <a:ext uri="{FF2B5EF4-FFF2-40B4-BE49-F238E27FC236}">
+                    <a16:creationId xmlns:a16="http://schemas.microsoft.com/office/drawing/2014/main" id="{F711EC48-439C-5F16-75F4-EF1A6E991814}"/>
+                  </a:ext>
+                </a:extLst>
+              </p:cNvPr>
+              <p:cNvSpPr txBox="1"/>
+              <p:nvPr/>
+            </p:nvSpPr>
+            <p:spPr>
+              <a:xfrm>
+                <a:off x="4718713" y="690280"/>
+                <a:ext cx="1428231" cy="314702"/>
+              </a:xfrm>
+              <a:prstGeom prst="rect">
+                <a:avLst/>
+              </a:prstGeom>
+              <a:noFill/>
+            </p:spPr>
+            <p:txBody>
+              <a:bodyPr wrap="square">
+                <a:spAutoFit/>
+              </a:bodyPr>
+              <a:lstStyle/>
+              <a:p>
+                <a:pPr algn="ctr"/>
+                <a14:m>
+                  <m:oMathPara xmlns:m="http://schemas.openxmlformats.org/officeDocument/2006/math">
+                    <m:oMathParaPr>
+                      <m:jc m:val="center"/>
+                    </m:oMathParaPr>
+                    <m:oMath xmlns:m="http://schemas.openxmlformats.org/officeDocument/2006/math">
+                      <m:sSup>
+                        <m:sSupPr>
+                          <m:ctrlPr>
+                            <a:rPr lang="en-US" sz="1400" i="1">
+                              <a:solidFill>
+                                <a:srgbClr val="002060"/>
+                              </a:solidFill>
+                              <a:latin typeface="Cambria Math" panose="02040503050406030204" pitchFamily="18" charset="0"/>
+                              <a:ea typeface="Cambria Math" panose="02040503050406030204" pitchFamily="18" charset="0"/>
+                              <a:cs typeface="Times New Roman" panose="02020603050405020304" pitchFamily="18" charset="0"/>
+                            </a:rPr>
+                          </m:ctrlPr>
+                        </m:sSupPr>
+                        <m:e>
+                          <m:acc>
+                            <m:accPr>
+                              <m:chr m:val="̅"/>
+                              <m:ctrlPr>
+                                <a:rPr lang="en-US" sz="1400" i="1">
+                                  <a:solidFill>
+                                    <a:srgbClr val="002060"/>
+                                  </a:solidFill>
+                                  <a:latin typeface="Cambria Math" panose="02040503050406030204" pitchFamily="18" charset="0"/>
+                                  <a:ea typeface="Cambria Math" panose="02040503050406030204" pitchFamily="18" charset="0"/>
+                                  <a:cs typeface="Times New Roman" panose="02020603050405020304" pitchFamily="18" charset="0"/>
+                                </a:rPr>
+                              </m:ctrlPr>
+                            </m:accPr>
+                            <m:e>
+                              <m:r>
+                                <a:rPr lang="en-US" sz="1400" b="1" i="1">
+                                  <a:solidFill>
+                                    <a:srgbClr val="002060"/>
+                                  </a:solidFill>
+                                  <a:latin typeface="Cambria Math" panose="02040503050406030204" pitchFamily="18" charset="0"/>
+                                  <a:ea typeface="Cambria Math" panose="02040503050406030204" pitchFamily="18" charset="0"/>
+                                  <a:cs typeface="Times New Roman" panose="02020603050405020304" pitchFamily="18" charset="0"/>
+                                </a:rPr>
+                                <m:t>𝒙</m:t>
+                              </m:r>
+                            </m:e>
+                          </m:acc>
+                        </m:e>
+                        <m:sup>
+                          <m:r>
+                            <a:rPr lang="en-US" sz="1400" i="1">
+                              <a:solidFill>
+                                <a:srgbClr val="002060"/>
+                              </a:solidFill>
+                              <a:latin typeface="Cambria Math" panose="02040503050406030204" pitchFamily="18" charset="0"/>
+                              <a:ea typeface="Cambria Math" panose="02040503050406030204" pitchFamily="18" charset="0"/>
+                              <a:cs typeface="Times New Roman" panose="02020603050405020304" pitchFamily="18" charset="0"/>
+                            </a:rPr>
+                            <m:t>𝑖</m:t>
+                          </m:r>
+                        </m:sup>
+                      </m:sSup>
+                      <m:r>
+                        <a:rPr lang="en-US" sz="1400" i="1">
+                          <a:solidFill>
+                            <a:srgbClr val="002060"/>
+                          </a:solidFill>
+                          <a:latin typeface="Cambria Math" panose="02040503050406030204" pitchFamily="18" charset="0"/>
+                          <a:ea typeface="Cambria Math" panose="02040503050406030204" pitchFamily="18" charset="0"/>
+                          <a:cs typeface="Times New Roman" panose="02020603050405020304" pitchFamily="18" charset="0"/>
+                        </a:rPr>
+                        <m:t>∈</m:t>
+                      </m:r>
+                      <m:sSup>
+                        <m:sSupPr>
+                          <m:ctrlPr>
+                            <a:rPr lang="en-US" sz="1400" i="1">
+                              <a:solidFill>
+                                <a:srgbClr val="002060"/>
+                              </a:solidFill>
+                              <a:latin typeface="Cambria Math" panose="02040503050406030204" pitchFamily="18" charset="0"/>
+                              <a:ea typeface="Cambria Math" panose="02040503050406030204" pitchFamily="18" charset="0"/>
+                              <a:cs typeface="Times New Roman" panose="02020603050405020304" pitchFamily="18" charset="0"/>
+                            </a:rPr>
+                          </m:ctrlPr>
+                        </m:sSupPr>
+                        <m:e>
+                          <m:r>
+                            <a:rPr lang="en-US" sz="1400" i="1">
+                              <a:solidFill>
+                                <a:srgbClr val="002060"/>
+                              </a:solidFill>
+                              <a:latin typeface="Cambria Math" panose="02040503050406030204" pitchFamily="18" charset="0"/>
+                              <a:ea typeface="Cambria Math" panose="02040503050406030204" pitchFamily="18" charset="0"/>
+                              <a:cs typeface="Times New Roman" panose="02020603050405020304" pitchFamily="18" charset="0"/>
+                            </a:rPr>
+                            <m:t>ℝ</m:t>
+                          </m:r>
+                        </m:e>
+                        <m:sup>
+                          <m:sSub>
+                            <m:sSubPr>
+                              <m:ctrlPr>
+                                <a:rPr lang="en-US" sz="1400" i="1">
+                                  <a:solidFill>
+                                    <a:srgbClr val="002060"/>
+                                  </a:solidFill>
+                                  <a:latin typeface="Cambria Math" panose="02040503050406030204" pitchFamily="18" charset="0"/>
+                                  <a:ea typeface="Cambria Math" panose="02040503050406030204" pitchFamily="18" charset="0"/>
+                                  <a:cs typeface="Times New Roman" panose="02020603050405020304" pitchFamily="18" charset="0"/>
+                                </a:rPr>
+                              </m:ctrlPr>
+                            </m:sSubPr>
+                            <m:e>
+                              <m:r>
+                                <a:rPr lang="en-US" sz="1400" i="1">
+                                  <a:solidFill>
+                                    <a:srgbClr val="002060"/>
+                                  </a:solidFill>
+                                  <a:latin typeface="Cambria Math" panose="02040503050406030204" pitchFamily="18" charset="0"/>
+                                  <a:ea typeface="Cambria Math" panose="02040503050406030204" pitchFamily="18" charset="0"/>
+                                  <a:cs typeface="Times New Roman" panose="02020603050405020304" pitchFamily="18" charset="0"/>
+                                </a:rPr>
+                                <m:t>𝑛</m:t>
+                              </m:r>
+                            </m:e>
+                            <m:sub>
+                              <m:r>
+                                <a:rPr lang="en-US" sz="1400" i="1">
+                                  <a:solidFill>
+                                    <a:srgbClr val="002060"/>
+                                  </a:solidFill>
+                                  <a:latin typeface="Cambria Math" panose="02040503050406030204" pitchFamily="18" charset="0"/>
+                                  <a:ea typeface="Cambria Math" panose="02040503050406030204" pitchFamily="18" charset="0"/>
+                                  <a:cs typeface="Times New Roman" panose="02020603050405020304" pitchFamily="18" charset="0"/>
+                                </a:rPr>
+                                <m:t>𝑟</m:t>
+                              </m:r>
+                            </m:sub>
+                          </m:sSub>
+                          <m:r>
+                            <a:rPr lang="en-US" sz="1400" i="1">
+                              <a:solidFill>
+                                <a:srgbClr val="002060"/>
+                              </a:solidFill>
+                              <a:latin typeface="Cambria Math" panose="02040503050406030204" pitchFamily="18" charset="0"/>
+                              <a:ea typeface="Cambria Math" panose="02040503050406030204" pitchFamily="18" charset="0"/>
+                              <a:cs typeface="Times New Roman" panose="02020603050405020304" pitchFamily="18" charset="0"/>
+                            </a:rPr>
+                            <m:t>+</m:t>
+                          </m:r>
+                          <m:sSub>
+                            <m:sSubPr>
+                              <m:ctrlPr>
+                                <a:rPr lang="en-US" sz="1400" i="1">
+                                  <a:solidFill>
+                                    <a:srgbClr val="002060"/>
+                                  </a:solidFill>
+                                  <a:latin typeface="Cambria Math" panose="02040503050406030204" pitchFamily="18" charset="0"/>
+                                  <a:ea typeface="Cambria Math" panose="02040503050406030204" pitchFamily="18" charset="0"/>
+                                  <a:cs typeface="Times New Roman" panose="02020603050405020304" pitchFamily="18" charset="0"/>
+                                </a:rPr>
+                              </m:ctrlPr>
+                            </m:sSubPr>
+                            <m:e>
+                              <m:r>
+                                <a:rPr lang="en-US" sz="1400" i="1">
+                                  <a:solidFill>
+                                    <a:srgbClr val="002060"/>
+                                  </a:solidFill>
+                                  <a:latin typeface="Cambria Math" panose="02040503050406030204" pitchFamily="18" charset="0"/>
+                                  <a:ea typeface="Cambria Math" panose="02040503050406030204" pitchFamily="18" charset="0"/>
+                                  <a:cs typeface="Times New Roman" panose="02020603050405020304" pitchFamily="18" charset="0"/>
+                                </a:rPr>
+                                <m:t>𝑛</m:t>
+                              </m:r>
+                            </m:e>
+                            <m:sub>
+                              <m:r>
+                                <a:rPr lang="en-US" sz="1400" i="1">
+                                  <a:solidFill>
+                                    <a:srgbClr val="002060"/>
+                                  </a:solidFill>
+                                  <a:latin typeface="Cambria Math" panose="02040503050406030204" pitchFamily="18" charset="0"/>
+                                  <a:ea typeface="Cambria Math" panose="02040503050406030204" pitchFamily="18" charset="0"/>
+                                  <a:cs typeface="Times New Roman" panose="02020603050405020304" pitchFamily="18" charset="0"/>
+                                </a:rPr>
+                                <m:t>𝑧</m:t>
+                              </m:r>
+                            </m:sub>
+                          </m:sSub>
+                        </m:sup>
+                      </m:sSup>
+                    </m:oMath>
+                  </m:oMathPara>
+                </a14:m>
+                <a:endParaRPr lang="en-US" sz="1400" b="1" dirty="0">
+                  <a:solidFill>
+                    <a:srgbClr val="002060"/>
+                  </a:solidFill>
+                  <a:latin typeface="Times New Roman" panose="02020603050405020304" pitchFamily="18" charset="0"/>
+                  <a:cs typeface="Times New Roman" panose="02020603050405020304" pitchFamily="18" charset="0"/>
+                </a:endParaRPr>
+              </a:p>
+            </p:txBody>
+          </p:sp>
+        </mc:Choice>
+        <mc:Fallback>
+          <p:sp>
+            <p:nvSpPr>
+              <p:cNvPr id="1128" name="TextBox 1127">
+                <a:extLst>
+                  <a:ext uri="{FF2B5EF4-FFF2-40B4-BE49-F238E27FC236}">
+                    <a16:creationId xmlns:a16="http://schemas.microsoft.com/office/drawing/2014/main" id="{F711EC48-439C-5F16-75F4-EF1A6E991814}"/>
+                  </a:ext>
+                </a:extLst>
+              </p:cNvPr>
+              <p:cNvSpPr txBox="1">
+                <a:spLocks noRot="1" noChangeAspect="1" noMove="1" noResize="1" noEditPoints="1" noAdjustHandles="1" noChangeArrowheads="1" noChangeShapeType="1" noTextEdit="1"/>
+              </p:cNvSpPr>
+              <p:nvPr/>
+            </p:nvSpPr>
+            <p:spPr>
+              <a:xfrm>
+                <a:off x="4718713" y="690280"/>
+                <a:ext cx="1428231" cy="314702"/>
+              </a:xfrm>
+              <a:prstGeom prst="rect">
+                <a:avLst/>
+              </a:prstGeom>
+              <a:blipFill>
+                <a:blip r:embed="rId7"/>
+                <a:stretch>
+                  <a:fillRect/>
+                </a:stretch>
+              </a:blipFill>
+            </p:spPr>
+            <p:txBody>
+              <a:bodyPr/>
+              <a:lstStyle/>
+              <a:p>
+                <a:r>
+                  <a:rPr lang="en-US">
+                    <a:noFill/>
+                  </a:rPr>
+                  <a:t> </a:t>
+                </a:r>
+              </a:p>
+            </p:txBody>
+          </p:sp>
+        </mc:Fallback>
+      </mc:AlternateContent>
+      <mc:AlternateContent xmlns:mc="http://schemas.openxmlformats.org/markup-compatibility/2006">
+        <mc:Choice xmlns:a14="http://schemas.microsoft.com/office/drawing/2010/main" Requires="a14">
+          <p:sp>
+            <p:nvSpPr>
+              <p:cNvPr id="1131" name="TextBox 1130">
+                <a:extLst>
+                  <a:ext uri="{FF2B5EF4-FFF2-40B4-BE49-F238E27FC236}">
+                    <a16:creationId xmlns:a16="http://schemas.microsoft.com/office/drawing/2014/main" id="{2B86C883-EB01-F505-EBDE-521A2F4B2D2A}"/>
+                  </a:ext>
+                </a:extLst>
+              </p:cNvPr>
+              <p:cNvSpPr txBox="1"/>
+              <p:nvPr/>
+            </p:nvSpPr>
+            <p:spPr>
+              <a:xfrm>
+                <a:off x="7459014" y="678698"/>
+                <a:ext cx="1660197" cy="314702"/>
+              </a:xfrm>
+              <a:prstGeom prst="rect">
+                <a:avLst/>
+              </a:prstGeom>
+              <a:noFill/>
+            </p:spPr>
+            <p:txBody>
+              <a:bodyPr wrap="square">
+                <a:spAutoFit/>
+              </a:bodyPr>
+              <a:lstStyle/>
+              <a:p>
+                <a:pPr algn="ctr"/>
+                <a14:m>
+                  <m:oMathPara xmlns:m="http://schemas.openxmlformats.org/officeDocument/2006/math">
+                    <m:oMathParaPr>
+                      <m:jc m:val="centerGroup"/>
+                    </m:oMathParaPr>
+                    <m:oMath xmlns:m="http://schemas.openxmlformats.org/officeDocument/2006/math">
+                      <m:sSup>
+                        <m:sSupPr>
+                          <m:ctrlPr>
+                            <a:rPr lang="en-US" sz="1400" i="1">
+                              <a:solidFill>
+                                <a:srgbClr val="002060"/>
+                              </a:solidFill>
+                              <a:latin typeface="Cambria Math" panose="02040503050406030204" pitchFamily="18" charset="0"/>
+                              <a:ea typeface="Cambria Math" panose="02040503050406030204" pitchFamily="18" charset="0"/>
+                              <a:cs typeface="Times New Roman" panose="02020603050405020304" pitchFamily="18" charset="0"/>
+                            </a:rPr>
+                          </m:ctrlPr>
+                        </m:sSupPr>
+                        <m:e>
+                          <m:acc>
+                            <m:accPr>
+                              <m:chr m:val="̂"/>
+                              <m:ctrlPr>
+                                <a:rPr lang="en-US" sz="1400" b="1" i="1">
+                                  <a:solidFill>
+                                    <a:srgbClr val="002060"/>
+                                  </a:solidFill>
+                                  <a:latin typeface="Cambria Math" panose="02040503050406030204" pitchFamily="18" charset="0"/>
+                                  <a:ea typeface="Cambria Math" panose="02040503050406030204" pitchFamily="18" charset="0"/>
+                                  <a:cs typeface="Times New Roman" panose="02020603050405020304" pitchFamily="18" charset="0"/>
+                                </a:rPr>
+                              </m:ctrlPr>
+                            </m:accPr>
+                            <m:e>
+                              <m:r>
+                                <a:rPr lang="en-US" sz="1400" b="1" i="1">
+                                  <a:solidFill>
+                                    <a:srgbClr val="002060"/>
+                                  </a:solidFill>
+                                  <a:latin typeface="Cambria Math" panose="02040503050406030204" pitchFamily="18" charset="0"/>
+                                  <a:ea typeface="Cambria Math" panose="02040503050406030204" pitchFamily="18" charset="0"/>
+                                  <a:cs typeface="Times New Roman" panose="02020603050405020304" pitchFamily="18" charset="0"/>
+                                </a:rPr>
+                                <m:t>𝒙</m:t>
+                              </m:r>
+                            </m:e>
+                          </m:acc>
+                        </m:e>
+                        <m:sup>
+                          <m:r>
+                            <a:rPr lang="en-US" sz="1400" i="1">
+                              <a:solidFill>
+                                <a:srgbClr val="002060"/>
+                              </a:solidFill>
+                              <a:latin typeface="Cambria Math" panose="02040503050406030204" pitchFamily="18" charset="0"/>
+                              <a:ea typeface="Cambria Math" panose="02040503050406030204" pitchFamily="18" charset="0"/>
+                              <a:cs typeface="Times New Roman" panose="02020603050405020304" pitchFamily="18" charset="0"/>
+                            </a:rPr>
+                            <m:t>𝑖</m:t>
+                          </m:r>
+                        </m:sup>
+                      </m:sSup>
+                      <m:r>
+                        <a:rPr lang="en-US" sz="1400" i="1">
+                          <a:solidFill>
+                            <a:srgbClr val="002060"/>
+                          </a:solidFill>
+                          <a:latin typeface="Cambria Math" panose="02040503050406030204" pitchFamily="18" charset="0"/>
+                          <a:ea typeface="Cambria Math" panose="02040503050406030204" pitchFamily="18" charset="0"/>
+                          <a:cs typeface="Times New Roman" panose="02020603050405020304" pitchFamily="18" charset="0"/>
+                        </a:rPr>
+                        <m:t>∈</m:t>
+                      </m:r>
+                      <m:sSup>
+                        <m:sSupPr>
+                          <m:ctrlPr>
+                            <a:rPr lang="en-US" sz="1400" i="1">
+                              <a:solidFill>
+                                <a:srgbClr val="002060"/>
+                              </a:solidFill>
+                              <a:latin typeface="Cambria Math" panose="02040503050406030204" pitchFamily="18" charset="0"/>
+                              <a:ea typeface="Cambria Math" panose="02040503050406030204" pitchFamily="18" charset="0"/>
+                              <a:cs typeface="Times New Roman" panose="02020603050405020304" pitchFamily="18" charset="0"/>
+                            </a:rPr>
+                          </m:ctrlPr>
+                        </m:sSupPr>
+                        <m:e>
+                          <m:r>
+                            <a:rPr lang="en-US" sz="1400" i="1">
+                              <a:solidFill>
+                                <a:srgbClr val="002060"/>
+                              </a:solidFill>
+                              <a:latin typeface="Cambria Math" panose="02040503050406030204" pitchFamily="18" charset="0"/>
+                              <a:ea typeface="Cambria Math" panose="02040503050406030204" pitchFamily="18" charset="0"/>
+                              <a:cs typeface="Times New Roman" panose="02020603050405020304" pitchFamily="18" charset="0"/>
+                            </a:rPr>
+                            <m:t>ℝ</m:t>
+                          </m:r>
+                        </m:e>
+                        <m:sup>
+                          <m:sSub>
+                            <m:sSubPr>
+                              <m:ctrlPr>
+                                <a:rPr lang="en-US" sz="1400" i="1">
+                                  <a:solidFill>
+                                    <a:srgbClr val="002060"/>
+                                  </a:solidFill>
+                                  <a:latin typeface="Cambria Math" panose="02040503050406030204" pitchFamily="18" charset="0"/>
+                                  <a:ea typeface="Cambria Math" panose="02040503050406030204" pitchFamily="18" charset="0"/>
+                                  <a:cs typeface="Times New Roman" panose="02020603050405020304" pitchFamily="18" charset="0"/>
+                                </a:rPr>
+                              </m:ctrlPr>
+                            </m:sSubPr>
+                            <m:e>
+                              <m:r>
+                                <a:rPr lang="en-US" sz="1400" i="1">
+                                  <a:solidFill>
+                                    <a:srgbClr val="002060"/>
+                                  </a:solidFill>
+                                  <a:latin typeface="Cambria Math" panose="02040503050406030204" pitchFamily="18" charset="0"/>
+                                  <a:ea typeface="Cambria Math" panose="02040503050406030204" pitchFamily="18" charset="0"/>
+                                  <a:cs typeface="Times New Roman" panose="02020603050405020304" pitchFamily="18" charset="0"/>
+                                </a:rPr>
+                                <m:t>𝑛</m:t>
+                              </m:r>
+                            </m:e>
+                            <m:sub>
+                              <m:r>
+                                <a:rPr lang="en-US" sz="1400" i="1">
+                                  <a:solidFill>
+                                    <a:srgbClr val="002060"/>
+                                  </a:solidFill>
+                                  <a:latin typeface="Cambria Math" panose="02040503050406030204" pitchFamily="18" charset="0"/>
+                                  <a:ea typeface="Cambria Math" panose="02040503050406030204" pitchFamily="18" charset="0"/>
+                                  <a:cs typeface="Times New Roman" panose="02020603050405020304" pitchFamily="18" charset="0"/>
+                                </a:rPr>
+                                <m:t>𝑟</m:t>
+                              </m:r>
+                            </m:sub>
+                          </m:sSub>
+                        </m:sup>
+                      </m:sSup>
+                      <m:r>
+                        <a:rPr lang="en-US" sz="1400" i="1">
+                          <a:solidFill>
+                            <a:srgbClr val="002060"/>
+                          </a:solidFill>
+                          <a:latin typeface="Cambria Math" panose="02040503050406030204" pitchFamily="18" charset="0"/>
+                          <a:ea typeface="Cambria Math" panose="02040503050406030204" pitchFamily="18" charset="0"/>
+                          <a:cs typeface="Times New Roman" panose="02020603050405020304" pitchFamily="18" charset="0"/>
+                        </a:rPr>
+                        <m:t>×</m:t>
+                      </m:r>
+                      <m:sSup>
+                        <m:sSupPr>
+                          <m:ctrlPr>
+                            <a:rPr lang="en-US" sz="1400" i="1">
+                              <a:solidFill>
+                                <a:srgbClr val="002060"/>
+                              </a:solidFill>
+                              <a:latin typeface="Cambria Math" panose="02040503050406030204" pitchFamily="18" charset="0"/>
+                              <a:ea typeface="Cambria Math" panose="02040503050406030204" pitchFamily="18" charset="0"/>
+                              <a:cs typeface="Times New Roman" panose="02020603050405020304" pitchFamily="18" charset="0"/>
+                            </a:rPr>
+                          </m:ctrlPr>
+                        </m:sSupPr>
+                        <m:e>
+                          <m:r>
+                            <a:rPr lang="en-US" sz="1400" i="1">
+                              <a:solidFill>
+                                <a:srgbClr val="002060"/>
+                              </a:solidFill>
+                              <a:latin typeface="Cambria Math" panose="02040503050406030204" pitchFamily="18" charset="0"/>
+                              <a:ea typeface="Cambria Math" panose="02040503050406030204" pitchFamily="18" charset="0"/>
+                              <a:cs typeface="Times New Roman" panose="02020603050405020304" pitchFamily="18" charset="0"/>
+                            </a:rPr>
+                            <m:t>ℤ</m:t>
+                          </m:r>
+                        </m:e>
+                        <m:sup>
+                          <m:sSub>
+                            <m:sSubPr>
+                              <m:ctrlPr>
+                                <a:rPr lang="en-US" sz="1400" i="1">
+                                  <a:solidFill>
+                                    <a:srgbClr val="002060"/>
+                                  </a:solidFill>
+                                  <a:latin typeface="Cambria Math" panose="02040503050406030204" pitchFamily="18" charset="0"/>
+                                  <a:ea typeface="Cambria Math" panose="02040503050406030204" pitchFamily="18" charset="0"/>
+                                  <a:cs typeface="Times New Roman" panose="02020603050405020304" pitchFamily="18" charset="0"/>
+                                </a:rPr>
+                              </m:ctrlPr>
+                            </m:sSubPr>
+                            <m:e>
+                              <m:r>
+                                <a:rPr lang="en-US" sz="1400" i="1">
+                                  <a:solidFill>
+                                    <a:srgbClr val="002060"/>
+                                  </a:solidFill>
+                                  <a:latin typeface="Cambria Math" panose="02040503050406030204" pitchFamily="18" charset="0"/>
+                                  <a:ea typeface="Cambria Math" panose="02040503050406030204" pitchFamily="18" charset="0"/>
+                                  <a:cs typeface="Times New Roman" panose="02020603050405020304" pitchFamily="18" charset="0"/>
+                                </a:rPr>
+                                <m:t>𝑛</m:t>
+                              </m:r>
+                            </m:e>
+                            <m:sub>
+                              <m:r>
+                                <a:rPr lang="en-US" sz="1400" i="1">
+                                  <a:solidFill>
+                                    <a:srgbClr val="002060"/>
+                                  </a:solidFill>
+                                  <a:latin typeface="Cambria Math" panose="02040503050406030204" pitchFamily="18" charset="0"/>
+                                  <a:ea typeface="Cambria Math" panose="02040503050406030204" pitchFamily="18" charset="0"/>
+                                  <a:cs typeface="Times New Roman" panose="02020603050405020304" pitchFamily="18" charset="0"/>
+                                </a:rPr>
+                                <m:t>𝑧</m:t>
+                              </m:r>
+                            </m:sub>
+                          </m:sSub>
+                        </m:sup>
+                      </m:sSup>
+                    </m:oMath>
+                  </m:oMathPara>
+                </a14:m>
+                <a:endParaRPr lang="en-US" sz="1400" b="1" dirty="0">
+                  <a:solidFill>
+                    <a:srgbClr val="002060"/>
+                  </a:solidFill>
+                  <a:latin typeface="Times New Roman" panose="02020603050405020304" pitchFamily="18" charset="0"/>
+                  <a:cs typeface="Times New Roman" panose="02020603050405020304" pitchFamily="18" charset="0"/>
+                </a:endParaRPr>
+              </a:p>
+            </p:txBody>
+          </p:sp>
+        </mc:Choice>
+        <mc:Fallback>
+          <p:sp>
+            <p:nvSpPr>
+              <p:cNvPr id="1131" name="TextBox 1130">
+                <a:extLst>
+                  <a:ext uri="{FF2B5EF4-FFF2-40B4-BE49-F238E27FC236}">
+                    <a16:creationId xmlns:a16="http://schemas.microsoft.com/office/drawing/2014/main" id="{2B86C883-EB01-F505-EBDE-521A2F4B2D2A}"/>
+                  </a:ext>
+                </a:extLst>
+              </p:cNvPr>
+              <p:cNvSpPr txBox="1">
+                <a:spLocks noRot="1" noChangeAspect="1" noMove="1" noResize="1" noEditPoints="1" noAdjustHandles="1" noChangeArrowheads="1" noChangeShapeType="1" noTextEdit="1"/>
+              </p:cNvSpPr>
+              <p:nvPr/>
+            </p:nvSpPr>
+            <p:spPr>
+              <a:xfrm>
+                <a:off x="7459014" y="678698"/>
+                <a:ext cx="1660197" cy="314702"/>
+              </a:xfrm>
+              <a:prstGeom prst="rect">
+                <a:avLst/>
+              </a:prstGeom>
+              <a:blipFill>
+                <a:blip r:embed="rId8"/>
+                <a:stretch>
+                  <a:fillRect/>
+                </a:stretch>
+              </a:blipFill>
+            </p:spPr>
+            <p:txBody>
+              <a:bodyPr/>
+              <a:lstStyle/>
+              <a:p>
+                <a:r>
+                  <a:rPr lang="en-US">
+                    <a:noFill/>
+                  </a:rPr>
+                  <a:t> </a:t>
+                </a:r>
+              </a:p>
+            </p:txBody>
+          </p:sp>
+        </mc:Fallback>
+      </mc:AlternateContent>
+      <p:grpSp>
+        <p:nvGrpSpPr>
+          <p:cNvPr id="4" name="Group 3">
+            <a:extLst>
+              <a:ext uri="{FF2B5EF4-FFF2-40B4-BE49-F238E27FC236}">
+                <a16:creationId xmlns:a16="http://schemas.microsoft.com/office/drawing/2014/main" id="{9ED2EBF4-A6DA-0944-431E-565D0E24A08E}"/>
+              </a:ext>
+            </a:extLst>
+          </p:cNvPr>
+          <p:cNvGrpSpPr/>
+          <p:nvPr/>
+        </p:nvGrpSpPr>
+        <p:grpSpPr>
+          <a:xfrm>
+            <a:off x="2084933" y="-6726"/>
+            <a:ext cx="3781522" cy="858450"/>
+            <a:chOff x="2084933" y="-278795"/>
+            <a:chExt cx="3781522" cy="858450"/>
+          </a:xfrm>
+        </p:grpSpPr>
+        <p:cxnSp>
+          <p:nvCxnSpPr>
+            <p:cNvPr id="2" name="Connector: Elbow 1">
+              <a:extLst>
+                <a:ext uri="{FF2B5EF4-FFF2-40B4-BE49-F238E27FC236}">
+                  <a16:creationId xmlns:a16="http://schemas.microsoft.com/office/drawing/2014/main" id="{A83C2E54-2AAE-81BE-FBD9-9B2F4DDF7EC3}"/>
+                </a:ext>
+              </a:extLst>
+            </p:cNvPr>
+            <p:cNvCxnSpPr>
+              <a:cxnSpLocks/>
+            </p:cNvCxnSpPr>
+            <p:nvPr/>
+          </p:nvCxnSpPr>
+          <p:spPr>
+            <a:xfrm rot="5400000" flipH="1" flipV="1">
+              <a:off x="3916281" y="-1370519"/>
+              <a:ext cx="118826" cy="3781522"/>
+            </a:xfrm>
+            <a:prstGeom prst="bentConnector3">
+              <a:avLst>
+                <a:gd name="adj1" fmla="val 436669"/>
+              </a:avLst>
+            </a:prstGeom>
+            <a:ln w="28575">
+              <a:solidFill>
+                <a:srgbClr val="002060"/>
+              </a:solidFill>
+              <a:tailEnd type="triangle"/>
+            </a:ln>
+          </p:spPr>
+          <p:style>
+            <a:lnRef idx="2">
+              <a:schemeClr val="accent1"/>
+            </a:lnRef>
+            <a:fillRef idx="0">
+              <a:schemeClr val="accent1"/>
+            </a:fillRef>
+            <a:effectRef idx="1">
+              <a:schemeClr val="accent1"/>
+            </a:effectRef>
+            <a:fontRef idx="minor">
+              <a:schemeClr val="tx1"/>
+            </a:fontRef>
+          </p:style>
+        </p:cxnSp>
+        <mc:AlternateContent xmlns:mc="http://schemas.openxmlformats.org/markup-compatibility/2006">
+          <mc:Choice xmlns:a14="http://schemas.microsoft.com/office/drawing/2010/main" Requires="a14">
+            <p:sp>
+              <p:nvSpPr>
+                <p:cNvPr id="3" name="TextBox 2">
+                  <a:extLst>
+                    <a:ext uri="{FF2B5EF4-FFF2-40B4-BE49-F238E27FC236}">
+                      <a16:creationId xmlns:a16="http://schemas.microsoft.com/office/drawing/2014/main" id="{62DB3517-4D44-2E23-28D8-52C88632A39C}"/>
+                    </a:ext>
+                  </a:extLst>
+                </p:cNvPr>
+                <p:cNvSpPr txBox="1"/>
+                <p:nvPr/>
+              </p:nvSpPr>
+              <p:spPr>
+                <a:xfrm>
+                  <a:off x="3819315" y="-278795"/>
+                  <a:ext cx="393549" cy="314702"/>
+                </a:xfrm>
+                <a:prstGeom prst="rect">
+                  <a:avLst/>
+                </a:prstGeom>
+                <a:noFill/>
+              </p:spPr>
+              <p:txBody>
+                <a:bodyPr wrap="square">
+                  <a:spAutoFit/>
+                </a:bodyPr>
+                <a:lstStyle/>
+                <a:p>
+                  <a:pPr algn="ctr"/>
+                  <a14:m>
+                    <m:oMathPara xmlns:m="http://schemas.openxmlformats.org/officeDocument/2006/math">
+                      <m:oMathParaPr>
+                        <m:jc m:val="center"/>
+                      </m:oMathParaPr>
+                      <m:oMath xmlns:m="http://schemas.openxmlformats.org/officeDocument/2006/math">
+                        <m:sSup>
+                          <m:sSupPr>
+                            <m:ctrlPr>
+                              <a:rPr lang="en-US" sz="1400" i="1">
+                                <a:solidFill>
+                                  <a:srgbClr val="002060"/>
+                                </a:solidFill>
+                                <a:latin typeface="Cambria Math" panose="02040503050406030204" pitchFamily="18" charset="0"/>
+                                <a:ea typeface="Cambria Math" panose="02040503050406030204" pitchFamily="18" charset="0"/>
+                                <a:cs typeface="Times New Roman" panose="02020603050405020304" pitchFamily="18" charset="0"/>
+                              </a:rPr>
+                            </m:ctrlPr>
+                          </m:sSupPr>
+                          <m:e>
+                            <m:r>
+                              <a:rPr lang="en-US" sz="1400" b="1" i="1">
+                                <a:solidFill>
+                                  <a:srgbClr val="002060"/>
+                                </a:solidFill>
+                                <a:latin typeface="Cambria Math" panose="02040503050406030204" pitchFamily="18" charset="0"/>
+                                <a:ea typeface="Cambria Math" panose="02040503050406030204" pitchFamily="18" charset="0"/>
+                                <a:cs typeface="Times New Roman" panose="02020603050405020304" pitchFamily="18" charset="0"/>
+                              </a:rPr>
+                              <m:t>𝝃</m:t>
+                            </m:r>
+                          </m:e>
+                          <m:sup>
+                            <m:r>
+                              <a:rPr lang="en-US" sz="1400" i="1">
+                                <a:solidFill>
+                                  <a:srgbClr val="002060"/>
+                                </a:solidFill>
+                                <a:latin typeface="Cambria Math" panose="02040503050406030204" pitchFamily="18" charset="0"/>
+                                <a:ea typeface="Cambria Math" panose="02040503050406030204" pitchFamily="18" charset="0"/>
+                                <a:cs typeface="Times New Roman" panose="02020603050405020304" pitchFamily="18" charset="0"/>
+                              </a:rPr>
+                              <m:t>𝑖</m:t>
+                            </m:r>
+                          </m:sup>
+                        </m:sSup>
+                      </m:oMath>
+                    </m:oMathPara>
+                  </a14:m>
+                  <a:endParaRPr lang="en-US" sz="1400" b="1" dirty="0">
+                    <a:solidFill>
+                      <a:srgbClr val="002060"/>
+                    </a:solidFill>
+                    <a:latin typeface="Times New Roman" panose="02020603050405020304" pitchFamily="18" charset="0"/>
+                    <a:cs typeface="Times New Roman" panose="02020603050405020304" pitchFamily="18" charset="0"/>
+                  </a:endParaRPr>
+                </a:p>
+              </p:txBody>
+            </p:sp>
+          </mc:Choice>
+          <mc:Fallback>
+            <p:sp>
+              <p:nvSpPr>
+                <p:cNvPr id="3" name="TextBox 2">
+                  <a:extLst>
+                    <a:ext uri="{FF2B5EF4-FFF2-40B4-BE49-F238E27FC236}">
+                      <a16:creationId xmlns:a16="http://schemas.microsoft.com/office/drawing/2014/main" id="{62DB3517-4D44-2E23-28D8-52C88632A39C}"/>
+                    </a:ext>
+                  </a:extLst>
+                </p:cNvPr>
+                <p:cNvSpPr txBox="1">
+                  <a:spLocks noRot="1" noChangeAspect="1" noMove="1" noResize="1" noEditPoints="1" noAdjustHandles="1" noChangeArrowheads="1" noChangeShapeType="1" noTextEdit="1"/>
+                </p:cNvSpPr>
+                <p:nvPr/>
+              </p:nvSpPr>
+              <p:spPr>
+                <a:xfrm>
+                  <a:off x="3819315" y="-278795"/>
+                  <a:ext cx="393549" cy="314702"/>
+                </a:xfrm>
+                <a:prstGeom prst="rect">
+                  <a:avLst/>
+                </a:prstGeom>
+                <a:blipFill>
+                  <a:blip r:embed="rId9"/>
+                  <a:stretch>
+                    <a:fillRect b="-7692"/>
+                  </a:stretch>
+                </a:blipFill>
+              </p:spPr>
+              <p:txBody>
+                <a:bodyPr/>
+                <a:lstStyle/>
+                <a:p>
+                  <a:r>
+                    <a:rPr lang="en-US">
+                      <a:noFill/>
+                    </a:rPr>
+                    <a:t> </a:t>
+                  </a:r>
+                </a:p>
+              </p:txBody>
+            </p:sp>
+          </mc:Fallback>
+        </mc:AlternateContent>
+      </p:grpSp>
+    </p:spTree>
+    <p:extLst>
+      <p:ext uri="{BB962C8B-B14F-4D97-AF65-F5344CB8AC3E}">
+        <p14:creationId xmlns:p14="http://schemas.microsoft.com/office/powerpoint/2010/main" val="3802764899"/>
       </p:ext>
     </p:extLst>
   </p:cSld>

--- a/img/pipeline.pptx
+++ b/img/pipeline.pptx
@@ -2,13 +2,12 @@
 <file path=ppt/presentation.xml><?xml version="1.0" encoding="utf-8"?>
 <p:presentation xmlns:a="http://schemas.openxmlformats.org/drawingml/2006/main" xmlns:r="http://schemas.openxmlformats.org/officeDocument/2006/relationships" xmlns:p="http://schemas.openxmlformats.org/presentationml/2006/main" saveSubsetFonts="1">
   <p:sldMasterIdLst>
-    <p:sldMasterId id="2147483768" r:id="rId1"/>
+    <p:sldMasterId id="2147483792" r:id="rId1"/>
   </p:sldMasterIdLst>
   <p:sldIdLst>
     <p:sldId id="256" r:id="rId2"/>
-    <p:sldId id="257" r:id="rId3"/>
   </p:sldIdLst>
-  <p:sldSz cx="10972800" cy="2560638"/>
+  <p:sldSz cx="11247438" cy="2560638"/>
   <p:notesSz cx="6858000" cy="9144000"/>
   <p:defaultTextStyle>
     <a:defPPr>
@@ -116,7 +115,7 @@
 <file path=ppt/revisionInfo.xml><?xml version="1.0" encoding="utf-8"?>
 <p1510:revInfo xmlns:a="http://schemas.openxmlformats.org/drawingml/2006/main" xmlns:r="http://schemas.openxmlformats.org/officeDocument/2006/relationships" xmlns:p1510="http://schemas.microsoft.com/office/powerpoint/2015/10/main">
   <p1510:revLst>
-    <p1510:client id="{0CC41EC3-D5AE-4A4E-BCBF-91A1A4A8A767}" v="173" dt="2024-10-01T05:28:18.178"/>
+    <p1510:client id="{0CC41EC3-D5AE-4A4E-BCBF-91A1A4A8A767}" v="253" dt="2024-10-02T15:53:35.490"/>
   </p1510:revLst>
 </p1510:revInfo>
 </file>
@@ -917,19 +916,19 @@
   </pc:docChgLst>
   <pc:docChgLst>
     <pc:chgData name="Bo Tang" userId="332dbdf67b1791cd" providerId="LiveId" clId="{0CC41EC3-D5AE-4A4E-BCBF-91A1A4A8A767}"/>
-    <pc:docChg chg="undo custSel addSld modSld modMainMaster">
-      <pc:chgData name="Bo Tang" userId="332dbdf67b1791cd" providerId="LiveId" clId="{0CC41EC3-D5AE-4A4E-BCBF-91A1A4A8A767}" dt="2024-10-01T05:28:18.177" v="280" actId="165"/>
+    <pc:docChg chg="undo redo custSel addSld delSld modSld modMainMaster">
+      <pc:chgData name="Bo Tang" userId="332dbdf67b1791cd" providerId="LiveId" clId="{0CC41EC3-D5AE-4A4E-BCBF-91A1A4A8A767}" dt="2024-10-02T15:53:35.083" v="399" actId="21"/>
       <pc:docMkLst>
         <pc:docMk/>
       </pc:docMkLst>
       <pc:sldChg chg="addSp delSp modSp mod">
-        <pc:chgData name="Bo Tang" userId="332dbdf67b1791cd" providerId="LiveId" clId="{0CC41EC3-D5AE-4A4E-BCBF-91A1A4A8A767}" dt="2024-09-29T22:10:45.588" v="278" actId="1036"/>
+        <pc:chgData name="Bo Tang" userId="332dbdf67b1791cd" providerId="LiveId" clId="{0CC41EC3-D5AE-4A4E-BCBF-91A1A4A8A767}" dt="2024-10-02T15:53:35.083" v="399" actId="21"/>
         <pc:sldMkLst>
           <pc:docMk/>
           <pc:sldMk cId="3536482602" sldId="256"/>
         </pc:sldMkLst>
         <pc:spChg chg="add mod">
-          <ac:chgData name="Bo Tang" userId="332dbdf67b1791cd" providerId="LiveId" clId="{0CC41EC3-D5AE-4A4E-BCBF-91A1A4A8A767}" dt="2024-09-29T22:09:58.168" v="258" actId="164"/>
+          <ac:chgData name="Bo Tang" userId="332dbdf67b1791cd" providerId="LiveId" clId="{0CC41EC3-D5AE-4A4E-BCBF-91A1A4A8A767}" dt="2024-10-02T15:51:49.333" v="391" actId="16959"/>
           <ac:spMkLst>
             <pc:docMk/>
             <pc:sldMk cId="3536482602" sldId="256"/>
@@ -945,7 +944,7 @@
           </ac:spMkLst>
         </pc:spChg>
         <pc:spChg chg="add mod ord">
-          <ac:chgData name="Bo Tang" userId="332dbdf67b1791cd" providerId="LiveId" clId="{0CC41EC3-D5AE-4A4E-BCBF-91A1A4A8A767}" dt="2024-09-29T21:56:55.935" v="254" actId="165"/>
+          <ac:chgData name="Bo Tang" userId="332dbdf67b1791cd" providerId="LiveId" clId="{0CC41EC3-D5AE-4A4E-BCBF-91A1A4A8A767}" dt="2024-10-02T15:51:49.333" v="391" actId="16959"/>
           <ac:spMkLst>
             <pc:docMk/>
             <pc:sldMk cId="3536482602" sldId="256"/>
@@ -953,7 +952,7 @@
           </ac:spMkLst>
         </pc:spChg>
         <pc:spChg chg="mod">
-          <ac:chgData name="Bo Tang" userId="332dbdf67b1791cd" providerId="LiveId" clId="{0CC41EC3-D5AE-4A4E-BCBF-91A1A4A8A767}" dt="2024-09-29T21:56:55.935" v="254" actId="165"/>
+          <ac:chgData name="Bo Tang" userId="332dbdf67b1791cd" providerId="LiveId" clId="{0CC41EC3-D5AE-4A4E-BCBF-91A1A4A8A767}" dt="2024-10-02T15:51:49.333" v="391" actId="16959"/>
           <ac:spMkLst>
             <pc:docMk/>
             <pc:sldMk cId="3536482602" sldId="256"/>
@@ -961,7 +960,7 @@
           </ac:spMkLst>
         </pc:spChg>
         <pc:spChg chg="mod">
-          <ac:chgData name="Bo Tang" userId="332dbdf67b1791cd" providerId="LiveId" clId="{0CC41EC3-D5AE-4A4E-BCBF-91A1A4A8A767}" dt="2024-09-29T21:56:55.935" v="254" actId="165"/>
+          <ac:chgData name="Bo Tang" userId="332dbdf67b1791cd" providerId="LiveId" clId="{0CC41EC3-D5AE-4A4E-BCBF-91A1A4A8A767}" dt="2024-10-02T15:51:49.333" v="391" actId="16959"/>
           <ac:spMkLst>
             <pc:docMk/>
             <pc:sldMk cId="3536482602" sldId="256"/>
@@ -969,7 +968,7 @@
           </ac:spMkLst>
         </pc:spChg>
         <pc:spChg chg="mod">
-          <ac:chgData name="Bo Tang" userId="332dbdf67b1791cd" providerId="LiveId" clId="{0CC41EC3-D5AE-4A4E-BCBF-91A1A4A8A767}" dt="2024-09-29T21:56:55.935" v="254" actId="165"/>
+          <ac:chgData name="Bo Tang" userId="332dbdf67b1791cd" providerId="LiveId" clId="{0CC41EC3-D5AE-4A4E-BCBF-91A1A4A8A767}" dt="2024-10-02T15:51:49.333" v="391" actId="16959"/>
           <ac:spMkLst>
             <pc:docMk/>
             <pc:sldMk cId="3536482602" sldId="256"/>
@@ -977,7 +976,7 @@
           </ac:spMkLst>
         </pc:spChg>
         <pc:spChg chg="mod">
-          <ac:chgData name="Bo Tang" userId="332dbdf67b1791cd" providerId="LiveId" clId="{0CC41EC3-D5AE-4A4E-BCBF-91A1A4A8A767}" dt="2024-09-29T21:56:55.935" v="254" actId="165"/>
+          <ac:chgData name="Bo Tang" userId="332dbdf67b1791cd" providerId="LiveId" clId="{0CC41EC3-D5AE-4A4E-BCBF-91A1A4A8A767}" dt="2024-10-02T15:51:49.333" v="391" actId="16959"/>
           <ac:spMkLst>
             <pc:docMk/>
             <pc:sldMk cId="3536482602" sldId="256"/>
@@ -985,7 +984,7 @@
           </ac:spMkLst>
         </pc:spChg>
         <pc:spChg chg="mod">
-          <ac:chgData name="Bo Tang" userId="332dbdf67b1791cd" providerId="LiveId" clId="{0CC41EC3-D5AE-4A4E-BCBF-91A1A4A8A767}" dt="2024-09-29T21:56:55.935" v="254" actId="165"/>
+          <ac:chgData name="Bo Tang" userId="332dbdf67b1791cd" providerId="LiveId" clId="{0CC41EC3-D5AE-4A4E-BCBF-91A1A4A8A767}" dt="2024-10-02T15:51:49.333" v="391" actId="16959"/>
           <ac:spMkLst>
             <pc:docMk/>
             <pc:sldMk cId="3536482602" sldId="256"/>
@@ -993,7 +992,7 @@
           </ac:spMkLst>
         </pc:spChg>
         <pc:spChg chg="mod">
-          <ac:chgData name="Bo Tang" userId="332dbdf67b1791cd" providerId="LiveId" clId="{0CC41EC3-D5AE-4A4E-BCBF-91A1A4A8A767}" dt="2024-09-29T22:10:08.282" v="259" actId="13926"/>
+          <ac:chgData name="Bo Tang" userId="332dbdf67b1791cd" providerId="LiveId" clId="{0CC41EC3-D5AE-4A4E-BCBF-91A1A4A8A767}" dt="2024-10-02T15:51:49.333" v="391" actId="16959"/>
           <ac:spMkLst>
             <pc:docMk/>
             <pc:sldMk cId="3536482602" sldId="256"/>
@@ -1001,7 +1000,7 @@
           </ac:spMkLst>
         </pc:spChg>
         <pc:spChg chg="mod">
-          <ac:chgData name="Bo Tang" userId="332dbdf67b1791cd" providerId="LiveId" clId="{0CC41EC3-D5AE-4A4E-BCBF-91A1A4A8A767}" dt="2024-09-29T21:56:55.935" v="254" actId="165"/>
+          <ac:chgData name="Bo Tang" userId="332dbdf67b1791cd" providerId="LiveId" clId="{0CC41EC3-D5AE-4A4E-BCBF-91A1A4A8A767}" dt="2024-10-02T15:51:49.333" v="391" actId="16959"/>
           <ac:spMkLst>
             <pc:docMk/>
             <pc:sldMk cId="3536482602" sldId="256"/>
@@ -1009,7 +1008,7 @@
           </ac:spMkLst>
         </pc:spChg>
         <pc:spChg chg="mod">
-          <ac:chgData name="Bo Tang" userId="332dbdf67b1791cd" providerId="LiveId" clId="{0CC41EC3-D5AE-4A4E-BCBF-91A1A4A8A767}" dt="2024-09-29T21:56:55.935" v="254" actId="165"/>
+          <ac:chgData name="Bo Tang" userId="332dbdf67b1791cd" providerId="LiveId" clId="{0CC41EC3-D5AE-4A4E-BCBF-91A1A4A8A767}" dt="2024-10-02T15:51:49.333" v="391" actId="16959"/>
           <ac:spMkLst>
             <pc:docMk/>
             <pc:sldMk cId="3536482602" sldId="256"/>
@@ -1017,7 +1016,7 @@
           </ac:spMkLst>
         </pc:spChg>
         <pc:spChg chg="mod">
-          <ac:chgData name="Bo Tang" userId="332dbdf67b1791cd" providerId="LiveId" clId="{0CC41EC3-D5AE-4A4E-BCBF-91A1A4A8A767}" dt="2024-09-29T21:56:55.935" v="254" actId="165"/>
+          <ac:chgData name="Bo Tang" userId="332dbdf67b1791cd" providerId="LiveId" clId="{0CC41EC3-D5AE-4A4E-BCBF-91A1A4A8A767}" dt="2024-10-02T15:51:49.333" v="391" actId="16959"/>
           <ac:spMkLst>
             <pc:docMk/>
             <pc:sldMk cId="3536482602" sldId="256"/>
@@ -1025,7 +1024,7 @@
           </ac:spMkLst>
         </pc:spChg>
         <pc:spChg chg="mod">
-          <ac:chgData name="Bo Tang" userId="332dbdf67b1791cd" providerId="LiveId" clId="{0CC41EC3-D5AE-4A4E-BCBF-91A1A4A8A767}" dt="2024-09-29T21:56:55.935" v="254" actId="165"/>
+          <ac:chgData name="Bo Tang" userId="332dbdf67b1791cd" providerId="LiveId" clId="{0CC41EC3-D5AE-4A4E-BCBF-91A1A4A8A767}" dt="2024-10-02T15:51:49.333" v="391" actId="16959"/>
           <ac:spMkLst>
             <pc:docMk/>
             <pc:sldMk cId="3536482602" sldId="256"/>
@@ -1033,7 +1032,7 @@
           </ac:spMkLst>
         </pc:spChg>
         <pc:spChg chg="mod">
-          <ac:chgData name="Bo Tang" userId="332dbdf67b1791cd" providerId="LiveId" clId="{0CC41EC3-D5AE-4A4E-BCBF-91A1A4A8A767}" dt="2024-09-29T21:56:55.935" v="254" actId="165"/>
+          <ac:chgData name="Bo Tang" userId="332dbdf67b1791cd" providerId="LiveId" clId="{0CC41EC3-D5AE-4A4E-BCBF-91A1A4A8A767}" dt="2024-10-02T15:51:49.333" v="391" actId="16959"/>
           <ac:spMkLst>
             <pc:docMk/>
             <pc:sldMk cId="3536482602" sldId="256"/>
@@ -1041,7 +1040,7 @@
           </ac:spMkLst>
         </pc:spChg>
         <pc:spChg chg="mod">
-          <ac:chgData name="Bo Tang" userId="332dbdf67b1791cd" providerId="LiveId" clId="{0CC41EC3-D5AE-4A4E-BCBF-91A1A4A8A767}" dt="2024-09-29T21:56:55.935" v="254" actId="165"/>
+          <ac:chgData name="Bo Tang" userId="332dbdf67b1791cd" providerId="LiveId" clId="{0CC41EC3-D5AE-4A4E-BCBF-91A1A4A8A767}" dt="2024-10-02T15:51:49.333" v="391" actId="16959"/>
           <ac:spMkLst>
             <pc:docMk/>
             <pc:sldMk cId="3536482602" sldId="256"/>
@@ -1049,7 +1048,7 @@
           </ac:spMkLst>
         </pc:spChg>
         <pc:spChg chg="mod">
-          <ac:chgData name="Bo Tang" userId="332dbdf67b1791cd" providerId="LiveId" clId="{0CC41EC3-D5AE-4A4E-BCBF-91A1A4A8A767}" dt="2024-09-29T21:56:55.935" v="254" actId="165"/>
+          <ac:chgData name="Bo Tang" userId="332dbdf67b1791cd" providerId="LiveId" clId="{0CC41EC3-D5AE-4A4E-BCBF-91A1A4A8A767}" dt="2024-10-02T15:51:49.333" v="391" actId="16959"/>
           <ac:spMkLst>
             <pc:docMk/>
             <pc:sldMk cId="3536482602" sldId="256"/>
@@ -1057,7 +1056,7 @@
           </ac:spMkLst>
         </pc:spChg>
         <pc:spChg chg="mod">
-          <ac:chgData name="Bo Tang" userId="332dbdf67b1791cd" providerId="LiveId" clId="{0CC41EC3-D5AE-4A4E-BCBF-91A1A4A8A767}" dt="2024-09-29T21:56:55.935" v="254" actId="165"/>
+          <ac:chgData name="Bo Tang" userId="332dbdf67b1791cd" providerId="LiveId" clId="{0CC41EC3-D5AE-4A4E-BCBF-91A1A4A8A767}" dt="2024-10-02T15:51:49.333" v="391" actId="16959"/>
           <ac:spMkLst>
             <pc:docMk/>
             <pc:sldMk cId="3536482602" sldId="256"/>
@@ -1065,7 +1064,7 @@
           </ac:spMkLst>
         </pc:spChg>
         <pc:spChg chg="mod">
-          <ac:chgData name="Bo Tang" userId="332dbdf67b1791cd" providerId="LiveId" clId="{0CC41EC3-D5AE-4A4E-BCBF-91A1A4A8A767}" dt="2024-09-29T21:56:55.935" v="254" actId="165"/>
+          <ac:chgData name="Bo Tang" userId="332dbdf67b1791cd" providerId="LiveId" clId="{0CC41EC3-D5AE-4A4E-BCBF-91A1A4A8A767}" dt="2024-10-02T15:51:49.333" v="391" actId="16959"/>
           <ac:spMkLst>
             <pc:docMk/>
             <pc:sldMk cId="3536482602" sldId="256"/>
@@ -1073,7 +1072,7 @@
           </ac:spMkLst>
         </pc:spChg>
         <pc:spChg chg="mod">
-          <ac:chgData name="Bo Tang" userId="332dbdf67b1791cd" providerId="LiveId" clId="{0CC41EC3-D5AE-4A4E-BCBF-91A1A4A8A767}" dt="2024-09-29T21:56:55.935" v="254" actId="165"/>
+          <ac:chgData name="Bo Tang" userId="332dbdf67b1791cd" providerId="LiveId" clId="{0CC41EC3-D5AE-4A4E-BCBF-91A1A4A8A767}" dt="2024-10-02T15:51:49.333" v="391" actId="16959"/>
           <ac:spMkLst>
             <pc:docMk/>
             <pc:sldMk cId="3536482602" sldId="256"/>
@@ -1081,7 +1080,7 @@
           </ac:spMkLst>
         </pc:spChg>
         <pc:spChg chg="mod">
-          <ac:chgData name="Bo Tang" userId="332dbdf67b1791cd" providerId="LiveId" clId="{0CC41EC3-D5AE-4A4E-BCBF-91A1A4A8A767}" dt="2024-09-29T21:56:55.935" v="254" actId="165"/>
+          <ac:chgData name="Bo Tang" userId="332dbdf67b1791cd" providerId="LiveId" clId="{0CC41EC3-D5AE-4A4E-BCBF-91A1A4A8A767}" dt="2024-10-02T15:51:49.333" v="391" actId="16959"/>
           <ac:spMkLst>
             <pc:docMk/>
             <pc:sldMk cId="3536482602" sldId="256"/>
@@ -1089,7 +1088,7 @@
           </ac:spMkLst>
         </pc:spChg>
         <pc:spChg chg="mod topLvl">
-          <ac:chgData name="Bo Tang" userId="332dbdf67b1791cd" providerId="LiveId" clId="{0CC41EC3-D5AE-4A4E-BCBF-91A1A4A8A767}" dt="2024-09-29T21:56:55.935" v="254" actId="165"/>
+          <ac:chgData name="Bo Tang" userId="332dbdf67b1791cd" providerId="LiveId" clId="{0CC41EC3-D5AE-4A4E-BCBF-91A1A4A8A767}" dt="2024-10-02T15:51:49.333" v="391" actId="16959"/>
           <ac:spMkLst>
             <pc:docMk/>
             <pc:sldMk cId="3536482602" sldId="256"/>
@@ -1097,7 +1096,7 @@
           </ac:spMkLst>
         </pc:spChg>
         <pc:spChg chg="mod topLvl">
-          <ac:chgData name="Bo Tang" userId="332dbdf67b1791cd" providerId="LiveId" clId="{0CC41EC3-D5AE-4A4E-BCBF-91A1A4A8A767}" dt="2024-09-29T21:56:55.935" v="254" actId="165"/>
+          <ac:chgData name="Bo Tang" userId="332dbdf67b1791cd" providerId="LiveId" clId="{0CC41EC3-D5AE-4A4E-BCBF-91A1A4A8A767}" dt="2024-10-02T15:51:49.333" v="391" actId="16959"/>
           <ac:spMkLst>
             <pc:docMk/>
             <pc:sldMk cId="3536482602" sldId="256"/>
@@ -1105,7 +1104,7 @@
           </ac:spMkLst>
         </pc:spChg>
         <pc:spChg chg="mod topLvl">
-          <ac:chgData name="Bo Tang" userId="332dbdf67b1791cd" providerId="LiveId" clId="{0CC41EC3-D5AE-4A4E-BCBF-91A1A4A8A767}" dt="2024-09-29T21:56:55.935" v="254" actId="165"/>
+          <ac:chgData name="Bo Tang" userId="332dbdf67b1791cd" providerId="LiveId" clId="{0CC41EC3-D5AE-4A4E-BCBF-91A1A4A8A767}" dt="2024-10-02T15:51:49.333" v="391" actId="16959"/>
           <ac:spMkLst>
             <pc:docMk/>
             <pc:sldMk cId="3536482602" sldId="256"/>
@@ -1113,7 +1112,7 @@
           </ac:spMkLst>
         </pc:spChg>
         <pc:spChg chg="mod topLvl">
-          <ac:chgData name="Bo Tang" userId="332dbdf67b1791cd" providerId="LiveId" clId="{0CC41EC3-D5AE-4A4E-BCBF-91A1A4A8A767}" dt="2024-09-29T21:56:55.935" v="254" actId="165"/>
+          <ac:chgData name="Bo Tang" userId="332dbdf67b1791cd" providerId="LiveId" clId="{0CC41EC3-D5AE-4A4E-BCBF-91A1A4A8A767}" dt="2024-10-02T15:51:49.333" v="391" actId="16959"/>
           <ac:spMkLst>
             <pc:docMk/>
             <pc:sldMk cId="3536482602" sldId="256"/>
@@ -1121,7 +1120,7 @@
           </ac:spMkLst>
         </pc:spChg>
         <pc:spChg chg="mod topLvl">
-          <ac:chgData name="Bo Tang" userId="332dbdf67b1791cd" providerId="LiveId" clId="{0CC41EC3-D5AE-4A4E-BCBF-91A1A4A8A767}" dt="2024-09-29T21:56:55.935" v="254" actId="165"/>
+          <ac:chgData name="Bo Tang" userId="332dbdf67b1791cd" providerId="LiveId" clId="{0CC41EC3-D5AE-4A4E-BCBF-91A1A4A8A767}" dt="2024-10-02T15:51:49.333" v="391" actId="16959"/>
           <ac:spMkLst>
             <pc:docMk/>
             <pc:sldMk cId="3536482602" sldId="256"/>
@@ -1129,7 +1128,7 @@
           </ac:spMkLst>
         </pc:spChg>
         <pc:spChg chg="mod topLvl">
-          <ac:chgData name="Bo Tang" userId="332dbdf67b1791cd" providerId="LiveId" clId="{0CC41EC3-D5AE-4A4E-BCBF-91A1A4A8A767}" dt="2024-09-29T21:56:55.935" v="254" actId="165"/>
+          <ac:chgData name="Bo Tang" userId="332dbdf67b1791cd" providerId="LiveId" clId="{0CC41EC3-D5AE-4A4E-BCBF-91A1A4A8A767}" dt="2024-10-02T15:51:49.333" v="391" actId="16959"/>
           <ac:spMkLst>
             <pc:docMk/>
             <pc:sldMk cId="3536482602" sldId="256"/>
@@ -1137,7 +1136,7 @@
           </ac:spMkLst>
         </pc:spChg>
         <pc:spChg chg="mod topLvl">
-          <ac:chgData name="Bo Tang" userId="332dbdf67b1791cd" providerId="LiveId" clId="{0CC41EC3-D5AE-4A4E-BCBF-91A1A4A8A767}" dt="2024-09-29T21:56:55.935" v="254" actId="165"/>
+          <ac:chgData name="Bo Tang" userId="332dbdf67b1791cd" providerId="LiveId" clId="{0CC41EC3-D5AE-4A4E-BCBF-91A1A4A8A767}" dt="2024-10-02T15:51:49.333" v="391" actId="16959"/>
           <ac:spMkLst>
             <pc:docMk/>
             <pc:sldMk cId="3536482602" sldId="256"/>
@@ -1145,7 +1144,7 @@
           </ac:spMkLst>
         </pc:spChg>
         <pc:spChg chg="mod topLvl">
-          <ac:chgData name="Bo Tang" userId="332dbdf67b1791cd" providerId="LiveId" clId="{0CC41EC3-D5AE-4A4E-BCBF-91A1A4A8A767}" dt="2024-09-29T21:56:55.935" v="254" actId="165"/>
+          <ac:chgData name="Bo Tang" userId="332dbdf67b1791cd" providerId="LiveId" clId="{0CC41EC3-D5AE-4A4E-BCBF-91A1A4A8A767}" dt="2024-10-02T15:51:49.333" v="391" actId="16959"/>
           <ac:spMkLst>
             <pc:docMk/>
             <pc:sldMk cId="3536482602" sldId="256"/>
@@ -1153,7 +1152,7 @@
           </ac:spMkLst>
         </pc:spChg>
         <pc:spChg chg="mod topLvl">
-          <ac:chgData name="Bo Tang" userId="332dbdf67b1791cd" providerId="LiveId" clId="{0CC41EC3-D5AE-4A4E-BCBF-91A1A4A8A767}" dt="2024-09-29T21:56:55.935" v="254" actId="165"/>
+          <ac:chgData name="Bo Tang" userId="332dbdf67b1791cd" providerId="LiveId" clId="{0CC41EC3-D5AE-4A4E-BCBF-91A1A4A8A767}" dt="2024-10-02T15:51:49.333" v="391" actId="16959"/>
           <ac:spMkLst>
             <pc:docMk/>
             <pc:sldMk cId="3536482602" sldId="256"/>
@@ -1161,7 +1160,7 @@
           </ac:spMkLst>
         </pc:spChg>
         <pc:spChg chg="mod topLvl">
-          <ac:chgData name="Bo Tang" userId="332dbdf67b1791cd" providerId="LiveId" clId="{0CC41EC3-D5AE-4A4E-BCBF-91A1A4A8A767}" dt="2024-09-29T21:56:55.935" v="254" actId="165"/>
+          <ac:chgData name="Bo Tang" userId="332dbdf67b1791cd" providerId="LiveId" clId="{0CC41EC3-D5AE-4A4E-BCBF-91A1A4A8A767}" dt="2024-10-02T15:51:49.333" v="391" actId="16959"/>
           <ac:spMkLst>
             <pc:docMk/>
             <pc:sldMk cId="3536482602" sldId="256"/>
@@ -1169,7 +1168,7 @@
           </ac:spMkLst>
         </pc:spChg>
         <pc:spChg chg="mod topLvl">
-          <ac:chgData name="Bo Tang" userId="332dbdf67b1791cd" providerId="LiveId" clId="{0CC41EC3-D5AE-4A4E-BCBF-91A1A4A8A767}" dt="2024-09-29T21:56:55.935" v="254" actId="165"/>
+          <ac:chgData name="Bo Tang" userId="332dbdf67b1791cd" providerId="LiveId" clId="{0CC41EC3-D5AE-4A4E-BCBF-91A1A4A8A767}" dt="2024-10-02T15:51:49.333" v="391" actId="16959"/>
           <ac:spMkLst>
             <pc:docMk/>
             <pc:sldMk cId="3536482602" sldId="256"/>
@@ -1177,7 +1176,7 @@
           </ac:spMkLst>
         </pc:spChg>
         <pc:spChg chg="mod topLvl">
-          <ac:chgData name="Bo Tang" userId="332dbdf67b1791cd" providerId="LiveId" clId="{0CC41EC3-D5AE-4A4E-BCBF-91A1A4A8A767}" dt="2024-09-29T21:56:55.935" v="254" actId="165"/>
+          <ac:chgData name="Bo Tang" userId="332dbdf67b1791cd" providerId="LiveId" clId="{0CC41EC3-D5AE-4A4E-BCBF-91A1A4A8A767}" dt="2024-10-02T15:51:49.333" v="391" actId="16959"/>
           <ac:spMkLst>
             <pc:docMk/>
             <pc:sldMk cId="3536482602" sldId="256"/>
@@ -1185,7 +1184,7 @@
           </ac:spMkLst>
         </pc:spChg>
         <pc:spChg chg="mod topLvl">
-          <ac:chgData name="Bo Tang" userId="332dbdf67b1791cd" providerId="LiveId" clId="{0CC41EC3-D5AE-4A4E-BCBF-91A1A4A8A767}" dt="2024-09-29T21:56:55.935" v="254" actId="165"/>
+          <ac:chgData name="Bo Tang" userId="332dbdf67b1791cd" providerId="LiveId" clId="{0CC41EC3-D5AE-4A4E-BCBF-91A1A4A8A767}" dt="2024-10-02T15:51:49.333" v="391" actId="16959"/>
           <ac:spMkLst>
             <pc:docMk/>
             <pc:sldMk cId="3536482602" sldId="256"/>
@@ -1193,7 +1192,7 @@
           </ac:spMkLst>
         </pc:spChg>
         <pc:spChg chg="mod topLvl">
-          <ac:chgData name="Bo Tang" userId="332dbdf67b1791cd" providerId="LiveId" clId="{0CC41EC3-D5AE-4A4E-BCBF-91A1A4A8A767}" dt="2024-09-29T21:56:55.935" v="254" actId="165"/>
+          <ac:chgData name="Bo Tang" userId="332dbdf67b1791cd" providerId="LiveId" clId="{0CC41EC3-D5AE-4A4E-BCBF-91A1A4A8A767}" dt="2024-10-02T15:51:49.333" v="391" actId="16959"/>
           <ac:spMkLst>
             <pc:docMk/>
             <pc:sldMk cId="3536482602" sldId="256"/>
@@ -1201,7 +1200,7 @@
           </ac:spMkLst>
         </pc:spChg>
         <pc:spChg chg="mod topLvl">
-          <ac:chgData name="Bo Tang" userId="332dbdf67b1791cd" providerId="LiveId" clId="{0CC41EC3-D5AE-4A4E-BCBF-91A1A4A8A767}" dt="2024-09-29T21:56:55.935" v="254" actId="165"/>
+          <ac:chgData name="Bo Tang" userId="332dbdf67b1791cd" providerId="LiveId" clId="{0CC41EC3-D5AE-4A4E-BCBF-91A1A4A8A767}" dt="2024-10-02T15:51:49.333" v="391" actId="16959"/>
           <ac:spMkLst>
             <pc:docMk/>
             <pc:sldMk cId="3536482602" sldId="256"/>
@@ -1209,7 +1208,7 @@
           </ac:spMkLst>
         </pc:spChg>
         <pc:spChg chg="mod topLvl">
-          <ac:chgData name="Bo Tang" userId="332dbdf67b1791cd" providerId="LiveId" clId="{0CC41EC3-D5AE-4A4E-BCBF-91A1A4A8A767}" dt="2024-09-29T21:56:55.935" v="254" actId="165"/>
+          <ac:chgData name="Bo Tang" userId="332dbdf67b1791cd" providerId="LiveId" clId="{0CC41EC3-D5AE-4A4E-BCBF-91A1A4A8A767}" dt="2024-10-02T15:51:49.333" v="391" actId="16959"/>
           <ac:spMkLst>
             <pc:docMk/>
             <pc:sldMk cId="3536482602" sldId="256"/>
@@ -1217,7 +1216,7 @@
           </ac:spMkLst>
         </pc:spChg>
         <pc:spChg chg="mod topLvl">
-          <ac:chgData name="Bo Tang" userId="332dbdf67b1791cd" providerId="LiveId" clId="{0CC41EC3-D5AE-4A4E-BCBF-91A1A4A8A767}" dt="2024-09-29T21:56:55.935" v="254" actId="165"/>
+          <ac:chgData name="Bo Tang" userId="332dbdf67b1791cd" providerId="LiveId" clId="{0CC41EC3-D5AE-4A4E-BCBF-91A1A4A8A767}" dt="2024-10-02T15:51:49.333" v="391" actId="16959"/>
           <ac:spMkLst>
             <pc:docMk/>
             <pc:sldMk cId="3536482602" sldId="256"/>
@@ -1225,7 +1224,7 @@
           </ac:spMkLst>
         </pc:spChg>
         <pc:spChg chg="mod topLvl">
-          <ac:chgData name="Bo Tang" userId="332dbdf67b1791cd" providerId="LiveId" clId="{0CC41EC3-D5AE-4A4E-BCBF-91A1A4A8A767}" dt="2024-09-29T21:56:55.935" v="254" actId="165"/>
+          <ac:chgData name="Bo Tang" userId="332dbdf67b1791cd" providerId="LiveId" clId="{0CC41EC3-D5AE-4A4E-BCBF-91A1A4A8A767}" dt="2024-10-02T15:51:49.333" v="391" actId="16959"/>
           <ac:spMkLst>
             <pc:docMk/>
             <pc:sldMk cId="3536482602" sldId="256"/>
@@ -1233,7 +1232,7 @@
           </ac:spMkLst>
         </pc:spChg>
         <pc:spChg chg="mod topLvl">
-          <ac:chgData name="Bo Tang" userId="332dbdf67b1791cd" providerId="LiveId" clId="{0CC41EC3-D5AE-4A4E-BCBF-91A1A4A8A767}" dt="2024-09-29T21:56:55.935" v="254" actId="165"/>
+          <ac:chgData name="Bo Tang" userId="332dbdf67b1791cd" providerId="LiveId" clId="{0CC41EC3-D5AE-4A4E-BCBF-91A1A4A8A767}" dt="2024-10-02T15:51:49.333" v="391" actId="16959"/>
           <ac:spMkLst>
             <pc:docMk/>
             <pc:sldMk cId="3536482602" sldId="256"/>
@@ -1241,7 +1240,7 @@
           </ac:spMkLst>
         </pc:spChg>
         <pc:spChg chg="mod topLvl">
-          <ac:chgData name="Bo Tang" userId="332dbdf67b1791cd" providerId="LiveId" clId="{0CC41EC3-D5AE-4A4E-BCBF-91A1A4A8A767}" dt="2024-09-29T21:56:55.935" v="254" actId="165"/>
+          <ac:chgData name="Bo Tang" userId="332dbdf67b1791cd" providerId="LiveId" clId="{0CC41EC3-D5AE-4A4E-BCBF-91A1A4A8A767}" dt="2024-10-02T15:51:49.333" v="391" actId="16959"/>
           <ac:spMkLst>
             <pc:docMk/>
             <pc:sldMk cId="3536482602" sldId="256"/>
@@ -1249,7 +1248,7 @@
           </ac:spMkLst>
         </pc:spChg>
         <pc:spChg chg="mod topLvl">
-          <ac:chgData name="Bo Tang" userId="332dbdf67b1791cd" providerId="LiveId" clId="{0CC41EC3-D5AE-4A4E-BCBF-91A1A4A8A767}" dt="2024-09-29T21:56:55.935" v="254" actId="165"/>
+          <ac:chgData name="Bo Tang" userId="332dbdf67b1791cd" providerId="LiveId" clId="{0CC41EC3-D5AE-4A4E-BCBF-91A1A4A8A767}" dt="2024-10-02T15:51:49.333" v="391" actId="16959"/>
           <ac:spMkLst>
             <pc:docMk/>
             <pc:sldMk cId="3536482602" sldId="256"/>
@@ -1257,7 +1256,7 @@
           </ac:spMkLst>
         </pc:spChg>
         <pc:spChg chg="mod topLvl">
-          <ac:chgData name="Bo Tang" userId="332dbdf67b1791cd" providerId="LiveId" clId="{0CC41EC3-D5AE-4A4E-BCBF-91A1A4A8A767}" dt="2024-09-29T21:56:55.935" v="254" actId="165"/>
+          <ac:chgData name="Bo Tang" userId="332dbdf67b1791cd" providerId="LiveId" clId="{0CC41EC3-D5AE-4A4E-BCBF-91A1A4A8A767}" dt="2024-10-02T15:51:49.333" v="391" actId="16959"/>
           <ac:spMkLst>
             <pc:docMk/>
             <pc:sldMk cId="3536482602" sldId="256"/>
@@ -1265,7 +1264,7 @@
           </ac:spMkLst>
         </pc:spChg>
         <pc:spChg chg="mod topLvl">
-          <ac:chgData name="Bo Tang" userId="332dbdf67b1791cd" providerId="LiveId" clId="{0CC41EC3-D5AE-4A4E-BCBF-91A1A4A8A767}" dt="2024-09-29T21:56:55.935" v="254" actId="165"/>
+          <ac:chgData name="Bo Tang" userId="332dbdf67b1791cd" providerId="LiveId" clId="{0CC41EC3-D5AE-4A4E-BCBF-91A1A4A8A767}" dt="2024-10-02T15:51:49.333" v="391" actId="16959"/>
           <ac:spMkLst>
             <pc:docMk/>
             <pc:sldMk cId="3536482602" sldId="256"/>
@@ -1273,7 +1272,7 @@
           </ac:spMkLst>
         </pc:spChg>
         <pc:spChg chg="mod topLvl">
-          <ac:chgData name="Bo Tang" userId="332dbdf67b1791cd" providerId="LiveId" clId="{0CC41EC3-D5AE-4A4E-BCBF-91A1A4A8A767}" dt="2024-09-29T21:56:55.935" v="254" actId="165"/>
+          <ac:chgData name="Bo Tang" userId="332dbdf67b1791cd" providerId="LiveId" clId="{0CC41EC3-D5AE-4A4E-BCBF-91A1A4A8A767}" dt="2024-10-02T15:51:49.333" v="391" actId="16959"/>
           <ac:spMkLst>
             <pc:docMk/>
             <pc:sldMk cId="3536482602" sldId="256"/>
@@ -1281,7 +1280,7 @@
           </ac:spMkLst>
         </pc:spChg>
         <pc:spChg chg="mod topLvl">
-          <ac:chgData name="Bo Tang" userId="332dbdf67b1791cd" providerId="LiveId" clId="{0CC41EC3-D5AE-4A4E-BCBF-91A1A4A8A767}" dt="2024-09-29T21:56:55.935" v="254" actId="165"/>
+          <ac:chgData name="Bo Tang" userId="332dbdf67b1791cd" providerId="LiveId" clId="{0CC41EC3-D5AE-4A4E-BCBF-91A1A4A8A767}" dt="2024-10-02T15:51:49.333" v="391" actId="16959"/>
           <ac:spMkLst>
             <pc:docMk/>
             <pc:sldMk cId="3536482602" sldId="256"/>
@@ -1289,7 +1288,7 @@
           </ac:spMkLst>
         </pc:spChg>
         <pc:spChg chg="mod ord topLvl">
-          <ac:chgData name="Bo Tang" userId="332dbdf67b1791cd" providerId="LiveId" clId="{0CC41EC3-D5AE-4A4E-BCBF-91A1A4A8A767}" dt="2024-09-29T21:56:55.935" v="254" actId="165"/>
+          <ac:chgData name="Bo Tang" userId="332dbdf67b1791cd" providerId="LiveId" clId="{0CC41EC3-D5AE-4A4E-BCBF-91A1A4A8A767}" dt="2024-10-02T15:51:49.333" v="391" actId="16959"/>
           <ac:spMkLst>
             <pc:docMk/>
             <pc:sldMk cId="3536482602" sldId="256"/>
@@ -1297,7 +1296,7 @@
           </ac:spMkLst>
         </pc:spChg>
         <pc:spChg chg="mod topLvl">
-          <ac:chgData name="Bo Tang" userId="332dbdf67b1791cd" providerId="LiveId" clId="{0CC41EC3-D5AE-4A4E-BCBF-91A1A4A8A767}" dt="2024-09-29T21:56:55.935" v="254" actId="165"/>
+          <ac:chgData name="Bo Tang" userId="332dbdf67b1791cd" providerId="LiveId" clId="{0CC41EC3-D5AE-4A4E-BCBF-91A1A4A8A767}" dt="2024-10-02T15:52:08.856" v="393"/>
           <ac:spMkLst>
             <pc:docMk/>
             <pc:sldMk cId="3536482602" sldId="256"/>
@@ -1305,7 +1304,7 @@
           </ac:spMkLst>
         </pc:spChg>
         <pc:spChg chg="mod">
-          <ac:chgData name="Bo Tang" userId="332dbdf67b1791cd" providerId="LiveId" clId="{0CC41EC3-D5AE-4A4E-BCBF-91A1A4A8A767}" dt="2024-09-29T21:56:55.935" v="254" actId="165"/>
+          <ac:chgData name="Bo Tang" userId="332dbdf67b1791cd" providerId="LiveId" clId="{0CC41EC3-D5AE-4A4E-BCBF-91A1A4A8A767}" dt="2024-10-02T15:51:49.333" v="391" actId="16959"/>
           <ac:spMkLst>
             <pc:docMk/>
             <pc:sldMk cId="3536482602" sldId="256"/>
@@ -1313,7 +1312,7 @@
           </ac:spMkLst>
         </pc:spChg>
         <pc:spChg chg="mod">
-          <ac:chgData name="Bo Tang" userId="332dbdf67b1791cd" providerId="LiveId" clId="{0CC41EC3-D5AE-4A4E-BCBF-91A1A4A8A767}" dt="2024-09-29T21:56:55.935" v="254" actId="165"/>
+          <ac:chgData name="Bo Tang" userId="332dbdf67b1791cd" providerId="LiveId" clId="{0CC41EC3-D5AE-4A4E-BCBF-91A1A4A8A767}" dt="2024-10-02T15:51:49.333" v="391" actId="16959"/>
           <ac:spMkLst>
             <pc:docMk/>
             <pc:sldMk cId="3536482602" sldId="256"/>
@@ -1321,7 +1320,7 @@
           </ac:spMkLst>
         </pc:spChg>
         <pc:spChg chg="mod">
-          <ac:chgData name="Bo Tang" userId="332dbdf67b1791cd" providerId="LiveId" clId="{0CC41EC3-D5AE-4A4E-BCBF-91A1A4A8A767}" dt="2024-09-29T21:56:55.935" v="254" actId="165"/>
+          <ac:chgData name="Bo Tang" userId="332dbdf67b1791cd" providerId="LiveId" clId="{0CC41EC3-D5AE-4A4E-BCBF-91A1A4A8A767}" dt="2024-10-02T15:53:35.083" v="399" actId="21"/>
           <ac:spMkLst>
             <pc:docMk/>
             <pc:sldMk cId="3536482602" sldId="256"/>
@@ -1329,7 +1328,7 @@
           </ac:spMkLst>
         </pc:spChg>
         <pc:spChg chg="mod topLvl">
-          <ac:chgData name="Bo Tang" userId="332dbdf67b1791cd" providerId="LiveId" clId="{0CC41EC3-D5AE-4A4E-BCBF-91A1A4A8A767}" dt="2024-09-29T22:10:40.436" v="260" actId="164"/>
+          <ac:chgData name="Bo Tang" userId="332dbdf67b1791cd" providerId="LiveId" clId="{0CC41EC3-D5AE-4A4E-BCBF-91A1A4A8A767}" dt="2024-10-02T15:51:49.333" v="391" actId="16959"/>
           <ac:spMkLst>
             <pc:docMk/>
             <pc:sldMk cId="3536482602" sldId="256"/>
@@ -1337,7 +1336,7 @@
           </ac:spMkLst>
         </pc:spChg>
         <pc:spChg chg="mod topLvl">
-          <ac:chgData name="Bo Tang" userId="332dbdf67b1791cd" providerId="LiveId" clId="{0CC41EC3-D5AE-4A4E-BCBF-91A1A4A8A767}" dt="2024-09-29T22:10:40.436" v="260" actId="164"/>
+          <ac:chgData name="Bo Tang" userId="332dbdf67b1791cd" providerId="LiveId" clId="{0CC41EC3-D5AE-4A4E-BCBF-91A1A4A8A767}" dt="2024-10-02T15:51:49.333" v="391" actId="16959"/>
           <ac:spMkLst>
             <pc:docMk/>
             <pc:sldMk cId="3536482602" sldId="256"/>
@@ -1345,7 +1344,7 @@
           </ac:spMkLst>
         </pc:spChg>
         <pc:spChg chg="mod topLvl">
-          <ac:chgData name="Bo Tang" userId="332dbdf67b1791cd" providerId="LiveId" clId="{0CC41EC3-D5AE-4A4E-BCBF-91A1A4A8A767}" dt="2024-09-29T22:10:40.436" v="260" actId="164"/>
+          <ac:chgData name="Bo Tang" userId="332dbdf67b1791cd" providerId="LiveId" clId="{0CC41EC3-D5AE-4A4E-BCBF-91A1A4A8A767}" dt="2024-10-02T15:51:49.333" v="391" actId="16959"/>
           <ac:spMkLst>
             <pc:docMk/>
             <pc:sldMk cId="3536482602" sldId="256"/>
@@ -1369,7 +1368,7 @@
           </ac:grpSpMkLst>
         </pc:grpChg>
         <pc:grpChg chg="add mod">
-          <ac:chgData name="Bo Tang" userId="332dbdf67b1791cd" providerId="LiveId" clId="{0CC41EC3-D5AE-4A4E-BCBF-91A1A4A8A767}" dt="2024-09-29T22:10:40.436" v="260" actId="164"/>
+          <ac:chgData name="Bo Tang" userId="332dbdf67b1791cd" providerId="LiveId" clId="{0CC41EC3-D5AE-4A4E-BCBF-91A1A4A8A767}" dt="2024-10-02T15:51:49.333" v="391" actId="16959"/>
           <ac:grpSpMkLst>
             <pc:docMk/>
             <pc:sldMk cId="3536482602" sldId="256"/>
@@ -1377,7 +1376,7 @@
           </ac:grpSpMkLst>
         </pc:grpChg>
         <pc:grpChg chg="mod topLvl">
-          <ac:chgData name="Bo Tang" userId="332dbdf67b1791cd" providerId="LiveId" clId="{0CC41EC3-D5AE-4A4E-BCBF-91A1A4A8A767}" dt="2024-09-29T22:10:40.436" v="260" actId="164"/>
+          <ac:chgData name="Bo Tang" userId="332dbdf67b1791cd" providerId="LiveId" clId="{0CC41EC3-D5AE-4A4E-BCBF-91A1A4A8A767}" dt="2024-10-02T15:51:49.333" v="391" actId="16959"/>
           <ac:grpSpMkLst>
             <pc:docMk/>
             <pc:sldMk cId="3536482602" sldId="256"/>
@@ -1385,7 +1384,7 @@
           </ac:grpSpMkLst>
         </pc:grpChg>
         <pc:grpChg chg="add mod">
-          <ac:chgData name="Bo Tang" userId="332dbdf67b1791cd" providerId="LiveId" clId="{0CC41EC3-D5AE-4A4E-BCBF-91A1A4A8A767}" dt="2024-09-29T21:56:55.935" v="254" actId="165"/>
+          <ac:chgData name="Bo Tang" userId="332dbdf67b1791cd" providerId="LiveId" clId="{0CC41EC3-D5AE-4A4E-BCBF-91A1A4A8A767}" dt="2024-10-02T15:51:49.333" v="391" actId="16959"/>
           <ac:grpSpMkLst>
             <pc:docMk/>
             <pc:sldMk cId="3536482602" sldId="256"/>
@@ -1393,7 +1392,7 @@
           </ac:grpSpMkLst>
         </pc:grpChg>
         <pc:grpChg chg="add mod topLvl">
-          <ac:chgData name="Bo Tang" userId="332dbdf67b1791cd" providerId="LiveId" clId="{0CC41EC3-D5AE-4A4E-BCBF-91A1A4A8A767}" dt="2024-09-29T22:10:40.436" v="260" actId="164"/>
+          <ac:chgData name="Bo Tang" userId="332dbdf67b1791cd" providerId="LiveId" clId="{0CC41EC3-D5AE-4A4E-BCBF-91A1A4A8A767}" dt="2024-10-02T15:51:49.333" v="391" actId="16959"/>
           <ac:grpSpMkLst>
             <pc:docMk/>
             <pc:sldMk cId="3536482602" sldId="256"/>
@@ -1409,7 +1408,7 @@
           </ac:grpSpMkLst>
         </pc:grpChg>
         <pc:grpChg chg="add mod">
-          <ac:chgData name="Bo Tang" userId="332dbdf67b1791cd" providerId="LiveId" clId="{0CC41EC3-D5AE-4A4E-BCBF-91A1A4A8A767}" dt="2024-09-29T22:10:45.588" v="278" actId="1036"/>
+          <ac:chgData name="Bo Tang" userId="332dbdf67b1791cd" providerId="LiveId" clId="{0CC41EC3-D5AE-4A4E-BCBF-91A1A4A8A767}" dt="2024-10-02T15:51:49.333" v="391" actId="16959"/>
           <ac:grpSpMkLst>
             <pc:docMk/>
             <pc:sldMk cId="3536482602" sldId="256"/>
@@ -1417,7 +1416,7 @@
           </ac:grpSpMkLst>
         </pc:grpChg>
         <pc:grpChg chg="mod">
-          <ac:chgData name="Bo Tang" userId="332dbdf67b1791cd" providerId="LiveId" clId="{0CC41EC3-D5AE-4A4E-BCBF-91A1A4A8A767}" dt="2024-09-29T21:56:55.935" v="254" actId="165"/>
+          <ac:chgData name="Bo Tang" userId="332dbdf67b1791cd" providerId="LiveId" clId="{0CC41EC3-D5AE-4A4E-BCBF-91A1A4A8A767}" dt="2024-10-02T15:51:49.333" v="391" actId="16959"/>
           <ac:grpSpMkLst>
             <pc:docMk/>
             <pc:sldMk cId="3536482602" sldId="256"/>
@@ -1425,7 +1424,7 @@
           </ac:grpSpMkLst>
         </pc:grpChg>
         <pc:grpChg chg="mod">
-          <ac:chgData name="Bo Tang" userId="332dbdf67b1791cd" providerId="LiveId" clId="{0CC41EC3-D5AE-4A4E-BCBF-91A1A4A8A767}" dt="2024-09-29T21:56:55.935" v="254" actId="165"/>
+          <ac:chgData name="Bo Tang" userId="332dbdf67b1791cd" providerId="LiveId" clId="{0CC41EC3-D5AE-4A4E-BCBF-91A1A4A8A767}" dt="2024-10-02T15:51:49.333" v="391" actId="16959"/>
           <ac:grpSpMkLst>
             <pc:docMk/>
             <pc:sldMk cId="3536482602" sldId="256"/>
@@ -1433,7 +1432,7 @@
           </ac:grpSpMkLst>
         </pc:grpChg>
         <pc:grpChg chg="mod topLvl">
-          <ac:chgData name="Bo Tang" userId="332dbdf67b1791cd" providerId="LiveId" clId="{0CC41EC3-D5AE-4A4E-BCBF-91A1A4A8A767}" dt="2024-09-29T22:10:40.436" v="260" actId="164"/>
+          <ac:chgData name="Bo Tang" userId="332dbdf67b1791cd" providerId="LiveId" clId="{0CC41EC3-D5AE-4A4E-BCBF-91A1A4A8A767}" dt="2024-10-02T15:51:49.333" v="391" actId="16959"/>
           <ac:grpSpMkLst>
             <pc:docMk/>
             <pc:sldMk cId="3536482602" sldId="256"/>
@@ -1441,7 +1440,7 @@
           </ac:grpSpMkLst>
         </pc:grpChg>
         <pc:grpChg chg="mod">
-          <ac:chgData name="Bo Tang" userId="332dbdf67b1791cd" providerId="LiveId" clId="{0CC41EC3-D5AE-4A4E-BCBF-91A1A4A8A767}" dt="2024-09-29T21:56:55.935" v="254" actId="165"/>
+          <ac:chgData name="Bo Tang" userId="332dbdf67b1791cd" providerId="LiveId" clId="{0CC41EC3-D5AE-4A4E-BCBF-91A1A4A8A767}" dt="2024-10-02T15:51:49.333" v="391" actId="16959"/>
           <ac:grpSpMkLst>
             <pc:docMk/>
             <pc:sldMk cId="3536482602" sldId="256"/>
@@ -1457,7 +1456,7 @@
           </ac:grpSpMkLst>
         </pc:grpChg>
         <pc:grpChg chg="mod">
-          <ac:chgData name="Bo Tang" userId="332dbdf67b1791cd" providerId="LiveId" clId="{0CC41EC3-D5AE-4A4E-BCBF-91A1A4A8A767}" dt="2024-09-29T21:56:55.935" v="254" actId="165"/>
+          <ac:chgData name="Bo Tang" userId="332dbdf67b1791cd" providerId="LiveId" clId="{0CC41EC3-D5AE-4A4E-BCBF-91A1A4A8A767}" dt="2024-10-02T15:51:49.333" v="391" actId="16959"/>
           <ac:grpSpMkLst>
             <pc:docMk/>
             <pc:sldMk cId="3536482602" sldId="256"/>
@@ -1465,7 +1464,7 @@
           </ac:grpSpMkLst>
         </pc:grpChg>
         <pc:grpChg chg="mod topLvl">
-          <ac:chgData name="Bo Tang" userId="332dbdf67b1791cd" providerId="LiveId" clId="{0CC41EC3-D5AE-4A4E-BCBF-91A1A4A8A767}" dt="2024-09-29T22:10:40.436" v="260" actId="164"/>
+          <ac:chgData name="Bo Tang" userId="332dbdf67b1791cd" providerId="LiveId" clId="{0CC41EC3-D5AE-4A4E-BCBF-91A1A4A8A767}" dt="2024-10-02T15:51:49.333" v="391" actId="16959"/>
           <ac:grpSpMkLst>
             <pc:docMk/>
             <pc:sldMk cId="3536482602" sldId="256"/>
@@ -1473,7 +1472,7 @@
           </ac:grpSpMkLst>
         </pc:grpChg>
         <pc:grpChg chg="mod topLvl">
-          <ac:chgData name="Bo Tang" userId="332dbdf67b1791cd" providerId="LiveId" clId="{0CC41EC3-D5AE-4A4E-BCBF-91A1A4A8A767}" dt="2024-09-29T22:10:40.436" v="260" actId="164"/>
+          <ac:chgData name="Bo Tang" userId="332dbdf67b1791cd" providerId="LiveId" clId="{0CC41EC3-D5AE-4A4E-BCBF-91A1A4A8A767}" dt="2024-10-02T15:51:49.333" v="391" actId="16959"/>
           <ac:grpSpMkLst>
             <pc:docMk/>
             <pc:sldMk cId="3536482602" sldId="256"/>
@@ -1481,7 +1480,7 @@
           </ac:grpSpMkLst>
         </pc:grpChg>
         <pc:grpChg chg="mod topLvl">
-          <ac:chgData name="Bo Tang" userId="332dbdf67b1791cd" providerId="LiveId" clId="{0CC41EC3-D5AE-4A4E-BCBF-91A1A4A8A767}" dt="2024-09-29T22:10:40.436" v="260" actId="164"/>
+          <ac:chgData name="Bo Tang" userId="332dbdf67b1791cd" providerId="LiveId" clId="{0CC41EC3-D5AE-4A4E-BCBF-91A1A4A8A767}" dt="2024-10-02T15:51:49.333" v="391" actId="16959"/>
           <ac:grpSpMkLst>
             <pc:docMk/>
             <pc:sldMk cId="3536482602" sldId="256"/>
@@ -1489,7 +1488,7 @@
           </ac:grpSpMkLst>
         </pc:grpChg>
         <pc:cxnChg chg="add mod">
-          <ac:chgData name="Bo Tang" userId="332dbdf67b1791cd" providerId="LiveId" clId="{0CC41EC3-D5AE-4A4E-BCBF-91A1A4A8A767}" dt="2024-09-29T22:09:58.168" v="258" actId="164"/>
+          <ac:chgData name="Bo Tang" userId="332dbdf67b1791cd" providerId="LiveId" clId="{0CC41EC3-D5AE-4A4E-BCBF-91A1A4A8A767}" dt="2024-10-02T15:51:49.333" v="391" actId="16959"/>
           <ac:cxnSpMkLst>
             <pc:docMk/>
             <pc:sldMk cId="3536482602" sldId="256"/>
@@ -1497,7 +1496,7 @@
           </ac:cxnSpMkLst>
         </pc:cxnChg>
         <pc:cxnChg chg="mod">
-          <ac:chgData name="Bo Tang" userId="332dbdf67b1791cd" providerId="LiveId" clId="{0CC41EC3-D5AE-4A4E-BCBF-91A1A4A8A767}" dt="2024-09-29T21:56:55.935" v="254" actId="165"/>
+          <ac:chgData name="Bo Tang" userId="332dbdf67b1791cd" providerId="LiveId" clId="{0CC41EC3-D5AE-4A4E-BCBF-91A1A4A8A767}" dt="2024-10-02T15:51:49.333" v="391" actId="16959"/>
           <ac:cxnSpMkLst>
             <pc:docMk/>
             <pc:sldMk cId="3536482602" sldId="256"/>
@@ -1505,7 +1504,7 @@
           </ac:cxnSpMkLst>
         </pc:cxnChg>
         <pc:cxnChg chg="mod">
-          <ac:chgData name="Bo Tang" userId="332dbdf67b1791cd" providerId="LiveId" clId="{0CC41EC3-D5AE-4A4E-BCBF-91A1A4A8A767}" dt="2024-09-29T21:56:55.935" v="254" actId="165"/>
+          <ac:chgData name="Bo Tang" userId="332dbdf67b1791cd" providerId="LiveId" clId="{0CC41EC3-D5AE-4A4E-BCBF-91A1A4A8A767}" dt="2024-10-02T15:51:49.333" v="391" actId="16959"/>
           <ac:cxnSpMkLst>
             <pc:docMk/>
             <pc:sldMk cId="3536482602" sldId="256"/>
@@ -1513,7 +1512,7 @@
           </ac:cxnSpMkLst>
         </pc:cxnChg>
         <pc:cxnChg chg="mod">
-          <ac:chgData name="Bo Tang" userId="332dbdf67b1791cd" providerId="LiveId" clId="{0CC41EC3-D5AE-4A4E-BCBF-91A1A4A8A767}" dt="2024-09-29T21:56:55.935" v="254" actId="165"/>
+          <ac:chgData name="Bo Tang" userId="332dbdf67b1791cd" providerId="LiveId" clId="{0CC41EC3-D5AE-4A4E-BCBF-91A1A4A8A767}" dt="2024-10-02T15:51:49.333" v="391" actId="16959"/>
           <ac:cxnSpMkLst>
             <pc:docMk/>
             <pc:sldMk cId="3536482602" sldId="256"/>
@@ -1521,7 +1520,7 @@
           </ac:cxnSpMkLst>
         </pc:cxnChg>
         <pc:cxnChg chg="mod">
-          <ac:chgData name="Bo Tang" userId="332dbdf67b1791cd" providerId="LiveId" clId="{0CC41EC3-D5AE-4A4E-BCBF-91A1A4A8A767}" dt="2024-09-29T21:56:55.935" v="254" actId="165"/>
+          <ac:chgData name="Bo Tang" userId="332dbdf67b1791cd" providerId="LiveId" clId="{0CC41EC3-D5AE-4A4E-BCBF-91A1A4A8A767}" dt="2024-10-02T15:51:49.333" v="391" actId="16959"/>
           <ac:cxnSpMkLst>
             <pc:docMk/>
             <pc:sldMk cId="3536482602" sldId="256"/>
@@ -1529,7 +1528,7 @@
           </ac:cxnSpMkLst>
         </pc:cxnChg>
         <pc:cxnChg chg="mod">
-          <ac:chgData name="Bo Tang" userId="332dbdf67b1791cd" providerId="LiveId" clId="{0CC41EC3-D5AE-4A4E-BCBF-91A1A4A8A767}" dt="2024-09-29T21:56:55.935" v="254" actId="165"/>
+          <ac:chgData name="Bo Tang" userId="332dbdf67b1791cd" providerId="LiveId" clId="{0CC41EC3-D5AE-4A4E-BCBF-91A1A4A8A767}" dt="2024-10-02T15:51:49.333" v="391" actId="16959"/>
           <ac:cxnSpMkLst>
             <pc:docMk/>
             <pc:sldMk cId="3536482602" sldId="256"/>
@@ -1537,7 +1536,7 @@
           </ac:cxnSpMkLst>
         </pc:cxnChg>
         <pc:cxnChg chg="mod">
-          <ac:chgData name="Bo Tang" userId="332dbdf67b1791cd" providerId="LiveId" clId="{0CC41EC3-D5AE-4A4E-BCBF-91A1A4A8A767}" dt="2024-09-29T21:56:55.935" v="254" actId="165"/>
+          <ac:chgData name="Bo Tang" userId="332dbdf67b1791cd" providerId="LiveId" clId="{0CC41EC3-D5AE-4A4E-BCBF-91A1A4A8A767}" dt="2024-10-02T15:51:49.333" v="391" actId="16959"/>
           <ac:cxnSpMkLst>
             <pc:docMk/>
             <pc:sldMk cId="3536482602" sldId="256"/>
@@ -1545,7 +1544,7 @@
           </ac:cxnSpMkLst>
         </pc:cxnChg>
         <pc:cxnChg chg="mod">
-          <ac:chgData name="Bo Tang" userId="332dbdf67b1791cd" providerId="LiveId" clId="{0CC41EC3-D5AE-4A4E-BCBF-91A1A4A8A767}" dt="2024-09-29T21:56:55.935" v="254" actId="165"/>
+          <ac:chgData name="Bo Tang" userId="332dbdf67b1791cd" providerId="LiveId" clId="{0CC41EC3-D5AE-4A4E-BCBF-91A1A4A8A767}" dt="2024-10-02T15:51:49.333" v="391" actId="16959"/>
           <ac:cxnSpMkLst>
             <pc:docMk/>
             <pc:sldMk cId="3536482602" sldId="256"/>
@@ -1553,7 +1552,7 @@
           </ac:cxnSpMkLst>
         </pc:cxnChg>
         <pc:cxnChg chg="mod">
-          <ac:chgData name="Bo Tang" userId="332dbdf67b1791cd" providerId="LiveId" clId="{0CC41EC3-D5AE-4A4E-BCBF-91A1A4A8A767}" dt="2024-09-29T21:56:55.935" v="254" actId="165"/>
+          <ac:chgData name="Bo Tang" userId="332dbdf67b1791cd" providerId="LiveId" clId="{0CC41EC3-D5AE-4A4E-BCBF-91A1A4A8A767}" dt="2024-10-02T15:51:49.333" v="391" actId="16959"/>
           <ac:cxnSpMkLst>
             <pc:docMk/>
             <pc:sldMk cId="3536482602" sldId="256"/>
@@ -1561,7 +1560,7 @@
           </ac:cxnSpMkLst>
         </pc:cxnChg>
         <pc:cxnChg chg="mod">
-          <ac:chgData name="Bo Tang" userId="332dbdf67b1791cd" providerId="LiveId" clId="{0CC41EC3-D5AE-4A4E-BCBF-91A1A4A8A767}" dt="2024-09-29T21:56:55.935" v="254" actId="165"/>
+          <ac:chgData name="Bo Tang" userId="332dbdf67b1791cd" providerId="LiveId" clId="{0CC41EC3-D5AE-4A4E-BCBF-91A1A4A8A767}" dt="2024-10-02T15:51:49.333" v="391" actId="16959"/>
           <ac:cxnSpMkLst>
             <pc:docMk/>
             <pc:sldMk cId="3536482602" sldId="256"/>
@@ -1569,7 +1568,7 @@
           </ac:cxnSpMkLst>
         </pc:cxnChg>
         <pc:cxnChg chg="mod">
-          <ac:chgData name="Bo Tang" userId="332dbdf67b1791cd" providerId="LiveId" clId="{0CC41EC3-D5AE-4A4E-BCBF-91A1A4A8A767}" dt="2024-09-29T21:56:55.935" v="254" actId="165"/>
+          <ac:chgData name="Bo Tang" userId="332dbdf67b1791cd" providerId="LiveId" clId="{0CC41EC3-D5AE-4A4E-BCBF-91A1A4A8A767}" dt="2024-10-02T15:51:49.333" v="391" actId="16959"/>
           <ac:cxnSpMkLst>
             <pc:docMk/>
             <pc:sldMk cId="3536482602" sldId="256"/>
@@ -1577,7 +1576,7 @@
           </ac:cxnSpMkLst>
         </pc:cxnChg>
         <pc:cxnChg chg="mod">
-          <ac:chgData name="Bo Tang" userId="332dbdf67b1791cd" providerId="LiveId" clId="{0CC41EC3-D5AE-4A4E-BCBF-91A1A4A8A767}" dt="2024-09-29T21:56:55.935" v="254" actId="165"/>
+          <ac:chgData name="Bo Tang" userId="332dbdf67b1791cd" providerId="LiveId" clId="{0CC41EC3-D5AE-4A4E-BCBF-91A1A4A8A767}" dt="2024-10-02T15:51:49.333" v="391" actId="16959"/>
           <ac:cxnSpMkLst>
             <pc:docMk/>
             <pc:sldMk cId="3536482602" sldId="256"/>
@@ -1585,7 +1584,7 @@
           </ac:cxnSpMkLst>
         </pc:cxnChg>
         <pc:cxnChg chg="mod">
-          <ac:chgData name="Bo Tang" userId="332dbdf67b1791cd" providerId="LiveId" clId="{0CC41EC3-D5AE-4A4E-BCBF-91A1A4A8A767}" dt="2024-09-29T21:56:55.935" v="254" actId="165"/>
+          <ac:chgData name="Bo Tang" userId="332dbdf67b1791cd" providerId="LiveId" clId="{0CC41EC3-D5AE-4A4E-BCBF-91A1A4A8A767}" dt="2024-10-02T15:51:49.333" v="391" actId="16959"/>
           <ac:cxnSpMkLst>
             <pc:docMk/>
             <pc:sldMk cId="3536482602" sldId="256"/>
@@ -1593,7 +1592,7 @@
           </ac:cxnSpMkLst>
         </pc:cxnChg>
         <pc:cxnChg chg="mod">
-          <ac:chgData name="Bo Tang" userId="332dbdf67b1791cd" providerId="LiveId" clId="{0CC41EC3-D5AE-4A4E-BCBF-91A1A4A8A767}" dt="2024-09-29T21:56:55.935" v="254" actId="165"/>
+          <ac:chgData name="Bo Tang" userId="332dbdf67b1791cd" providerId="LiveId" clId="{0CC41EC3-D5AE-4A4E-BCBF-91A1A4A8A767}" dt="2024-10-02T15:51:49.333" v="391" actId="16959"/>
           <ac:cxnSpMkLst>
             <pc:docMk/>
             <pc:sldMk cId="3536482602" sldId="256"/>
@@ -1601,7 +1600,7 @@
           </ac:cxnSpMkLst>
         </pc:cxnChg>
         <pc:cxnChg chg="mod">
-          <ac:chgData name="Bo Tang" userId="332dbdf67b1791cd" providerId="LiveId" clId="{0CC41EC3-D5AE-4A4E-BCBF-91A1A4A8A767}" dt="2024-09-29T21:56:55.935" v="254" actId="165"/>
+          <ac:chgData name="Bo Tang" userId="332dbdf67b1791cd" providerId="LiveId" clId="{0CC41EC3-D5AE-4A4E-BCBF-91A1A4A8A767}" dt="2024-10-02T15:51:49.333" v="391" actId="16959"/>
           <ac:cxnSpMkLst>
             <pc:docMk/>
             <pc:sldMk cId="3536482602" sldId="256"/>
@@ -1609,7 +1608,7 @@
           </ac:cxnSpMkLst>
         </pc:cxnChg>
         <pc:cxnChg chg="mod">
-          <ac:chgData name="Bo Tang" userId="332dbdf67b1791cd" providerId="LiveId" clId="{0CC41EC3-D5AE-4A4E-BCBF-91A1A4A8A767}" dt="2024-09-29T21:56:55.935" v="254" actId="165"/>
+          <ac:chgData name="Bo Tang" userId="332dbdf67b1791cd" providerId="LiveId" clId="{0CC41EC3-D5AE-4A4E-BCBF-91A1A4A8A767}" dt="2024-10-02T15:51:49.333" v="391" actId="16959"/>
           <ac:cxnSpMkLst>
             <pc:docMk/>
             <pc:sldMk cId="3536482602" sldId="256"/>
@@ -1617,7 +1616,7 @@
           </ac:cxnSpMkLst>
         </pc:cxnChg>
         <pc:cxnChg chg="mod topLvl">
-          <ac:chgData name="Bo Tang" userId="332dbdf67b1791cd" providerId="LiveId" clId="{0CC41EC3-D5AE-4A4E-BCBF-91A1A4A8A767}" dt="2024-09-29T21:56:55.935" v="254" actId="165"/>
+          <ac:chgData name="Bo Tang" userId="332dbdf67b1791cd" providerId="LiveId" clId="{0CC41EC3-D5AE-4A4E-BCBF-91A1A4A8A767}" dt="2024-10-02T15:51:49.333" v="391" actId="16959"/>
           <ac:cxnSpMkLst>
             <pc:docMk/>
             <pc:sldMk cId="3536482602" sldId="256"/>
@@ -1625,7 +1624,7 @@
           </ac:cxnSpMkLst>
         </pc:cxnChg>
         <pc:cxnChg chg="mod topLvl">
-          <ac:chgData name="Bo Tang" userId="332dbdf67b1791cd" providerId="LiveId" clId="{0CC41EC3-D5AE-4A4E-BCBF-91A1A4A8A767}" dt="2024-09-29T21:56:55.935" v="254" actId="165"/>
+          <ac:chgData name="Bo Tang" userId="332dbdf67b1791cd" providerId="LiveId" clId="{0CC41EC3-D5AE-4A4E-BCBF-91A1A4A8A767}" dt="2024-10-02T15:51:49.333" v="391" actId="16959"/>
           <ac:cxnSpMkLst>
             <pc:docMk/>
             <pc:sldMk cId="3536482602" sldId="256"/>
@@ -1633,7 +1632,7 @@
           </ac:cxnSpMkLst>
         </pc:cxnChg>
         <pc:cxnChg chg="mod topLvl">
-          <ac:chgData name="Bo Tang" userId="332dbdf67b1791cd" providerId="LiveId" clId="{0CC41EC3-D5AE-4A4E-BCBF-91A1A4A8A767}" dt="2024-09-29T21:56:55.935" v="254" actId="165"/>
+          <ac:chgData name="Bo Tang" userId="332dbdf67b1791cd" providerId="LiveId" clId="{0CC41EC3-D5AE-4A4E-BCBF-91A1A4A8A767}" dt="2024-10-02T15:51:49.333" v="391" actId="16959"/>
           <ac:cxnSpMkLst>
             <pc:docMk/>
             <pc:sldMk cId="3536482602" sldId="256"/>
@@ -1641,7 +1640,7 @@
           </ac:cxnSpMkLst>
         </pc:cxnChg>
         <pc:cxnChg chg="mod topLvl">
-          <ac:chgData name="Bo Tang" userId="332dbdf67b1791cd" providerId="LiveId" clId="{0CC41EC3-D5AE-4A4E-BCBF-91A1A4A8A767}" dt="2024-09-29T21:56:55.935" v="254" actId="165"/>
+          <ac:chgData name="Bo Tang" userId="332dbdf67b1791cd" providerId="LiveId" clId="{0CC41EC3-D5AE-4A4E-BCBF-91A1A4A8A767}" dt="2024-10-02T15:51:49.333" v="391" actId="16959"/>
           <ac:cxnSpMkLst>
             <pc:docMk/>
             <pc:sldMk cId="3536482602" sldId="256"/>
@@ -1649,7 +1648,7 @@
           </ac:cxnSpMkLst>
         </pc:cxnChg>
         <pc:cxnChg chg="mod topLvl">
-          <ac:chgData name="Bo Tang" userId="332dbdf67b1791cd" providerId="LiveId" clId="{0CC41EC3-D5AE-4A4E-BCBF-91A1A4A8A767}" dt="2024-09-29T21:56:55.935" v="254" actId="165"/>
+          <ac:chgData name="Bo Tang" userId="332dbdf67b1791cd" providerId="LiveId" clId="{0CC41EC3-D5AE-4A4E-BCBF-91A1A4A8A767}" dt="2024-10-02T15:51:49.333" v="391" actId="16959"/>
           <ac:cxnSpMkLst>
             <pc:docMk/>
             <pc:sldMk cId="3536482602" sldId="256"/>
@@ -1657,7 +1656,7 @@
           </ac:cxnSpMkLst>
         </pc:cxnChg>
         <pc:cxnChg chg="mod">
-          <ac:chgData name="Bo Tang" userId="332dbdf67b1791cd" providerId="LiveId" clId="{0CC41EC3-D5AE-4A4E-BCBF-91A1A4A8A767}" dt="2024-09-29T21:56:55.935" v="254" actId="165"/>
+          <ac:chgData name="Bo Tang" userId="332dbdf67b1791cd" providerId="LiveId" clId="{0CC41EC3-D5AE-4A4E-BCBF-91A1A4A8A767}" dt="2024-10-02T15:51:49.333" v="391" actId="16959"/>
           <ac:cxnSpMkLst>
             <pc:docMk/>
             <pc:sldMk cId="3536482602" sldId="256"/>
@@ -1665,7 +1664,7 @@
           </ac:cxnSpMkLst>
         </pc:cxnChg>
         <pc:cxnChg chg="mod">
-          <ac:chgData name="Bo Tang" userId="332dbdf67b1791cd" providerId="LiveId" clId="{0CC41EC3-D5AE-4A4E-BCBF-91A1A4A8A767}" dt="2024-09-29T21:56:55.935" v="254" actId="165"/>
+          <ac:chgData name="Bo Tang" userId="332dbdf67b1791cd" providerId="LiveId" clId="{0CC41EC3-D5AE-4A4E-BCBF-91A1A4A8A767}" dt="2024-10-02T15:51:49.333" v="391" actId="16959"/>
           <ac:cxnSpMkLst>
             <pc:docMk/>
             <pc:sldMk cId="3536482602" sldId="256"/>
@@ -1673,7 +1672,7 @@
           </ac:cxnSpMkLst>
         </pc:cxnChg>
         <pc:cxnChg chg="mod topLvl">
-          <ac:chgData name="Bo Tang" userId="332dbdf67b1791cd" providerId="LiveId" clId="{0CC41EC3-D5AE-4A4E-BCBF-91A1A4A8A767}" dt="2024-09-29T22:10:40.436" v="260" actId="164"/>
+          <ac:chgData name="Bo Tang" userId="332dbdf67b1791cd" providerId="LiveId" clId="{0CC41EC3-D5AE-4A4E-BCBF-91A1A4A8A767}" dt="2024-10-02T15:51:49.333" v="391" actId="16959"/>
           <ac:cxnSpMkLst>
             <pc:docMk/>
             <pc:sldMk cId="3536482602" sldId="256"/>
@@ -1681,7 +1680,7 @@
           </ac:cxnSpMkLst>
         </pc:cxnChg>
         <pc:cxnChg chg="mod">
-          <ac:chgData name="Bo Tang" userId="332dbdf67b1791cd" providerId="LiveId" clId="{0CC41EC3-D5AE-4A4E-BCBF-91A1A4A8A767}" dt="2024-09-29T21:56:55.935" v="254" actId="165"/>
+          <ac:chgData name="Bo Tang" userId="332dbdf67b1791cd" providerId="LiveId" clId="{0CC41EC3-D5AE-4A4E-BCBF-91A1A4A8A767}" dt="2024-10-02T15:51:49.333" v="391" actId="16959"/>
           <ac:cxnSpMkLst>
             <pc:docMk/>
             <pc:sldMk cId="3536482602" sldId="256"/>
@@ -1689,7 +1688,7 @@
           </ac:cxnSpMkLst>
         </pc:cxnChg>
         <pc:cxnChg chg="mod">
-          <ac:chgData name="Bo Tang" userId="332dbdf67b1791cd" providerId="LiveId" clId="{0CC41EC3-D5AE-4A4E-BCBF-91A1A4A8A767}" dt="2024-09-29T21:56:55.935" v="254" actId="165"/>
+          <ac:chgData name="Bo Tang" userId="332dbdf67b1791cd" providerId="LiveId" clId="{0CC41EC3-D5AE-4A4E-BCBF-91A1A4A8A767}" dt="2024-10-02T15:51:49.333" v="391" actId="16959"/>
           <ac:cxnSpMkLst>
             <pc:docMk/>
             <pc:sldMk cId="3536482602" sldId="256"/>
@@ -1697,7 +1696,7 @@
           </ac:cxnSpMkLst>
         </pc:cxnChg>
         <pc:cxnChg chg="mod">
-          <ac:chgData name="Bo Tang" userId="332dbdf67b1791cd" providerId="LiveId" clId="{0CC41EC3-D5AE-4A4E-BCBF-91A1A4A8A767}" dt="2024-09-29T21:56:55.935" v="254" actId="165"/>
+          <ac:chgData name="Bo Tang" userId="332dbdf67b1791cd" providerId="LiveId" clId="{0CC41EC3-D5AE-4A4E-BCBF-91A1A4A8A767}" dt="2024-10-02T15:51:49.333" v="391" actId="16959"/>
           <ac:cxnSpMkLst>
             <pc:docMk/>
             <pc:sldMk cId="3536482602" sldId="256"/>
@@ -1705,7 +1704,7 @@
           </ac:cxnSpMkLst>
         </pc:cxnChg>
         <pc:cxnChg chg="mod">
-          <ac:chgData name="Bo Tang" userId="332dbdf67b1791cd" providerId="LiveId" clId="{0CC41EC3-D5AE-4A4E-BCBF-91A1A4A8A767}" dt="2024-09-29T21:56:55.935" v="254" actId="165"/>
+          <ac:chgData name="Bo Tang" userId="332dbdf67b1791cd" providerId="LiveId" clId="{0CC41EC3-D5AE-4A4E-BCBF-91A1A4A8A767}" dt="2024-10-02T15:51:49.333" v="391" actId="16959"/>
           <ac:cxnSpMkLst>
             <pc:docMk/>
             <pc:sldMk cId="3536482602" sldId="256"/>
@@ -1713,8 +1712,8 @@
           </ac:cxnSpMkLst>
         </pc:cxnChg>
       </pc:sldChg>
-      <pc:sldChg chg="delSp modSp add">
-        <pc:chgData name="Bo Tang" userId="332dbdf67b1791cd" providerId="LiveId" clId="{0CC41EC3-D5AE-4A4E-BCBF-91A1A4A8A767}" dt="2024-10-01T05:28:18.177" v="280" actId="165"/>
+      <pc:sldChg chg="delSp modSp add del">
+        <pc:chgData name="Bo Tang" userId="332dbdf67b1791cd" providerId="LiveId" clId="{0CC41EC3-D5AE-4A4E-BCBF-91A1A4A8A767}" dt="2024-10-02T02:07:01.298" v="321" actId="47"/>
         <pc:sldMkLst>
           <pc:docMk/>
           <pc:sldMk cId="3802764899" sldId="257"/>
@@ -2772,8 +2771,8 @@
         </p:nvSpPr>
         <p:spPr>
           <a:xfrm>
-            <a:off x="1371600" y="419068"/>
-            <a:ext cx="8229600" cy="891481"/>
+            <a:off x="1405930" y="419068"/>
+            <a:ext cx="8435579" cy="891481"/>
           </a:xfrm>
         </p:spPr>
         <p:txBody>
@@ -2804,8 +2803,8 @@
         </p:nvSpPr>
         <p:spPr>
           <a:xfrm>
-            <a:off x="1371600" y="1344928"/>
-            <a:ext cx="8229600" cy="618228"/>
+            <a:off x="1405930" y="1344928"/>
+            <a:ext cx="8435579" cy="618228"/>
           </a:xfrm>
         </p:spPr>
         <p:txBody>
@@ -2874,7 +2873,7 @@
           <a:p>
             <a:fld id="{6E64BD1D-3336-47FF-9B2A-AE464FC3A9D4}" type="datetimeFigureOut">
               <a:rPr lang="en-US" smtClean="0"/>
-              <a:t>2024-10-01</a:t>
+              <a:t>2024-10-02</a:t>
             </a:fld>
             <a:endParaRPr lang="en-US"/>
           </a:p>
@@ -2925,7 +2924,7 @@
     </p:spTree>
     <p:extLst>
       <p:ext uri="{BB962C8B-B14F-4D97-AF65-F5344CB8AC3E}">
-        <p14:creationId xmlns:p14="http://schemas.microsoft.com/office/powerpoint/2010/main" val="3609461763"/>
+        <p14:creationId xmlns:p14="http://schemas.microsoft.com/office/powerpoint/2010/main" val="1351876267"/>
       </p:ext>
     </p:extLst>
   </p:cSld>
@@ -3044,7 +3043,7 @@
           <a:p>
             <a:fld id="{6E64BD1D-3336-47FF-9B2A-AE464FC3A9D4}" type="datetimeFigureOut">
               <a:rPr lang="en-US" smtClean="0"/>
-              <a:t>2024-10-01</a:t>
+              <a:t>2024-10-02</a:t>
             </a:fld>
             <a:endParaRPr lang="en-US"/>
           </a:p>
@@ -3095,7 +3094,7 @@
     </p:spTree>
     <p:extLst>
       <p:ext uri="{BB962C8B-B14F-4D97-AF65-F5344CB8AC3E}">
-        <p14:creationId xmlns:p14="http://schemas.microsoft.com/office/powerpoint/2010/main" val="3698061760"/>
+        <p14:creationId xmlns:p14="http://schemas.microsoft.com/office/powerpoint/2010/main" val="659426058"/>
       </p:ext>
     </p:extLst>
   </p:cSld>
@@ -3134,8 +3133,8 @@
         </p:nvSpPr>
         <p:spPr>
           <a:xfrm>
-            <a:off x="7852410" y="136330"/>
-            <a:ext cx="2366010" cy="2170022"/>
+            <a:off x="8048948" y="136330"/>
+            <a:ext cx="2425229" cy="2170022"/>
           </a:xfrm>
         </p:spPr>
         <p:txBody>
@@ -3162,8 +3161,8 @@
         </p:nvSpPr>
         <p:spPr>
           <a:xfrm>
-            <a:off x="754380" y="136330"/>
-            <a:ext cx="6960870" cy="2170022"/>
+            <a:off x="773262" y="136330"/>
+            <a:ext cx="7135093" cy="2170022"/>
           </a:xfrm>
         </p:spPr>
         <p:txBody>
@@ -3224,7 +3223,7 @@
           <a:p>
             <a:fld id="{6E64BD1D-3336-47FF-9B2A-AE464FC3A9D4}" type="datetimeFigureOut">
               <a:rPr lang="en-US" smtClean="0"/>
-              <a:t>2024-10-01</a:t>
+              <a:t>2024-10-02</a:t>
             </a:fld>
             <a:endParaRPr lang="en-US"/>
           </a:p>
@@ -3275,7 +3274,7 @@
     </p:spTree>
     <p:extLst>
       <p:ext uri="{BB962C8B-B14F-4D97-AF65-F5344CB8AC3E}">
-        <p14:creationId xmlns:p14="http://schemas.microsoft.com/office/powerpoint/2010/main" val="2978927672"/>
+        <p14:creationId xmlns:p14="http://schemas.microsoft.com/office/powerpoint/2010/main" val="272352918"/>
       </p:ext>
     </p:extLst>
   </p:cSld>
@@ -3394,7 +3393,7 @@
           <a:p>
             <a:fld id="{6E64BD1D-3336-47FF-9B2A-AE464FC3A9D4}" type="datetimeFigureOut">
               <a:rPr lang="en-US" smtClean="0"/>
-              <a:t>2024-10-01</a:t>
+              <a:t>2024-10-02</a:t>
             </a:fld>
             <a:endParaRPr lang="en-US"/>
           </a:p>
@@ -3445,7 +3444,7 @@
     </p:spTree>
     <p:extLst>
       <p:ext uri="{BB962C8B-B14F-4D97-AF65-F5344CB8AC3E}">
-        <p14:creationId xmlns:p14="http://schemas.microsoft.com/office/powerpoint/2010/main" val="756343522"/>
+        <p14:creationId xmlns:p14="http://schemas.microsoft.com/office/powerpoint/2010/main" val="3902775391"/>
       </p:ext>
     </p:extLst>
   </p:cSld>
@@ -3484,8 +3483,8 @@
         </p:nvSpPr>
         <p:spPr>
           <a:xfrm>
-            <a:off x="748665" y="638382"/>
-            <a:ext cx="9464040" cy="1065154"/>
+            <a:off x="767403" y="638382"/>
+            <a:ext cx="9700915" cy="1065154"/>
           </a:xfrm>
         </p:spPr>
         <p:txBody>
@@ -3516,8 +3515,8 @@
         </p:nvSpPr>
         <p:spPr>
           <a:xfrm>
-            <a:off x="748665" y="1713613"/>
-            <a:ext cx="9464040" cy="560139"/>
+            <a:off x="767403" y="1713613"/>
+            <a:ext cx="9700915" cy="560139"/>
           </a:xfrm>
         </p:spPr>
         <p:txBody>
@@ -3640,7 +3639,7 @@
           <a:p>
             <a:fld id="{6E64BD1D-3336-47FF-9B2A-AE464FC3A9D4}" type="datetimeFigureOut">
               <a:rPr lang="en-US" smtClean="0"/>
-              <a:t>2024-10-01</a:t>
+              <a:t>2024-10-02</a:t>
             </a:fld>
             <a:endParaRPr lang="en-US"/>
           </a:p>
@@ -3691,7 +3690,7 @@
     </p:spTree>
     <p:extLst>
       <p:ext uri="{BB962C8B-B14F-4D97-AF65-F5344CB8AC3E}">
-        <p14:creationId xmlns:p14="http://schemas.microsoft.com/office/powerpoint/2010/main" val="213112037"/>
+        <p14:creationId xmlns:p14="http://schemas.microsoft.com/office/powerpoint/2010/main" val="4162802875"/>
       </p:ext>
     </p:extLst>
   </p:cSld>
@@ -3753,8 +3752,8 @@
         </p:nvSpPr>
         <p:spPr>
           <a:xfrm>
-            <a:off x="754380" y="681651"/>
-            <a:ext cx="4663440" cy="1624701"/>
+            <a:off x="773261" y="681651"/>
+            <a:ext cx="4780161" cy="1624701"/>
           </a:xfrm>
         </p:spPr>
         <p:txBody>
@@ -3810,8 +3809,8 @@
         </p:nvSpPr>
         <p:spPr>
           <a:xfrm>
-            <a:off x="5554980" y="681651"/>
-            <a:ext cx="4663440" cy="1624701"/>
+            <a:off x="5694016" y="681651"/>
+            <a:ext cx="4780161" cy="1624701"/>
           </a:xfrm>
         </p:spPr>
         <p:txBody>
@@ -3872,7 +3871,7 @@
           <a:p>
             <a:fld id="{6E64BD1D-3336-47FF-9B2A-AE464FC3A9D4}" type="datetimeFigureOut">
               <a:rPr lang="en-US" smtClean="0"/>
-              <a:t>2024-10-01</a:t>
+              <a:t>2024-10-02</a:t>
             </a:fld>
             <a:endParaRPr lang="en-US"/>
           </a:p>
@@ -3923,7 +3922,7 @@
     </p:spTree>
     <p:extLst>
       <p:ext uri="{BB962C8B-B14F-4D97-AF65-F5344CB8AC3E}">
-        <p14:creationId xmlns:p14="http://schemas.microsoft.com/office/powerpoint/2010/main" val="3526017265"/>
+        <p14:creationId xmlns:p14="http://schemas.microsoft.com/office/powerpoint/2010/main" val="4202783523"/>
       </p:ext>
     </p:extLst>
   </p:cSld>
@@ -3962,8 +3961,8 @@
         </p:nvSpPr>
         <p:spPr>
           <a:xfrm>
-            <a:off x="755809" y="136331"/>
-            <a:ext cx="9464040" cy="494938"/>
+            <a:off x="774726" y="136331"/>
+            <a:ext cx="9700915" cy="494938"/>
           </a:xfrm>
         </p:spPr>
         <p:txBody>
@@ -3990,8 +3989,8 @@
         </p:nvSpPr>
         <p:spPr>
           <a:xfrm>
-            <a:off x="755810" y="627712"/>
-            <a:ext cx="4642008" cy="307632"/>
+            <a:off x="774727" y="627712"/>
+            <a:ext cx="4758193" cy="307632"/>
           </a:xfrm>
         </p:spPr>
         <p:txBody>
@@ -4055,8 +4054,8 @@
         </p:nvSpPr>
         <p:spPr>
           <a:xfrm>
-            <a:off x="755810" y="935344"/>
-            <a:ext cx="4642008" cy="1375750"/>
+            <a:off x="774727" y="935344"/>
+            <a:ext cx="4758193" cy="1375750"/>
           </a:xfrm>
         </p:spPr>
         <p:txBody>
@@ -4112,8 +4111,8 @@
         </p:nvSpPr>
         <p:spPr>
           <a:xfrm>
-            <a:off x="5554980" y="627712"/>
-            <a:ext cx="4664869" cy="307632"/>
+            <a:off x="5694016" y="627712"/>
+            <a:ext cx="4781626" cy="307632"/>
           </a:xfrm>
         </p:spPr>
         <p:txBody>
@@ -4177,8 +4176,8 @@
         </p:nvSpPr>
         <p:spPr>
           <a:xfrm>
-            <a:off x="5554980" y="935344"/>
-            <a:ext cx="4664869" cy="1375750"/>
+            <a:off x="5694016" y="935344"/>
+            <a:ext cx="4781626" cy="1375750"/>
           </a:xfrm>
         </p:spPr>
         <p:txBody>
@@ -4239,7 +4238,7 @@
           <a:p>
             <a:fld id="{6E64BD1D-3336-47FF-9B2A-AE464FC3A9D4}" type="datetimeFigureOut">
               <a:rPr lang="en-US" smtClean="0"/>
-              <a:t>2024-10-01</a:t>
+              <a:t>2024-10-02</a:t>
             </a:fld>
             <a:endParaRPr lang="en-US"/>
           </a:p>
@@ -4290,7 +4289,7 @@
     </p:spTree>
     <p:extLst>
       <p:ext uri="{BB962C8B-B14F-4D97-AF65-F5344CB8AC3E}">
-        <p14:creationId xmlns:p14="http://schemas.microsoft.com/office/powerpoint/2010/main" val="1738263154"/>
+        <p14:creationId xmlns:p14="http://schemas.microsoft.com/office/powerpoint/2010/main" val="513060492"/>
       </p:ext>
     </p:extLst>
   </p:cSld>
@@ -4357,7 +4356,7 @@
           <a:p>
             <a:fld id="{6E64BD1D-3336-47FF-9B2A-AE464FC3A9D4}" type="datetimeFigureOut">
               <a:rPr lang="en-US" smtClean="0"/>
-              <a:t>2024-10-01</a:t>
+              <a:t>2024-10-02</a:t>
             </a:fld>
             <a:endParaRPr lang="en-US"/>
           </a:p>
@@ -4408,7 +4407,7 @@
     </p:spTree>
     <p:extLst>
       <p:ext uri="{BB962C8B-B14F-4D97-AF65-F5344CB8AC3E}">
-        <p14:creationId xmlns:p14="http://schemas.microsoft.com/office/powerpoint/2010/main" val="709672312"/>
+        <p14:creationId xmlns:p14="http://schemas.microsoft.com/office/powerpoint/2010/main" val="3124955527"/>
       </p:ext>
     </p:extLst>
   </p:cSld>
@@ -4452,7 +4451,7 @@
           <a:p>
             <a:fld id="{6E64BD1D-3336-47FF-9B2A-AE464FC3A9D4}" type="datetimeFigureOut">
               <a:rPr lang="en-US" smtClean="0"/>
-              <a:t>2024-10-01</a:t>
+              <a:t>2024-10-02</a:t>
             </a:fld>
             <a:endParaRPr lang="en-US"/>
           </a:p>
@@ -4503,7 +4502,7 @@
     </p:spTree>
     <p:extLst>
       <p:ext uri="{BB962C8B-B14F-4D97-AF65-F5344CB8AC3E}">
-        <p14:creationId xmlns:p14="http://schemas.microsoft.com/office/powerpoint/2010/main" val="2067599050"/>
+        <p14:creationId xmlns:p14="http://schemas.microsoft.com/office/powerpoint/2010/main" val="500794408"/>
       </p:ext>
     </p:extLst>
   </p:cSld>
@@ -4542,8 +4541,8 @@
         </p:nvSpPr>
         <p:spPr>
           <a:xfrm>
-            <a:off x="755810" y="170709"/>
-            <a:ext cx="3539013" cy="597482"/>
+            <a:off x="774727" y="170709"/>
+            <a:ext cx="3627591" cy="597482"/>
           </a:xfrm>
         </p:spPr>
         <p:txBody>
@@ -4574,8 +4573,8 @@
         </p:nvSpPr>
         <p:spPr>
           <a:xfrm>
-            <a:off x="4664869" y="368684"/>
-            <a:ext cx="5554980" cy="1819713"/>
+            <a:off x="4781626" y="368684"/>
+            <a:ext cx="5694015" cy="1819713"/>
           </a:xfrm>
         </p:spPr>
         <p:txBody>
@@ -4659,8 +4658,8 @@
         </p:nvSpPr>
         <p:spPr>
           <a:xfrm>
-            <a:off x="755810" y="768191"/>
-            <a:ext cx="3539013" cy="1423170"/>
+            <a:off x="774727" y="768191"/>
+            <a:ext cx="3627591" cy="1423170"/>
           </a:xfrm>
         </p:spPr>
         <p:txBody>
@@ -4729,7 +4728,7 @@
           <a:p>
             <a:fld id="{6E64BD1D-3336-47FF-9B2A-AE464FC3A9D4}" type="datetimeFigureOut">
               <a:rPr lang="en-US" smtClean="0"/>
-              <a:t>2024-10-01</a:t>
+              <a:t>2024-10-02</a:t>
             </a:fld>
             <a:endParaRPr lang="en-US"/>
           </a:p>
@@ -4780,7 +4779,7 @@
     </p:spTree>
     <p:extLst>
       <p:ext uri="{BB962C8B-B14F-4D97-AF65-F5344CB8AC3E}">
-        <p14:creationId xmlns:p14="http://schemas.microsoft.com/office/powerpoint/2010/main" val="2141829562"/>
+        <p14:creationId xmlns:p14="http://schemas.microsoft.com/office/powerpoint/2010/main" val="709426649"/>
       </p:ext>
     </p:extLst>
   </p:cSld>
@@ -4819,8 +4818,8 @@
         </p:nvSpPr>
         <p:spPr>
           <a:xfrm>
-            <a:off x="755810" y="170709"/>
-            <a:ext cx="3539013" cy="597482"/>
+            <a:off x="774727" y="170709"/>
+            <a:ext cx="3627591" cy="597482"/>
           </a:xfrm>
         </p:spPr>
         <p:txBody>
@@ -4851,8 +4850,8 @@
         </p:nvSpPr>
         <p:spPr>
           <a:xfrm>
-            <a:off x="4664869" y="368684"/>
-            <a:ext cx="5554980" cy="1819713"/>
+            <a:off x="4781626" y="368684"/>
+            <a:ext cx="5694015" cy="1819713"/>
           </a:xfrm>
         </p:spPr>
         <p:txBody>
@@ -4916,8 +4915,8 @@
         </p:nvSpPr>
         <p:spPr>
           <a:xfrm>
-            <a:off x="755810" y="768191"/>
-            <a:ext cx="3539013" cy="1423170"/>
+            <a:off x="774727" y="768191"/>
+            <a:ext cx="3627591" cy="1423170"/>
           </a:xfrm>
         </p:spPr>
         <p:txBody>
@@ -4986,7 +4985,7 @@
           <a:p>
             <a:fld id="{6E64BD1D-3336-47FF-9B2A-AE464FC3A9D4}" type="datetimeFigureOut">
               <a:rPr lang="en-US" smtClean="0"/>
-              <a:t>2024-10-01</a:t>
+              <a:t>2024-10-02</a:t>
             </a:fld>
             <a:endParaRPr lang="en-US"/>
           </a:p>
@@ -5037,7 +5036,7 @@
     </p:spTree>
     <p:extLst>
       <p:ext uri="{BB962C8B-B14F-4D97-AF65-F5344CB8AC3E}">
-        <p14:creationId xmlns:p14="http://schemas.microsoft.com/office/powerpoint/2010/main" val="2891330844"/>
+        <p14:creationId xmlns:p14="http://schemas.microsoft.com/office/powerpoint/2010/main" val="559251478"/>
       </p:ext>
     </p:extLst>
   </p:cSld>
@@ -5081,8 +5080,8 @@
         </p:nvSpPr>
         <p:spPr>
           <a:xfrm>
-            <a:off x="754380" y="136331"/>
-            <a:ext cx="9464040" cy="494938"/>
+            <a:off x="773262" y="136331"/>
+            <a:ext cx="9700915" cy="494938"/>
           </a:xfrm>
           <a:prstGeom prst="rect">
             <a:avLst/>
@@ -5114,8 +5113,8 @@
         </p:nvSpPr>
         <p:spPr>
           <a:xfrm>
-            <a:off x="754380" y="681651"/>
-            <a:ext cx="9464040" cy="1624701"/>
+            <a:off x="773262" y="681651"/>
+            <a:ext cx="9700915" cy="1624701"/>
           </a:xfrm>
           <a:prstGeom prst="rect">
             <a:avLst/>
@@ -5176,8 +5175,8 @@
         </p:nvSpPr>
         <p:spPr>
           <a:xfrm>
-            <a:off x="754380" y="2373332"/>
-            <a:ext cx="2468880" cy="136330"/>
+            <a:off x="773261" y="2373332"/>
+            <a:ext cx="2530674" cy="136330"/>
           </a:xfrm>
           <a:prstGeom prst="rect">
             <a:avLst/>
@@ -5199,7 +5198,7 @@
           <a:p>
             <a:fld id="{6E64BD1D-3336-47FF-9B2A-AE464FC3A9D4}" type="datetimeFigureOut">
               <a:rPr lang="en-US" smtClean="0"/>
-              <a:t>2024-10-01</a:t>
+              <a:t>2024-10-02</a:t>
             </a:fld>
             <a:endParaRPr lang="en-US"/>
           </a:p>
@@ -5217,8 +5216,8 @@
         </p:nvSpPr>
         <p:spPr>
           <a:xfrm>
-            <a:off x="3634740" y="2373332"/>
-            <a:ext cx="3703320" cy="136330"/>
+            <a:off x="3725714" y="2373332"/>
+            <a:ext cx="3796010" cy="136330"/>
           </a:xfrm>
           <a:prstGeom prst="rect">
             <a:avLst/>
@@ -5254,8 +5253,8 @@
         </p:nvSpPr>
         <p:spPr>
           <a:xfrm>
-            <a:off x="7749540" y="2373332"/>
-            <a:ext cx="2468880" cy="136330"/>
+            <a:off x="7943503" y="2373332"/>
+            <a:ext cx="2530674" cy="136330"/>
           </a:xfrm>
           <a:prstGeom prst="rect">
             <a:avLst/>
@@ -5286,23 +5285,23 @@
     </p:spTree>
     <p:extLst>
       <p:ext uri="{BB962C8B-B14F-4D97-AF65-F5344CB8AC3E}">
-        <p14:creationId xmlns:p14="http://schemas.microsoft.com/office/powerpoint/2010/main" val="1823944615"/>
+        <p14:creationId xmlns:p14="http://schemas.microsoft.com/office/powerpoint/2010/main" val="3852789205"/>
       </p:ext>
     </p:extLst>
   </p:cSld>
   <p:clrMap bg1="lt1" tx1="dk1" bg2="lt2" tx2="dk2" accent1="accent1" accent2="accent2" accent3="accent3" accent4="accent4" accent5="accent5" accent6="accent6" hlink="hlink" folHlink="folHlink"/>
   <p:sldLayoutIdLst>
-    <p:sldLayoutId id="2147483769" r:id="rId1"/>
-    <p:sldLayoutId id="2147483770" r:id="rId2"/>
-    <p:sldLayoutId id="2147483771" r:id="rId3"/>
-    <p:sldLayoutId id="2147483772" r:id="rId4"/>
-    <p:sldLayoutId id="2147483773" r:id="rId5"/>
-    <p:sldLayoutId id="2147483774" r:id="rId6"/>
-    <p:sldLayoutId id="2147483775" r:id="rId7"/>
-    <p:sldLayoutId id="2147483776" r:id="rId8"/>
-    <p:sldLayoutId id="2147483777" r:id="rId9"/>
-    <p:sldLayoutId id="2147483778" r:id="rId10"/>
-    <p:sldLayoutId id="2147483779" r:id="rId11"/>
+    <p:sldLayoutId id="2147483793" r:id="rId1"/>
+    <p:sldLayoutId id="2147483794" r:id="rId2"/>
+    <p:sldLayoutId id="2147483795" r:id="rId3"/>
+    <p:sldLayoutId id="2147483796" r:id="rId4"/>
+    <p:sldLayoutId id="2147483797" r:id="rId5"/>
+    <p:sldLayoutId id="2147483798" r:id="rId6"/>
+    <p:sldLayoutId id="2147483799" r:id="rId7"/>
+    <p:sldLayoutId id="2147483800" r:id="rId8"/>
+    <p:sldLayoutId id="2147483801" r:id="rId9"/>
+    <p:sldLayoutId id="2147483802" r:id="rId10"/>
+    <p:sldLayoutId id="2147483803" r:id="rId11"/>
   </p:sldLayoutIdLst>
   <p:txStyles>
     <p:titleStyle>
@@ -5618,10 +5617,10 @@
         </p:nvGrpSpPr>
         <p:grpSpPr>
           <a:xfrm>
-            <a:off x="5" y="-6726"/>
-            <a:ext cx="11356829" cy="2551423"/>
-            <a:chOff x="5" y="-141476"/>
-            <a:chExt cx="11356829" cy="2551423"/>
+            <a:off x="61770" y="0"/>
+            <a:ext cx="11308201" cy="2554409"/>
+            <a:chOff x="48633" y="-141476"/>
+            <a:chExt cx="11308201" cy="2554409"/>
           </a:xfrm>
         </p:grpSpPr>
         <p:grpSp>
@@ -5638,10 +5637,10 @@
           </p:nvGrpSpPr>
           <p:grpSpPr>
             <a:xfrm>
-              <a:off x="5" y="307302"/>
-              <a:ext cx="2297101" cy="2021627"/>
-              <a:chOff x="824893" y="1278029"/>
-              <a:chExt cx="2297101" cy="2021627"/>
+              <a:off x="48633" y="307302"/>
+              <a:ext cx="2360821" cy="2105631"/>
+              <a:chOff x="873521" y="1278029"/>
+              <a:chExt cx="2360821" cy="2105631"/>
             </a:xfrm>
           </p:grpSpPr>
           <p:grpSp>
@@ -5793,7 +5792,7 @@
               </p:nvSpPr>
               <p:spPr>
                 <a:xfrm>
-                  <a:off x="1815494" y="1942493"/>
+                  <a:off x="1810067" y="1942493"/>
                   <a:ext cx="1408169" cy="691697"/>
                 </a:xfrm>
                 <a:custGeom>
@@ -6026,8 +6025,8 @@
                 </p:nvSpPr>
                 <p:spPr>
                   <a:xfrm>
-                    <a:off x="824893" y="2653325"/>
-                    <a:ext cx="2243667" cy="646331"/>
+                    <a:off x="873521" y="2712835"/>
+                    <a:ext cx="2360821" cy="670825"/>
                   </a:xfrm>
                   <a:prstGeom prst="rect">
                     <a:avLst/>
@@ -6052,35 +6051,24 @@
                         <a:latin typeface="Times New Roman" panose="02020603050405020304" pitchFamily="18" charset="0"/>
                         <a:cs typeface="Times New Roman" panose="02020603050405020304" pitchFamily="18" charset="0"/>
                       </a:rPr>
-                      <a:t>Samples of</a:t>
-                    </a:r>
-                    <a:br>
-                      <a:rPr lang="en-US" dirty="0">
-                        <a:solidFill>
-                          <a:schemeClr val="tx1">
-                            <a:lumMod val="95000"/>
-                            <a:lumOff val="5000"/>
-                          </a:schemeClr>
-                        </a:solidFill>
-                        <a:latin typeface="Times New Roman" panose="02020603050405020304" pitchFamily="18" charset="0"/>
-                        <a:cs typeface="Times New Roman" panose="02020603050405020304" pitchFamily="18" charset="0"/>
-                      </a:rPr>
-                    </a:br>
-                    <a:r>
-                      <a:rPr lang="en-US" dirty="0">
-                        <a:solidFill>
-                          <a:schemeClr val="tx1">
-                            <a:lumMod val="95000"/>
-                            <a:lumOff val="5000"/>
-                          </a:schemeClr>
-                        </a:solidFill>
-                        <a:latin typeface="Times New Roman" panose="02020603050405020304" pitchFamily="18" charset="0"/>
-                        <a:cs typeface="Times New Roman" panose="02020603050405020304" pitchFamily="18" charset="0"/>
-                      </a:rPr>
-                      <a:t>problem parameters </a:t>
+                      <a:t>Samples of problem parameters </a:t>
                     </a:r>
                     <a14:m>
                       <m:oMath xmlns:m="http://schemas.openxmlformats.org/officeDocument/2006/math">
+                        <m:r>
+                          <a:rPr lang="en-US" b="1" i="1">
+                            <a:solidFill>
+                              <a:schemeClr val="tx1">
+                                <a:lumMod val="95000"/>
+                                <a:lumOff val="5000"/>
+                              </a:schemeClr>
+                            </a:solidFill>
+                            <a:latin typeface="Cambria Math" panose="02040503050406030204" pitchFamily="18" charset="0"/>
+                            <a:ea typeface="Cambria Math" panose="02040503050406030204" pitchFamily="18" charset="0"/>
+                            <a:cs typeface="Times New Roman" panose="02020603050405020304" pitchFamily="18" charset="0"/>
+                          </a:rPr>
+                          <m:t>𝝃</m:t>
+                        </m:r>
                         <m:r>
                           <m:rPr>
                             <m:sty m:val="p"/>
@@ -6096,8 +6084,55 @@
                             <a:ea typeface="Cambria Math" panose="02040503050406030204" pitchFamily="18" charset="0"/>
                             <a:cs typeface="Times New Roman" panose="02020603050405020304" pitchFamily="18" charset="0"/>
                           </a:rPr>
-                          <m:t>Ξ</m:t>
+                          <m:t>ϵ</m:t>
                         </m:r>
+                        <m:sSub>
+                          <m:sSubPr>
+                            <m:ctrlPr>
+                              <a:rPr lang="en-US" i="1">
+                                <a:solidFill>
+                                  <a:schemeClr val="tx1">
+                                    <a:lumMod val="95000"/>
+                                    <a:lumOff val="5000"/>
+                                  </a:schemeClr>
+                                </a:solidFill>
+                                <a:latin typeface="Cambria Math" panose="02040503050406030204" pitchFamily="18" charset="0"/>
+                                <a:cs typeface="Times New Roman" panose="02020603050405020304" pitchFamily="18" charset="0"/>
+                              </a:rPr>
+                            </m:ctrlPr>
+                          </m:sSubPr>
+                          <m:e>
+                            <m:r>
+                              <a:rPr lang="en-US" i="1">
+                                <a:solidFill>
+                                  <a:schemeClr val="tx1">
+                                    <a:lumMod val="95000"/>
+                                    <a:lumOff val="5000"/>
+                                  </a:schemeClr>
+                                </a:solidFill>
+                                <a:latin typeface="Cambria Math" panose="02040503050406030204" pitchFamily="18" charset="0"/>
+                                <a:cs typeface="Times New Roman" panose="02020603050405020304" pitchFamily="18" charset="0"/>
+                              </a:rPr>
+                              <m:t>𝑃</m:t>
+                            </m:r>
+                          </m:e>
+                          <m:sub>
+                            <m:r>
+                              <a:rPr lang="en-US" b="1" i="1">
+                                <a:solidFill>
+                                  <a:schemeClr val="tx1">
+                                    <a:lumMod val="95000"/>
+                                    <a:lumOff val="5000"/>
+                                  </a:schemeClr>
+                                </a:solidFill>
+                                <a:latin typeface="Cambria Math" panose="02040503050406030204" pitchFamily="18" charset="0"/>
+                                <a:ea typeface="Cambria Math" panose="02040503050406030204" pitchFamily="18" charset="0"/>
+                                <a:cs typeface="Times New Roman" panose="02020603050405020304" pitchFamily="18" charset="0"/>
+                              </a:rPr>
+                              <m:t>𝝃</m:t>
+                            </m:r>
+                          </m:sub>
+                        </m:sSub>
                       </m:oMath>
                     </a14:m>
                     <a:endParaRPr lang="en-US" dirty="0">
@@ -6131,8 +6166,8 @@
                 </p:nvSpPr>
                 <p:spPr>
                   <a:xfrm>
-                    <a:off x="824893" y="2653325"/>
-                    <a:ext cx="2243667" cy="646331"/>
+                    <a:off x="873521" y="2712835"/>
+                    <a:ext cx="2360821" cy="670825"/>
                   </a:xfrm>
                   <a:prstGeom prst="rect">
                     <a:avLst/>
@@ -6140,7 +6175,7 @@
                   <a:blipFill>
                     <a:blip r:embed="rId2"/>
                     <a:stretch>
-                      <a:fillRect l="-1087" t="-4717" b="-14151"/>
+                      <a:fillRect t="-5455" b="-10000"/>
                     </a:stretch>
                   </a:blipFill>
                 </p:spPr>
@@ -7586,7 +7621,7 @@
                         <a:latin typeface="Times New Roman" panose="02020603050405020304" pitchFamily="18" charset="0"/>
                         <a:cs typeface="Times New Roman" panose="02020603050405020304" pitchFamily="18" charset="0"/>
                       </a:rPr>
-                      <a:t>for parametric NLP</a:t>
+                      <a:t>for Continuous Relaxation</a:t>
                     </a:r>
                     <a:endParaRPr lang="en-US" b="1" dirty="0">
                       <a:solidFill>
@@ -7628,7 +7663,7 @@
                   <a:blipFill>
                     <a:blip r:embed="rId3"/>
                     <a:stretch>
-                      <a:fillRect l="-909" t="-2655" b="-13274"/>
+                      <a:fillRect l="-909" t="-1770" r="-682" b="-13274"/>
                     </a:stretch>
                   </a:blipFill>
                 </p:spPr>
@@ -9459,8 +9494,8 @@
               </p:txBody>
             </p:sp>
           </p:grpSp>
-          <mc:AlternateContent xmlns:mc="http://schemas.openxmlformats.org/markup-compatibility/2006" xmlns:a14="http://schemas.microsoft.com/office/drawing/2010/main">
-            <mc:Choice Requires="a14">
+          <mc:AlternateContent xmlns:mc="http://schemas.openxmlformats.org/markup-compatibility/2006">
+            <mc:Choice xmlns:a14="http://schemas.microsoft.com/office/drawing/2010/main" Requires="a14">
               <p:sp>
                 <p:nvSpPr>
                   <p:cNvPr id="1059" name="TextBox 1058">
@@ -9692,6 +9727,69 @@
                                 </m:r>
                               </m:sup>
                             </m:sSup>
+                            <m:r>
+                              <a:rPr lang="en-US" b="0" i="1" smtClean="0">
+                                <a:solidFill>
+                                  <a:schemeClr val="tx1">
+                                    <a:lumMod val="95000"/>
+                                    <a:lumOff val="5000"/>
+                                  </a:schemeClr>
+                                </a:solidFill>
+                                <a:latin typeface="Cambria Math" panose="02040503050406030204" pitchFamily="18" charset="0"/>
+                                <a:ea typeface="Cambria Math" panose="02040503050406030204" pitchFamily="18" charset="0"/>
+                                <a:cs typeface="Times New Roman" panose="02020603050405020304" pitchFamily="18" charset="0"/>
+                              </a:rPr>
+                              <m:t>,</m:t>
+                            </m:r>
+                            <m:sSup>
+                              <m:sSupPr>
+                                <m:ctrlPr>
+                                  <a:rPr lang="en-US" i="1">
+                                    <a:solidFill>
+                                      <a:schemeClr val="tx1">
+                                        <a:lumMod val="95000"/>
+                                        <a:lumOff val="5000"/>
+                                      </a:schemeClr>
+                                    </a:solidFill>
+                                    <a:latin typeface="Cambria Math" panose="02040503050406030204" pitchFamily="18" charset="0"/>
+                                    <a:ea typeface="Cambria Math" panose="02040503050406030204" pitchFamily="18" charset="0"/>
+                                    <a:cs typeface="Times New Roman" panose="02020603050405020304" pitchFamily="18" charset="0"/>
+                                  </a:rPr>
+                                </m:ctrlPr>
+                              </m:sSupPr>
+                              <m:e>
+                                <m:r>
+                                  <a:rPr lang="en-US" b="1" i="1">
+                                    <a:solidFill>
+                                      <a:schemeClr val="tx1">
+                                        <a:lumMod val="95000"/>
+                                        <a:lumOff val="5000"/>
+                                      </a:schemeClr>
+                                    </a:solidFill>
+                                    <a:latin typeface="Cambria Math" panose="02040503050406030204" pitchFamily="18" charset="0"/>
+                                    <a:ea typeface="Cambria Math" panose="02040503050406030204" pitchFamily="18" charset="0"/>
+                                    <a:cs typeface="Times New Roman" panose="02020603050405020304" pitchFamily="18" charset="0"/>
+                                  </a:rPr>
+                                  <m:t>𝝃</m:t>
+                                </m:r>
+                              </m:e>
+                              <m:sup>
+                                <m:r>
+                                  <a:rPr lang="en-US" i="1">
+                                    <a:solidFill>
+                                      <a:schemeClr val="tx1">
+                                        <a:lumMod val="95000"/>
+                                        <a:lumOff val="5000"/>
+                                      </a:schemeClr>
+                                    </a:solidFill>
+                                    <a:latin typeface="Cambria Math" panose="02040503050406030204" pitchFamily="18" charset="0"/>
+                                    <a:ea typeface="Cambria Math" panose="02040503050406030204" pitchFamily="18" charset="0"/>
+                                    <a:cs typeface="Times New Roman" panose="02020603050405020304" pitchFamily="18" charset="0"/>
+                                  </a:rPr>
+                                  <m:t>𝑖</m:t>
+                                </m:r>
+                              </m:sup>
+                            </m:sSup>
                           </m:e>
                         </m:d>
                         <m:r>
@@ -9772,7 +9870,7 @@
                 </p:txBody>
               </p:sp>
             </mc:Choice>
-            <mc:Fallback xmlns="">
+            <mc:Fallback>
               <p:sp>
                 <p:nvSpPr>
                   <p:cNvPr id="1059" name="TextBox 1058">
@@ -9798,7 +9896,7 @@
                   <a:blipFill>
                     <a:blip r:embed="rId4"/>
                     <a:stretch>
-                      <a:fillRect t="-5310" b="-3540"/>
+                      <a:fillRect t="-4386" r="-456" b="-3509"/>
                     </a:stretch>
                   </a:blipFill>
                 </p:spPr>
@@ -9833,9 +9931,9 @@
           <p:grpSpPr>
             <a:xfrm>
               <a:off x="8677997" y="167626"/>
-              <a:ext cx="2678837" cy="2216344"/>
+              <a:ext cx="2678837" cy="2180693"/>
               <a:chOff x="9248581" y="1138359"/>
-              <a:chExt cx="2678837" cy="2216344"/>
+              <a:chExt cx="2678837" cy="2180693"/>
             </a:xfrm>
           </p:grpSpPr>
           <p:grpSp>
@@ -10285,8 +10383,8 @@
               </p:txBody>
             </p:sp>
           </p:grpSp>
-          <mc:AlternateContent xmlns:mc="http://schemas.openxmlformats.org/markup-compatibility/2006" xmlns:a14="http://schemas.microsoft.com/office/drawing/2010/main">
-            <mc:Choice Requires="a14">
+          <mc:AlternateContent xmlns:mc="http://schemas.openxmlformats.org/markup-compatibility/2006">
+            <mc:Choice xmlns:a14="http://schemas.microsoft.com/office/drawing/2010/main" Requires="a14">
               <p:sp>
                 <p:nvSpPr>
                   <p:cNvPr id="1114" name="TextBox 1113">
@@ -10302,7 +10400,7 @@
                 <p:spPr>
                   <a:xfrm>
                     <a:off x="9248581" y="2672721"/>
-                    <a:ext cx="2678837" cy="681982"/>
+                    <a:ext cx="2678837" cy="646331"/>
                   </a:xfrm>
                   <a:prstGeom prst="rect">
                     <a:avLst/>
@@ -10317,19 +10415,6 @@
                   <a:p>
                     <a:pPr algn="ctr"/>
                     <a:r>
-                      <a:rPr lang="en-US">
-                        <a:solidFill>
-                          <a:schemeClr val="tx1">
-                            <a:lumMod val="95000"/>
-                            <a:lumOff val="5000"/>
-                          </a:schemeClr>
-                        </a:solidFill>
-                        <a:latin typeface="Times New Roman" panose="02020603050405020304" pitchFamily="18" charset="0"/>
-                        <a:cs typeface="Times New Roman" panose="02020603050405020304" pitchFamily="18" charset="0"/>
-                      </a:rPr>
-                      <a:t>Penalized </a:t>
-                    </a:r>
-                    <a:r>
                       <a:rPr lang="en-US" dirty="0">
                         <a:solidFill>
                           <a:schemeClr val="tx1">
@@ -10340,12 +10425,12 @@
                         <a:latin typeface="Times New Roman" panose="02020603050405020304" pitchFamily="18" charset="0"/>
                         <a:cs typeface="Times New Roman" panose="02020603050405020304" pitchFamily="18" charset="0"/>
                       </a:rPr>
-                      <a:t>function </a:t>
+                      <a:t>Loss function </a:t>
                     </a:r>
                     <a14:m>
                       <m:oMath xmlns:m="http://schemas.openxmlformats.org/officeDocument/2006/math">
                         <m:r>
-                          <a:rPr lang="en-US" i="1">
+                          <a:rPr lang="en-US" i="1" smtClean="0">
                             <a:solidFill>
                               <a:schemeClr val="tx1">
                                 <a:lumMod val="95000"/>
@@ -10375,93 +10460,41 @@
                             </m:ctrlPr>
                           </m:dPr>
                           <m:e>
-                            <m:sSup>
-                              <m:sSupPr>
-                                <m:ctrlPr>
-                                  <a:rPr lang="en-US" i="1">
-                                    <a:solidFill>
-                                      <a:schemeClr val="tx1">
-                                        <a:lumMod val="95000"/>
-                                        <a:lumOff val="5000"/>
-                                      </a:schemeClr>
-                                    </a:solidFill>
-                                    <a:latin typeface="Cambria Math" panose="02040503050406030204" pitchFamily="18" charset="0"/>
-                                    <a:ea typeface="Cambria Math" panose="02040503050406030204" pitchFamily="18" charset="0"/>
-                                    <a:cs typeface="Times New Roman" panose="02020603050405020304" pitchFamily="18" charset="0"/>
-                                  </a:rPr>
-                                </m:ctrlPr>
-                              </m:sSupPr>
-                              <m:e>
-                                <m:acc>
-                                  <m:accPr>
-                                    <m:chr m:val="̂"/>
-                                    <m:ctrlPr>
-                                      <a:rPr lang="en-US" b="1" i="1">
-                                        <a:solidFill>
-                                          <a:schemeClr val="tx1">
-                                            <a:lumMod val="95000"/>
-                                            <a:lumOff val="5000"/>
-                                          </a:schemeClr>
-                                        </a:solidFill>
-                                        <a:latin typeface="Cambria Math" panose="02040503050406030204" pitchFamily="18" charset="0"/>
-                                        <a:ea typeface="Cambria Math" panose="02040503050406030204" pitchFamily="18" charset="0"/>
-                                        <a:cs typeface="Times New Roman" panose="02020603050405020304" pitchFamily="18" charset="0"/>
-                                      </a:rPr>
-                                    </m:ctrlPr>
-                                  </m:accPr>
-                                  <m:e>
-                                    <m:r>
-                                      <a:rPr lang="en-US" b="1" i="1">
-                                        <a:solidFill>
-                                          <a:schemeClr val="tx1">
-                                            <a:lumMod val="95000"/>
-                                            <a:lumOff val="5000"/>
-                                          </a:schemeClr>
-                                        </a:solidFill>
-                                        <a:latin typeface="Cambria Math" panose="02040503050406030204" pitchFamily="18" charset="0"/>
-                                        <a:ea typeface="Cambria Math" panose="02040503050406030204" pitchFamily="18" charset="0"/>
-                                        <a:cs typeface="Times New Roman" panose="02020603050405020304" pitchFamily="18" charset="0"/>
-                                      </a:rPr>
-                                      <m:t>𝒙</m:t>
-                                    </m:r>
-                                  </m:e>
-                                </m:acc>
-                              </m:e>
-                              <m:sup>
-                                <m:r>
-                                  <a:rPr lang="en-US" i="1">
-                                    <a:solidFill>
-                                      <a:schemeClr val="tx1">
-                                        <a:lumMod val="95000"/>
-                                        <a:lumOff val="5000"/>
-                                      </a:schemeClr>
-                                    </a:solidFill>
-                                    <a:latin typeface="Cambria Math" panose="02040503050406030204" pitchFamily="18" charset="0"/>
-                                    <a:ea typeface="Cambria Math" panose="02040503050406030204" pitchFamily="18" charset="0"/>
-                                    <a:cs typeface="Times New Roman" panose="02020603050405020304" pitchFamily="18" charset="0"/>
-                                  </a:rPr>
-                                  <m:t>𝑖</m:t>
-                                </m:r>
-                              </m:sup>
-                            </m:sSup>
+                            <m:r>
+                              <m:rPr>
+                                <m:sty m:val="p"/>
+                              </m:rPr>
+                              <a:rPr lang="el-GR" i="1" smtClean="0">
+                                <a:solidFill>
+                                  <a:schemeClr val="tx1">
+                                    <a:lumMod val="95000"/>
+                                    <a:lumOff val="5000"/>
+                                  </a:schemeClr>
+                                </a:solidFill>
+                                <a:latin typeface="Cambria Math" panose="02040503050406030204" pitchFamily="18" charset="0"/>
+                                <a:ea typeface="Cambria Math" panose="02040503050406030204" pitchFamily="18" charset="0"/>
+                                <a:cs typeface="Times New Roman" panose="02020603050405020304" pitchFamily="18" charset="0"/>
+                              </a:rPr>
+                              <m:t>Θ</m:t>
+                            </m:r>
                           </m:e>
                         </m:d>
-                        <m:r>
-                          <a:rPr lang="en-US" i="1">
-                            <a:solidFill>
-                              <a:schemeClr val="tx1">
-                                <a:lumMod val="95000"/>
-                                <a:lumOff val="5000"/>
-                              </a:schemeClr>
-                            </a:solidFill>
-                            <a:latin typeface="Cambria Math" panose="02040503050406030204" pitchFamily="18" charset="0"/>
-                            <a:ea typeface="Cambria Math" panose="02040503050406030204" pitchFamily="18" charset="0"/>
-                            <a:cs typeface="Times New Roman" panose="02020603050405020304" pitchFamily="18" charset="0"/>
-                          </a:rPr>
-                          <m:t> </m:t>
-                        </m:r>
                       </m:oMath>
                     </a14:m>
+                    <a:endParaRPr lang="en-US" dirty="0">
+                      <a:solidFill>
+                        <a:schemeClr val="tx1">
+                          <a:lumMod val="95000"/>
+                          <a:lumOff val="5000"/>
+                        </a:schemeClr>
+                      </a:solidFill>
+                      <a:latin typeface="Times New Roman" panose="02020603050405020304" pitchFamily="18" charset="0"/>
+                      <a:ea typeface="Cambria Math" panose="02040503050406030204" pitchFamily="18" charset="0"/>
+                      <a:cs typeface="Times New Roman" panose="02020603050405020304" pitchFamily="18" charset="0"/>
+                    </a:endParaRPr>
+                  </a:p>
+                  <a:p>
+                    <a:pPr algn="ctr"/>
                     <a:r>
                       <a:rPr lang="en-US" dirty="0">
                         <a:solidFill>
@@ -10473,23 +10506,13 @@
                         <a:latin typeface="Times New Roman" panose="02020603050405020304" pitchFamily="18" charset="0"/>
                         <a:cs typeface="Times New Roman" panose="02020603050405020304" pitchFamily="18" charset="0"/>
                       </a:rPr>
-                      <a:t>as loss</a:t>
+                      <a:t>with Constraint Penalties</a:t>
                     </a:r>
-                    <a:endParaRPr lang="en-US" b="1" dirty="0">
-                      <a:solidFill>
-                        <a:schemeClr val="tx1">
-                          <a:lumMod val="95000"/>
-                          <a:lumOff val="5000"/>
-                        </a:schemeClr>
-                      </a:solidFill>
-                      <a:latin typeface="Times New Roman" panose="02020603050405020304" pitchFamily="18" charset="0"/>
-                      <a:cs typeface="Times New Roman" panose="02020603050405020304" pitchFamily="18" charset="0"/>
-                    </a:endParaRPr>
                   </a:p>
                 </p:txBody>
               </p:sp>
             </mc:Choice>
-            <mc:Fallback xmlns="">
+            <mc:Fallback>
               <p:sp>
                 <p:nvSpPr>
                   <p:cNvPr id="1114" name="TextBox 1113">
@@ -10507,7 +10530,7 @@
                 <p:spPr>
                   <a:xfrm>
                     <a:off x="9248581" y="2672721"/>
-                    <a:ext cx="2678837" cy="681982"/>
+                    <a:ext cx="2678837" cy="646331"/>
                   </a:xfrm>
                   <a:prstGeom prst="rect">
                     <a:avLst/>
@@ -10515,7 +10538,7 @@
                   <a:blipFill>
                     <a:blip r:embed="rId5"/>
                     <a:stretch>
-                      <a:fillRect t="-5357" b="-10714"/>
+                      <a:fillRect t="-4717" b="-14151"/>
                     </a:stretch>
                   </a:blipFill>
                 </p:spPr>
@@ -11739,6137 +11762,6 @@
 </p:sld>
 </file>
 
-<file path=ppt/slides/slide2.xml><?xml version="1.0" encoding="utf-8"?>
-<p:sld xmlns:a="http://schemas.openxmlformats.org/drawingml/2006/main" xmlns:r="http://schemas.openxmlformats.org/officeDocument/2006/relationships" xmlns:p="http://schemas.openxmlformats.org/presentationml/2006/main">
-  <p:cSld>
-    <p:spTree>
-      <p:nvGrpSpPr>
-        <p:cNvPr id="1" name=""/>
-        <p:cNvGrpSpPr/>
-        <p:nvPr/>
-      </p:nvGrpSpPr>
-      <p:grpSpPr>
-        <a:xfrm>
-          <a:off x="0" y="0"/>
-          <a:ext cx="0" cy="0"/>
-          <a:chOff x="0" y="0"/>
-          <a:chExt cx="0" cy="0"/>
-        </a:xfrm>
-      </p:grpSpPr>
-      <p:grpSp>
-        <p:nvGrpSpPr>
-          <p:cNvPr id="5" name="Group 4">
-            <a:extLst>
-              <a:ext uri="{FF2B5EF4-FFF2-40B4-BE49-F238E27FC236}">
-                <a16:creationId xmlns:a16="http://schemas.microsoft.com/office/drawing/2014/main" id="{04E21CCD-4EF7-A461-050F-F112F119F97E}"/>
-              </a:ext>
-            </a:extLst>
-          </p:cNvPr>
-          <p:cNvGrpSpPr/>
-          <p:nvPr/>
-        </p:nvGrpSpPr>
-        <p:grpSpPr>
-          <a:xfrm>
-            <a:off x="5" y="442052"/>
-            <a:ext cx="2297101" cy="2021627"/>
-            <a:chOff x="824893" y="1278029"/>
-            <a:chExt cx="2297101" cy="2021627"/>
-          </a:xfrm>
-        </p:grpSpPr>
-        <p:grpSp>
-          <p:nvGrpSpPr>
-            <p:cNvPr id="17" name="Group 16">
-              <a:extLst>
-                <a:ext uri="{FF2B5EF4-FFF2-40B4-BE49-F238E27FC236}">
-                  <a16:creationId xmlns:a16="http://schemas.microsoft.com/office/drawing/2014/main" id="{113BBD8C-A3D8-DDAB-3757-E2A169472937}"/>
-                </a:ext>
-              </a:extLst>
-            </p:cNvPr>
-            <p:cNvGrpSpPr/>
-            <p:nvPr/>
-          </p:nvGrpSpPr>
-          <p:grpSpPr>
-            <a:xfrm>
-              <a:off x="873521" y="1278029"/>
-              <a:ext cx="2248473" cy="1301586"/>
-              <a:chOff x="1688494" y="1790093"/>
-              <a:chExt cx="1721436" cy="996497"/>
-            </a:xfrm>
-          </p:grpSpPr>
-          <p:sp>
-            <p:nvSpPr>
-              <p:cNvPr id="13" name="Freeform: Shape 12">
-                <a:extLst>
-                  <a:ext uri="{FF2B5EF4-FFF2-40B4-BE49-F238E27FC236}">
-                    <a16:creationId xmlns:a16="http://schemas.microsoft.com/office/drawing/2014/main" id="{13CD2760-9F31-C9F0-AEDD-E982673EEC96}"/>
-                  </a:ext>
-                </a:extLst>
-              </p:cNvPr>
-              <p:cNvSpPr/>
-              <p:nvPr/>
-            </p:nvSpPr>
-            <p:spPr>
-              <a:xfrm>
-                <a:off x="1688494" y="1790093"/>
-                <a:ext cx="1408169" cy="691697"/>
-              </a:xfrm>
-              <a:custGeom>
-                <a:avLst/>
-                <a:gdLst>
-                  <a:gd name="connsiteX0" fmla="*/ 0 w 3667125"/>
-                  <a:gd name="connsiteY0" fmla="*/ 1825625 h 1825625"/>
-                  <a:gd name="connsiteX1" fmla="*/ 1238250 w 3667125"/>
-                  <a:gd name="connsiteY1" fmla="*/ 1203325 h 1825625"/>
-                  <a:gd name="connsiteX2" fmla="*/ 1838325 w 3667125"/>
-                  <a:gd name="connsiteY2" fmla="*/ 0 h 1825625"/>
-                  <a:gd name="connsiteX3" fmla="*/ 2447925 w 3667125"/>
-                  <a:gd name="connsiteY3" fmla="*/ 1209675 h 1825625"/>
-                  <a:gd name="connsiteX4" fmla="*/ 3667125 w 3667125"/>
-                  <a:gd name="connsiteY4" fmla="*/ 1819275 h 1825625"/>
-                </a:gdLst>
-                <a:ahLst/>
-                <a:cxnLst>
-                  <a:cxn ang="0">
-                    <a:pos x="connsiteX0" y="connsiteY0"/>
-                  </a:cxn>
-                  <a:cxn ang="0">
-                    <a:pos x="connsiteX1" y="connsiteY1"/>
-                  </a:cxn>
-                  <a:cxn ang="0">
-                    <a:pos x="connsiteX2" y="connsiteY2"/>
-                  </a:cxn>
-                  <a:cxn ang="0">
-                    <a:pos x="connsiteX3" y="connsiteY3"/>
-                  </a:cxn>
-                  <a:cxn ang="0">
-                    <a:pos x="connsiteX4" y="connsiteY4"/>
-                  </a:cxn>
-                </a:cxnLst>
-                <a:rect l="l" t="t" r="r" b="b"/>
-                <a:pathLst>
-                  <a:path w="3667125" h="1825625">
-                    <a:moveTo>
-                      <a:pt x="0" y="1825625"/>
-                    </a:moveTo>
-                    <a:cubicBezTo>
-                      <a:pt x="465931" y="1666610"/>
-                      <a:pt x="931863" y="1507596"/>
-                      <a:pt x="1238250" y="1203325"/>
-                    </a:cubicBezTo>
-                    <a:cubicBezTo>
-                      <a:pt x="1544637" y="899054"/>
-                      <a:pt x="1636713" y="-1058"/>
-                      <a:pt x="1838325" y="0"/>
-                    </a:cubicBezTo>
-                    <a:cubicBezTo>
-                      <a:pt x="2039937" y="1058"/>
-                      <a:pt x="2143125" y="906462"/>
-                      <a:pt x="2447925" y="1209675"/>
-                    </a:cubicBezTo>
-                    <a:cubicBezTo>
-                      <a:pt x="2752725" y="1512887"/>
-                      <a:pt x="3520017" y="1711854"/>
-                      <a:pt x="3667125" y="1819275"/>
-                    </a:cubicBezTo>
-                  </a:path>
-                </a:pathLst>
-              </a:custGeom>
-              <a:solidFill>
-                <a:schemeClr val="tx2">
-                  <a:lumMod val="25000"/>
-                  <a:lumOff val="75000"/>
-                </a:schemeClr>
-              </a:solidFill>
-              <a:ln>
-                <a:solidFill>
-                  <a:srgbClr val="002060"/>
-                </a:solidFill>
-              </a:ln>
-            </p:spPr>
-            <p:style>
-              <a:lnRef idx="2">
-                <a:schemeClr val="accent1">
-                  <a:shade val="15000"/>
-                </a:schemeClr>
-              </a:lnRef>
-              <a:fillRef idx="1">
-                <a:schemeClr val="accent1"/>
-              </a:fillRef>
-              <a:effectRef idx="0">
-                <a:schemeClr val="accent1"/>
-              </a:effectRef>
-              <a:fontRef idx="minor">
-                <a:schemeClr val="lt1"/>
-              </a:fontRef>
-            </p:style>
-            <p:txBody>
-              <a:bodyPr rtlCol="0" anchor="ctr"/>
-              <a:lstStyle/>
-              <a:p>
-                <a:pPr algn="ctr"/>
-                <a:endParaRPr lang="en-US"/>
-              </a:p>
-            </p:txBody>
-          </p:sp>
-          <p:sp>
-            <p:nvSpPr>
-              <p:cNvPr id="15" name="Freeform: Shape 14">
-                <a:extLst>
-                  <a:ext uri="{FF2B5EF4-FFF2-40B4-BE49-F238E27FC236}">
-                    <a16:creationId xmlns:a16="http://schemas.microsoft.com/office/drawing/2014/main" id="{DD3F59D2-18CD-3FDA-A0DC-F7BE3C511DFF}"/>
-                  </a:ext>
-                </a:extLst>
-              </p:cNvPr>
-              <p:cNvSpPr/>
-              <p:nvPr/>
-            </p:nvSpPr>
-            <p:spPr>
-              <a:xfrm>
-                <a:off x="1815494" y="1942493"/>
-                <a:ext cx="1408169" cy="691697"/>
-              </a:xfrm>
-              <a:custGeom>
-                <a:avLst/>
-                <a:gdLst>
-                  <a:gd name="connsiteX0" fmla="*/ 0 w 3667125"/>
-                  <a:gd name="connsiteY0" fmla="*/ 1825625 h 1825625"/>
-                  <a:gd name="connsiteX1" fmla="*/ 1238250 w 3667125"/>
-                  <a:gd name="connsiteY1" fmla="*/ 1203325 h 1825625"/>
-                  <a:gd name="connsiteX2" fmla="*/ 1838325 w 3667125"/>
-                  <a:gd name="connsiteY2" fmla="*/ 0 h 1825625"/>
-                  <a:gd name="connsiteX3" fmla="*/ 2447925 w 3667125"/>
-                  <a:gd name="connsiteY3" fmla="*/ 1209675 h 1825625"/>
-                  <a:gd name="connsiteX4" fmla="*/ 3667125 w 3667125"/>
-                  <a:gd name="connsiteY4" fmla="*/ 1819275 h 1825625"/>
-                </a:gdLst>
-                <a:ahLst/>
-                <a:cxnLst>
-                  <a:cxn ang="0">
-                    <a:pos x="connsiteX0" y="connsiteY0"/>
-                  </a:cxn>
-                  <a:cxn ang="0">
-                    <a:pos x="connsiteX1" y="connsiteY1"/>
-                  </a:cxn>
-                  <a:cxn ang="0">
-                    <a:pos x="connsiteX2" y="connsiteY2"/>
-                  </a:cxn>
-                  <a:cxn ang="0">
-                    <a:pos x="connsiteX3" y="connsiteY3"/>
-                  </a:cxn>
-                  <a:cxn ang="0">
-                    <a:pos x="connsiteX4" y="connsiteY4"/>
-                  </a:cxn>
-                </a:cxnLst>
-                <a:rect l="l" t="t" r="r" b="b"/>
-                <a:pathLst>
-                  <a:path w="3667125" h="1825625">
-                    <a:moveTo>
-                      <a:pt x="0" y="1825625"/>
-                    </a:moveTo>
-                    <a:cubicBezTo>
-                      <a:pt x="465931" y="1666610"/>
-                      <a:pt x="931863" y="1507596"/>
-                      <a:pt x="1238250" y="1203325"/>
-                    </a:cubicBezTo>
-                    <a:cubicBezTo>
-                      <a:pt x="1544637" y="899054"/>
-                      <a:pt x="1636713" y="-1058"/>
-                      <a:pt x="1838325" y="0"/>
-                    </a:cubicBezTo>
-                    <a:cubicBezTo>
-                      <a:pt x="2039937" y="1058"/>
-                      <a:pt x="2143125" y="906462"/>
-                      <a:pt x="2447925" y="1209675"/>
-                    </a:cubicBezTo>
-                    <a:cubicBezTo>
-                      <a:pt x="2752725" y="1512887"/>
-                      <a:pt x="3520017" y="1711854"/>
-                      <a:pt x="3667125" y="1819275"/>
-                    </a:cubicBezTo>
-                  </a:path>
-                </a:pathLst>
-              </a:custGeom>
-              <a:solidFill>
-                <a:schemeClr val="tx2">
-                  <a:lumMod val="25000"/>
-                  <a:lumOff val="75000"/>
-                </a:schemeClr>
-              </a:solidFill>
-              <a:ln>
-                <a:solidFill>
-                  <a:srgbClr val="002060"/>
-                </a:solidFill>
-              </a:ln>
-            </p:spPr>
-            <p:style>
-              <a:lnRef idx="2">
-                <a:schemeClr val="accent1">
-                  <a:shade val="15000"/>
-                </a:schemeClr>
-              </a:lnRef>
-              <a:fillRef idx="1">
-                <a:schemeClr val="accent1"/>
-              </a:fillRef>
-              <a:effectRef idx="0">
-                <a:schemeClr val="accent1"/>
-              </a:effectRef>
-              <a:fontRef idx="minor">
-                <a:schemeClr val="lt1"/>
-              </a:fontRef>
-            </p:style>
-            <p:txBody>
-              <a:bodyPr rtlCol="0" anchor="ctr"/>
-              <a:lstStyle/>
-              <a:p>
-                <a:pPr algn="ctr"/>
-                <a:endParaRPr lang="en-US"/>
-              </a:p>
-            </p:txBody>
-          </p:sp>
-          <p:sp>
-            <p:nvSpPr>
-              <p:cNvPr id="16" name="Freeform: Shape 15">
-                <a:extLst>
-                  <a:ext uri="{FF2B5EF4-FFF2-40B4-BE49-F238E27FC236}">
-                    <a16:creationId xmlns:a16="http://schemas.microsoft.com/office/drawing/2014/main" id="{AA11FC38-66D2-8998-E22E-6FCCBB842E17}"/>
-                  </a:ext>
-                </a:extLst>
-              </p:cNvPr>
-              <p:cNvSpPr/>
-              <p:nvPr/>
-            </p:nvSpPr>
-            <p:spPr>
-              <a:xfrm>
-                <a:off x="2001761" y="2094893"/>
-                <a:ext cx="1408169" cy="691697"/>
-              </a:xfrm>
-              <a:custGeom>
-                <a:avLst/>
-                <a:gdLst>
-                  <a:gd name="connsiteX0" fmla="*/ 0 w 3667125"/>
-                  <a:gd name="connsiteY0" fmla="*/ 1825625 h 1825625"/>
-                  <a:gd name="connsiteX1" fmla="*/ 1238250 w 3667125"/>
-                  <a:gd name="connsiteY1" fmla="*/ 1203325 h 1825625"/>
-                  <a:gd name="connsiteX2" fmla="*/ 1838325 w 3667125"/>
-                  <a:gd name="connsiteY2" fmla="*/ 0 h 1825625"/>
-                  <a:gd name="connsiteX3" fmla="*/ 2447925 w 3667125"/>
-                  <a:gd name="connsiteY3" fmla="*/ 1209675 h 1825625"/>
-                  <a:gd name="connsiteX4" fmla="*/ 3667125 w 3667125"/>
-                  <a:gd name="connsiteY4" fmla="*/ 1819275 h 1825625"/>
-                </a:gdLst>
-                <a:ahLst/>
-                <a:cxnLst>
-                  <a:cxn ang="0">
-                    <a:pos x="connsiteX0" y="connsiteY0"/>
-                  </a:cxn>
-                  <a:cxn ang="0">
-                    <a:pos x="connsiteX1" y="connsiteY1"/>
-                  </a:cxn>
-                  <a:cxn ang="0">
-                    <a:pos x="connsiteX2" y="connsiteY2"/>
-                  </a:cxn>
-                  <a:cxn ang="0">
-                    <a:pos x="connsiteX3" y="connsiteY3"/>
-                  </a:cxn>
-                  <a:cxn ang="0">
-                    <a:pos x="connsiteX4" y="connsiteY4"/>
-                  </a:cxn>
-                </a:cxnLst>
-                <a:rect l="l" t="t" r="r" b="b"/>
-                <a:pathLst>
-                  <a:path w="3667125" h="1825625">
-                    <a:moveTo>
-                      <a:pt x="0" y="1825625"/>
-                    </a:moveTo>
-                    <a:cubicBezTo>
-                      <a:pt x="465931" y="1666610"/>
-                      <a:pt x="931863" y="1507596"/>
-                      <a:pt x="1238250" y="1203325"/>
-                    </a:cubicBezTo>
-                    <a:cubicBezTo>
-                      <a:pt x="1544637" y="899054"/>
-                      <a:pt x="1636713" y="-1058"/>
-                      <a:pt x="1838325" y="0"/>
-                    </a:cubicBezTo>
-                    <a:cubicBezTo>
-                      <a:pt x="2039937" y="1058"/>
-                      <a:pt x="2143125" y="906462"/>
-                      <a:pt x="2447925" y="1209675"/>
-                    </a:cubicBezTo>
-                    <a:cubicBezTo>
-                      <a:pt x="2752725" y="1512887"/>
-                      <a:pt x="3520017" y="1711854"/>
-                      <a:pt x="3667125" y="1819275"/>
-                    </a:cubicBezTo>
-                  </a:path>
-                </a:pathLst>
-              </a:custGeom>
-              <a:solidFill>
-                <a:schemeClr val="tx2">
-                  <a:lumMod val="25000"/>
-                  <a:lumOff val="75000"/>
-                </a:schemeClr>
-              </a:solidFill>
-              <a:ln>
-                <a:solidFill>
-                  <a:srgbClr val="002060"/>
-                </a:solidFill>
-              </a:ln>
-            </p:spPr>
-            <p:style>
-              <a:lnRef idx="2">
-                <a:schemeClr val="accent1">
-                  <a:shade val="15000"/>
-                </a:schemeClr>
-              </a:lnRef>
-              <a:fillRef idx="1">
-                <a:schemeClr val="accent1"/>
-              </a:fillRef>
-              <a:effectRef idx="0">
-                <a:schemeClr val="accent1"/>
-              </a:effectRef>
-              <a:fontRef idx="minor">
-                <a:schemeClr val="lt1"/>
-              </a:fontRef>
-            </p:style>
-            <p:txBody>
-              <a:bodyPr rtlCol="0" anchor="ctr"/>
-              <a:lstStyle/>
-              <a:p>
-                <a:pPr algn="ctr"/>
-                <a:endParaRPr lang="en-US"/>
-              </a:p>
-            </p:txBody>
-          </p:sp>
-        </p:grpSp>
-        <mc:AlternateContent xmlns:mc="http://schemas.openxmlformats.org/markup-compatibility/2006">
-          <mc:Choice xmlns:a14="http://schemas.microsoft.com/office/drawing/2010/main" Requires="a14">
-            <p:sp>
-              <p:nvSpPr>
-                <p:cNvPr id="19" name="TextBox 18">
-                  <a:extLst>
-                    <a:ext uri="{FF2B5EF4-FFF2-40B4-BE49-F238E27FC236}">
-                      <a16:creationId xmlns:a16="http://schemas.microsoft.com/office/drawing/2014/main" id="{256C351D-1730-2B39-8FF8-9E09EA66E0C7}"/>
-                    </a:ext>
-                  </a:extLst>
-                </p:cNvPr>
-                <p:cNvSpPr txBox="1"/>
-                <p:nvPr/>
-              </p:nvSpPr>
-              <p:spPr>
-                <a:xfrm>
-                  <a:off x="824893" y="2653325"/>
-                  <a:ext cx="2243667" cy="646331"/>
-                </a:xfrm>
-                <a:prstGeom prst="rect">
-                  <a:avLst/>
-                </a:prstGeom>
-                <a:noFill/>
-              </p:spPr>
-              <p:txBody>
-                <a:bodyPr wrap="square">
-                  <a:spAutoFit/>
-                </a:bodyPr>
-                <a:lstStyle/>
-                <a:p>
-                  <a:pPr algn="ctr"/>
-                  <a:r>
-                    <a:rPr lang="en-US" dirty="0">
-                      <a:solidFill>
-                        <a:schemeClr val="tx1">
-                          <a:lumMod val="95000"/>
-                          <a:lumOff val="5000"/>
-                        </a:schemeClr>
-                      </a:solidFill>
-                      <a:latin typeface="Times New Roman" panose="02020603050405020304" pitchFamily="18" charset="0"/>
-                      <a:cs typeface="Times New Roman" panose="02020603050405020304" pitchFamily="18" charset="0"/>
-                    </a:rPr>
-                    <a:t>Samples of</a:t>
-                  </a:r>
-                  <a:br>
-                    <a:rPr lang="en-US" dirty="0">
-                      <a:solidFill>
-                        <a:schemeClr val="tx1">
-                          <a:lumMod val="95000"/>
-                          <a:lumOff val="5000"/>
-                        </a:schemeClr>
-                      </a:solidFill>
-                      <a:latin typeface="Times New Roman" panose="02020603050405020304" pitchFamily="18" charset="0"/>
-                      <a:cs typeface="Times New Roman" panose="02020603050405020304" pitchFamily="18" charset="0"/>
-                    </a:rPr>
-                  </a:br>
-                  <a:r>
-                    <a:rPr lang="en-US" dirty="0">
-                      <a:solidFill>
-                        <a:schemeClr val="tx1">
-                          <a:lumMod val="95000"/>
-                          <a:lumOff val="5000"/>
-                        </a:schemeClr>
-                      </a:solidFill>
-                      <a:latin typeface="Times New Roman" panose="02020603050405020304" pitchFamily="18" charset="0"/>
-                      <a:cs typeface="Times New Roman" panose="02020603050405020304" pitchFamily="18" charset="0"/>
-                    </a:rPr>
-                    <a:t>problem parameters </a:t>
-                  </a:r>
-                  <a14:m>
-                    <m:oMath xmlns:m="http://schemas.openxmlformats.org/officeDocument/2006/math">
-                      <m:r>
-                        <m:rPr>
-                          <m:sty m:val="p"/>
-                        </m:rPr>
-                        <a:rPr lang="el-GR" i="1">
-                          <a:solidFill>
-                            <a:schemeClr val="tx1">
-                              <a:lumMod val="95000"/>
-                              <a:lumOff val="5000"/>
-                            </a:schemeClr>
-                          </a:solidFill>
-                          <a:latin typeface="Cambria Math" panose="02040503050406030204" pitchFamily="18" charset="0"/>
-                          <a:ea typeface="Cambria Math" panose="02040503050406030204" pitchFamily="18" charset="0"/>
-                          <a:cs typeface="Times New Roman" panose="02020603050405020304" pitchFamily="18" charset="0"/>
-                        </a:rPr>
-                        <m:t>Ξ</m:t>
-                      </m:r>
-                    </m:oMath>
-                  </a14:m>
-                  <a:endParaRPr lang="en-US" dirty="0">
-                    <a:solidFill>
-                      <a:schemeClr val="tx1">
-                        <a:lumMod val="95000"/>
-                        <a:lumOff val="5000"/>
-                      </a:schemeClr>
-                    </a:solidFill>
-                    <a:latin typeface="Times New Roman" panose="02020603050405020304" pitchFamily="18" charset="0"/>
-                    <a:cs typeface="Times New Roman" panose="02020603050405020304" pitchFamily="18" charset="0"/>
-                  </a:endParaRPr>
-                </a:p>
-              </p:txBody>
-            </p:sp>
-          </mc:Choice>
-          <mc:Fallback>
-            <p:sp>
-              <p:nvSpPr>
-                <p:cNvPr id="19" name="TextBox 18">
-                  <a:extLst>
-                    <a:ext uri="{FF2B5EF4-FFF2-40B4-BE49-F238E27FC236}">
-                      <a16:creationId xmlns:a16="http://schemas.microsoft.com/office/drawing/2014/main" id="{256C351D-1730-2B39-8FF8-9E09EA66E0C7}"/>
-                    </a:ext>
-                  </a:extLst>
-                </p:cNvPr>
-                <p:cNvSpPr txBox="1">
-                  <a:spLocks noRot="1" noChangeAspect="1" noMove="1" noResize="1" noEditPoints="1" noAdjustHandles="1" noChangeArrowheads="1" noChangeShapeType="1" noTextEdit="1"/>
-                </p:cNvSpPr>
-                <p:nvPr/>
-              </p:nvSpPr>
-              <p:spPr>
-                <a:xfrm>
-                  <a:off x="824893" y="2653325"/>
-                  <a:ext cx="2243667" cy="646331"/>
-                </a:xfrm>
-                <a:prstGeom prst="rect">
-                  <a:avLst/>
-                </a:prstGeom>
-                <a:blipFill>
-                  <a:blip r:embed="rId2"/>
-                  <a:stretch>
-                    <a:fillRect l="-1087" t="-4717" b="-14151"/>
-                  </a:stretch>
-                </a:blipFill>
-              </p:spPr>
-              <p:txBody>
-                <a:bodyPr/>
-                <a:lstStyle/>
-                <a:p>
-                  <a:r>
-                    <a:rPr lang="en-US">
-                      <a:noFill/>
-                    </a:rPr>
-                    <a:t> </a:t>
-                  </a:r>
-                </a:p>
-              </p:txBody>
-            </p:sp>
-          </mc:Fallback>
-        </mc:AlternateContent>
-      </p:grpSp>
-      <p:grpSp>
-        <p:nvGrpSpPr>
-          <p:cNvPr id="48" name="Group 47">
-            <a:extLst>
-              <a:ext uri="{FF2B5EF4-FFF2-40B4-BE49-F238E27FC236}">
-                <a16:creationId xmlns:a16="http://schemas.microsoft.com/office/drawing/2014/main" id="{1DF76848-25DA-50B6-7290-FB965DF2CA75}"/>
-              </a:ext>
-            </a:extLst>
-          </p:cNvPr>
-          <p:cNvGrpSpPr/>
-          <p:nvPr/>
-        </p:nvGrpSpPr>
-        <p:grpSpPr>
-          <a:xfrm>
-            <a:off x="2676672" y="442054"/>
-            <a:ext cx="2678836" cy="2102643"/>
-            <a:chOff x="4187358" y="1713459"/>
-            <a:chExt cx="2678836" cy="2102644"/>
-          </a:xfrm>
-        </p:grpSpPr>
-        <p:grpSp>
-          <p:nvGrpSpPr>
-            <p:cNvPr id="23" name="Group 22">
-              <a:extLst>
-                <a:ext uri="{FF2B5EF4-FFF2-40B4-BE49-F238E27FC236}">
-                  <a16:creationId xmlns:a16="http://schemas.microsoft.com/office/drawing/2014/main" id="{998CAFD2-961A-A561-35A9-C7B7A892AF6D}"/>
-                </a:ext>
-              </a:extLst>
-            </p:cNvPr>
-            <p:cNvGrpSpPr/>
-            <p:nvPr/>
-          </p:nvGrpSpPr>
-          <p:grpSpPr>
-            <a:xfrm>
-              <a:off x="4814815" y="1713459"/>
-              <a:ext cx="1351041" cy="1375296"/>
-              <a:chOff x="3224894" y="1926498"/>
-              <a:chExt cx="672646" cy="684722"/>
-            </a:xfrm>
-          </p:grpSpPr>
-          <p:sp>
-            <p:nvSpPr>
-              <p:cNvPr id="24" name="Oval 23">
-                <a:extLst>
-                  <a:ext uri="{FF2B5EF4-FFF2-40B4-BE49-F238E27FC236}">
-                    <a16:creationId xmlns:a16="http://schemas.microsoft.com/office/drawing/2014/main" id="{C7FD386B-6AD1-8F38-7B06-C7D954C63A6C}"/>
-                  </a:ext>
-                </a:extLst>
-              </p:cNvPr>
-              <p:cNvSpPr/>
-              <p:nvPr/>
-            </p:nvSpPr>
-            <p:spPr>
-              <a:xfrm>
-                <a:off x="3224894" y="1926498"/>
-                <a:ext cx="151040" cy="151040"/>
-              </a:xfrm>
-              <a:prstGeom prst="ellipse">
-                <a:avLst/>
-              </a:prstGeom>
-              <a:solidFill>
-                <a:srgbClr val="002060"/>
-              </a:solidFill>
-              <a:ln>
-                <a:noFill/>
-              </a:ln>
-            </p:spPr>
-            <p:style>
-              <a:lnRef idx="2">
-                <a:schemeClr val="accent1">
-                  <a:shade val="50000"/>
-                </a:schemeClr>
-              </a:lnRef>
-              <a:fillRef idx="1">
-                <a:schemeClr val="accent1"/>
-              </a:fillRef>
-              <a:effectRef idx="0">
-                <a:schemeClr val="accent1"/>
-              </a:effectRef>
-              <a:fontRef idx="minor">
-                <a:schemeClr val="lt1"/>
-              </a:fontRef>
-            </p:style>
-            <p:txBody>
-              <a:bodyPr rtlCol="0" anchor="ctr"/>
-              <a:lstStyle/>
-              <a:p>
-                <a:pPr algn="ctr"/>
-                <a:endParaRPr lang="en-US" dirty="0"/>
-              </a:p>
-            </p:txBody>
-          </p:sp>
-          <p:sp>
-            <p:nvSpPr>
-              <p:cNvPr id="25" name="Oval 24">
-                <a:extLst>
-                  <a:ext uri="{FF2B5EF4-FFF2-40B4-BE49-F238E27FC236}">
-                    <a16:creationId xmlns:a16="http://schemas.microsoft.com/office/drawing/2014/main" id="{B4BEC158-E1DC-AAD8-5E02-84563742F361}"/>
-                  </a:ext>
-                </a:extLst>
-              </p:cNvPr>
-              <p:cNvSpPr/>
-              <p:nvPr/>
-            </p:nvSpPr>
-            <p:spPr>
-              <a:xfrm>
-                <a:off x="3224894" y="2194334"/>
-                <a:ext cx="151040" cy="151040"/>
-              </a:xfrm>
-              <a:prstGeom prst="ellipse">
-                <a:avLst/>
-              </a:prstGeom>
-              <a:solidFill>
-                <a:srgbClr val="002060"/>
-              </a:solidFill>
-              <a:ln>
-                <a:noFill/>
-              </a:ln>
-            </p:spPr>
-            <p:style>
-              <a:lnRef idx="2">
-                <a:schemeClr val="accent1">
-                  <a:shade val="50000"/>
-                </a:schemeClr>
-              </a:lnRef>
-              <a:fillRef idx="1">
-                <a:schemeClr val="accent1"/>
-              </a:fillRef>
-              <a:effectRef idx="0">
-                <a:schemeClr val="accent1"/>
-              </a:effectRef>
-              <a:fontRef idx="minor">
-                <a:schemeClr val="lt1"/>
-              </a:fontRef>
-            </p:style>
-            <p:txBody>
-              <a:bodyPr rtlCol="0" anchor="ctr"/>
-              <a:lstStyle/>
-              <a:p>
-                <a:pPr algn="ctr"/>
-                <a:endParaRPr lang="en-US"/>
-              </a:p>
-            </p:txBody>
-          </p:sp>
-          <p:sp>
-            <p:nvSpPr>
-              <p:cNvPr id="26" name="Oval 25">
-                <a:extLst>
-                  <a:ext uri="{FF2B5EF4-FFF2-40B4-BE49-F238E27FC236}">
-                    <a16:creationId xmlns:a16="http://schemas.microsoft.com/office/drawing/2014/main" id="{826DAAF2-EF65-DFCE-1092-D723C88654BF}"/>
-                  </a:ext>
-                </a:extLst>
-              </p:cNvPr>
-              <p:cNvSpPr/>
-              <p:nvPr/>
-            </p:nvSpPr>
-            <p:spPr>
-              <a:xfrm>
-                <a:off x="3224894" y="2460180"/>
-                <a:ext cx="151040" cy="151040"/>
-              </a:xfrm>
-              <a:prstGeom prst="ellipse">
-                <a:avLst/>
-              </a:prstGeom>
-              <a:solidFill>
-                <a:srgbClr val="002060"/>
-              </a:solidFill>
-              <a:ln>
-                <a:noFill/>
-              </a:ln>
-            </p:spPr>
-            <p:style>
-              <a:lnRef idx="2">
-                <a:schemeClr val="accent1">
-                  <a:shade val="50000"/>
-                </a:schemeClr>
-              </a:lnRef>
-              <a:fillRef idx="1">
-                <a:schemeClr val="accent1"/>
-              </a:fillRef>
-              <a:effectRef idx="0">
-                <a:schemeClr val="accent1"/>
-              </a:effectRef>
-              <a:fontRef idx="minor">
-                <a:schemeClr val="lt1"/>
-              </a:fontRef>
-            </p:style>
-            <p:txBody>
-              <a:bodyPr rtlCol="0" anchor="ctr"/>
-              <a:lstStyle/>
-              <a:p>
-                <a:pPr algn="ctr"/>
-                <a:endParaRPr lang="en-US"/>
-              </a:p>
-            </p:txBody>
-          </p:sp>
-          <p:sp>
-            <p:nvSpPr>
-              <p:cNvPr id="27" name="Oval 26">
-                <a:extLst>
-                  <a:ext uri="{FF2B5EF4-FFF2-40B4-BE49-F238E27FC236}">
-                    <a16:creationId xmlns:a16="http://schemas.microsoft.com/office/drawing/2014/main" id="{7704CFDA-DF5C-E1AF-9304-95B3491E68C0}"/>
-                  </a:ext>
-                </a:extLst>
-              </p:cNvPr>
-              <p:cNvSpPr/>
-              <p:nvPr/>
-            </p:nvSpPr>
-            <p:spPr>
-              <a:xfrm>
-                <a:off x="3503840" y="1926498"/>
-                <a:ext cx="151040" cy="151040"/>
-              </a:xfrm>
-              <a:prstGeom prst="ellipse">
-                <a:avLst/>
-              </a:prstGeom>
-              <a:solidFill>
-                <a:srgbClr val="A6CAEC"/>
-              </a:solidFill>
-              <a:ln>
-                <a:noFill/>
-              </a:ln>
-            </p:spPr>
-            <p:style>
-              <a:lnRef idx="2">
-                <a:schemeClr val="accent1">
-                  <a:shade val="50000"/>
-                </a:schemeClr>
-              </a:lnRef>
-              <a:fillRef idx="1">
-                <a:schemeClr val="accent1"/>
-              </a:fillRef>
-              <a:effectRef idx="0">
-                <a:schemeClr val="accent1"/>
-              </a:effectRef>
-              <a:fontRef idx="minor">
-                <a:schemeClr val="lt1"/>
-              </a:fontRef>
-            </p:style>
-            <p:txBody>
-              <a:bodyPr rtlCol="0" anchor="ctr"/>
-              <a:lstStyle/>
-              <a:p>
-                <a:pPr algn="ctr"/>
-                <a:endParaRPr lang="en-US"/>
-              </a:p>
-            </p:txBody>
-          </p:sp>
-          <p:sp>
-            <p:nvSpPr>
-              <p:cNvPr id="28" name="Oval 27">
-                <a:extLst>
-                  <a:ext uri="{FF2B5EF4-FFF2-40B4-BE49-F238E27FC236}">
-                    <a16:creationId xmlns:a16="http://schemas.microsoft.com/office/drawing/2014/main" id="{D24F1345-1315-2E0B-C106-A26D46D46715}"/>
-                  </a:ext>
-                </a:extLst>
-              </p:cNvPr>
-              <p:cNvSpPr/>
-              <p:nvPr/>
-            </p:nvSpPr>
-            <p:spPr>
-              <a:xfrm>
-                <a:off x="3503840" y="2194334"/>
-                <a:ext cx="151040" cy="151040"/>
-              </a:xfrm>
-              <a:prstGeom prst="ellipse">
-                <a:avLst/>
-              </a:prstGeom>
-              <a:solidFill>
-                <a:srgbClr val="A6CAEC"/>
-              </a:solidFill>
-              <a:ln>
-                <a:noFill/>
-              </a:ln>
-            </p:spPr>
-            <p:style>
-              <a:lnRef idx="2">
-                <a:schemeClr val="accent1">
-                  <a:shade val="50000"/>
-                </a:schemeClr>
-              </a:lnRef>
-              <a:fillRef idx="1">
-                <a:schemeClr val="accent1"/>
-              </a:fillRef>
-              <a:effectRef idx="0">
-                <a:schemeClr val="accent1"/>
-              </a:effectRef>
-              <a:fontRef idx="minor">
-                <a:schemeClr val="lt1"/>
-              </a:fontRef>
-            </p:style>
-            <p:txBody>
-              <a:bodyPr rtlCol="0" anchor="ctr"/>
-              <a:lstStyle/>
-              <a:p>
-                <a:pPr algn="ctr"/>
-                <a:endParaRPr lang="en-US"/>
-              </a:p>
-            </p:txBody>
-          </p:sp>
-          <p:sp>
-            <p:nvSpPr>
-              <p:cNvPr id="29" name="Oval 28">
-                <a:extLst>
-                  <a:ext uri="{FF2B5EF4-FFF2-40B4-BE49-F238E27FC236}">
-                    <a16:creationId xmlns:a16="http://schemas.microsoft.com/office/drawing/2014/main" id="{F4E6CAB9-408A-4A14-85FD-BED65FCD33DA}"/>
-                  </a:ext>
-                </a:extLst>
-              </p:cNvPr>
-              <p:cNvSpPr/>
-              <p:nvPr/>
-            </p:nvSpPr>
-            <p:spPr>
-              <a:xfrm>
-                <a:off x="3503840" y="2460180"/>
-                <a:ext cx="151040" cy="151040"/>
-              </a:xfrm>
-              <a:prstGeom prst="ellipse">
-                <a:avLst/>
-              </a:prstGeom>
-              <a:solidFill>
-                <a:srgbClr val="A6CAEC"/>
-              </a:solidFill>
-              <a:ln>
-                <a:noFill/>
-              </a:ln>
-            </p:spPr>
-            <p:style>
-              <a:lnRef idx="2">
-                <a:schemeClr val="accent1">
-                  <a:shade val="50000"/>
-                </a:schemeClr>
-              </a:lnRef>
-              <a:fillRef idx="1">
-                <a:schemeClr val="accent1"/>
-              </a:fillRef>
-              <a:effectRef idx="0">
-                <a:schemeClr val="accent1"/>
-              </a:effectRef>
-              <a:fontRef idx="minor">
-                <a:schemeClr val="lt1"/>
-              </a:fontRef>
-            </p:style>
-            <p:txBody>
-              <a:bodyPr rtlCol="0" anchor="ctr"/>
-              <a:lstStyle/>
-              <a:p>
-                <a:pPr algn="ctr"/>
-                <a:endParaRPr lang="en-US"/>
-              </a:p>
-            </p:txBody>
-          </p:sp>
-          <p:sp>
-            <p:nvSpPr>
-              <p:cNvPr id="30" name="Oval 29">
-                <a:extLst>
-                  <a:ext uri="{FF2B5EF4-FFF2-40B4-BE49-F238E27FC236}">
-                    <a16:creationId xmlns:a16="http://schemas.microsoft.com/office/drawing/2014/main" id="{5534F930-E576-5B3F-ACE7-857069CC257A}"/>
-                  </a:ext>
-                </a:extLst>
-              </p:cNvPr>
-              <p:cNvSpPr/>
-              <p:nvPr/>
-            </p:nvSpPr>
-            <p:spPr>
-              <a:xfrm>
-                <a:off x="3746500" y="2043294"/>
-                <a:ext cx="151040" cy="151040"/>
-              </a:xfrm>
-              <a:prstGeom prst="ellipse">
-                <a:avLst/>
-              </a:prstGeom>
-              <a:solidFill>
-                <a:srgbClr val="002060"/>
-              </a:solidFill>
-              <a:ln>
-                <a:noFill/>
-              </a:ln>
-            </p:spPr>
-            <p:style>
-              <a:lnRef idx="2">
-                <a:schemeClr val="accent1">
-                  <a:shade val="50000"/>
-                </a:schemeClr>
-              </a:lnRef>
-              <a:fillRef idx="1">
-                <a:schemeClr val="accent1"/>
-              </a:fillRef>
-              <a:effectRef idx="0">
-                <a:schemeClr val="accent1"/>
-              </a:effectRef>
-              <a:fontRef idx="minor">
-                <a:schemeClr val="lt1"/>
-              </a:fontRef>
-            </p:style>
-            <p:txBody>
-              <a:bodyPr rtlCol="0" anchor="ctr"/>
-              <a:lstStyle/>
-              <a:p>
-                <a:pPr algn="ctr"/>
-                <a:endParaRPr lang="en-US"/>
-              </a:p>
-            </p:txBody>
-          </p:sp>
-          <p:sp>
-            <p:nvSpPr>
-              <p:cNvPr id="31" name="Oval 30">
-                <a:extLst>
-                  <a:ext uri="{FF2B5EF4-FFF2-40B4-BE49-F238E27FC236}">
-                    <a16:creationId xmlns:a16="http://schemas.microsoft.com/office/drawing/2014/main" id="{CA3CD416-611F-3C97-2E3F-3FB806AEB405}"/>
-                  </a:ext>
-                </a:extLst>
-              </p:cNvPr>
-              <p:cNvSpPr/>
-              <p:nvPr/>
-            </p:nvSpPr>
-            <p:spPr>
-              <a:xfrm>
-                <a:off x="3746500" y="2311130"/>
-                <a:ext cx="151040" cy="151040"/>
-              </a:xfrm>
-              <a:prstGeom prst="ellipse">
-                <a:avLst/>
-              </a:prstGeom>
-              <a:solidFill>
-                <a:srgbClr val="002060"/>
-              </a:solidFill>
-              <a:ln>
-                <a:noFill/>
-              </a:ln>
-            </p:spPr>
-            <p:style>
-              <a:lnRef idx="2">
-                <a:schemeClr val="accent1">
-                  <a:shade val="50000"/>
-                </a:schemeClr>
-              </a:lnRef>
-              <a:fillRef idx="1">
-                <a:schemeClr val="accent1"/>
-              </a:fillRef>
-              <a:effectRef idx="0">
-                <a:schemeClr val="accent1"/>
-              </a:effectRef>
-              <a:fontRef idx="minor">
-                <a:schemeClr val="lt1"/>
-              </a:fontRef>
-            </p:style>
-            <p:txBody>
-              <a:bodyPr rtlCol="0" anchor="ctr"/>
-              <a:lstStyle/>
-              <a:p>
-                <a:pPr algn="ctr"/>
-                <a:endParaRPr lang="en-US"/>
-              </a:p>
-            </p:txBody>
-          </p:sp>
-          <p:cxnSp>
-            <p:nvCxnSpPr>
-              <p:cNvPr id="32" name="Straight Connector 31">
-                <a:extLst>
-                  <a:ext uri="{FF2B5EF4-FFF2-40B4-BE49-F238E27FC236}">
-                    <a16:creationId xmlns:a16="http://schemas.microsoft.com/office/drawing/2014/main" id="{05B384F8-FD5D-622B-71CA-C64D4BB6AFDF}"/>
-                  </a:ext>
-                </a:extLst>
-              </p:cNvPr>
-              <p:cNvCxnSpPr>
-                <a:stCxn id="24" idx="6"/>
-                <a:endCxn id="28" idx="2"/>
-              </p:cNvCxnSpPr>
-              <p:nvPr/>
-            </p:nvCxnSpPr>
-            <p:spPr>
-              <a:xfrm>
-                <a:off x="3375934" y="2002018"/>
-                <a:ext cx="127906" cy="267836"/>
-              </a:xfrm>
-              <a:prstGeom prst="line">
-                <a:avLst/>
-              </a:prstGeom>
-              <a:ln w="19050">
-                <a:solidFill>
-                  <a:schemeClr val="tx1">
-                    <a:lumMod val="75000"/>
-                    <a:lumOff val="25000"/>
-                  </a:schemeClr>
-                </a:solidFill>
-              </a:ln>
-            </p:spPr>
-            <p:style>
-              <a:lnRef idx="1">
-                <a:schemeClr val="accent1"/>
-              </a:lnRef>
-              <a:fillRef idx="0">
-                <a:schemeClr val="accent1"/>
-              </a:fillRef>
-              <a:effectRef idx="0">
-                <a:schemeClr val="accent1"/>
-              </a:effectRef>
-              <a:fontRef idx="minor">
-                <a:schemeClr val="tx1"/>
-              </a:fontRef>
-            </p:style>
-          </p:cxnSp>
-          <p:cxnSp>
-            <p:nvCxnSpPr>
-              <p:cNvPr id="33" name="Straight Connector 32">
-                <a:extLst>
-                  <a:ext uri="{FF2B5EF4-FFF2-40B4-BE49-F238E27FC236}">
-                    <a16:creationId xmlns:a16="http://schemas.microsoft.com/office/drawing/2014/main" id="{338B7D9E-A72A-240F-4F82-44246438C3A8}"/>
-                  </a:ext>
-                </a:extLst>
-              </p:cNvPr>
-              <p:cNvCxnSpPr>
-                <a:cxnSpLocks/>
-                <a:stCxn id="24" idx="6"/>
-                <a:endCxn id="27" idx="2"/>
-              </p:cNvCxnSpPr>
-              <p:nvPr/>
-            </p:nvCxnSpPr>
-            <p:spPr>
-              <a:xfrm>
-                <a:off x="3375934" y="2002018"/>
-                <a:ext cx="127906" cy="0"/>
-              </a:xfrm>
-              <a:prstGeom prst="line">
-                <a:avLst/>
-              </a:prstGeom>
-              <a:ln w="19050">
-                <a:solidFill>
-                  <a:schemeClr val="tx1">
-                    <a:lumMod val="75000"/>
-                    <a:lumOff val="25000"/>
-                  </a:schemeClr>
-                </a:solidFill>
-              </a:ln>
-            </p:spPr>
-            <p:style>
-              <a:lnRef idx="1">
-                <a:schemeClr val="accent1"/>
-              </a:lnRef>
-              <a:fillRef idx="0">
-                <a:schemeClr val="accent1"/>
-              </a:fillRef>
-              <a:effectRef idx="0">
-                <a:schemeClr val="accent1"/>
-              </a:effectRef>
-              <a:fontRef idx="minor">
-                <a:schemeClr val="tx1"/>
-              </a:fontRef>
-            </p:style>
-          </p:cxnSp>
-          <p:cxnSp>
-            <p:nvCxnSpPr>
-              <p:cNvPr id="34" name="Straight Connector 33">
-                <a:extLst>
-                  <a:ext uri="{FF2B5EF4-FFF2-40B4-BE49-F238E27FC236}">
-                    <a16:creationId xmlns:a16="http://schemas.microsoft.com/office/drawing/2014/main" id="{7D03339C-0FB1-81CE-4127-54D15C2ECCB0}"/>
-                  </a:ext>
-                </a:extLst>
-              </p:cNvPr>
-              <p:cNvCxnSpPr>
-                <a:cxnSpLocks/>
-                <a:stCxn id="24" idx="6"/>
-                <a:endCxn id="29" idx="2"/>
-              </p:cNvCxnSpPr>
-              <p:nvPr/>
-            </p:nvCxnSpPr>
-            <p:spPr>
-              <a:xfrm>
-                <a:off x="3375934" y="2002018"/>
-                <a:ext cx="127906" cy="533682"/>
-              </a:xfrm>
-              <a:prstGeom prst="line">
-                <a:avLst/>
-              </a:prstGeom>
-              <a:ln w="19050">
-                <a:solidFill>
-                  <a:schemeClr val="tx1">
-                    <a:lumMod val="75000"/>
-                    <a:lumOff val="25000"/>
-                  </a:schemeClr>
-                </a:solidFill>
-              </a:ln>
-            </p:spPr>
-            <p:style>
-              <a:lnRef idx="1">
-                <a:schemeClr val="accent1"/>
-              </a:lnRef>
-              <a:fillRef idx="0">
-                <a:schemeClr val="accent1"/>
-              </a:fillRef>
-              <a:effectRef idx="0">
-                <a:schemeClr val="accent1"/>
-              </a:effectRef>
-              <a:fontRef idx="minor">
-                <a:schemeClr val="tx1"/>
-              </a:fontRef>
-            </p:style>
-          </p:cxnSp>
-          <p:cxnSp>
-            <p:nvCxnSpPr>
-              <p:cNvPr id="35" name="Straight Connector 34">
-                <a:extLst>
-                  <a:ext uri="{FF2B5EF4-FFF2-40B4-BE49-F238E27FC236}">
-                    <a16:creationId xmlns:a16="http://schemas.microsoft.com/office/drawing/2014/main" id="{6DA896C9-4D19-4C65-D4A5-57188A113611}"/>
-                  </a:ext>
-                </a:extLst>
-              </p:cNvPr>
-              <p:cNvCxnSpPr>
-                <a:cxnSpLocks/>
-                <a:stCxn id="25" idx="6"/>
-                <a:endCxn id="27" idx="2"/>
-              </p:cNvCxnSpPr>
-              <p:nvPr/>
-            </p:nvCxnSpPr>
-            <p:spPr>
-              <a:xfrm flipV="1">
-                <a:off x="3375934" y="2002018"/>
-                <a:ext cx="127906" cy="267836"/>
-              </a:xfrm>
-              <a:prstGeom prst="line">
-                <a:avLst/>
-              </a:prstGeom>
-              <a:ln w="19050">
-                <a:solidFill>
-                  <a:schemeClr val="tx1">
-                    <a:lumMod val="75000"/>
-                    <a:lumOff val="25000"/>
-                  </a:schemeClr>
-                </a:solidFill>
-              </a:ln>
-            </p:spPr>
-            <p:style>
-              <a:lnRef idx="1">
-                <a:schemeClr val="accent1"/>
-              </a:lnRef>
-              <a:fillRef idx="0">
-                <a:schemeClr val="accent1"/>
-              </a:fillRef>
-              <a:effectRef idx="0">
-                <a:schemeClr val="accent1"/>
-              </a:effectRef>
-              <a:fontRef idx="minor">
-                <a:schemeClr val="tx1"/>
-              </a:fontRef>
-            </p:style>
-          </p:cxnSp>
-          <p:cxnSp>
-            <p:nvCxnSpPr>
-              <p:cNvPr id="36" name="Straight Connector 35">
-                <a:extLst>
-                  <a:ext uri="{FF2B5EF4-FFF2-40B4-BE49-F238E27FC236}">
-                    <a16:creationId xmlns:a16="http://schemas.microsoft.com/office/drawing/2014/main" id="{D6A85677-D061-3E2E-DE88-1AFC27F76E49}"/>
-                  </a:ext>
-                </a:extLst>
-              </p:cNvPr>
-              <p:cNvCxnSpPr>
-                <a:cxnSpLocks/>
-                <a:stCxn id="25" idx="6"/>
-                <a:endCxn id="28" idx="2"/>
-              </p:cNvCxnSpPr>
-              <p:nvPr/>
-            </p:nvCxnSpPr>
-            <p:spPr>
-              <a:xfrm>
-                <a:off x="3375934" y="2269854"/>
-                <a:ext cx="127906" cy="0"/>
-              </a:xfrm>
-              <a:prstGeom prst="line">
-                <a:avLst/>
-              </a:prstGeom>
-              <a:ln w="19050">
-                <a:solidFill>
-                  <a:schemeClr val="tx1">
-                    <a:lumMod val="75000"/>
-                    <a:lumOff val="25000"/>
-                  </a:schemeClr>
-                </a:solidFill>
-              </a:ln>
-            </p:spPr>
-            <p:style>
-              <a:lnRef idx="1">
-                <a:schemeClr val="accent1"/>
-              </a:lnRef>
-              <a:fillRef idx="0">
-                <a:schemeClr val="accent1"/>
-              </a:fillRef>
-              <a:effectRef idx="0">
-                <a:schemeClr val="accent1"/>
-              </a:effectRef>
-              <a:fontRef idx="minor">
-                <a:schemeClr val="tx1"/>
-              </a:fontRef>
-            </p:style>
-          </p:cxnSp>
-          <p:cxnSp>
-            <p:nvCxnSpPr>
-              <p:cNvPr id="37" name="Straight Connector 36">
-                <a:extLst>
-                  <a:ext uri="{FF2B5EF4-FFF2-40B4-BE49-F238E27FC236}">
-                    <a16:creationId xmlns:a16="http://schemas.microsoft.com/office/drawing/2014/main" id="{FDEFD0FE-5F56-D40B-3726-1D10929D84F1}"/>
-                  </a:ext>
-                </a:extLst>
-              </p:cNvPr>
-              <p:cNvCxnSpPr>
-                <a:cxnSpLocks/>
-                <a:stCxn id="25" idx="6"/>
-                <a:endCxn id="29" idx="2"/>
-              </p:cNvCxnSpPr>
-              <p:nvPr/>
-            </p:nvCxnSpPr>
-            <p:spPr>
-              <a:xfrm>
-                <a:off x="3375934" y="2269854"/>
-                <a:ext cx="127906" cy="265846"/>
-              </a:xfrm>
-              <a:prstGeom prst="line">
-                <a:avLst/>
-              </a:prstGeom>
-              <a:ln w="19050">
-                <a:solidFill>
-                  <a:schemeClr val="tx1">
-                    <a:lumMod val="75000"/>
-                    <a:lumOff val="25000"/>
-                  </a:schemeClr>
-                </a:solidFill>
-              </a:ln>
-            </p:spPr>
-            <p:style>
-              <a:lnRef idx="1">
-                <a:schemeClr val="accent1"/>
-              </a:lnRef>
-              <a:fillRef idx="0">
-                <a:schemeClr val="accent1"/>
-              </a:fillRef>
-              <a:effectRef idx="0">
-                <a:schemeClr val="accent1"/>
-              </a:effectRef>
-              <a:fontRef idx="minor">
-                <a:schemeClr val="tx1"/>
-              </a:fontRef>
-            </p:style>
-          </p:cxnSp>
-          <p:cxnSp>
-            <p:nvCxnSpPr>
-              <p:cNvPr id="38" name="Straight Connector 37">
-                <a:extLst>
-                  <a:ext uri="{FF2B5EF4-FFF2-40B4-BE49-F238E27FC236}">
-                    <a16:creationId xmlns:a16="http://schemas.microsoft.com/office/drawing/2014/main" id="{837269C9-24B0-461C-7E04-05B7D475ED29}"/>
-                  </a:ext>
-                </a:extLst>
-              </p:cNvPr>
-              <p:cNvCxnSpPr>
-                <a:cxnSpLocks/>
-                <a:stCxn id="26" idx="6"/>
-                <a:endCxn id="27" idx="2"/>
-              </p:cNvCxnSpPr>
-              <p:nvPr/>
-            </p:nvCxnSpPr>
-            <p:spPr>
-              <a:xfrm flipV="1">
-                <a:off x="3375934" y="2002018"/>
-                <a:ext cx="127906" cy="533682"/>
-              </a:xfrm>
-              <a:prstGeom prst="line">
-                <a:avLst/>
-              </a:prstGeom>
-              <a:ln w="19050">
-                <a:solidFill>
-                  <a:schemeClr val="tx1">
-                    <a:lumMod val="75000"/>
-                    <a:lumOff val="25000"/>
-                  </a:schemeClr>
-                </a:solidFill>
-              </a:ln>
-            </p:spPr>
-            <p:style>
-              <a:lnRef idx="1">
-                <a:schemeClr val="accent1"/>
-              </a:lnRef>
-              <a:fillRef idx="0">
-                <a:schemeClr val="accent1"/>
-              </a:fillRef>
-              <a:effectRef idx="0">
-                <a:schemeClr val="accent1"/>
-              </a:effectRef>
-              <a:fontRef idx="minor">
-                <a:schemeClr val="tx1"/>
-              </a:fontRef>
-            </p:style>
-          </p:cxnSp>
-          <p:cxnSp>
-            <p:nvCxnSpPr>
-              <p:cNvPr id="39" name="Straight Connector 38">
-                <a:extLst>
-                  <a:ext uri="{FF2B5EF4-FFF2-40B4-BE49-F238E27FC236}">
-                    <a16:creationId xmlns:a16="http://schemas.microsoft.com/office/drawing/2014/main" id="{D2337990-D6ED-69E8-547B-913AC98339BA}"/>
-                  </a:ext>
-                </a:extLst>
-              </p:cNvPr>
-              <p:cNvCxnSpPr>
-                <a:cxnSpLocks/>
-                <a:stCxn id="26" idx="6"/>
-                <a:endCxn id="28" idx="2"/>
-              </p:cNvCxnSpPr>
-              <p:nvPr/>
-            </p:nvCxnSpPr>
-            <p:spPr>
-              <a:xfrm flipV="1">
-                <a:off x="3375934" y="2269854"/>
-                <a:ext cx="127906" cy="265846"/>
-              </a:xfrm>
-              <a:prstGeom prst="line">
-                <a:avLst/>
-              </a:prstGeom>
-              <a:ln w="19050">
-                <a:solidFill>
-                  <a:schemeClr val="tx1">
-                    <a:lumMod val="75000"/>
-                    <a:lumOff val="25000"/>
-                  </a:schemeClr>
-                </a:solidFill>
-              </a:ln>
-            </p:spPr>
-            <p:style>
-              <a:lnRef idx="1">
-                <a:schemeClr val="accent1"/>
-              </a:lnRef>
-              <a:fillRef idx="0">
-                <a:schemeClr val="accent1"/>
-              </a:fillRef>
-              <a:effectRef idx="0">
-                <a:schemeClr val="accent1"/>
-              </a:effectRef>
-              <a:fontRef idx="minor">
-                <a:schemeClr val="tx1"/>
-              </a:fontRef>
-            </p:style>
-          </p:cxnSp>
-          <p:cxnSp>
-            <p:nvCxnSpPr>
-              <p:cNvPr id="40" name="Straight Connector 39">
-                <a:extLst>
-                  <a:ext uri="{FF2B5EF4-FFF2-40B4-BE49-F238E27FC236}">
-                    <a16:creationId xmlns:a16="http://schemas.microsoft.com/office/drawing/2014/main" id="{E13FCBBF-6F44-464B-8661-9CE9E9014353}"/>
-                  </a:ext>
-                </a:extLst>
-              </p:cNvPr>
-              <p:cNvCxnSpPr>
-                <a:cxnSpLocks/>
-                <a:stCxn id="26" idx="6"/>
-                <a:endCxn id="29" idx="2"/>
-              </p:cNvCxnSpPr>
-              <p:nvPr/>
-            </p:nvCxnSpPr>
-            <p:spPr>
-              <a:xfrm>
-                <a:off x="3375934" y="2535700"/>
-                <a:ext cx="127906" cy="0"/>
-              </a:xfrm>
-              <a:prstGeom prst="line">
-                <a:avLst/>
-              </a:prstGeom>
-              <a:ln w="19050">
-                <a:solidFill>
-                  <a:schemeClr val="tx1">
-                    <a:lumMod val="75000"/>
-                    <a:lumOff val="25000"/>
-                  </a:schemeClr>
-                </a:solidFill>
-              </a:ln>
-            </p:spPr>
-            <p:style>
-              <a:lnRef idx="1">
-                <a:schemeClr val="accent1"/>
-              </a:lnRef>
-              <a:fillRef idx="0">
-                <a:schemeClr val="accent1"/>
-              </a:fillRef>
-              <a:effectRef idx="0">
-                <a:schemeClr val="accent1"/>
-              </a:effectRef>
-              <a:fontRef idx="minor">
-                <a:schemeClr val="tx1"/>
-              </a:fontRef>
-            </p:style>
-          </p:cxnSp>
-          <p:cxnSp>
-            <p:nvCxnSpPr>
-              <p:cNvPr id="41" name="Straight Connector 40">
-                <a:extLst>
-                  <a:ext uri="{FF2B5EF4-FFF2-40B4-BE49-F238E27FC236}">
-                    <a16:creationId xmlns:a16="http://schemas.microsoft.com/office/drawing/2014/main" id="{0267DF60-D03D-95F5-4E16-D7F93461D764}"/>
-                  </a:ext>
-                </a:extLst>
-              </p:cNvPr>
-              <p:cNvCxnSpPr>
-                <a:cxnSpLocks/>
-                <a:stCxn id="27" idx="6"/>
-                <a:endCxn id="30" idx="2"/>
-              </p:cNvCxnSpPr>
-              <p:nvPr/>
-            </p:nvCxnSpPr>
-            <p:spPr>
-              <a:xfrm>
-                <a:off x="3654880" y="2002018"/>
-                <a:ext cx="91620" cy="116796"/>
-              </a:xfrm>
-              <a:prstGeom prst="line">
-                <a:avLst/>
-              </a:prstGeom>
-              <a:ln w="19050">
-                <a:solidFill>
-                  <a:schemeClr val="tx1">
-                    <a:lumMod val="75000"/>
-                    <a:lumOff val="25000"/>
-                  </a:schemeClr>
-                </a:solidFill>
-              </a:ln>
-            </p:spPr>
-            <p:style>
-              <a:lnRef idx="1">
-                <a:schemeClr val="accent1"/>
-              </a:lnRef>
-              <a:fillRef idx="0">
-                <a:schemeClr val="accent1"/>
-              </a:fillRef>
-              <a:effectRef idx="0">
-                <a:schemeClr val="accent1"/>
-              </a:effectRef>
-              <a:fontRef idx="minor">
-                <a:schemeClr val="tx1"/>
-              </a:fontRef>
-            </p:style>
-          </p:cxnSp>
-          <p:cxnSp>
-            <p:nvCxnSpPr>
-              <p:cNvPr id="42" name="Straight Connector 41">
-                <a:extLst>
-                  <a:ext uri="{FF2B5EF4-FFF2-40B4-BE49-F238E27FC236}">
-                    <a16:creationId xmlns:a16="http://schemas.microsoft.com/office/drawing/2014/main" id="{EA246C65-C85B-747C-1484-EFAED7F57B0D}"/>
-                  </a:ext>
-                </a:extLst>
-              </p:cNvPr>
-              <p:cNvCxnSpPr>
-                <a:cxnSpLocks/>
-                <a:stCxn id="27" idx="6"/>
-                <a:endCxn id="31" idx="2"/>
-              </p:cNvCxnSpPr>
-              <p:nvPr/>
-            </p:nvCxnSpPr>
-            <p:spPr>
-              <a:xfrm>
-                <a:off x="3654880" y="2002018"/>
-                <a:ext cx="91620" cy="384632"/>
-              </a:xfrm>
-              <a:prstGeom prst="line">
-                <a:avLst/>
-              </a:prstGeom>
-              <a:ln w="19050">
-                <a:solidFill>
-                  <a:schemeClr val="tx1">
-                    <a:lumMod val="75000"/>
-                    <a:lumOff val="25000"/>
-                  </a:schemeClr>
-                </a:solidFill>
-              </a:ln>
-            </p:spPr>
-            <p:style>
-              <a:lnRef idx="1">
-                <a:schemeClr val="accent1"/>
-              </a:lnRef>
-              <a:fillRef idx="0">
-                <a:schemeClr val="accent1"/>
-              </a:fillRef>
-              <a:effectRef idx="0">
-                <a:schemeClr val="accent1"/>
-              </a:effectRef>
-              <a:fontRef idx="minor">
-                <a:schemeClr val="tx1"/>
-              </a:fontRef>
-            </p:style>
-          </p:cxnSp>
-          <p:cxnSp>
-            <p:nvCxnSpPr>
-              <p:cNvPr id="43" name="Straight Connector 42">
-                <a:extLst>
-                  <a:ext uri="{FF2B5EF4-FFF2-40B4-BE49-F238E27FC236}">
-                    <a16:creationId xmlns:a16="http://schemas.microsoft.com/office/drawing/2014/main" id="{80E5C74C-BAD9-53EE-43D3-91A0A781FDE1}"/>
-                  </a:ext>
-                </a:extLst>
-              </p:cNvPr>
-              <p:cNvCxnSpPr>
-                <a:cxnSpLocks/>
-                <a:stCxn id="28" idx="6"/>
-                <a:endCxn id="30" idx="2"/>
-              </p:cNvCxnSpPr>
-              <p:nvPr/>
-            </p:nvCxnSpPr>
-            <p:spPr>
-              <a:xfrm flipV="1">
-                <a:off x="3654880" y="2118814"/>
-                <a:ext cx="91620" cy="151040"/>
-              </a:xfrm>
-              <a:prstGeom prst="line">
-                <a:avLst/>
-              </a:prstGeom>
-              <a:ln w="19050">
-                <a:solidFill>
-                  <a:schemeClr val="tx1">
-                    <a:lumMod val="75000"/>
-                    <a:lumOff val="25000"/>
-                  </a:schemeClr>
-                </a:solidFill>
-              </a:ln>
-            </p:spPr>
-            <p:style>
-              <a:lnRef idx="1">
-                <a:schemeClr val="accent1"/>
-              </a:lnRef>
-              <a:fillRef idx="0">
-                <a:schemeClr val="accent1"/>
-              </a:fillRef>
-              <a:effectRef idx="0">
-                <a:schemeClr val="accent1"/>
-              </a:effectRef>
-              <a:fontRef idx="minor">
-                <a:schemeClr val="tx1"/>
-              </a:fontRef>
-            </p:style>
-          </p:cxnSp>
-          <p:cxnSp>
-            <p:nvCxnSpPr>
-              <p:cNvPr id="44" name="Straight Connector 43">
-                <a:extLst>
-                  <a:ext uri="{FF2B5EF4-FFF2-40B4-BE49-F238E27FC236}">
-                    <a16:creationId xmlns:a16="http://schemas.microsoft.com/office/drawing/2014/main" id="{6B9AFD2C-05A6-F941-B364-E819BC07C4FC}"/>
-                  </a:ext>
-                </a:extLst>
-              </p:cNvPr>
-              <p:cNvCxnSpPr>
-                <a:cxnSpLocks/>
-                <a:stCxn id="28" idx="6"/>
-                <a:endCxn id="31" idx="2"/>
-              </p:cNvCxnSpPr>
-              <p:nvPr/>
-            </p:nvCxnSpPr>
-            <p:spPr>
-              <a:xfrm>
-                <a:off x="3654880" y="2269854"/>
-                <a:ext cx="91620" cy="116796"/>
-              </a:xfrm>
-              <a:prstGeom prst="line">
-                <a:avLst/>
-              </a:prstGeom>
-              <a:ln w="19050">
-                <a:solidFill>
-                  <a:schemeClr val="tx1">
-                    <a:lumMod val="75000"/>
-                    <a:lumOff val="25000"/>
-                  </a:schemeClr>
-                </a:solidFill>
-              </a:ln>
-            </p:spPr>
-            <p:style>
-              <a:lnRef idx="1">
-                <a:schemeClr val="accent1"/>
-              </a:lnRef>
-              <a:fillRef idx="0">
-                <a:schemeClr val="accent1"/>
-              </a:fillRef>
-              <a:effectRef idx="0">
-                <a:schemeClr val="accent1"/>
-              </a:effectRef>
-              <a:fontRef idx="minor">
-                <a:schemeClr val="tx1"/>
-              </a:fontRef>
-            </p:style>
-          </p:cxnSp>
-          <p:cxnSp>
-            <p:nvCxnSpPr>
-              <p:cNvPr id="45" name="Straight Connector 44">
-                <a:extLst>
-                  <a:ext uri="{FF2B5EF4-FFF2-40B4-BE49-F238E27FC236}">
-                    <a16:creationId xmlns:a16="http://schemas.microsoft.com/office/drawing/2014/main" id="{001CDD9C-1406-90D2-2A6B-8A17D0978102}"/>
-                  </a:ext>
-                </a:extLst>
-              </p:cNvPr>
-              <p:cNvCxnSpPr>
-                <a:cxnSpLocks/>
-                <a:stCxn id="31" idx="2"/>
-                <a:endCxn id="29" idx="6"/>
-              </p:cNvCxnSpPr>
-              <p:nvPr/>
-            </p:nvCxnSpPr>
-            <p:spPr>
-              <a:xfrm flipH="1">
-                <a:off x="3654880" y="2386650"/>
-                <a:ext cx="91620" cy="149050"/>
-              </a:xfrm>
-              <a:prstGeom prst="line">
-                <a:avLst/>
-              </a:prstGeom>
-              <a:ln w="19050">
-                <a:solidFill>
-                  <a:schemeClr val="tx1">
-                    <a:lumMod val="75000"/>
-                    <a:lumOff val="25000"/>
-                  </a:schemeClr>
-                </a:solidFill>
-              </a:ln>
-            </p:spPr>
-            <p:style>
-              <a:lnRef idx="1">
-                <a:schemeClr val="accent1"/>
-              </a:lnRef>
-              <a:fillRef idx="0">
-                <a:schemeClr val="accent1"/>
-              </a:fillRef>
-              <a:effectRef idx="0">
-                <a:schemeClr val="accent1"/>
-              </a:effectRef>
-              <a:fontRef idx="minor">
-                <a:schemeClr val="tx1"/>
-              </a:fontRef>
-            </p:style>
-          </p:cxnSp>
-          <p:cxnSp>
-            <p:nvCxnSpPr>
-              <p:cNvPr id="46" name="Straight Connector 45">
-                <a:extLst>
-                  <a:ext uri="{FF2B5EF4-FFF2-40B4-BE49-F238E27FC236}">
-                    <a16:creationId xmlns:a16="http://schemas.microsoft.com/office/drawing/2014/main" id="{7629E6D2-621B-6BCC-1C76-493768247ECD}"/>
-                  </a:ext>
-                </a:extLst>
-              </p:cNvPr>
-              <p:cNvCxnSpPr>
-                <a:cxnSpLocks/>
-                <a:stCxn id="29" idx="6"/>
-                <a:endCxn id="30" idx="2"/>
-              </p:cNvCxnSpPr>
-              <p:nvPr/>
-            </p:nvCxnSpPr>
-            <p:spPr>
-              <a:xfrm flipV="1">
-                <a:off x="3654880" y="2118814"/>
-                <a:ext cx="91620" cy="416886"/>
-              </a:xfrm>
-              <a:prstGeom prst="line">
-                <a:avLst/>
-              </a:prstGeom>
-              <a:ln w="19050">
-                <a:solidFill>
-                  <a:schemeClr val="tx1">
-                    <a:lumMod val="75000"/>
-                    <a:lumOff val="25000"/>
-                  </a:schemeClr>
-                </a:solidFill>
-              </a:ln>
-            </p:spPr>
-            <p:style>
-              <a:lnRef idx="1">
-                <a:schemeClr val="accent1"/>
-              </a:lnRef>
-              <a:fillRef idx="0">
-                <a:schemeClr val="accent1"/>
-              </a:fillRef>
-              <a:effectRef idx="0">
-                <a:schemeClr val="accent1"/>
-              </a:effectRef>
-              <a:fontRef idx="minor">
-                <a:schemeClr val="tx1"/>
-              </a:fontRef>
-            </p:style>
-          </p:cxnSp>
-        </p:grpSp>
-        <mc:AlternateContent xmlns:mc="http://schemas.openxmlformats.org/markup-compatibility/2006">
-          <mc:Choice xmlns:a14="http://schemas.microsoft.com/office/drawing/2010/main" Requires="a14">
-            <p:sp>
-              <p:nvSpPr>
-                <p:cNvPr id="47" name="TextBox 46">
-                  <a:extLst>
-                    <a:ext uri="{FF2B5EF4-FFF2-40B4-BE49-F238E27FC236}">
-                      <a16:creationId xmlns:a16="http://schemas.microsoft.com/office/drawing/2014/main" id="{710BD693-E7F2-A9DB-F795-543C980530BB}"/>
-                    </a:ext>
-                  </a:extLst>
-                </p:cNvPr>
-                <p:cNvSpPr txBox="1"/>
-                <p:nvPr/>
-              </p:nvSpPr>
-              <p:spPr>
-                <a:xfrm>
-                  <a:off x="4187358" y="3126234"/>
-                  <a:ext cx="2678836" cy="689869"/>
-                </a:xfrm>
-                <a:prstGeom prst="rect">
-                  <a:avLst/>
-                </a:prstGeom>
-                <a:noFill/>
-              </p:spPr>
-              <p:txBody>
-                <a:bodyPr wrap="square">
-                  <a:spAutoFit/>
-                </a:bodyPr>
-                <a:lstStyle/>
-                <a:p>
-                  <a:pPr algn="ctr"/>
-                  <a:r>
-                    <a:rPr lang="en-US" dirty="0">
-                      <a:solidFill>
-                        <a:schemeClr val="tx1">
-                          <a:lumMod val="95000"/>
-                          <a:lumOff val="5000"/>
-                        </a:schemeClr>
-                      </a:solidFill>
-                      <a:latin typeface="Times New Roman" panose="02020603050405020304" pitchFamily="18" charset="0"/>
-                      <a:cs typeface="Times New Roman" panose="02020603050405020304" pitchFamily="18" charset="0"/>
-                    </a:rPr>
-                    <a:t>Solution map</a:t>
-                  </a:r>
-                  <a:r>
-                    <a:rPr lang="en-US" altLang="zh-CN" dirty="0">
-                      <a:solidFill>
-                        <a:schemeClr val="tx1">
-                          <a:lumMod val="95000"/>
-                          <a:lumOff val="5000"/>
-                        </a:schemeClr>
-                      </a:solidFill>
-                      <a:latin typeface="Times New Roman" panose="02020603050405020304" pitchFamily="18" charset="0"/>
-                      <a:cs typeface="Times New Roman" panose="02020603050405020304" pitchFamily="18" charset="0"/>
-                    </a:rPr>
-                    <a:t>ping</a:t>
-                  </a:r>
-                  <a:r>
-                    <a:rPr lang="en-US" dirty="0">
-                      <a:solidFill>
-                        <a:schemeClr val="tx1">
-                          <a:lumMod val="95000"/>
-                          <a:lumOff val="5000"/>
-                        </a:schemeClr>
-                      </a:solidFill>
-                      <a:latin typeface="Times New Roman" panose="02020603050405020304" pitchFamily="18" charset="0"/>
-                      <a:cs typeface="Times New Roman" panose="02020603050405020304" pitchFamily="18" charset="0"/>
-                    </a:rPr>
-                    <a:t> </a:t>
-                  </a:r>
-                  <a14:m>
-                    <m:oMath xmlns:m="http://schemas.openxmlformats.org/officeDocument/2006/math">
-                      <m:sSub>
-                        <m:sSubPr>
-                          <m:ctrlPr>
-                            <a:rPr lang="en-US" i="1">
-                              <a:solidFill>
-                                <a:schemeClr val="tx1">
-                                  <a:lumMod val="95000"/>
-                                  <a:lumOff val="5000"/>
-                                </a:schemeClr>
-                              </a:solidFill>
-                              <a:latin typeface="Cambria Math" panose="02040503050406030204" pitchFamily="18" charset="0"/>
-                              <a:cs typeface="Times New Roman" panose="02020603050405020304" pitchFamily="18" charset="0"/>
-                            </a:rPr>
-                          </m:ctrlPr>
-                        </m:sSubPr>
-                        <m:e>
-                          <m:r>
-                            <a:rPr lang="en-US" i="1">
-                              <a:solidFill>
-                                <a:schemeClr val="tx1">
-                                  <a:lumMod val="95000"/>
-                                  <a:lumOff val="5000"/>
-                                </a:schemeClr>
-                              </a:solidFill>
-                              <a:latin typeface="Cambria Math" panose="02040503050406030204" pitchFamily="18" charset="0"/>
-                              <a:ea typeface="Cambria Math" panose="02040503050406030204" pitchFamily="18" charset="0"/>
-                              <a:cs typeface="Times New Roman" panose="02020603050405020304" pitchFamily="18" charset="0"/>
-                            </a:rPr>
-                            <m:t>𝜋</m:t>
-                          </m:r>
-                        </m:e>
-                        <m:sub>
-                          <m:sSub>
-                            <m:sSubPr>
-                              <m:ctrlPr>
-                                <a:rPr lang="en-US" i="1">
-                                  <a:solidFill>
-                                    <a:schemeClr val="tx1">
-                                      <a:lumMod val="95000"/>
-                                      <a:lumOff val="5000"/>
-                                    </a:schemeClr>
-                                  </a:solidFill>
-                                  <a:latin typeface="Cambria Math" panose="02040503050406030204" pitchFamily="18" charset="0"/>
-                                  <a:ea typeface="Cambria Math" panose="02040503050406030204" pitchFamily="18" charset="0"/>
-                                  <a:cs typeface="Times New Roman" panose="02020603050405020304" pitchFamily="18" charset="0"/>
-                                </a:rPr>
-                              </m:ctrlPr>
-                            </m:sSubPr>
-                            <m:e>
-                              <m:r>
-                                <m:rPr>
-                                  <m:sty m:val="p"/>
-                                </m:rPr>
-                                <a:rPr lang="en-US">
-                                  <a:solidFill>
-                                    <a:schemeClr val="tx1">
-                                      <a:lumMod val="95000"/>
-                                      <a:lumOff val="5000"/>
-                                    </a:schemeClr>
-                                  </a:solidFill>
-                                  <a:latin typeface="Cambria Math" panose="02040503050406030204" pitchFamily="18" charset="0"/>
-                                  <a:ea typeface="Cambria Math" panose="02040503050406030204" pitchFamily="18" charset="0"/>
-                                  <a:cs typeface="Times New Roman" panose="02020603050405020304" pitchFamily="18" charset="0"/>
-                                </a:rPr>
-                                <m:t>Θ</m:t>
-                              </m:r>
-                            </m:e>
-                            <m:sub>
-                              <m:r>
-                                <a:rPr lang="en-US" i="1">
-                                  <a:solidFill>
-                                    <a:schemeClr val="tx1">
-                                      <a:lumMod val="95000"/>
-                                      <a:lumOff val="5000"/>
-                                    </a:schemeClr>
-                                  </a:solidFill>
-                                  <a:latin typeface="Cambria Math" panose="02040503050406030204" pitchFamily="18" charset="0"/>
-                                  <a:ea typeface="Cambria Math" panose="02040503050406030204" pitchFamily="18" charset="0"/>
-                                  <a:cs typeface="Times New Roman" panose="02020603050405020304" pitchFamily="18" charset="0"/>
-                                </a:rPr>
-                                <m:t>1</m:t>
-                              </m:r>
-                            </m:sub>
-                          </m:sSub>
-                        </m:sub>
-                      </m:sSub>
-                      <m:d>
-                        <m:dPr>
-                          <m:ctrlPr>
-                            <a:rPr lang="en-US" i="1">
-                              <a:solidFill>
-                                <a:schemeClr val="tx1">
-                                  <a:lumMod val="95000"/>
-                                  <a:lumOff val="5000"/>
-                                </a:schemeClr>
-                              </a:solidFill>
-                              <a:latin typeface="Cambria Math" panose="02040503050406030204" pitchFamily="18" charset="0"/>
-                              <a:cs typeface="Times New Roman" panose="02020603050405020304" pitchFamily="18" charset="0"/>
-                            </a:rPr>
-                          </m:ctrlPr>
-                        </m:dPr>
-                        <m:e>
-                          <m:sSup>
-                            <m:sSupPr>
-                              <m:ctrlPr>
-                                <a:rPr lang="en-US" i="1">
-                                  <a:solidFill>
-                                    <a:schemeClr val="tx1">
-                                      <a:lumMod val="95000"/>
-                                      <a:lumOff val="5000"/>
-                                    </a:schemeClr>
-                                  </a:solidFill>
-                                  <a:latin typeface="Cambria Math" panose="02040503050406030204" pitchFamily="18" charset="0"/>
-                                  <a:ea typeface="Cambria Math" panose="02040503050406030204" pitchFamily="18" charset="0"/>
-                                  <a:cs typeface="Times New Roman" panose="02020603050405020304" pitchFamily="18" charset="0"/>
-                                </a:rPr>
-                              </m:ctrlPr>
-                            </m:sSupPr>
-                            <m:e>
-                              <m:r>
-                                <a:rPr lang="en-US" b="1" i="1">
-                                  <a:solidFill>
-                                    <a:schemeClr val="tx1">
-                                      <a:lumMod val="95000"/>
-                                      <a:lumOff val="5000"/>
-                                    </a:schemeClr>
-                                  </a:solidFill>
-                                  <a:latin typeface="Cambria Math" panose="02040503050406030204" pitchFamily="18" charset="0"/>
-                                  <a:ea typeface="Cambria Math" panose="02040503050406030204" pitchFamily="18" charset="0"/>
-                                  <a:cs typeface="Times New Roman" panose="02020603050405020304" pitchFamily="18" charset="0"/>
-                                </a:rPr>
-                                <m:t>𝝃</m:t>
-                              </m:r>
-                            </m:e>
-                            <m:sup>
-                              <m:r>
-                                <a:rPr lang="en-US" i="1">
-                                  <a:solidFill>
-                                    <a:schemeClr val="tx1">
-                                      <a:lumMod val="95000"/>
-                                      <a:lumOff val="5000"/>
-                                    </a:schemeClr>
-                                  </a:solidFill>
-                                  <a:latin typeface="Cambria Math" panose="02040503050406030204" pitchFamily="18" charset="0"/>
-                                  <a:ea typeface="Cambria Math" panose="02040503050406030204" pitchFamily="18" charset="0"/>
-                                  <a:cs typeface="Times New Roman" panose="02020603050405020304" pitchFamily="18" charset="0"/>
-                                </a:rPr>
-                                <m:t>𝑖</m:t>
-                              </m:r>
-                            </m:sup>
-                          </m:sSup>
-                        </m:e>
-                      </m:d>
-                    </m:oMath>
-                  </a14:m>
-                  <a:br>
-                    <a:rPr lang="en-US" dirty="0">
-                      <a:solidFill>
-                        <a:schemeClr val="tx1">
-                          <a:lumMod val="95000"/>
-                          <a:lumOff val="5000"/>
-                        </a:schemeClr>
-                      </a:solidFill>
-                      <a:latin typeface="Times New Roman" panose="02020603050405020304" pitchFamily="18" charset="0"/>
-                      <a:cs typeface="Times New Roman" panose="02020603050405020304" pitchFamily="18" charset="0"/>
-                    </a:rPr>
-                  </a:br>
-                  <a:r>
-                    <a:rPr lang="en-US" dirty="0">
-                      <a:solidFill>
-                        <a:schemeClr val="tx1">
-                          <a:lumMod val="95000"/>
-                          <a:lumOff val="5000"/>
-                        </a:schemeClr>
-                      </a:solidFill>
-                      <a:latin typeface="Times New Roman" panose="02020603050405020304" pitchFamily="18" charset="0"/>
-                      <a:cs typeface="Times New Roman" panose="02020603050405020304" pitchFamily="18" charset="0"/>
-                    </a:rPr>
-                    <a:t>for parametric NLP</a:t>
-                  </a:r>
-                  <a:endParaRPr lang="en-US" b="1" dirty="0">
-                    <a:solidFill>
-                      <a:schemeClr val="tx1">
-                        <a:lumMod val="95000"/>
-                        <a:lumOff val="5000"/>
-                      </a:schemeClr>
-                    </a:solidFill>
-                    <a:latin typeface="Times New Roman" panose="02020603050405020304" pitchFamily="18" charset="0"/>
-                    <a:cs typeface="Times New Roman" panose="02020603050405020304" pitchFamily="18" charset="0"/>
-                  </a:endParaRPr>
-                </a:p>
-              </p:txBody>
-            </p:sp>
-          </mc:Choice>
-          <mc:Fallback>
-            <p:sp>
-              <p:nvSpPr>
-                <p:cNvPr id="47" name="TextBox 46">
-                  <a:extLst>
-                    <a:ext uri="{FF2B5EF4-FFF2-40B4-BE49-F238E27FC236}">
-                      <a16:creationId xmlns:a16="http://schemas.microsoft.com/office/drawing/2014/main" id="{710BD693-E7F2-A9DB-F795-543C980530BB}"/>
-                    </a:ext>
-                  </a:extLst>
-                </p:cNvPr>
-                <p:cNvSpPr txBox="1">
-                  <a:spLocks noRot="1" noChangeAspect="1" noMove="1" noResize="1" noEditPoints="1" noAdjustHandles="1" noChangeArrowheads="1" noChangeShapeType="1" noTextEdit="1"/>
-                </p:cNvSpPr>
-                <p:nvPr/>
-              </p:nvSpPr>
-              <p:spPr>
-                <a:xfrm>
-                  <a:off x="4187358" y="3126234"/>
-                  <a:ext cx="2678836" cy="689869"/>
-                </a:xfrm>
-                <a:prstGeom prst="rect">
-                  <a:avLst/>
-                </a:prstGeom>
-                <a:blipFill>
-                  <a:blip r:embed="rId3"/>
-                  <a:stretch>
-                    <a:fillRect l="-909" t="-1770" b="-13274"/>
-                  </a:stretch>
-                </a:blipFill>
-              </p:spPr>
-              <p:txBody>
-                <a:bodyPr/>
-                <a:lstStyle/>
-                <a:p>
-                  <a:r>
-                    <a:rPr lang="en-US">
-                      <a:noFill/>
-                    </a:rPr>
-                    <a:t> </a:t>
-                  </a:r>
-                </a:p>
-              </p:txBody>
-            </p:sp>
-          </mc:Fallback>
-        </mc:AlternateContent>
-      </p:grpSp>
-      <p:grpSp>
-        <p:nvGrpSpPr>
-          <p:cNvPr id="8" name="Group 7">
-            <a:extLst>
-              <a:ext uri="{FF2B5EF4-FFF2-40B4-BE49-F238E27FC236}">
-                <a16:creationId xmlns:a16="http://schemas.microsoft.com/office/drawing/2014/main" id="{EC25CB51-9874-A9C7-3189-FA164D7A7913}"/>
-              </a:ext>
-            </a:extLst>
-          </p:cNvPr>
-          <p:cNvGrpSpPr/>
-          <p:nvPr/>
-        </p:nvGrpSpPr>
-        <p:grpSpPr>
-          <a:xfrm>
-            <a:off x="5430868" y="317443"/>
-            <a:ext cx="2678837" cy="2221830"/>
-            <a:chOff x="5430867" y="45374"/>
-            <a:chExt cx="2678837" cy="2221830"/>
-          </a:xfrm>
-        </p:grpSpPr>
-        <p:grpSp>
-          <p:nvGrpSpPr>
-            <p:cNvPr id="7" name="Group 6">
-              <a:extLst>
-                <a:ext uri="{FF2B5EF4-FFF2-40B4-BE49-F238E27FC236}">
-                  <a16:creationId xmlns:a16="http://schemas.microsoft.com/office/drawing/2014/main" id="{F8DB8E8B-04D9-BA89-C8A0-F253E36F6BD3}"/>
-                </a:ext>
-              </a:extLst>
-            </p:cNvPr>
-            <p:cNvGrpSpPr/>
-            <p:nvPr/>
-          </p:nvGrpSpPr>
-          <p:grpSpPr>
-            <a:xfrm>
-              <a:off x="6003404" y="45374"/>
-              <a:ext cx="1801011" cy="1499902"/>
-              <a:chOff x="6003404" y="45374"/>
-              <a:chExt cx="1801011" cy="1499902"/>
-            </a:xfrm>
-          </p:grpSpPr>
-          <p:sp>
-            <p:nvSpPr>
-              <p:cNvPr id="6" name="Freeform: Shape 5">
-                <a:extLst>
-                  <a:ext uri="{FF2B5EF4-FFF2-40B4-BE49-F238E27FC236}">
-                    <a16:creationId xmlns:a16="http://schemas.microsoft.com/office/drawing/2014/main" id="{D39C60D4-4CEA-E3F8-2D2F-E3DE4E0B0C4A}"/>
-                  </a:ext>
-                </a:extLst>
-              </p:cNvPr>
-              <p:cNvSpPr/>
-              <p:nvPr/>
-            </p:nvSpPr>
-            <p:spPr>
-              <a:xfrm>
-                <a:off x="6213475" y="571500"/>
-                <a:ext cx="869950" cy="866775"/>
-              </a:xfrm>
-              <a:custGeom>
-                <a:avLst/>
-                <a:gdLst>
-                  <a:gd name="connsiteX0" fmla="*/ 0 w 869950"/>
-                  <a:gd name="connsiteY0" fmla="*/ 6350 h 866775"/>
-                  <a:gd name="connsiteX1" fmla="*/ 0 w 869950"/>
-                  <a:gd name="connsiteY1" fmla="*/ 866775 h 866775"/>
-                  <a:gd name="connsiteX2" fmla="*/ 869950 w 869950"/>
-                  <a:gd name="connsiteY2" fmla="*/ 866775 h 866775"/>
-                  <a:gd name="connsiteX3" fmla="*/ 869950 w 869950"/>
-                  <a:gd name="connsiteY3" fmla="*/ 285750 h 866775"/>
-                  <a:gd name="connsiteX4" fmla="*/ 288925 w 869950"/>
-                  <a:gd name="connsiteY4" fmla="*/ 0 h 866775"/>
-                  <a:gd name="connsiteX5" fmla="*/ 0 w 869950"/>
-                  <a:gd name="connsiteY5" fmla="*/ 6350 h 866775"/>
-                </a:gdLst>
-                <a:ahLst/>
-                <a:cxnLst>
-                  <a:cxn ang="0">
-                    <a:pos x="connsiteX0" y="connsiteY0"/>
-                  </a:cxn>
-                  <a:cxn ang="0">
-                    <a:pos x="connsiteX1" y="connsiteY1"/>
-                  </a:cxn>
-                  <a:cxn ang="0">
-                    <a:pos x="connsiteX2" y="connsiteY2"/>
-                  </a:cxn>
-                  <a:cxn ang="0">
-                    <a:pos x="connsiteX3" y="connsiteY3"/>
-                  </a:cxn>
-                  <a:cxn ang="0">
-                    <a:pos x="connsiteX4" y="connsiteY4"/>
-                  </a:cxn>
-                  <a:cxn ang="0">
-                    <a:pos x="connsiteX5" y="connsiteY5"/>
-                  </a:cxn>
-                </a:cxnLst>
-                <a:rect l="l" t="t" r="r" b="b"/>
-                <a:pathLst>
-                  <a:path w="869950" h="866775">
-                    <a:moveTo>
-                      <a:pt x="0" y="6350"/>
-                    </a:moveTo>
-                    <a:lnTo>
-                      <a:pt x="0" y="866775"/>
-                    </a:lnTo>
-                    <a:lnTo>
-                      <a:pt x="869950" y="866775"/>
-                    </a:lnTo>
-                    <a:lnTo>
-                      <a:pt x="869950" y="285750"/>
-                    </a:lnTo>
-                    <a:lnTo>
-                      <a:pt x="288925" y="0"/>
-                    </a:lnTo>
-                    <a:lnTo>
-                      <a:pt x="0" y="6350"/>
-                    </a:lnTo>
-                    <a:close/>
-                  </a:path>
-                </a:pathLst>
-              </a:custGeom>
-              <a:solidFill>
-                <a:srgbClr val="A6CAEC"/>
-              </a:solidFill>
-              <a:ln>
-                <a:noFill/>
-              </a:ln>
-            </p:spPr>
-            <p:style>
-              <a:lnRef idx="2">
-                <a:schemeClr val="accent1">
-                  <a:shade val="15000"/>
-                </a:schemeClr>
-              </a:lnRef>
-              <a:fillRef idx="1">
-                <a:schemeClr val="accent1"/>
-              </a:fillRef>
-              <a:effectRef idx="0">
-                <a:schemeClr val="accent1"/>
-              </a:effectRef>
-              <a:fontRef idx="minor">
-                <a:schemeClr val="lt1"/>
-              </a:fontRef>
-            </p:style>
-            <p:txBody>
-              <a:bodyPr rtlCol="0" anchor="ctr"/>
-              <a:lstStyle/>
-              <a:p>
-                <a:pPr algn="ctr"/>
-                <a:endParaRPr lang="en-US"/>
-              </a:p>
-            </p:txBody>
-          </p:sp>
-          <p:sp>
-            <p:nvSpPr>
-              <p:cNvPr id="1056" name="Freeform: Shape 1055">
-                <a:extLst>
-                  <a:ext uri="{FF2B5EF4-FFF2-40B4-BE49-F238E27FC236}">
-                    <a16:creationId xmlns:a16="http://schemas.microsoft.com/office/drawing/2014/main" id="{A4B5AAE0-44F3-59D8-FA6F-6A68EC02C598}"/>
-                  </a:ext>
-                </a:extLst>
-              </p:cNvPr>
-              <p:cNvSpPr/>
-              <p:nvPr/>
-            </p:nvSpPr>
-            <p:spPr>
-              <a:xfrm>
-                <a:off x="6202478" y="485584"/>
-                <a:ext cx="1135616" cy="941769"/>
-              </a:xfrm>
-              <a:custGeom>
-                <a:avLst/>
-                <a:gdLst>
-                  <a:gd name="connsiteX0" fmla="*/ 2117 w 1488017"/>
-                  <a:gd name="connsiteY0" fmla="*/ 1234016 h 1234016"/>
-                  <a:gd name="connsiteX1" fmla="*/ 0 w 1488017"/>
-                  <a:gd name="connsiteY1" fmla="*/ 0 h 1234016"/>
-                  <a:gd name="connsiteX2" fmla="*/ 1352550 w 1488017"/>
-                  <a:gd name="connsiteY2" fmla="*/ 338666 h 1234016"/>
-                  <a:gd name="connsiteX3" fmla="*/ 1488017 w 1488017"/>
-                  <a:gd name="connsiteY3" fmla="*/ 628650 h 1234016"/>
-                  <a:gd name="connsiteX4" fmla="*/ 1310217 w 1488017"/>
-                  <a:gd name="connsiteY4" fmla="*/ 1231900 h 1234016"/>
-                  <a:gd name="connsiteX5" fmla="*/ 2117 w 1488017"/>
-                  <a:gd name="connsiteY5" fmla="*/ 1234016 h 1234016"/>
-                </a:gdLst>
-                <a:ahLst/>
-                <a:cxnLst>
-                  <a:cxn ang="0">
-                    <a:pos x="connsiteX0" y="connsiteY0"/>
-                  </a:cxn>
-                  <a:cxn ang="0">
-                    <a:pos x="connsiteX1" y="connsiteY1"/>
-                  </a:cxn>
-                  <a:cxn ang="0">
-                    <a:pos x="connsiteX2" y="connsiteY2"/>
-                  </a:cxn>
-                  <a:cxn ang="0">
-                    <a:pos x="connsiteX3" y="connsiteY3"/>
-                  </a:cxn>
-                  <a:cxn ang="0">
-                    <a:pos x="connsiteX4" y="connsiteY4"/>
-                  </a:cxn>
-                  <a:cxn ang="0">
-                    <a:pos x="connsiteX5" y="connsiteY5"/>
-                  </a:cxn>
-                </a:cxnLst>
-                <a:rect l="l" t="t" r="r" b="b"/>
-                <a:pathLst>
-                  <a:path w="1488017" h="1234016">
-                    <a:moveTo>
-                      <a:pt x="2117" y="1234016"/>
-                    </a:moveTo>
-                    <a:cubicBezTo>
-                      <a:pt x="1411" y="822677"/>
-                      <a:pt x="706" y="411339"/>
-                      <a:pt x="0" y="0"/>
-                    </a:cubicBezTo>
-                    <a:lnTo>
-                      <a:pt x="1352550" y="338666"/>
-                    </a:lnTo>
-                    <a:lnTo>
-                      <a:pt x="1488017" y="628650"/>
-                    </a:lnTo>
-                    <a:lnTo>
-                      <a:pt x="1310217" y="1231900"/>
-                    </a:lnTo>
-                    <a:lnTo>
-                      <a:pt x="2117" y="1234016"/>
-                    </a:lnTo>
-                    <a:close/>
-                  </a:path>
-                </a:pathLst>
-              </a:custGeom>
-              <a:solidFill>
-                <a:srgbClr val="A6CAEC"/>
-              </a:solidFill>
-              <a:ln>
-                <a:noFill/>
-              </a:ln>
-            </p:spPr>
-            <p:style>
-              <a:lnRef idx="2">
-                <a:schemeClr val="accent1">
-                  <a:shade val="15000"/>
-                </a:schemeClr>
-              </a:lnRef>
-              <a:fillRef idx="1">
-                <a:schemeClr val="accent1"/>
-              </a:fillRef>
-              <a:effectRef idx="0">
-                <a:schemeClr val="accent1"/>
-              </a:effectRef>
-              <a:fontRef idx="minor">
-                <a:schemeClr val="lt1"/>
-              </a:fontRef>
-            </p:style>
-            <p:txBody>
-              <a:bodyPr rtlCol="0" anchor="ctr"/>
-              <a:lstStyle/>
-              <a:p>
-                <a:pPr algn="ctr"/>
-                <a:endParaRPr lang="en-US"/>
-              </a:p>
-            </p:txBody>
-          </p:sp>
-          <p:cxnSp>
-            <p:nvCxnSpPr>
-              <p:cNvPr id="1042" name="Straight Connector 1041">
-                <a:extLst>
-                  <a:ext uri="{FF2B5EF4-FFF2-40B4-BE49-F238E27FC236}">
-                    <a16:creationId xmlns:a16="http://schemas.microsoft.com/office/drawing/2014/main" id="{20A027D7-14D3-ADD8-E2F2-073D6CC42B10}"/>
-                  </a:ext>
-                </a:extLst>
-              </p:cNvPr>
-              <p:cNvCxnSpPr>
-                <a:cxnSpLocks/>
-              </p:cNvCxnSpPr>
-              <p:nvPr/>
-            </p:nvCxnSpPr>
-            <p:spPr>
-              <a:xfrm>
-                <a:off x="6003404" y="436832"/>
-                <a:ext cx="1801011" cy="450366"/>
-              </a:xfrm>
-              <a:prstGeom prst="line">
-                <a:avLst/>
-              </a:prstGeom>
-              <a:ln w="38100">
-                <a:solidFill>
-                  <a:srgbClr val="002060"/>
-                </a:solidFill>
-                <a:prstDash val="dash"/>
-              </a:ln>
-            </p:spPr>
-            <p:style>
-              <a:lnRef idx="2">
-                <a:schemeClr val="accent1"/>
-              </a:lnRef>
-              <a:fillRef idx="0">
-                <a:schemeClr val="accent1"/>
-              </a:fillRef>
-              <a:effectRef idx="1">
-                <a:schemeClr val="accent1"/>
-              </a:effectRef>
-              <a:fontRef idx="minor">
-                <a:schemeClr val="tx1"/>
-              </a:fontRef>
-            </p:style>
-          </p:cxnSp>
-          <p:cxnSp>
-            <p:nvCxnSpPr>
-              <p:cNvPr id="1043" name="Straight Connector 1042">
-                <a:extLst>
-                  <a:ext uri="{FF2B5EF4-FFF2-40B4-BE49-F238E27FC236}">
-                    <a16:creationId xmlns:a16="http://schemas.microsoft.com/office/drawing/2014/main" id="{3B49F471-FA73-C1BD-99E7-2DDA3875337A}"/>
-                  </a:ext>
-                </a:extLst>
-              </p:cNvPr>
-              <p:cNvCxnSpPr>
-                <a:cxnSpLocks/>
-              </p:cNvCxnSpPr>
-              <p:nvPr/>
-            </p:nvCxnSpPr>
-            <p:spPr>
-              <a:xfrm flipV="1">
-                <a:off x="7166055" y="411276"/>
-                <a:ext cx="337250" cy="1134000"/>
-              </a:xfrm>
-              <a:prstGeom prst="line">
-                <a:avLst/>
-              </a:prstGeom>
-              <a:ln w="38100">
-                <a:solidFill>
-                  <a:srgbClr val="002060"/>
-                </a:solidFill>
-                <a:prstDash val="dash"/>
-              </a:ln>
-            </p:spPr>
-            <p:style>
-              <a:lnRef idx="2">
-                <a:schemeClr val="accent1"/>
-              </a:lnRef>
-              <a:fillRef idx="0">
-                <a:schemeClr val="accent1"/>
-              </a:fillRef>
-              <a:effectRef idx="1">
-                <a:schemeClr val="accent1"/>
-              </a:effectRef>
-              <a:fontRef idx="minor">
-                <a:schemeClr val="tx1"/>
-              </a:fontRef>
-            </p:style>
-          </p:cxnSp>
-          <p:cxnSp>
-            <p:nvCxnSpPr>
-              <p:cNvPr id="1048" name="Straight Connector 1047">
-                <a:extLst>
-                  <a:ext uri="{FF2B5EF4-FFF2-40B4-BE49-F238E27FC236}">
-                    <a16:creationId xmlns:a16="http://schemas.microsoft.com/office/drawing/2014/main" id="{CF36725C-0DF3-D291-1C09-F1994F519690}"/>
-                  </a:ext>
-                </a:extLst>
-              </p:cNvPr>
-              <p:cNvCxnSpPr>
-                <a:cxnSpLocks/>
-              </p:cNvCxnSpPr>
-              <p:nvPr/>
-            </p:nvCxnSpPr>
-            <p:spPr>
-              <a:xfrm>
-                <a:off x="6920090" y="87746"/>
-                <a:ext cx="640455" cy="1339607"/>
-              </a:xfrm>
-              <a:prstGeom prst="line">
-                <a:avLst/>
-              </a:prstGeom>
-              <a:ln w="38100">
-                <a:solidFill>
-                  <a:srgbClr val="002060"/>
-                </a:solidFill>
-                <a:prstDash val="dash"/>
-              </a:ln>
-            </p:spPr>
-            <p:style>
-              <a:lnRef idx="2">
-                <a:schemeClr val="accent1"/>
-              </a:lnRef>
-              <a:fillRef idx="0">
-                <a:schemeClr val="accent1"/>
-              </a:fillRef>
-              <a:effectRef idx="1">
-                <a:schemeClr val="accent1"/>
-              </a:effectRef>
-              <a:fontRef idx="minor">
-                <a:schemeClr val="tx1"/>
-              </a:fontRef>
-            </p:style>
-          </p:cxnSp>
-          <p:cxnSp>
-            <p:nvCxnSpPr>
-              <p:cNvPr id="50" name="Straight Arrow Connector 49">
-                <a:extLst>
-                  <a:ext uri="{FF2B5EF4-FFF2-40B4-BE49-F238E27FC236}">
-                    <a16:creationId xmlns:a16="http://schemas.microsoft.com/office/drawing/2014/main" id="{03F366B0-DEF6-609F-5599-B30CA28F6289}"/>
-                  </a:ext>
-                </a:extLst>
-              </p:cNvPr>
-              <p:cNvCxnSpPr/>
-              <p:nvPr/>
-            </p:nvCxnSpPr>
-            <p:spPr>
-              <a:xfrm flipV="1">
-                <a:off x="6214135" y="45374"/>
-                <a:ext cx="0" cy="1391816"/>
-              </a:xfrm>
-              <a:prstGeom prst="straightConnector1">
-                <a:avLst/>
-              </a:prstGeom>
-              <a:ln>
-                <a:solidFill>
-                  <a:schemeClr val="tx1">
-                    <a:lumMod val="75000"/>
-                    <a:lumOff val="25000"/>
-                  </a:schemeClr>
-                </a:solidFill>
-                <a:tailEnd type="triangle"/>
-              </a:ln>
-            </p:spPr>
-            <p:style>
-              <a:lnRef idx="2">
-                <a:schemeClr val="accent1"/>
-              </a:lnRef>
-              <a:fillRef idx="0">
-                <a:schemeClr val="accent1"/>
-              </a:fillRef>
-              <a:effectRef idx="1">
-                <a:schemeClr val="accent1"/>
-              </a:effectRef>
-              <a:fontRef idx="minor">
-                <a:schemeClr val="tx1"/>
-              </a:fontRef>
-            </p:style>
-          </p:cxnSp>
-          <p:cxnSp>
-            <p:nvCxnSpPr>
-              <p:cNvPr id="51" name="Straight Arrow Connector 50">
-                <a:extLst>
-                  <a:ext uri="{FF2B5EF4-FFF2-40B4-BE49-F238E27FC236}">
-                    <a16:creationId xmlns:a16="http://schemas.microsoft.com/office/drawing/2014/main" id="{C5BBC2AF-D33C-964B-03B1-ADE1E939DBB3}"/>
-                  </a:ext>
-                </a:extLst>
-              </p:cNvPr>
-              <p:cNvCxnSpPr>
-                <a:cxnSpLocks/>
-              </p:cNvCxnSpPr>
-              <p:nvPr/>
-            </p:nvCxnSpPr>
-            <p:spPr>
-              <a:xfrm>
-                <a:off x="6205714" y="1437192"/>
-                <a:ext cx="1411017" cy="0"/>
-              </a:xfrm>
-              <a:prstGeom prst="straightConnector1">
-                <a:avLst/>
-              </a:prstGeom>
-              <a:ln>
-                <a:solidFill>
-                  <a:schemeClr val="tx1">
-                    <a:lumMod val="75000"/>
-                    <a:lumOff val="25000"/>
-                  </a:schemeClr>
-                </a:solidFill>
-                <a:tailEnd type="triangle"/>
-              </a:ln>
-            </p:spPr>
-            <p:style>
-              <a:lnRef idx="2">
-                <a:schemeClr val="accent1"/>
-              </a:lnRef>
-              <a:fillRef idx="0">
-                <a:schemeClr val="accent1"/>
-              </a:fillRef>
-              <a:effectRef idx="1">
-                <a:schemeClr val="accent1"/>
-              </a:effectRef>
-              <a:fontRef idx="minor">
-                <a:schemeClr val="tx1"/>
-              </a:fontRef>
-            </p:style>
-          </p:cxnSp>
-          <p:sp>
-            <p:nvSpPr>
-              <p:cNvPr id="54" name="Oval 53">
-                <a:extLst>
-                  <a:ext uri="{FF2B5EF4-FFF2-40B4-BE49-F238E27FC236}">
-                    <a16:creationId xmlns:a16="http://schemas.microsoft.com/office/drawing/2014/main" id="{5CB2CB96-701F-87A9-D134-F02FF1F9DBBD}"/>
-                  </a:ext>
-                </a:extLst>
-              </p:cNvPr>
-              <p:cNvSpPr/>
-              <p:nvPr/>
-            </p:nvSpPr>
-            <p:spPr>
-              <a:xfrm>
-                <a:off x="6169934" y="1393349"/>
-                <a:ext cx="91440" cy="91440"/>
-              </a:xfrm>
-              <a:prstGeom prst="ellipse">
-                <a:avLst/>
-              </a:prstGeom>
-              <a:solidFill>
-                <a:srgbClr val="002060"/>
-              </a:solidFill>
-              <a:ln>
-                <a:noFill/>
-              </a:ln>
-            </p:spPr>
-            <p:style>
-              <a:lnRef idx="2">
-                <a:schemeClr val="accent1">
-                  <a:shade val="15000"/>
-                </a:schemeClr>
-              </a:lnRef>
-              <a:fillRef idx="1">
-                <a:schemeClr val="accent1"/>
-              </a:fillRef>
-              <a:effectRef idx="0">
-                <a:schemeClr val="accent1"/>
-              </a:effectRef>
-              <a:fontRef idx="minor">
-                <a:schemeClr val="lt1"/>
-              </a:fontRef>
-            </p:style>
-            <p:txBody>
-              <a:bodyPr rtlCol="0" anchor="ctr"/>
-              <a:lstStyle/>
-              <a:p>
-                <a:pPr algn="ctr"/>
-                <a:endParaRPr lang="en-US"/>
-              </a:p>
-            </p:txBody>
-          </p:sp>
-          <p:sp>
-            <p:nvSpPr>
-              <p:cNvPr id="55" name="Oval 54">
-                <a:extLst>
-                  <a:ext uri="{FF2B5EF4-FFF2-40B4-BE49-F238E27FC236}">
-                    <a16:creationId xmlns:a16="http://schemas.microsoft.com/office/drawing/2014/main" id="{2FC037A6-9EDB-9CFE-3DDF-1C784287813B}"/>
-                  </a:ext>
-                </a:extLst>
-              </p:cNvPr>
-              <p:cNvSpPr/>
-              <p:nvPr/>
-            </p:nvSpPr>
-            <p:spPr>
-              <a:xfrm>
-                <a:off x="6459492" y="1393349"/>
-                <a:ext cx="91440" cy="91440"/>
-              </a:xfrm>
-              <a:prstGeom prst="ellipse">
-                <a:avLst/>
-              </a:prstGeom>
-              <a:solidFill>
-                <a:srgbClr val="002060"/>
-              </a:solidFill>
-              <a:ln>
-                <a:noFill/>
-              </a:ln>
-            </p:spPr>
-            <p:style>
-              <a:lnRef idx="2">
-                <a:schemeClr val="accent1">
-                  <a:shade val="15000"/>
-                </a:schemeClr>
-              </a:lnRef>
-              <a:fillRef idx="1">
-                <a:schemeClr val="accent1"/>
-              </a:fillRef>
-              <a:effectRef idx="0">
-                <a:schemeClr val="accent1"/>
-              </a:effectRef>
-              <a:fontRef idx="minor">
-                <a:schemeClr val="lt1"/>
-              </a:fontRef>
-            </p:style>
-            <p:txBody>
-              <a:bodyPr rtlCol="0" anchor="ctr"/>
-              <a:lstStyle/>
-              <a:p>
-                <a:pPr algn="ctr"/>
-                <a:endParaRPr lang="en-US"/>
-              </a:p>
-            </p:txBody>
-          </p:sp>
-          <p:sp>
-            <p:nvSpPr>
-              <p:cNvPr id="56" name="Oval 55">
-                <a:extLst>
-                  <a:ext uri="{FF2B5EF4-FFF2-40B4-BE49-F238E27FC236}">
-                    <a16:creationId xmlns:a16="http://schemas.microsoft.com/office/drawing/2014/main" id="{EE81D438-C391-291B-C55C-166ADFFF38B3}"/>
-                  </a:ext>
-                </a:extLst>
-              </p:cNvPr>
-              <p:cNvSpPr/>
-              <p:nvPr/>
-            </p:nvSpPr>
-            <p:spPr>
-              <a:xfrm>
-                <a:off x="6749050" y="1393349"/>
-                <a:ext cx="91440" cy="91440"/>
-              </a:xfrm>
-              <a:prstGeom prst="ellipse">
-                <a:avLst/>
-              </a:prstGeom>
-              <a:solidFill>
-                <a:srgbClr val="002060"/>
-              </a:solidFill>
-              <a:ln>
-                <a:noFill/>
-              </a:ln>
-            </p:spPr>
-            <p:style>
-              <a:lnRef idx="2">
-                <a:schemeClr val="accent1">
-                  <a:shade val="15000"/>
-                </a:schemeClr>
-              </a:lnRef>
-              <a:fillRef idx="1">
-                <a:schemeClr val="accent1"/>
-              </a:fillRef>
-              <a:effectRef idx="0">
-                <a:schemeClr val="accent1"/>
-              </a:effectRef>
-              <a:fontRef idx="minor">
-                <a:schemeClr val="lt1"/>
-              </a:fontRef>
-            </p:style>
-            <p:txBody>
-              <a:bodyPr rtlCol="0" anchor="ctr"/>
-              <a:lstStyle/>
-              <a:p>
-                <a:pPr algn="ctr"/>
-                <a:endParaRPr lang="en-US"/>
-              </a:p>
-            </p:txBody>
-          </p:sp>
-          <p:sp>
-            <p:nvSpPr>
-              <p:cNvPr id="57" name="Oval 56">
-                <a:extLst>
-                  <a:ext uri="{FF2B5EF4-FFF2-40B4-BE49-F238E27FC236}">
-                    <a16:creationId xmlns:a16="http://schemas.microsoft.com/office/drawing/2014/main" id="{9BE63822-A03A-7386-34D4-22FB763FCE99}"/>
-                  </a:ext>
-                </a:extLst>
-              </p:cNvPr>
-              <p:cNvSpPr/>
-              <p:nvPr/>
-            </p:nvSpPr>
-            <p:spPr>
-              <a:xfrm>
-                <a:off x="7038608" y="1393349"/>
-                <a:ext cx="91440" cy="91440"/>
-              </a:xfrm>
-              <a:prstGeom prst="ellipse">
-                <a:avLst/>
-              </a:prstGeom>
-              <a:solidFill>
-                <a:srgbClr val="002060"/>
-              </a:solidFill>
-              <a:ln>
-                <a:noFill/>
-              </a:ln>
-            </p:spPr>
-            <p:style>
-              <a:lnRef idx="2">
-                <a:schemeClr val="accent1">
-                  <a:shade val="15000"/>
-                </a:schemeClr>
-              </a:lnRef>
-              <a:fillRef idx="1">
-                <a:schemeClr val="accent1"/>
-              </a:fillRef>
-              <a:effectRef idx="0">
-                <a:schemeClr val="accent1"/>
-              </a:effectRef>
-              <a:fontRef idx="minor">
-                <a:schemeClr val="lt1"/>
-              </a:fontRef>
-            </p:style>
-            <p:txBody>
-              <a:bodyPr rtlCol="0" anchor="ctr"/>
-              <a:lstStyle/>
-              <a:p>
-                <a:pPr algn="ctr"/>
-                <a:endParaRPr lang="en-US"/>
-              </a:p>
-            </p:txBody>
-          </p:sp>
-          <p:sp>
-            <p:nvSpPr>
-              <p:cNvPr id="58" name="Oval 57">
-                <a:extLst>
-                  <a:ext uri="{FF2B5EF4-FFF2-40B4-BE49-F238E27FC236}">
-                    <a16:creationId xmlns:a16="http://schemas.microsoft.com/office/drawing/2014/main" id="{BF697BA2-B88C-B815-C0AF-08F3B8730B32}"/>
-                  </a:ext>
-                </a:extLst>
-              </p:cNvPr>
-              <p:cNvSpPr/>
-              <p:nvPr/>
-            </p:nvSpPr>
-            <p:spPr>
-              <a:xfrm>
-                <a:off x="7328166" y="1393349"/>
-                <a:ext cx="91440" cy="91440"/>
-              </a:xfrm>
-              <a:prstGeom prst="ellipse">
-                <a:avLst/>
-              </a:prstGeom>
-              <a:solidFill>
-                <a:schemeClr val="bg2">
-                  <a:lumMod val="75000"/>
-                </a:schemeClr>
-              </a:solidFill>
-              <a:ln>
-                <a:noFill/>
-              </a:ln>
-            </p:spPr>
-            <p:style>
-              <a:lnRef idx="2">
-                <a:schemeClr val="accent1">
-                  <a:shade val="15000"/>
-                </a:schemeClr>
-              </a:lnRef>
-              <a:fillRef idx="1">
-                <a:schemeClr val="accent1"/>
-              </a:fillRef>
-              <a:effectRef idx="0">
-                <a:schemeClr val="accent1"/>
-              </a:effectRef>
-              <a:fontRef idx="minor">
-                <a:schemeClr val="lt1"/>
-              </a:fontRef>
-            </p:style>
-            <p:txBody>
-              <a:bodyPr rtlCol="0" anchor="ctr"/>
-              <a:lstStyle/>
-              <a:p>
-                <a:pPr algn="ctr"/>
-                <a:endParaRPr lang="en-US"/>
-              </a:p>
-            </p:txBody>
-          </p:sp>
-          <p:sp>
-            <p:nvSpPr>
-              <p:cNvPr id="60" name="Oval 59">
-                <a:extLst>
-                  <a:ext uri="{FF2B5EF4-FFF2-40B4-BE49-F238E27FC236}">
-                    <a16:creationId xmlns:a16="http://schemas.microsoft.com/office/drawing/2014/main" id="{E0ABBE45-76C3-6CDC-C971-46CC25508ACB}"/>
-                  </a:ext>
-                </a:extLst>
-              </p:cNvPr>
-              <p:cNvSpPr/>
-              <p:nvPr/>
-            </p:nvSpPr>
-            <p:spPr>
-              <a:xfrm>
-                <a:off x="6170294" y="1106592"/>
-                <a:ext cx="91440" cy="91440"/>
-              </a:xfrm>
-              <a:prstGeom prst="ellipse">
-                <a:avLst/>
-              </a:prstGeom>
-              <a:solidFill>
-                <a:srgbClr val="002060"/>
-              </a:solidFill>
-              <a:ln>
-                <a:noFill/>
-              </a:ln>
-            </p:spPr>
-            <p:style>
-              <a:lnRef idx="2">
-                <a:schemeClr val="accent1">
-                  <a:shade val="15000"/>
-                </a:schemeClr>
-              </a:lnRef>
-              <a:fillRef idx="1">
-                <a:schemeClr val="accent1"/>
-              </a:fillRef>
-              <a:effectRef idx="0">
-                <a:schemeClr val="accent1"/>
-              </a:effectRef>
-              <a:fontRef idx="minor">
-                <a:schemeClr val="lt1"/>
-              </a:fontRef>
-            </p:style>
-            <p:txBody>
-              <a:bodyPr rtlCol="0" anchor="ctr"/>
-              <a:lstStyle/>
-              <a:p>
-                <a:pPr algn="ctr"/>
-                <a:endParaRPr lang="en-US"/>
-              </a:p>
-            </p:txBody>
-          </p:sp>
-          <p:sp>
-            <p:nvSpPr>
-              <p:cNvPr id="61" name="Oval 60">
-                <a:extLst>
-                  <a:ext uri="{FF2B5EF4-FFF2-40B4-BE49-F238E27FC236}">
-                    <a16:creationId xmlns:a16="http://schemas.microsoft.com/office/drawing/2014/main" id="{633D9BCB-809C-1047-73E3-F7C19DF88BCF}"/>
-                  </a:ext>
-                </a:extLst>
-              </p:cNvPr>
-              <p:cNvSpPr/>
-              <p:nvPr/>
-            </p:nvSpPr>
-            <p:spPr>
-              <a:xfrm>
-                <a:off x="6459852" y="1106592"/>
-                <a:ext cx="91440" cy="91440"/>
-              </a:xfrm>
-              <a:prstGeom prst="ellipse">
-                <a:avLst/>
-              </a:prstGeom>
-              <a:solidFill>
-                <a:srgbClr val="002060"/>
-              </a:solidFill>
-              <a:ln>
-                <a:noFill/>
-              </a:ln>
-            </p:spPr>
-            <p:style>
-              <a:lnRef idx="2">
-                <a:schemeClr val="accent1">
-                  <a:shade val="15000"/>
-                </a:schemeClr>
-              </a:lnRef>
-              <a:fillRef idx="1">
-                <a:schemeClr val="accent1"/>
-              </a:fillRef>
-              <a:effectRef idx="0">
-                <a:schemeClr val="accent1"/>
-              </a:effectRef>
-              <a:fontRef idx="minor">
-                <a:schemeClr val="lt1"/>
-              </a:fontRef>
-            </p:style>
-            <p:txBody>
-              <a:bodyPr rtlCol="0" anchor="ctr"/>
-              <a:lstStyle/>
-              <a:p>
-                <a:pPr algn="ctr"/>
-                <a:endParaRPr lang="en-US"/>
-              </a:p>
-            </p:txBody>
-          </p:sp>
-          <p:sp>
-            <p:nvSpPr>
-              <p:cNvPr id="62" name="Oval 61">
-                <a:extLst>
-                  <a:ext uri="{FF2B5EF4-FFF2-40B4-BE49-F238E27FC236}">
-                    <a16:creationId xmlns:a16="http://schemas.microsoft.com/office/drawing/2014/main" id="{5AAE94B9-CA88-B7C8-058B-55774C42D37E}"/>
-                  </a:ext>
-                </a:extLst>
-              </p:cNvPr>
-              <p:cNvSpPr/>
-              <p:nvPr/>
-            </p:nvSpPr>
-            <p:spPr>
-              <a:xfrm>
-                <a:off x="6749410" y="1106592"/>
-                <a:ext cx="91440" cy="91440"/>
-              </a:xfrm>
-              <a:prstGeom prst="ellipse">
-                <a:avLst/>
-              </a:prstGeom>
-              <a:solidFill>
-                <a:srgbClr val="002060"/>
-              </a:solidFill>
-              <a:ln>
-                <a:noFill/>
-              </a:ln>
-            </p:spPr>
-            <p:style>
-              <a:lnRef idx="2">
-                <a:schemeClr val="accent1">
-                  <a:shade val="15000"/>
-                </a:schemeClr>
-              </a:lnRef>
-              <a:fillRef idx="1">
-                <a:schemeClr val="accent1"/>
-              </a:fillRef>
-              <a:effectRef idx="0">
-                <a:schemeClr val="accent1"/>
-              </a:effectRef>
-              <a:fontRef idx="minor">
-                <a:schemeClr val="lt1"/>
-              </a:fontRef>
-            </p:style>
-            <p:txBody>
-              <a:bodyPr rtlCol="0" anchor="ctr"/>
-              <a:lstStyle/>
-              <a:p>
-                <a:pPr algn="ctr"/>
-                <a:endParaRPr lang="en-US"/>
-              </a:p>
-            </p:txBody>
-          </p:sp>
-          <p:sp>
-            <p:nvSpPr>
-              <p:cNvPr id="63" name="Oval 62">
-                <a:extLst>
-                  <a:ext uri="{FF2B5EF4-FFF2-40B4-BE49-F238E27FC236}">
-                    <a16:creationId xmlns:a16="http://schemas.microsoft.com/office/drawing/2014/main" id="{5C196167-17CC-9EA5-C2FE-78038460B0AC}"/>
-                  </a:ext>
-                </a:extLst>
-              </p:cNvPr>
-              <p:cNvSpPr/>
-              <p:nvPr/>
-            </p:nvSpPr>
-            <p:spPr>
-              <a:xfrm>
-                <a:off x="7038968" y="1106592"/>
-                <a:ext cx="91440" cy="91440"/>
-              </a:xfrm>
-              <a:prstGeom prst="ellipse">
-                <a:avLst/>
-              </a:prstGeom>
-              <a:solidFill>
-                <a:srgbClr val="002060"/>
-              </a:solidFill>
-              <a:ln>
-                <a:noFill/>
-              </a:ln>
-            </p:spPr>
-            <p:style>
-              <a:lnRef idx="2">
-                <a:schemeClr val="accent1">
-                  <a:shade val="15000"/>
-                </a:schemeClr>
-              </a:lnRef>
-              <a:fillRef idx="1">
-                <a:schemeClr val="accent1"/>
-              </a:fillRef>
-              <a:effectRef idx="0">
-                <a:schemeClr val="accent1"/>
-              </a:effectRef>
-              <a:fontRef idx="minor">
-                <a:schemeClr val="lt1"/>
-              </a:fontRef>
-            </p:style>
-            <p:txBody>
-              <a:bodyPr rtlCol="0" anchor="ctr"/>
-              <a:lstStyle/>
-              <a:p>
-                <a:pPr algn="ctr"/>
-                <a:endParaRPr lang="en-US"/>
-              </a:p>
-            </p:txBody>
-          </p:sp>
-          <p:sp>
-            <p:nvSpPr>
-              <p:cNvPr id="1024" name="Oval 1023">
-                <a:extLst>
-                  <a:ext uri="{FF2B5EF4-FFF2-40B4-BE49-F238E27FC236}">
-                    <a16:creationId xmlns:a16="http://schemas.microsoft.com/office/drawing/2014/main" id="{E3664C8C-965F-6786-5D52-ACED3E0595EB}"/>
-                  </a:ext>
-                </a:extLst>
-              </p:cNvPr>
-              <p:cNvSpPr/>
-              <p:nvPr/>
-            </p:nvSpPr>
-            <p:spPr>
-              <a:xfrm>
-                <a:off x="7328526" y="1106592"/>
-                <a:ext cx="91440" cy="91440"/>
-              </a:xfrm>
-              <a:prstGeom prst="ellipse">
-                <a:avLst/>
-              </a:prstGeom>
-              <a:solidFill>
-                <a:schemeClr val="bg2">
-                  <a:lumMod val="75000"/>
-                </a:schemeClr>
-              </a:solidFill>
-              <a:ln>
-                <a:noFill/>
-              </a:ln>
-            </p:spPr>
-            <p:style>
-              <a:lnRef idx="2">
-                <a:schemeClr val="accent1">
-                  <a:shade val="15000"/>
-                </a:schemeClr>
-              </a:lnRef>
-              <a:fillRef idx="1">
-                <a:schemeClr val="accent1"/>
-              </a:fillRef>
-              <a:effectRef idx="0">
-                <a:schemeClr val="accent1"/>
-              </a:effectRef>
-              <a:fontRef idx="minor">
-                <a:schemeClr val="lt1"/>
-              </a:fontRef>
-            </p:style>
-            <p:txBody>
-              <a:bodyPr rtlCol="0" anchor="ctr"/>
-              <a:lstStyle/>
-              <a:p>
-                <a:pPr algn="ctr"/>
-                <a:endParaRPr lang="en-US"/>
-              </a:p>
-            </p:txBody>
-          </p:sp>
-          <p:sp>
-            <p:nvSpPr>
-              <p:cNvPr id="1025" name="Oval 1024">
-                <a:extLst>
-                  <a:ext uri="{FF2B5EF4-FFF2-40B4-BE49-F238E27FC236}">
-                    <a16:creationId xmlns:a16="http://schemas.microsoft.com/office/drawing/2014/main" id="{0CF62DC9-52E9-C8D7-4212-45CD72943DB7}"/>
-                  </a:ext>
-                </a:extLst>
-              </p:cNvPr>
-              <p:cNvSpPr/>
-              <p:nvPr/>
-            </p:nvSpPr>
-            <p:spPr>
-              <a:xfrm>
-                <a:off x="6169934" y="819834"/>
-                <a:ext cx="91440" cy="91440"/>
-              </a:xfrm>
-              <a:prstGeom prst="ellipse">
-                <a:avLst/>
-              </a:prstGeom>
-              <a:solidFill>
-                <a:srgbClr val="002060"/>
-              </a:solidFill>
-              <a:ln>
-                <a:noFill/>
-              </a:ln>
-            </p:spPr>
-            <p:style>
-              <a:lnRef idx="2">
-                <a:schemeClr val="accent1">
-                  <a:shade val="15000"/>
-                </a:schemeClr>
-              </a:lnRef>
-              <a:fillRef idx="1">
-                <a:schemeClr val="accent1"/>
-              </a:fillRef>
-              <a:effectRef idx="0">
-                <a:schemeClr val="accent1"/>
-              </a:effectRef>
-              <a:fontRef idx="minor">
-                <a:schemeClr val="lt1"/>
-              </a:fontRef>
-            </p:style>
-            <p:txBody>
-              <a:bodyPr rtlCol="0" anchor="ctr"/>
-              <a:lstStyle/>
-              <a:p>
-                <a:pPr algn="ctr"/>
-                <a:endParaRPr lang="en-US"/>
-              </a:p>
-            </p:txBody>
-          </p:sp>
-          <p:sp>
-            <p:nvSpPr>
-              <p:cNvPr id="1027" name="Oval 1026">
-                <a:extLst>
-                  <a:ext uri="{FF2B5EF4-FFF2-40B4-BE49-F238E27FC236}">
-                    <a16:creationId xmlns:a16="http://schemas.microsoft.com/office/drawing/2014/main" id="{C53655D0-34FC-A425-A1CD-47CD3A967521}"/>
-                  </a:ext>
-                </a:extLst>
-              </p:cNvPr>
-              <p:cNvSpPr/>
-              <p:nvPr/>
-            </p:nvSpPr>
-            <p:spPr>
-              <a:xfrm>
-                <a:off x="6459492" y="819834"/>
-                <a:ext cx="91440" cy="91440"/>
-              </a:xfrm>
-              <a:prstGeom prst="ellipse">
-                <a:avLst/>
-              </a:prstGeom>
-              <a:solidFill>
-                <a:srgbClr val="002060"/>
-              </a:solidFill>
-              <a:ln>
-                <a:noFill/>
-              </a:ln>
-            </p:spPr>
-            <p:style>
-              <a:lnRef idx="2">
-                <a:schemeClr val="accent1">
-                  <a:shade val="15000"/>
-                </a:schemeClr>
-              </a:lnRef>
-              <a:fillRef idx="1">
-                <a:schemeClr val="accent1"/>
-              </a:fillRef>
-              <a:effectRef idx="0">
-                <a:schemeClr val="accent1"/>
-              </a:effectRef>
-              <a:fontRef idx="minor">
-                <a:schemeClr val="lt1"/>
-              </a:fontRef>
-            </p:style>
-            <p:txBody>
-              <a:bodyPr rtlCol="0" anchor="ctr"/>
-              <a:lstStyle/>
-              <a:p>
-                <a:pPr algn="ctr"/>
-                <a:endParaRPr lang="en-US"/>
-              </a:p>
-            </p:txBody>
-          </p:sp>
-          <p:sp>
-            <p:nvSpPr>
-              <p:cNvPr id="1028" name="Oval 1027">
-                <a:extLst>
-                  <a:ext uri="{FF2B5EF4-FFF2-40B4-BE49-F238E27FC236}">
-                    <a16:creationId xmlns:a16="http://schemas.microsoft.com/office/drawing/2014/main" id="{000042D4-99C0-C94A-859F-D782D3C17AB9}"/>
-                  </a:ext>
-                </a:extLst>
-              </p:cNvPr>
-              <p:cNvSpPr/>
-              <p:nvPr/>
-            </p:nvSpPr>
-            <p:spPr>
-              <a:xfrm>
-                <a:off x="6749050" y="819834"/>
-                <a:ext cx="91440" cy="91440"/>
-              </a:xfrm>
-              <a:prstGeom prst="ellipse">
-                <a:avLst/>
-              </a:prstGeom>
-              <a:solidFill>
-                <a:srgbClr val="002060"/>
-              </a:solidFill>
-              <a:ln>
-                <a:noFill/>
-              </a:ln>
-            </p:spPr>
-            <p:style>
-              <a:lnRef idx="2">
-                <a:schemeClr val="accent1">
-                  <a:shade val="15000"/>
-                </a:schemeClr>
-              </a:lnRef>
-              <a:fillRef idx="1">
-                <a:schemeClr val="accent1"/>
-              </a:fillRef>
-              <a:effectRef idx="0">
-                <a:schemeClr val="accent1"/>
-              </a:effectRef>
-              <a:fontRef idx="minor">
-                <a:schemeClr val="lt1"/>
-              </a:fontRef>
-            </p:style>
-            <p:txBody>
-              <a:bodyPr rtlCol="0" anchor="ctr"/>
-              <a:lstStyle/>
-              <a:p>
-                <a:pPr algn="ctr"/>
-                <a:endParaRPr lang="en-US"/>
-              </a:p>
-            </p:txBody>
-          </p:sp>
-          <p:sp>
-            <p:nvSpPr>
-              <p:cNvPr id="1029" name="Oval 1028">
-                <a:extLst>
-                  <a:ext uri="{FF2B5EF4-FFF2-40B4-BE49-F238E27FC236}">
-                    <a16:creationId xmlns:a16="http://schemas.microsoft.com/office/drawing/2014/main" id="{6CBB0E72-3BC8-5786-4352-977AA4843C97}"/>
-                  </a:ext>
-                </a:extLst>
-              </p:cNvPr>
-              <p:cNvSpPr/>
-              <p:nvPr/>
-            </p:nvSpPr>
-            <p:spPr>
-              <a:xfrm>
-                <a:off x="7038608" y="819834"/>
-                <a:ext cx="91440" cy="91440"/>
-              </a:xfrm>
-              <a:prstGeom prst="ellipse">
-                <a:avLst/>
-              </a:prstGeom>
-              <a:solidFill>
-                <a:srgbClr val="002060"/>
-              </a:solidFill>
-              <a:ln>
-                <a:noFill/>
-              </a:ln>
-            </p:spPr>
-            <p:style>
-              <a:lnRef idx="2">
-                <a:schemeClr val="accent1">
-                  <a:shade val="15000"/>
-                </a:schemeClr>
-              </a:lnRef>
-              <a:fillRef idx="1">
-                <a:schemeClr val="accent1"/>
-              </a:fillRef>
-              <a:effectRef idx="0">
-                <a:schemeClr val="accent1"/>
-              </a:effectRef>
-              <a:fontRef idx="minor">
-                <a:schemeClr val="lt1"/>
-              </a:fontRef>
-            </p:style>
-            <p:txBody>
-              <a:bodyPr rtlCol="0" anchor="ctr"/>
-              <a:lstStyle/>
-              <a:p>
-                <a:pPr algn="ctr"/>
-                <a:endParaRPr lang="en-US"/>
-              </a:p>
-            </p:txBody>
-          </p:sp>
-          <p:sp>
-            <p:nvSpPr>
-              <p:cNvPr id="1030" name="Oval 1029">
-                <a:extLst>
-                  <a:ext uri="{FF2B5EF4-FFF2-40B4-BE49-F238E27FC236}">
-                    <a16:creationId xmlns:a16="http://schemas.microsoft.com/office/drawing/2014/main" id="{6DF7FF08-9504-9235-A543-0FD34532C9EF}"/>
-                  </a:ext>
-                </a:extLst>
-              </p:cNvPr>
-              <p:cNvSpPr/>
-              <p:nvPr/>
-            </p:nvSpPr>
-            <p:spPr>
-              <a:xfrm>
-                <a:off x="7328166" y="819834"/>
-                <a:ext cx="91440" cy="91440"/>
-              </a:xfrm>
-              <a:prstGeom prst="ellipse">
-                <a:avLst/>
-              </a:prstGeom>
-              <a:solidFill>
-                <a:schemeClr val="bg2">
-                  <a:lumMod val="75000"/>
-                </a:schemeClr>
-              </a:solidFill>
-              <a:ln>
-                <a:noFill/>
-              </a:ln>
-            </p:spPr>
-            <p:style>
-              <a:lnRef idx="2">
-                <a:schemeClr val="accent1">
-                  <a:shade val="15000"/>
-                </a:schemeClr>
-              </a:lnRef>
-              <a:fillRef idx="1">
-                <a:schemeClr val="accent1"/>
-              </a:fillRef>
-              <a:effectRef idx="0">
-                <a:schemeClr val="accent1"/>
-              </a:effectRef>
-              <a:fontRef idx="minor">
-                <a:schemeClr val="lt1"/>
-              </a:fontRef>
-            </p:style>
-            <p:txBody>
-              <a:bodyPr rtlCol="0" anchor="ctr"/>
-              <a:lstStyle/>
-              <a:p>
-                <a:pPr algn="ctr"/>
-                <a:endParaRPr lang="en-US"/>
-              </a:p>
-            </p:txBody>
-          </p:sp>
-          <p:sp>
-            <p:nvSpPr>
-              <p:cNvPr id="1031" name="Oval 1030">
-                <a:extLst>
-                  <a:ext uri="{FF2B5EF4-FFF2-40B4-BE49-F238E27FC236}">
-                    <a16:creationId xmlns:a16="http://schemas.microsoft.com/office/drawing/2014/main" id="{8026F57E-E10B-252E-18C5-B2B389C177A1}"/>
-                  </a:ext>
-                </a:extLst>
-              </p:cNvPr>
-              <p:cNvSpPr/>
-              <p:nvPr/>
-            </p:nvSpPr>
-            <p:spPr>
-              <a:xfrm>
-                <a:off x="6169934" y="529332"/>
-                <a:ext cx="91440" cy="91440"/>
-              </a:xfrm>
-              <a:prstGeom prst="ellipse">
-                <a:avLst/>
-              </a:prstGeom>
-              <a:solidFill>
-                <a:srgbClr val="002060"/>
-              </a:solidFill>
-              <a:ln>
-                <a:noFill/>
-              </a:ln>
-            </p:spPr>
-            <p:style>
-              <a:lnRef idx="2">
-                <a:schemeClr val="accent1">
-                  <a:shade val="15000"/>
-                </a:schemeClr>
-              </a:lnRef>
-              <a:fillRef idx="1">
-                <a:schemeClr val="accent1"/>
-              </a:fillRef>
-              <a:effectRef idx="0">
-                <a:schemeClr val="accent1"/>
-              </a:effectRef>
-              <a:fontRef idx="minor">
-                <a:schemeClr val="lt1"/>
-              </a:fontRef>
-            </p:style>
-            <p:txBody>
-              <a:bodyPr rtlCol="0" anchor="ctr"/>
-              <a:lstStyle/>
-              <a:p>
-                <a:pPr algn="ctr"/>
-                <a:endParaRPr lang="en-US"/>
-              </a:p>
-            </p:txBody>
-          </p:sp>
-          <p:sp>
-            <p:nvSpPr>
-              <p:cNvPr id="1032" name="Oval 1031">
-                <a:extLst>
-                  <a:ext uri="{FF2B5EF4-FFF2-40B4-BE49-F238E27FC236}">
-                    <a16:creationId xmlns:a16="http://schemas.microsoft.com/office/drawing/2014/main" id="{4E2AA6F3-0112-EC64-1E3F-F096EB542499}"/>
-                  </a:ext>
-                </a:extLst>
-              </p:cNvPr>
-              <p:cNvSpPr/>
-              <p:nvPr/>
-            </p:nvSpPr>
-            <p:spPr>
-              <a:xfrm>
-                <a:off x="6459492" y="529332"/>
-                <a:ext cx="91440" cy="91440"/>
-              </a:xfrm>
-              <a:prstGeom prst="ellipse">
-                <a:avLst/>
-              </a:prstGeom>
-              <a:solidFill>
-                <a:srgbClr val="002060"/>
-              </a:solidFill>
-              <a:ln>
-                <a:noFill/>
-              </a:ln>
-            </p:spPr>
-            <p:style>
-              <a:lnRef idx="2">
-                <a:schemeClr val="accent1">
-                  <a:shade val="15000"/>
-                </a:schemeClr>
-              </a:lnRef>
-              <a:fillRef idx="1">
-                <a:schemeClr val="accent1"/>
-              </a:fillRef>
-              <a:effectRef idx="0">
-                <a:schemeClr val="accent1"/>
-              </a:effectRef>
-              <a:fontRef idx="minor">
-                <a:schemeClr val="lt1"/>
-              </a:fontRef>
-            </p:style>
-            <p:txBody>
-              <a:bodyPr rtlCol="0" anchor="ctr"/>
-              <a:lstStyle/>
-              <a:p>
-                <a:pPr algn="ctr"/>
-                <a:endParaRPr lang="en-US"/>
-              </a:p>
-            </p:txBody>
-          </p:sp>
-          <p:sp>
-            <p:nvSpPr>
-              <p:cNvPr id="1033" name="Oval 1032">
-                <a:extLst>
-                  <a:ext uri="{FF2B5EF4-FFF2-40B4-BE49-F238E27FC236}">
-                    <a16:creationId xmlns:a16="http://schemas.microsoft.com/office/drawing/2014/main" id="{21DB5ECC-A1FC-F177-D94A-19C2C94A6AD6}"/>
-                  </a:ext>
-                </a:extLst>
-              </p:cNvPr>
-              <p:cNvSpPr/>
-              <p:nvPr/>
-            </p:nvSpPr>
-            <p:spPr>
-              <a:xfrm>
-                <a:off x="6749050" y="529332"/>
-                <a:ext cx="91440" cy="91440"/>
-              </a:xfrm>
-              <a:prstGeom prst="ellipse">
-                <a:avLst/>
-              </a:prstGeom>
-              <a:solidFill>
-                <a:schemeClr val="bg2">
-                  <a:lumMod val="75000"/>
-                </a:schemeClr>
-              </a:solidFill>
-              <a:ln>
-                <a:noFill/>
-              </a:ln>
-            </p:spPr>
-            <p:style>
-              <a:lnRef idx="2">
-                <a:schemeClr val="accent1">
-                  <a:shade val="15000"/>
-                </a:schemeClr>
-              </a:lnRef>
-              <a:fillRef idx="1">
-                <a:schemeClr val="accent1"/>
-              </a:fillRef>
-              <a:effectRef idx="0">
-                <a:schemeClr val="accent1"/>
-              </a:effectRef>
-              <a:fontRef idx="minor">
-                <a:schemeClr val="lt1"/>
-              </a:fontRef>
-            </p:style>
-            <p:txBody>
-              <a:bodyPr rtlCol="0" anchor="ctr"/>
-              <a:lstStyle/>
-              <a:p>
-                <a:pPr algn="ctr"/>
-                <a:endParaRPr lang="en-US"/>
-              </a:p>
-            </p:txBody>
-          </p:sp>
-          <p:sp>
-            <p:nvSpPr>
-              <p:cNvPr id="1034" name="Oval 1033">
-                <a:extLst>
-                  <a:ext uri="{FF2B5EF4-FFF2-40B4-BE49-F238E27FC236}">
-                    <a16:creationId xmlns:a16="http://schemas.microsoft.com/office/drawing/2014/main" id="{AD373582-7974-4D77-FEF1-0947AF1E03EC}"/>
-                  </a:ext>
-                </a:extLst>
-              </p:cNvPr>
-              <p:cNvSpPr/>
-              <p:nvPr/>
-            </p:nvSpPr>
-            <p:spPr>
-              <a:xfrm>
-                <a:off x="7038608" y="529332"/>
-                <a:ext cx="91440" cy="91440"/>
-              </a:xfrm>
-              <a:prstGeom prst="ellipse">
-                <a:avLst/>
-              </a:prstGeom>
-              <a:solidFill>
-                <a:schemeClr val="bg2">
-                  <a:lumMod val="75000"/>
-                </a:schemeClr>
-              </a:solidFill>
-              <a:ln>
-                <a:noFill/>
-              </a:ln>
-            </p:spPr>
-            <p:style>
-              <a:lnRef idx="2">
-                <a:schemeClr val="accent1">
-                  <a:shade val="15000"/>
-                </a:schemeClr>
-              </a:lnRef>
-              <a:fillRef idx="1">
-                <a:schemeClr val="accent1"/>
-              </a:fillRef>
-              <a:effectRef idx="0">
-                <a:schemeClr val="accent1"/>
-              </a:effectRef>
-              <a:fontRef idx="minor">
-                <a:schemeClr val="lt1"/>
-              </a:fontRef>
-            </p:style>
-            <p:txBody>
-              <a:bodyPr rtlCol="0" anchor="ctr"/>
-              <a:lstStyle/>
-              <a:p>
-                <a:pPr algn="ctr"/>
-                <a:endParaRPr lang="en-US"/>
-              </a:p>
-            </p:txBody>
-          </p:sp>
-          <p:sp>
-            <p:nvSpPr>
-              <p:cNvPr id="1035" name="Oval 1034">
-                <a:extLst>
-                  <a:ext uri="{FF2B5EF4-FFF2-40B4-BE49-F238E27FC236}">
-                    <a16:creationId xmlns:a16="http://schemas.microsoft.com/office/drawing/2014/main" id="{D207E57B-4DDA-F7DD-B56E-179DB3B8C1D9}"/>
-                  </a:ext>
-                </a:extLst>
-              </p:cNvPr>
-              <p:cNvSpPr/>
-              <p:nvPr/>
-            </p:nvSpPr>
-            <p:spPr>
-              <a:xfrm>
-                <a:off x="7328166" y="529332"/>
-                <a:ext cx="91440" cy="91440"/>
-              </a:xfrm>
-              <a:prstGeom prst="ellipse">
-                <a:avLst/>
-              </a:prstGeom>
-              <a:solidFill>
-                <a:schemeClr val="bg2">
-                  <a:lumMod val="75000"/>
-                </a:schemeClr>
-              </a:solidFill>
-              <a:ln>
-                <a:noFill/>
-              </a:ln>
-            </p:spPr>
-            <p:style>
-              <a:lnRef idx="2">
-                <a:schemeClr val="accent1">
-                  <a:shade val="15000"/>
-                </a:schemeClr>
-              </a:lnRef>
-              <a:fillRef idx="1">
-                <a:schemeClr val="accent1"/>
-              </a:fillRef>
-              <a:effectRef idx="0">
-                <a:schemeClr val="accent1"/>
-              </a:effectRef>
-              <a:fontRef idx="minor">
-                <a:schemeClr val="lt1"/>
-              </a:fontRef>
-            </p:style>
-            <p:txBody>
-              <a:bodyPr rtlCol="0" anchor="ctr"/>
-              <a:lstStyle/>
-              <a:p>
-                <a:pPr algn="ctr"/>
-                <a:endParaRPr lang="en-US"/>
-              </a:p>
-            </p:txBody>
-          </p:sp>
-          <p:sp>
-            <p:nvSpPr>
-              <p:cNvPr id="1036" name="Oval 1035">
-                <a:extLst>
-                  <a:ext uri="{FF2B5EF4-FFF2-40B4-BE49-F238E27FC236}">
-                    <a16:creationId xmlns:a16="http://schemas.microsoft.com/office/drawing/2014/main" id="{F8EC1034-4505-CE8C-4D57-28E7475D43D9}"/>
-                  </a:ext>
-                </a:extLst>
-              </p:cNvPr>
-              <p:cNvSpPr/>
-              <p:nvPr/>
-            </p:nvSpPr>
-            <p:spPr>
-              <a:xfrm>
-                <a:off x="6169934" y="248593"/>
-                <a:ext cx="91440" cy="91440"/>
-              </a:xfrm>
-              <a:prstGeom prst="ellipse">
-                <a:avLst/>
-              </a:prstGeom>
-              <a:solidFill>
-                <a:schemeClr val="bg2">
-                  <a:lumMod val="75000"/>
-                </a:schemeClr>
-              </a:solidFill>
-              <a:ln>
-                <a:noFill/>
-              </a:ln>
-            </p:spPr>
-            <p:style>
-              <a:lnRef idx="2">
-                <a:schemeClr val="accent1">
-                  <a:shade val="15000"/>
-                </a:schemeClr>
-              </a:lnRef>
-              <a:fillRef idx="1">
-                <a:schemeClr val="accent1"/>
-              </a:fillRef>
-              <a:effectRef idx="0">
-                <a:schemeClr val="accent1"/>
-              </a:effectRef>
-              <a:fontRef idx="minor">
-                <a:schemeClr val="lt1"/>
-              </a:fontRef>
-            </p:style>
-            <p:txBody>
-              <a:bodyPr rtlCol="0" anchor="ctr"/>
-              <a:lstStyle/>
-              <a:p>
-                <a:pPr algn="ctr"/>
-                <a:endParaRPr lang="en-US"/>
-              </a:p>
-            </p:txBody>
-          </p:sp>
-          <p:sp>
-            <p:nvSpPr>
-              <p:cNvPr id="1037" name="Oval 1036">
-                <a:extLst>
-                  <a:ext uri="{FF2B5EF4-FFF2-40B4-BE49-F238E27FC236}">
-                    <a16:creationId xmlns:a16="http://schemas.microsoft.com/office/drawing/2014/main" id="{56A30FDB-C8DF-E191-570F-973AD00CEA81}"/>
-                  </a:ext>
-                </a:extLst>
-              </p:cNvPr>
-              <p:cNvSpPr/>
-              <p:nvPr/>
-            </p:nvSpPr>
-            <p:spPr>
-              <a:xfrm>
-                <a:off x="6459492" y="248593"/>
-                <a:ext cx="91440" cy="91440"/>
-              </a:xfrm>
-              <a:prstGeom prst="ellipse">
-                <a:avLst/>
-              </a:prstGeom>
-              <a:solidFill>
-                <a:schemeClr val="bg2">
-                  <a:lumMod val="75000"/>
-                </a:schemeClr>
-              </a:solidFill>
-              <a:ln>
-                <a:noFill/>
-              </a:ln>
-            </p:spPr>
-            <p:style>
-              <a:lnRef idx="2">
-                <a:schemeClr val="accent1">
-                  <a:shade val="15000"/>
-                </a:schemeClr>
-              </a:lnRef>
-              <a:fillRef idx="1">
-                <a:schemeClr val="accent1"/>
-              </a:fillRef>
-              <a:effectRef idx="0">
-                <a:schemeClr val="accent1"/>
-              </a:effectRef>
-              <a:fontRef idx="minor">
-                <a:schemeClr val="lt1"/>
-              </a:fontRef>
-            </p:style>
-            <p:txBody>
-              <a:bodyPr rtlCol="0" anchor="ctr"/>
-              <a:lstStyle/>
-              <a:p>
-                <a:pPr algn="ctr"/>
-                <a:endParaRPr lang="en-US"/>
-              </a:p>
-            </p:txBody>
-          </p:sp>
-          <p:sp>
-            <p:nvSpPr>
-              <p:cNvPr id="1038" name="Oval 1037">
-                <a:extLst>
-                  <a:ext uri="{FF2B5EF4-FFF2-40B4-BE49-F238E27FC236}">
-                    <a16:creationId xmlns:a16="http://schemas.microsoft.com/office/drawing/2014/main" id="{6A01DE07-79BF-A599-9CF9-407B3FA20462}"/>
-                  </a:ext>
-                </a:extLst>
-              </p:cNvPr>
-              <p:cNvSpPr/>
-              <p:nvPr/>
-            </p:nvSpPr>
-            <p:spPr>
-              <a:xfrm>
-                <a:off x="6749050" y="248593"/>
-                <a:ext cx="91440" cy="91440"/>
-              </a:xfrm>
-              <a:prstGeom prst="ellipse">
-                <a:avLst/>
-              </a:prstGeom>
-              <a:solidFill>
-                <a:schemeClr val="bg2">
-                  <a:lumMod val="75000"/>
-                </a:schemeClr>
-              </a:solidFill>
-              <a:ln>
-                <a:noFill/>
-              </a:ln>
-            </p:spPr>
-            <p:style>
-              <a:lnRef idx="2">
-                <a:schemeClr val="accent1">
-                  <a:shade val="15000"/>
-                </a:schemeClr>
-              </a:lnRef>
-              <a:fillRef idx="1">
-                <a:schemeClr val="accent1"/>
-              </a:fillRef>
-              <a:effectRef idx="0">
-                <a:schemeClr val="accent1"/>
-              </a:effectRef>
-              <a:fontRef idx="minor">
-                <a:schemeClr val="lt1"/>
-              </a:fontRef>
-            </p:style>
-            <p:txBody>
-              <a:bodyPr rtlCol="0" anchor="ctr"/>
-              <a:lstStyle/>
-              <a:p>
-                <a:pPr algn="ctr"/>
-                <a:endParaRPr lang="en-US"/>
-              </a:p>
-            </p:txBody>
-          </p:sp>
-          <p:sp>
-            <p:nvSpPr>
-              <p:cNvPr id="1039" name="Oval 1038">
-                <a:extLst>
-                  <a:ext uri="{FF2B5EF4-FFF2-40B4-BE49-F238E27FC236}">
-                    <a16:creationId xmlns:a16="http://schemas.microsoft.com/office/drawing/2014/main" id="{D9781EC5-33E7-D2A2-72A1-966EA8C7A4C7}"/>
-                  </a:ext>
-                </a:extLst>
-              </p:cNvPr>
-              <p:cNvSpPr/>
-              <p:nvPr/>
-            </p:nvSpPr>
-            <p:spPr>
-              <a:xfrm>
-                <a:off x="7038608" y="248593"/>
-                <a:ext cx="91440" cy="91440"/>
-              </a:xfrm>
-              <a:prstGeom prst="ellipse">
-                <a:avLst/>
-              </a:prstGeom>
-              <a:solidFill>
-                <a:schemeClr val="bg2">
-                  <a:lumMod val="75000"/>
-                </a:schemeClr>
-              </a:solidFill>
-              <a:ln>
-                <a:noFill/>
-              </a:ln>
-            </p:spPr>
-            <p:style>
-              <a:lnRef idx="2">
-                <a:schemeClr val="accent1">
-                  <a:shade val="15000"/>
-                </a:schemeClr>
-              </a:lnRef>
-              <a:fillRef idx="1">
-                <a:schemeClr val="accent1"/>
-              </a:fillRef>
-              <a:effectRef idx="0">
-                <a:schemeClr val="accent1"/>
-              </a:effectRef>
-              <a:fontRef idx="minor">
-                <a:schemeClr val="lt1"/>
-              </a:fontRef>
-            </p:style>
-            <p:txBody>
-              <a:bodyPr rtlCol="0" anchor="ctr"/>
-              <a:lstStyle/>
-              <a:p>
-                <a:pPr algn="ctr"/>
-                <a:endParaRPr lang="en-US"/>
-              </a:p>
-            </p:txBody>
-          </p:sp>
-          <p:sp>
-            <p:nvSpPr>
-              <p:cNvPr id="1040" name="Oval 1039">
-                <a:extLst>
-                  <a:ext uri="{FF2B5EF4-FFF2-40B4-BE49-F238E27FC236}">
-                    <a16:creationId xmlns:a16="http://schemas.microsoft.com/office/drawing/2014/main" id="{5676E5F0-0B0A-F8F3-5290-117611497924}"/>
-                  </a:ext>
-                </a:extLst>
-              </p:cNvPr>
-              <p:cNvSpPr/>
-              <p:nvPr/>
-            </p:nvSpPr>
-            <p:spPr>
-              <a:xfrm>
-                <a:off x="7328166" y="248593"/>
-                <a:ext cx="91440" cy="91440"/>
-              </a:xfrm>
-              <a:prstGeom prst="ellipse">
-                <a:avLst/>
-              </a:prstGeom>
-              <a:solidFill>
-                <a:schemeClr val="bg2">
-                  <a:lumMod val="75000"/>
-                </a:schemeClr>
-              </a:solidFill>
-              <a:ln>
-                <a:noFill/>
-              </a:ln>
-            </p:spPr>
-            <p:style>
-              <a:lnRef idx="2">
-                <a:schemeClr val="accent1">
-                  <a:shade val="15000"/>
-                </a:schemeClr>
-              </a:lnRef>
-              <a:fillRef idx="1">
-                <a:schemeClr val="accent1"/>
-              </a:fillRef>
-              <a:effectRef idx="0">
-                <a:schemeClr val="accent1"/>
-              </a:effectRef>
-              <a:fontRef idx="minor">
-                <a:schemeClr val="lt1"/>
-              </a:fontRef>
-            </p:style>
-            <p:txBody>
-              <a:bodyPr rtlCol="0" anchor="ctr"/>
-              <a:lstStyle/>
-              <a:p>
-                <a:pPr algn="ctr"/>
-                <a:endParaRPr lang="en-US"/>
-              </a:p>
-            </p:txBody>
-          </p:sp>
-        </p:grpSp>
-        <mc:AlternateContent xmlns:mc="http://schemas.openxmlformats.org/markup-compatibility/2006">
-          <mc:Choice xmlns:a14="http://schemas.microsoft.com/office/drawing/2010/main" Requires="a14">
-            <p:sp>
-              <p:nvSpPr>
-                <p:cNvPr id="1059" name="TextBox 1058">
-                  <a:extLst>
-                    <a:ext uri="{FF2B5EF4-FFF2-40B4-BE49-F238E27FC236}">
-                      <a16:creationId xmlns:a16="http://schemas.microsoft.com/office/drawing/2014/main" id="{AC3E2EE8-E518-A90D-D870-A0A0D945A1A6}"/>
-                    </a:ext>
-                  </a:extLst>
-                </p:cNvPr>
-                <p:cNvSpPr txBox="1"/>
-                <p:nvPr/>
-              </p:nvSpPr>
-              <p:spPr>
-                <a:xfrm>
-                  <a:off x="5430867" y="1577335"/>
-                  <a:ext cx="2678837" cy="689869"/>
-                </a:xfrm>
-                <a:prstGeom prst="rect">
-                  <a:avLst/>
-                </a:prstGeom>
-                <a:noFill/>
-              </p:spPr>
-              <p:txBody>
-                <a:bodyPr wrap="square">
-                  <a:spAutoFit/>
-                </a:bodyPr>
-                <a:lstStyle/>
-                <a:p>
-                  <a:pPr algn="ctr"/>
-                  <a:r>
-                    <a:rPr lang="en-US" dirty="0">
-                      <a:solidFill>
-                        <a:schemeClr val="tx1">
-                          <a:lumMod val="95000"/>
-                          <a:lumOff val="5000"/>
-                        </a:schemeClr>
-                      </a:solidFill>
-                      <a:latin typeface="Times New Roman" panose="02020603050405020304" pitchFamily="18" charset="0"/>
-                      <a:cs typeface="Times New Roman" panose="02020603050405020304" pitchFamily="18" charset="0"/>
-                    </a:rPr>
-                    <a:t>R</a:t>
-                  </a:r>
-                  <a:r>
-                    <a:rPr lang="en-US" altLang="zh-CN" dirty="0">
-                      <a:solidFill>
-                        <a:schemeClr val="tx1">
-                          <a:lumMod val="95000"/>
-                          <a:lumOff val="5000"/>
-                        </a:schemeClr>
-                      </a:solidFill>
-                      <a:latin typeface="Times New Roman" panose="02020603050405020304" pitchFamily="18" charset="0"/>
-                      <a:cs typeface="Times New Roman" panose="02020603050405020304" pitchFamily="18" charset="0"/>
-                    </a:rPr>
-                    <a:t>ounding correction </a:t>
-                  </a:r>
-                  <a14:m>
-                    <m:oMath xmlns:m="http://schemas.openxmlformats.org/officeDocument/2006/math">
-                      <m:sSub>
-                        <m:sSubPr>
-                          <m:ctrlPr>
-                            <a:rPr lang="en-US" i="1">
-                              <a:solidFill>
-                                <a:schemeClr val="tx1">
-                                  <a:lumMod val="95000"/>
-                                  <a:lumOff val="5000"/>
-                                </a:schemeClr>
-                              </a:solidFill>
-                              <a:latin typeface="Cambria Math" panose="02040503050406030204" pitchFamily="18" charset="0"/>
-                              <a:cs typeface="Times New Roman" panose="02020603050405020304" pitchFamily="18" charset="0"/>
-                            </a:rPr>
-                          </m:ctrlPr>
-                        </m:sSubPr>
-                        <m:e>
-                          <m:r>
-                            <m:rPr>
-                              <m:sty m:val="p"/>
-                            </m:rPr>
-                            <a:rPr lang="en-US">
-                              <a:solidFill>
-                                <a:schemeClr val="tx1">
-                                  <a:lumMod val="95000"/>
-                                  <a:lumOff val="5000"/>
-                                </a:schemeClr>
-                              </a:solidFill>
-                              <a:latin typeface="Cambria Math" panose="02040503050406030204" pitchFamily="18" charset="0"/>
-                              <a:ea typeface="Cambria Math" panose="02040503050406030204" pitchFamily="18" charset="0"/>
-                              <a:cs typeface="Times New Roman" panose="02020603050405020304" pitchFamily="18" charset="0"/>
-                            </a:rPr>
-                            <m:t>φ</m:t>
-                          </m:r>
-                        </m:e>
-                        <m:sub>
-                          <m:sSub>
-                            <m:sSubPr>
-                              <m:ctrlPr>
-                                <a:rPr lang="en-US" i="1">
-                                  <a:solidFill>
-                                    <a:schemeClr val="tx1">
-                                      <a:lumMod val="95000"/>
-                                      <a:lumOff val="5000"/>
-                                    </a:schemeClr>
-                                  </a:solidFill>
-                                  <a:latin typeface="Cambria Math" panose="02040503050406030204" pitchFamily="18" charset="0"/>
-                                  <a:ea typeface="Cambria Math" panose="02040503050406030204" pitchFamily="18" charset="0"/>
-                                  <a:cs typeface="Times New Roman" panose="02020603050405020304" pitchFamily="18" charset="0"/>
-                                </a:rPr>
-                              </m:ctrlPr>
-                            </m:sSubPr>
-                            <m:e>
-                              <m:r>
-                                <m:rPr>
-                                  <m:sty m:val="p"/>
-                                </m:rPr>
-                                <a:rPr lang="en-US">
-                                  <a:solidFill>
-                                    <a:schemeClr val="tx1">
-                                      <a:lumMod val="95000"/>
-                                      <a:lumOff val="5000"/>
-                                    </a:schemeClr>
-                                  </a:solidFill>
-                                  <a:latin typeface="Cambria Math" panose="02040503050406030204" pitchFamily="18" charset="0"/>
-                                  <a:ea typeface="Cambria Math" panose="02040503050406030204" pitchFamily="18" charset="0"/>
-                                  <a:cs typeface="Times New Roman" panose="02020603050405020304" pitchFamily="18" charset="0"/>
-                                </a:rPr>
-                                <m:t>Θ</m:t>
-                              </m:r>
-                            </m:e>
-                            <m:sub>
-                              <m:r>
-                                <a:rPr lang="en-US">
-                                  <a:solidFill>
-                                    <a:schemeClr val="tx1">
-                                      <a:lumMod val="95000"/>
-                                      <a:lumOff val="5000"/>
-                                    </a:schemeClr>
-                                  </a:solidFill>
-                                  <a:latin typeface="Cambria Math" panose="02040503050406030204" pitchFamily="18" charset="0"/>
-                                  <a:ea typeface="Cambria Math" panose="02040503050406030204" pitchFamily="18" charset="0"/>
-                                  <a:cs typeface="Times New Roman" panose="02020603050405020304" pitchFamily="18" charset="0"/>
-                                </a:rPr>
-                                <m:t>2</m:t>
-                              </m:r>
-                            </m:sub>
-                          </m:sSub>
-                        </m:sub>
-                      </m:sSub>
-                      <m:d>
-                        <m:dPr>
-                          <m:ctrlPr>
-                            <a:rPr lang="en-US" i="1">
-                              <a:solidFill>
-                                <a:schemeClr val="tx1">
-                                  <a:lumMod val="95000"/>
-                                  <a:lumOff val="5000"/>
-                                </a:schemeClr>
-                              </a:solidFill>
-                              <a:latin typeface="Cambria Math" panose="02040503050406030204" pitchFamily="18" charset="0"/>
-                              <a:cs typeface="Times New Roman" panose="02020603050405020304" pitchFamily="18" charset="0"/>
-                            </a:rPr>
-                          </m:ctrlPr>
-                        </m:dPr>
-                        <m:e>
-                          <m:sSup>
-                            <m:sSupPr>
-                              <m:ctrlPr>
-                                <a:rPr lang="en-US" i="1">
-                                  <a:solidFill>
-                                    <a:schemeClr val="tx1">
-                                      <a:lumMod val="95000"/>
-                                      <a:lumOff val="5000"/>
-                                    </a:schemeClr>
-                                  </a:solidFill>
-                                  <a:latin typeface="Cambria Math" panose="02040503050406030204" pitchFamily="18" charset="0"/>
-                                  <a:ea typeface="Cambria Math" panose="02040503050406030204" pitchFamily="18" charset="0"/>
-                                  <a:cs typeface="Times New Roman" panose="02020603050405020304" pitchFamily="18" charset="0"/>
-                                </a:rPr>
-                              </m:ctrlPr>
-                            </m:sSupPr>
-                            <m:e>
-                              <m:acc>
-                                <m:accPr>
-                                  <m:chr m:val="̅"/>
-                                  <m:ctrlPr>
-                                    <a:rPr lang="en-US" i="1">
-                                      <a:solidFill>
-                                        <a:schemeClr val="tx1">
-                                          <a:lumMod val="95000"/>
-                                          <a:lumOff val="5000"/>
-                                        </a:schemeClr>
-                                      </a:solidFill>
-                                      <a:latin typeface="Cambria Math" panose="02040503050406030204" pitchFamily="18" charset="0"/>
-                                      <a:ea typeface="Cambria Math" panose="02040503050406030204" pitchFamily="18" charset="0"/>
-                                      <a:cs typeface="Times New Roman" panose="02020603050405020304" pitchFamily="18" charset="0"/>
-                                    </a:rPr>
-                                  </m:ctrlPr>
-                                </m:accPr>
-                                <m:e>
-                                  <m:r>
-                                    <a:rPr lang="en-US" b="1" i="1">
-                                      <a:solidFill>
-                                        <a:schemeClr val="tx1">
-                                          <a:lumMod val="95000"/>
-                                          <a:lumOff val="5000"/>
-                                        </a:schemeClr>
-                                      </a:solidFill>
-                                      <a:latin typeface="Cambria Math" panose="02040503050406030204" pitchFamily="18" charset="0"/>
-                                      <a:ea typeface="Cambria Math" panose="02040503050406030204" pitchFamily="18" charset="0"/>
-                                      <a:cs typeface="Times New Roman" panose="02020603050405020304" pitchFamily="18" charset="0"/>
-                                    </a:rPr>
-                                    <m:t>𝒙</m:t>
-                                  </m:r>
-                                </m:e>
-                              </m:acc>
-                            </m:e>
-                            <m:sup>
-                              <m:r>
-                                <a:rPr lang="en-US" i="1">
-                                  <a:solidFill>
-                                    <a:schemeClr val="tx1">
-                                      <a:lumMod val="95000"/>
-                                      <a:lumOff val="5000"/>
-                                    </a:schemeClr>
-                                  </a:solidFill>
-                                  <a:latin typeface="Cambria Math" panose="02040503050406030204" pitchFamily="18" charset="0"/>
-                                  <a:ea typeface="Cambria Math" panose="02040503050406030204" pitchFamily="18" charset="0"/>
-                                  <a:cs typeface="Times New Roman" panose="02020603050405020304" pitchFamily="18" charset="0"/>
-                                </a:rPr>
-                                <m:t>𝑖</m:t>
-                              </m:r>
-                            </m:sup>
-                          </m:sSup>
-                        </m:e>
-                      </m:d>
-                      <m:r>
-                        <a:rPr lang="en-US">
-                          <a:solidFill>
-                            <a:schemeClr val="tx1">
-                              <a:lumMod val="95000"/>
-                              <a:lumOff val="5000"/>
-                            </a:schemeClr>
-                          </a:solidFill>
-                          <a:latin typeface="Cambria Math" panose="02040503050406030204" pitchFamily="18" charset="0"/>
-                          <a:ea typeface="Cambria Math" panose="02040503050406030204" pitchFamily="18" charset="0"/>
-                          <a:cs typeface="Times New Roman" panose="02020603050405020304" pitchFamily="18" charset="0"/>
-                        </a:rPr>
-                        <m:t> </m:t>
-                      </m:r>
-                      <m:r>
-                        <m:rPr>
-                          <m:sty m:val="p"/>
-                        </m:rPr>
-                        <a:rPr lang="en-US">
-                          <a:solidFill>
-                            <a:schemeClr val="tx1">
-                              <a:lumMod val="95000"/>
-                              <a:lumOff val="5000"/>
-                            </a:schemeClr>
-                          </a:solidFill>
-                          <a:latin typeface="Cambria Math" panose="02040503050406030204" pitchFamily="18" charset="0"/>
-                          <a:ea typeface="Cambria Math" panose="02040503050406030204" pitchFamily="18" charset="0"/>
-                          <a:cs typeface="Times New Roman" panose="02020603050405020304" pitchFamily="18" charset="0"/>
-                        </a:rPr>
-                        <m:t>for</m:t>
-                      </m:r>
-                      <m:r>
-                        <a:rPr lang="en-US">
-                          <a:solidFill>
-                            <a:schemeClr val="tx1">
-                              <a:lumMod val="95000"/>
-                              <a:lumOff val="5000"/>
-                            </a:schemeClr>
-                          </a:solidFill>
-                          <a:latin typeface="Cambria Math" panose="02040503050406030204" pitchFamily="18" charset="0"/>
-                          <a:ea typeface="Cambria Math" panose="02040503050406030204" pitchFamily="18" charset="0"/>
-                          <a:cs typeface="Times New Roman" panose="02020603050405020304" pitchFamily="18" charset="0"/>
-                        </a:rPr>
-                        <m:t> </m:t>
-                      </m:r>
-                      <m:r>
-                        <m:rPr>
-                          <m:sty m:val="p"/>
-                        </m:rPr>
-                        <a:rPr lang="en-US">
-                          <a:solidFill>
-                            <a:schemeClr val="tx1">
-                              <a:lumMod val="95000"/>
-                              <a:lumOff val="5000"/>
-                            </a:schemeClr>
-                          </a:solidFill>
-                          <a:latin typeface="Cambria Math" panose="02040503050406030204" pitchFamily="18" charset="0"/>
-                          <a:ea typeface="Cambria Math" panose="02040503050406030204" pitchFamily="18" charset="0"/>
-                          <a:cs typeface="Times New Roman" panose="02020603050405020304" pitchFamily="18" charset="0"/>
-                        </a:rPr>
-                        <m:t>integrality</m:t>
-                      </m:r>
-                    </m:oMath>
-                  </a14:m>
-                  <a:endParaRPr lang="en-US" b="1" dirty="0">
-                    <a:solidFill>
-                      <a:schemeClr val="tx1">
-                        <a:lumMod val="95000"/>
-                        <a:lumOff val="5000"/>
-                      </a:schemeClr>
-                    </a:solidFill>
-                    <a:latin typeface="Times New Roman" panose="02020603050405020304" pitchFamily="18" charset="0"/>
-                    <a:cs typeface="Times New Roman" panose="02020603050405020304" pitchFamily="18" charset="0"/>
-                  </a:endParaRPr>
-                </a:p>
-              </p:txBody>
-            </p:sp>
-          </mc:Choice>
-          <mc:Fallback>
-            <p:sp>
-              <p:nvSpPr>
-                <p:cNvPr id="1059" name="TextBox 1058">
-                  <a:extLst>
-                    <a:ext uri="{FF2B5EF4-FFF2-40B4-BE49-F238E27FC236}">
-                      <a16:creationId xmlns:a16="http://schemas.microsoft.com/office/drawing/2014/main" id="{AC3E2EE8-E518-A90D-D870-A0A0D945A1A6}"/>
-                    </a:ext>
-                  </a:extLst>
-                </p:cNvPr>
-                <p:cNvSpPr txBox="1">
-                  <a:spLocks noRot="1" noChangeAspect="1" noMove="1" noResize="1" noEditPoints="1" noAdjustHandles="1" noChangeArrowheads="1" noChangeShapeType="1" noTextEdit="1"/>
-                </p:cNvSpPr>
-                <p:nvPr/>
-              </p:nvSpPr>
-              <p:spPr>
-                <a:xfrm>
-                  <a:off x="5430867" y="1577335"/>
-                  <a:ext cx="2678837" cy="689869"/>
-                </a:xfrm>
-                <a:prstGeom prst="rect">
-                  <a:avLst/>
-                </a:prstGeom>
-                <a:blipFill>
-                  <a:blip r:embed="rId4"/>
-                  <a:stretch>
-                    <a:fillRect t="-4386" b="-3509"/>
-                  </a:stretch>
-                </a:blipFill>
-              </p:spPr>
-              <p:txBody>
-                <a:bodyPr/>
-                <a:lstStyle/>
-                <a:p>
-                  <a:r>
-                    <a:rPr lang="en-US">
-                      <a:noFill/>
-                    </a:rPr>
-                    <a:t> </a:t>
-                  </a:r>
-                </a:p>
-              </p:txBody>
-            </p:sp>
-          </mc:Fallback>
-        </mc:AlternateContent>
-      </p:grpSp>
-      <p:grpSp>
-        <p:nvGrpSpPr>
-          <p:cNvPr id="1115" name="Group 1114">
-            <a:extLst>
-              <a:ext uri="{FF2B5EF4-FFF2-40B4-BE49-F238E27FC236}">
-                <a16:creationId xmlns:a16="http://schemas.microsoft.com/office/drawing/2014/main" id="{CB20EB91-B3C7-C4A6-1002-8572DF143580}"/>
-              </a:ext>
-            </a:extLst>
-          </p:cNvPr>
-          <p:cNvGrpSpPr/>
-          <p:nvPr/>
-        </p:nvGrpSpPr>
-        <p:grpSpPr>
-          <a:xfrm>
-            <a:off x="8677997" y="302376"/>
-            <a:ext cx="2678837" cy="2216344"/>
-            <a:chOff x="9248581" y="1138359"/>
-            <a:chExt cx="2678837" cy="2216344"/>
-          </a:xfrm>
-        </p:grpSpPr>
-        <p:grpSp>
-          <p:nvGrpSpPr>
-            <p:cNvPr id="1079" name="Group 1078">
-              <a:extLst>
-                <a:ext uri="{FF2B5EF4-FFF2-40B4-BE49-F238E27FC236}">
-                  <a16:creationId xmlns:a16="http://schemas.microsoft.com/office/drawing/2014/main" id="{8A188382-4990-22BB-40D8-73F1481E467F}"/>
-                </a:ext>
-              </a:extLst>
-            </p:cNvPr>
-            <p:cNvGrpSpPr/>
-            <p:nvPr/>
-          </p:nvGrpSpPr>
-          <p:grpSpPr>
-            <a:xfrm>
-              <a:off x="9460012" y="1138359"/>
-              <a:ext cx="1974828" cy="1397043"/>
-              <a:chOff x="9470653" y="1153421"/>
-              <a:chExt cx="1765284" cy="1248805"/>
-            </a:xfrm>
-          </p:grpSpPr>
-          <p:cxnSp>
-            <p:nvCxnSpPr>
-              <p:cNvPr id="1074" name="Straight Connector 1073">
-                <a:extLst>
-                  <a:ext uri="{FF2B5EF4-FFF2-40B4-BE49-F238E27FC236}">
-                    <a16:creationId xmlns:a16="http://schemas.microsoft.com/office/drawing/2014/main" id="{9E9C04A0-ADC2-2B31-FE13-3C409E244901}"/>
-                  </a:ext>
-                </a:extLst>
-              </p:cNvPr>
-              <p:cNvCxnSpPr>
-                <a:cxnSpLocks/>
-              </p:cNvCxnSpPr>
-              <p:nvPr/>
-            </p:nvCxnSpPr>
-            <p:spPr>
-              <a:xfrm>
-                <a:off x="10104931" y="1762343"/>
-                <a:ext cx="155944" cy="189059"/>
-              </a:xfrm>
-              <a:prstGeom prst="line">
-                <a:avLst/>
-              </a:prstGeom>
-              <a:ln w="19050">
-                <a:solidFill>
-                  <a:schemeClr val="tx1">
-                    <a:lumMod val="75000"/>
-                    <a:lumOff val="25000"/>
-                  </a:schemeClr>
-                </a:solidFill>
-                <a:headEnd type="triangle"/>
-              </a:ln>
-            </p:spPr>
-            <p:style>
-              <a:lnRef idx="1">
-                <a:schemeClr val="accent1"/>
-              </a:lnRef>
-              <a:fillRef idx="0">
-                <a:schemeClr val="accent1"/>
-              </a:fillRef>
-              <a:effectRef idx="0">
-                <a:schemeClr val="accent1"/>
-              </a:effectRef>
-              <a:fontRef idx="minor">
-                <a:schemeClr val="tx1"/>
-              </a:fontRef>
-            </p:style>
-          </p:cxnSp>
-          <p:sp>
-            <p:nvSpPr>
-              <p:cNvPr id="1069" name="Right Triangle 1068">
-                <a:extLst>
-                  <a:ext uri="{FF2B5EF4-FFF2-40B4-BE49-F238E27FC236}">
-                    <a16:creationId xmlns:a16="http://schemas.microsoft.com/office/drawing/2014/main" id="{55438617-4EC1-E9FC-059F-2BFABA592333}"/>
-                  </a:ext>
-                </a:extLst>
-              </p:cNvPr>
-              <p:cNvSpPr/>
-              <p:nvPr/>
-            </p:nvSpPr>
-            <p:spPr>
-              <a:xfrm flipH="1">
-                <a:off x="9721947" y="1153423"/>
-                <a:ext cx="1513990" cy="1248803"/>
-              </a:xfrm>
-              <a:prstGeom prst="rtTriangle">
-                <a:avLst/>
-              </a:prstGeom>
-              <a:solidFill>
-                <a:srgbClr val="A6CAEC"/>
-              </a:solidFill>
-              <a:ln w="28575">
-                <a:noFill/>
-              </a:ln>
-            </p:spPr>
-            <p:style>
-              <a:lnRef idx="2">
-                <a:schemeClr val="accent1">
-                  <a:shade val="15000"/>
-                </a:schemeClr>
-              </a:lnRef>
-              <a:fillRef idx="1">
-                <a:schemeClr val="accent1"/>
-              </a:fillRef>
-              <a:effectRef idx="0">
-                <a:schemeClr val="accent1"/>
-              </a:effectRef>
-              <a:fontRef idx="minor">
-                <a:schemeClr val="lt1"/>
-              </a:fontRef>
-            </p:style>
-            <p:txBody>
-              <a:bodyPr rtlCol="0" anchor="ctr"/>
-              <a:lstStyle/>
-              <a:p>
-                <a:pPr algn="ctr"/>
-                <a:endParaRPr lang="en-US"/>
-              </a:p>
-            </p:txBody>
-          </p:sp>
-          <p:grpSp>
-            <p:nvGrpSpPr>
-              <p:cNvPr id="1054" name="Group 1053">
-                <a:extLst>
-                  <a:ext uri="{FF2B5EF4-FFF2-40B4-BE49-F238E27FC236}">
-                    <a16:creationId xmlns:a16="http://schemas.microsoft.com/office/drawing/2014/main" id="{AD5694B4-0998-6DD5-567B-25485E0BE575}"/>
-                  </a:ext>
-                </a:extLst>
-              </p:cNvPr>
-              <p:cNvGrpSpPr/>
-              <p:nvPr/>
-            </p:nvGrpSpPr>
-            <p:grpSpPr>
-              <a:xfrm>
-                <a:off x="9470653" y="1153421"/>
-                <a:ext cx="1725146" cy="1234066"/>
-                <a:chOff x="3487286" y="3877098"/>
-                <a:chExt cx="2879209" cy="2059614"/>
-              </a:xfrm>
-            </p:grpSpPr>
-            <p:sp>
-              <p:nvSpPr>
-                <p:cNvPr id="11" name="Oval 10">
-                  <a:extLst>
-                    <a:ext uri="{FF2B5EF4-FFF2-40B4-BE49-F238E27FC236}">
-                      <a16:creationId xmlns:a16="http://schemas.microsoft.com/office/drawing/2014/main" id="{E56EB9DD-4005-F5B8-03FF-5FCC55C6DB7A}"/>
-                    </a:ext>
-                  </a:extLst>
-                </p:cNvPr>
-                <p:cNvSpPr/>
-                <p:nvPr/>
-              </p:nvSpPr>
-              <p:spPr>
-                <a:xfrm rot="281670">
-                  <a:off x="3487286" y="3877098"/>
-                  <a:ext cx="2879209" cy="2059614"/>
-                </a:xfrm>
-                <a:prstGeom prst="ellipse">
-                  <a:avLst/>
-                </a:prstGeom>
-                <a:ln w="19050">
-                  <a:solidFill>
-                    <a:schemeClr val="tx1">
-                      <a:lumMod val="75000"/>
-                      <a:lumOff val="25000"/>
-                    </a:schemeClr>
-                  </a:solidFill>
-                </a:ln>
-              </p:spPr>
-              <p:style>
-                <a:lnRef idx="1">
-                  <a:schemeClr val="accent1"/>
-                </a:lnRef>
-                <a:fillRef idx="0">
-                  <a:schemeClr val="accent1"/>
-                </a:fillRef>
-                <a:effectRef idx="0">
-                  <a:schemeClr val="accent1"/>
-                </a:effectRef>
-                <a:fontRef idx="minor">
-                  <a:schemeClr val="tx1"/>
-                </a:fontRef>
-              </p:style>
-              <p:txBody>
-                <a:bodyPr rtlCol="0" anchor="ctr"/>
-                <a:lstStyle/>
-                <a:p>
-                  <a:pPr algn="ctr"/>
-                  <a:endParaRPr lang="en-US"/>
-                </a:p>
-              </p:txBody>
-            </p:sp>
-            <p:sp>
-              <p:nvSpPr>
-                <p:cNvPr id="12" name="Oval 11">
-                  <a:extLst>
-                    <a:ext uri="{FF2B5EF4-FFF2-40B4-BE49-F238E27FC236}">
-                      <a16:creationId xmlns:a16="http://schemas.microsoft.com/office/drawing/2014/main" id="{2AF4E074-F092-3ADD-ED2F-96952E45224F}"/>
-                    </a:ext>
-                  </a:extLst>
-                </p:cNvPr>
-                <p:cNvSpPr/>
-                <p:nvPr/>
-              </p:nvSpPr>
-              <p:spPr>
-                <a:xfrm rot="281670">
-                  <a:off x="3689209" y="4145373"/>
-                  <a:ext cx="1969770" cy="1495991"/>
-                </a:xfrm>
-                <a:prstGeom prst="ellipse">
-                  <a:avLst/>
-                </a:prstGeom>
-                <a:ln w="19050">
-                  <a:solidFill>
-                    <a:schemeClr val="tx1">
-                      <a:lumMod val="75000"/>
-                      <a:lumOff val="25000"/>
-                    </a:schemeClr>
-                  </a:solidFill>
-                </a:ln>
-              </p:spPr>
-              <p:style>
-                <a:lnRef idx="1">
-                  <a:schemeClr val="accent1"/>
-                </a:lnRef>
-                <a:fillRef idx="0">
-                  <a:schemeClr val="accent1"/>
-                </a:fillRef>
-                <a:effectRef idx="0">
-                  <a:schemeClr val="accent1"/>
-                </a:effectRef>
-                <a:fontRef idx="minor">
-                  <a:schemeClr val="tx1"/>
-                </a:fontRef>
-              </p:style>
-              <p:txBody>
-                <a:bodyPr rtlCol="0" anchor="ctr"/>
-                <a:lstStyle/>
-                <a:p>
-                  <a:pPr algn="ctr"/>
-                  <a:endParaRPr lang="en-US"/>
-                </a:p>
-              </p:txBody>
-            </p:sp>
-            <p:sp>
-              <p:nvSpPr>
-                <p:cNvPr id="21" name="Oval 20">
-                  <a:extLst>
-                    <a:ext uri="{FF2B5EF4-FFF2-40B4-BE49-F238E27FC236}">
-                      <a16:creationId xmlns:a16="http://schemas.microsoft.com/office/drawing/2014/main" id="{C4C2F0BE-53B3-C550-2D11-AD3CE5320912}"/>
-                    </a:ext>
-                  </a:extLst>
-                </p:cNvPr>
-                <p:cNvSpPr/>
-                <p:nvPr/>
-              </p:nvSpPr>
-              <p:spPr>
-                <a:xfrm rot="281670">
-                  <a:off x="3926056" y="4489828"/>
-                  <a:ext cx="1013539" cy="825770"/>
-                </a:xfrm>
-                <a:prstGeom prst="ellipse">
-                  <a:avLst/>
-                </a:prstGeom>
-                <a:ln w="19050">
-                  <a:solidFill>
-                    <a:schemeClr val="tx1">
-                      <a:lumMod val="75000"/>
-                      <a:lumOff val="25000"/>
-                    </a:schemeClr>
-                  </a:solidFill>
-                </a:ln>
-              </p:spPr>
-              <p:style>
-                <a:lnRef idx="1">
-                  <a:schemeClr val="accent1"/>
-                </a:lnRef>
-                <a:fillRef idx="0">
-                  <a:schemeClr val="accent1"/>
-                </a:fillRef>
-                <a:effectRef idx="0">
-                  <a:schemeClr val="accent1"/>
-                </a:effectRef>
-                <a:fontRef idx="minor">
-                  <a:schemeClr val="tx1"/>
-                </a:fontRef>
-              </p:style>
-              <p:txBody>
-                <a:bodyPr rtlCol="0" anchor="ctr"/>
-                <a:lstStyle/>
-                <a:p>
-                  <a:pPr algn="ctr"/>
-                  <a:endParaRPr lang="en-US"/>
-                </a:p>
-              </p:txBody>
-            </p:sp>
-            <p:sp>
-              <p:nvSpPr>
-                <p:cNvPr id="22" name="Oval 21">
-                  <a:extLst>
-                    <a:ext uri="{FF2B5EF4-FFF2-40B4-BE49-F238E27FC236}">
-                      <a16:creationId xmlns:a16="http://schemas.microsoft.com/office/drawing/2014/main" id="{3B67587E-08C6-28FA-480A-B442CE54CC50}"/>
-                    </a:ext>
-                  </a:extLst>
-                </p:cNvPr>
-                <p:cNvSpPr/>
-                <p:nvPr/>
-              </p:nvSpPr>
-              <p:spPr>
-                <a:xfrm rot="281670">
-                  <a:off x="4140921" y="4669795"/>
-                  <a:ext cx="355737" cy="335252"/>
-                </a:xfrm>
-                <a:prstGeom prst="ellipse">
-                  <a:avLst/>
-                </a:prstGeom>
-                <a:ln w="19050">
-                  <a:solidFill>
-                    <a:schemeClr val="tx1">
-                      <a:lumMod val="75000"/>
-                      <a:lumOff val="25000"/>
-                    </a:schemeClr>
-                  </a:solidFill>
-                </a:ln>
-              </p:spPr>
-              <p:style>
-                <a:lnRef idx="1">
-                  <a:schemeClr val="accent1"/>
-                </a:lnRef>
-                <a:fillRef idx="0">
-                  <a:schemeClr val="accent1"/>
-                </a:fillRef>
-                <a:effectRef idx="0">
-                  <a:schemeClr val="accent1"/>
-                </a:effectRef>
-                <a:fontRef idx="minor">
-                  <a:schemeClr val="tx1"/>
-                </a:fontRef>
-              </p:style>
-              <p:txBody>
-                <a:bodyPr rtlCol="0" anchor="ctr"/>
-                <a:lstStyle/>
-                <a:p>
-                  <a:pPr algn="ctr"/>
-                  <a:endParaRPr lang="en-US"/>
-                </a:p>
-              </p:txBody>
-            </p:sp>
-          </p:grpSp>
-          <p:cxnSp>
-            <p:nvCxnSpPr>
-              <p:cNvPr id="1070" name="Straight Connector 1069">
-                <a:extLst>
-                  <a:ext uri="{FF2B5EF4-FFF2-40B4-BE49-F238E27FC236}">
-                    <a16:creationId xmlns:a16="http://schemas.microsoft.com/office/drawing/2014/main" id="{F0789562-0617-8049-EC8C-5306A2F75F49}"/>
-                  </a:ext>
-                </a:extLst>
-              </p:cNvPr>
-              <p:cNvCxnSpPr>
-                <a:cxnSpLocks/>
-                <a:stCxn id="1069" idx="4"/>
-                <a:endCxn id="1069" idx="0"/>
-              </p:cNvCxnSpPr>
-              <p:nvPr/>
-            </p:nvCxnSpPr>
-            <p:spPr>
-              <a:xfrm flipV="1">
-                <a:off x="9721947" y="1153423"/>
-                <a:ext cx="1513990" cy="1248803"/>
-              </a:xfrm>
-              <a:prstGeom prst="line">
-                <a:avLst/>
-              </a:prstGeom>
-              <a:ln w="38100">
-                <a:solidFill>
-                  <a:srgbClr val="002060"/>
-                </a:solidFill>
-                <a:prstDash val="dash"/>
-              </a:ln>
-            </p:spPr>
-            <p:style>
-              <a:lnRef idx="2">
-                <a:schemeClr val="accent1"/>
-              </a:lnRef>
-              <a:fillRef idx="0">
-                <a:schemeClr val="accent1"/>
-              </a:fillRef>
-              <a:effectRef idx="1">
-                <a:schemeClr val="accent1"/>
-              </a:effectRef>
-              <a:fontRef idx="minor">
-                <a:schemeClr val="tx1"/>
-              </a:fontRef>
-            </p:style>
-          </p:cxnSp>
-          <p:sp>
-            <p:nvSpPr>
-              <p:cNvPr id="1073" name="Oval 1072">
-                <a:extLst>
-                  <a:ext uri="{FF2B5EF4-FFF2-40B4-BE49-F238E27FC236}">
-                    <a16:creationId xmlns:a16="http://schemas.microsoft.com/office/drawing/2014/main" id="{43809BD3-7D1D-0E7B-B948-E83A62A19EAD}"/>
-                  </a:ext>
-                </a:extLst>
-              </p:cNvPr>
-              <p:cNvSpPr/>
-              <p:nvPr/>
-            </p:nvSpPr>
-            <p:spPr>
-              <a:xfrm>
-                <a:off x="10190839" y="1881947"/>
-                <a:ext cx="130290" cy="130290"/>
-              </a:xfrm>
-              <a:prstGeom prst="ellipse">
-                <a:avLst/>
-              </a:prstGeom>
-              <a:solidFill>
-                <a:srgbClr val="002060"/>
-              </a:solidFill>
-              <a:ln>
-                <a:noFill/>
-              </a:ln>
-            </p:spPr>
-            <p:style>
-              <a:lnRef idx="2">
-                <a:schemeClr val="accent1">
-                  <a:shade val="15000"/>
-                </a:schemeClr>
-              </a:lnRef>
-              <a:fillRef idx="1">
-                <a:schemeClr val="accent1"/>
-              </a:fillRef>
-              <a:effectRef idx="0">
-                <a:schemeClr val="accent1"/>
-              </a:effectRef>
-              <a:fontRef idx="minor">
-                <a:schemeClr val="lt1"/>
-              </a:fontRef>
-            </p:style>
-            <p:txBody>
-              <a:bodyPr rtlCol="0" anchor="ctr"/>
-              <a:lstStyle/>
-              <a:p>
-                <a:pPr algn="ctr"/>
-                <a:endParaRPr lang="en-US"/>
-              </a:p>
-            </p:txBody>
-          </p:sp>
-        </p:grpSp>
-        <mc:AlternateContent xmlns:mc="http://schemas.openxmlformats.org/markup-compatibility/2006">
-          <mc:Choice xmlns:a14="http://schemas.microsoft.com/office/drawing/2010/main" Requires="a14">
-            <p:sp>
-              <p:nvSpPr>
-                <p:cNvPr id="1114" name="TextBox 1113">
-                  <a:extLst>
-                    <a:ext uri="{FF2B5EF4-FFF2-40B4-BE49-F238E27FC236}">
-                      <a16:creationId xmlns:a16="http://schemas.microsoft.com/office/drawing/2014/main" id="{F25F2E8C-4A10-8915-2FC2-E0CB07B107A5}"/>
-                    </a:ext>
-                  </a:extLst>
-                </p:cNvPr>
-                <p:cNvSpPr txBox="1"/>
-                <p:nvPr/>
-              </p:nvSpPr>
-              <p:spPr>
-                <a:xfrm>
-                  <a:off x="9248581" y="2672721"/>
-                  <a:ext cx="2678837" cy="681982"/>
-                </a:xfrm>
-                <a:prstGeom prst="rect">
-                  <a:avLst/>
-                </a:prstGeom>
-                <a:noFill/>
-              </p:spPr>
-              <p:txBody>
-                <a:bodyPr wrap="square">
-                  <a:spAutoFit/>
-                </a:bodyPr>
-                <a:lstStyle/>
-                <a:p>
-                  <a:pPr algn="ctr"/>
-                  <a:r>
-                    <a:rPr lang="en-US">
-                      <a:solidFill>
-                        <a:schemeClr val="tx1">
-                          <a:lumMod val="95000"/>
-                          <a:lumOff val="5000"/>
-                        </a:schemeClr>
-                      </a:solidFill>
-                      <a:latin typeface="Times New Roman" panose="02020603050405020304" pitchFamily="18" charset="0"/>
-                      <a:cs typeface="Times New Roman" panose="02020603050405020304" pitchFamily="18" charset="0"/>
-                    </a:rPr>
-                    <a:t>Penalized </a:t>
-                  </a:r>
-                  <a:r>
-                    <a:rPr lang="en-US" dirty="0">
-                      <a:solidFill>
-                        <a:schemeClr val="tx1">
-                          <a:lumMod val="95000"/>
-                          <a:lumOff val="5000"/>
-                        </a:schemeClr>
-                      </a:solidFill>
-                      <a:latin typeface="Times New Roman" panose="02020603050405020304" pitchFamily="18" charset="0"/>
-                      <a:cs typeface="Times New Roman" panose="02020603050405020304" pitchFamily="18" charset="0"/>
-                    </a:rPr>
-                    <a:t>function </a:t>
-                  </a:r>
-                  <a14:m>
-                    <m:oMath xmlns:m="http://schemas.openxmlformats.org/officeDocument/2006/math">
-                      <m:r>
-                        <a:rPr lang="en-US" i="1">
-                          <a:solidFill>
-                            <a:schemeClr val="tx1">
-                              <a:lumMod val="95000"/>
-                              <a:lumOff val="5000"/>
-                            </a:schemeClr>
-                          </a:solidFill>
-                          <a:latin typeface="Cambria Math" panose="02040503050406030204" pitchFamily="18" charset="0"/>
-                          <a:ea typeface="Cambria Math" panose="02040503050406030204" pitchFamily="18" charset="0"/>
-                          <a:cs typeface="Times New Roman" panose="02020603050405020304" pitchFamily="18" charset="0"/>
-                        </a:rPr>
-                        <m:t>ℒ</m:t>
-                      </m:r>
-                      <m:d>
-                        <m:dPr>
-                          <m:ctrlPr>
-                            <a:rPr lang="en-US" i="1">
-                              <a:solidFill>
-                                <a:schemeClr val="tx1">
-                                  <a:lumMod val="95000"/>
-                                  <a:lumOff val="5000"/>
-                                </a:schemeClr>
-                              </a:solidFill>
-                              <a:latin typeface="Cambria Math" panose="02040503050406030204" pitchFamily="18" charset="0"/>
-                              <a:ea typeface="Cambria Math" panose="02040503050406030204" pitchFamily="18" charset="0"/>
-                              <a:cs typeface="Times New Roman" panose="02020603050405020304" pitchFamily="18" charset="0"/>
-                            </a:rPr>
-                          </m:ctrlPr>
-                        </m:dPr>
-                        <m:e>
-                          <m:sSup>
-                            <m:sSupPr>
-                              <m:ctrlPr>
-                                <a:rPr lang="en-US" i="1">
-                                  <a:solidFill>
-                                    <a:schemeClr val="tx1">
-                                      <a:lumMod val="95000"/>
-                                      <a:lumOff val="5000"/>
-                                    </a:schemeClr>
-                                  </a:solidFill>
-                                  <a:latin typeface="Cambria Math" panose="02040503050406030204" pitchFamily="18" charset="0"/>
-                                  <a:ea typeface="Cambria Math" panose="02040503050406030204" pitchFamily="18" charset="0"/>
-                                  <a:cs typeface="Times New Roman" panose="02020603050405020304" pitchFamily="18" charset="0"/>
-                                </a:rPr>
-                              </m:ctrlPr>
-                            </m:sSupPr>
-                            <m:e>
-                              <m:acc>
-                                <m:accPr>
-                                  <m:chr m:val="̂"/>
-                                  <m:ctrlPr>
-                                    <a:rPr lang="en-US" b="1" i="1">
-                                      <a:solidFill>
-                                        <a:schemeClr val="tx1">
-                                          <a:lumMod val="95000"/>
-                                          <a:lumOff val="5000"/>
-                                        </a:schemeClr>
-                                      </a:solidFill>
-                                      <a:latin typeface="Cambria Math" panose="02040503050406030204" pitchFamily="18" charset="0"/>
-                                      <a:ea typeface="Cambria Math" panose="02040503050406030204" pitchFamily="18" charset="0"/>
-                                      <a:cs typeface="Times New Roman" panose="02020603050405020304" pitchFamily="18" charset="0"/>
-                                    </a:rPr>
-                                  </m:ctrlPr>
-                                </m:accPr>
-                                <m:e>
-                                  <m:r>
-                                    <a:rPr lang="en-US" b="1" i="1">
-                                      <a:solidFill>
-                                        <a:schemeClr val="tx1">
-                                          <a:lumMod val="95000"/>
-                                          <a:lumOff val="5000"/>
-                                        </a:schemeClr>
-                                      </a:solidFill>
-                                      <a:latin typeface="Cambria Math" panose="02040503050406030204" pitchFamily="18" charset="0"/>
-                                      <a:ea typeface="Cambria Math" panose="02040503050406030204" pitchFamily="18" charset="0"/>
-                                      <a:cs typeface="Times New Roman" panose="02020603050405020304" pitchFamily="18" charset="0"/>
-                                    </a:rPr>
-                                    <m:t>𝒙</m:t>
-                                  </m:r>
-                                </m:e>
-                              </m:acc>
-                            </m:e>
-                            <m:sup>
-                              <m:r>
-                                <a:rPr lang="en-US" i="1">
-                                  <a:solidFill>
-                                    <a:schemeClr val="tx1">
-                                      <a:lumMod val="95000"/>
-                                      <a:lumOff val="5000"/>
-                                    </a:schemeClr>
-                                  </a:solidFill>
-                                  <a:latin typeface="Cambria Math" panose="02040503050406030204" pitchFamily="18" charset="0"/>
-                                  <a:ea typeface="Cambria Math" panose="02040503050406030204" pitchFamily="18" charset="0"/>
-                                  <a:cs typeface="Times New Roman" panose="02020603050405020304" pitchFamily="18" charset="0"/>
-                                </a:rPr>
-                                <m:t>𝑖</m:t>
-                              </m:r>
-                            </m:sup>
-                          </m:sSup>
-                        </m:e>
-                      </m:d>
-                      <m:r>
-                        <a:rPr lang="en-US" i="1">
-                          <a:solidFill>
-                            <a:schemeClr val="tx1">
-                              <a:lumMod val="95000"/>
-                              <a:lumOff val="5000"/>
-                            </a:schemeClr>
-                          </a:solidFill>
-                          <a:latin typeface="Cambria Math" panose="02040503050406030204" pitchFamily="18" charset="0"/>
-                          <a:ea typeface="Cambria Math" panose="02040503050406030204" pitchFamily="18" charset="0"/>
-                          <a:cs typeface="Times New Roman" panose="02020603050405020304" pitchFamily="18" charset="0"/>
-                        </a:rPr>
-                        <m:t> </m:t>
-                      </m:r>
-                    </m:oMath>
-                  </a14:m>
-                  <a:r>
-                    <a:rPr lang="en-US" dirty="0">
-                      <a:solidFill>
-                        <a:schemeClr val="tx1">
-                          <a:lumMod val="95000"/>
-                          <a:lumOff val="5000"/>
-                        </a:schemeClr>
-                      </a:solidFill>
-                      <a:latin typeface="Times New Roman" panose="02020603050405020304" pitchFamily="18" charset="0"/>
-                      <a:cs typeface="Times New Roman" panose="02020603050405020304" pitchFamily="18" charset="0"/>
-                    </a:rPr>
-                    <a:t>as loss</a:t>
-                  </a:r>
-                  <a:endParaRPr lang="en-US" b="1" dirty="0">
-                    <a:solidFill>
-                      <a:schemeClr val="tx1">
-                        <a:lumMod val="95000"/>
-                        <a:lumOff val="5000"/>
-                      </a:schemeClr>
-                    </a:solidFill>
-                    <a:latin typeface="Times New Roman" panose="02020603050405020304" pitchFamily="18" charset="0"/>
-                    <a:cs typeface="Times New Roman" panose="02020603050405020304" pitchFamily="18" charset="0"/>
-                  </a:endParaRPr>
-                </a:p>
-              </p:txBody>
-            </p:sp>
-          </mc:Choice>
-          <mc:Fallback>
-            <p:sp>
-              <p:nvSpPr>
-                <p:cNvPr id="1114" name="TextBox 1113">
-                  <a:extLst>
-                    <a:ext uri="{FF2B5EF4-FFF2-40B4-BE49-F238E27FC236}">
-                      <a16:creationId xmlns:a16="http://schemas.microsoft.com/office/drawing/2014/main" id="{F25F2E8C-4A10-8915-2FC2-E0CB07B107A5}"/>
-                    </a:ext>
-                  </a:extLst>
-                </p:cNvPr>
-                <p:cNvSpPr txBox="1">
-                  <a:spLocks noRot="1" noChangeAspect="1" noMove="1" noResize="1" noEditPoints="1" noAdjustHandles="1" noChangeArrowheads="1" noChangeShapeType="1" noTextEdit="1"/>
-                </p:cNvSpPr>
-                <p:nvPr/>
-              </p:nvSpPr>
-              <p:spPr>
-                <a:xfrm>
-                  <a:off x="9248581" y="2672721"/>
-                  <a:ext cx="2678837" cy="681982"/>
-                </a:xfrm>
-                <a:prstGeom prst="rect">
-                  <a:avLst/>
-                </a:prstGeom>
-                <a:blipFill>
-                  <a:blip r:embed="rId5"/>
-                  <a:stretch>
-                    <a:fillRect t="-4464" b="-10714"/>
-                  </a:stretch>
-                </a:blipFill>
-              </p:spPr>
-              <p:txBody>
-                <a:bodyPr/>
-                <a:lstStyle/>
-                <a:p>
-                  <a:r>
-                    <a:rPr lang="en-US">
-                      <a:noFill/>
-                    </a:rPr>
-                    <a:t> </a:t>
-                  </a:r>
-                </a:p>
-              </p:txBody>
-            </p:sp>
-          </mc:Fallback>
-        </mc:AlternateContent>
-      </p:grpSp>
-      <p:cxnSp>
-        <p:nvCxnSpPr>
-          <p:cNvPr id="1118" name="Straight Arrow Connector 1117">
-            <a:extLst>
-              <a:ext uri="{FF2B5EF4-FFF2-40B4-BE49-F238E27FC236}">
-                <a16:creationId xmlns:a16="http://schemas.microsoft.com/office/drawing/2014/main" id="{9DB238F9-C272-91D1-31FA-8C780BA83C1C}"/>
-              </a:ext>
-            </a:extLst>
-          </p:cNvPr>
-          <p:cNvCxnSpPr/>
-          <p:nvPr/>
-        </p:nvCxnSpPr>
-        <p:spPr>
-          <a:xfrm>
-            <a:off x="2066187" y="1019376"/>
-            <a:ext cx="992218" cy="0"/>
-          </a:xfrm>
-          <a:prstGeom prst="straightConnector1">
-            <a:avLst/>
-          </a:prstGeom>
-          <a:ln w="28575">
-            <a:solidFill>
-              <a:srgbClr val="002060"/>
-            </a:solidFill>
-            <a:tailEnd type="triangle"/>
-          </a:ln>
-        </p:spPr>
-        <p:style>
-          <a:lnRef idx="2">
-            <a:schemeClr val="accent1"/>
-          </a:lnRef>
-          <a:fillRef idx="0">
-            <a:schemeClr val="accent1"/>
-          </a:fillRef>
-          <a:effectRef idx="1">
-            <a:schemeClr val="accent1"/>
-          </a:effectRef>
-          <a:fontRef idx="minor">
-            <a:schemeClr val="tx1"/>
-          </a:fontRef>
-        </p:style>
-      </p:cxnSp>
-      <p:grpSp>
-        <p:nvGrpSpPr>
-          <p:cNvPr id="1121" name="Group 1120">
-            <a:extLst>
-              <a:ext uri="{FF2B5EF4-FFF2-40B4-BE49-F238E27FC236}">
-                <a16:creationId xmlns:a16="http://schemas.microsoft.com/office/drawing/2014/main" id="{1E684C22-7FB0-0095-6D7D-3E781CCB9DDE}"/>
-              </a:ext>
-            </a:extLst>
-          </p:cNvPr>
-          <p:cNvGrpSpPr/>
-          <p:nvPr/>
-        </p:nvGrpSpPr>
-        <p:grpSpPr>
-          <a:xfrm>
-            <a:off x="4924822" y="1016930"/>
-            <a:ext cx="992218" cy="236487"/>
-            <a:chOff x="3398807" y="5356459"/>
-            <a:chExt cx="1290479" cy="236487"/>
-          </a:xfrm>
-        </p:grpSpPr>
-        <p:cxnSp>
-          <p:nvCxnSpPr>
-            <p:cNvPr id="1122" name="Straight Arrow Connector 1121">
-              <a:extLst>
-                <a:ext uri="{FF2B5EF4-FFF2-40B4-BE49-F238E27FC236}">
-                  <a16:creationId xmlns:a16="http://schemas.microsoft.com/office/drawing/2014/main" id="{850905DC-46D7-5831-B513-1C8C657A27B2}"/>
-                </a:ext>
-              </a:extLst>
-            </p:cNvPr>
-            <p:cNvCxnSpPr/>
-            <p:nvPr/>
-          </p:nvCxnSpPr>
-          <p:spPr>
-            <a:xfrm>
-              <a:off x="3398807" y="5356459"/>
-              <a:ext cx="1290479" cy="0"/>
-            </a:xfrm>
-            <a:prstGeom prst="straightConnector1">
-              <a:avLst/>
-            </a:prstGeom>
-            <a:ln w="28575">
-              <a:solidFill>
-                <a:srgbClr val="002060"/>
-              </a:solidFill>
-              <a:tailEnd type="triangle"/>
-            </a:ln>
-          </p:spPr>
-          <p:style>
-            <a:lnRef idx="2">
-              <a:schemeClr val="accent1"/>
-            </a:lnRef>
-            <a:fillRef idx="0">
-              <a:schemeClr val="accent1"/>
-            </a:fillRef>
-            <a:effectRef idx="1">
-              <a:schemeClr val="accent1"/>
-            </a:effectRef>
-            <a:fontRef idx="minor">
-              <a:schemeClr val="tx1"/>
-            </a:fontRef>
-          </p:style>
-        </p:cxnSp>
-        <p:cxnSp>
-          <p:nvCxnSpPr>
-            <p:cNvPr id="1123" name="Straight Arrow Connector 1122">
-              <a:extLst>
-                <a:ext uri="{FF2B5EF4-FFF2-40B4-BE49-F238E27FC236}">
-                  <a16:creationId xmlns:a16="http://schemas.microsoft.com/office/drawing/2014/main" id="{737EA470-8F6E-F458-5619-CDEB3EAA1C31}"/>
-                </a:ext>
-              </a:extLst>
-            </p:cNvPr>
-            <p:cNvCxnSpPr/>
-            <p:nvPr/>
-          </p:nvCxnSpPr>
-          <p:spPr>
-            <a:xfrm>
-              <a:off x="3398807" y="5592946"/>
-              <a:ext cx="1290479" cy="0"/>
-            </a:xfrm>
-            <a:prstGeom prst="straightConnector1">
-              <a:avLst/>
-            </a:prstGeom>
-            <a:ln w="28575">
-              <a:solidFill>
-                <a:srgbClr val="AEAEAE"/>
-              </a:solidFill>
-              <a:headEnd type="triangle"/>
-              <a:tailEnd type="none"/>
-            </a:ln>
-          </p:spPr>
-          <p:style>
-            <a:lnRef idx="2">
-              <a:schemeClr val="accent1"/>
-            </a:lnRef>
-            <a:fillRef idx="0">
-              <a:schemeClr val="accent1"/>
-            </a:fillRef>
-            <a:effectRef idx="1">
-              <a:schemeClr val="accent1"/>
-            </a:effectRef>
-            <a:fontRef idx="minor">
-              <a:schemeClr val="tx1"/>
-            </a:fontRef>
-          </p:style>
-        </p:cxnSp>
-      </p:grpSp>
-      <p:grpSp>
-        <p:nvGrpSpPr>
-          <p:cNvPr id="1124" name="Group 1123">
-            <a:extLst>
-              <a:ext uri="{FF2B5EF4-FFF2-40B4-BE49-F238E27FC236}">
-                <a16:creationId xmlns:a16="http://schemas.microsoft.com/office/drawing/2014/main" id="{4BDED34B-BE32-3AF1-FA0E-FB1E11E4865D}"/>
-              </a:ext>
-            </a:extLst>
-          </p:cNvPr>
-          <p:cNvGrpSpPr/>
-          <p:nvPr/>
-        </p:nvGrpSpPr>
-        <p:grpSpPr>
-          <a:xfrm>
-            <a:off x="7804544" y="1018623"/>
-            <a:ext cx="992218" cy="236487"/>
-            <a:chOff x="3398807" y="5356459"/>
-            <a:chExt cx="1290479" cy="236487"/>
-          </a:xfrm>
-        </p:grpSpPr>
-        <p:cxnSp>
-          <p:nvCxnSpPr>
-            <p:cNvPr id="1125" name="Straight Arrow Connector 1124">
-              <a:extLst>
-                <a:ext uri="{FF2B5EF4-FFF2-40B4-BE49-F238E27FC236}">
-                  <a16:creationId xmlns:a16="http://schemas.microsoft.com/office/drawing/2014/main" id="{D0D7D563-682F-6B0D-FF0E-A8B67CA782DE}"/>
-                </a:ext>
-              </a:extLst>
-            </p:cNvPr>
-            <p:cNvCxnSpPr/>
-            <p:nvPr/>
-          </p:nvCxnSpPr>
-          <p:spPr>
-            <a:xfrm>
-              <a:off x="3398807" y="5356459"/>
-              <a:ext cx="1290479" cy="0"/>
-            </a:xfrm>
-            <a:prstGeom prst="straightConnector1">
-              <a:avLst/>
-            </a:prstGeom>
-            <a:ln w="28575">
-              <a:solidFill>
-                <a:srgbClr val="002060"/>
-              </a:solidFill>
-              <a:tailEnd type="triangle"/>
-            </a:ln>
-          </p:spPr>
-          <p:style>
-            <a:lnRef idx="2">
-              <a:schemeClr val="accent1"/>
-            </a:lnRef>
-            <a:fillRef idx="0">
-              <a:schemeClr val="accent1"/>
-            </a:fillRef>
-            <a:effectRef idx="1">
-              <a:schemeClr val="accent1"/>
-            </a:effectRef>
-            <a:fontRef idx="minor">
-              <a:schemeClr val="tx1"/>
-            </a:fontRef>
-          </p:style>
-        </p:cxnSp>
-        <p:cxnSp>
-          <p:nvCxnSpPr>
-            <p:cNvPr id="1126" name="Straight Arrow Connector 1125">
-              <a:extLst>
-                <a:ext uri="{FF2B5EF4-FFF2-40B4-BE49-F238E27FC236}">
-                  <a16:creationId xmlns:a16="http://schemas.microsoft.com/office/drawing/2014/main" id="{D59FFF34-10F7-6C4A-2F6F-C95EC37B5B47}"/>
-                </a:ext>
-              </a:extLst>
-            </p:cNvPr>
-            <p:cNvCxnSpPr/>
-            <p:nvPr/>
-          </p:nvCxnSpPr>
-          <p:spPr>
-            <a:xfrm>
-              <a:off x="3398807" y="5592946"/>
-              <a:ext cx="1290479" cy="0"/>
-            </a:xfrm>
-            <a:prstGeom prst="straightConnector1">
-              <a:avLst/>
-            </a:prstGeom>
-            <a:ln w="28575">
-              <a:solidFill>
-                <a:srgbClr val="AEAEAE"/>
-              </a:solidFill>
-              <a:headEnd type="triangle"/>
-              <a:tailEnd type="none"/>
-            </a:ln>
-          </p:spPr>
-          <p:style>
-            <a:lnRef idx="2">
-              <a:schemeClr val="accent1"/>
-            </a:lnRef>
-            <a:fillRef idx="0">
-              <a:schemeClr val="accent1"/>
-            </a:fillRef>
-            <a:effectRef idx="1">
-              <a:schemeClr val="accent1"/>
-            </a:effectRef>
-            <a:fontRef idx="minor">
-              <a:schemeClr val="tx1"/>
-            </a:fontRef>
-          </p:style>
-        </p:cxnSp>
-      </p:grpSp>
-      <mc:AlternateContent xmlns:mc="http://schemas.openxmlformats.org/markup-compatibility/2006">
-        <mc:Choice xmlns:a14="http://schemas.microsoft.com/office/drawing/2010/main" Requires="a14">
-          <p:sp>
-            <p:nvSpPr>
-              <p:cNvPr id="1127" name="TextBox 1126">
-                <a:extLst>
-                  <a:ext uri="{FF2B5EF4-FFF2-40B4-BE49-F238E27FC236}">
-                    <a16:creationId xmlns:a16="http://schemas.microsoft.com/office/drawing/2014/main" id="{FE90EDE7-3CA5-A37E-1071-597DA107774D}"/>
-                  </a:ext>
-                </a:extLst>
-              </p:cNvPr>
-              <p:cNvSpPr txBox="1"/>
-              <p:nvPr/>
-            </p:nvSpPr>
-            <p:spPr>
-              <a:xfrm>
-                <a:off x="2360826" y="690280"/>
-                <a:ext cx="393549" cy="314702"/>
-              </a:xfrm>
-              <a:prstGeom prst="rect">
-                <a:avLst/>
-              </a:prstGeom>
-              <a:noFill/>
-            </p:spPr>
-            <p:txBody>
-              <a:bodyPr wrap="square">
-                <a:spAutoFit/>
-              </a:bodyPr>
-              <a:lstStyle/>
-              <a:p>
-                <a:pPr algn="ctr"/>
-                <a14:m>
-                  <m:oMathPara xmlns:m="http://schemas.openxmlformats.org/officeDocument/2006/math">
-                    <m:oMathParaPr>
-                      <m:jc m:val="center"/>
-                    </m:oMathParaPr>
-                    <m:oMath xmlns:m="http://schemas.openxmlformats.org/officeDocument/2006/math">
-                      <m:sSup>
-                        <m:sSupPr>
-                          <m:ctrlPr>
-                            <a:rPr lang="en-US" sz="1400" i="1">
-                              <a:solidFill>
-                                <a:srgbClr val="002060"/>
-                              </a:solidFill>
-                              <a:latin typeface="Cambria Math" panose="02040503050406030204" pitchFamily="18" charset="0"/>
-                              <a:ea typeface="Cambria Math" panose="02040503050406030204" pitchFamily="18" charset="0"/>
-                              <a:cs typeface="Times New Roman" panose="02020603050405020304" pitchFamily="18" charset="0"/>
-                            </a:rPr>
-                          </m:ctrlPr>
-                        </m:sSupPr>
-                        <m:e>
-                          <m:r>
-                            <a:rPr lang="en-US" sz="1400" b="1" i="1">
-                              <a:solidFill>
-                                <a:srgbClr val="002060"/>
-                              </a:solidFill>
-                              <a:latin typeface="Cambria Math" panose="02040503050406030204" pitchFamily="18" charset="0"/>
-                              <a:ea typeface="Cambria Math" panose="02040503050406030204" pitchFamily="18" charset="0"/>
-                              <a:cs typeface="Times New Roman" panose="02020603050405020304" pitchFamily="18" charset="0"/>
-                            </a:rPr>
-                            <m:t>𝝃</m:t>
-                          </m:r>
-                        </m:e>
-                        <m:sup>
-                          <m:r>
-                            <a:rPr lang="en-US" sz="1400" i="1">
-                              <a:solidFill>
-                                <a:srgbClr val="002060"/>
-                              </a:solidFill>
-                              <a:latin typeface="Cambria Math" panose="02040503050406030204" pitchFamily="18" charset="0"/>
-                              <a:ea typeface="Cambria Math" panose="02040503050406030204" pitchFamily="18" charset="0"/>
-                              <a:cs typeface="Times New Roman" panose="02020603050405020304" pitchFamily="18" charset="0"/>
-                            </a:rPr>
-                            <m:t>𝑖</m:t>
-                          </m:r>
-                        </m:sup>
-                      </m:sSup>
-                    </m:oMath>
-                  </m:oMathPara>
-                </a14:m>
-                <a:endParaRPr lang="en-US" sz="1400" b="1" dirty="0">
-                  <a:solidFill>
-                    <a:srgbClr val="002060"/>
-                  </a:solidFill>
-                  <a:latin typeface="Times New Roman" panose="02020603050405020304" pitchFamily="18" charset="0"/>
-                  <a:cs typeface="Times New Roman" panose="02020603050405020304" pitchFamily="18" charset="0"/>
-                </a:endParaRPr>
-              </a:p>
-            </p:txBody>
-          </p:sp>
-        </mc:Choice>
-        <mc:Fallback>
-          <p:sp>
-            <p:nvSpPr>
-              <p:cNvPr id="1127" name="TextBox 1126">
-                <a:extLst>
-                  <a:ext uri="{FF2B5EF4-FFF2-40B4-BE49-F238E27FC236}">
-                    <a16:creationId xmlns:a16="http://schemas.microsoft.com/office/drawing/2014/main" id="{FE90EDE7-3CA5-A37E-1071-597DA107774D}"/>
-                  </a:ext>
-                </a:extLst>
-              </p:cNvPr>
-              <p:cNvSpPr txBox="1">
-                <a:spLocks noRot="1" noChangeAspect="1" noMove="1" noResize="1" noEditPoints="1" noAdjustHandles="1" noChangeArrowheads="1" noChangeShapeType="1" noTextEdit="1"/>
-              </p:cNvSpPr>
-              <p:nvPr/>
-            </p:nvSpPr>
-            <p:spPr>
-              <a:xfrm>
-                <a:off x="2360826" y="690280"/>
-                <a:ext cx="393549" cy="314702"/>
-              </a:xfrm>
-              <a:prstGeom prst="rect">
-                <a:avLst/>
-              </a:prstGeom>
-              <a:blipFill>
-                <a:blip r:embed="rId6"/>
-                <a:stretch>
-                  <a:fillRect b="-7692"/>
-                </a:stretch>
-              </a:blipFill>
-            </p:spPr>
-            <p:txBody>
-              <a:bodyPr/>
-              <a:lstStyle/>
-              <a:p>
-                <a:r>
-                  <a:rPr lang="en-US">
-                    <a:noFill/>
-                  </a:rPr>
-                  <a:t> </a:t>
-                </a:r>
-              </a:p>
-            </p:txBody>
-          </p:sp>
-        </mc:Fallback>
-      </mc:AlternateContent>
-      <mc:AlternateContent xmlns:mc="http://schemas.openxmlformats.org/markup-compatibility/2006">
-        <mc:Choice xmlns:a14="http://schemas.microsoft.com/office/drawing/2010/main" Requires="a14">
-          <p:sp>
-            <p:nvSpPr>
-              <p:cNvPr id="1128" name="TextBox 1127">
-                <a:extLst>
-                  <a:ext uri="{FF2B5EF4-FFF2-40B4-BE49-F238E27FC236}">
-                    <a16:creationId xmlns:a16="http://schemas.microsoft.com/office/drawing/2014/main" id="{F711EC48-439C-5F16-75F4-EF1A6E991814}"/>
-                  </a:ext>
-                </a:extLst>
-              </p:cNvPr>
-              <p:cNvSpPr txBox="1"/>
-              <p:nvPr/>
-            </p:nvSpPr>
-            <p:spPr>
-              <a:xfrm>
-                <a:off x="4718713" y="690280"/>
-                <a:ext cx="1428231" cy="314702"/>
-              </a:xfrm>
-              <a:prstGeom prst="rect">
-                <a:avLst/>
-              </a:prstGeom>
-              <a:noFill/>
-            </p:spPr>
-            <p:txBody>
-              <a:bodyPr wrap="square">
-                <a:spAutoFit/>
-              </a:bodyPr>
-              <a:lstStyle/>
-              <a:p>
-                <a:pPr algn="ctr"/>
-                <a14:m>
-                  <m:oMathPara xmlns:m="http://schemas.openxmlformats.org/officeDocument/2006/math">
-                    <m:oMathParaPr>
-                      <m:jc m:val="center"/>
-                    </m:oMathParaPr>
-                    <m:oMath xmlns:m="http://schemas.openxmlformats.org/officeDocument/2006/math">
-                      <m:sSup>
-                        <m:sSupPr>
-                          <m:ctrlPr>
-                            <a:rPr lang="en-US" sz="1400" i="1">
-                              <a:solidFill>
-                                <a:srgbClr val="002060"/>
-                              </a:solidFill>
-                              <a:latin typeface="Cambria Math" panose="02040503050406030204" pitchFamily="18" charset="0"/>
-                              <a:ea typeface="Cambria Math" panose="02040503050406030204" pitchFamily="18" charset="0"/>
-                              <a:cs typeface="Times New Roman" panose="02020603050405020304" pitchFamily="18" charset="0"/>
-                            </a:rPr>
-                          </m:ctrlPr>
-                        </m:sSupPr>
-                        <m:e>
-                          <m:acc>
-                            <m:accPr>
-                              <m:chr m:val="̅"/>
-                              <m:ctrlPr>
-                                <a:rPr lang="en-US" sz="1400" i="1">
-                                  <a:solidFill>
-                                    <a:srgbClr val="002060"/>
-                                  </a:solidFill>
-                                  <a:latin typeface="Cambria Math" panose="02040503050406030204" pitchFamily="18" charset="0"/>
-                                  <a:ea typeface="Cambria Math" panose="02040503050406030204" pitchFamily="18" charset="0"/>
-                                  <a:cs typeface="Times New Roman" panose="02020603050405020304" pitchFamily="18" charset="0"/>
-                                </a:rPr>
-                              </m:ctrlPr>
-                            </m:accPr>
-                            <m:e>
-                              <m:r>
-                                <a:rPr lang="en-US" sz="1400" b="1" i="1">
-                                  <a:solidFill>
-                                    <a:srgbClr val="002060"/>
-                                  </a:solidFill>
-                                  <a:latin typeface="Cambria Math" panose="02040503050406030204" pitchFamily="18" charset="0"/>
-                                  <a:ea typeface="Cambria Math" panose="02040503050406030204" pitchFamily="18" charset="0"/>
-                                  <a:cs typeface="Times New Roman" panose="02020603050405020304" pitchFamily="18" charset="0"/>
-                                </a:rPr>
-                                <m:t>𝒙</m:t>
-                              </m:r>
-                            </m:e>
-                          </m:acc>
-                        </m:e>
-                        <m:sup>
-                          <m:r>
-                            <a:rPr lang="en-US" sz="1400" i="1">
-                              <a:solidFill>
-                                <a:srgbClr val="002060"/>
-                              </a:solidFill>
-                              <a:latin typeface="Cambria Math" panose="02040503050406030204" pitchFamily="18" charset="0"/>
-                              <a:ea typeface="Cambria Math" panose="02040503050406030204" pitchFamily="18" charset="0"/>
-                              <a:cs typeface="Times New Roman" panose="02020603050405020304" pitchFamily="18" charset="0"/>
-                            </a:rPr>
-                            <m:t>𝑖</m:t>
-                          </m:r>
-                        </m:sup>
-                      </m:sSup>
-                      <m:r>
-                        <a:rPr lang="en-US" sz="1400" i="1">
-                          <a:solidFill>
-                            <a:srgbClr val="002060"/>
-                          </a:solidFill>
-                          <a:latin typeface="Cambria Math" panose="02040503050406030204" pitchFamily="18" charset="0"/>
-                          <a:ea typeface="Cambria Math" panose="02040503050406030204" pitchFamily="18" charset="0"/>
-                          <a:cs typeface="Times New Roman" panose="02020603050405020304" pitchFamily="18" charset="0"/>
-                        </a:rPr>
-                        <m:t>∈</m:t>
-                      </m:r>
-                      <m:sSup>
-                        <m:sSupPr>
-                          <m:ctrlPr>
-                            <a:rPr lang="en-US" sz="1400" i="1">
-                              <a:solidFill>
-                                <a:srgbClr val="002060"/>
-                              </a:solidFill>
-                              <a:latin typeface="Cambria Math" panose="02040503050406030204" pitchFamily="18" charset="0"/>
-                              <a:ea typeface="Cambria Math" panose="02040503050406030204" pitchFamily="18" charset="0"/>
-                              <a:cs typeface="Times New Roman" panose="02020603050405020304" pitchFamily="18" charset="0"/>
-                            </a:rPr>
-                          </m:ctrlPr>
-                        </m:sSupPr>
-                        <m:e>
-                          <m:r>
-                            <a:rPr lang="en-US" sz="1400" i="1">
-                              <a:solidFill>
-                                <a:srgbClr val="002060"/>
-                              </a:solidFill>
-                              <a:latin typeface="Cambria Math" panose="02040503050406030204" pitchFamily="18" charset="0"/>
-                              <a:ea typeface="Cambria Math" panose="02040503050406030204" pitchFamily="18" charset="0"/>
-                              <a:cs typeface="Times New Roman" panose="02020603050405020304" pitchFamily="18" charset="0"/>
-                            </a:rPr>
-                            <m:t>ℝ</m:t>
-                          </m:r>
-                        </m:e>
-                        <m:sup>
-                          <m:sSub>
-                            <m:sSubPr>
-                              <m:ctrlPr>
-                                <a:rPr lang="en-US" sz="1400" i="1">
-                                  <a:solidFill>
-                                    <a:srgbClr val="002060"/>
-                                  </a:solidFill>
-                                  <a:latin typeface="Cambria Math" panose="02040503050406030204" pitchFamily="18" charset="0"/>
-                                  <a:ea typeface="Cambria Math" panose="02040503050406030204" pitchFamily="18" charset="0"/>
-                                  <a:cs typeface="Times New Roman" panose="02020603050405020304" pitchFamily="18" charset="0"/>
-                                </a:rPr>
-                              </m:ctrlPr>
-                            </m:sSubPr>
-                            <m:e>
-                              <m:r>
-                                <a:rPr lang="en-US" sz="1400" i="1">
-                                  <a:solidFill>
-                                    <a:srgbClr val="002060"/>
-                                  </a:solidFill>
-                                  <a:latin typeface="Cambria Math" panose="02040503050406030204" pitchFamily="18" charset="0"/>
-                                  <a:ea typeface="Cambria Math" panose="02040503050406030204" pitchFamily="18" charset="0"/>
-                                  <a:cs typeface="Times New Roman" panose="02020603050405020304" pitchFamily="18" charset="0"/>
-                                </a:rPr>
-                                <m:t>𝑛</m:t>
-                              </m:r>
-                            </m:e>
-                            <m:sub>
-                              <m:r>
-                                <a:rPr lang="en-US" sz="1400" i="1">
-                                  <a:solidFill>
-                                    <a:srgbClr val="002060"/>
-                                  </a:solidFill>
-                                  <a:latin typeface="Cambria Math" panose="02040503050406030204" pitchFamily="18" charset="0"/>
-                                  <a:ea typeface="Cambria Math" panose="02040503050406030204" pitchFamily="18" charset="0"/>
-                                  <a:cs typeface="Times New Roman" panose="02020603050405020304" pitchFamily="18" charset="0"/>
-                                </a:rPr>
-                                <m:t>𝑟</m:t>
-                              </m:r>
-                            </m:sub>
-                          </m:sSub>
-                          <m:r>
-                            <a:rPr lang="en-US" sz="1400" i="1">
-                              <a:solidFill>
-                                <a:srgbClr val="002060"/>
-                              </a:solidFill>
-                              <a:latin typeface="Cambria Math" panose="02040503050406030204" pitchFamily="18" charset="0"/>
-                              <a:ea typeface="Cambria Math" panose="02040503050406030204" pitchFamily="18" charset="0"/>
-                              <a:cs typeface="Times New Roman" panose="02020603050405020304" pitchFamily="18" charset="0"/>
-                            </a:rPr>
-                            <m:t>+</m:t>
-                          </m:r>
-                          <m:sSub>
-                            <m:sSubPr>
-                              <m:ctrlPr>
-                                <a:rPr lang="en-US" sz="1400" i="1">
-                                  <a:solidFill>
-                                    <a:srgbClr val="002060"/>
-                                  </a:solidFill>
-                                  <a:latin typeface="Cambria Math" panose="02040503050406030204" pitchFamily="18" charset="0"/>
-                                  <a:ea typeface="Cambria Math" panose="02040503050406030204" pitchFamily="18" charset="0"/>
-                                  <a:cs typeface="Times New Roman" panose="02020603050405020304" pitchFamily="18" charset="0"/>
-                                </a:rPr>
-                              </m:ctrlPr>
-                            </m:sSubPr>
-                            <m:e>
-                              <m:r>
-                                <a:rPr lang="en-US" sz="1400" i="1">
-                                  <a:solidFill>
-                                    <a:srgbClr val="002060"/>
-                                  </a:solidFill>
-                                  <a:latin typeface="Cambria Math" panose="02040503050406030204" pitchFamily="18" charset="0"/>
-                                  <a:ea typeface="Cambria Math" panose="02040503050406030204" pitchFamily="18" charset="0"/>
-                                  <a:cs typeface="Times New Roman" panose="02020603050405020304" pitchFamily="18" charset="0"/>
-                                </a:rPr>
-                                <m:t>𝑛</m:t>
-                              </m:r>
-                            </m:e>
-                            <m:sub>
-                              <m:r>
-                                <a:rPr lang="en-US" sz="1400" i="1">
-                                  <a:solidFill>
-                                    <a:srgbClr val="002060"/>
-                                  </a:solidFill>
-                                  <a:latin typeface="Cambria Math" panose="02040503050406030204" pitchFamily="18" charset="0"/>
-                                  <a:ea typeface="Cambria Math" panose="02040503050406030204" pitchFamily="18" charset="0"/>
-                                  <a:cs typeface="Times New Roman" panose="02020603050405020304" pitchFamily="18" charset="0"/>
-                                </a:rPr>
-                                <m:t>𝑧</m:t>
-                              </m:r>
-                            </m:sub>
-                          </m:sSub>
-                        </m:sup>
-                      </m:sSup>
-                    </m:oMath>
-                  </m:oMathPara>
-                </a14:m>
-                <a:endParaRPr lang="en-US" sz="1400" b="1" dirty="0">
-                  <a:solidFill>
-                    <a:srgbClr val="002060"/>
-                  </a:solidFill>
-                  <a:latin typeface="Times New Roman" panose="02020603050405020304" pitchFamily="18" charset="0"/>
-                  <a:cs typeface="Times New Roman" panose="02020603050405020304" pitchFamily="18" charset="0"/>
-                </a:endParaRPr>
-              </a:p>
-            </p:txBody>
-          </p:sp>
-        </mc:Choice>
-        <mc:Fallback>
-          <p:sp>
-            <p:nvSpPr>
-              <p:cNvPr id="1128" name="TextBox 1127">
-                <a:extLst>
-                  <a:ext uri="{FF2B5EF4-FFF2-40B4-BE49-F238E27FC236}">
-                    <a16:creationId xmlns:a16="http://schemas.microsoft.com/office/drawing/2014/main" id="{F711EC48-439C-5F16-75F4-EF1A6E991814}"/>
-                  </a:ext>
-                </a:extLst>
-              </p:cNvPr>
-              <p:cNvSpPr txBox="1">
-                <a:spLocks noRot="1" noChangeAspect="1" noMove="1" noResize="1" noEditPoints="1" noAdjustHandles="1" noChangeArrowheads="1" noChangeShapeType="1" noTextEdit="1"/>
-              </p:cNvSpPr>
-              <p:nvPr/>
-            </p:nvSpPr>
-            <p:spPr>
-              <a:xfrm>
-                <a:off x="4718713" y="690280"/>
-                <a:ext cx="1428231" cy="314702"/>
-              </a:xfrm>
-              <a:prstGeom prst="rect">
-                <a:avLst/>
-              </a:prstGeom>
-              <a:blipFill>
-                <a:blip r:embed="rId7"/>
-                <a:stretch>
-                  <a:fillRect/>
-                </a:stretch>
-              </a:blipFill>
-            </p:spPr>
-            <p:txBody>
-              <a:bodyPr/>
-              <a:lstStyle/>
-              <a:p>
-                <a:r>
-                  <a:rPr lang="en-US">
-                    <a:noFill/>
-                  </a:rPr>
-                  <a:t> </a:t>
-                </a:r>
-              </a:p>
-            </p:txBody>
-          </p:sp>
-        </mc:Fallback>
-      </mc:AlternateContent>
-      <mc:AlternateContent xmlns:mc="http://schemas.openxmlformats.org/markup-compatibility/2006">
-        <mc:Choice xmlns:a14="http://schemas.microsoft.com/office/drawing/2010/main" Requires="a14">
-          <p:sp>
-            <p:nvSpPr>
-              <p:cNvPr id="1131" name="TextBox 1130">
-                <a:extLst>
-                  <a:ext uri="{FF2B5EF4-FFF2-40B4-BE49-F238E27FC236}">
-                    <a16:creationId xmlns:a16="http://schemas.microsoft.com/office/drawing/2014/main" id="{2B86C883-EB01-F505-EBDE-521A2F4B2D2A}"/>
-                  </a:ext>
-                </a:extLst>
-              </p:cNvPr>
-              <p:cNvSpPr txBox="1"/>
-              <p:nvPr/>
-            </p:nvSpPr>
-            <p:spPr>
-              <a:xfrm>
-                <a:off x="7459014" y="678698"/>
-                <a:ext cx="1660197" cy="314702"/>
-              </a:xfrm>
-              <a:prstGeom prst="rect">
-                <a:avLst/>
-              </a:prstGeom>
-              <a:noFill/>
-            </p:spPr>
-            <p:txBody>
-              <a:bodyPr wrap="square">
-                <a:spAutoFit/>
-              </a:bodyPr>
-              <a:lstStyle/>
-              <a:p>
-                <a:pPr algn="ctr"/>
-                <a14:m>
-                  <m:oMathPara xmlns:m="http://schemas.openxmlformats.org/officeDocument/2006/math">
-                    <m:oMathParaPr>
-                      <m:jc m:val="centerGroup"/>
-                    </m:oMathParaPr>
-                    <m:oMath xmlns:m="http://schemas.openxmlformats.org/officeDocument/2006/math">
-                      <m:sSup>
-                        <m:sSupPr>
-                          <m:ctrlPr>
-                            <a:rPr lang="en-US" sz="1400" i="1">
-                              <a:solidFill>
-                                <a:srgbClr val="002060"/>
-                              </a:solidFill>
-                              <a:latin typeface="Cambria Math" panose="02040503050406030204" pitchFamily="18" charset="0"/>
-                              <a:ea typeface="Cambria Math" panose="02040503050406030204" pitchFamily="18" charset="0"/>
-                              <a:cs typeface="Times New Roman" panose="02020603050405020304" pitchFamily="18" charset="0"/>
-                            </a:rPr>
-                          </m:ctrlPr>
-                        </m:sSupPr>
-                        <m:e>
-                          <m:acc>
-                            <m:accPr>
-                              <m:chr m:val="̂"/>
-                              <m:ctrlPr>
-                                <a:rPr lang="en-US" sz="1400" b="1" i="1">
-                                  <a:solidFill>
-                                    <a:srgbClr val="002060"/>
-                                  </a:solidFill>
-                                  <a:latin typeface="Cambria Math" panose="02040503050406030204" pitchFamily="18" charset="0"/>
-                                  <a:ea typeface="Cambria Math" panose="02040503050406030204" pitchFamily="18" charset="0"/>
-                                  <a:cs typeface="Times New Roman" panose="02020603050405020304" pitchFamily="18" charset="0"/>
-                                </a:rPr>
-                              </m:ctrlPr>
-                            </m:accPr>
-                            <m:e>
-                              <m:r>
-                                <a:rPr lang="en-US" sz="1400" b="1" i="1">
-                                  <a:solidFill>
-                                    <a:srgbClr val="002060"/>
-                                  </a:solidFill>
-                                  <a:latin typeface="Cambria Math" panose="02040503050406030204" pitchFamily="18" charset="0"/>
-                                  <a:ea typeface="Cambria Math" panose="02040503050406030204" pitchFamily="18" charset="0"/>
-                                  <a:cs typeface="Times New Roman" panose="02020603050405020304" pitchFamily="18" charset="0"/>
-                                </a:rPr>
-                                <m:t>𝒙</m:t>
-                              </m:r>
-                            </m:e>
-                          </m:acc>
-                        </m:e>
-                        <m:sup>
-                          <m:r>
-                            <a:rPr lang="en-US" sz="1400" i="1">
-                              <a:solidFill>
-                                <a:srgbClr val="002060"/>
-                              </a:solidFill>
-                              <a:latin typeface="Cambria Math" panose="02040503050406030204" pitchFamily="18" charset="0"/>
-                              <a:ea typeface="Cambria Math" panose="02040503050406030204" pitchFamily="18" charset="0"/>
-                              <a:cs typeface="Times New Roman" panose="02020603050405020304" pitchFamily="18" charset="0"/>
-                            </a:rPr>
-                            <m:t>𝑖</m:t>
-                          </m:r>
-                        </m:sup>
-                      </m:sSup>
-                      <m:r>
-                        <a:rPr lang="en-US" sz="1400" i="1">
-                          <a:solidFill>
-                            <a:srgbClr val="002060"/>
-                          </a:solidFill>
-                          <a:latin typeface="Cambria Math" panose="02040503050406030204" pitchFamily="18" charset="0"/>
-                          <a:ea typeface="Cambria Math" panose="02040503050406030204" pitchFamily="18" charset="0"/>
-                          <a:cs typeface="Times New Roman" panose="02020603050405020304" pitchFamily="18" charset="0"/>
-                        </a:rPr>
-                        <m:t>∈</m:t>
-                      </m:r>
-                      <m:sSup>
-                        <m:sSupPr>
-                          <m:ctrlPr>
-                            <a:rPr lang="en-US" sz="1400" i="1">
-                              <a:solidFill>
-                                <a:srgbClr val="002060"/>
-                              </a:solidFill>
-                              <a:latin typeface="Cambria Math" panose="02040503050406030204" pitchFamily="18" charset="0"/>
-                              <a:ea typeface="Cambria Math" panose="02040503050406030204" pitchFamily="18" charset="0"/>
-                              <a:cs typeface="Times New Roman" panose="02020603050405020304" pitchFamily="18" charset="0"/>
-                            </a:rPr>
-                          </m:ctrlPr>
-                        </m:sSupPr>
-                        <m:e>
-                          <m:r>
-                            <a:rPr lang="en-US" sz="1400" i="1">
-                              <a:solidFill>
-                                <a:srgbClr val="002060"/>
-                              </a:solidFill>
-                              <a:latin typeface="Cambria Math" panose="02040503050406030204" pitchFamily="18" charset="0"/>
-                              <a:ea typeface="Cambria Math" panose="02040503050406030204" pitchFamily="18" charset="0"/>
-                              <a:cs typeface="Times New Roman" panose="02020603050405020304" pitchFamily="18" charset="0"/>
-                            </a:rPr>
-                            <m:t>ℝ</m:t>
-                          </m:r>
-                        </m:e>
-                        <m:sup>
-                          <m:sSub>
-                            <m:sSubPr>
-                              <m:ctrlPr>
-                                <a:rPr lang="en-US" sz="1400" i="1">
-                                  <a:solidFill>
-                                    <a:srgbClr val="002060"/>
-                                  </a:solidFill>
-                                  <a:latin typeface="Cambria Math" panose="02040503050406030204" pitchFamily="18" charset="0"/>
-                                  <a:ea typeface="Cambria Math" panose="02040503050406030204" pitchFamily="18" charset="0"/>
-                                  <a:cs typeface="Times New Roman" panose="02020603050405020304" pitchFamily="18" charset="0"/>
-                                </a:rPr>
-                              </m:ctrlPr>
-                            </m:sSubPr>
-                            <m:e>
-                              <m:r>
-                                <a:rPr lang="en-US" sz="1400" i="1">
-                                  <a:solidFill>
-                                    <a:srgbClr val="002060"/>
-                                  </a:solidFill>
-                                  <a:latin typeface="Cambria Math" panose="02040503050406030204" pitchFamily="18" charset="0"/>
-                                  <a:ea typeface="Cambria Math" panose="02040503050406030204" pitchFamily="18" charset="0"/>
-                                  <a:cs typeface="Times New Roman" panose="02020603050405020304" pitchFamily="18" charset="0"/>
-                                </a:rPr>
-                                <m:t>𝑛</m:t>
-                              </m:r>
-                            </m:e>
-                            <m:sub>
-                              <m:r>
-                                <a:rPr lang="en-US" sz="1400" i="1">
-                                  <a:solidFill>
-                                    <a:srgbClr val="002060"/>
-                                  </a:solidFill>
-                                  <a:latin typeface="Cambria Math" panose="02040503050406030204" pitchFamily="18" charset="0"/>
-                                  <a:ea typeface="Cambria Math" panose="02040503050406030204" pitchFamily="18" charset="0"/>
-                                  <a:cs typeface="Times New Roman" panose="02020603050405020304" pitchFamily="18" charset="0"/>
-                                </a:rPr>
-                                <m:t>𝑟</m:t>
-                              </m:r>
-                            </m:sub>
-                          </m:sSub>
-                        </m:sup>
-                      </m:sSup>
-                      <m:r>
-                        <a:rPr lang="en-US" sz="1400" i="1">
-                          <a:solidFill>
-                            <a:srgbClr val="002060"/>
-                          </a:solidFill>
-                          <a:latin typeface="Cambria Math" panose="02040503050406030204" pitchFamily="18" charset="0"/>
-                          <a:ea typeface="Cambria Math" panose="02040503050406030204" pitchFamily="18" charset="0"/>
-                          <a:cs typeface="Times New Roman" panose="02020603050405020304" pitchFamily="18" charset="0"/>
-                        </a:rPr>
-                        <m:t>×</m:t>
-                      </m:r>
-                      <m:sSup>
-                        <m:sSupPr>
-                          <m:ctrlPr>
-                            <a:rPr lang="en-US" sz="1400" i="1">
-                              <a:solidFill>
-                                <a:srgbClr val="002060"/>
-                              </a:solidFill>
-                              <a:latin typeface="Cambria Math" panose="02040503050406030204" pitchFamily="18" charset="0"/>
-                              <a:ea typeface="Cambria Math" panose="02040503050406030204" pitchFamily="18" charset="0"/>
-                              <a:cs typeface="Times New Roman" panose="02020603050405020304" pitchFamily="18" charset="0"/>
-                            </a:rPr>
-                          </m:ctrlPr>
-                        </m:sSupPr>
-                        <m:e>
-                          <m:r>
-                            <a:rPr lang="en-US" sz="1400" i="1">
-                              <a:solidFill>
-                                <a:srgbClr val="002060"/>
-                              </a:solidFill>
-                              <a:latin typeface="Cambria Math" panose="02040503050406030204" pitchFamily="18" charset="0"/>
-                              <a:ea typeface="Cambria Math" panose="02040503050406030204" pitchFamily="18" charset="0"/>
-                              <a:cs typeface="Times New Roman" panose="02020603050405020304" pitchFamily="18" charset="0"/>
-                            </a:rPr>
-                            <m:t>ℤ</m:t>
-                          </m:r>
-                        </m:e>
-                        <m:sup>
-                          <m:sSub>
-                            <m:sSubPr>
-                              <m:ctrlPr>
-                                <a:rPr lang="en-US" sz="1400" i="1">
-                                  <a:solidFill>
-                                    <a:srgbClr val="002060"/>
-                                  </a:solidFill>
-                                  <a:latin typeface="Cambria Math" panose="02040503050406030204" pitchFamily="18" charset="0"/>
-                                  <a:ea typeface="Cambria Math" panose="02040503050406030204" pitchFamily="18" charset="0"/>
-                                  <a:cs typeface="Times New Roman" panose="02020603050405020304" pitchFamily="18" charset="0"/>
-                                </a:rPr>
-                              </m:ctrlPr>
-                            </m:sSubPr>
-                            <m:e>
-                              <m:r>
-                                <a:rPr lang="en-US" sz="1400" i="1">
-                                  <a:solidFill>
-                                    <a:srgbClr val="002060"/>
-                                  </a:solidFill>
-                                  <a:latin typeface="Cambria Math" panose="02040503050406030204" pitchFamily="18" charset="0"/>
-                                  <a:ea typeface="Cambria Math" panose="02040503050406030204" pitchFamily="18" charset="0"/>
-                                  <a:cs typeface="Times New Roman" panose="02020603050405020304" pitchFamily="18" charset="0"/>
-                                </a:rPr>
-                                <m:t>𝑛</m:t>
-                              </m:r>
-                            </m:e>
-                            <m:sub>
-                              <m:r>
-                                <a:rPr lang="en-US" sz="1400" i="1">
-                                  <a:solidFill>
-                                    <a:srgbClr val="002060"/>
-                                  </a:solidFill>
-                                  <a:latin typeface="Cambria Math" panose="02040503050406030204" pitchFamily="18" charset="0"/>
-                                  <a:ea typeface="Cambria Math" panose="02040503050406030204" pitchFamily="18" charset="0"/>
-                                  <a:cs typeface="Times New Roman" panose="02020603050405020304" pitchFamily="18" charset="0"/>
-                                </a:rPr>
-                                <m:t>𝑧</m:t>
-                              </m:r>
-                            </m:sub>
-                          </m:sSub>
-                        </m:sup>
-                      </m:sSup>
-                    </m:oMath>
-                  </m:oMathPara>
-                </a14:m>
-                <a:endParaRPr lang="en-US" sz="1400" b="1" dirty="0">
-                  <a:solidFill>
-                    <a:srgbClr val="002060"/>
-                  </a:solidFill>
-                  <a:latin typeface="Times New Roman" panose="02020603050405020304" pitchFamily="18" charset="0"/>
-                  <a:cs typeface="Times New Roman" panose="02020603050405020304" pitchFamily="18" charset="0"/>
-                </a:endParaRPr>
-              </a:p>
-            </p:txBody>
-          </p:sp>
-        </mc:Choice>
-        <mc:Fallback>
-          <p:sp>
-            <p:nvSpPr>
-              <p:cNvPr id="1131" name="TextBox 1130">
-                <a:extLst>
-                  <a:ext uri="{FF2B5EF4-FFF2-40B4-BE49-F238E27FC236}">
-                    <a16:creationId xmlns:a16="http://schemas.microsoft.com/office/drawing/2014/main" id="{2B86C883-EB01-F505-EBDE-521A2F4B2D2A}"/>
-                  </a:ext>
-                </a:extLst>
-              </p:cNvPr>
-              <p:cNvSpPr txBox="1">
-                <a:spLocks noRot="1" noChangeAspect="1" noMove="1" noResize="1" noEditPoints="1" noAdjustHandles="1" noChangeArrowheads="1" noChangeShapeType="1" noTextEdit="1"/>
-              </p:cNvSpPr>
-              <p:nvPr/>
-            </p:nvSpPr>
-            <p:spPr>
-              <a:xfrm>
-                <a:off x="7459014" y="678698"/>
-                <a:ext cx="1660197" cy="314702"/>
-              </a:xfrm>
-              <a:prstGeom prst="rect">
-                <a:avLst/>
-              </a:prstGeom>
-              <a:blipFill>
-                <a:blip r:embed="rId8"/>
-                <a:stretch>
-                  <a:fillRect/>
-                </a:stretch>
-              </a:blipFill>
-            </p:spPr>
-            <p:txBody>
-              <a:bodyPr/>
-              <a:lstStyle/>
-              <a:p>
-                <a:r>
-                  <a:rPr lang="en-US">
-                    <a:noFill/>
-                  </a:rPr>
-                  <a:t> </a:t>
-                </a:r>
-              </a:p>
-            </p:txBody>
-          </p:sp>
-        </mc:Fallback>
-      </mc:AlternateContent>
-      <p:grpSp>
-        <p:nvGrpSpPr>
-          <p:cNvPr id="4" name="Group 3">
-            <a:extLst>
-              <a:ext uri="{FF2B5EF4-FFF2-40B4-BE49-F238E27FC236}">
-                <a16:creationId xmlns:a16="http://schemas.microsoft.com/office/drawing/2014/main" id="{9ED2EBF4-A6DA-0944-431E-565D0E24A08E}"/>
-              </a:ext>
-            </a:extLst>
-          </p:cNvPr>
-          <p:cNvGrpSpPr/>
-          <p:nvPr/>
-        </p:nvGrpSpPr>
-        <p:grpSpPr>
-          <a:xfrm>
-            <a:off x="2084933" y="-6726"/>
-            <a:ext cx="3781522" cy="858450"/>
-            <a:chOff x="2084933" y="-278795"/>
-            <a:chExt cx="3781522" cy="858450"/>
-          </a:xfrm>
-        </p:grpSpPr>
-        <p:cxnSp>
-          <p:nvCxnSpPr>
-            <p:cNvPr id="2" name="Connector: Elbow 1">
-              <a:extLst>
-                <a:ext uri="{FF2B5EF4-FFF2-40B4-BE49-F238E27FC236}">
-                  <a16:creationId xmlns:a16="http://schemas.microsoft.com/office/drawing/2014/main" id="{A83C2E54-2AAE-81BE-FBD9-9B2F4DDF7EC3}"/>
-                </a:ext>
-              </a:extLst>
-            </p:cNvPr>
-            <p:cNvCxnSpPr>
-              <a:cxnSpLocks/>
-            </p:cNvCxnSpPr>
-            <p:nvPr/>
-          </p:nvCxnSpPr>
-          <p:spPr>
-            <a:xfrm rot="5400000" flipH="1" flipV="1">
-              <a:off x="3916281" y="-1370519"/>
-              <a:ext cx="118826" cy="3781522"/>
-            </a:xfrm>
-            <a:prstGeom prst="bentConnector3">
-              <a:avLst>
-                <a:gd name="adj1" fmla="val 436669"/>
-              </a:avLst>
-            </a:prstGeom>
-            <a:ln w="28575">
-              <a:solidFill>
-                <a:srgbClr val="002060"/>
-              </a:solidFill>
-              <a:tailEnd type="triangle"/>
-            </a:ln>
-          </p:spPr>
-          <p:style>
-            <a:lnRef idx="2">
-              <a:schemeClr val="accent1"/>
-            </a:lnRef>
-            <a:fillRef idx="0">
-              <a:schemeClr val="accent1"/>
-            </a:fillRef>
-            <a:effectRef idx="1">
-              <a:schemeClr val="accent1"/>
-            </a:effectRef>
-            <a:fontRef idx="minor">
-              <a:schemeClr val="tx1"/>
-            </a:fontRef>
-          </p:style>
-        </p:cxnSp>
-        <mc:AlternateContent xmlns:mc="http://schemas.openxmlformats.org/markup-compatibility/2006">
-          <mc:Choice xmlns:a14="http://schemas.microsoft.com/office/drawing/2010/main" Requires="a14">
-            <p:sp>
-              <p:nvSpPr>
-                <p:cNvPr id="3" name="TextBox 2">
-                  <a:extLst>
-                    <a:ext uri="{FF2B5EF4-FFF2-40B4-BE49-F238E27FC236}">
-                      <a16:creationId xmlns:a16="http://schemas.microsoft.com/office/drawing/2014/main" id="{62DB3517-4D44-2E23-28D8-52C88632A39C}"/>
-                    </a:ext>
-                  </a:extLst>
-                </p:cNvPr>
-                <p:cNvSpPr txBox="1"/>
-                <p:nvPr/>
-              </p:nvSpPr>
-              <p:spPr>
-                <a:xfrm>
-                  <a:off x="3819315" y="-278795"/>
-                  <a:ext cx="393549" cy="314702"/>
-                </a:xfrm>
-                <a:prstGeom prst="rect">
-                  <a:avLst/>
-                </a:prstGeom>
-                <a:noFill/>
-              </p:spPr>
-              <p:txBody>
-                <a:bodyPr wrap="square">
-                  <a:spAutoFit/>
-                </a:bodyPr>
-                <a:lstStyle/>
-                <a:p>
-                  <a:pPr algn="ctr"/>
-                  <a14:m>
-                    <m:oMathPara xmlns:m="http://schemas.openxmlformats.org/officeDocument/2006/math">
-                      <m:oMathParaPr>
-                        <m:jc m:val="center"/>
-                      </m:oMathParaPr>
-                      <m:oMath xmlns:m="http://schemas.openxmlformats.org/officeDocument/2006/math">
-                        <m:sSup>
-                          <m:sSupPr>
-                            <m:ctrlPr>
-                              <a:rPr lang="en-US" sz="1400" i="1">
-                                <a:solidFill>
-                                  <a:srgbClr val="002060"/>
-                                </a:solidFill>
-                                <a:latin typeface="Cambria Math" panose="02040503050406030204" pitchFamily="18" charset="0"/>
-                                <a:ea typeface="Cambria Math" panose="02040503050406030204" pitchFamily="18" charset="0"/>
-                                <a:cs typeface="Times New Roman" panose="02020603050405020304" pitchFamily="18" charset="0"/>
-                              </a:rPr>
-                            </m:ctrlPr>
-                          </m:sSupPr>
-                          <m:e>
-                            <m:r>
-                              <a:rPr lang="en-US" sz="1400" b="1" i="1">
-                                <a:solidFill>
-                                  <a:srgbClr val="002060"/>
-                                </a:solidFill>
-                                <a:latin typeface="Cambria Math" panose="02040503050406030204" pitchFamily="18" charset="0"/>
-                                <a:ea typeface="Cambria Math" panose="02040503050406030204" pitchFamily="18" charset="0"/>
-                                <a:cs typeface="Times New Roman" panose="02020603050405020304" pitchFamily="18" charset="0"/>
-                              </a:rPr>
-                              <m:t>𝝃</m:t>
-                            </m:r>
-                          </m:e>
-                          <m:sup>
-                            <m:r>
-                              <a:rPr lang="en-US" sz="1400" i="1">
-                                <a:solidFill>
-                                  <a:srgbClr val="002060"/>
-                                </a:solidFill>
-                                <a:latin typeface="Cambria Math" panose="02040503050406030204" pitchFamily="18" charset="0"/>
-                                <a:ea typeface="Cambria Math" panose="02040503050406030204" pitchFamily="18" charset="0"/>
-                                <a:cs typeface="Times New Roman" panose="02020603050405020304" pitchFamily="18" charset="0"/>
-                              </a:rPr>
-                              <m:t>𝑖</m:t>
-                            </m:r>
-                          </m:sup>
-                        </m:sSup>
-                      </m:oMath>
-                    </m:oMathPara>
-                  </a14:m>
-                  <a:endParaRPr lang="en-US" sz="1400" b="1" dirty="0">
-                    <a:solidFill>
-                      <a:srgbClr val="002060"/>
-                    </a:solidFill>
-                    <a:latin typeface="Times New Roman" panose="02020603050405020304" pitchFamily="18" charset="0"/>
-                    <a:cs typeface="Times New Roman" panose="02020603050405020304" pitchFamily="18" charset="0"/>
-                  </a:endParaRPr>
-                </a:p>
-              </p:txBody>
-            </p:sp>
-          </mc:Choice>
-          <mc:Fallback>
-            <p:sp>
-              <p:nvSpPr>
-                <p:cNvPr id="3" name="TextBox 2">
-                  <a:extLst>
-                    <a:ext uri="{FF2B5EF4-FFF2-40B4-BE49-F238E27FC236}">
-                      <a16:creationId xmlns:a16="http://schemas.microsoft.com/office/drawing/2014/main" id="{62DB3517-4D44-2E23-28D8-52C88632A39C}"/>
-                    </a:ext>
-                  </a:extLst>
-                </p:cNvPr>
-                <p:cNvSpPr txBox="1">
-                  <a:spLocks noRot="1" noChangeAspect="1" noMove="1" noResize="1" noEditPoints="1" noAdjustHandles="1" noChangeArrowheads="1" noChangeShapeType="1" noTextEdit="1"/>
-                </p:cNvSpPr>
-                <p:nvPr/>
-              </p:nvSpPr>
-              <p:spPr>
-                <a:xfrm>
-                  <a:off x="3819315" y="-278795"/>
-                  <a:ext cx="393549" cy="314702"/>
-                </a:xfrm>
-                <a:prstGeom prst="rect">
-                  <a:avLst/>
-                </a:prstGeom>
-                <a:blipFill>
-                  <a:blip r:embed="rId9"/>
-                  <a:stretch>
-                    <a:fillRect b="-7692"/>
-                  </a:stretch>
-                </a:blipFill>
-              </p:spPr>
-              <p:txBody>
-                <a:bodyPr/>
-                <a:lstStyle/>
-                <a:p>
-                  <a:r>
-                    <a:rPr lang="en-US">
-                      <a:noFill/>
-                    </a:rPr>
-                    <a:t> </a:t>
-                  </a:r>
-                </a:p>
-              </p:txBody>
-            </p:sp>
-          </mc:Fallback>
-        </mc:AlternateContent>
-      </p:grpSp>
-    </p:spTree>
-    <p:extLst>
-      <p:ext uri="{BB962C8B-B14F-4D97-AF65-F5344CB8AC3E}">
-        <p14:creationId xmlns:p14="http://schemas.microsoft.com/office/powerpoint/2010/main" val="3802764899"/>
-      </p:ext>
-    </p:extLst>
-  </p:cSld>
-  <p:clrMapOvr>
-    <a:masterClrMapping/>
-  </p:clrMapOvr>
-</p:sld>
-</file>
-
 <file path=ppt/theme/theme1.xml><?xml version="1.0" encoding="utf-8"?>
 <a:theme xmlns:a="http://schemas.openxmlformats.org/drawingml/2006/main" name="Office Theme">
   <a:themeElements>

--- a/img/pipeline.pptx
+++ b/img/pipeline.pptx
@@ -115,13 +115,37 @@
 <file path=ppt/revisionInfo.xml><?xml version="1.0" encoding="utf-8"?>
 <p1510:revInfo xmlns:a="http://schemas.openxmlformats.org/drawingml/2006/main" xmlns:r="http://schemas.openxmlformats.org/officeDocument/2006/relationships" xmlns:p1510="http://schemas.microsoft.com/office/powerpoint/2015/10/main">
   <p1510:revLst>
-    <p1510:client id="{76DAB5B4-E7E7-4642-AA4E-8A875959D387}" v="49" dt="2025-02-05T11:21:49.686"/>
+    <p1510:client id="{B555FEBD-D1E0-4C9A-9C1D-7269BB420109}" v="1" dt="2025-02-24T02:18:08.572"/>
   </p1510:revLst>
 </p1510:revInfo>
 </file>
 
 <file path=ppt/changesInfos/changesInfo1.xml><?xml version="1.0" encoding="utf-8"?>
 <pc:chgInfo xmlns:a="http://schemas.openxmlformats.org/drawingml/2006/main" xmlns:r="http://schemas.openxmlformats.org/officeDocument/2006/relationships" xmlns:ac="http://schemas.microsoft.com/office/drawing/2013/main/command" xmlns:pc="http://schemas.microsoft.com/office/powerpoint/2013/main/command">
+  <pc:docChgLst>
+    <pc:chgData name="Bo Tang" userId="332dbdf67b1791cd" providerId="LiveId" clId="{B555FEBD-D1E0-4C9A-9C1D-7269BB420109}"/>
+    <pc:docChg chg="modSld">
+      <pc:chgData name="Bo Tang" userId="332dbdf67b1791cd" providerId="LiveId" clId="{B555FEBD-D1E0-4C9A-9C1D-7269BB420109}" dt="2025-02-24T02:18:08.571" v="0" actId="207"/>
+      <pc:docMkLst>
+        <pc:docMk/>
+      </pc:docMkLst>
+      <pc:sldChg chg="modSp">
+        <pc:chgData name="Bo Tang" userId="332dbdf67b1791cd" providerId="LiveId" clId="{B555FEBD-D1E0-4C9A-9C1D-7269BB420109}" dt="2025-02-24T02:18:08.571" v="0" actId="207"/>
+        <pc:sldMkLst>
+          <pc:docMk/>
+          <pc:sldMk cId="3536482602" sldId="256"/>
+        </pc:sldMkLst>
+        <pc:spChg chg="mod">
+          <ac:chgData name="Bo Tang" userId="332dbdf67b1791cd" providerId="LiveId" clId="{B555FEBD-D1E0-4C9A-9C1D-7269BB420109}" dt="2025-02-24T02:18:08.571" v="0" actId="207"/>
+          <ac:spMkLst>
+            <pc:docMk/>
+            <pc:sldMk cId="3536482602" sldId="256"/>
+            <ac:spMk id="14" creationId="{DAB26CEC-D500-F3BF-6001-34209824AFEE}"/>
+          </ac:spMkLst>
+        </pc:spChg>
+      </pc:sldChg>
+    </pc:docChg>
+  </pc:docChgLst>
   <pc:docChgLst>
     <pc:chgData name="Bo Tang" userId="332dbdf67b1791cd" providerId="LiveId" clId="{31A5A1A3-D443-415D-B743-2467B0C08EC2}"/>
     <pc:docChg chg="undo redo custSel addSld modSld">
@@ -439,30 +463,6 @@
             <ac:spMk id="1132" creationId="{B3DD775E-B8C8-627C-0AC8-B0C1A2B1AF7F}"/>
           </ac:spMkLst>
         </pc:spChg>
-        <pc:spChg chg="add del mod">
-          <ac:chgData name="Bo Tang" userId="332dbdf67b1791cd" providerId="LiveId" clId="{76DAB5B4-E7E7-4642-AA4E-8A875959D387}" dt="2025-02-05T11:11:20.189" v="125" actId="478"/>
-          <ac:spMkLst>
-            <pc:docMk/>
-            <pc:sldMk cId="3536482602" sldId="256"/>
-            <ac:spMk id="1133" creationId="{62335BAF-B472-40EC-472C-90E909D4B4E0}"/>
-          </ac:spMkLst>
-        </pc:spChg>
-        <pc:spChg chg="add del mod">
-          <ac:chgData name="Bo Tang" userId="332dbdf67b1791cd" providerId="LiveId" clId="{76DAB5B4-E7E7-4642-AA4E-8A875959D387}" dt="2025-02-05T11:14:08.793" v="155" actId="11529"/>
-          <ac:spMkLst>
-            <pc:docMk/>
-            <pc:sldMk cId="3536482602" sldId="256"/>
-            <ac:spMk id="1135" creationId="{85632E43-D70D-AECC-725A-321CFC900F7B}"/>
-          </ac:spMkLst>
-        </pc:spChg>
-        <pc:spChg chg="add del mod">
-          <ac:chgData name="Bo Tang" userId="332dbdf67b1791cd" providerId="LiveId" clId="{76DAB5B4-E7E7-4642-AA4E-8A875959D387}" dt="2025-02-05T11:18:31.843" v="208" actId="478"/>
-          <ac:spMkLst>
-            <pc:docMk/>
-            <pc:sldMk cId="3536482602" sldId="256"/>
-            <ac:spMk id="1140" creationId="{F051C2FD-861E-AB7D-E2DB-4919CF1C66F4}"/>
-          </ac:spMkLst>
-        </pc:spChg>
         <pc:spChg chg="mod">
           <ac:chgData name="Bo Tang" userId="332dbdf67b1791cd" providerId="LiveId" clId="{76DAB5B4-E7E7-4642-AA4E-8A875959D387}" dt="2025-02-05T11:19:50.737" v="216"/>
           <ac:spMkLst>
@@ -599,44 +599,12 @@
             <ac:grpSpMk id="4" creationId="{9ED2EBF4-A6DA-0944-431E-565D0E24A08E}"/>
           </ac:grpSpMkLst>
         </pc:grpChg>
-        <pc:grpChg chg="del mod">
-          <ac:chgData name="Bo Tang" userId="332dbdf67b1791cd" providerId="LiveId" clId="{76DAB5B4-E7E7-4642-AA4E-8A875959D387}" dt="2025-02-05T11:07:00.335" v="64" actId="478"/>
-          <ac:grpSpMkLst>
-            <pc:docMk/>
-            <pc:sldMk cId="3536482602" sldId="256"/>
-            <ac:grpSpMk id="5" creationId="{04E21CCD-4EF7-A461-050F-F112F119F97E}"/>
-          </ac:grpSpMkLst>
-        </pc:grpChg>
-        <pc:grpChg chg="del mod">
-          <ac:chgData name="Bo Tang" userId="332dbdf67b1791cd" providerId="LiveId" clId="{76DAB5B4-E7E7-4642-AA4E-8A875959D387}" dt="2025-02-05T11:07:31.522" v="72" actId="478"/>
-          <ac:grpSpMkLst>
-            <pc:docMk/>
-            <pc:sldMk cId="3536482602" sldId="256"/>
-            <ac:grpSpMk id="8" creationId="{EC25CB51-9874-A9C7-3189-FA164D7A7913}"/>
-          </ac:grpSpMkLst>
-        </pc:grpChg>
-        <pc:grpChg chg="add del mod">
-          <ac:chgData name="Bo Tang" userId="332dbdf67b1791cd" providerId="LiveId" clId="{76DAB5B4-E7E7-4642-AA4E-8A875959D387}" dt="2025-02-05T11:10:08.906" v="105" actId="165"/>
-          <ac:grpSpMkLst>
-            <pc:docMk/>
-            <pc:sldMk cId="3536482602" sldId="256"/>
-            <ac:grpSpMk id="9" creationId="{27674546-3F09-B25D-2F89-37BA6D245A53}"/>
-          </ac:grpSpMkLst>
-        </pc:grpChg>
         <pc:grpChg chg="mod topLvl">
           <ac:chgData name="Bo Tang" userId="332dbdf67b1791cd" providerId="LiveId" clId="{76DAB5B4-E7E7-4642-AA4E-8A875959D387}" dt="2025-02-05T11:20:56.707" v="228" actId="164"/>
           <ac:grpSpMkLst>
             <pc:docMk/>
             <pc:sldMk cId="3536482602" sldId="256"/>
             <ac:grpSpMk id="10" creationId="{D668A009-FB56-9BF4-6A1C-24E98E474747}"/>
-          </ac:grpSpMkLst>
-        </pc:grpChg>
-        <pc:grpChg chg="del mod">
-          <ac:chgData name="Bo Tang" userId="332dbdf67b1791cd" providerId="LiveId" clId="{76DAB5B4-E7E7-4642-AA4E-8A875959D387}" dt="2025-02-05T11:07:10.493" v="68" actId="478"/>
-          <ac:grpSpMkLst>
-            <pc:docMk/>
-            <pc:sldMk cId="3536482602" sldId="256"/>
-            <ac:grpSpMk id="48" creationId="{1DF76848-25DA-50B6-7290-FB965DF2CA75}"/>
           </ac:grpSpMkLst>
         </pc:grpChg>
         <pc:grpChg chg="add mod">
@@ -655,28 +623,12 @@
             <ac:grpSpMk id="1071" creationId="{BA917BD0-3D65-E12D-C4B1-9CB8FAA59C2A}"/>
           </ac:grpSpMkLst>
         </pc:grpChg>
-        <pc:grpChg chg="add del mod">
-          <ac:chgData name="Bo Tang" userId="332dbdf67b1791cd" providerId="LiveId" clId="{76DAB5B4-E7E7-4642-AA4E-8A875959D387}" dt="2025-02-05T11:15:36.799" v="170" actId="165"/>
-          <ac:grpSpMkLst>
-            <pc:docMk/>
-            <pc:sldMk cId="3536482602" sldId="256"/>
-            <ac:grpSpMk id="1109" creationId="{6DFFF6C9-C775-915B-CE5F-8B666DCDEDF8}"/>
-          </ac:grpSpMkLst>
-        </pc:grpChg>
         <pc:grpChg chg="mod topLvl">
           <ac:chgData name="Bo Tang" userId="332dbdf67b1791cd" providerId="LiveId" clId="{76DAB5B4-E7E7-4642-AA4E-8A875959D387}" dt="2025-02-05T11:15:52.854" v="174" actId="164"/>
           <ac:grpSpMkLst>
             <pc:docMk/>
             <pc:sldMk cId="3536482602" sldId="256"/>
             <ac:grpSpMk id="1110" creationId="{47CF543A-3A34-14E5-0F33-59B58DFCAA49}"/>
-          </ac:grpSpMkLst>
-        </pc:grpChg>
-        <pc:grpChg chg="del mod">
-          <ac:chgData name="Bo Tang" userId="332dbdf67b1791cd" providerId="LiveId" clId="{76DAB5B4-E7E7-4642-AA4E-8A875959D387}" dt="2025-02-05T11:08:00.383" v="78" actId="478"/>
-          <ac:grpSpMkLst>
-            <pc:docMk/>
-            <pc:sldMk cId="3536482602" sldId="256"/>
-            <ac:grpSpMk id="1115" creationId="{CB20EB91-B3C7-C4A6-1002-8572DF143580}"/>
           </ac:grpSpMkLst>
         </pc:grpChg>
         <pc:grpChg chg="mod">
@@ -701,14 +653,6 @@
             <pc:docMk/>
             <pc:sldMk cId="3536482602" sldId="256"/>
             <ac:grpSpMk id="1124" creationId="{4BDED34B-BE32-3AF1-FA0E-FB1E11E4865D}"/>
-          </ac:grpSpMkLst>
-        </pc:grpChg>
-        <pc:grpChg chg="add del mod">
-          <ac:chgData name="Bo Tang" userId="332dbdf67b1791cd" providerId="LiveId" clId="{76DAB5B4-E7E7-4642-AA4E-8A875959D387}" dt="2025-02-05T11:20:23.352" v="219" actId="165"/>
-          <ac:grpSpMkLst>
-            <pc:docMk/>
-            <pc:sldMk cId="3536482602" sldId="256"/>
-            <ac:grpSpMk id="1134" creationId="{4262834F-8666-3A55-0C47-6AF60E9D639F}"/>
           </ac:grpSpMkLst>
         </pc:grpChg>
         <pc:grpChg chg="add mod">
@@ -783,86 +727,6 @@
             <ac:grpSpMk id="1203" creationId="{B49B40B2-56EC-320F-F1B4-D364BF68EE9F}"/>
           </ac:grpSpMkLst>
         </pc:grpChg>
-        <pc:cxnChg chg="mod">
-          <ac:chgData name="Bo Tang" userId="332dbdf67b1791cd" providerId="LiveId" clId="{76DAB5B4-E7E7-4642-AA4E-8A875959D387}" dt="2025-02-05T11:07:10.493" v="68" actId="478"/>
-          <ac:cxnSpMkLst>
-            <pc:docMk/>
-            <pc:sldMk cId="3536482602" sldId="256"/>
-            <ac:cxnSpMk id="32" creationId="{05B384F8-FD5D-622B-71CA-C64D4BB6AFDF}"/>
-          </ac:cxnSpMkLst>
-        </pc:cxnChg>
-        <pc:cxnChg chg="mod">
-          <ac:chgData name="Bo Tang" userId="332dbdf67b1791cd" providerId="LiveId" clId="{76DAB5B4-E7E7-4642-AA4E-8A875959D387}" dt="2025-02-05T11:07:10.493" v="68" actId="478"/>
-          <ac:cxnSpMkLst>
-            <pc:docMk/>
-            <pc:sldMk cId="3536482602" sldId="256"/>
-            <ac:cxnSpMk id="33" creationId="{338B7D9E-A72A-240F-4F82-44246438C3A8}"/>
-          </ac:cxnSpMkLst>
-        </pc:cxnChg>
-        <pc:cxnChg chg="mod">
-          <ac:chgData name="Bo Tang" userId="332dbdf67b1791cd" providerId="LiveId" clId="{76DAB5B4-E7E7-4642-AA4E-8A875959D387}" dt="2025-02-05T11:07:10.493" v="68" actId="478"/>
-          <ac:cxnSpMkLst>
-            <pc:docMk/>
-            <pc:sldMk cId="3536482602" sldId="256"/>
-            <ac:cxnSpMk id="36" creationId="{D6A85677-D061-3E2E-DE88-1AFC27F76E49}"/>
-          </ac:cxnSpMkLst>
-        </pc:cxnChg>
-        <pc:cxnChg chg="mod">
-          <ac:chgData name="Bo Tang" userId="332dbdf67b1791cd" providerId="LiveId" clId="{76DAB5B4-E7E7-4642-AA4E-8A875959D387}" dt="2025-02-05T11:07:10.493" v="68" actId="478"/>
-          <ac:cxnSpMkLst>
-            <pc:docMk/>
-            <pc:sldMk cId="3536482602" sldId="256"/>
-            <ac:cxnSpMk id="38" creationId="{837269C9-24B0-461C-7E04-05B7D475ED29}"/>
-          </ac:cxnSpMkLst>
-        </pc:cxnChg>
-        <pc:cxnChg chg="mod">
-          <ac:chgData name="Bo Tang" userId="332dbdf67b1791cd" providerId="LiveId" clId="{76DAB5B4-E7E7-4642-AA4E-8A875959D387}" dt="2025-02-05T11:07:10.493" v="68" actId="478"/>
-          <ac:cxnSpMkLst>
-            <pc:docMk/>
-            <pc:sldMk cId="3536482602" sldId="256"/>
-            <ac:cxnSpMk id="39" creationId="{D2337990-D6ED-69E8-547B-913AC98339BA}"/>
-          </ac:cxnSpMkLst>
-        </pc:cxnChg>
-        <pc:cxnChg chg="mod">
-          <ac:chgData name="Bo Tang" userId="332dbdf67b1791cd" providerId="LiveId" clId="{76DAB5B4-E7E7-4642-AA4E-8A875959D387}" dt="2025-02-05T11:07:10.493" v="68" actId="478"/>
-          <ac:cxnSpMkLst>
-            <pc:docMk/>
-            <pc:sldMk cId="3536482602" sldId="256"/>
-            <ac:cxnSpMk id="40" creationId="{E13FCBBF-6F44-464B-8661-9CE9E9014353}"/>
-          </ac:cxnSpMkLst>
-        </pc:cxnChg>
-        <pc:cxnChg chg="mod">
-          <ac:chgData name="Bo Tang" userId="332dbdf67b1791cd" providerId="LiveId" clId="{76DAB5B4-E7E7-4642-AA4E-8A875959D387}" dt="2025-02-05T11:07:10.493" v="68" actId="478"/>
-          <ac:cxnSpMkLst>
-            <pc:docMk/>
-            <pc:sldMk cId="3536482602" sldId="256"/>
-            <ac:cxnSpMk id="43" creationId="{80E5C74C-BAD9-53EE-43D3-91A0A781FDE1}"/>
-          </ac:cxnSpMkLst>
-        </pc:cxnChg>
-        <pc:cxnChg chg="mod">
-          <ac:chgData name="Bo Tang" userId="332dbdf67b1791cd" providerId="LiveId" clId="{76DAB5B4-E7E7-4642-AA4E-8A875959D387}" dt="2025-02-05T11:07:10.493" v="68" actId="478"/>
-          <ac:cxnSpMkLst>
-            <pc:docMk/>
-            <pc:sldMk cId="3536482602" sldId="256"/>
-            <ac:cxnSpMk id="45" creationId="{001CDD9C-1406-90D2-2A6B-8A17D0978102}"/>
-          </ac:cxnSpMkLst>
-        </pc:cxnChg>
-        <pc:cxnChg chg="mod">
-          <ac:chgData name="Bo Tang" userId="332dbdf67b1791cd" providerId="LiveId" clId="{76DAB5B4-E7E7-4642-AA4E-8A875959D387}" dt="2025-02-05T11:07:10.493" v="68" actId="478"/>
-          <ac:cxnSpMkLst>
-            <pc:docMk/>
-            <pc:sldMk cId="3536482602" sldId="256"/>
-            <ac:cxnSpMk id="46" creationId="{7629E6D2-621B-6BCC-1C76-493768247ECD}"/>
-          </ac:cxnSpMkLst>
-        </pc:cxnChg>
-        <pc:cxnChg chg="mod">
-          <ac:chgData name="Bo Tang" userId="332dbdf67b1791cd" providerId="LiveId" clId="{76DAB5B4-E7E7-4642-AA4E-8A875959D387}" dt="2025-02-05T11:08:00.383" v="78" actId="478"/>
-          <ac:cxnSpMkLst>
-            <pc:docMk/>
-            <pc:sldMk cId="3536482602" sldId="256"/>
-            <ac:cxnSpMk id="1070" creationId="{F0789562-0617-8049-EC8C-5306A2F75F49}"/>
-          </ac:cxnSpMkLst>
-        </pc:cxnChg>
         <pc:cxnChg chg="mod">
           <ac:chgData name="Bo Tang" userId="332dbdf67b1791cd" providerId="LiveId" clId="{76DAB5B4-E7E7-4642-AA4E-8A875959D387}" dt="2025-02-05T11:14:55.745" v="164" actId="14100"/>
           <ac:cxnSpMkLst>
@@ -997,46 +861,6 @@
           <pc:docMk/>
           <pc:sldMasterMk cId="1734105047" sldId="2147483828"/>
         </pc:sldMasterMkLst>
-        <pc:spChg chg="mod">
-          <ac:chgData name="Bo Tang" userId="332dbdf67b1791cd" providerId="LiveId" clId="{76DAB5B4-E7E7-4642-AA4E-8A875959D387}" dt="2025-02-05T11:09:45.212" v="99"/>
-          <ac:spMkLst>
-            <pc:docMk/>
-            <pc:sldMasterMk cId="1734105047" sldId="2147483828"/>
-            <ac:spMk id="2" creationId="{00000000-0000-0000-0000-000000000000}"/>
-          </ac:spMkLst>
-        </pc:spChg>
-        <pc:spChg chg="mod">
-          <ac:chgData name="Bo Tang" userId="332dbdf67b1791cd" providerId="LiveId" clId="{76DAB5B4-E7E7-4642-AA4E-8A875959D387}" dt="2025-02-05T11:09:45.212" v="99"/>
-          <ac:spMkLst>
-            <pc:docMk/>
-            <pc:sldMasterMk cId="1734105047" sldId="2147483828"/>
-            <ac:spMk id="3" creationId="{00000000-0000-0000-0000-000000000000}"/>
-          </ac:spMkLst>
-        </pc:spChg>
-        <pc:spChg chg="mod">
-          <ac:chgData name="Bo Tang" userId="332dbdf67b1791cd" providerId="LiveId" clId="{76DAB5B4-E7E7-4642-AA4E-8A875959D387}" dt="2025-02-05T11:09:45.212" v="99"/>
-          <ac:spMkLst>
-            <pc:docMk/>
-            <pc:sldMasterMk cId="1734105047" sldId="2147483828"/>
-            <ac:spMk id="4" creationId="{00000000-0000-0000-0000-000000000000}"/>
-          </ac:spMkLst>
-        </pc:spChg>
-        <pc:spChg chg="mod">
-          <ac:chgData name="Bo Tang" userId="332dbdf67b1791cd" providerId="LiveId" clId="{76DAB5B4-E7E7-4642-AA4E-8A875959D387}" dt="2025-02-05T11:09:45.212" v="99"/>
-          <ac:spMkLst>
-            <pc:docMk/>
-            <pc:sldMasterMk cId="1734105047" sldId="2147483828"/>
-            <ac:spMk id="5" creationId="{00000000-0000-0000-0000-000000000000}"/>
-          </ac:spMkLst>
-        </pc:spChg>
-        <pc:spChg chg="mod">
-          <ac:chgData name="Bo Tang" userId="332dbdf67b1791cd" providerId="LiveId" clId="{76DAB5B4-E7E7-4642-AA4E-8A875959D387}" dt="2025-02-05T11:09:45.212" v="99"/>
-          <ac:spMkLst>
-            <pc:docMk/>
-            <pc:sldMasterMk cId="1734105047" sldId="2147483828"/>
-            <ac:spMk id="6" creationId="{00000000-0000-0000-0000-000000000000}"/>
-          </ac:spMkLst>
-        </pc:spChg>
         <pc:sldLayoutChg chg="modSp">
           <pc:chgData name="Bo Tang" userId="332dbdf67b1791cd" providerId="LiveId" clId="{76DAB5B4-E7E7-4642-AA4E-8A875959D387}" dt="2025-02-05T11:09:45.212" v="99"/>
           <pc:sldLayoutMkLst>
@@ -1044,24 +868,6 @@
             <pc:sldMasterMk cId="1734105047" sldId="2147483828"/>
             <pc:sldLayoutMk cId="1073907107" sldId="2147483829"/>
           </pc:sldLayoutMkLst>
-          <pc:spChg chg="mod">
-            <ac:chgData name="Bo Tang" userId="332dbdf67b1791cd" providerId="LiveId" clId="{76DAB5B4-E7E7-4642-AA4E-8A875959D387}" dt="2025-02-05T11:09:45.212" v="99"/>
-            <ac:spMkLst>
-              <pc:docMk/>
-              <pc:sldMasterMk cId="1734105047" sldId="2147483828"/>
-              <pc:sldLayoutMk cId="1073907107" sldId="2147483829"/>
-              <ac:spMk id="2" creationId="{00000000-0000-0000-0000-000000000000}"/>
-            </ac:spMkLst>
-          </pc:spChg>
-          <pc:spChg chg="mod">
-            <ac:chgData name="Bo Tang" userId="332dbdf67b1791cd" providerId="LiveId" clId="{76DAB5B4-E7E7-4642-AA4E-8A875959D387}" dt="2025-02-05T11:09:45.212" v="99"/>
-            <ac:spMkLst>
-              <pc:docMk/>
-              <pc:sldMasterMk cId="1734105047" sldId="2147483828"/>
-              <pc:sldLayoutMk cId="1073907107" sldId="2147483829"/>
-              <ac:spMk id="3" creationId="{00000000-0000-0000-0000-000000000000}"/>
-            </ac:spMkLst>
-          </pc:spChg>
         </pc:sldLayoutChg>
         <pc:sldLayoutChg chg="modSp">
           <pc:chgData name="Bo Tang" userId="332dbdf67b1791cd" providerId="LiveId" clId="{76DAB5B4-E7E7-4642-AA4E-8A875959D387}" dt="2025-02-05T11:09:45.212" v="99"/>
@@ -1070,24 +876,6 @@
             <pc:sldMasterMk cId="1734105047" sldId="2147483828"/>
             <pc:sldLayoutMk cId="4249323051" sldId="2147483831"/>
           </pc:sldLayoutMkLst>
-          <pc:spChg chg="mod">
-            <ac:chgData name="Bo Tang" userId="332dbdf67b1791cd" providerId="LiveId" clId="{76DAB5B4-E7E7-4642-AA4E-8A875959D387}" dt="2025-02-05T11:09:45.212" v="99"/>
-            <ac:spMkLst>
-              <pc:docMk/>
-              <pc:sldMasterMk cId="1734105047" sldId="2147483828"/>
-              <pc:sldLayoutMk cId="4249323051" sldId="2147483831"/>
-              <ac:spMk id="2" creationId="{00000000-0000-0000-0000-000000000000}"/>
-            </ac:spMkLst>
-          </pc:spChg>
-          <pc:spChg chg="mod">
-            <ac:chgData name="Bo Tang" userId="332dbdf67b1791cd" providerId="LiveId" clId="{76DAB5B4-E7E7-4642-AA4E-8A875959D387}" dt="2025-02-05T11:09:45.212" v="99"/>
-            <ac:spMkLst>
-              <pc:docMk/>
-              <pc:sldMasterMk cId="1734105047" sldId="2147483828"/>
-              <pc:sldLayoutMk cId="4249323051" sldId="2147483831"/>
-              <ac:spMk id="3" creationId="{00000000-0000-0000-0000-000000000000}"/>
-            </ac:spMkLst>
-          </pc:spChg>
         </pc:sldLayoutChg>
         <pc:sldLayoutChg chg="modSp">
           <pc:chgData name="Bo Tang" userId="332dbdf67b1791cd" providerId="LiveId" clId="{76DAB5B4-E7E7-4642-AA4E-8A875959D387}" dt="2025-02-05T11:09:45.212" v="99"/>
@@ -1096,24 +884,6 @@
             <pc:sldMasterMk cId="1734105047" sldId="2147483828"/>
             <pc:sldLayoutMk cId="3578067221" sldId="2147483832"/>
           </pc:sldLayoutMkLst>
-          <pc:spChg chg="mod">
-            <ac:chgData name="Bo Tang" userId="332dbdf67b1791cd" providerId="LiveId" clId="{76DAB5B4-E7E7-4642-AA4E-8A875959D387}" dt="2025-02-05T11:09:45.212" v="99"/>
-            <ac:spMkLst>
-              <pc:docMk/>
-              <pc:sldMasterMk cId="1734105047" sldId="2147483828"/>
-              <pc:sldLayoutMk cId="3578067221" sldId="2147483832"/>
-              <ac:spMk id="3" creationId="{00000000-0000-0000-0000-000000000000}"/>
-            </ac:spMkLst>
-          </pc:spChg>
-          <pc:spChg chg="mod">
-            <ac:chgData name="Bo Tang" userId="332dbdf67b1791cd" providerId="LiveId" clId="{76DAB5B4-E7E7-4642-AA4E-8A875959D387}" dt="2025-02-05T11:09:45.212" v="99"/>
-            <ac:spMkLst>
-              <pc:docMk/>
-              <pc:sldMasterMk cId="1734105047" sldId="2147483828"/>
-              <pc:sldLayoutMk cId="3578067221" sldId="2147483832"/>
-              <ac:spMk id="4" creationId="{00000000-0000-0000-0000-000000000000}"/>
-            </ac:spMkLst>
-          </pc:spChg>
         </pc:sldLayoutChg>
         <pc:sldLayoutChg chg="modSp">
           <pc:chgData name="Bo Tang" userId="332dbdf67b1791cd" providerId="LiveId" clId="{76DAB5B4-E7E7-4642-AA4E-8A875959D387}" dt="2025-02-05T11:09:45.212" v="99"/>
@@ -1122,51 +892,6 @@
             <pc:sldMasterMk cId="1734105047" sldId="2147483828"/>
             <pc:sldLayoutMk cId="3634077782" sldId="2147483833"/>
           </pc:sldLayoutMkLst>
-          <pc:spChg chg="mod">
-            <ac:chgData name="Bo Tang" userId="332dbdf67b1791cd" providerId="LiveId" clId="{76DAB5B4-E7E7-4642-AA4E-8A875959D387}" dt="2025-02-05T11:09:45.212" v="99"/>
-            <ac:spMkLst>
-              <pc:docMk/>
-              <pc:sldMasterMk cId="1734105047" sldId="2147483828"/>
-              <pc:sldLayoutMk cId="3634077782" sldId="2147483833"/>
-              <ac:spMk id="2" creationId="{00000000-0000-0000-0000-000000000000}"/>
-            </ac:spMkLst>
-          </pc:spChg>
-          <pc:spChg chg="mod">
-            <ac:chgData name="Bo Tang" userId="332dbdf67b1791cd" providerId="LiveId" clId="{76DAB5B4-E7E7-4642-AA4E-8A875959D387}" dt="2025-02-05T11:09:45.212" v="99"/>
-            <ac:spMkLst>
-              <pc:docMk/>
-              <pc:sldMasterMk cId="1734105047" sldId="2147483828"/>
-              <pc:sldLayoutMk cId="3634077782" sldId="2147483833"/>
-              <ac:spMk id="3" creationId="{00000000-0000-0000-0000-000000000000}"/>
-            </ac:spMkLst>
-          </pc:spChg>
-          <pc:spChg chg="mod">
-            <ac:chgData name="Bo Tang" userId="332dbdf67b1791cd" providerId="LiveId" clId="{76DAB5B4-E7E7-4642-AA4E-8A875959D387}" dt="2025-02-05T11:09:45.212" v="99"/>
-            <ac:spMkLst>
-              <pc:docMk/>
-              <pc:sldMasterMk cId="1734105047" sldId="2147483828"/>
-              <pc:sldLayoutMk cId="3634077782" sldId="2147483833"/>
-              <ac:spMk id="4" creationId="{00000000-0000-0000-0000-000000000000}"/>
-            </ac:spMkLst>
-          </pc:spChg>
-          <pc:spChg chg="mod">
-            <ac:chgData name="Bo Tang" userId="332dbdf67b1791cd" providerId="LiveId" clId="{76DAB5B4-E7E7-4642-AA4E-8A875959D387}" dt="2025-02-05T11:09:45.212" v="99"/>
-            <ac:spMkLst>
-              <pc:docMk/>
-              <pc:sldMasterMk cId="1734105047" sldId="2147483828"/>
-              <pc:sldLayoutMk cId="3634077782" sldId="2147483833"/>
-              <ac:spMk id="5" creationId="{00000000-0000-0000-0000-000000000000}"/>
-            </ac:spMkLst>
-          </pc:spChg>
-          <pc:spChg chg="mod">
-            <ac:chgData name="Bo Tang" userId="332dbdf67b1791cd" providerId="LiveId" clId="{76DAB5B4-E7E7-4642-AA4E-8A875959D387}" dt="2025-02-05T11:09:45.212" v="99"/>
-            <ac:spMkLst>
-              <pc:docMk/>
-              <pc:sldMasterMk cId="1734105047" sldId="2147483828"/>
-              <pc:sldLayoutMk cId="3634077782" sldId="2147483833"/>
-              <ac:spMk id="6" creationId="{00000000-0000-0000-0000-000000000000}"/>
-            </ac:spMkLst>
-          </pc:spChg>
         </pc:sldLayoutChg>
         <pc:sldLayoutChg chg="modSp">
           <pc:chgData name="Bo Tang" userId="332dbdf67b1791cd" providerId="LiveId" clId="{76DAB5B4-E7E7-4642-AA4E-8A875959D387}" dt="2025-02-05T11:09:45.212" v="99"/>
@@ -1175,33 +900,6 @@
             <pc:sldMasterMk cId="1734105047" sldId="2147483828"/>
             <pc:sldLayoutMk cId="3224127767" sldId="2147483836"/>
           </pc:sldLayoutMkLst>
-          <pc:spChg chg="mod">
-            <ac:chgData name="Bo Tang" userId="332dbdf67b1791cd" providerId="LiveId" clId="{76DAB5B4-E7E7-4642-AA4E-8A875959D387}" dt="2025-02-05T11:09:45.212" v="99"/>
-            <ac:spMkLst>
-              <pc:docMk/>
-              <pc:sldMasterMk cId="1734105047" sldId="2147483828"/>
-              <pc:sldLayoutMk cId="3224127767" sldId="2147483836"/>
-              <ac:spMk id="2" creationId="{00000000-0000-0000-0000-000000000000}"/>
-            </ac:spMkLst>
-          </pc:spChg>
-          <pc:spChg chg="mod">
-            <ac:chgData name="Bo Tang" userId="332dbdf67b1791cd" providerId="LiveId" clId="{76DAB5B4-E7E7-4642-AA4E-8A875959D387}" dt="2025-02-05T11:09:45.212" v="99"/>
-            <ac:spMkLst>
-              <pc:docMk/>
-              <pc:sldMasterMk cId="1734105047" sldId="2147483828"/>
-              <pc:sldLayoutMk cId="3224127767" sldId="2147483836"/>
-              <ac:spMk id="3" creationId="{00000000-0000-0000-0000-000000000000}"/>
-            </ac:spMkLst>
-          </pc:spChg>
-          <pc:spChg chg="mod">
-            <ac:chgData name="Bo Tang" userId="332dbdf67b1791cd" providerId="LiveId" clId="{76DAB5B4-E7E7-4642-AA4E-8A875959D387}" dt="2025-02-05T11:09:45.212" v="99"/>
-            <ac:spMkLst>
-              <pc:docMk/>
-              <pc:sldMasterMk cId="1734105047" sldId="2147483828"/>
-              <pc:sldLayoutMk cId="3224127767" sldId="2147483836"/>
-              <ac:spMk id="4" creationId="{00000000-0000-0000-0000-000000000000}"/>
-            </ac:spMkLst>
-          </pc:spChg>
         </pc:sldLayoutChg>
         <pc:sldLayoutChg chg="modSp">
           <pc:chgData name="Bo Tang" userId="332dbdf67b1791cd" providerId="LiveId" clId="{76DAB5B4-E7E7-4642-AA4E-8A875959D387}" dt="2025-02-05T11:09:45.212" v="99"/>
@@ -1210,33 +908,6 @@
             <pc:sldMasterMk cId="1734105047" sldId="2147483828"/>
             <pc:sldLayoutMk cId="2678218519" sldId="2147483837"/>
           </pc:sldLayoutMkLst>
-          <pc:spChg chg="mod">
-            <ac:chgData name="Bo Tang" userId="332dbdf67b1791cd" providerId="LiveId" clId="{76DAB5B4-E7E7-4642-AA4E-8A875959D387}" dt="2025-02-05T11:09:45.212" v="99"/>
-            <ac:spMkLst>
-              <pc:docMk/>
-              <pc:sldMasterMk cId="1734105047" sldId="2147483828"/>
-              <pc:sldLayoutMk cId="2678218519" sldId="2147483837"/>
-              <ac:spMk id="2" creationId="{00000000-0000-0000-0000-000000000000}"/>
-            </ac:spMkLst>
-          </pc:spChg>
-          <pc:spChg chg="mod">
-            <ac:chgData name="Bo Tang" userId="332dbdf67b1791cd" providerId="LiveId" clId="{76DAB5B4-E7E7-4642-AA4E-8A875959D387}" dt="2025-02-05T11:09:45.212" v="99"/>
-            <ac:spMkLst>
-              <pc:docMk/>
-              <pc:sldMasterMk cId="1734105047" sldId="2147483828"/>
-              <pc:sldLayoutMk cId="2678218519" sldId="2147483837"/>
-              <ac:spMk id="3" creationId="{00000000-0000-0000-0000-000000000000}"/>
-            </ac:spMkLst>
-          </pc:spChg>
-          <pc:spChg chg="mod">
-            <ac:chgData name="Bo Tang" userId="332dbdf67b1791cd" providerId="LiveId" clId="{76DAB5B4-E7E7-4642-AA4E-8A875959D387}" dt="2025-02-05T11:09:45.212" v="99"/>
-            <ac:spMkLst>
-              <pc:docMk/>
-              <pc:sldMasterMk cId="1734105047" sldId="2147483828"/>
-              <pc:sldLayoutMk cId="2678218519" sldId="2147483837"/>
-              <ac:spMk id="4" creationId="{00000000-0000-0000-0000-000000000000}"/>
-            </ac:spMkLst>
-          </pc:spChg>
         </pc:sldLayoutChg>
         <pc:sldLayoutChg chg="modSp">
           <pc:chgData name="Bo Tang" userId="332dbdf67b1791cd" providerId="LiveId" clId="{76DAB5B4-E7E7-4642-AA4E-8A875959D387}" dt="2025-02-05T11:09:45.212" v="99"/>
@@ -1245,24 +916,6 @@
             <pc:sldMasterMk cId="1734105047" sldId="2147483828"/>
             <pc:sldLayoutMk cId="3352803144" sldId="2147483839"/>
           </pc:sldLayoutMkLst>
-          <pc:spChg chg="mod">
-            <ac:chgData name="Bo Tang" userId="332dbdf67b1791cd" providerId="LiveId" clId="{76DAB5B4-E7E7-4642-AA4E-8A875959D387}" dt="2025-02-05T11:09:45.212" v="99"/>
-            <ac:spMkLst>
-              <pc:docMk/>
-              <pc:sldMasterMk cId="1734105047" sldId="2147483828"/>
-              <pc:sldLayoutMk cId="3352803144" sldId="2147483839"/>
-              <ac:spMk id="2" creationId="{00000000-0000-0000-0000-000000000000}"/>
-            </ac:spMkLst>
-          </pc:spChg>
-          <pc:spChg chg="mod">
-            <ac:chgData name="Bo Tang" userId="332dbdf67b1791cd" providerId="LiveId" clId="{76DAB5B4-E7E7-4642-AA4E-8A875959D387}" dt="2025-02-05T11:09:45.212" v="99"/>
-            <ac:spMkLst>
-              <pc:docMk/>
-              <pc:sldMasterMk cId="1734105047" sldId="2147483828"/>
-              <pc:sldLayoutMk cId="3352803144" sldId="2147483839"/>
-              <ac:spMk id="3" creationId="{00000000-0000-0000-0000-000000000000}"/>
-            </ac:spMkLst>
-          </pc:spChg>
         </pc:sldLayoutChg>
       </pc:sldMasterChg>
       <pc:sldMasterChg chg="modSp modSldLayout">
@@ -1271,46 +924,6 @@
           <pc:docMk/>
           <pc:sldMasterMk cId="859609577" sldId="2147483840"/>
         </pc:sldMasterMkLst>
-        <pc:spChg chg="mod">
-          <ac:chgData name="Bo Tang" userId="332dbdf67b1791cd" providerId="LiveId" clId="{76DAB5B4-E7E7-4642-AA4E-8A875959D387}" dt="2025-02-05T11:09:26.817" v="89"/>
-          <ac:spMkLst>
-            <pc:docMk/>
-            <pc:sldMasterMk cId="859609577" sldId="2147483840"/>
-            <ac:spMk id="2" creationId="{00000000-0000-0000-0000-000000000000}"/>
-          </ac:spMkLst>
-        </pc:spChg>
-        <pc:spChg chg="mod">
-          <ac:chgData name="Bo Tang" userId="332dbdf67b1791cd" providerId="LiveId" clId="{76DAB5B4-E7E7-4642-AA4E-8A875959D387}" dt="2025-02-05T11:09:26.817" v="89"/>
-          <ac:spMkLst>
-            <pc:docMk/>
-            <pc:sldMasterMk cId="859609577" sldId="2147483840"/>
-            <ac:spMk id="3" creationId="{00000000-0000-0000-0000-000000000000}"/>
-          </ac:spMkLst>
-        </pc:spChg>
-        <pc:spChg chg="mod">
-          <ac:chgData name="Bo Tang" userId="332dbdf67b1791cd" providerId="LiveId" clId="{76DAB5B4-E7E7-4642-AA4E-8A875959D387}" dt="2025-02-05T11:09:26.817" v="89"/>
-          <ac:spMkLst>
-            <pc:docMk/>
-            <pc:sldMasterMk cId="859609577" sldId="2147483840"/>
-            <ac:spMk id="4" creationId="{00000000-0000-0000-0000-000000000000}"/>
-          </ac:spMkLst>
-        </pc:spChg>
-        <pc:spChg chg="mod">
-          <ac:chgData name="Bo Tang" userId="332dbdf67b1791cd" providerId="LiveId" clId="{76DAB5B4-E7E7-4642-AA4E-8A875959D387}" dt="2025-02-05T11:09:26.817" v="89"/>
-          <ac:spMkLst>
-            <pc:docMk/>
-            <pc:sldMasterMk cId="859609577" sldId="2147483840"/>
-            <ac:spMk id="5" creationId="{00000000-0000-0000-0000-000000000000}"/>
-          </ac:spMkLst>
-        </pc:spChg>
-        <pc:spChg chg="mod">
-          <ac:chgData name="Bo Tang" userId="332dbdf67b1791cd" providerId="LiveId" clId="{76DAB5B4-E7E7-4642-AA4E-8A875959D387}" dt="2025-02-05T11:09:26.817" v="89"/>
-          <ac:spMkLst>
-            <pc:docMk/>
-            <pc:sldMasterMk cId="859609577" sldId="2147483840"/>
-            <ac:spMk id="6" creationId="{00000000-0000-0000-0000-000000000000}"/>
-          </ac:spMkLst>
-        </pc:spChg>
         <pc:sldLayoutChg chg="modSp">
           <pc:chgData name="Bo Tang" userId="332dbdf67b1791cd" providerId="LiveId" clId="{76DAB5B4-E7E7-4642-AA4E-8A875959D387}" dt="2025-02-05T11:09:26.817" v="89"/>
           <pc:sldLayoutMkLst>
@@ -1318,24 +931,6 @@
             <pc:sldMasterMk cId="859609577" sldId="2147483840"/>
             <pc:sldLayoutMk cId="1147333418" sldId="2147483841"/>
           </pc:sldLayoutMkLst>
-          <pc:spChg chg="mod">
-            <ac:chgData name="Bo Tang" userId="332dbdf67b1791cd" providerId="LiveId" clId="{76DAB5B4-E7E7-4642-AA4E-8A875959D387}" dt="2025-02-05T11:09:26.817" v="89"/>
-            <ac:spMkLst>
-              <pc:docMk/>
-              <pc:sldMasterMk cId="859609577" sldId="2147483840"/>
-              <pc:sldLayoutMk cId="1147333418" sldId="2147483841"/>
-              <ac:spMk id="2" creationId="{00000000-0000-0000-0000-000000000000}"/>
-            </ac:spMkLst>
-          </pc:spChg>
-          <pc:spChg chg="mod">
-            <ac:chgData name="Bo Tang" userId="332dbdf67b1791cd" providerId="LiveId" clId="{76DAB5B4-E7E7-4642-AA4E-8A875959D387}" dt="2025-02-05T11:09:26.817" v="89"/>
-            <ac:spMkLst>
-              <pc:docMk/>
-              <pc:sldMasterMk cId="859609577" sldId="2147483840"/>
-              <pc:sldLayoutMk cId="1147333418" sldId="2147483841"/>
-              <ac:spMk id="3" creationId="{00000000-0000-0000-0000-000000000000}"/>
-            </ac:spMkLst>
-          </pc:spChg>
         </pc:sldLayoutChg>
         <pc:sldLayoutChg chg="modSp">
           <pc:chgData name="Bo Tang" userId="332dbdf67b1791cd" providerId="LiveId" clId="{76DAB5B4-E7E7-4642-AA4E-8A875959D387}" dt="2025-02-05T11:09:26.817" v="89"/>
@@ -1344,24 +939,6 @@
             <pc:sldMasterMk cId="859609577" sldId="2147483840"/>
             <pc:sldLayoutMk cId="1644048483" sldId="2147483843"/>
           </pc:sldLayoutMkLst>
-          <pc:spChg chg="mod">
-            <ac:chgData name="Bo Tang" userId="332dbdf67b1791cd" providerId="LiveId" clId="{76DAB5B4-E7E7-4642-AA4E-8A875959D387}" dt="2025-02-05T11:09:26.817" v="89"/>
-            <ac:spMkLst>
-              <pc:docMk/>
-              <pc:sldMasterMk cId="859609577" sldId="2147483840"/>
-              <pc:sldLayoutMk cId="1644048483" sldId="2147483843"/>
-              <ac:spMk id="2" creationId="{00000000-0000-0000-0000-000000000000}"/>
-            </ac:spMkLst>
-          </pc:spChg>
-          <pc:spChg chg="mod">
-            <ac:chgData name="Bo Tang" userId="332dbdf67b1791cd" providerId="LiveId" clId="{76DAB5B4-E7E7-4642-AA4E-8A875959D387}" dt="2025-02-05T11:09:26.817" v="89"/>
-            <ac:spMkLst>
-              <pc:docMk/>
-              <pc:sldMasterMk cId="859609577" sldId="2147483840"/>
-              <pc:sldLayoutMk cId="1644048483" sldId="2147483843"/>
-              <ac:spMk id="3" creationId="{00000000-0000-0000-0000-000000000000}"/>
-            </ac:spMkLst>
-          </pc:spChg>
         </pc:sldLayoutChg>
         <pc:sldLayoutChg chg="modSp">
           <pc:chgData name="Bo Tang" userId="332dbdf67b1791cd" providerId="LiveId" clId="{76DAB5B4-E7E7-4642-AA4E-8A875959D387}" dt="2025-02-05T11:09:26.817" v="89"/>
@@ -1370,24 +947,6 @@
             <pc:sldMasterMk cId="859609577" sldId="2147483840"/>
             <pc:sldLayoutMk cId="3282581589" sldId="2147483844"/>
           </pc:sldLayoutMkLst>
-          <pc:spChg chg="mod">
-            <ac:chgData name="Bo Tang" userId="332dbdf67b1791cd" providerId="LiveId" clId="{76DAB5B4-E7E7-4642-AA4E-8A875959D387}" dt="2025-02-05T11:09:26.817" v="89"/>
-            <ac:spMkLst>
-              <pc:docMk/>
-              <pc:sldMasterMk cId="859609577" sldId="2147483840"/>
-              <pc:sldLayoutMk cId="3282581589" sldId="2147483844"/>
-              <ac:spMk id="3" creationId="{00000000-0000-0000-0000-000000000000}"/>
-            </ac:spMkLst>
-          </pc:spChg>
-          <pc:spChg chg="mod">
-            <ac:chgData name="Bo Tang" userId="332dbdf67b1791cd" providerId="LiveId" clId="{76DAB5B4-E7E7-4642-AA4E-8A875959D387}" dt="2025-02-05T11:09:26.817" v="89"/>
-            <ac:spMkLst>
-              <pc:docMk/>
-              <pc:sldMasterMk cId="859609577" sldId="2147483840"/>
-              <pc:sldLayoutMk cId="3282581589" sldId="2147483844"/>
-              <ac:spMk id="4" creationId="{00000000-0000-0000-0000-000000000000}"/>
-            </ac:spMkLst>
-          </pc:spChg>
         </pc:sldLayoutChg>
         <pc:sldLayoutChg chg="modSp">
           <pc:chgData name="Bo Tang" userId="332dbdf67b1791cd" providerId="LiveId" clId="{76DAB5B4-E7E7-4642-AA4E-8A875959D387}" dt="2025-02-05T11:09:26.817" v="89"/>
@@ -1396,51 +955,6 @@
             <pc:sldMasterMk cId="859609577" sldId="2147483840"/>
             <pc:sldLayoutMk cId="1950393360" sldId="2147483845"/>
           </pc:sldLayoutMkLst>
-          <pc:spChg chg="mod">
-            <ac:chgData name="Bo Tang" userId="332dbdf67b1791cd" providerId="LiveId" clId="{76DAB5B4-E7E7-4642-AA4E-8A875959D387}" dt="2025-02-05T11:09:26.817" v="89"/>
-            <ac:spMkLst>
-              <pc:docMk/>
-              <pc:sldMasterMk cId="859609577" sldId="2147483840"/>
-              <pc:sldLayoutMk cId="1950393360" sldId="2147483845"/>
-              <ac:spMk id="2" creationId="{00000000-0000-0000-0000-000000000000}"/>
-            </ac:spMkLst>
-          </pc:spChg>
-          <pc:spChg chg="mod">
-            <ac:chgData name="Bo Tang" userId="332dbdf67b1791cd" providerId="LiveId" clId="{76DAB5B4-E7E7-4642-AA4E-8A875959D387}" dt="2025-02-05T11:09:26.817" v="89"/>
-            <ac:spMkLst>
-              <pc:docMk/>
-              <pc:sldMasterMk cId="859609577" sldId="2147483840"/>
-              <pc:sldLayoutMk cId="1950393360" sldId="2147483845"/>
-              <ac:spMk id="3" creationId="{00000000-0000-0000-0000-000000000000}"/>
-            </ac:spMkLst>
-          </pc:spChg>
-          <pc:spChg chg="mod">
-            <ac:chgData name="Bo Tang" userId="332dbdf67b1791cd" providerId="LiveId" clId="{76DAB5B4-E7E7-4642-AA4E-8A875959D387}" dt="2025-02-05T11:09:26.817" v="89"/>
-            <ac:spMkLst>
-              <pc:docMk/>
-              <pc:sldMasterMk cId="859609577" sldId="2147483840"/>
-              <pc:sldLayoutMk cId="1950393360" sldId="2147483845"/>
-              <ac:spMk id="4" creationId="{00000000-0000-0000-0000-000000000000}"/>
-            </ac:spMkLst>
-          </pc:spChg>
-          <pc:spChg chg="mod">
-            <ac:chgData name="Bo Tang" userId="332dbdf67b1791cd" providerId="LiveId" clId="{76DAB5B4-E7E7-4642-AA4E-8A875959D387}" dt="2025-02-05T11:09:26.817" v="89"/>
-            <ac:spMkLst>
-              <pc:docMk/>
-              <pc:sldMasterMk cId="859609577" sldId="2147483840"/>
-              <pc:sldLayoutMk cId="1950393360" sldId="2147483845"/>
-              <ac:spMk id="5" creationId="{00000000-0000-0000-0000-000000000000}"/>
-            </ac:spMkLst>
-          </pc:spChg>
-          <pc:spChg chg="mod">
-            <ac:chgData name="Bo Tang" userId="332dbdf67b1791cd" providerId="LiveId" clId="{76DAB5B4-E7E7-4642-AA4E-8A875959D387}" dt="2025-02-05T11:09:26.817" v="89"/>
-            <ac:spMkLst>
-              <pc:docMk/>
-              <pc:sldMasterMk cId="859609577" sldId="2147483840"/>
-              <pc:sldLayoutMk cId="1950393360" sldId="2147483845"/>
-              <ac:spMk id="6" creationId="{00000000-0000-0000-0000-000000000000}"/>
-            </ac:spMkLst>
-          </pc:spChg>
         </pc:sldLayoutChg>
         <pc:sldLayoutChg chg="modSp">
           <pc:chgData name="Bo Tang" userId="332dbdf67b1791cd" providerId="LiveId" clId="{76DAB5B4-E7E7-4642-AA4E-8A875959D387}" dt="2025-02-05T11:09:26.817" v="89"/>
@@ -1449,33 +963,6 @@
             <pc:sldMasterMk cId="859609577" sldId="2147483840"/>
             <pc:sldLayoutMk cId="1404283714" sldId="2147483848"/>
           </pc:sldLayoutMkLst>
-          <pc:spChg chg="mod">
-            <ac:chgData name="Bo Tang" userId="332dbdf67b1791cd" providerId="LiveId" clId="{76DAB5B4-E7E7-4642-AA4E-8A875959D387}" dt="2025-02-05T11:09:26.817" v="89"/>
-            <ac:spMkLst>
-              <pc:docMk/>
-              <pc:sldMasterMk cId="859609577" sldId="2147483840"/>
-              <pc:sldLayoutMk cId="1404283714" sldId="2147483848"/>
-              <ac:spMk id="2" creationId="{00000000-0000-0000-0000-000000000000}"/>
-            </ac:spMkLst>
-          </pc:spChg>
-          <pc:spChg chg="mod">
-            <ac:chgData name="Bo Tang" userId="332dbdf67b1791cd" providerId="LiveId" clId="{76DAB5B4-E7E7-4642-AA4E-8A875959D387}" dt="2025-02-05T11:09:26.817" v="89"/>
-            <ac:spMkLst>
-              <pc:docMk/>
-              <pc:sldMasterMk cId="859609577" sldId="2147483840"/>
-              <pc:sldLayoutMk cId="1404283714" sldId="2147483848"/>
-              <ac:spMk id="3" creationId="{00000000-0000-0000-0000-000000000000}"/>
-            </ac:spMkLst>
-          </pc:spChg>
-          <pc:spChg chg="mod">
-            <ac:chgData name="Bo Tang" userId="332dbdf67b1791cd" providerId="LiveId" clId="{76DAB5B4-E7E7-4642-AA4E-8A875959D387}" dt="2025-02-05T11:09:26.817" v="89"/>
-            <ac:spMkLst>
-              <pc:docMk/>
-              <pc:sldMasterMk cId="859609577" sldId="2147483840"/>
-              <pc:sldLayoutMk cId="1404283714" sldId="2147483848"/>
-              <ac:spMk id="4" creationId="{00000000-0000-0000-0000-000000000000}"/>
-            </ac:spMkLst>
-          </pc:spChg>
         </pc:sldLayoutChg>
         <pc:sldLayoutChg chg="modSp">
           <pc:chgData name="Bo Tang" userId="332dbdf67b1791cd" providerId="LiveId" clId="{76DAB5B4-E7E7-4642-AA4E-8A875959D387}" dt="2025-02-05T11:09:26.817" v="89"/>
@@ -1484,33 +971,6 @@
             <pc:sldMasterMk cId="859609577" sldId="2147483840"/>
             <pc:sldLayoutMk cId="116044140" sldId="2147483849"/>
           </pc:sldLayoutMkLst>
-          <pc:spChg chg="mod">
-            <ac:chgData name="Bo Tang" userId="332dbdf67b1791cd" providerId="LiveId" clId="{76DAB5B4-E7E7-4642-AA4E-8A875959D387}" dt="2025-02-05T11:09:26.817" v="89"/>
-            <ac:spMkLst>
-              <pc:docMk/>
-              <pc:sldMasterMk cId="859609577" sldId="2147483840"/>
-              <pc:sldLayoutMk cId="116044140" sldId="2147483849"/>
-              <ac:spMk id="2" creationId="{00000000-0000-0000-0000-000000000000}"/>
-            </ac:spMkLst>
-          </pc:spChg>
-          <pc:spChg chg="mod">
-            <ac:chgData name="Bo Tang" userId="332dbdf67b1791cd" providerId="LiveId" clId="{76DAB5B4-E7E7-4642-AA4E-8A875959D387}" dt="2025-02-05T11:09:26.817" v="89"/>
-            <ac:spMkLst>
-              <pc:docMk/>
-              <pc:sldMasterMk cId="859609577" sldId="2147483840"/>
-              <pc:sldLayoutMk cId="116044140" sldId="2147483849"/>
-              <ac:spMk id="3" creationId="{00000000-0000-0000-0000-000000000000}"/>
-            </ac:spMkLst>
-          </pc:spChg>
-          <pc:spChg chg="mod">
-            <ac:chgData name="Bo Tang" userId="332dbdf67b1791cd" providerId="LiveId" clId="{76DAB5B4-E7E7-4642-AA4E-8A875959D387}" dt="2025-02-05T11:09:26.817" v="89"/>
-            <ac:spMkLst>
-              <pc:docMk/>
-              <pc:sldMasterMk cId="859609577" sldId="2147483840"/>
-              <pc:sldLayoutMk cId="116044140" sldId="2147483849"/>
-              <ac:spMk id="4" creationId="{00000000-0000-0000-0000-000000000000}"/>
-            </ac:spMkLst>
-          </pc:spChg>
         </pc:sldLayoutChg>
         <pc:sldLayoutChg chg="modSp">
           <pc:chgData name="Bo Tang" userId="332dbdf67b1791cd" providerId="LiveId" clId="{76DAB5B4-E7E7-4642-AA4E-8A875959D387}" dt="2025-02-05T11:09:26.817" v="89"/>
@@ -1519,24 +979,6 @@
             <pc:sldMasterMk cId="859609577" sldId="2147483840"/>
             <pc:sldLayoutMk cId="1283711913" sldId="2147483851"/>
           </pc:sldLayoutMkLst>
-          <pc:spChg chg="mod">
-            <ac:chgData name="Bo Tang" userId="332dbdf67b1791cd" providerId="LiveId" clId="{76DAB5B4-E7E7-4642-AA4E-8A875959D387}" dt="2025-02-05T11:09:26.817" v="89"/>
-            <ac:spMkLst>
-              <pc:docMk/>
-              <pc:sldMasterMk cId="859609577" sldId="2147483840"/>
-              <pc:sldLayoutMk cId="1283711913" sldId="2147483851"/>
-              <ac:spMk id="2" creationId="{00000000-0000-0000-0000-000000000000}"/>
-            </ac:spMkLst>
-          </pc:spChg>
-          <pc:spChg chg="mod">
-            <ac:chgData name="Bo Tang" userId="332dbdf67b1791cd" providerId="LiveId" clId="{76DAB5B4-E7E7-4642-AA4E-8A875959D387}" dt="2025-02-05T11:09:26.817" v="89"/>
-            <ac:spMkLst>
-              <pc:docMk/>
-              <pc:sldMasterMk cId="859609577" sldId="2147483840"/>
-              <pc:sldLayoutMk cId="1283711913" sldId="2147483851"/>
-              <ac:spMk id="3" creationId="{00000000-0000-0000-0000-000000000000}"/>
-            </ac:spMkLst>
-          </pc:spChg>
         </pc:sldLayoutChg>
       </pc:sldMasterChg>
       <pc:sldMasterChg chg="modSp modSldLayout">
@@ -1545,46 +987,6 @@
           <pc:docMk/>
           <pc:sldMasterMk cId="2962041675" sldId="2147483852"/>
         </pc:sldMasterMkLst>
-        <pc:spChg chg="mod">
-          <ac:chgData name="Bo Tang" userId="332dbdf67b1791cd" providerId="LiveId" clId="{76DAB5B4-E7E7-4642-AA4E-8A875959D387}" dt="2025-02-05T11:09:26.009" v="88"/>
-          <ac:spMkLst>
-            <pc:docMk/>
-            <pc:sldMasterMk cId="2962041675" sldId="2147483852"/>
-            <ac:spMk id="2" creationId="{00000000-0000-0000-0000-000000000000}"/>
-          </ac:spMkLst>
-        </pc:spChg>
-        <pc:spChg chg="mod">
-          <ac:chgData name="Bo Tang" userId="332dbdf67b1791cd" providerId="LiveId" clId="{76DAB5B4-E7E7-4642-AA4E-8A875959D387}" dt="2025-02-05T11:09:26.009" v="88"/>
-          <ac:spMkLst>
-            <pc:docMk/>
-            <pc:sldMasterMk cId="2962041675" sldId="2147483852"/>
-            <ac:spMk id="3" creationId="{00000000-0000-0000-0000-000000000000}"/>
-          </ac:spMkLst>
-        </pc:spChg>
-        <pc:spChg chg="mod">
-          <ac:chgData name="Bo Tang" userId="332dbdf67b1791cd" providerId="LiveId" clId="{76DAB5B4-E7E7-4642-AA4E-8A875959D387}" dt="2025-02-05T11:09:26.009" v="88"/>
-          <ac:spMkLst>
-            <pc:docMk/>
-            <pc:sldMasterMk cId="2962041675" sldId="2147483852"/>
-            <ac:spMk id="4" creationId="{00000000-0000-0000-0000-000000000000}"/>
-          </ac:spMkLst>
-        </pc:spChg>
-        <pc:spChg chg="mod">
-          <ac:chgData name="Bo Tang" userId="332dbdf67b1791cd" providerId="LiveId" clId="{76DAB5B4-E7E7-4642-AA4E-8A875959D387}" dt="2025-02-05T11:09:26.009" v="88"/>
-          <ac:spMkLst>
-            <pc:docMk/>
-            <pc:sldMasterMk cId="2962041675" sldId="2147483852"/>
-            <ac:spMk id="5" creationId="{00000000-0000-0000-0000-000000000000}"/>
-          </ac:spMkLst>
-        </pc:spChg>
-        <pc:spChg chg="mod">
-          <ac:chgData name="Bo Tang" userId="332dbdf67b1791cd" providerId="LiveId" clId="{76DAB5B4-E7E7-4642-AA4E-8A875959D387}" dt="2025-02-05T11:09:26.009" v="88"/>
-          <ac:spMkLst>
-            <pc:docMk/>
-            <pc:sldMasterMk cId="2962041675" sldId="2147483852"/>
-            <ac:spMk id="6" creationId="{00000000-0000-0000-0000-000000000000}"/>
-          </ac:spMkLst>
-        </pc:spChg>
         <pc:sldLayoutChg chg="modSp">
           <pc:chgData name="Bo Tang" userId="332dbdf67b1791cd" providerId="LiveId" clId="{76DAB5B4-E7E7-4642-AA4E-8A875959D387}" dt="2025-02-05T11:09:26.009" v="88"/>
           <pc:sldLayoutMkLst>
@@ -1592,24 +994,6 @@
             <pc:sldMasterMk cId="2962041675" sldId="2147483852"/>
             <pc:sldLayoutMk cId="970321806" sldId="2147483853"/>
           </pc:sldLayoutMkLst>
-          <pc:spChg chg="mod">
-            <ac:chgData name="Bo Tang" userId="332dbdf67b1791cd" providerId="LiveId" clId="{76DAB5B4-E7E7-4642-AA4E-8A875959D387}" dt="2025-02-05T11:09:26.009" v="88"/>
-            <ac:spMkLst>
-              <pc:docMk/>
-              <pc:sldMasterMk cId="2962041675" sldId="2147483852"/>
-              <pc:sldLayoutMk cId="970321806" sldId="2147483853"/>
-              <ac:spMk id="2" creationId="{00000000-0000-0000-0000-000000000000}"/>
-            </ac:spMkLst>
-          </pc:spChg>
-          <pc:spChg chg="mod">
-            <ac:chgData name="Bo Tang" userId="332dbdf67b1791cd" providerId="LiveId" clId="{76DAB5B4-E7E7-4642-AA4E-8A875959D387}" dt="2025-02-05T11:09:26.009" v="88"/>
-            <ac:spMkLst>
-              <pc:docMk/>
-              <pc:sldMasterMk cId="2962041675" sldId="2147483852"/>
-              <pc:sldLayoutMk cId="970321806" sldId="2147483853"/>
-              <ac:spMk id="3" creationId="{00000000-0000-0000-0000-000000000000}"/>
-            </ac:spMkLst>
-          </pc:spChg>
         </pc:sldLayoutChg>
         <pc:sldLayoutChg chg="modSp">
           <pc:chgData name="Bo Tang" userId="332dbdf67b1791cd" providerId="LiveId" clId="{76DAB5B4-E7E7-4642-AA4E-8A875959D387}" dt="2025-02-05T11:09:26.009" v="88"/>
@@ -1618,24 +1002,6 @@
             <pc:sldMasterMk cId="2962041675" sldId="2147483852"/>
             <pc:sldLayoutMk cId="195061547" sldId="2147483855"/>
           </pc:sldLayoutMkLst>
-          <pc:spChg chg="mod">
-            <ac:chgData name="Bo Tang" userId="332dbdf67b1791cd" providerId="LiveId" clId="{76DAB5B4-E7E7-4642-AA4E-8A875959D387}" dt="2025-02-05T11:09:26.009" v="88"/>
-            <ac:spMkLst>
-              <pc:docMk/>
-              <pc:sldMasterMk cId="2962041675" sldId="2147483852"/>
-              <pc:sldLayoutMk cId="195061547" sldId="2147483855"/>
-              <ac:spMk id="2" creationId="{00000000-0000-0000-0000-000000000000}"/>
-            </ac:spMkLst>
-          </pc:spChg>
-          <pc:spChg chg="mod">
-            <ac:chgData name="Bo Tang" userId="332dbdf67b1791cd" providerId="LiveId" clId="{76DAB5B4-E7E7-4642-AA4E-8A875959D387}" dt="2025-02-05T11:09:26.009" v="88"/>
-            <ac:spMkLst>
-              <pc:docMk/>
-              <pc:sldMasterMk cId="2962041675" sldId="2147483852"/>
-              <pc:sldLayoutMk cId="195061547" sldId="2147483855"/>
-              <ac:spMk id="3" creationId="{00000000-0000-0000-0000-000000000000}"/>
-            </ac:spMkLst>
-          </pc:spChg>
         </pc:sldLayoutChg>
         <pc:sldLayoutChg chg="modSp">
           <pc:chgData name="Bo Tang" userId="332dbdf67b1791cd" providerId="LiveId" clId="{76DAB5B4-E7E7-4642-AA4E-8A875959D387}" dt="2025-02-05T11:09:26.009" v="88"/>
@@ -1644,24 +1010,6 @@
             <pc:sldMasterMk cId="2962041675" sldId="2147483852"/>
             <pc:sldLayoutMk cId="3449504596" sldId="2147483856"/>
           </pc:sldLayoutMkLst>
-          <pc:spChg chg="mod">
-            <ac:chgData name="Bo Tang" userId="332dbdf67b1791cd" providerId="LiveId" clId="{76DAB5B4-E7E7-4642-AA4E-8A875959D387}" dt="2025-02-05T11:09:26.009" v="88"/>
-            <ac:spMkLst>
-              <pc:docMk/>
-              <pc:sldMasterMk cId="2962041675" sldId="2147483852"/>
-              <pc:sldLayoutMk cId="3449504596" sldId="2147483856"/>
-              <ac:spMk id="3" creationId="{00000000-0000-0000-0000-000000000000}"/>
-            </ac:spMkLst>
-          </pc:spChg>
-          <pc:spChg chg="mod">
-            <ac:chgData name="Bo Tang" userId="332dbdf67b1791cd" providerId="LiveId" clId="{76DAB5B4-E7E7-4642-AA4E-8A875959D387}" dt="2025-02-05T11:09:26.009" v="88"/>
-            <ac:spMkLst>
-              <pc:docMk/>
-              <pc:sldMasterMk cId="2962041675" sldId="2147483852"/>
-              <pc:sldLayoutMk cId="3449504596" sldId="2147483856"/>
-              <ac:spMk id="4" creationId="{00000000-0000-0000-0000-000000000000}"/>
-            </ac:spMkLst>
-          </pc:spChg>
         </pc:sldLayoutChg>
         <pc:sldLayoutChg chg="modSp">
           <pc:chgData name="Bo Tang" userId="332dbdf67b1791cd" providerId="LiveId" clId="{76DAB5B4-E7E7-4642-AA4E-8A875959D387}" dt="2025-02-05T11:09:26.009" v="88"/>
@@ -1670,51 +1018,6 @@
             <pc:sldMasterMk cId="2962041675" sldId="2147483852"/>
             <pc:sldLayoutMk cId="411981311" sldId="2147483857"/>
           </pc:sldLayoutMkLst>
-          <pc:spChg chg="mod">
-            <ac:chgData name="Bo Tang" userId="332dbdf67b1791cd" providerId="LiveId" clId="{76DAB5B4-E7E7-4642-AA4E-8A875959D387}" dt="2025-02-05T11:09:26.009" v="88"/>
-            <ac:spMkLst>
-              <pc:docMk/>
-              <pc:sldMasterMk cId="2962041675" sldId="2147483852"/>
-              <pc:sldLayoutMk cId="411981311" sldId="2147483857"/>
-              <ac:spMk id="2" creationId="{00000000-0000-0000-0000-000000000000}"/>
-            </ac:spMkLst>
-          </pc:spChg>
-          <pc:spChg chg="mod">
-            <ac:chgData name="Bo Tang" userId="332dbdf67b1791cd" providerId="LiveId" clId="{76DAB5B4-E7E7-4642-AA4E-8A875959D387}" dt="2025-02-05T11:09:26.009" v="88"/>
-            <ac:spMkLst>
-              <pc:docMk/>
-              <pc:sldMasterMk cId="2962041675" sldId="2147483852"/>
-              <pc:sldLayoutMk cId="411981311" sldId="2147483857"/>
-              <ac:spMk id="3" creationId="{00000000-0000-0000-0000-000000000000}"/>
-            </ac:spMkLst>
-          </pc:spChg>
-          <pc:spChg chg="mod">
-            <ac:chgData name="Bo Tang" userId="332dbdf67b1791cd" providerId="LiveId" clId="{76DAB5B4-E7E7-4642-AA4E-8A875959D387}" dt="2025-02-05T11:09:26.009" v="88"/>
-            <ac:spMkLst>
-              <pc:docMk/>
-              <pc:sldMasterMk cId="2962041675" sldId="2147483852"/>
-              <pc:sldLayoutMk cId="411981311" sldId="2147483857"/>
-              <ac:spMk id="4" creationId="{00000000-0000-0000-0000-000000000000}"/>
-            </ac:spMkLst>
-          </pc:spChg>
-          <pc:spChg chg="mod">
-            <ac:chgData name="Bo Tang" userId="332dbdf67b1791cd" providerId="LiveId" clId="{76DAB5B4-E7E7-4642-AA4E-8A875959D387}" dt="2025-02-05T11:09:26.009" v="88"/>
-            <ac:spMkLst>
-              <pc:docMk/>
-              <pc:sldMasterMk cId="2962041675" sldId="2147483852"/>
-              <pc:sldLayoutMk cId="411981311" sldId="2147483857"/>
-              <ac:spMk id="5" creationId="{00000000-0000-0000-0000-000000000000}"/>
-            </ac:spMkLst>
-          </pc:spChg>
-          <pc:spChg chg="mod">
-            <ac:chgData name="Bo Tang" userId="332dbdf67b1791cd" providerId="LiveId" clId="{76DAB5B4-E7E7-4642-AA4E-8A875959D387}" dt="2025-02-05T11:09:26.009" v="88"/>
-            <ac:spMkLst>
-              <pc:docMk/>
-              <pc:sldMasterMk cId="2962041675" sldId="2147483852"/>
-              <pc:sldLayoutMk cId="411981311" sldId="2147483857"/>
-              <ac:spMk id="6" creationId="{00000000-0000-0000-0000-000000000000}"/>
-            </ac:spMkLst>
-          </pc:spChg>
         </pc:sldLayoutChg>
         <pc:sldLayoutChg chg="modSp">
           <pc:chgData name="Bo Tang" userId="332dbdf67b1791cd" providerId="LiveId" clId="{76DAB5B4-E7E7-4642-AA4E-8A875959D387}" dt="2025-02-05T11:09:26.009" v="88"/>
@@ -1723,33 +1026,6 @@
             <pc:sldMasterMk cId="2962041675" sldId="2147483852"/>
             <pc:sldLayoutMk cId="335073095" sldId="2147483860"/>
           </pc:sldLayoutMkLst>
-          <pc:spChg chg="mod">
-            <ac:chgData name="Bo Tang" userId="332dbdf67b1791cd" providerId="LiveId" clId="{76DAB5B4-E7E7-4642-AA4E-8A875959D387}" dt="2025-02-05T11:09:26.009" v="88"/>
-            <ac:spMkLst>
-              <pc:docMk/>
-              <pc:sldMasterMk cId="2962041675" sldId="2147483852"/>
-              <pc:sldLayoutMk cId="335073095" sldId="2147483860"/>
-              <ac:spMk id="2" creationId="{00000000-0000-0000-0000-000000000000}"/>
-            </ac:spMkLst>
-          </pc:spChg>
-          <pc:spChg chg="mod">
-            <ac:chgData name="Bo Tang" userId="332dbdf67b1791cd" providerId="LiveId" clId="{76DAB5B4-E7E7-4642-AA4E-8A875959D387}" dt="2025-02-05T11:09:26.009" v="88"/>
-            <ac:spMkLst>
-              <pc:docMk/>
-              <pc:sldMasterMk cId="2962041675" sldId="2147483852"/>
-              <pc:sldLayoutMk cId="335073095" sldId="2147483860"/>
-              <ac:spMk id="3" creationId="{00000000-0000-0000-0000-000000000000}"/>
-            </ac:spMkLst>
-          </pc:spChg>
-          <pc:spChg chg="mod">
-            <ac:chgData name="Bo Tang" userId="332dbdf67b1791cd" providerId="LiveId" clId="{76DAB5B4-E7E7-4642-AA4E-8A875959D387}" dt="2025-02-05T11:09:26.009" v="88"/>
-            <ac:spMkLst>
-              <pc:docMk/>
-              <pc:sldMasterMk cId="2962041675" sldId="2147483852"/>
-              <pc:sldLayoutMk cId="335073095" sldId="2147483860"/>
-              <ac:spMk id="4" creationId="{00000000-0000-0000-0000-000000000000}"/>
-            </ac:spMkLst>
-          </pc:spChg>
         </pc:sldLayoutChg>
         <pc:sldLayoutChg chg="modSp">
           <pc:chgData name="Bo Tang" userId="332dbdf67b1791cd" providerId="LiveId" clId="{76DAB5B4-E7E7-4642-AA4E-8A875959D387}" dt="2025-02-05T11:09:26.009" v="88"/>
@@ -1758,33 +1034,6 @@
             <pc:sldMasterMk cId="2962041675" sldId="2147483852"/>
             <pc:sldLayoutMk cId="1315254101" sldId="2147483861"/>
           </pc:sldLayoutMkLst>
-          <pc:spChg chg="mod">
-            <ac:chgData name="Bo Tang" userId="332dbdf67b1791cd" providerId="LiveId" clId="{76DAB5B4-E7E7-4642-AA4E-8A875959D387}" dt="2025-02-05T11:09:26.009" v="88"/>
-            <ac:spMkLst>
-              <pc:docMk/>
-              <pc:sldMasterMk cId="2962041675" sldId="2147483852"/>
-              <pc:sldLayoutMk cId="1315254101" sldId="2147483861"/>
-              <ac:spMk id="2" creationId="{00000000-0000-0000-0000-000000000000}"/>
-            </ac:spMkLst>
-          </pc:spChg>
-          <pc:spChg chg="mod">
-            <ac:chgData name="Bo Tang" userId="332dbdf67b1791cd" providerId="LiveId" clId="{76DAB5B4-E7E7-4642-AA4E-8A875959D387}" dt="2025-02-05T11:09:26.009" v="88"/>
-            <ac:spMkLst>
-              <pc:docMk/>
-              <pc:sldMasterMk cId="2962041675" sldId="2147483852"/>
-              <pc:sldLayoutMk cId="1315254101" sldId="2147483861"/>
-              <ac:spMk id="3" creationId="{00000000-0000-0000-0000-000000000000}"/>
-            </ac:spMkLst>
-          </pc:spChg>
-          <pc:spChg chg="mod">
-            <ac:chgData name="Bo Tang" userId="332dbdf67b1791cd" providerId="LiveId" clId="{76DAB5B4-E7E7-4642-AA4E-8A875959D387}" dt="2025-02-05T11:09:26.009" v="88"/>
-            <ac:spMkLst>
-              <pc:docMk/>
-              <pc:sldMasterMk cId="2962041675" sldId="2147483852"/>
-              <pc:sldLayoutMk cId="1315254101" sldId="2147483861"/>
-              <ac:spMk id="4" creationId="{00000000-0000-0000-0000-000000000000}"/>
-            </ac:spMkLst>
-          </pc:spChg>
         </pc:sldLayoutChg>
         <pc:sldLayoutChg chg="modSp">
           <pc:chgData name="Bo Tang" userId="332dbdf67b1791cd" providerId="LiveId" clId="{76DAB5B4-E7E7-4642-AA4E-8A875959D387}" dt="2025-02-05T11:09:26.009" v="88"/>
@@ -1793,24 +1042,6 @@
             <pc:sldMasterMk cId="2962041675" sldId="2147483852"/>
             <pc:sldLayoutMk cId="684495193" sldId="2147483863"/>
           </pc:sldLayoutMkLst>
-          <pc:spChg chg="mod">
-            <ac:chgData name="Bo Tang" userId="332dbdf67b1791cd" providerId="LiveId" clId="{76DAB5B4-E7E7-4642-AA4E-8A875959D387}" dt="2025-02-05T11:09:26.009" v="88"/>
-            <ac:spMkLst>
-              <pc:docMk/>
-              <pc:sldMasterMk cId="2962041675" sldId="2147483852"/>
-              <pc:sldLayoutMk cId="684495193" sldId="2147483863"/>
-              <ac:spMk id="2" creationId="{00000000-0000-0000-0000-000000000000}"/>
-            </ac:spMkLst>
-          </pc:spChg>
-          <pc:spChg chg="mod">
-            <ac:chgData name="Bo Tang" userId="332dbdf67b1791cd" providerId="LiveId" clId="{76DAB5B4-E7E7-4642-AA4E-8A875959D387}" dt="2025-02-05T11:09:26.009" v="88"/>
-            <ac:spMkLst>
-              <pc:docMk/>
-              <pc:sldMasterMk cId="2962041675" sldId="2147483852"/>
-              <pc:sldLayoutMk cId="684495193" sldId="2147483863"/>
-              <ac:spMk id="3" creationId="{00000000-0000-0000-0000-000000000000}"/>
-            </ac:spMkLst>
-          </pc:spChg>
         </pc:sldLayoutChg>
       </pc:sldMasterChg>
       <pc:sldMasterChg chg="modSp modSldLayout">
@@ -1819,46 +1050,6 @@
           <pc:docMk/>
           <pc:sldMasterMk cId="110550836" sldId="2147483864"/>
         </pc:sldMasterMkLst>
-        <pc:spChg chg="mod">
-          <ac:chgData name="Bo Tang" userId="332dbdf67b1791cd" providerId="LiveId" clId="{76DAB5B4-E7E7-4642-AA4E-8A875959D387}" dt="2025-02-05T11:13:02.239" v="130"/>
-          <ac:spMkLst>
-            <pc:docMk/>
-            <pc:sldMasterMk cId="110550836" sldId="2147483864"/>
-            <ac:spMk id="2" creationId="{00000000-0000-0000-0000-000000000000}"/>
-          </ac:spMkLst>
-        </pc:spChg>
-        <pc:spChg chg="mod">
-          <ac:chgData name="Bo Tang" userId="332dbdf67b1791cd" providerId="LiveId" clId="{76DAB5B4-E7E7-4642-AA4E-8A875959D387}" dt="2025-02-05T11:13:02.239" v="130"/>
-          <ac:spMkLst>
-            <pc:docMk/>
-            <pc:sldMasterMk cId="110550836" sldId="2147483864"/>
-            <ac:spMk id="3" creationId="{00000000-0000-0000-0000-000000000000}"/>
-          </ac:spMkLst>
-        </pc:spChg>
-        <pc:spChg chg="mod">
-          <ac:chgData name="Bo Tang" userId="332dbdf67b1791cd" providerId="LiveId" clId="{76DAB5B4-E7E7-4642-AA4E-8A875959D387}" dt="2025-02-05T11:13:02.239" v="130"/>
-          <ac:spMkLst>
-            <pc:docMk/>
-            <pc:sldMasterMk cId="110550836" sldId="2147483864"/>
-            <ac:spMk id="4" creationId="{00000000-0000-0000-0000-000000000000}"/>
-          </ac:spMkLst>
-        </pc:spChg>
-        <pc:spChg chg="mod">
-          <ac:chgData name="Bo Tang" userId="332dbdf67b1791cd" providerId="LiveId" clId="{76DAB5B4-E7E7-4642-AA4E-8A875959D387}" dt="2025-02-05T11:13:02.239" v="130"/>
-          <ac:spMkLst>
-            <pc:docMk/>
-            <pc:sldMasterMk cId="110550836" sldId="2147483864"/>
-            <ac:spMk id="5" creationId="{00000000-0000-0000-0000-000000000000}"/>
-          </ac:spMkLst>
-        </pc:spChg>
-        <pc:spChg chg="mod">
-          <ac:chgData name="Bo Tang" userId="332dbdf67b1791cd" providerId="LiveId" clId="{76DAB5B4-E7E7-4642-AA4E-8A875959D387}" dt="2025-02-05T11:13:02.239" v="130"/>
-          <ac:spMkLst>
-            <pc:docMk/>
-            <pc:sldMasterMk cId="110550836" sldId="2147483864"/>
-            <ac:spMk id="6" creationId="{00000000-0000-0000-0000-000000000000}"/>
-          </ac:spMkLst>
-        </pc:spChg>
         <pc:sldLayoutChg chg="modSp">
           <pc:chgData name="Bo Tang" userId="332dbdf67b1791cd" providerId="LiveId" clId="{76DAB5B4-E7E7-4642-AA4E-8A875959D387}" dt="2025-02-05T11:13:02.239" v="130"/>
           <pc:sldLayoutMkLst>
@@ -1866,24 +1057,6 @@
             <pc:sldMasterMk cId="110550836" sldId="2147483864"/>
             <pc:sldLayoutMk cId="27837568" sldId="2147483865"/>
           </pc:sldLayoutMkLst>
-          <pc:spChg chg="mod">
-            <ac:chgData name="Bo Tang" userId="332dbdf67b1791cd" providerId="LiveId" clId="{76DAB5B4-E7E7-4642-AA4E-8A875959D387}" dt="2025-02-05T11:13:02.239" v="130"/>
-            <ac:spMkLst>
-              <pc:docMk/>
-              <pc:sldMasterMk cId="110550836" sldId="2147483864"/>
-              <pc:sldLayoutMk cId="27837568" sldId="2147483865"/>
-              <ac:spMk id="2" creationId="{00000000-0000-0000-0000-000000000000}"/>
-            </ac:spMkLst>
-          </pc:spChg>
-          <pc:spChg chg="mod">
-            <ac:chgData name="Bo Tang" userId="332dbdf67b1791cd" providerId="LiveId" clId="{76DAB5B4-E7E7-4642-AA4E-8A875959D387}" dt="2025-02-05T11:13:02.239" v="130"/>
-            <ac:spMkLst>
-              <pc:docMk/>
-              <pc:sldMasterMk cId="110550836" sldId="2147483864"/>
-              <pc:sldLayoutMk cId="27837568" sldId="2147483865"/>
-              <ac:spMk id="3" creationId="{00000000-0000-0000-0000-000000000000}"/>
-            </ac:spMkLst>
-          </pc:spChg>
         </pc:sldLayoutChg>
         <pc:sldLayoutChg chg="modSp">
           <pc:chgData name="Bo Tang" userId="332dbdf67b1791cd" providerId="LiveId" clId="{76DAB5B4-E7E7-4642-AA4E-8A875959D387}" dt="2025-02-05T11:13:02.239" v="130"/>
@@ -1892,24 +1065,6 @@
             <pc:sldMasterMk cId="110550836" sldId="2147483864"/>
             <pc:sldLayoutMk cId="2238695929" sldId="2147483867"/>
           </pc:sldLayoutMkLst>
-          <pc:spChg chg="mod">
-            <ac:chgData name="Bo Tang" userId="332dbdf67b1791cd" providerId="LiveId" clId="{76DAB5B4-E7E7-4642-AA4E-8A875959D387}" dt="2025-02-05T11:13:02.239" v="130"/>
-            <ac:spMkLst>
-              <pc:docMk/>
-              <pc:sldMasterMk cId="110550836" sldId="2147483864"/>
-              <pc:sldLayoutMk cId="2238695929" sldId="2147483867"/>
-              <ac:spMk id="2" creationId="{00000000-0000-0000-0000-000000000000}"/>
-            </ac:spMkLst>
-          </pc:spChg>
-          <pc:spChg chg="mod">
-            <ac:chgData name="Bo Tang" userId="332dbdf67b1791cd" providerId="LiveId" clId="{76DAB5B4-E7E7-4642-AA4E-8A875959D387}" dt="2025-02-05T11:13:02.239" v="130"/>
-            <ac:spMkLst>
-              <pc:docMk/>
-              <pc:sldMasterMk cId="110550836" sldId="2147483864"/>
-              <pc:sldLayoutMk cId="2238695929" sldId="2147483867"/>
-              <ac:spMk id="3" creationId="{00000000-0000-0000-0000-000000000000}"/>
-            </ac:spMkLst>
-          </pc:spChg>
         </pc:sldLayoutChg>
         <pc:sldLayoutChg chg="modSp">
           <pc:chgData name="Bo Tang" userId="332dbdf67b1791cd" providerId="LiveId" clId="{76DAB5B4-E7E7-4642-AA4E-8A875959D387}" dt="2025-02-05T11:13:02.239" v="130"/>
@@ -1918,24 +1073,6 @@
             <pc:sldMasterMk cId="110550836" sldId="2147483864"/>
             <pc:sldLayoutMk cId="2998184475" sldId="2147483868"/>
           </pc:sldLayoutMkLst>
-          <pc:spChg chg="mod">
-            <ac:chgData name="Bo Tang" userId="332dbdf67b1791cd" providerId="LiveId" clId="{76DAB5B4-E7E7-4642-AA4E-8A875959D387}" dt="2025-02-05T11:13:02.239" v="130"/>
-            <ac:spMkLst>
-              <pc:docMk/>
-              <pc:sldMasterMk cId="110550836" sldId="2147483864"/>
-              <pc:sldLayoutMk cId="2998184475" sldId="2147483868"/>
-              <ac:spMk id="3" creationId="{00000000-0000-0000-0000-000000000000}"/>
-            </ac:spMkLst>
-          </pc:spChg>
-          <pc:spChg chg="mod">
-            <ac:chgData name="Bo Tang" userId="332dbdf67b1791cd" providerId="LiveId" clId="{76DAB5B4-E7E7-4642-AA4E-8A875959D387}" dt="2025-02-05T11:13:02.239" v="130"/>
-            <ac:spMkLst>
-              <pc:docMk/>
-              <pc:sldMasterMk cId="110550836" sldId="2147483864"/>
-              <pc:sldLayoutMk cId="2998184475" sldId="2147483868"/>
-              <ac:spMk id="4" creationId="{00000000-0000-0000-0000-000000000000}"/>
-            </ac:spMkLst>
-          </pc:spChg>
         </pc:sldLayoutChg>
         <pc:sldLayoutChg chg="modSp">
           <pc:chgData name="Bo Tang" userId="332dbdf67b1791cd" providerId="LiveId" clId="{76DAB5B4-E7E7-4642-AA4E-8A875959D387}" dt="2025-02-05T11:13:02.239" v="130"/>
@@ -1944,51 +1081,6 @@
             <pc:sldMasterMk cId="110550836" sldId="2147483864"/>
             <pc:sldLayoutMk cId="1234438260" sldId="2147483869"/>
           </pc:sldLayoutMkLst>
-          <pc:spChg chg="mod">
-            <ac:chgData name="Bo Tang" userId="332dbdf67b1791cd" providerId="LiveId" clId="{76DAB5B4-E7E7-4642-AA4E-8A875959D387}" dt="2025-02-05T11:13:02.239" v="130"/>
-            <ac:spMkLst>
-              <pc:docMk/>
-              <pc:sldMasterMk cId="110550836" sldId="2147483864"/>
-              <pc:sldLayoutMk cId="1234438260" sldId="2147483869"/>
-              <ac:spMk id="2" creationId="{00000000-0000-0000-0000-000000000000}"/>
-            </ac:spMkLst>
-          </pc:spChg>
-          <pc:spChg chg="mod">
-            <ac:chgData name="Bo Tang" userId="332dbdf67b1791cd" providerId="LiveId" clId="{76DAB5B4-E7E7-4642-AA4E-8A875959D387}" dt="2025-02-05T11:13:02.239" v="130"/>
-            <ac:spMkLst>
-              <pc:docMk/>
-              <pc:sldMasterMk cId="110550836" sldId="2147483864"/>
-              <pc:sldLayoutMk cId="1234438260" sldId="2147483869"/>
-              <ac:spMk id="3" creationId="{00000000-0000-0000-0000-000000000000}"/>
-            </ac:spMkLst>
-          </pc:spChg>
-          <pc:spChg chg="mod">
-            <ac:chgData name="Bo Tang" userId="332dbdf67b1791cd" providerId="LiveId" clId="{76DAB5B4-E7E7-4642-AA4E-8A875959D387}" dt="2025-02-05T11:13:02.239" v="130"/>
-            <ac:spMkLst>
-              <pc:docMk/>
-              <pc:sldMasterMk cId="110550836" sldId="2147483864"/>
-              <pc:sldLayoutMk cId="1234438260" sldId="2147483869"/>
-              <ac:spMk id="4" creationId="{00000000-0000-0000-0000-000000000000}"/>
-            </ac:spMkLst>
-          </pc:spChg>
-          <pc:spChg chg="mod">
-            <ac:chgData name="Bo Tang" userId="332dbdf67b1791cd" providerId="LiveId" clId="{76DAB5B4-E7E7-4642-AA4E-8A875959D387}" dt="2025-02-05T11:13:02.239" v="130"/>
-            <ac:spMkLst>
-              <pc:docMk/>
-              <pc:sldMasterMk cId="110550836" sldId="2147483864"/>
-              <pc:sldLayoutMk cId="1234438260" sldId="2147483869"/>
-              <ac:spMk id="5" creationId="{00000000-0000-0000-0000-000000000000}"/>
-            </ac:spMkLst>
-          </pc:spChg>
-          <pc:spChg chg="mod">
-            <ac:chgData name="Bo Tang" userId="332dbdf67b1791cd" providerId="LiveId" clId="{76DAB5B4-E7E7-4642-AA4E-8A875959D387}" dt="2025-02-05T11:13:02.239" v="130"/>
-            <ac:spMkLst>
-              <pc:docMk/>
-              <pc:sldMasterMk cId="110550836" sldId="2147483864"/>
-              <pc:sldLayoutMk cId="1234438260" sldId="2147483869"/>
-              <ac:spMk id="6" creationId="{00000000-0000-0000-0000-000000000000}"/>
-            </ac:spMkLst>
-          </pc:spChg>
         </pc:sldLayoutChg>
         <pc:sldLayoutChg chg="modSp">
           <pc:chgData name="Bo Tang" userId="332dbdf67b1791cd" providerId="LiveId" clId="{76DAB5B4-E7E7-4642-AA4E-8A875959D387}" dt="2025-02-05T11:13:02.239" v="130"/>
@@ -1997,33 +1089,6 @@
             <pc:sldMasterMk cId="110550836" sldId="2147483864"/>
             <pc:sldLayoutMk cId="793694385" sldId="2147483872"/>
           </pc:sldLayoutMkLst>
-          <pc:spChg chg="mod">
-            <ac:chgData name="Bo Tang" userId="332dbdf67b1791cd" providerId="LiveId" clId="{76DAB5B4-E7E7-4642-AA4E-8A875959D387}" dt="2025-02-05T11:13:02.239" v="130"/>
-            <ac:spMkLst>
-              <pc:docMk/>
-              <pc:sldMasterMk cId="110550836" sldId="2147483864"/>
-              <pc:sldLayoutMk cId="793694385" sldId="2147483872"/>
-              <ac:spMk id="2" creationId="{00000000-0000-0000-0000-000000000000}"/>
-            </ac:spMkLst>
-          </pc:spChg>
-          <pc:spChg chg="mod">
-            <ac:chgData name="Bo Tang" userId="332dbdf67b1791cd" providerId="LiveId" clId="{76DAB5B4-E7E7-4642-AA4E-8A875959D387}" dt="2025-02-05T11:13:02.239" v="130"/>
-            <ac:spMkLst>
-              <pc:docMk/>
-              <pc:sldMasterMk cId="110550836" sldId="2147483864"/>
-              <pc:sldLayoutMk cId="793694385" sldId="2147483872"/>
-              <ac:spMk id="3" creationId="{00000000-0000-0000-0000-000000000000}"/>
-            </ac:spMkLst>
-          </pc:spChg>
-          <pc:spChg chg="mod">
-            <ac:chgData name="Bo Tang" userId="332dbdf67b1791cd" providerId="LiveId" clId="{76DAB5B4-E7E7-4642-AA4E-8A875959D387}" dt="2025-02-05T11:13:02.239" v="130"/>
-            <ac:spMkLst>
-              <pc:docMk/>
-              <pc:sldMasterMk cId="110550836" sldId="2147483864"/>
-              <pc:sldLayoutMk cId="793694385" sldId="2147483872"/>
-              <ac:spMk id="4" creationId="{00000000-0000-0000-0000-000000000000}"/>
-            </ac:spMkLst>
-          </pc:spChg>
         </pc:sldLayoutChg>
         <pc:sldLayoutChg chg="modSp">
           <pc:chgData name="Bo Tang" userId="332dbdf67b1791cd" providerId="LiveId" clId="{76DAB5B4-E7E7-4642-AA4E-8A875959D387}" dt="2025-02-05T11:13:02.239" v="130"/>
@@ -2032,33 +1097,6 @@
             <pc:sldMasterMk cId="110550836" sldId="2147483864"/>
             <pc:sldLayoutMk cId="3676641751" sldId="2147483873"/>
           </pc:sldLayoutMkLst>
-          <pc:spChg chg="mod">
-            <ac:chgData name="Bo Tang" userId="332dbdf67b1791cd" providerId="LiveId" clId="{76DAB5B4-E7E7-4642-AA4E-8A875959D387}" dt="2025-02-05T11:13:02.239" v="130"/>
-            <ac:spMkLst>
-              <pc:docMk/>
-              <pc:sldMasterMk cId="110550836" sldId="2147483864"/>
-              <pc:sldLayoutMk cId="3676641751" sldId="2147483873"/>
-              <ac:spMk id="2" creationId="{00000000-0000-0000-0000-000000000000}"/>
-            </ac:spMkLst>
-          </pc:spChg>
-          <pc:spChg chg="mod">
-            <ac:chgData name="Bo Tang" userId="332dbdf67b1791cd" providerId="LiveId" clId="{76DAB5B4-E7E7-4642-AA4E-8A875959D387}" dt="2025-02-05T11:13:02.239" v="130"/>
-            <ac:spMkLst>
-              <pc:docMk/>
-              <pc:sldMasterMk cId="110550836" sldId="2147483864"/>
-              <pc:sldLayoutMk cId="3676641751" sldId="2147483873"/>
-              <ac:spMk id="3" creationId="{00000000-0000-0000-0000-000000000000}"/>
-            </ac:spMkLst>
-          </pc:spChg>
-          <pc:spChg chg="mod">
-            <ac:chgData name="Bo Tang" userId="332dbdf67b1791cd" providerId="LiveId" clId="{76DAB5B4-E7E7-4642-AA4E-8A875959D387}" dt="2025-02-05T11:13:02.239" v="130"/>
-            <ac:spMkLst>
-              <pc:docMk/>
-              <pc:sldMasterMk cId="110550836" sldId="2147483864"/>
-              <pc:sldLayoutMk cId="3676641751" sldId="2147483873"/>
-              <ac:spMk id="4" creationId="{00000000-0000-0000-0000-000000000000}"/>
-            </ac:spMkLst>
-          </pc:spChg>
         </pc:sldLayoutChg>
         <pc:sldLayoutChg chg="modSp">
           <pc:chgData name="Bo Tang" userId="332dbdf67b1791cd" providerId="LiveId" clId="{76DAB5B4-E7E7-4642-AA4E-8A875959D387}" dt="2025-02-05T11:13:02.239" v="130"/>
@@ -2067,24 +1105,6 @@
             <pc:sldMasterMk cId="110550836" sldId="2147483864"/>
             <pc:sldLayoutMk cId="1935060135" sldId="2147483875"/>
           </pc:sldLayoutMkLst>
-          <pc:spChg chg="mod">
-            <ac:chgData name="Bo Tang" userId="332dbdf67b1791cd" providerId="LiveId" clId="{76DAB5B4-E7E7-4642-AA4E-8A875959D387}" dt="2025-02-05T11:13:02.239" v="130"/>
-            <ac:spMkLst>
-              <pc:docMk/>
-              <pc:sldMasterMk cId="110550836" sldId="2147483864"/>
-              <pc:sldLayoutMk cId="1935060135" sldId="2147483875"/>
-              <ac:spMk id="2" creationId="{00000000-0000-0000-0000-000000000000}"/>
-            </ac:spMkLst>
-          </pc:spChg>
-          <pc:spChg chg="mod">
-            <ac:chgData name="Bo Tang" userId="332dbdf67b1791cd" providerId="LiveId" clId="{76DAB5B4-E7E7-4642-AA4E-8A875959D387}" dt="2025-02-05T11:13:02.239" v="130"/>
-            <ac:spMkLst>
-              <pc:docMk/>
-              <pc:sldMasterMk cId="110550836" sldId="2147483864"/>
-              <pc:sldLayoutMk cId="1935060135" sldId="2147483875"/>
-              <ac:spMk id="3" creationId="{00000000-0000-0000-0000-000000000000}"/>
-            </ac:spMkLst>
-          </pc:spChg>
         </pc:sldLayoutChg>
       </pc:sldMasterChg>
       <pc:sldMasterChg chg="modSp modSldLayout">
@@ -2093,46 +1113,6 @@
           <pc:docMk/>
           <pc:sldMasterMk cId="4170479137" sldId="2147483876"/>
         </pc:sldMasterMkLst>
-        <pc:spChg chg="mod">
-          <ac:chgData name="Bo Tang" userId="332dbdf67b1791cd" providerId="LiveId" clId="{76DAB5B4-E7E7-4642-AA4E-8A875959D387}" dt="2025-02-05T11:19:50.737" v="216"/>
-          <ac:spMkLst>
-            <pc:docMk/>
-            <pc:sldMasterMk cId="4170479137" sldId="2147483876"/>
-            <ac:spMk id="2" creationId="{00000000-0000-0000-0000-000000000000}"/>
-          </ac:spMkLst>
-        </pc:spChg>
-        <pc:spChg chg="mod">
-          <ac:chgData name="Bo Tang" userId="332dbdf67b1791cd" providerId="LiveId" clId="{76DAB5B4-E7E7-4642-AA4E-8A875959D387}" dt="2025-02-05T11:19:50.737" v="216"/>
-          <ac:spMkLst>
-            <pc:docMk/>
-            <pc:sldMasterMk cId="4170479137" sldId="2147483876"/>
-            <ac:spMk id="3" creationId="{00000000-0000-0000-0000-000000000000}"/>
-          </ac:spMkLst>
-        </pc:spChg>
-        <pc:spChg chg="mod">
-          <ac:chgData name="Bo Tang" userId="332dbdf67b1791cd" providerId="LiveId" clId="{76DAB5B4-E7E7-4642-AA4E-8A875959D387}" dt="2025-02-05T11:19:50.737" v="216"/>
-          <ac:spMkLst>
-            <pc:docMk/>
-            <pc:sldMasterMk cId="4170479137" sldId="2147483876"/>
-            <ac:spMk id="4" creationId="{00000000-0000-0000-0000-000000000000}"/>
-          </ac:spMkLst>
-        </pc:spChg>
-        <pc:spChg chg="mod">
-          <ac:chgData name="Bo Tang" userId="332dbdf67b1791cd" providerId="LiveId" clId="{76DAB5B4-E7E7-4642-AA4E-8A875959D387}" dt="2025-02-05T11:19:50.737" v="216"/>
-          <ac:spMkLst>
-            <pc:docMk/>
-            <pc:sldMasterMk cId="4170479137" sldId="2147483876"/>
-            <ac:spMk id="5" creationId="{00000000-0000-0000-0000-000000000000}"/>
-          </ac:spMkLst>
-        </pc:spChg>
-        <pc:spChg chg="mod">
-          <ac:chgData name="Bo Tang" userId="332dbdf67b1791cd" providerId="LiveId" clId="{76DAB5B4-E7E7-4642-AA4E-8A875959D387}" dt="2025-02-05T11:19:50.737" v="216"/>
-          <ac:spMkLst>
-            <pc:docMk/>
-            <pc:sldMasterMk cId="4170479137" sldId="2147483876"/>
-            <ac:spMk id="6" creationId="{00000000-0000-0000-0000-000000000000}"/>
-          </ac:spMkLst>
-        </pc:spChg>
         <pc:sldLayoutChg chg="modSp">
           <pc:chgData name="Bo Tang" userId="332dbdf67b1791cd" providerId="LiveId" clId="{76DAB5B4-E7E7-4642-AA4E-8A875959D387}" dt="2025-02-05T11:19:50.737" v="216"/>
           <pc:sldLayoutMkLst>
@@ -2140,24 +1120,6 @@
             <pc:sldMasterMk cId="4170479137" sldId="2147483876"/>
             <pc:sldLayoutMk cId="260895728" sldId="2147483877"/>
           </pc:sldLayoutMkLst>
-          <pc:spChg chg="mod">
-            <ac:chgData name="Bo Tang" userId="332dbdf67b1791cd" providerId="LiveId" clId="{76DAB5B4-E7E7-4642-AA4E-8A875959D387}" dt="2025-02-05T11:19:50.737" v="216"/>
-            <ac:spMkLst>
-              <pc:docMk/>
-              <pc:sldMasterMk cId="4170479137" sldId="2147483876"/>
-              <pc:sldLayoutMk cId="260895728" sldId="2147483877"/>
-              <ac:spMk id="2" creationId="{00000000-0000-0000-0000-000000000000}"/>
-            </ac:spMkLst>
-          </pc:spChg>
-          <pc:spChg chg="mod">
-            <ac:chgData name="Bo Tang" userId="332dbdf67b1791cd" providerId="LiveId" clId="{76DAB5B4-E7E7-4642-AA4E-8A875959D387}" dt="2025-02-05T11:19:50.737" v="216"/>
-            <ac:spMkLst>
-              <pc:docMk/>
-              <pc:sldMasterMk cId="4170479137" sldId="2147483876"/>
-              <pc:sldLayoutMk cId="260895728" sldId="2147483877"/>
-              <ac:spMk id="3" creationId="{00000000-0000-0000-0000-000000000000}"/>
-            </ac:spMkLst>
-          </pc:spChg>
         </pc:sldLayoutChg>
         <pc:sldLayoutChg chg="modSp">
           <pc:chgData name="Bo Tang" userId="332dbdf67b1791cd" providerId="LiveId" clId="{76DAB5B4-E7E7-4642-AA4E-8A875959D387}" dt="2025-02-05T11:19:50.737" v="216"/>
@@ -2166,24 +1128,6 @@
             <pc:sldMasterMk cId="4170479137" sldId="2147483876"/>
             <pc:sldLayoutMk cId="3091221471" sldId="2147483879"/>
           </pc:sldLayoutMkLst>
-          <pc:spChg chg="mod">
-            <ac:chgData name="Bo Tang" userId="332dbdf67b1791cd" providerId="LiveId" clId="{76DAB5B4-E7E7-4642-AA4E-8A875959D387}" dt="2025-02-05T11:19:50.737" v="216"/>
-            <ac:spMkLst>
-              <pc:docMk/>
-              <pc:sldMasterMk cId="4170479137" sldId="2147483876"/>
-              <pc:sldLayoutMk cId="3091221471" sldId="2147483879"/>
-              <ac:spMk id="2" creationId="{00000000-0000-0000-0000-000000000000}"/>
-            </ac:spMkLst>
-          </pc:spChg>
-          <pc:spChg chg="mod">
-            <ac:chgData name="Bo Tang" userId="332dbdf67b1791cd" providerId="LiveId" clId="{76DAB5B4-E7E7-4642-AA4E-8A875959D387}" dt="2025-02-05T11:19:50.737" v="216"/>
-            <ac:spMkLst>
-              <pc:docMk/>
-              <pc:sldMasterMk cId="4170479137" sldId="2147483876"/>
-              <pc:sldLayoutMk cId="3091221471" sldId="2147483879"/>
-              <ac:spMk id="3" creationId="{00000000-0000-0000-0000-000000000000}"/>
-            </ac:spMkLst>
-          </pc:spChg>
         </pc:sldLayoutChg>
         <pc:sldLayoutChg chg="modSp">
           <pc:chgData name="Bo Tang" userId="332dbdf67b1791cd" providerId="LiveId" clId="{76DAB5B4-E7E7-4642-AA4E-8A875959D387}" dt="2025-02-05T11:19:50.737" v="216"/>
@@ -2192,24 +1136,6 @@
             <pc:sldMasterMk cId="4170479137" sldId="2147483876"/>
             <pc:sldLayoutMk cId="1007735549" sldId="2147483880"/>
           </pc:sldLayoutMkLst>
-          <pc:spChg chg="mod">
-            <ac:chgData name="Bo Tang" userId="332dbdf67b1791cd" providerId="LiveId" clId="{76DAB5B4-E7E7-4642-AA4E-8A875959D387}" dt="2025-02-05T11:19:50.737" v="216"/>
-            <ac:spMkLst>
-              <pc:docMk/>
-              <pc:sldMasterMk cId="4170479137" sldId="2147483876"/>
-              <pc:sldLayoutMk cId="1007735549" sldId="2147483880"/>
-              <ac:spMk id="3" creationId="{00000000-0000-0000-0000-000000000000}"/>
-            </ac:spMkLst>
-          </pc:spChg>
-          <pc:spChg chg="mod">
-            <ac:chgData name="Bo Tang" userId="332dbdf67b1791cd" providerId="LiveId" clId="{76DAB5B4-E7E7-4642-AA4E-8A875959D387}" dt="2025-02-05T11:19:50.737" v="216"/>
-            <ac:spMkLst>
-              <pc:docMk/>
-              <pc:sldMasterMk cId="4170479137" sldId="2147483876"/>
-              <pc:sldLayoutMk cId="1007735549" sldId="2147483880"/>
-              <ac:spMk id="4" creationId="{00000000-0000-0000-0000-000000000000}"/>
-            </ac:spMkLst>
-          </pc:spChg>
         </pc:sldLayoutChg>
         <pc:sldLayoutChg chg="modSp">
           <pc:chgData name="Bo Tang" userId="332dbdf67b1791cd" providerId="LiveId" clId="{76DAB5B4-E7E7-4642-AA4E-8A875959D387}" dt="2025-02-05T11:19:50.737" v="216"/>
@@ -2218,51 +1144,6 @@
             <pc:sldMasterMk cId="4170479137" sldId="2147483876"/>
             <pc:sldLayoutMk cId="1325207049" sldId="2147483881"/>
           </pc:sldLayoutMkLst>
-          <pc:spChg chg="mod">
-            <ac:chgData name="Bo Tang" userId="332dbdf67b1791cd" providerId="LiveId" clId="{76DAB5B4-E7E7-4642-AA4E-8A875959D387}" dt="2025-02-05T11:19:50.737" v="216"/>
-            <ac:spMkLst>
-              <pc:docMk/>
-              <pc:sldMasterMk cId="4170479137" sldId="2147483876"/>
-              <pc:sldLayoutMk cId="1325207049" sldId="2147483881"/>
-              <ac:spMk id="2" creationId="{00000000-0000-0000-0000-000000000000}"/>
-            </ac:spMkLst>
-          </pc:spChg>
-          <pc:spChg chg="mod">
-            <ac:chgData name="Bo Tang" userId="332dbdf67b1791cd" providerId="LiveId" clId="{76DAB5B4-E7E7-4642-AA4E-8A875959D387}" dt="2025-02-05T11:19:50.737" v="216"/>
-            <ac:spMkLst>
-              <pc:docMk/>
-              <pc:sldMasterMk cId="4170479137" sldId="2147483876"/>
-              <pc:sldLayoutMk cId="1325207049" sldId="2147483881"/>
-              <ac:spMk id="3" creationId="{00000000-0000-0000-0000-000000000000}"/>
-            </ac:spMkLst>
-          </pc:spChg>
-          <pc:spChg chg="mod">
-            <ac:chgData name="Bo Tang" userId="332dbdf67b1791cd" providerId="LiveId" clId="{76DAB5B4-E7E7-4642-AA4E-8A875959D387}" dt="2025-02-05T11:19:50.737" v="216"/>
-            <ac:spMkLst>
-              <pc:docMk/>
-              <pc:sldMasterMk cId="4170479137" sldId="2147483876"/>
-              <pc:sldLayoutMk cId="1325207049" sldId="2147483881"/>
-              <ac:spMk id="4" creationId="{00000000-0000-0000-0000-000000000000}"/>
-            </ac:spMkLst>
-          </pc:spChg>
-          <pc:spChg chg="mod">
-            <ac:chgData name="Bo Tang" userId="332dbdf67b1791cd" providerId="LiveId" clId="{76DAB5B4-E7E7-4642-AA4E-8A875959D387}" dt="2025-02-05T11:19:50.737" v="216"/>
-            <ac:spMkLst>
-              <pc:docMk/>
-              <pc:sldMasterMk cId="4170479137" sldId="2147483876"/>
-              <pc:sldLayoutMk cId="1325207049" sldId="2147483881"/>
-              <ac:spMk id="5" creationId="{00000000-0000-0000-0000-000000000000}"/>
-            </ac:spMkLst>
-          </pc:spChg>
-          <pc:spChg chg="mod">
-            <ac:chgData name="Bo Tang" userId="332dbdf67b1791cd" providerId="LiveId" clId="{76DAB5B4-E7E7-4642-AA4E-8A875959D387}" dt="2025-02-05T11:19:50.737" v="216"/>
-            <ac:spMkLst>
-              <pc:docMk/>
-              <pc:sldMasterMk cId="4170479137" sldId="2147483876"/>
-              <pc:sldLayoutMk cId="1325207049" sldId="2147483881"/>
-              <ac:spMk id="6" creationId="{00000000-0000-0000-0000-000000000000}"/>
-            </ac:spMkLst>
-          </pc:spChg>
         </pc:sldLayoutChg>
         <pc:sldLayoutChg chg="modSp">
           <pc:chgData name="Bo Tang" userId="332dbdf67b1791cd" providerId="LiveId" clId="{76DAB5B4-E7E7-4642-AA4E-8A875959D387}" dt="2025-02-05T11:19:50.737" v="216"/>
@@ -2271,33 +1152,6 @@
             <pc:sldMasterMk cId="4170479137" sldId="2147483876"/>
             <pc:sldLayoutMk cId="3188998769" sldId="2147483884"/>
           </pc:sldLayoutMkLst>
-          <pc:spChg chg="mod">
-            <ac:chgData name="Bo Tang" userId="332dbdf67b1791cd" providerId="LiveId" clId="{76DAB5B4-E7E7-4642-AA4E-8A875959D387}" dt="2025-02-05T11:19:50.737" v="216"/>
-            <ac:spMkLst>
-              <pc:docMk/>
-              <pc:sldMasterMk cId="4170479137" sldId="2147483876"/>
-              <pc:sldLayoutMk cId="3188998769" sldId="2147483884"/>
-              <ac:spMk id="2" creationId="{00000000-0000-0000-0000-000000000000}"/>
-            </ac:spMkLst>
-          </pc:spChg>
-          <pc:spChg chg="mod">
-            <ac:chgData name="Bo Tang" userId="332dbdf67b1791cd" providerId="LiveId" clId="{76DAB5B4-E7E7-4642-AA4E-8A875959D387}" dt="2025-02-05T11:19:50.737" v="216"/>
-            <ac:spMkLst>
-              <pc:docMk/>
-              <pc:sldMasterMk cId="4170479137" sldId="2147483876"/>
-              <pc:sldLayoutMk cId="3188998769" sldId="2147483884"/>
-              <ac:spMk id="3" creationId="{00000000-0000-0000-0000-000000000000}"/>
-            </ac:spMkLst>
-          </pc:spChg>
-          <pc:spChg chg="mod">
-            <ac:chgData name="Bo Tang" userId="332dbdf67b1791cd" providerId="LiveId" clId="{76DAB5B4-E7E7-4642-AA4E-8A875959D387}" dt="2025-02-05T11:19:50.737" v="216"/>
-            <ac:spMkLst>
-              <pc:docMk/>
-              <pc:sldMasterMk cId="4170479137" sldId="2147483876"/>
-              <pc:sldLayoutMk cId="3188998769" sldId="2147483884"/>
-              <ac:spMk id="4" creationId="{00000000-0000-0000-0000-000000000000}"/>
-            </ac:spMkLst>
-          </pc:spChg>
         </pc:sldLayoutChg>
         <pc:sldLayoutChg chg="modSp">
           <pc:chgData name="Bo Tang" userId="332dbdf67b1791cd" providerId="LiveId" clId="{76DAB5B4-E7E7-4642-AA4E-8A875959D387}" dt="2025-02-05T11:19:50.737" v="216"/>
@@ -2306,33 +1160,6 @@
             <pc:sldMasterMk cId="4170479137" sldId="2147483876"/>
             <pc:sldLayoutMk cId="4144562594" sldId="2147483885"/>
           </pc:sldLayoutMkLst>
-          <pc:spChg chg="mod">
-            <ac:chgData name="Bo Tang" userId="332dbdf67b1791cd" providerId="LiveId" clId="{76DAB5B4-E7E7-4642-AA4E-8A875959D387}" dt="2025-02-05T11:19:50.737" v="216"/>
-            <ac:spMkLst>
-              <pc:docMk/>
-              <pc:sldMasterMk cId="4170479137" sldId="2147483876"/>
-              <pc:sldLayoutMk cId="4144562594" sldId="2147483885"/>
-              <ac:spMk id="2" creationId="{00000000-0000-0000-0000-000000000000}"/>
-            </ac:spMkLst>
-          </pc:spChg>
-          <pc:spChg chg="mod">
-            <ac:chgData name="Bo Tang" userId="332dbdf67b1791cd" providerId="LiveId" clId="{76DAB5B4-E7E7-4642-AA4E-8A875959D387}" dt="2025-02-05T11:19:50.737" v="216"/>
-            <ac:spMkLst>
-              <pc:docMk/>
-              <pc:sldMasterMk cId="4170479137" sldId="2147483876"/>
-              <pc:sldLayoutMk cId="4144562594" sldId="2147483885"/>
-              <ac:spMk id="3" creationId="{00000000-0000-0000-0000-000000000000}"/>
-            </ac:spMkLst>
-          </pc:spChg>
-          <pc:spChg chg="mod">
-            <ac:chgData name="Bo Tang" userId="332dbdf67b1791cd" providerId="LiveId" clId="{76DAB5B4-E7E7-4642-AA4E-8A875959D387}" dt="2025-02-05T11:19:50.737" v="216"/>
-            <ac:spMkLst>
-              <pc:docMk/>
-              <pc:sldMasterMk cId="4170479137" sldId="2147483876"/>
-              <pc:sldLayoutMk cId="4144562594" sldId="2147483885"/>
-              <ac:spMk id="4" creationId="{00000000-0000-0000-0000-000000000000}"/>
-            </ac:spMkLst>
-          </pc:spChg>
         </pc:sldLayoutChg>
         <pc:sldLayoutChg chg="modSp">
           <pc:chgData name="Bo Tang" userId="332dbdf67b1791cd" providerId="LiveId" clId="{76DAB5B4-E7E7-4642-AA4E-8A875959D387}" dt="2025-02-05T11:19:50.737" v="216"/>
@@ -2341,24 +1168,6 @@
             <pc:sldMasterMk cId="4170479137" sldId="2147483876"/>
             <pc:sldLayoutMk cId="3194544643" sldId="2147483887"/>
           </pc:sldLayoutMkLst>
-          <pc:spChg chg="mod">
-            <ac:chgData name="Bo Tang" userId="332dbdf67b1791cd" providerId="LiveId" clId="{76DAB5B4-E7E7-4642-AA4E-8A875959D387}" dt="2025-02-05T11:19:50.737" v="216"/>
-            <ac:spMkLst>
-              <pc:docMk/>
-              <pc:sldMasterMk cId="4170479137" sldId="2147483876"/>
-              <pc:sldLayoutMk cId="3194544643" sldId="2147483887"/>
-              <ac:spMk id="2" creationId="{00000000-0000-0000-0000-000000000000}"/>
-            </ac:spMkLst>
-          </pc:spChg>
-          <pc:spChg chg="mod">
-            <ac:chgData name="Bo Tang" userId="332dbdf67b1791cd" providerId="LiveId" clId="{76DAB5B4-E7E7-4642-AA4E-8A875959D387}" dt="2025-02-05T11:19:50.737" v="216"/>
-            <ac:spMkLst>
-              <pc:docMk/>
-              <pc:sldMasterMk cId="4170479137" sldId="2147483876"/>
-              <pc:sldLayoutMk cId="3194544643" sldId="2147483887"/>
-              <ac:spMk id="3" creationId="{00000000-0000-0000-0000-000000000000}"/>
-            </ac:spMkLst>
-          </pc:spChg>
         </pc:sldLayoutChg>
       </pc:sldMasterChg>
       <pc:sldMasterChg chg="modSp modSldLayout">
@@ -2367,46 +1176,6 @@
           <pc:docMk/>
           <pc:sldMasterMk cId="1004569575" sldId="2147483888"/>
         </pc:sldMasterMkLst>
-        <pc:spChg chg="mod">
-          <ac:chgData name="Bo Tang" userId="332dbdf67b1791cd" providerId="LiveId" clId="{76DAB5B4-E7E7-4642-AA4E-8A875959D387}" dt="2025-02-05T11:19:44.217" v="214"/>
-          <ac:spMkLst>
-            <pc:docMk/>
-            <pc:sldMasterMk cId="1004569575" sldId="2147483888"/>
-            <ac:spMk id="2" creationId="{00000000-0000-0000-0000-000000000000}"/>
-          </ac:spMkLst>
-        </pc:spChg>
-        <pc:spChg chg="mod">
-          <ac:chgData name="Bo Tang" userId="332dbdf67b1791cd" providerId="LiveId" clId="{76DAB5B4-E7E7-4642-AA4E-8A875959D387}" dt="2025-02-05T11:19:44.217" v="214"/>
-          <ac:spMkLst>
-            <pc:docMk/>
-            <pc:sldMasterMk cId="1004569575" sldId="2147483888"/>
-            <ac:spMk id="3" creationId="{00000000-0000-0000-0000-000000000000}"/>
-          </ac:spMkLst>
-        </pc:spChg>
-        <pc:spChg chg="mod">
-          <ac:chgData name="Bo Tang" userId="332dbdf67b1791cd" providerId="LiveId" clId="{76DAB5B4-E7E7-4642-AA4E-8A875959D387}" dt="2025-02-05T11:19:44.217" v="214"/>
-          <ac:spMkLst>
-            <pc:docMk/>
-            <pc:sldMasterMk cId="1004569575" sldId="2147483888"/>
-            <ac:spMk id="4" creationId="{00000000-0000-0000-0000-000000000000}"/>
-          </ac:spMkLst>
-        </pc:spChg>
-        <pc:spChg chg="mod">
-          <ac:chgData name="Bo Tang" userId="332dbdf67b1791cd" providerId="LiveId" clId="{76DAB5B4-E7E7-4642-AA4E-8A875959D387}" dt="2025-02-05T11:19:44.217" v="214"/>
-          <ac:spMkLst>
-            <pc:docMk/>
-            <pc:sldMasterMk cId="1004569575" sldId="2147483888"/>
-            <ac:spMk id="5" creationId="{00000000-0000-0000-0000-000000000000}"/>
-          </ac:spMkLst>
-        </pc:spChg>
-        <pc:spChg chg="mod">
-          <ac:chgData name="Bo Tang" userId="332dbdf67b1791cd" providerId="LiveId" clId="{76DAB5B4-E7E7-4642-AA4E-8A875959D387}" dt="2025-02-05T11:19:44.217" v="214"/>
-          <ac:spMkLst>
-            <pc:docMk/>
-            <pc:sldMasterMk cId="1004569575" sldId="2147483888"/>
-            <ac:spMk id="6" creationId="{00000000-0000-0000-0000-000000000000}"/>
-          </ac:spMkLst>
-        </pc:spChg>
         <pc:sldLayoutChg chg="modSp">
           <pc:chgData name="Bo Tang" userId="332dbdf67b1791cd" providerId="LiveId" clId="{76DAB5B4-E7E7-4642-AA4E-8A875959D387}" dt="2025-02-05T11:19:44.217" v="214"/>
           <pc:sldLayoutMkLst>
@@ -2414,24 +1183,6 @@
             <pc:sldMasterMk cId="1004569575" sldId="2147483888"/>
             <pc:sldLayoutMk cId="2121904631" sldId="2147483889"/>
           </pc:sldLayoutMkLst>
-          <pc:spChg chg="mod">
-            <ac:chgData name="Bo Tang" userId="332dbdf67b1791cd" providerId="LiveId" clId="{76DAB5B4-E7E7-4642-AA4E-8A875959D387}" dt="2025-02-05T11:19:44.217" v="214"/>
-            <ac:spMkLst>
-              <pc:docMk/>
-              <pc:sldMasterMk cId="1004569575" sldId="2147483888"/>
-              <pc:sldLayoutMk cId="2121904631" sldId="2147483889"/>
-              <ac:spMk id="2" creationId="{00000000-0000-0000-0000-000000000000}"/>
-            </ac:spMkLst>
-          </pc:spChg>
-          <pc:spChg chg="mod">
-            <ac:chgData name="Bo Tang" userId="332dbdf67b1791cd" providerId="LiveId" clId="{76DAB5B4-E7E7-4642-AA4E-8A875959D387}" dt="2025-02-05T11:19:44.217" v="214"/>
-            <ac:spMkLst>
-              <pc:docMk/>
-              <pc:sldMasterMk cId="1004569575" sldId="2147483888"/>
-              <pc:sldLayoutMk cId="2121904631" sldId="2147483889"/>
-              <ac:spMk id="3" creationId="{00000000-0000-0000-0000-000000000000}"/>
-            </ac:spMkLst>
-          </pc:spChg>
         </pc:sldLayoutChg>
         <pc:sldLayoutChg chg="modSp">
           <pc:chgData name="Bo Tang" userId="332dbdf67b1791cd" providerId="LiveId" clId="{76DAB5B4-E7E7-4642-AA4E-8A875959D387}" dt="2025-02-05T11:19:44.217" v="214"/>
@@ -2440,24 +1191,6 @@
             <pc:sldMasterMk cId="1004569575" sldId="2147483888"/>
             <pc:sldLayoutMk cId="3027679235" sldId="2147483891"/>
           </pc:sldLayoutMkLst>
-          <pc:spChg chg="mod">
-            <ac:chgData name="Bo Tang" userId="332dbdf67b1791cd" providerId="LiveId" clId="{76DAB5B4-E7E7-4642-AA4E-8A875959D387}" dt="2025-02-05T11:19:44.217" v="214"/>
-            <ac:spMkLst>
-              <pc:docMk/>
-              <pc:sldMasterMk cId="1004569575" sldId="2147483888"/>
-              <pc:sldLayoutMk cId="3027679235" sldId="2147483891"/>
-              <ac:spMk id="2" creationId="{00000000-0000-0000-0000-000000000000}"/>
-            </ac:spMkLst>
-          </pc:spChg>
-          <pc:spChg chg="mod">
-            <ac:chgData name="Bo Tang" userId="332dbdf67b1791cd" providerId="LiveId" clId="{76DAB5B4-E7E7-4642-AA4E-8A875959D387}" dt="2025-02-05T11:19:44.217" v="214"/>
-            <ac:spMkLst>
-              <pc:docMk/>
-              <pc:sldMasterMk cId="1004569575" sldId="2147483888"/>
-              <pc:sldLayoutMk cId="3027679235" sldId="2147483891"/>
-              <ac:spMk id="3" creationId="{00000000-0000-0000-0000-000000000000}"/>
-            </ac:spMkLst>
-          </pc:spChg>
         </pc:sldLayoutChg>
         <pc:sldLayoutChg chg="modSp">
           <pc:chgData name="Bo Tang" userId="332dbdf67b1791cd" providerId="LiveId" clId="{76DAB5B4-E7E7-4642-AA4E-8A875959D387}" dt="2025-02-05T11:19:44.217" v="214"/>
@@ -2466,24 +1199,6 @@
             <pc:sldMasterMk cId="1004569575" sldId="2147483888"/>
             <pc:sldLayoutMk cId="1217917535" sldId="2147483892"/>
           </pc:sldLayoutMkLst>
-          <pc:spChg chg="mod">
-            <ac:chgData name="Bo Tang" userId="332dbdf67b1791cd" providerId="LiveId" clId="{76DAB5B4-E7E7-4642-AA4E-8A875959D387}" dt="2025-02-05T11:19:44.217" v="214"/>
-            <ac:spMkLst>
-              <pc:docMk/>
-              <pc:sldMasterMk cId="1004569575" sldId="2147483888"/>
-              <pc:sldLayoutMk cId="1217917535" sldId="2147483892"/>
-              <ac:spMk id="3" creationId="{00000000-0000-0000-0000-000000000000}"/>
-            </ac:spMkLst>
-          </pc:spChg>
-          <pc:spChg chg="mod">
-            <ac:chgData name="Bo Tang" userId="332dbdf67b1791cd" providerId="LiveId" clId="{76DAB5B4-E7E7-4642-AA4E-8A875959D387}" dt="2025-02-05T11:19:44.217" v="214"/>
-            <ac:spMkLst>
-              <pc:docMk/>
-              <pc:sldMasterMk cId="1004569575" sldId="2147483888"/>
-              <pc:sldLayoutMk cId="1217917535" sldId="2147483892"/>
-              <ac:spMk id="4" creationId="{00000000-0000-0000-0000-000000000000}"/>
-            </ac:spMkLst>
-          </pc:spChg>
         </pc:sldLayoutChg>
         <pc:sldLayoutChg chg="modSp">
           <pc:chgData name="Bo Tang" userId="332dbdf67b1791cd" providerId="LiveId" clId="{76DAB5B4-E7E7-4642-AA4E-8A875959D387}" dt="2025-02-05T11:19:44.217" v="214"/>
@@ -2492,51 +1207,6 @@
             <pc:sldMasterMk cId="1004569575" sldId="2147483888"/>
             <pc:sldLayoutMk cId="1371238529" sldId="2147483893"/>
           </pc:sldLayoutMkLst>
-          <pc:spChg chg="mod">
-            <ac:chgData name="Bo Tang" userId="332dbdf67b1791cd" providerId="LiveId" clId="{76DAB5B4-E7E7-4642-AA4E-8A875959D387}" dt="2025-02-05T11:19:44.217" v="214"/>
-            <ac:spMkLst>
-              <pc:docMk/>
-              <pc:sldMasterMk cId="1004569575" sldId="2147483888"/>
-              <pc:sldLayoutMk cId="1371238529" sldId="2147483893"/>
-              <ac:spMk id="2" creationId="{00000000-0000-0000-0000-000000000000}"/>
-            </ac:spMkLst>
-          </pc:spChg>
-          <pc:spChg chg="mod">
-            <ac:chgData name="Bo Tang" userId="332dbdf67b1791cd" providerId="LiveId" clId="{76DAB5B4-E7E7-4642-AA4E-8A875959D387}" dt="2025-02-05T11:19:44.217" v="214"/>
-            <ac:spMkLst>
-              <pc:docMk/>
-              <pc:sldMasterMk cId="1004569575" sldId="2147483888"/>
-              <pc:sldLayoutMk cId="1371238529" sldId="2147483893"/>
-              <ac:spMk id="3" creationId="{00000000-0000-0000-0000-000000000000}"/>
-            </ac:spMkLst>
-          </pc:spChg>
-          <pc:spChg chg="mod">
-            <ac:chgData name="Bo Tang" userId="332dbdf67b1791cd" providerId="LiveId" clId="{76DAB5B4-E7E7-4642-AA4E-8A875959D387}" dt="2025-02-05T11:19:44.217" v="214"/>
-            <ac:spMkLst>
-              <pc:docMk/>
-              <pc:sldMasterMk cId="1004569575" sldId="2147483888"/>
-              <pc:sldLayoutMk cId="1371238529" sldId="2147483893"/>
-              <ac:spMk id="4" creationId="{00000000-0000-0000-0000-000000000000}"/>
-            </ac:spMkLst>
-          </pc:spChg>
-          <pc:spChg chg="mod">
-            <ac:chgData name="Bo Tang" userId="332dbdf67b1791cd" providerId="LiveId" clId="{76DAB5B4-E7E7-4642-AA4E-8A875959D387}" dt="2025-02-05T11:19:44.217" v="214"/>
-            <ac:spMkLst>
-              <pc:docMk/>
-              <pc:sldMasterMk cId="1004569575" sldId="2147483888"/>
-              <pc:sldLayoutMk cId="1371238529" sldId="2147483893"/>
-              <ac:spMk id="5" creationId="{00000000-0000-0000-0000-000000000000}"/>
-            </ac:spMkLst>
-          </pc:spChg>
-          <pc:spChg chg="mod">
-            <ac:chgData name="Bo Tang" userId="332dbdf67b1791cd" providerId="LiveId" clId="{76DAB5B4-E7E7-4642-AA4E-8A875959D387}" dt="2025-02-05T11:19:44.217" v="214"/>
-            <ac:spMkLst>
-              <pc:docMk/>
-              <pc:sldMasterMk cId="1004569575" sldId="2147483888"/>
-              <pc:sldLayoutMk cId="1371238529" sldId="2147483893"/>
-              <ac:spMk id="6" creationId="{00000000-0000-0000-0000-000000000000}"/>
-            </ac:spMkLst>
-          </pc:spChg>
         </pc:sldLayoutChg>
         <pc:sldLayoutChg chg="modSp">
           <pc:chgData name="Bo Tang" userId="332dbdf67b1791cd" providerId="LiveId" clId="{76DAB5B4-E7E7-4642-AA4E-8A875959D387}" dt="2025-02-05T11:19:44.217" v="214"/>
@@ -2545,33 +1215,6 @@
             <pc:sldMasterMk cId="1004569575" sldId="2147483888"/>
             <pc:sldLayoutMk cId="1864929064" sldId="2147483896"/>
           </pc:sldLayoutMkLst>
-          <pc:spChg chg="mod">
-            <ac:chgData name="Bo Tang" userId="332dbdf67b1791cd" providerId="LiveId" clId="{76DAB5B4-E7E7-4642-AA4E-8A875959D387}" dt="2025-02-05T11:19:44.217" v="214"/>
-            <ac:spMkLst>
-              <pc:docMk/>
-              <pc:sldMasterMk cId="1004569575" sldId="2147483888"/>
-              <pc:sldLayoutMk cId="1864929064" sldId="2147483896"/>
-              <ac:spMk id="2" creationId="{00000000-0000-0000-0000-000000000000}"/>
-            </ac:spMkLst>
-          </pc:spChg>
-          <pc:spChg chg="mod">
-            <ac:chgData name="Bo Tang" userId="332dbdf67b1791cd" providerId="LiveId" clId="{76DAB5B4-E7E7-4642-AA4E-8A875959D387}" dt="2025-02-05T11:19:44.217" v="214"/>
-            <ac:spMkLst>
-              <pc:docMk/>
-              <pc:sldMasterMk cId="1004569575" sldId="2147483888"/>
-              <pc:sldLayoutMk cId="1864929064" sldId="2147483896"/>
-              <ac:spMk id="3" creationId="{00000000-0000-0000-0000-000000000000}"/>
-            </ac:spMkLst>
-          </pc:spChg>
-          <pc:spChg chg="mod">
-            <ac:chgData name="Bo Tang" userId="332dbdf67b1791cd" providerId="LiveId" clId="{76DAB5B4-E7E7-4642-AA4E-8A875959D387}" dt="2025-02-05T11:19:44.217" v="214"/>
-            <ac:spMkLst>
-              <pc:docMk/>
-              <pc:sldMasterMk cId="1004569575" sldId="2147483888"/>
-              <pc:sldLayoutMk cId="1864929064" sldId="2147483896"/>
-              <ac:spMk id="4" creationId="{00000000-0000-0000-0000-000000000000}"/>
-            </ac:spMkLst>
-          </pc:spChg>
         </pc:sldLayoutChg>
         <pc:sldLayoutChg chg="modSp">
           <pc:chgData name="Bo Tang" userId="332dbdf67b1791cd" providerId="LiveId" clId="{76DAB5B4-E7E7-4642-AA4E-8A875959D387}" dt="2025-02-05T11:19:44.217" v="214"/>
@@ -2580,33 +1223,6 @@
             <pc:sldMasterMk cId="1004569575" sldId="2147483888"/>
             <pc:sldLayoutMk cId="140324394" sldId="2147483897"/>
           </pc:sldLayoutMkLst>
-          <pc:spChg chg="mod">
-            <ac:chgData name="Bo Tang" userId="332dbdf67b1791cd" providerId="LiveId" clId="{76DAB5B4-E7E7-4642-AA4E-8A875959D387}" dt="2025-02-05T11:19:44.217" v="214"/>
-            <ac:spMkLst>
-              <pc:docMk/>
-              <pc:sldMasterMk cId="1004569575" sldId="2147483888"/>
-              <pc:sldLayoutMk cId="140324394" sldId="2147483897"/>
-              <ac:spMk id="2" creationId="{00000000-0000-0000-0000-000000000000}"/>
-            </ac:spMkLst>
-          </pc:spChg>
-          <pc:spChg chg="mod">
-            <ac:chgData name="Bo Tang" userId="332dbdf67b1791cd" providerId="LiveId" clId="{76DAB5B4-E7E7-4642-AA4E-8A875959D387}" dt="2025-02-05T11:19:44.217" v="214"/>
-            <ac:spMkLst>
-              <pc:docMk/>
-              <pc:sldMasterMk cId="1004569575" sldId="2147483888"/>
-              <pc:sldLayoutMk cId="140324394" sldId="2147483897"/>
-              <ac:spMk id="3" creationId="{00000000-0000-0000-0000-000000000000}"/>
-            </ac:spMkLst>
-          </pc:spChg>
-          <pc:spChg chg="mod">
-            <ac:chgData name="Bo Tang" userId="332dbdf67b1791cd" providerId="LiveId" clId="{76DAB5B4-E7E7-4642-AA4E-8A875959D387}" dt="2025-02-05T11:19:44.217" v="214"/>
-            <ac:spMkLst>
-              <pc:docMk/>
-              <pc:sldMasterMk cId="1004569575" sldId="2147483888"/>
-              <pc:sldLayoutMk cId="140324394" sldId="2147483897"/>
-              <ac:spMk id="4" creationId="{00000000-0000-0000-0000-000000000000}"/>
-            </ac:spMkLst>
-          </pc:spChg>
         </pc:sldLayoutChg>
         <pc:sldLayoutChg chg="modSp">
           <pc:chgData name="Bo Tang" userId="332dbdf67b1791cd" providerId="LiveId" clId="{76DAB5B4-E7E7-4642-AA4E-8A875959D387}" dt="2025-02-05T11:19:44.217" v="214"/>
@@ -2615,24 +1231,6 @@
             <pc:sldMasterMk cId="1004569575" sldId="2147483888"/>
             <pc:sldLayoutMk cId="304823630" sldId="2147483899"/>
           </pc:sldLayoutMkLst>
-          <pc:spChg chg="mod">
-            <ac:chgData name="Bo Tang" userId="332dbdf67b1791cd" providerId="LiveId" clId="{76DAB5B4-E7E7-4642-AA4E-8A875959D387}" dt="2025-02-05T11:19:44.217" v="214"/>
-            <ac:spMkLst>
-              <pc:docMk/>
-              <pc:sldMasterMk cId="1004569575" sldId="2147483888"/>
-              <pc:sldLayoutMk cId="304823630" sldId="2147483899"/>
-              <ac:spMk id="2" creationId="{00000000-0000-0000-0000-000000000000}"/>
-            </ac:spMkLst>
-          </pc:spChg>
-          <pc:spChg chg="mod">
-            <ac:chgData name="Bo Tang" userId="332dbdf67b1791cd" providerId="LiveId" clId="{76DAB5B4-E7E7-4642-AA4E-8A875959D387}" dt="2025-02-05T11:19:44.217" v="214"/>
-            <ac:spMkLst>
-              <pc:docMk/>
-              <pc:sldMasterMk cId="1004569575" sldId="2147483888"/>
-              <pc:sldLayoutMk cId="304823630" sldId="2147483899"/>
-              <ac:spMk id="3" creationId="{00000000-0000-0000-0000-000000000000}"/>
-            </ac:spMkLst>
-          </pc:spChg>
         </pc:sldLayoutChg>
       </pc:sldMasterChg>
     </pc:docChg>
@@ -2857,7 +1455,7 @@
           <a:p>
             <a:fld id="{6E64BD1D-3336-47FF-9B2A-AE464FC3A9D4}" type="datetimeFigureOut">
               <a:rPr lang="en-US" smtClean="0"/>
-              <a:t>2025-02-05</a:t>
+              <a:t>2025-02-23</a:t>
             </a:fld>
             <a:endParaRPr lang="en-US"/>
           </a:p>
@@ -3027,7 +1625,7 @@
           <a:p>
             <a:fld id="{6E64BD1D-3336-47FF-9B2A-AE464FC3A9D4}" type="datetimeFigureOut">
               <a:rPr lang="en-US" smtClean="0"/>
-              <a:t>2025-02-05</a:t>
+              <a:t>2025-02-23</a:t>
             </a:fld>
             <a:endParaRPr lang="en-US"/>
           </a:p>
@@ -3207,7 +1805,7 @@
           <a:p>
             <a:fld id="{6E64BD1D-3336-47FF-9B2A-AE464FC3A9D4}" type="datetimeFigureOut">
               <a:rPr lang="en-US" smtClean="0"/>
-              <a:t>2025-02-05</a:t>
+              <a:t>2025-02-23</a:t>
             </a:fld>
             <a:endParaRPr lang="en-US"/>
           </a:p>
@@ -3377,7 +1975,7 @@
           <a:p>
             <a:fld id="{6E64BD1D-3336-47FF-9B2A-AE464FC3A9D4}" type="datetimeFigureOut">
               <a:rPr lang="en-US" smtClean="0"/>
-              <a:t>2025-02-05</a:t>
+              <a:t>2025-02-23</a:t>
             </a:fld>
             <a:endParaRPr lang="en-US"/>
           </a:p>
@@ -3623,7 +2221,7 @@
           <a:p>
             <a:fld id="{6E64BD1D-3336-47FF-9B2A-AE464FC3A9D4}" type="datetimeFigureOut">
               <a:rPr lang="en-US" smtClean="0"/>
-              <a:t>2025-02-05</a:t>
+              <a:t>2025-02-23</a:t>
             </a:fld>
             <a:endParaRPr lang="en-US"/>
           </a:p>
@@ -3855,7 +2453,7 @@
           <a:p>
             <a:fld id="{6E64BD1D-3336-47FF-9B2A-AE464FC3A9D4}" type="datetimeFigureOut">
               <a:rPr lang="en-US" smtClean="0"/>
-              <a:t>2025-02-05</a:t>
+              <a:t>2025-02-23</a:t>
             </a:fld>
             <a:endParaRPr lang="en-US"/>
           </a:p>
@@ -4222,7 +2820,7 @@
           <a:p>
             <a:fld id="{6E64BD1D-3336-47FF-9B2A-AE464FC3A9D4}" type="datetimeFigureOut">
               <a:rPr lang="en-US" smtClean="0"/>
-              <a:t>2025-02-05</a:t>
+              <a:t>2025-02-23</a:t>
             </a:fld>
             <a:endParaRPr lang="en-US"/>
           </a:p>
@@ -4340,7 +2938,7 @@
           <a:p>
             <a:fld id="{6E64BD1D-3336-47FF-9B2A-AE464FC3A9D4}" type="datetimeFigureOut">
               <a:rPr lang="en-US" smtClean="0"/>
-              <a:t>2025-02-05</a:t>
+              <a:t>2025-02-23</a:t>
             </a:fld>
             <a:endParaRPr lang="en-US"/>
           </a:p>
@@ -4435,7 +3033,7 @@
           <a:p>
             <a:fld id="{6E64BD1D-3336-47FF-9B2A-AE464FC3A9D4}" type="datetimeFigureOut">
               <a:rPr lang="en-US" smtClean="0"/>
-              <a:t>2025-02-05</a:t>
+              <a:t>2025-02-23</a:t>
             </a:fld>
             <a:endParaRPr lang="en-US"/>
           </a:p>
@@ -4712,7 +3310,7 @@
           <a:p>
             <a:fld id="{6E64BD1D-3336-47FF-9B2A-AE464FC3A9D4}" type="datetimeFigureOut">
               <a:rPr lang="en-US" smtClean="0"/>
-              <a:t>2025-02-05</a:t>
+              <a:t>2025-02-23</a:t>
             </a:fld>
             <a:endParaRPr lang="en-US"/>
           </a:p>
@@ -4969,7 +3567,7 @@
           <a:p>
             <a:fld id="{6E64BD1D-3336-47FF-9B2A-AE464FC3A9D4}" type="datetimeFigureOut">
               <a:rPr lang="en-US" smtClean="0"/>
-              <a:t>2025-02-05</a:t>
+              <a:t>2025-02-23</a:t>
             </a:fld>
             <a:endParaRPr lang="en-US"/>
           </a:p>
@@ -5182,7 +3780,7 @@
           <a:p>
             <a:fld id="{6E64BD1D-3336-47FF-9B2A-AE464FC3A9D4}" type="datetimeFigureOut">
               <a:rPr lang="en-US" smtClean="0"/>
-              <a:t>2025-02-05</a:t>
+              <a:t>2025-02-23</a:t>
             </a:fld>
             <a:endParaRPr lang="en-US"/>
           </a:p>
@@ -7189,8 +5787,8 @@
               </p:txBody>
             </p:sp>
           </p:grpSp>
-          <mc:AlternateContent xmlns:mc="http://schemas.openxmlformats.org/markup-compatibility/2006" xmlns:a14="http://schemas.microsoft.com/office/drawing/2010/main">
-            <mc:Choice Requires="a14">
+          <mc:AlternateContent xmlns:mc="http://schemas.openxmlformats.org/markup-compatibility/2006">
+            <mc:Choice xmlns:a14="http://schemas.microsoft.com/office/drawing/2010/main" Requires="a14">
               <p:sp>
                 <p:nvSpPr>
                   <p:cNvPr id="14" name="TextBox 13">
@@ -7223,10 +5821,7 @@
                     <a:r>
                       <a:rPr lang="en-US" dirty="0">
                         <a:solidFill>
-                          <a:schemeClr val="tx1">
-                            <a:lumMod val="95000"/>
-                            <a:lumOff val="5000"/>
-                          </a:schemeClr>
+                          <a:schemeClr val="tx1"/>
                         </a:solidFill>
                         <a:latin typeface="Times New Roman" panose="02020603050405020304" pitchFamily="18" charset="0"/>
                         <a:cs typeface="Times New Roman" panose="02020603050405020304" pitchFamily="18" charset="0"/>
@@ -7240,7 +5835,7 @@
                             <m:ctrlPr>
                               <a:rPr lang="en-US" i="1">
                                 <a:solidFill>
-                                  <a:srgbClr val="002060"/>
+                                  <a:schemeClr val="tx1"/>
                                 </a:solidFill>
                                 <a:latin typeface="Cambria Math" panose="02040503050406030204" pitchFamily="18" charset="0"/>
                                 <a:ea typeface="Cambria Math" panose="02040503050406030204" pitchFamily="18" charset="0"/>
@@ -7252,7 +5847,7 @@
                             <m:r>
                               <a:rPr lang="en-US" b="1" i="1">
                                 <a:solidFill>
-                                  <a:srgbClr val="002060"/>
+                                  <a:schemeClr val="tx1"/>
                                 </a:solidFill>
                                 <a:latin typeface="Cambria Math" panose="02040503050406030204" pitchFamily="18" charset="0"/>
                                 <a:ea typeface="Cambria Math" panose="02040503050406030204" pitchFamily="18" charset="0"/>
@@ -7265,7 +5860,7 @@
                             <m:r>
                               <a:rPr lang="en-US" i="1">
                                 <a:solidFill>
-                                  <a:srgbClr val="002060"/>
+                                  <a:schemeClr val="tx1"/>
                                 </a:solidFill>
                                 <a:latin typeface="Cambria Math" panose="02040503050406030204" pitchFamily="18" charset="0"/>
                                 <a:ea typeface="Cambria Math" panose="02040503050406030204" pitchFamily="18" charset="0"/>
@@ -7279,10 +5874,7 @@
                     </a14:m>
                     <a:endParaRPr lang="en-US" dirty="0">
                       <a:solidFill>
-                        <a:schemeClr val="tx1">
-                          <a:lumMod val="95000"/>
-                          <a:lumOff val="5000"/>
-                        </a:schemeClr>
+                        <a:schemeClr val="tx1"/>
                       </a:solidFill>
                       <a:latin typeface="Times New Roman" panose="02020603050405020304" pitchFamily="18" charset="0"/>
                       <a:cs typeface="Times New Roman" panose="02020603050405020304" pitchFamily="18" charset="0"/>
@@ -7291,7 +5883,7 @@
                 </p:txBody>
               </p:sp>
             </mc:Choice>
-            <mc:Fallback xmlns="">
+            <mc:Fallback>
               <p:sp>
                 <p:nvSpPr>
                   <p:cNvPr id="14" name="TextBox 13">
